--- a/Angular Presentation.pptx
+++ b/Angular Presentation.pptx
@@ -19,6 +19,8 @@
     <p:sldId id="290" r:id="rId13"/>
     <p:sldId id="291" r:id="rId14"/>
     <p:sldId id="260" r:id="rId15"/>
+    <p:sldId id="292" r:id="rId16"/>
+    <p:sldId id="293" r:id="rId17"/>
   </p:sldIdLst>
   <p:sldSz cx="12192000" cy="6858000"/>
   <p:notesSz cx="6858000" cy="9144000"/>
@@ -14172,6 +14174,24 @@
               <a:rPr lang="en-IN" sz="2000" dirty="0" smtClean="0"/>
               <a:t>Modules</a:t>
             </a:r>
+          </a:p>
+          <a:p>
+            <a:pPr marL="342900" indent="-342900">
+              <a:buAutoNum type="arabicPeriod"/>
+            </a:pPr>
+            <a:r>
+              <a:rPr lang="en-IN" dirty="0" smtClean="0"/>
+              <a:t>Components</a:t>
+            </a:r>
+          </a:p>
+          <a:p>
+            <a:pPr marL="342900" indent="-342900">
+              <a:buAutoNum type="arabicPeriod"/>
+            </a:pPr>
+            <a:r>
+              <a:rPr lang="en-IN" sz="2000" smtClean="0"/>
+              <a:t>Services</a:t>
+            </a:r>
             <a:endParaRPr lang="en-IN" sz="2000" dirty="0"/>
           </a:p>
         </p:txBody>
@@ -14180,6 +14200,1048 @@
     <p:extLst>
       <p:ext uri="{BB962C8B-B14F-4D97-AF65-F5344CB8AC3E}">
         <p14:creationId xmlns:p14="http://schemas.microsoft.com/office/powerpoint/2010/main" val="360348243"/>
+      </p:ext>
+    </p:extLst>
+  </p:cSld>
+  <p:clrMapOvr>
+    <a:masterClrMapping/>
+  </p:clrMapOvr>
+  <p:timing>
+    <p:tnLst>
+      <p:par>
+        <p:cTn id="1" dur="indefinite" restart="never" nodeType="tmRoot"/>
+      </p:par>
+    </p:tnLst>
+  </p:timing>
+</p:sld>
+</file>
+
+<file path=ppt/slides/slide15.xml><?xml version="1.0" encoding="utf-8"?>
+<p:sld xmlns:a="http://schemas.openxmlformats.org/drawingml/2006/main" xmlns:r="http://schemas.openxmlformats.org/officeDocument/2006/relationships" xmlns:p="http://schemas.openxmlformats.org/presentationml/2006/main">
+  <p:cSld>
+    <p:spTree>
+      <p:nvGrpSpPr>
+        <p:cNvPr id="1" name=""/>
+        <p:cNvGrpSpPr/>
+        <p:nvPr/>
+      </p:nvGrpSpPr>
+      <p:grpSpPr>
+        <a:xfrm>
+          <a:off x="0" y="0"/>
+          <a:ext cx="0" cy="0"/>
+          <a:chOff x="0" y="0"/>
+          <a:chExt cx="0" cy="0"/>
+        </a:xfrm>
+      </p:grpSpPr>
+      <p:sp>
+        <p:nvSpPr>
+          <p:cNvPr id="4" name="Rectangle 3"/>
+          <p:cNvSpPr/>
+          <p:nvPr/>
+        </p:nvSpPr>
+        <p:spPr>
+          <a:xfrm>
+            <a:off x="7920319" y="2514600"/>
+            <a:ext cx="4020669" cy="3697941"/>
+          </a:xfrm>
+          <a:prstGeom prst="rect">
+            <a:avLst/>
+          </a:prstGeom>
+        </p:spPr>
+        <p:style>
+          <a:lnRef idx="2">
+            <a:schemeClr val="accent1">
+              <a:shade val="50000"/>
+            </a:schemeClr>
+          </a:lnRef>
+          <a:fillRef idx="1">
+            <a:schemeClr val="accent1"/>
+          </a:fillRef>
+          <a:effectRef idx="0">
+            <a:schemeClr val="accent1"/>
+          </a:effectRef>
+          <a:fontRef idx="minor">
+            <a:schemeClr val="lt1"/>
+          </a:fontRef>
+        </p:style>
+        <p:txBody>
+          <a:bodyPr rtlCol="0" anchor="ctr"/>
+          <a:lstStyle/>
+          <a:p>
+            <a:pPr algn="ctr"/>
+            <a:endParaRPr lang="en-IN"/>
+          </a:p>
+        </p:txBody>
+      </p:sp>
+      <p:sp>
+        <p:nvSpPr>
+          <p:cNvPr id="10" name="Rectangle 9"/>
+          <p:cNvSpPr/>
+          <p:nvPr/>
+        </p:nvSpPr>
+        <p:spPr>
+          <a:xfrm>
+            <a:off x="8122023" y="3475853"/>
+            <a:ext cx="3617259" cy="2427406"/>
+          </a:xfrm>
+          <a:prstGeom prst="rect">
+            <a:avLst/>
+          </a:prstGeom>
+          <a:solidFill>
+            <a:schemeClr val="accent4">
+              <a:lumMod val="20000"/>
+              <a:lumOff val="80000"/>
+            </a:schemeClr>
+          </a:solidFill>
+        </p:spPr>
+        <p:style>
+          <a:lnRef idx="2">
+            <a:schemeClr val="accent1">
+              <a:shade val="50000"/>
+            </a:schemeClr>
+          </a:lnRef>
+          <a:fillRef idx="1">
+            <a:schemeClr val="accent1"/>
+          </a:fillRef>
+          <a:effectRef idx="0">
+            <a:schemeClr val="accent1"/>
+          </a:effectRef>
+          <a:fontRef idx="minor">
+            <a:schemeClr val="lt1"/>
+          </a:fontRef>
+        </p:style>
+        <p:txBody>
+          <a:bodyPr rtlCol="0" anchor="ctr"/>
+          <a:lstStyle/>
+          <a:p>
+            <a:pPr algn="ctr"/>
+            <a:endParaRPr lang="en-IN"/>
+          </a:p>
+        </p:txBody>
+      </p:sp>
+      <p:sp>
+        <p:nvSpPr>
+          <p:cNvPr id="2" name="Title 1"/>
+          <p:cNvSpPr>
+            <a:spLocks noGrp="1"/>
+          </p:cNvSpPr>
+          <p:nvPr>
+            <p:ph type="title"/>
+          </p:nvPr>
+        </p:nvSpPr>
+        <p:spPr>
+          <a:xfrm>
+            <a:off x="1154954" y="973668"/>
+            <a:ext cx="9239622" cy="706964"/>
+          </a:xfrm>
+        </p:spPr>
+        <p:txBody>
+          <a:bodyPr/>
+          <a:lstStyle/>
+          <a:p>
+            <a:r>
+              <a:rPr lang="en-IN" b="1" dirty="0" smtClean="0"/>
+              <a:t>2.1 Modules</a:t>
+            </a:r>
+            <a:endParaRPr lang="en-IN" b="1" dirty="0"/>
+          </a:p>
+        </p:txBody>
+      </p:sp>
+      <p:sp>
+        <p:nvSpPr>
+          <p:cNvPr id="3" name="Content Placeholder 2"/>
+          <p:cNvSpPr>
+            <a:spLocks noGrp="1"/>
+          </p:cNvSpPr>
+          <p:nvPr>
+            <p:ph sz="half" idx="2"/>
+          </p:nvPr>
+        </p:nvSpPr>
+        <p:spPr>
+          <a:xfrm>
+            <a:off x="860612" y="2366682"/>
+            <a:ext cx="7059707" cy="4047565"/>
+          </a:xfrm>
+        </p:spPr>
+        <p:txBody>
+          <a:bodyPr>
+            <a:normAutofit/>
+          </a:bodyPr>
+          <a:lstStyle/>
+          <a:p>
+            <a:r>
+              <a:rPr lang="en-IN" dirty="0" smtClean="0"/>
+              <a:t>Modules are the first building block of Angular. Angular apps are modular in nature. Angular </a:t>
+            </a:r>
+            <a:r>
+              <a:rPr lang="en-IN" dirty="0"/>
+              <a:t>is a collection of individual </a:t>
+            </a:r>
+            <a:r>
+              <a:rPr lang="en-IN" dirty="0" smtClean="0"/>
+              <a:t>modules.</a:t>
+            </a:r>
+          </a:p>
+          <a:p>
+            <a:r>
+              <a:rPr lang="en-IN" dirty="0" smtClean="0"/>
+              <a:t>Every modules represent a feature area in your application</a:t>
+            </a:r>
+          </a:p>
+          <a:p>
+            <a:r>
+              <a:rPr lang="en-IN" dirty="0" smtClean="0"/>
+              <a:t>User Modules : Contain all user related stuffs and Admin Modules: Contain all admin related stuffs</a:t>
+            </a:r>
+          </a:p>
+          <a:p>
+            <a:r>
+              <a:rPr lang="en-IN" dirty="0" smtClean="0"/>
+              <a:t>These modules can be imported or exported</a:t>
+            </a:r>
+          </a:p>
+          <a:p>
+            <a:r>
+              <a:rPr lang="en-IN" dirty="0" smtClean="0"/>
+              <a:t>Angular application should have minimum module which is called root module and here by convention we call it as </a:t>
+            </a:r>
+            <a:r>
+              <a:rPr lang="en-IN" b="1" dirty="0" smtClean="0"/>
+              <a:t>APP Module</a:t>
+            </a:r>
+          </a:p>
+          <a:p>
+            <a:r>
+              <a:rPr lang="en-IN" dirty="0" smtClean="0"/>
+              <a:t>Each module is made up of Components &amp; Services</a:t>
+            </a:r>
+            <a:endParaRPr lang="en-IN" dirty="0"/>
+          </a:p>
+        </p:txBody>
+      </p:sp>
+      <p:sp>
+        <p:nvSpPr>
+          <p:cNvPr id="5" name="TextBox 4"/>
+          <p:cNvSpPr txBox="1"/>
+          <p:nvPr/>
+        </p:nvSpPr>
+        <p:spPr>
+          <a:xfrm>
+            <a:off x="8700247" y="2743200"/>
+            <a:ext cx="2124635" cy="369332"/>
+          </a:xfrm>
+          <a:prstGeom prst="rect">
+            <a:avLst/>
+          </a:prstGeom>
+          <a:solidFill>
+            <a:schemeClr val="bg1"/>
+          </a:solidFill>
+        </p:spPr>
+        <p:txBody>
+          <a:bodyPr wrap="square" rtlCol="0">
+            <a:spAutoFit/>
+          </a:bodyPr>
+          <a:lstStyle/>
+          <a:p>
+            <a:pPr algn="ctr"/>
+            <a:r>
+              <a:rPr lang="en-IN" b="1" dirty="0" smtClean="0">
+                <a:solidFill>
+                  <a:schemeClr val="accent6">
+                    <a:lumMod val="75000"/>
+                  </a:schemeClr>
+                </a:solidFill>
+              </a:rPr>
+              <a:t>Angular App</a:t>
+            </a:r>
+            <a:endParaRPr lang="en-IN" b="1" dirty="0">
+              <a:solidFill>
+                <a:schemeClr val="accent6">
+                  <a:lumMod val="75000"/>
+                </a:schemeClr>
+              </a:solidFill>
+            </a:endParaRPr>
+          </a:p>
+        </p:txBody>
+      </p:sp>
+      <p:sp>
+        <p:nvSpPr>
+          <p:cNvPr id="6" name="Rectangle 5"/>
+          <p:cNvSpPr/>
+          <p:nvPr/>
+        </p:nvSpPr>
+        <p:spPr>
+          <a:xfrm>
+            <a:off x="8276664" y="4296122"/>
+            <a:ext cx="1398494" cy="1035424"/>
+          </a:xfrm>
+          <a:prstGeom prst="rect">
+            <a:avLst/>
+          </a:prstGeom>
+          <a:solidFill>
+            <a:schemeClr val="accent3">
+              <a:lumMod val="50000"/>
+            </a:schemeClr>
+          </a:solidFill>
+          <a:ln>
+            <a:noFill/>
+          </a:ln>
+        </p:spPr>
+        <p:style>
+          <a:lnRef idx="2">
+            <a:schemeClr val="accent1">
+              <a:shade val="50000"/>
+            </a:schemeClr>
+          </a:lnRef>
+          <a:fillRef idx="1">
+            <a:schemeClr val="accent1"/>
+          </a:fillRef>
+          <a:effectRef idx="0">
+            <a:schemeClr val="accent1"/>
+          </a:effectRef>
+          <a:fontRef idx="minor">
+            <a:schemeClr val="lt1"/>
+          </a:fontRef>
+        </p:style>
+        <p:txBody>
+          <a:bodyPr rtlCol="0" anchor="ctr"/>
+          <a:lstStyle/>
+          <a:p>
+            <a:pPr algn="ctr"/>
+            <a:r>
+              <a:rPr lang="en-IN" dirty="0" smtClean="0"/>
+              <a:t>Module 1 (User Module)</a:t>
+            </a:r>
+            <a:endParaRPr lang="en-IN" dirty="0"/>
+          </a:p>
+        </p:txBody>
+      </p:sp>
+      <p:sp>
+        <p:nvSpPr>
+          <p:cNvPr id="8" name="Rectangle 7"/>
+          <p:cNvSpPr/>
+          <p:nvPr/>
+        </p:nvSpPr>
+        <p:spPr>
+          <a:xfrm>
+            <a:off x="10071846" y="4255781"/>
+            <a:ext cx="1398494" cy="1035424"/>
+          </a:xfrm>
+          <a:prstGeom prst="rect">
+            <a:avLst/>
+          </a:prstGeom>
+          <a:solidFill>
+            <a:srgbClr val="00B050"/>
+          </a:solidFill>
+          <a:ln>
+            <a:noFill/>
+          </a:ln>
+        </p:spPr>
+        <p:style>
+          <a:lnRef idx="2">
+            <a:schemeClr val="accent1">
+              <a:shade val="50000"/>
+            </a:schemeClr>
+          </a:lnRef>
+          <a:fillRef idx="1">
+            <a:schemeClr val="accent1"/>
+          </a:fillRef>
+          <a:effectRef idx="0">
+            <a:schemeClr val="accent1"/>
+          </a:effectRef>
+          <a:fontRef idx="minor">
+            <a:schemeClr val="lt1"/>
+          </a:fontRef>
+        </p:style>
+        <p:txBody>
+          <a:bodyPr rtlCol="0" anchor="ctr"/>
+          <a:lstStyle/>
+          <a:p>
+            <a:pPr algn="ctr"/>
+            <a:r>
+              <a:rPr lang="en-IN" dirty="0" smtClean="0"/>
+              <a:t>Module 2 (Admin Module)</a:t>
+            </a:r>
+            <a:endParaRPr lang="en-IN" dirty="0"/>
+          </a:p>
+        </p:txBody>
+      </p:sp>
+      <p:sp>
+        <p:nvSpPr>
+          <p:cNvPr id="11" name="TextBox 10"/>
+          <p:cNvSpPr txBox="1"/>
+          <p:nvPr/>
+        </p:nvSpPr>
+        <p:spPr>
+          <a:xfrm>
+            <a:off x="9066678" y="3667934"/>
+            <a:ext cx="1593477" cy="369332"/>
+          </a:xfrm>
+          <a:prstGeom prst="rect">
+            <a:avLst/>
+          </a:prstGeom>
+          <a:noFill/>
+        </p:spPr>
+        <p:txBody>
+          <a:bodyPr wrap="square" rtlCol="0">
+            <a:spAutoFit/>
+          </a:bodyPr>
+          <a:lstStyle/>
+          <a:p>
+            <a:r>
+              <a:rPr lang="en-IN" b="1" dirty="0" smtClean="0">
+                <a:solidFill>
+                  <a:schemeClr val="accent5">
+                    <a:lumMod val="75000"/>
+                  </a:schemeClr>
+                </a:solidFill>
+              </a:rPr>
+              <a:t>App Module</a:t>
+            </a:r>
+            <a:endParaRPr lang="en-IN" b="1" dirty="0">
+              <a:solidFill>
+                <a:schemeClr val="accent5">
+                  <a:lumMod val="75000"/>
+                </a:schemeClr>
+              </a:solidFill>
+            </a:endParaRPr>
+          </a:p>
+        </p:txBody>
+      </p:sp>
+      <p:cxnSp>
+        <p:nvCxnSpPr>
+          <p:cNvPr id="13" name="Straight Arrow Connector 12"/>
+          <p:cNvCxnSpPr/>
+          <p:nvPr/>
+        </p:nvCxnSpPr>
+        <p:spPr>
+          <a:xfrm flipV="1">
+            <a:off x="9637263" y="4773493"/>
+            <a:ext cx="452309" cy="2794"/>
+          </a:xfrm>
+          <a:prstGeom prst="straightConnector1">
+            <a:avLst/>
+          </a:prstGeom>
+          <a:ln>
+            <a:headEnd type="triangle"/>
+            <a:tailEnd type="triangle"/>
+          </a:ln>
+        </p:spPr>
+        <p:style>
+          <a:lnRef idx="1">
+            <a:schemeClr val="accent1"/>
+          </a:lnRef>
+          <a:fillRef idx="0">
+            <a:schemeClr val="accent1"/>
+          </a:fillRef>
+          <a:effectRef idx="0">
+            <a:schemeClr val="accent1"/>
+          </a:effectRef>
+          <a:fontRef idx="minor">
+            <a:schemeClr val="tx1"/>
+          </a:fontRef>
+        </p:style>
+      </p:cxnSp>
+      <p:sp>
+        <p:nvSpPr>
+          <p:cNvPr id="15" name="TextBox 14"/>
+          <p:cNvSpPr txBox="1"/>
+          <p:nvPr/>
+        </p:nvSpPr>
+        <p:spPr>
+          <a:xfrm>
+            <a:off x="9063318" y="5424509"/>
+            <a:ext cx="1761564" cy="369332"/>
+          </a:xfrm>
+          <a:prstGeom prst="rect">
+            <a:avLst/>
+          </a:prstGeom>
+          <a:noFill/>
+        </p:spPr>
+        <p:txBody>
+          <a:bodyPr wrap="square" rtlCol="0">
+            <a:spAutoFit/>
+          </a:bodyPr>
+          <a:lstStyle/>
+          <a:p>
+            <a:r>
+              <a:rPr lang="en-IN" b="1" dirty="0" smtClean="0"/>
+              <a:t>Import/export</a:t>
+            </a:r>
+            <a:endParaRPr lang="en-IN" b="1" dirty="0"/>
+          </a:p>
+        </p:txBody>
+      </p:sp>
+    </p:spTree>
+    <p:extLst>
+      <p:ext uri="{BB962C8B-B14F-4D97-AF65-F5344CB8AC3E}">
+        <p14:creationId xmlns:p14="http://schemas.microsoft.com/office/powerpoint/2010/main" val="2360984490"/>
+      </p:ext>
+    </p:extLst>
+  </p:cSld>
+  <p:clrMapOvr>
+    <a:masterClrMapping/>
+  </p:clrMapOvr>
+  <p:timing>
+    <p:tnLst>
+      <p:par>
+        <p:cTn id="1" dur="indefinite" restart="never" nodeType="tmRoot"/>
+      </p:par>
+    </p:tnLst>
+  </p:timing>
+</p:sld>
+</file>
+
+<file path=ppt/slides/slide16.xml><?xml version="1.0" encoding="utf-8"?>
+<p:sld xmlns:a="http://schemas.openxmlformats.org/drawingml/2006/main" xmlns:r="http://schemas.openxmlformats.org/officeDocument/2006/relationships" xmlns:p="http://schemas.openxmlformats.org/presentationml/2006/main">
+  <p:cSld>
+    <p:spTree>
+      <p:nvGrpSpPr>
+        <p:cNvPr id="1" name=""/>
+        <p:cNvGrpSpPr/>
+        <p:nvPr/>
+      </p:nvGrpSpPr>
+      <p:grpSpPr>
+        <a:xfrm>
+          <a:off x="0" y="0"/>
+          <a:ext cx="0" cy="0"/>
+          <a:chOff x="0" y="0"/>
+          <a:chExt cx="0" cy="0"/>
+        </a:xfrm>
+      </p:grpSpPr>
+      <p:sp>
+        <p:nvSpPr>
+          <p:cNvPr id="4" name="Rectangle 3"/>
+          <p:cNvSpPr/>
+          <p:nvPr/>
+        </p:nvSpPr>
+        <p:spPr>
+          <a:xfrm>
+            <a:off x="7920319" y="2514600"/>
+            <a:ext cx="4020669" cy="3697941"/>
+          </a:xfrm>
+          <a:prstGeom prst="rect">
+            <a:avLst/>
+          </a:prstGeom>
+        </p:spPr>
+        <p:style>
+          <a:lnRef idx="2">
+            <a:schemeClr val="accent1">
+              <a:shade val="50000"/>
+            </a:schemeClr>
+          </a:lnRef>
+          <a:fillRef idx="1">
+            <a:schemeClr val="accent1"/>
+          </a:fillRef>
+          <a:effectRef idx="0">
+            <a:schemeClr val="accent1"/>
+          </a:effectRef>
+          <a:fontRef idx="minor">
+            <a:schemeClr val="lt1"/>
+          </a:fontRef>
+        </p:style>
+        <p:txBody>
+          <a:bodyPr rtlCol="0" anchor="ctr"/>
+          <a:lstStyle/>
+          <a:p>
+            <a:pPr algn="ctr"/>
+            <a:endParaRPr lang="en-IN"/>
+          </a:p>
+        </p:txBody>
+      </p:sp>
+      <p:sp>
+        <p:nvSpPr>
+          <p:cNvPr id="10" name="Rectangle 9"/>
+          <p:cNvSpPr/>
+          <p:nvPr/>
+        </p:nvSpPr>
+        <p:spPr>
+          <a:xfrm>
+            <a:off x="8135470" y="3559790"/>
+            <a:ext cx="3617259" cy="2427406"/>
+          </a:xfrm>
+          <a:prstGeom prst="rect">
+            <a:avLst/>
+          </a:prstGeom>
+          <a:solidFill>
+            <a:schemeClr val="accent4">
+              <a:lumMod val="20000"/>
+              <a:lumOff val="80000"/>
+            </a:schemeClr>
+          </a:solidFill>
+        </p:spPr>
+        <p:style>
+          <a:lnRef idx="2">
+            <a:schemeClr val="accent1">
+              <a:shade val="50000"/>
+            </a:schemeClr>
+          </a:lnRef>
+          <a:fillRef idx="1">
+            <a:schemeClr val="accent1"/>
+          </a:fillRef>
+          <a:effectRef idx="0">
+            <a:schemeClr val="accent1"/>
+          </a:effectRef>
+          <a:fontRef idx="minor">
+            <a:schemeClr val="lt1"/>
+          </a:fontRef>
+        </p:style>
+        <p:txBody>
+          <a:bodyPr rtlCol="0" anchor="ctr"/>
+          <a:lstStyle/>
+          <a:p>
+            <a:pPr algn="ctr"/>
+            <a:endParaRPr lang="en-IN"/>
+          </a:p>
+        </p:txBody>
+      </p:sp>
+      <p:sp>
+        <p:nvSpPr>
+          <p:cNvPr id="2" name="Title 1"/>
+          <p:cNvSpPr>
+            <a:spLocks noGrp="1"/>
+          </p:cNvSpPr>
+          <p:nvPr>
+            <p:ph type="title"/>
+          </p:nvPr>
+        </p:nvSpPr>
+        <p:spPr>
+          <a:xfrm>
+            <a:off x="1154954" y="973668"/>
+            <a:ext cx="9239622" cy="706964"/>
+          </a:xfrm>
+        </p:spPr>
+        <p:txBody>
+          <a:bodyPr/>
+          <a:lstStyle/>
+          <a:p>
+            <a:r>
+              <a:rPr lang="en-IN" b="1" dirty="0" smtClean="0"/>
+              <a:t>2.2 Components</a:t>
+            </a:r>
+            <a:endParaRPr lang="en-IN" b="1" dirty="0"/>
+          </a:p>
+        </p:txBody>
+      </p:sp>
+      <p:sp>
+        <p:nvSpPr>
+          <p:cNvPr id="3" name="Content Placeholder 2"/>
+          <p:cNvSpPr>
+            <a:spLocks noGrp="1"/>
+          </p:cNvSpPr>
+          <p:nvPr>
+            <p:ph sz="half" idx="2"/>
+          </p:nvPr>
+        </p:nvSpPr>
+        <p:spPr>
+          <a:xfrm>
+            <a:off x="860612" y="2366682"/>
+            <a:ext cx="7059707" cy="4276165"/>
+          </a:xfrm>
+        </p:spPr>
+        <p:txBody>
+          <a:bodyPr>
+            <a:normAutofit fontScale="85000" lnSpcReduction="20000"/>
+          </a:bodyPr>
+          <a:lstStyle/>
+          <a:p>
+            <a:pPr>
+              <a:lnSpc>
+                <a:spcPct val="120000"/>
+              </a:lnSpc>
+            </a:pPr>
+            <a:r>
+              <a:rPr lang="en-IN" dirty="0" smtClean="0"/>
+              <a:t>Components controls a portion of the view in the browser</a:t>
+            </a:r>
+          </a:p>
+          <a:p>
+            <a:pPr>
+              <a:lnSpc>
+                <a:spcPct val="120000"/>
+              </a:lnSpc>
+            </a:pPr>
+            <a:r>
+              <a:rPr lang="en-IN" dirty="0" smtClean="0"/>
+              <a:t>For </a:t>
+            </a:r>
+            <a:r>
+              <a:rPr lang="en-IN" dirty="0" err="1" smtClean="0"/>
+              <a:t>Eg</a:t>
+            </a:r>
+            <a:r>
+              <a:rPr lang="en-IN" dirty="0" smtClean="0"/>
+              <a:t>: We can have components</a:t>
+            </a:r>
+          </a:p>
+          <a:p>
+            <a:pPr lvl="1">
+              <a:lnSpc>
+                <a:spcPct val="120000"/>
+              </a:lnSpc>
+            </a:pPr>
+            <a:r>
+              <a:rPr lang="en-IN" dirty="0" smtClean="0"/>
+              <a:t>1. Navigation Component</a:t>
+            </a:r>
+          </a:p>
+          <a:p>
+            <a:pPr lvl="1">
+              <a:lnSpc>
+                <a:spcPct val="120000"/>
+              </a:lnSpc>
+            </a:pPr>
+            <a:r>
+              <a:rPr lang="en-IN" dirty="0" smtClean="0"/>
+              <a:t>2. Side Bar Component</a:t>
+            </a:r>
+          </a:p>
+          <a:p>
+            <a:pPr lvl="1">
+              <a:lnSpc>
+                <a:spcPct val="120000"/>
+              </a:lnSpc>
+            </a:pPr>
+            <a:r>
+              <a:rPr lang="en-IN" dirty="0" smtClean="0"/>
+              <a:t>3. Main Content Component</a:t>
+            </a:r>
+          </a:p>
+          <a:p>
+            <a:pPr>
+              <a:lnSpc>
+                <a:spcPct val="120000"/>
+              </a:lnSpc>
+            </a:pPr>
+            <a:r>
+              <a:rPr lang="en-IN" dirty="0" smtClean="0"/>
+              <a:t>An Angular app should have at least one component that is root component of the application which is conventionally called as</a:t>
+            </a:r>
+            <a:r>
+              <a:rPr lang="en-IN" b="1" dirty="0" smtClean="0"/>
+              <a:t> </a:t>
+            </a:r>
+            <a:r>
+              <a:rPr lang="en-IN" b="1" dirty="0" err="1" smtClean="0"/>
+              <a:t>AppComponent</a:t>
+            </a:r>
+            <a:endParaRPr lang="en-IN" b="1" dirty="0" smtClean="0"/>
+          </a:p>
+          <a:p>
+            <a:pPr>
+              <a:lnSpc>
+                <a:spcPct val="120000"/>
+              </a:lnSpc>
+            </a:pPr>
+            <a:r>
+              <a:rPr lang="en-IN" dirty="0" smtClean="0"/>
+              <a:t>All the component will be nested in root component</a:t>
+            </a:r>
+          </a:p>
+          <a:p>
+            <a:pPr>
+              <a:lnSpc>
+                <a:spcPct val="120000"/>
+              </a:lnSpc>
+            </a:pPr>
+            <a:r>
+              <a:rPr lang="en-IN" dirty="0" smtClean="0"/>
+              <a:t>Every Component have</a:t>
+            </a:r>
+          </a:p>
+          <a:p>
+            <a:pPr lvl="1">
+              <a:lnSpc>
+                <a:spcPct val="120000"/>
+              </a:lnSpc>
+            </a:pPr>
+            <a:r>
+              <a:rPr lang="en-IN" dirty="0" smtClean="0"/>
+              <a:t>HTML template to display in browser</a:t>
+            </a:r>
+          </a:p>
+          <a:p>
+            <a:pPr lvl="1">
+              <a:lnSpc>
+                <a:spcPct val="120000"/>
+              </a:lnSpc>
+            </a:pPr>
+            <a:r>
+              <a:rPr lang="en-IN" dirty="0" smtClean="0"/>
+              <a:t>Class to control the component</a:t>
+            </a:r>
+          </a:p>
+          <a:p>
+            <a:pPr lvl="1">
+              <a:lnSpc>
+                <a:spcPct val="120000"/>
+              </a:lnSpc>
+            </a:pPr>
+            <a:r>
+              <a:rPr lang="en-IN" dirty="0" smtClean="0"/>
+              <a:t>Styles to styling the HTML</a:t>
+            </a:r>
+            <a:endParaRPr lang="en-IN" dirty="0"/>
+          </a:p>
+        </p:txBody>
+      </p:sp>
+      <p:sp>
+        <p:nvSpPr>
+          <p:cNvPr id="5" name="TextBox 4"/>
+          <p:cNvSpPr txBox="1"/>
+          <p:nvPr/>
+        </p:nvSpPr>
+        <p:spPr>
+          <a:xfrm>
+            <a:off x="8700247" y="2743200"/>
+            <a:ext cx="2124635" cy="369332"/>
+          </a:xfrm>
+          <a:prstGeom prst="rect">
+            <a:avLst/>
+          </a:prstGeom>
+          <a:solidFill>
+            <a:schemeClr val="bg1"/>
+          </a:solidFill>
+        </p:spPr>
+        <p:txBody>
+          <a:bodyPr wrap="square" rtlCol="0">
+            <a:spAutoFit/>
+          </a:bodyPr>
+          <a:lstStyle/>
+          <a:p>
+            <a:pPr algn="ctr"/>
+            <a:r>
+              <a:rPr lang="en-IN" b="1" dirty="0" smtClean="0">
+                <a:solidFill>
+                  <a:schemeClr val="accent6">
+                    <a:lumMod val="75000"/>
+                  </a:schemeClr>
+                </a:solidFill>
+              </a:rPr>
+              <a:t>Angular App</a:t>
+            </a:r>
+            <a:endParaRPr lang="en-IN" b="1" dirty="0">
+              <a:solidFill>
+                <a:schemeClr val="accent6">
+                  <a:lumMod val="75000"/>
+                </a:schemeClr>
+              </a:solidFill>
+            </a:endParaRPr>
+          </a:p>
+        </p:txBody>
+      </p:sp>
+      <p:sp>
+        <p:nvSpPr>
+          <p:cNvPr id="6" name="Rectangle 5"/>
+          <p:cNvSpPr/>
+          <p:nvPr/>
+        </p:nvSpPr>
+        <p:spPr>
+          <a:xfrm>
+            <a:off x="8276664" y="4296122"/>
+            <a:ext cx="1398494" cy="1035424"/>
+          </a:xfrm>
+          <a:prstGeom prst="rect">
+            <a:avLst/>
+          </a:prstGeom>
+          <a:solidFill>
+            <a:schemeClr val="accent3">
+              <a:lumMod val="50000"/>
+            </a:schemeClr>
+          </a:solidFill>
+          <a:ln>
+            <a:noFill/>
+          </a:ln>
+        </p:spPr>
+        <p:style>
+          <a:lnRef idx="2">
+            <a:schemeClr val="accent1">
+              <a:shade val="50000"/>
+            </a:schemeClr>
+          </a:lnRef>
+          <a:fillRef idx="1">
+            <a:schemeClr val="accent1"/>
+          </a:fillRef>
+          <a:effectRef idx="0">
+            <a:schemeClr val="accent1"/>
+          </a:effectRef>
+          <a:fontRef idx="minor">
+            <a:schemeClr val="lt1"/>
+          </a:fontRef>
+        </p:style>
+        <p:txBody>
+          <a:bodyPr rtlCol="0" anchor="ctr"/>
+          <a:lstStyle/>
+          <a:p>
+            <a:pPr algn="ctr"/>
+            <a:r>
+              <a:rPr lang="en-IN" sz="1600" dirty="0" smtClean="0"/>
+              <a:t>Navigation Component</a:t>
+            </a:r>
+            <a:endParaRPr lang="en-IN" sz="1600" dirty="0"/>
+          </a:p>
+        </p:txBody>
+      </p:sp>
+      <p:sp>
+        <p:nvSpPr>
+          <p:cNvPr id="8" name="Rectangle 7"/>
+          <p:cNvSpPr/>
+          <p:nvPr/>
+        </p:nvSpPr>
+        <p:spPr>
+          <a:xfrm>
+            <a:off x="10125634" y="4255781"/>
+            <a:ext cx="1398494" cy="1035424"/>
+          </a:xfrm>
+          <a:prstGeom prst="rect">
+            <a:avLst/>
+          </a:prstGeom>
+          <a:solidFill>
+            <a:srgbClr val="00B050"/>
+          </a:solidFill>
+          <a:ln>
+            <a:noFill/>
+          </a:ln>
+        </p:spPr>
+        <p:style>
+          <a:lnRef idx="2">
+            <a:schemeClr val="accent1">
+              <a:shade val="50000"/>
+            </a:schemeClr>
+          </a:lnRef>
+          <a:fillRef idx="1">
+            <a:schemeClr val="accent1"/>
+          </a:fillRef>
+          <a:effectRef idx="0">
+            <a:schemeClr val="accent1"/>
+          </a:effectRef>
+          <a:fontRef idx="minor">
+            <a:schemeClr val="lt1"/>
+          </a:fontRef>
+        </p:style>
+        <p:txBody>
+          <a:bodyPr rtlCol="0" anchor="ctr"/>
+          <a:lstStyle/>
+          <a:p>
+            <a:pPr algn="ctr"/>
+            <a:r>
+              <a:rPr lang="en-IN" sz="1600" dirty="0" smtClean="0"/>
+              <a:t>Side Bar Component</a:t>
+            </a:r>
+            <a:endParaRPr lang="en-IN" sz="1600" dirty="0"/>
+          </a:p>
+        </p:txBody>
+      </p:sp>
+      <p:sp>
+        <p:nvSpPr>
+          <p:cNvPr id="11" name="TextBox 10"/>
+          <p:cNvSpPr txBox="1"/>
+          <p:nvPr/>
+        </p:nvSpPr>
+        <p:spPr>
+          <a:xfrm>
+            <a:off x="9066677" y="3667934"/>
+            <a:ext cx="2201957" cy="369332"/>
+          </a:xfrm>
+          <a:prstGeom prst="rect">
+            <a:avLst/>
+          </a:prstGeom>
+          <a:noFill/>
+        </p:spPr>
+        <p:txBody>
+          <a:bodyPr wrap="square" rtlCol="0">
+            <a:spAutoFit/>
+          </a:bodyPr>
+          <a:lstStyle/>
+          <a:p>
+            <a:r>
+              <a:rPr lang="en-IN" b="1" dirty="0" err="1" smtClean="0">
+                <a:solidFill>
+                  <a:schemeClr val="accent5">
+                    <a:lumMod val="75000"/>
+                  </a:schemeClr>
+                </a:solidFill>
+              </a:rPr>
+              <a:t>AppComponent</a:t>
+            </a:r>
+            <a:endParaRPr lang="en-IN" b="1" dirty="0">
+              <a:solidFill>
+                <a:schemeClr val="accent5">
+                  <a:lumMod val="75000"/>
+                </a:schemeClr>
+              </a:solidFill>
+            </a:endParaRPr>
+          </a:p>
+        </p:txBody>
+      </p:sp>
+      <p:cxnSp>
+        <p:nvCxnSpPr>
+          <p:cNvPr id="13" name="Straight Arrow Connector 12"/>
+          <p:cNvCxnSpPr/>
+          <p:nvPr/>
+        </p:nvCxnSpPr>
+        <p:spPr>
+          <a:xfrm flipV="1">
+            <a:off x="9637263" y="4773493"/>
+            <a:ext cx="452309" cy="2794"/>
+          </a:xfrm>
+          <a:prstGeom prst="straightConnector1">
+            <a:avLst/>
+          </a:prstGeom>
+          <a:ln>
+            <a:headEnd type="triangle"/>
+            <a:tailEnd type="triangle"/>
+          </a:ln>
+        </p:spPr>
+        <p:style>
+          <a:lnRef idx="1">
+            <a:schemeClr val="accent1"/>
+          </a:lnRef>
+          <a:fillRef idx="0">
+            <a:schemeClr val="accent1"/>
+          </a:fillRef>
+          <a:effectRef idx="0">
+            <a:schemeClr val="accent1"/>
+          </a:effectRef>
+          <a:fontRef idx="minor">
+            <a:schemeClr val="tx1"/>
+          </a:fontRef>
+        </p:style>
+      </p:cxnSp>
+      <p:sp>
+        <p:nvSpPr>
+          <p:cNvPr id="15" name="TextBox 14"/>
+          <p:cNvSpPr txBox="1"/>
+          <p:nvPr/>
+        </p:nvSpPr>
+        <p:spPr>
+          <a:xfrm>
+            <a:off x="8357348" y="5474705"/>
+            <a:ext cx="3146610" cy="369332"/>
+          </a:xfrm>
+          <a:prstGeom prst="rect">
+            <a:avLst/>
+          </a:prstGeom>
+          <a:noFill/>
+        </p:spPr>
+        <p:txBody>
+          <a:bodyPr wrap="square" rtlCol="0">
+            <a:spAutoFit/>
+          </a:bodyPr>
+          <a:lstStyle/>
+          <a:p>
+            <a:r>
+              <a:rPr lang="en-IN" b="1" dirty="0" smtClean="0"/>
+              <a:t>Contains HTML/CSS/Class</a:t>
+            </a:r>
+            <a:endParaRPr lang="en-IN" b="1" dirty="0"/>
+          </a:p>
+        </p:txBody>
+      </p:sp>
+    </p:spTree>
+    <p:extLst>
+      <p:ext uri="{BB962C8B-B14F-4D97-AF65-F5344CB8AC3E}">
+        <p14:creationId xmlns:p14="http://schemas.microsoft.com/office/powerpoint/2010/main" val="3585441740"/>
       </p:ext>
     </p:extLst>
   </p:cSld>

--- a/Angular Presentation.pptx
+++ b/Angular Presentation.pptx
@@ -21,6 +21,13 @@
     <p:sldId id="260" r:id="rId15"/>
     <p:sldId id="292" r:id="rId16"/>
     <p:sldId id="293" r:id="rId17"/>
+    <p:sldId id="294" r:id="rId18"/>
+    <p:sldId id="295" r:id="rId19"/>
+    <p:sldId id="296" r:id="rId20"/>
+    <p:sldId id="297" r:id="rId21"/>
+    <p:sldId id="298" r:id="rId22"/>
+    <p:sldId id="299" r:id="rId23"/>
+    <p:sldId id="300" r:id="rId24"/>
   </p:sldIdLst>
   <p:sldSz cx="12192000" cy="6858000"/>
   <p:notesSz cx="6858000" cy="9144000"/>
@@ -13352,6 +13359,14 @@
   <p:clrMapOvr>
     <a:masterClrMapping/>
   </p:clrMapOvr>
+  <mc:AlternateContent xmlns:mc="http://schemas.openxmlformats.org/markup-compatibility/2006">
+    <mc:Choice xmlns:p14="http://schemas.microsoft.com/office/powerpoint/2010/main" Requires="p14">
+      <p:transition spd="slow" p14:dur="2000" advTm="1252"/>
+    </mc:Choice>
+    <mc:Fallback>
+      <p:transition spd="slow" advTm="1252"/>
+    </mc:Fallback>
+  </mc:AlternateContent>
   <p:timing>
     <p:tnLst>
       <p:par>
@@ -14189,7 +14204,7 @@
               <a:buAutoNum type="arabicPeriod"/>
             </a:pPr>
             <a:r>
-              <a:rPr lang="en-IN" sz="2000" smtClean="0"/>
+              <a:rPr lang="en-IN" sz="2000" dirty="0" smtClean="0"/>
               <a:t>Services</a:t>
             </a:r>
             <a:endParaRPr lang="en-IN" sz="2000" dirty="0"/>
@@ -15258,6 +15273,950 @@
 </p:sld>
 </file>
 
+<file path=ppt/slides/slide17.xml><?xml version="1.0" encoding="utf-8"?>
+<p:sld xmlns:a="http://schemas.openxmlformats.org/drawingml/2006/main" xmlns:r="http://schemas.openxmlformats.org/officeDocument/2006/relationships" xmlns:p="http://schemas.openxmlformats.org/presentationml/2006/main">
+  <p:cSld>
+    <p:spTree>
+      <p:nvGrpSpPr>
+        <p:cNvPr id="1" name=""/>
+        <p:cNvGrpSpPr/>
+        <p:nvPr/>
+      </p:nvGrpSpPr>
+      <p:grpSpPr>
+        <a:xfrm>
+          <a:off x="0" y="0"/>
+          <a:ext cx="0" cy="0"/>
+          <a:chOff x="0" y="0"/>
+          <a:chExt cx="0" cy="0"/>
+        </a:xfrm>
+      </p:grpSpPr>
+      <p:sp>
+        <p:nvSpPr>
+          <p:cNvPr id="4" name="Rectangle 3"/>
+          <p:cNvSpPr/>
+          <p:nvPr/>
+        </p:nvSpPr>
+        <p:spPr>
+          <a:xfrm>
+            <a:off x="2487708" y="2944907"/>
+            <a:ext cx="7219000" cy="3697941"/>
+          </a:xfrm>
+          <a:prstGeom prst="rect">
+            <a:avLst/>
+          </a:prstGeom>
+        </p:spPr>
+        <p:style>
+          <a:lnRef idx="2">
+            <a:schemeClr val="accent1">
+              <a:shade val="50000"/>
+            </a:schemeClr>
+          </a:lnRef>
+          <a:fillRef idx="1">
+            <a:schemeClr val="accent1"/>
+          </a:fillRef>
+          <a:effectRef idx="0">
+            <a:schemeClr val="accent1"/>
+          </a:effectRef>
+          <a:fontRef idx="minor">
+            <a:schemeClr val="lt1"/>
+          </a:fontRef>
+        </p:style>
+        <p:txBody>
+          <a:bodyPr rtlCol="0" anchor="ctr"/>
+          <a:lstStyle/>
+          <a:p>
+            <a:pPr algn="ctr"/>
+            <a:endParaRPr lang="en-IN"/>
+          </a:p>
+        </p:txBody>
+      </p:sp>
+      <p:sp>
+        <p:nvSpPr>
+          <p:cNvPr id="10" name="Rectangle 9"/>
+          <p:cNvSpPr/>
+          <p:nvPr/>
+        </p:nvSpPr>
+        <p:spPr>
+          <a:xfrm>
+            <a:off x="2702860" y="3990097"/>
+            <a:ext cx="6708426" cy="2427406"/>
+          </a:xfrm>
+          <a:prstGeom prst="rect">
+            <a:avLst/>
+          </a:prstGeom>
+          <a:solidFill>
+            <a:schemeClr val="accent4">
+              <a:lumMod val="20000"/>
+              <a:lumOff val="80000"/>
+            </a:schemeClr>
+          </a:solidFill>
+        </p:spPr>
+        <p:style>
+          <a:lnRef idx="2">
+            <a:schemeClr val="accent1">
+              <a:shade val="50000"/>
+            </a:schemeClr>
+          </a:lnRef>
+          <a:fillRef idx="1">
+            <a:schemeClr val="accent1"/>
+          </a:fillRef>
+          <a:effectRef idx="0">
+            <a:schemeClr val="accent1"/>
+          </a:effectRef>
+          <a:fontRef idx="minor">
+            <a:schemeClr val="lt1"/>
+          </a:fontRef>
+        </p:style>
+        <p:txBody>
+          <a:bodyPr rtlCol="0" anchor="ctr"/>
+          <a:lstStyle/>
+          <a:p>
+            <a:pPr algn="ctr"/>
+            <a:endParaRPr lang="en-IN"/>
+          </a:p>
+        </p:txBody>
+      </p:sp>
+      <p:sp>
+        <p:nvSpPr>
+          <p:cNvPr id="2" name="Title 1"/>
+          <p:cNvSpPr>
+            <a:spLocks noGrp="1"/>
+          </p:cNvSpPr>
+          <p:nvPr>
+            <p:ph type="title"/>
+          </p:nvPr>
+        </p:nvSpPr>
+        <p:spPr>
+          <a:xfrm>
+            <a:off x="1154954" y="973668"/>
+            <a:ext cx="9239622" cy="706964"/>
+          </a:xfrm>
+        </p:spPr>
+        <p:txBody>
+          <a:bodyPr/>
+          <a:lstStyle/>
+          <a:p>
+            <a:r>
+              <a:rPr lang="en-IN" b="1" dirty="0" smtClean="0"/>
+              <a:t>2.3 Services</a:t>
+            </a:r>
+            <a:endParaRPr lang="en-IN" b="1" dirty="0"/>
+          </a:p>
+        </p:txBody>
+      </p:sp>
+      <p:sp>
+        <p:nvSpPr>
+          <p:cNvPr id="3" name="Content Placeholder 2"/>
+          <p:cNvSpPr>
+            <a:spLocks noGrp="1"/>
+          </p:cNvSpPr>
+          <p:nvPr>
+            <p:ph sz="half" idx="2"/>
+          </p:nvPr>
+        </p:nvSpPr>
+        <p:spPr>
+          <a:xfrm>
+            <a:off x="860612" y="2366683"/>
+            <a:ext cx="7059707" cy="578224"/>
+          </a:xfrm>
+        </p:spPr>
+        <p:txBody>
+          <a:bodyPr>
+            <a:normAutofit/>
+          </a:bodyPr>
+          <a:lstStyle/>
+          <a:p>
+            <a:pPr>
+              <a:lnSpc>
+                <a:spcPct val="120000"/>
+              </a:lnSpc>
+            </a:pPr>
+            <a:r>
+              <a:rPr lang="en-IN" dirty="0" smtClean="0"/>
+              <a:t>A class that contains business logic of your application</a:t>
+            </a:r>
+          </a:p>
+        </p:txBody>
+      </p:sp>
+      <p:sp>
+        <p:nvSpPr>
+          <p:cNvPr id="5" name="TextBox 4"/>
+          <p:cNvSpPr txBox="1"/>
+          <p:nvPr/>
+        </p:nvSpPr>
+        <p:spPr>
+          <a:xfrm>
+            <a:off x="5101783" y="3268546"/>
+            <a:ext cx="2124635" cy="369332"/>
+          </a:xfrm>
+          <a:prstGeom prst="rect">
+            <a:avLst/>
+          </a:prstGeom>
+          <a:solidFill>
+            <a:schemeClr val="bg1"/>
+          </a:solidFill>
+        </p:spPr>
+        <p:txBody>
+          <a:bodyPr wrap="square" rtlCol="0">
+            <a:spAutoFit/>
+          </a:bodyPr>
+          <a:lstStyle/>
+          <a:p>
+            <a:pPr algn="ctr"/>
+            <a:r>
+              <a:rPr lang="en-IN" b="1" dirty="0" err="1" smtClean="0">
+                <a:solidFill>
+                  <a:schemeClr val="accent6">
+                    <a:lumMod val="75000"/>
+                  </a:schemeClr>
+                </a:solidFill>
+              </a:rPr>
+              <a:t>AppModule</a:t>
+            </a:r>
+            <a:endParaRPr lang="en-IN" b="1" dirty="0">
+              <a:solidFill>
+                <a:schemeClr val="accent6">
+                  <a:lumMod val="75000"/>
+                </a:schemeClr>
+              </a:solidFill>
+            </a:endParaRPr>
+          </a:p>
+        </p:txBody>
+      </p:sp>
+      <p:sp>
+        <p:nvSpPr>
+          <p:cNvPr id="6" name="Rectangle 5"/>
+          <p:cNvSpPr/>
+          <p:nvPr/>
+        </p:nvSpPr>
+        <p:spPr>
+          <a:xfrm>
+            <a:off x="4717626" y="4263218"/>
+            <a:ext cx="1398494" cy="680863"/>
+          </a:xfrm>
+          <a:prstGeom prst="rect">
+            <a:avLst/>
+          </a:prstGeom>
+          <a:solidFill>
+            <a:schemeClr val="accent3">
+              <a:lumMod val="50000"/>
+            </a:schemeClr>
+          </a:solidFill>
+          <a:ln>
+            <a:noFill/>
+          </a:ln>
+        </p:spPr>
+        <p:style>
+          <a:lnRef idx="2">
+            <a:schemeClr val="accent1">
+              <a:shade val="50000"/>
+            </a:schemeClr>
+          </a:lnRef>
+          <a:fillRef idx="1">
+            <a:schemeClr val="accent1"/>
+          </a:fillRef>
+          <a:effectRef idx="0">
+            <a:schemeClr val="accent1"/>
+          </a:effectRef>
+          <a:fontRef idx="minor">
+            <a:schemeClr val="lt1"/>
+          </a:fontRef>
+        </p:style>
+        <p:txBody>
+          <a:bodyPr rtlCol="0" anchor="ctr"/>
+          <a:lstStyle/>
+          <a:p>
+            <a:pPr algn="ctr"/>
+            <a:r>
+              <a:rPr lang="en-IN" sz="1600" dirty="0" smtClean="0"/>
+              <a:t>Navigation Component</a:t>
+            </a:r>
+            <a:endParaRPr lang="en-IN" sz="1600" dirty="0"/>
+          </a:p>
+        </p:txBody>
+      </p:sp>
+      <p:sp>
+        <p:nvSpPr>
+          <p:cNvPr id="8" name="Rectangle 7"/>
+          <p:cNvSpPr/>
+          <p:nvPr/>
+        </p:nvSpPr>
+        <p:spPr>
+          <a:xfrm>
+            <a:off x="4669645" y="5279187"/>
+            <a:ext cx="1494456" cy="645566"/>
+          </a:xfrm>
+          <a:prstGeom prst="rect">
+            <a:avLst/>
+          </a:prstGeom>
+          <a:solidFill>
+            <a:srgbClr val="00B050"/>
+          </a:solidFill>
+          <a:ln>
+            <a:noFill/>
+          </a:ln>
+        </p:spPr>
+        <p:style>
+          <a:lnRef idx="2">
+            <a:schemeClr val="accent1">
+              <a:shade val="50000"/>
+            </a:schemeClr>
+          </a:lnRef>
+          <a:fillRef idx="1">
+            <a:schemeClr val="accent1"/>
+          </a:fillRef>
+          <a:effectRef idx="0">
+            <a:schemeClr val="accent1"/>
+          </a:effectRef>
+          <a:fontRef idx="minor">
+            <a:schemeClr val="lt1"/>
+          </a:fontRef>
+        </p:style>
+        <p:txBody>
+          <a:bodyPr rtlCol="0" anchor="ctr"/>
+          <a:lstStyle/>
+          <a:p>
+            <a:pPr algn="ctr"/>
+            <a:r>
+              <a:rPr lang="en-IN" sz="1600" dirty="0" smtClean="0"/>
+              <a:t>Side Bar Component</a:t>
+            </a:r>
+            <a:endParaRPr lang="en-IN" sz="1600" dirty="0"/>
+          </a:p>
+        </p:txBody>
+      </p:sp>
+      <p:sp>
+        <p:nvSpPr>
+          <p:cNvPr id="11" name="TextBox 10"/>
+          <p:cNvSpPr txBox="1"/>
+          <p:nvPr/>
+        </p:nvSpPr>
+        <p:spPr>
+          <a:xfrm>
+            <a:off x="2929054" y="4744505"/>
+            <a:ext cx="1514397" cy="646331"/>
+          </a:xfrm>
+          <a:prstGeom prst="rect">
+            <a:avLst/>
+          </a:prstGeom>
+          <a:noFill/>
+        </p:spPr>
+        <p:txBody>
+          <a:bodyPr wrap="square" rtlCol="0">
+            <a:spAutoFit/>
+          </a:bodyPr>
+          <a:lstStyle/>
+          <a:p>
+            <a:r>
+              <a:rPr lang="en-IN" b="1" dirty="0" smtClean="0">
+                <a:solidFill>
+                  <a:schemeClr val="accent2"/>
+                </a:solidFill>
+              </a:rPr>
+              <a:t>App Component</a:t>
+            </a:r>
+            <a:endParaRPr lang="en-IN" b="1" dirty="0">
+              <a:solidFill>
+                <a:schemeClr val="accent2"/>
+              </a:solidFill>
+            </a:endParaRPr>
+          </a:p>
+        </p:txBody>
+      </p:sp>
+      <p:sp>
+        <p:nvSpPr>
+          <p:cNvPr id="12" name="Rectangle 11"/>
+          <p:cNvSpPr/>
+          <p:nvPr/>
+        </p:nvSpPr>
+        <p:spPr>
+          <a:xfrm>
+            <a:off x="7424366" y="4715481"/>
+            <a:ext cx="1546410" cy="1035424"/>
+          </a:xfrm>
+          <a:prstGeom prst="rect">
+            <a:avLst/>
+          </a:prstGeom>
+          <a:solidFill>
+            <a:schemeClr val="accent5">
+              <a:lumMod val="75000"/>
+            </a:schemeClr>
+          </a:solidFill>
+          <a:ln>
+            <a:noFill/>
+          </a:ln>
+        </p:spPr>
+        <p:style>
+          <a:lnRef idx="2">
+            <a:schemeClr val="accent1">
+              <a:shade val="50000"/>
+            </a:schemeClr>
+          </a:lnRef>
+          <a:fillRef idx="1">
+            <a:schemeClr val="accent1"/>
+          </a:fillRef>
+          <a:effectRef idx="0">
+            <a:schemeClr val="accent1"/>
+          </a:effectRef>
+          <a:fontRef idx="minor">
+            <a:schemeClr val="lt1"/>
+          </a:fontRef>
+        </p:style>
+        <p:txBody>
+          <a:bodyPr rtlCol="0" anchor="ctr"/>
+          <a:lstStyle/>
+          <a:p>
+            <a:pPr algn="ctr"/>
+            <a:r>
+              <a:rPr lang="en-IN" sz="1600" dirty="0" smtClean="0"/>
+              <a:t>Image Compression Service</a:t>
+            </a:r>
+            <a:endParaRPr lang="en-IN" sz="1600" dirty="0"/>
+          </a:p>
+        </p:txBody>
+      </p:sp>
+      <p:cxnSp>
+        <p:nvCxnSpPr>
+          <p:cNvPr id="27" name="Straight Arrow Connector 26"/>
+          <p:cNvCxnSpPr>
+            <a:stCxn id="12" idx="1"/>
+            <a:endCxn id="8" idx="3"/>
+          </p:cNvCxnSpPr>
+          <p:nvPr/>
+        </p:nvCxnSpPr>
+        <p:spPr>
+          <a:xfrm flipH="1">
+            <a:off x="6164101" y="5233193"/>
+            <a:ext cx="1260265" cy="368777"/>
+          </a:xfrm>
+          <a:prstGeom prst="straightConnector1">
+            <a:avLst/>
+          </a:prstGeom>
+          <a:ln>
+            <a:solidFill>
+              <a:srgbClr val="00B050"/>
+            </a:solidFill>
+            <a:tailEnd type="triangle"/>
+          </a:ln>
+        </p:spPr>
+        <p:style>
+          <a:lnRef idx="1">
+            <a:schemeClr val="accent1"/>
+          </a:lnRef>
+          <a:fillRef idx="0">
+            <a:schemeClr val="accent1"/>
+          </a:fillRef>
+          <a:effectRef idx="0">
+            <a:schemeClr val="accent1"/>
+          </a:effectRef>
+          <a:fontRef idx="minor">
+            <a:schemeClr val="tx1"/>
+          </a:fontRef>
+        </p:style>
+      </p:cxnSp>
+      <p:cxnSp>
+        <p:nvCxnSpPr>
+          <p:cNvPr id="35" name="Straight Arrow Connector 34"/>
+          <p:cNvCxnSpPr>
+            <a:endCxn id="8" idx="0"/>
+          </p:cNvCxnSpPr>
+          <p:nvPr/>
+        </p:nvCxnSpPr>
+        <p:spPr>
+          <a:xfrm>
+            <a:off x="5416873" y="4941419"/>
+            <a:ext cx="0" cy="337768"/>
+          </a:xfrm>
+          <a:prstGeom prst="straightConnector1">
+            <a:avLst/>
+          </a:prstGeom>
+          <a:ln>
+            <a:headEnd type="triangle"/>
+            <a:tailEnd type="triangle"/>
+          </a:ln>
+        </p:spPr>
+        <p:style>
+          <a:lnRef idx="1">
+            <a:schemeClr val="accent1"/>
+          </a:lnRef>
+          <a:fillRef idx="0">
+            <a:schemeClr val="accent1"/>
+          </a:fillRef>
+          <a:effectRef idx="0">
+            <a:schemeClr val="accent1"/>
+          </a:effectRef>
+          <a:fontRef idx="minor">
+            <a:schemeClr val="tx1"/>
+          </a:fontRef>
+        </p:style>
+      </p:cxnSp>
+      <p:cxnSp>
+        <p:nvCxnSpPr>
+          <p:cNvPr id="36" name="Straight Arrow Connector 35"/>
+          <p:cNvCxnSpPr>
+            <a:stCxn id="12" idx="1"/>
+            <a:endCxn id="6" idx="3"/>
+          </p:cNvCxnSpPr>
+          <p:nvPr/>
+        </p:nvCxnSpPr>
+        <p:spPr>
+          <a:xfrm flipH="1" flipV="1">
+            <a:off x="6116120" y="4603650"/>
+            <a:ext cx="1308246" cy="629543"/>
+          </a:xfrm>
+          <a:prstGeom prst="straightConnector1">
+            <a:avLst/>
+          </a:prstGeom>
+          <a:ln>
+            <a:solidFill>
+              <a:schemeClr val="accent5">
+                <a:lumMod val="75000"/>
+              </a:schemeClr>
+            </a:solidFill>
+            <a:tailEnd type="triangle"/>
+          </a:ln>
+        </p:spPr>
+        <p:style>
+          <a:lnRef idx="1">
+            <a:schemeClr val="accent1"/>
+          </a:lnRef>
+          <a:fillRef idx="0">
+            <a:schemeClr val="accent1"/>
+          </a:fillRef>
+          <a:effectRef idx="0">
+            <a:schemeClr val="accent1"/>
+          </a:effectRef>
+          <a:fontRef idx="minor">
+            <a:schemeClr val="tx1"/>
+          </a:fontRef>
+        </p:style>
+      </p:cxnSp>
+    </p:spTree>
+    <p:extLst>
+      <p:ext uri="{BB962C8B-B14F-4D97-AF65-F5344CB8AC3E}">
+        <p14:creationId xmlns:p14="http://schemas.microsoft.com/office/powerpoint/2010/main" val="3228977332"/>
+      </p:ext>
+    </p:extLst>
+  </p:cSld>
+  <p:clrMapOvr>
+    <a:masterClrMapping/>
+  </p:clrMapOvr>
+  <p:timing>
+    <p:tnLst>
+      <p:par>
+        <p:cTn id="1" dur="indefinite" restart="never" nodeType="tmRoot"/>
+      </p:par>
+    </p:tnLst>
+  </p:timing>
+</p:sld>
+</file>
+
+<file path=ppt/slides/slide18.xml><?xml version="1.0" encoding="utf-8"?>
+<p:sld xmlns:a="http://schemas.openxmlformats.org/drawingml/2006/main" xmlns:r="http://schemas.openxmlformats.org/officeDocument/2006/relationships" xmlns:p="http://schemas.openxmlformats.org/presentationml/2006/main">
+  <p:cSld>
+    <p:spTree>
+      <p:nvGrpSpPr>
+        <p:cNvPr id="1" name=""/>
+        <p:cNvGrpSpPr/>
+        <p:nvPr/>
+      </p:nvGrpSpPr>
+      <p:grpSpPr>
+        <a:xfrm>
+          <a:off x="0" y="0"/>
+          <a:ext cx="0" cy="0"/>
+          <a:chOff x="0" y="0"/>
+          <a:chExt cx="0" cy="0"/>
+        </a:xfrm>
+      </p:grpSpPr>
+      <p:sp>
+        <p:nvSpPr>
+          <p:cNvPr id="4" name="Title 3"/>
+          <p:cNvSpPr>
+            <a:spLocks noGrp="1"/>
+          </p:cNvSpPr>
+          <p:nvPr>
+            <p:ph type="title"/>
+          </p:nvPr>
+        </p:nvSpPr>
+        <p:spPr>
+          <a:xfrm>
+            <a:off x="1024467" y="753035"/>
+            <a:ext cx="10146186" cy="705077"/>
+          </a:xfrm>
+        </p:spPr>
+        <p:txBody>
+          <a:bodyPr/>
+          <a:lstStyle/>
+          <a:p>
+            <a:r>
+              <a:rPr lang="en-IN" b="1" dirty="0" smtClean="0"/>
+              <a:t>Chapter </a:t>
+            </a:r>
+            <a:r>
+              <a:rPr lang="en-IN" b="1" dirty="0" smtClean="0"/>
+              <a:t>3 </a:t>
+            </a:r>
+            <a:r>
+              <a:rPr lang="en-IN" b="1" dirty="0" smtClean="0"/>
+              <a:t>: </a:t>
+            </a:r>
+            <a:r>
+              <a:rPr lang="en-IN" b="1" dirty="0" smtClean="0"/>
+              <a:t>File Structure</a:t>
+            </a:r>
+            <a:endParaRPr lang="en-IN" b="1" dirty="0"/>
+          </a:p>
+        </p:txBody>
+      </p:sp>
+      <p:sp>
+        <p:nvSpPr>
+          <p:cNvPr id="5" name="Text Placeholder 4"/>
+          <p:cNvSpPr>
+            <a:spLocks noGrp="1"/>
+          </p:cNvSpPr>
+          <p:nvPr>
+            <p:ph type="body" idx="1"/>
+          </p:nvPr>
+        </p:nvSpPr>
+        <p:spPr>
+          <a:xfrm>
+            <a:off x="1024467" y="1613647"/>
+            <a:ext cx="10144654" cy="3034553"/>
+          </a:xfrm>
+        </p:spPr>
+        <p:txBody>
+          <a:bodyPr>
+            <a:noAutofit/>
+          </a:bodyPr>
+          <a:lstStyle/>
+          <a:p>
+            <a:pPr marL="342900" indent="-342900">
+              <a:buFont typeface="Wingdings 3" charset="2"/>
+              <a:buAutoNum type="arabicPeriod"/>
+            </a:pPr>
+            <a:r>
+              <a:rPr lang="en-IN" sz="2000" dirty="0" err="1" smtClean="0"/>
+              <a:t>package.json</a:t>
+            </a:r>
+            <a:r>
+              <a:rPr lang="en-IN" sz="2000" dirty="0" smtClean="0"/>
+              <a:t> - </a:t>
+            </a:r>
+            <a:r>
+              <a:rPr lang="en-US" dirty="0"/>
+              <a:t>Dependencies &amp; Scripts </a:t>
+            </a:r>
+            <a:r>
+              <a:rPr lang="en-US" dirty="0" smtClean="0"/>
+              <a:t>declarations</a:t>
+            </a:r>
+            <a:endParaRPr lang="en-IN" sz="2000" dirty="0" smtClean="0"/>
+          </a:p>
+          <a:p>
+            <a:pPr marL="342900" indent="-342900">
+              <a:buAutoNum type="arabicPeriod"/>
+            </a:pPr>
+            <a:r>
+              <a:rPr lang="en-IN" dirty="0" err="1" smtClean="0"/>
+              <a:t>main.ts</a:t>
+            </a:r>
+            <a:r>
+              <a:rPr lang="en-IN" dirty="0" smtClean="0"/>
+              <a:t>- Entry point of the application</a:t>
+            </a:r>
+          </a:p>
+          <a:p>
+            <a:pPr marL="342900" indent="-342900">
+              <a:buAutoNum type="arabicPeriod"/>
+            </a:pPr>
+            <a:r>
+              <a:rPr lang="en-IN" sz="2000" dirty="0" smtClean="0"/>
+              <a:t>Index.html</a:t>
+            </a:r>
+          </a:p>
+          <a:p>
+            <a:pPr marL="342900" indent="-342900">
+              <a:buAutoNum type="arabicPeriod"/>
+            </a:pPr>
+            <a:r>
+              <a:rPr lang="en-IN" dirty="0" smtClean="0"/>
+              <a:t>Style.css</a:t>
+            </a:r>
+          </a:p>
+          <a:p>
+            <a:pPr marL="342900" indent="-342900">
+              <a:buFont typeface="Wingdings 3" charset="2"/>
+              <a:buAutoNum type="arabicPeriod"/>
+            </a:pPr>
+            <a:r>
+              <a:rPr lang="en-IN" dirty="0" err="1" smtClean="0"/>
+              <a:t>Dist</a:t>
+            </a:r>
+            <a:r>
+              <a:rPr lang="en-IN" dirty="0" smtClean="0"/>
+              <a:t> folder</a:t>
+            </a:r>
+          </a:p>
+          <a:p>
+            <a:endParaRPr lang="en-IN" sz="2000" dirty="0"/>
+          </a:p>
+        </p:txBody>
+      </p:sp>
+    </p:spTree>
+    <p:extLst>
+      <p:ext uri="{BB962C8B-B14F-4D97-AF65-F5344CB8AC3E}">
+        <p14:creationId xmlns:p14="http://schemas.microsoft.com/office/powerpoint/2010/main" val="3395148539"/>
+      </p:ext>
+    </p:extLst>
+  </p:cSld>
+  <p:clrMapOvr>
+    <a:masterClrMapping/>
+  </p:clrMapOvr>
+  <p:timing>
+    <p:tnLst>
+      <p:par>
+        <p:cTn id="1" dur="indefinite" restart="never" nodeType="tmRoot"/>
+      </p:par>
+    </p:tnLst>
+  </p:timing>
+</p:sld>
+</file>
+
+<file path=ppt/slides/slide19.xml><?xml version="1.0" encoding="utf-8"?>
+<p:sld xmlns:a="http://schemas.openxmlformats.org/drawingml/2006/main" xmlns:r="http://schemas.openxmlformats.org/officeDocument/2006/relationships" xmlns:p="http://schemas.openxmlformats.org/presentationml/2006/main">
+  <p:cSld>
+    <p:spTree>
+      <p:nvGrpSpPr>
+        <p:cNvPr id="1" name=""/>
+        <p:cNvGrpSpPr/>
+        <p:nvPr/>
+      </p:nvGrpSpPr>
+      <p:grpSpPr>
+        <a:xfrm>
+          <a:off x="0" y="0"/>
+          <a:ext cx="0" cy="0"/>
+          <a:chOff x="0" y="0"/>
+          <a:chExt cx="0" cy="0"/>
+        </a:xfrm>
+      </p:grpSpPr>
+      <p:sp>
+        <p:nvSpPr>
+          <p:cNvPr id="2" name="Title 1"/>
+          <p:cNvSpPr>
+            <a:spLocks noGrp="1"/>
+          </p:cNvSpPr>
+          <p:nvPr>
+            <p:ph type="title"/>
+          </p:nvPr>
+        </p:nvSpPr>
+        <p:spPr/>
+        <p:txBody>
+          <a:bodyPr/>
+          <a:lstStyle/>
+          <a:p>
+            <a:r>
+              <a:rPr lang="en-IN" b="1" dirty="0" smtClean="0"/>
+              <a:t>3.1 </a:t>
+            </a:r>
+            <a:r>
+              <a:rPr lang="en-IN" b="1" dirty="0" err="1"/>
+              <a:t>p</a:t>
+            </a:r>
+            <a:r>
+              <a:rPr lang="en-IN" b="1" dirty="0" err="1" smtClean="0"/>
+              <a:t>ackage.json</a:t>
+            </a:r>
+            <a:endParaRPr lang="en-IN" b="1" dirty="0"/>
+          </a:p>
+        </p:txBody>
+      </p:sp>
+      <p:sp>
+        <p:nvSpPr>
+          <p:cNvPr id="3" name="Content Placeholder 2"/>
+          <p:cNvSpPr>
+            <a:spLocks noGrp="1"/>
+          </p:cNvSpPr>
+          <p:nvPr>
+            <p:ph sz="half" idx="2"/>
+          </p:nvPr>
+        </p:nvSpPr>
+        <p:spPr>
+          <a:xfrm>
+            <a:off x="1154954" y="2554941"/>
+            <a:ext cx="10275046" cy="4087906"/>
+          </a:xfrm>
+        </p:spPr>
+        <p:txBody>
+          <a:bodyPr>
+            <a:normAutofit lnSpcReduction="10000"/>
+          </a:bodyPr>
+          <a:lstStyle/>
+          <a:p>
+            <a:r>
+              <a:rPr lang="en-IN" dirty="0" smtClean="0"/>
+              <a:t>File path: </a:t>
+            </a:r>
+            <a:r>
+              <a:rPr lang="en-IN" dirty="0" err="1" smtClean="0"/>
+              <a:t>helloworld</a:t>
+            </a:r>
+            <a:r>
+              <a:rPr lang="en-IN" dirty="0" smtClean="0"/>
+              <a:t> </a:t>
+            </a:r>
+            <a:r>
+              <a:rPr lang="en-IN" dirty="0" smtClean="0">
+                <a:sym typeface="Wingdings" panose="05000000000000000000" pitchFamily="2" charset="2"/>
+              </a:rPr>
+              <a:t></a:t>
+            </a:r>
+            <a:r>
+              <a:rPr lang="en-IN" dirty="0" err="1" smtClean="0">
+                <a:sym typeface="Wingdings" panose="05000000000000000000" pitchFamily="2" charset="2"/>
+              </a:rPr>
+              <a:t>package.json</a:t>
+            </a:r>
+            <a:endParaRPr lang="en-IN" dirty="0" smtClean="0"/>
+          </a:p>
+          <a:p>
+            <a:r>
+              <a:rPr lang="en-IN" dirty="0" err="1" smtClean="0"/>
+              <a:t>Package.json</a:t>
+            </a:r>
+            <a:r>
+              <a:rPr lang="en-IN" dirty="0" smtClean="0"/>
+              <a:t> contains Dependencies and </a:t>
+            </a:r>
+            <a:r>
+              <a:rPr lang="en-IN" dirty="0" err="1" smtClean="0"/>
+              <a:t>DevDependencies</a:t>
+            </a:r>
+            <a:r>
+              <a:rPr lang="en-IN" dirty="0" smtClean="0"/>
+              <a:t>(libraries and modules required for the application)</a:t>
+            </a:r>
+          </a:p>
+          <a:p>
+            <a:r>
+              <a:rPr lang="en-IN" dirty="0" smtClean="0"/>
+              <a:t>Packages listed here get installed when we run </a:t>
+            </a:r>
+            <a:r>
+              <a:rPr lang="en-IN" b="1" dirty="0" smtClean="0">
+                <a:solidFill>
+                  <a:schemeClr val="accent6">
+                    <a:lumMod val="75000"/>
+                  </a:schemeClr>
+                </a:solidFill>
+              </a:rPr>
+              <a:t>ng new </a:t>
+            </a:r>
+            <a:r>
+              <a:rPr lang="en-IN" b="1" dirty="0" err="1" smtClean="0">
+                <a:solidFill>
+                  <a:schemeClr val="accent6">
+                    <a:lumMod val="75000"/>
+                  </a:schemeClr>
+                </a:solidFill>
+              </a:rPr>
+              <a:t>helloworld</a:t>
+            </a:r>
+            <a:r>
+              <a:rPr lang="en-IN" b="1" dirty="0" smtClean="0">
+                <a:solidFill>
+                  <a:schemeClr val="accent6">
+                    <a:lumMod val="75000"/>
+                  </a:schemeClr>
+                </a:solidFill>
+              </a:rPr>
+              <a:t> </a:t>
+            </a:r>
+            <a:r>
+              <a:rPr lang="en-IN" dirty="0" smtClean="0"/>
+              <a:t>command</a:t>
+            </a:r>
+          </a:p>
+          <a:p>
+            <a:r>
+              <a:rPr lang="en-IN" dirty="0" smtClean="0"/>
+              <a:t>All the packages get installed inside the </a:t>
+            </a:r>
+            <a:r>
+              <a:rPr lang="en-IN" dirty="0" err="1" smtClean="0"/>
+              <a:t>node_modules</a:t>
+            </a:r>
+            <a:r>
+              <a:rPr lang="en-IN" dirty="0" smtClean="0"/>
+              <a:t> packages</a:t>
+            </a:r>
+          </a:p>
+          <a:p>
+            <a:r>
+              <a:rPr lang="en-IN" dirty="0" smtClean="0"/>
+              <a:t>Also contains some scripts that can be executed</a:t>
+            </a:r>
+          </a:p>
+          <a:p>
+            <a:pPr lvl="1"/>
+            <a:r>
+              <a:rPr lang="en-IN" dirty="0" smtClean="0"/>
+              <a:t>ng serve – runs our application</a:t>
+            </a:r>
+          </a:p>
+          <a:p>
+            <a:pPr lvl="1"/>
+            <a:r>
+              <a:rPr lang="en-IN" dirty="0" smtClean="0"/>
+              <a:t>ng build </a:t>
+            </a:r>
+          </a:p>
+          <a:p>
+            <a:pPr lvl="1"/>
+            <a:r>
+              <a:rPr lang="en-IN" dirty="0" smtClean="0"/>
+              <a:t>ng test</a:t>
+            </a:r>
+          </a:p>
+          <a:p>
+            <a:pPr lvl="1"/>
+            <a:r>
+              <a:rPr lang="en-IN" dirty="0" smtClean="0"/>
+              <a:t>ng lint</a:t>
+            </a:r>
+          </a:p>
+          <a:p>
+            <a:pPr lvl="1"/>
+            <a:r>
+              <a:rPr lang="en-IN" dirty="0" smtClean="0"/>
+              <a:t>ng e2e</a:t>
+            </a:r>
+          </a:p>
+          <a:p>
+            <a:pPr lvl="1"/>
+            <a:endParaRPr lang="en-IN" dirty="0"/>
+          </a:p>
+        </p:txBody>
+      </p:sp>
+    </p:spTree>
+    <p:extLst>
+      <p:ext uri="{BB962C8B-B14F-4D97-AF65-F5344CB8AC3E}">
+        <p14:creationId xmlns:p14="http://schemas.microsoft.com/office/powerpoint/2010/main" val="1462139768"/>
+      </p:ext>
+    </p:extLst>
+  </p:cSld>
+  <p:clrMapOvr>
+    <a:masterClrMapping/>
+  </p:clrMapOvr>
+  <p:timing>
+    <p:tnLst>
+      <p:par>
+        <p:cTn id="1" dur="indefinite" restart="never" nodeType="tmRoot"/>
+      </p:par>
+    </p:tnLst>
+  </p:timing>
+</p:sld>
+</file>
+
 <file path=ppt/slides/slide2.xml><?xml version="1.0" encoding="utf-8"?>
 <p:sld xmlns:a="http://schemas.openxmlformats.org/drawingml/2006/main" xmlns:r="http://schemas.openxmlformats.org/officeDocument/2006/relationships" xmlns:p="http://schemas.openxmlformats.org/presentationml/2006/main">
   <p:cSld>
@@ -15362,6 +16321,1984 @@
     <p:extLst>
       <p:ext uri="{BB962C8B-B14F-4D97-AF65-F5344CB8AC3E}">
         <p14:creationId xmlns:p14="http://schemas.microsoft.com/office/powerpoint/2010/main" val="695073297"/>
+      </p:ext>
+    </p:extLst>
+  </p:cSld>
+  <p:clrMapOvr>
+    <a:masterClrMapping/>
+  </p:clrMapOvr>
+  <p:timing>
+    <p:tnLst>
+      <p:par>
+        <p:cTn id="1" dur="indefinite" restart="never" nodeType="tmRoot"/>
+      </p:par>
+    </p:tnLst>
+  </p:timing>
+</p:sld>
+</file>
+
+<file path=ppt/slides/slide20.xml><?xml version="1.0" encoding="utf-8"?>
+<p:sld xmlns:a="http://schemas.openxmlformats.org/drawingml/2006/main" xmlns:r="http://schemas.openxmlformats.org/officeDocument/2006/relationships" xmlns:p="http://schemas.openxmlformats.org/presentationml/2006/main">
+  <p:cSld>
+    <p:spTree>
+      <p:nvGrpSpPr>
+        <p:cNvPr id="1" name=""/>
+        <p:cNvGrpSpPr/>
+        <p:nvPr/>
+      </p:nvGrpSpPr>
+      <p:grpSpPr>
+        <a:xfrm>
+          <a:off x="0" y="0"/>
+          <a:ext cx="0" cy="0"/>
+          <a:chOff x="0" y="0"/>
+          <a:chExt cx="0" cy="0"/>
+        </a:xfrm>
+      </p:grpSpPr>
+      <p:sp>
+        <p:nvSpPr>
+          <p:cNvPr id="2" name="Title 1"/>
+          <p:cNvSpPr>
+            <a:spLocks noGrp="1"/>
+          </p:cNvSpPr>
+          <p:nvPr>
+            <p:ph type="title"/>
+          </p:nvPr>
+        </p:nvSpPr>
+        <p:spPr/>
+        <p:txBody>
+          <a:bodyPr/>
+          <a:lstStyle/>
+          <a:p>
+            <a:r>
+              <a:rPr lang="en-IN" b="1" dirty="0" smtClean="0"/>
+              <a:t>3.2 </a:t>
+            </a:r>
+            <a:r>
+              <a:rPr lang="en-IN" b="1" dirty="0" err="1" smtClean="0"/>
+              <a:t>main.ts</a:t>
+            </a:r>
+            <a:endParaRPr lang="en-IN" b="1" dirty="0"/>
+          </a:p>
+        </p:txBody>
+      </p:sp>
+      <p:sp>
+        <p:nvSpPr>
+          <p:cNvPr id="3" name="Content Placeholder 2"/>
+          <p:cNvSpPr>
+            <a:spLocks noGrp="1"/>
+          </p:cNvSpPr>
+          <p:nvPr>
+            <p:ph sz="half" idx="2"/>
+          </p:nvPr>
+        </p:nvSpPr>
+        <p:spPr>
+          <a:xfrm>
+            <a:off x="1154954" y="2353236"/>
+            <a:ext cx="10275046" cy="981635"/>
+          </a:xfrm>
+        </p:spPr>
+        <p:txBody>
+          <a:bodyPr>
+            <a:normAutofit lnSpcReduction="10000"/>
+          </a:bodyPr>
+          <a:lstStyle/>
+          <a:p>
+            <a:r>
+              <a:rPr lang="en-IN" dirty="0" smtClean="0"/>
+              <a:t>File path: </a:t>
+            </a:r>
+            <a:r>
+              <a:rPr lang="en-IN" dirty="0" err="1" smtClean="0"/>
+              <a:t>helloworld</a:t>
+            </a:r>
+            <a:r>
+              <a:rPr lang="en-IN" dirty="0" smtClean="0"/>
+              <a:t> </a:t>
+            </a:r>
+            <a:r>
+              <a:rPr lang="en-IN" dirty="0" smtClean="0">
+                <a:sym typeface="Wingdings" panose="05000000000000000000" pitchFamily="2" charset="2"/>
+              </a:rPr>
+              <a:t></a:t>
+            </a:r>
+            <a:r>
+              <a:rPr lang="en-IN" dirty="0" err="1" smtClean="0">
+                <a:sym typeface="Wingdings" panose="05000000000000000000" pitchFamily="2" charset="2"/>
+              </a:rPr>
+              <a:t>srcmain.ts</a:t>
+            </a:r>
+            <a:endParaRPr lang="en-IN" dirty="0" smtClean="0"/>
+          </a:p>
+          <a:p>
+            <a:r>
+              <a:rPr lang="en-US" dirty="0"/>
+              <a:t>Entry point of the application, compiles the application with just-in-time and bootstraps the application</a:t>
+            </a:r>
+            <a:endParaRPr lang="en-IN" dirty="0"/>
+          </a:p>
+        </p:txBody>
+      </p:sp>
+      <p:sp>
+        <p:nvSpPr>
+          <p:cNvPr id="4" name="Rectangle 3"/>
+          <p:cNvSpPr/>
+          <p:nvPr/>
+        </p:nvSpPr>
+        <p:spPr>
+          <a:xfrm>
+            <a:off x="1600199" y="4093515"/>
+            <a:ext cx="9558619" cy="1200329"/>
+          </a:xfrm>
+          <a:prstGeom prst="rect">
+            <a:avLst/>
+          </a:prstGeom>
+          <a:solidFill>
+            <a:schemeClr val="accent6">
+              <a:lumMod val="50000"/>
+            </a:schemeClr>
+          </a:solidFill>
+        </p:spPr>
+        <p:txBody>
+          <a:bodyPr wrap="square">
+            <a:spAutoFit/>
+          </a:bodyPr>
+          <a:lstStyle/>
+          <a:p>
+            <a:pPr>
+              <a:spcAft>
+                <a:spcPts val="0"/>
+              </a:spcAft>
+            </a:pPr>
+            <a:r>
+              <a:rPr lang="en-US" dirty="0">
+                <a:solidFill>
+                  <a:srgbClr val="C586C0"/>
+                </a:solidFill>
+                <a:latin typeface="Consolas" panose="020B0609020204030204" pitchFamily="49" charset="0"/>
+                <a:ea typeface="Times New Roman" panose="02020603050405020304" pitchFamily="18" charset="0"/>
+                <a:cs typeface="Consolas" panose="020B0609020204030204" pitchFamily="49" charset="0"/>
+              </a:rPr>
+              <a:t>import</a:t>
+            </a:r>
+            <a:r>
+              <a:rPr lang="en-US" dirty="0">
+                <a:solidFill>
+                  <a:srgbClr val="D4D4D4"/>
+                </a:solidFill>
+                <a:latin typeface="Consolas" panose="020B0609020204030204" pitchFamily="49" charset="0"/>
+                <a:ea typeface="Times New Roman" panose="02020603050405020304" pitchFamily="18" charset="0"/>
+                <a:cs typeface="Consolas" panose="020B0609020204030204" pitchFamily="49" charset="0"/>
+              </a:rPr>
+              <a:t> </a:t>
+            </a:r>
+            <a:r>
+              <a:rPr lang="en-US" dirty="0">
+                <a:solidFill>
+                  <a:srgbClr val="CE9178"/>
+                </a:solidFill>
+                <a:latin typeface="Consolas" panose="020B0609020204030204" pitchFamily="49" charset="0"/>
+                <a:ea typeface="Times New Roman" panose="02020603050405020304" pitchFamily="18" charset="0"/>
+                <a:cs typeface="Consolas" panose="020B0609020204030204" pitchFamily="49" charset="0"/>
+              </a:rPr>
+              <a:t>'</a:t>
+            </a:r>
+            <a:r>
+              <a:rPr lang="en-US" dirty="0" err="1">
+                <a:solidFill>
+                  <a:srgbClr val="CE9178"/>
+                </a:solidFill>
+                <a:latin typeface="Consolas" panose="020B0609020204030204" pitchFamily="49" charset="0"/>
+                <a:ea typeface="Times New Roman" panose="02020603050405020304" pitchFamily="18" charset="0"/>
+                <a:cs typeface="Consolas" panose="020B0609020204030204" pitchFamily="49" charset="0"/>
+              </a:rPr>
+              <a:t>hammerjs</a:t>
+            </a:r>
+            <a:r>
+              <a:rPr lang="en-US" dirty="0">
+                <a:solidFill>
+                  <a:srgbClr val="CE9178"/>
+                </a:solidFill>
+                <a:latin typeface="Consolas" panose="020B0609020204030204" pitchFamily="49" charset="0"/>
+                <a:ea typeface="Times New Roman" panose="02020603050405020304" pitchFamily="18" charset="0"/>
+                <a:cs typeface="Consolas" panose="020B0609020204030204" pitchFamily="49" charset="0"/>
+              </a:rPr>
+              <a:t>'</a:t>
+            </a:r>
+            <a:r>
+              <a:rPr lang="en-US" dirty="0">
+                <a:solidFill>
+                  <a:srgbClr val="D4D4D4"/>
+                </a:solidFill>
+                <a:latin typeface="Consolas" panose="020B0609020204030204" pitchFamily="49" charset="0"/>
+                <a:ea typeface="Times New Roman" panose="02020603050405020304" pitchFamily="18" charset="0"/>
+                <a:cs typeface="Consolas" panose="020B0609020204030204" pitchFamily="49" charset="0"/>
+              </a:rPr>
+              <a:t>;</a:t>
+            </a:r>
+            <a:endParaRPr lang="en-IN" dirty="0">
+              <a:latin typeface="Calibri" panose="020F0502020204030204" pitchFamily="34" charset="0"/>
+              <a:ea typeface="Calibri" panose="020F0502020204030204" pitchFamily="34" charset="0"/>
+              <a:cs typeface="Times New Roman" panose="02020603050405020304" pitchFamily="18" charset="0"/>
+            </a:endParaRPr>
+          </a:p>
+          <a:p>
+            <a:pPr>
+              <a:spcAft>
+                <a:spcPts val="0"/>
+              </a:spcAft>
+            </a:pPr>
+            <a:r>
+              <a:rPr lang="en-US" dirty="0">
+                <a:solidFill>
+                  <a:srgbClr val="C586C0"/>
+                </a:solidFill>
+                <a:latin typeface="Consolas" panose="020B0609020204030204" pitchFamily="49" charset="0"/>
+                <a:ea typeface="Times New Roman" panose="02020603050405020304" pitchFamily="18" charset="0"/>
+                <a:cs typeface="Consolas" panose="020B0609020204030204" pitchFamily="49" charset="0"/>
+              </a:rPr>
+              <a:t>import</a:t>
+            </a:r>
+            <a:r>
+              <a:rPr lang="en-US" dirty="0">
+                <a:solidFill>
+                  <a:srgbClr val="D4D4D4"/>
+                </a:solidFill>
+                <a:latin typeface="Consolas" panose="020B0609020204030204" pitchFamily="49" charset="0"/>
+                <a:ea typeface="Times New Roman" panose="02020603050405020304" pitchFamily="18" charset="0"/>
+                <a:cs typeface="Consolas" panose="020B0609020204030204" pitchFamily="49" charset="0"/>
+              </a:rPr>
+              <a:t> { </a:t>
+            </a:r>
+            <a:r>
+              <a:rPr lang="en-US" dirty="0" err="1">
+                <a:solidFill>
+                  <a:srgbClr val="9CDCFE"/>
+                </a:solidFill>
+                <a:latin typeface="Consolas" panose="020B0609020204030204" pitchFamily="49" charset="0"/>
+                <a:ea typeface="Times New Roman" panose="02020603050405020304" pitchFamily="18" charset="0"/>
+                <a:cs typeface="Consolas" panose="020B0609020204030204" pitchFamily="49" charset="0"/>
+              </a:rPr>
+              <a:t>enableProdMode</a:t>
+            </a:r>
+            <a:r>
+              <a:rPr lang="en-US" dirty="0">
+                <a:solidFill>
+                  <a:srgbClr val="D4D4D4"/>
+                </a:solidFill>
+                <a:latin typeface="Consolas" panose="020B0609020204030204" pitchFamily="49" charset="0"/>
+                <a:ea typeface="Times New Roman" panose="02020603050405020304" pitchFamily="18" charset="0"/>
+                <a:cs typeface="Consolas" panose="020B0609020204030204" pitchFamily="49" charset="0"/>
+              </a:rPr>
+              <a:t> } </a:t>
+            </a:r>
+            <a:r>
+              <a:rPr lang="en-US" dirty="0">
+                <a:solidFill>
+                  <a:srgbClr val="C586C0"/>
+                </a:solidFill>
+                <a:latin typeface="Consolas" panose="020B0609020204030204" pitchFamily="49" charset="0"/>
+                <a:ea typeface="Times New Roman" panose="02020603050405020304" pitchFamily="18" charset="0"/>
+                <a:cs typeface="Consolas" panose="020B0609020204030204" pitchFamily="49" charset="0"/>
+              </a:rPr>
+              <a:t>from</a:t>
+            </a:r>
+            <a:r>
+              <a:rPr lang="en-US" dirty="0">
+                <a:solidFill>
+                  <a:srgbClr val="D4D4D4"/>
+                </a:solidFill>
+                <a:latin typeface="Consolas" panose="020B0609020204030204" pitchFamily="49" charset="0"/>
+                <a:ea typeface="Times New Roman" panose="02020603050405020304" pitchFamily="18" charset="0"/>
+                <a:cs typeface="Consolas" panose="020B0609020204030204" pitchFamily="49" charset="0"/>
+              </a:rPr>
+              <a:t> </a:t>
+            </a:r>
+            <a:r>
+              <a:rPr lang="en-US" dirty="0">
+                <a:solidFill>
+                  <a:srgbClr val="CE9178"/>
+                </a:solidFill>
+                <a:latin typeface="Consolas" panose="020B0609020204030204" pitchFamily="49" charset="0"/>
+                <a:ea typeface="Times New Roman" panose="02020603050405020304" pitchFamily="18" charset="0"/>
+                <a:cs typeface="Consolas" panose="020B0609020204030204" pitchFamily="49" charset="0"/>
+              </a:rPr>
+              <a:t>'@angular/core'</a:t>
+            </a:r>
+            <a:r>
+              <a:rPr lang="en-US" dirty="0">
+                <a:solidFill>
+                  <a:srgbClr val="D4D4D4"/>
+                </a:solidFill>
+                <a:latin typeface="Consolas" panose="020B0609020204030204" pitchFamily="49" charset="0"/>
+                <a:ea typeface="Times New Roman" panose="02020603050405020304" pitchFamily="18" charset="0"/>
+                <a:cs typeface="Consolas" panose="020B0609020204030204" pitchFamily="49" charset="0"/>
+              </a:rPr>
+              <a:t>;</a:t>
+            </a:r>
+            <a:endParaRPr lang="en-IN" dirty="0">
+              <a:latin typeface="Calibri" panose="020F0502020204030204" pitchFamily="34" charset="0"/>
+              <a:ea typeface="Calibri" panose="020F0502020204030204" pitchFamily="34" charset="0"/>
+              <a:cs typeface="Times New Roman" panose="02020603050405020304" pitchFamily="18" charset="0"/>
+            </a:endParaRPr>
+          </a:p>
+          <a:p>
+            <a:pPr>
+              <a:spcAft>
+                <a:spcPts val="0"/>
+              </a:spcAft>
+            </a:pPr>
+            <a:r>
+              <a:rPr lang="en-US" dirty="0">
+                <a:solidFill>
+                  <a:srgbClr val="6A9955"/>
+                </a:solidFill>
+                <a:latin typeface="Consolas" panose="020B0609020204030204" pitchFamily="49" charset="0"/>
+                <a:ea typeface="Times New Roman" panose="02020603050405020304" pitchFamily="18" charset="0"/>
+                <a:cs typeface="Consolas" panose="020B0609020204030204" pitchFamily="49" charset="0"/>
+              </a:rPr>
+              <a:t>// The browser platform with a </a:t>
+            </a:r>
+            <a:r>
+              <a:rPr lang="en-US" dirty="0" smtClean="0">
+                <a:solidFill>
+                  <a:srgbClr val="6A9955"/>
+                </a:solidFill>
+                <a:latin typeface="Consolas" panose="020B0609020204030204" pitchFamily="49" charset="0"/>
+                <a:ea typeface="Times New Roman" panose="02020603050405020304" pitchFamily="18" charset="0"/>
+                <a:cs typeface="Consolas" panose="020B0609020204030204" pitchFamily="49" charset="0"/>
+              </a:rPr>
+              <a:t>compiler // </a:t>
+            </a:r>
+            <a:r>
+              <a:rPr lang="en-US" dirty="0">
+                <a:solidFill>
+                  <a:srgbClr val="6A9955"/>
+                </a:solidFill>
+                <a:latin typeface="Consolas" panose="020B0609020204030204" pitchFamily="49" charset="0"/>
+                <a:ea typeface="Times New Roman" panose="02020603050405020304" pitchFamily="18" charset="0"/>
+                <a:cs typeface="Consolas" panose="020B0609020204030204" pitchFamily="49" charset="0"/>
+              </a:rPr>
+              <a:t>Used to bootstrap an Angular </a:t>
+            </a:r>
+            <a:r>
+              <a:rPr lang="en-US" dirty="0" smtClean="0">
+                <a:solidFill>
+                  <a:srgbClr val="6A9955"/>
+                </a:solidFill>
+                <a:latin typeface="Consolas" panose="020B0609020204030204" pitchFamily="49" charset="0"/>
+                <a:ea typeface="Times New Roman" panose="02020603050405020304" pitchFamily="18" charset="0"/>
+                <a:cs typeface="Consolas" panose="020B0609020204030204" pitchFamily="49" charset="0"/>
+              </a:rPr>
+              <a:t>application</a:t>
+            </a:r>
+            <a:endParaRPr lang="en-IN" dirty="0">
+              <a:latin typeface="Calibri" panose="020F0502020204030204" pitchFamily="34" charset="0"/>
+              <a:ea typeface="Calibri" panose="020F0502020204030204" pitchFamily="34" charset="0"/>
+              <a:cs typeface="Times New Roman" panose="02020603050405020304" pitchFamily="18" charset="0"/>
+            </a:endParaRPr>
+          </a:p>
+        </p:txBody>
+      </p:sp>
+      <p:sp>
+        <p:nvSpPr>
+          <p:cNvPr id="5" name="Rectangle 4"/>
+          <p:cNvSpPr/>
+          <p:nvPr/>
+        </p:nvSpPr>
+        <p:spPr>
+          <a:xfrm>
+            <a:off x="1604682" y="5602690"/>
+            <a:ext cx="9554136" cy="646331"/>
+          </a:xfrm>
+          <a:prstGeom prst="rect">
+            <a:avLst/>
+          </a:prstGeom>
+          <a:solidFill>
+            <a:schemeClr val="accent6">
+              <a:lumMod val="50000"/>
+            </a:schemeClr>
+          </a:solidFill>
+        </p:spPr>
+        <p:txBody>
+          <a:bodyPr wrap="square">
+            <a:spAutoFit/>
+          </a:bodyPr>
+          <a:lstStyle/>
+          <a:p>
+            <a:pPr>
+              <a:spcAft>
+                <a:spcPts val="0"/>
+              </a:spcAft>
+            </a:pPr>
+            <a:r>
+              <a:rPr lang="en-US" dirty="0">
+                <a:solidFill>
+                  <a:srgbClr val="C586C0"/>
+                </a:solidFill>
+                <a:latin typeface="Consolas" panose="020B0609020204030204" pitchFamily="49" charset="0"/>
+                <a:ea typeface="Times New Roman" panose="02020603050405020304" pitchFamily="18" charset="0"/>
+                <a:cs typeface="Consolas" panose="020B0609020204030204" pitchFamily="49" charset="0"/>
+              </a:rPr>
+              <a:t>import</a:t>
+            </a:r>
+            <a:r>
+              <a:rPr lang="en-US" dirty="0">
+                <a:solidFill>
+                  <a:srgbClr val="D4D4D4"/>
+                </a:solidFill>
+                <a:latin typeface="Consolas" panose="020B0609020204030204" pitchFamily="49" charset="0"/>
+                <a:ea typeface="Times New Roman" panose="02020603050405020304" pitchFamily="18" charset="0"/>
+                <a:cs typeface="Consolas" panose="020B0609020204030204" pitchFamily="49" charset="0"/>
+              </a:rPr>
+              <a:t> { </a:t>
+            </a:r>
+            <a:r>
+              <a:rPr lang="en-US" dirty="0" err="1">
+                <a:solidFill>
+                  <a:srgbClr val="9CDCFE"/>
+                </a:solidFill>
+                <a:latin typeface="Consolas" panose="020B0609020204030204" pitchFamily="49" charset="0"/>
+                <a:ea typeface="Times New Roman" panose="02020603050405020304" pitchFamily="18" charset="0"/>
+                <a:cs typeface="Consolas" panose="020B0609020204030204" pitchFamily="49" charset="0"/>
+              </a:rPr>
+              <a:t>platformBrowserDynamic</a:t>
+            </a:r>
+            <a:r>
+              <a:rPr lang="en-US" dirty="0">
+                <a:solidFill>
+                  <a:srgbClr val="D4D4D4"/>
+                </a:solidFill>
+                <a:latin typeface="Consolas" panose="020B0609020204030204" pitchFamily="49" charset="0"/>
+                <a:ea typeface="Times New Roman" panose="02020603050405020304" pitchFamily="18" charset="0"/>
+                <a:cs typeface="Consolas" panose="020B0609020204030204" pitchFamily="49" charset="0"/>
+              </a:rPr>
+              <a:t> } </a:t>
+            </a:r>
+            <a:r>
+              <a:rPr lang="en-US" dirty="0">
+                <a:solidFill>
+                  <a:srgbClr val="C586C0"/>
+                </a:solidFill>
+                <a:latin typeface="Consolas" panose="020B0609020204030204" pitchFamily="49" charset="0"/>
+                <a:ea typeface="Times New Roman" panose="02020603050405020304" pitchFamily="18" charset="0"/>
+                <a:cs typeface="Consolas" panose="020B0609020204030204" pitchFamily="49" charset="0"/>
+              </a:rPr>
+              <a:t>from</a:t>
+            </a:r>
+            <a:r>
+              <a:rPr lang="en-US" dirty="0">
+                <a:solidFill>
+                  <a:srgbClr val="D4D4D4"/>
+                </a:solidFill>
+                <a:latin typeface="Consolas" panose="020B0609020204030204" pitchFamily="49" charset="0"/>
+                <a:ea typeface="Times New Roman" panose="02020603050405020304" pitchFamily="18" charset="0"/>
+                <a:cs typeface="Consolas" panose="020B0609020204030204" pitchFamily="49" charset="0"/>
+              </a:rPr>
+              <a:t> </a:t>
+            </a:r>
+            <a:r>
+              <a:rPr lang="en-US" dirty="0">
+                <a:solidFill>
+                  <a:srgbClr val="CE9178"/>
+                </a:solidFill>
+                <a:latin typeface="Consolas" panose="020B0609020204030204" pitchFamily="49" charset="0"/>
+                <a:ea typeface="Times New Roman" panose="02020603050405020304" pitchFamily="18" charset="0"/>
+                <a:cs typeface="Consolas" panose="020B0609020204030204" pitchFamily="49" charset="0"/>
+              </a:rPr>
+              <a:t>'@angular/platform-browser-dynamic'</a:t>
+            </a:r>
+            <a:r>
+              <a:rPr lang="en-US" dirty="0">
+                <a:solidFill>
+                  <a:srgbClr val="D4D4D4"/>
+                </a:solidFill>
+                <a:latin typeface="Consolas" panose="020B0609020204030204" pitchFamily="49" charset="0"/>
+                <a:ea typeface="Times New Roman" panose="02020603050405020304" pitchFamily="18" charset="0"/>
+                <a:cs typeface="Consolas" panose="020B0609020204030204" pitchFamily="49" charset="0"/>
+              </a:rPr>
+              <a:t>; </a:t>
+            </a:r>
+            <a:endParaRPr lang="en-IN" dirty="0">
+              <a:latin typeface="Calibri" panose="020F0502020204030204" pitchFamily="34" charset="0"/>
+              <a:ea typeface="Calibri" panose="020F0502020204030204" pitchFamily="34" charset="0"/>
+              <a:cs typeface="Times New Roman" panose="02020603050405020304" pitchFamily="18" charset="0"/>
+            </a:endParaRPr>
+          </a:p>
+        </p:txBody>
+      </p:sp>
+      <p:sp>
+        <p:nvSpPr>
+          <p:cNvPr id="8" name="Content Placeholder 2"/>
+          <p:cNvSpPr>
+            <a:spLocks noGrp="1"/>
+          </p:cNvSpPr>
+          <p:nvPr>
+            <p:ph sz="half" idx="2"/>
+          </p:nvPr>
+        </p:nvSpPr>
+        <p:spPr>
+          <a:xfrm>
+            <a:off x="1154954" y="3338412"/>
+            <a:ext cx="10275046" cy="755103"/>
+          </a:xfrm>
+        </p:spPr>
+        <p:txBody>
+          <a:bodyPr>
+            <a:normAutofit/>
+          </a:bodyPr>
+          <a:lstStyle/>
+          <a:p>
+            <a:r>
+              <a:rPr lang="en-US" dirty="0"/>
+              <a:t>Hammer.js is a small, standalone </a:t>
+            </a:r>
+            <a:r>
+              <a:rPr lang="en-US" dirty="0" err="1"/>
+              <a:t>javascript</a:t>
+            </a:r>
+            <a:r>
+              <a:rPr lang="en-US" dirty="0"/>
+              <a:t>-library that enables </a:t>
+            </a:r>
+            <a:r>
+              <a:rPr lang="en-US" dirty="0" err="1"/>
+              <a:t>multitouch</a:t>
+            </a:r>
+            <a:r>
+              <a:rPr lang="en-US" dirty="0"/>
+              <a:t> gestures like swipe, pinch, rotate, tap and drag on mobile devices</a:t>
+            </a:r>
+            <a:endParaRPr lang="en-IN" dirty="0"/>
+          </a:p>
+        </p:txBody>
+      </p:sp>
+    </p:spTree>
+    <p:extLst>
+      <p:ext uri="{BB962C8B-B14F-4D97-AF65-F5344CB8AC3E}">
+        <p14:creationId xmlns:p14="http://schemas.microsoft.com/office/powerpoint/2010/main" val="3111823545"/>
+      </p:ext>
+    </p:extLst>
+  </p:cSld>
+  <p:clrMapOvr>
+    <a:masterClrMapping/>
+  </p:clrMapOvr>
+  <p:timing>
+    <p:tnLst>
+      <p:par>
+        <p:cTn id="1" dur="indefinite" restart="never" nodeType="tmRoot"/>
+      </p:par>
+    </p:tnLst>
+  </p:timing>
+</p:sld>
+</file>
+
+<file path=ppt/slides/slide21.xml><?xml version="1.0" encoding="utf-8"?>
+<p:sld xmlns:a="http://schemas.openxmlformats.org/drawingml/2006/main" xmlns:r="http://schemas.openxmlformats.org/officeDocument/2006/relationships" xmlns:p="http://schemas.openxmlformats.org/presentationml/2006/main">
+  <p:cSld>
+    <p:spTree>
+      <p:nvGrpSpPr>
+        <p:cNvPr id="1" name=""/>
+        <p:cNvGrpSpPr/>
+        <p:nvPr/>
+      </p:nvGrpSpPr>
+      <p:grpSpPr>
+        <a:xfrm>
+          <a:off x="0" y="0"/>
+          <a:ext cx="0" cy="0"/>
+          <a:chOff x="0" y="0"/>
+          <a:chExt cx="0" cy="0"/>
+        </a:xfrm>
+      </p:grpSpPr>
+      <p:sp>
+        <p:nvSpPr>
+          <p:cNvPr id="2" name="Title 1"/>
+          <p:cNvSpPr>
+            <a:spLocks noGrp="1"/>
+          </p:cNvSpPr>
+          <p:nvPr>
+            <p:ph type="title"/>
+          </p:nvPr>
+        </p:nvSpPr>
+        <p:spPr/>
+        <p:txBody>
+          <a:bodyPr/>
+          <a:lstStyle/>
+          <a:p>
+            <a:r>
+              <a:rPr lang="en-IN" b="1" dirty="0" smtClean="0"/>
+              <a:t>3.2 </a:t>
+            </a:r>
+            <a:r>
+              <a:rPr lang="en-IN" b="1" dirty="0" err="1" smtClean="0"/>
+              <a:t>main.ts</a:t>
+            </a:r>
+            <a:endParaRPr lang="en-IN" b="1" dirty="0"/>
+          </a:p>
+        </p:txBody>
+      </p:sp>
+      <p:sp>
+        <p:nvSpPr>
+          <p:cNvPr id="8" name="Content Placeholder 2"/>
+          <p:cNvSpPr>
+            <a:spLocks noGrp="1"/>
+          </p:cNvSpPr>
+          <p:nvPr>
+            <p:ph sz="half" idx="2"/>
+          </p:nvPr>
+        </p:nvSpPr>
+        <p:spPr>
+          <a:xfrm>
+            <a:off x="1021976" y="4814047"/>
+            <a:ext cx="10408024" cy="981635"/>
+          </a:xfrm>
+        </p:spPr>
+        <p:txBody>
+          <a:bodyPr>
+            <a:normAutofit fontScale="92500"/>
+          </a:bodyPr>
+          <a:lstStyle/>
+          <a:p>
+            <a:r>
+              <a:rPr lang="en-US" dirty="0"/>
+              <a:t>The </a:t>
+            </a:r>
+            <a:r>
+              <a:rPr lang="en-US" dirty="0" err="1"/>
+              <a:t>platformBrowserDynamic</a:t>
+            </a:r>
+            <a:r>
+              <a:rPr lang="en-US" dirty="0"/>
+              <a:t>()indicates that we are boot Angular in a browser environment. </a:t>
+            </a:r>
+            <a:endParaRPr lang="en-US" dirty="0" smtClean="0"/>
+          </a:p>
+          <a:p>
+            <a:r>
+              <a:rPr lang="en-US" dirty="0"/>
+              <a:t>The </a:t>
+            </a:r>
+            <a:r>
+              <a:rPr lang="en-US" dirty="0" err="1"/>
+              <a:t>bootstrapModule</a:t>
+            </a:r>
+            <a:r>
+              <a:rPr lang="en-US" dirty="0"/>
+              <a:t>() function helps bootstrap our root module taking in the root module as.</a:t>
+            </a:r>
+            <a:endParaRPr lang="en-IN" dirty="0"/>
+          </a:p>
+          <a:p>
+            <a:pPr marL="0" indent="0">
+              <a:buNone/>
+            </a:pPr>
+            <a:endParaRPr lang="en-IN" dirty="0"/>
+          </a:p>
+        </p:txBody>
+      </p:sp>
+      <p:sp>
+        <p:nvSpPr>
+          <p:cNvPr id="10" name="Rectangle 9"/>
+          <p:cNvSpPr/>
+          <p:nvPr/>
+        </p:nvSpPr>
+        <p:spPr>
+          <a:xfrm>
+            <a:off x="1491131" y="3410233"/>
+            <a:ext cx="8610600" cy="1200329"/>
+          </a:xfrm>
+          <a:prstGeom prst="rect">
+            <a:avLst/>
+          </a:prstGeom>
+          <a:solidFill>
+            <a:schemeClr val="accent6">
+              <a:lumMod val="50000"/>
+            </a:schemeClr>
+          </a:solidFill>
+        </p:spPr>
+        <p:txBody>
+          <a:bodyPr wrap="square">
+            <a:spAutoFit/>
+          </a:bodyPr>
+          <a:lstStyle/>
+          <a:p>
+            <a:pPr>
+              <a:spcAft>
+                <a:spcPts val="0"/>
+              </a:spcAft>
+            </a:pPr>
+            <a:r>
+              <a:rPr lang="en-US" dirty="0" smtClean="0">
+                <a:solidFill>
+                  <a:srgbClr val="C586C0"/>
+                </a:solidFill>
+                <a:latin typeface="Consolas" panose="020B0609020204030204" pitchFamily="49" charset="0"/>
+                <a:ea typeface="Times New Roman" panose="02020603050405020304" pitchFamily="18" charset="0"/>
+                <a:cs typeface="Consolas" panose="020B0609020204030204" pitchFamily="49" charset="0"/>
+              </a:rPr>
+              <a:t>import</a:t>
+            </a:r>
+            <a:r>
+              <a:rPr lang="en-US" dirty="0" smtClean="0">
+                <a:solidFill>
+                  <a:srgbClr val="D4D4D4"/>
+                </a:solidFill>
+                <a:latin typeface="Consolas" panose="020B0609020204030204" pitchFamily="49" charset="0"/>
+                <a:ea typeface="Times New Roman" panose="02020603050405020304" pitchFamily="18" charset="0"/>
+                <a:cs typeface="Consolas" panose="020B0609020204030204" pitchFamily="49" charset="0"/>
+              </a:rPr>
+              <a:t> { </a:t>
+            </a:r>
+            <a:r>
+              <a:rPr lang="en-US" dirty="0" err="1" smtClean="0">
+                <a:solidFill>
+                  <a:srgbClr val="9CDCFE"/>
+                </a:solidFill>
+                <a:latin typeface="Consolas" panose="020B0609020204030204" pitchFamily="49" charset="0"/>
+                <a:ea typeface="Times New Roman" panose="02020603050405020304" pitchFamily="18" charset="0"/>
+                <a:cs typeface="Consolas" panose="020B0609020204030204" pitchFamily="49" charset="0"/>
+              </a:rPr>
+              <a:t>AppModule</a:t>
+            </a:r>
+            <a:r>
+              <a:rPr lang="en-US" dirty="0" smtClean="0">
+                <a:solidFill>
+                  <a:srgbClr val="D4D4D4"/>
+                </a:solidFill>
+                <a:latin typeface="Consolas" panose="020B0609020204030204" pitchFamily="49" charset="0"/>
+                <a:ea typeface="Times New Roman" panose="02020603050405020304" pitchFamily="18" charset="0"/>
+                <a:cs typeface="Consolas" panose="020B0609020204030204" pitchFamily="49" charset="0"/>
+              </a:rPr>
+              <a:t> } </a:t>
+            </a:r>
+            <a:r>
+              <a:rPr lang="en-US" dirty="0" smtClean="0">
+                <a:solidFill>
+                  <a:srgbClr val="C586C0"/>
+                </a:solidFill>
+                <a:latin typeface="Consolas" panose="020B0609020204030204" pitchFamily="49" charset="0"/>
+                <a:ea typeface="Times New Roman" panose="02020603050405020304" pitchFamily="18" charset="0"/>
+                <a:cs typeface="Consolas" panose="020B0609020204030204" pitchFamily="49" charset="0"/>
+              </a:rPr>
+              <a:t>from</a:t>
+            </a:r>
+            <a:r>
+              <a:rPr lang="en-US" dirty="0" smtClean="0">
+                <a:solidFill>
+                  <a:srgbClr val="D4D4D4"/>
+                </a:solidFill>
+                <a:latin typeface="Consolas" panose="020B0609020204030204" pitchFamily="49" charset="0"/>
+                <a:ea typeface="Times New Roman" panose="02020603050405020304" pitchFamily="18" charset="0"/>
+                <a:cs typeface="Consolas" panose="020B0609020204030204" pitchFamily="49" charset="0"/>
+              </a:rPr>
+              <a:t> </a:t>
+            </a:r>
+            <a:r>
+              <a:rPr lang="en-US" dirty="0" smtClean="0">
+                <a:solidFill>
+                  <a:srgbClr val="CE9178"/>
+                </a:solidFill>
+                <a:latin typeface="Consolas" panose="020B0609020204030204" pitchFamily="49" charset="0"/>
+                <a:ea typeface="Times New Roman" panose="02020603050405020304" pitchFamily="18" charset="0"/>
+                <a:cs typeface="Consolas" panose="020B0609020204030204" pitchFamily="49" charset="0"/>
+              </a:rPr>
+              <a:t>'./app/</a:t>
+            </a:r>
+            <a:r>
+              <a:rPr lang="en-US" dirty="0" err="1" smtClean="0">
+                <a:solidFill>
+                  <a:srgbClr val="CE9178"/>
+                </a:solidFill>
+                <a:latin typeface="Consolas" panose="020B0609020204030204" pitchFamily="49" charset="0"/>
+                <a:ea typeface="Times New Roman" panose="02020603050405020304" pitchFamily="18" charset="0"/>
+                <a:cs typeface="Consolas" panose="020B0609020204030204" pitchFamily="49" charset="0"/>
+              </a:rPr>
+              <a:t>app.module</a:t>
+            </a:r>
+            <a:r>
+              <a:rPr lang="en-US" dirty="0" smtClean="0">
+                <a:solidFill>
+                  <a:srgbClr val="CE9178"/>
+                </a:solidFill>
+                <a:latin typeface="Consolas" panose="020B0609020204030204" pitchFamily="49" charset="0"/>
+                <a:ea typeface="Times New Roman" panose="02020603050405020304" pitchFamily="18" charset="0"/>
+                <a:cs typeface="Consolas" panose="020B0609020204030204" pitchFamily="49" charset="0"/>
+              </a:rPr>
+              <a:t>'</a:t>
+            </a:r>
+            <a:r>
+              <a:rPr lang="en-US" dirty="0" smtClean="0">
+                <a:solidFill>
+                  <a:srgbClr val="D4D4D4"/>
+                </a:solidFill>
+                <a:latin typeface="Consolas" panose="020B0609020204030204" pitchFamily="49" charset="0"/>
+                <a:ea typeface="Times New Roman" panose="02020603050405020304" pitchFamily="18" charset="0"/>
+                <a:cs typeface="Consolas" panose="020B0609020204030204" pitchFamily="49" charset="0"/>
+              </a:rPr>
+              <a:t>; </a:t>
+            </a:r>
+            <a:endParaRPr lang="en-IN" dirty="0" smtClean="0">
+              <a:latin typeface="Calibri" panose="020F0502020204030204" pitchFamily="34" charset="0"/>
+              <a:ea typeface="Calibri" panose="020F0502020204030204" pitchFamily="34" charset="0"/>
+              <a:cs typeface="Times New Roman" panose="02020603050405020304" pitchFamily="18" charset="0"/>
+            </a:endParaRPr>
+          </a:p>
+          <a:p>
+            <a:pPr>
+              <a:spcAft>
+                <a:spcPts val="0"/>
+              </a:spcAft>
+            </a:pPr>
+            <a:r>
+              <a:rPr lang="en-US" dirty="0" smtClean="0">
+                <a:solidFill>
+                  <a:srgbClr val="6A9955"/>
+                </a:solidFill>
+                <a:latin typeface="Consolas" panose="020B0609020204030204" pitchFamily="49" charset="0"/>
+                <a:ea typeface="Times New Roman" panose="02020603050405020304" pitchFamily="18" charset="0"/>
+                <a:cs typeface="Consolas" panose="020B0609020204030204" pitchFamily="49" charset="0"/>
+              </a:rPr>
+              <a:t>// Enable the production mode</a:t>
+            </a:r>
+            <a:endParaRPr lang="en-IN" dirty="0" smtClean="0">
+              <a:latin typeface="Calibri" panose="020F0502020204030204" pitchFamily="34" charset="0"/>
+              <a:ea typeface="Calibri" panose="020F0502020204030204" pitchFamily="34" charset="0"/>
+              <a:cs typeface="Times New Roman" panose="02020603050405020304" pitchFamily="18" charset="0"/>
+            </a:endParaRPr>
+          </a:p>
+          <a:p>
+            <a:pPr>
+              <a:spcAft>
+                <a:spcPts val="0"/>
+              </a:spcAft>
+            </a:pPr>
+            <a:r>
+              <a:rPr lang="en-US" dirty="0" smtClean="0">
+                <a:solidFill>
+                  <a:srgbClr val="C586C0"/>
+                </a:solidFill>
+                <a:latin typeface="Consolas" panose="020B0609020204030204" pitchFamily="49" charset="0"/>
+                <a:ea typeface="Times New Roman" panose="02020603050405020304" pitchFamily="18" charset="0"/>
+                <a:cs typeface="Consolas" panose="020B0609020204030204" pitchFamily="49" charset="0"/>
+              </a:rPr>
+              <a:t>import</a:t>
+            </a:r>
+            <a:r>
+              <a:rPr lang="en-US" dirty="0" smtClean="0">
+                <a:solidFill>
+                  <a:srgbClr val="D4D4D4"/>
+                </a:solidFill>
+                <a:latin typeface="Consolas" panose="020B0609020204030204" pitchFamily="49" charset="0"/>
+                <a:ea typeface="Times New Roman" panose="02020603050405020304" pitchFamily="18" charset="0"/>
+                <a:cs typeface="Consolas" panose="020B0609020204030204" pitchFamily="49" charset="0"/>
+              </a:rPr>
+              <a:t> { </a:t>
+            </a:r>
+            <a:r>
+              <a:rPr lang="en-US" dirty="0" smtClean="0">
+                <a:solidFill>
+                  <a:srgbClr val="9CDCFE"/>
+                </a:solidFill>
+                <a:latin typeface="Consolas" panose="020B0609020204030204" pitchFamily="49" charset="0"/>
+                <a:ea typeface="Times New Roman" panose="02020603050405020304" pitchFamily="18" charset="0"/>
+                <a:cs typeface="Consolas" panose="020B0609020204030204" pitchFamily="49" charset="0"/>
+              </a:rPr>
+              <a:t>environment</a:t>
+            </a:r>
+            <a:r>
+              <a:rPr lang="en-US" dirty="0" smtClean="0">
+                <a:solidFill>
+                  <a:srgbClr val="D4D4D4"/>
+                </a:solidFill>
+                <a:latin typeface="Consolas" panose="020B0609020204030204" pitchFamily="49" charset="0"/>
+                <a:ea typeface="Times New Roman" panose="02020603050405020304" pitchFamily="18" charset="0"/>
+                <a:cs typeface="Consolas" panose="020B0609020204030204" pitchFamily="49" charset="0"/>
+              </a:rPr>
+              <a:t> } </a:t>
+            </a:r>
+            <a:r>
+              <a:rPr lang="en-US" dirty="0" smtClean="0">
+                <a:solidFill>
+                  <a:srgbClr val="C586C0"/>
+                </a:solidFill>
+                <a:latin typeface="Consolas" panose="020B0609020204030204" pitchFamily="49" charset="0"/>
+                <a:ea typeface="Times New Roman" panose="02020603050405020304" pitchFamily="18" charset="0"/>
+                <a:cs typeface="Consolas" panose="020B0609020204030204" pitchFamily="49" charset="0"/>
+              </a:rPr>
+              <a:t>from</a:t>
+            </a:r>
+            <a:r>
+              <a:rPr lang="en-US" dirty="0" smtClean="0">
+                <a:solidFill>
+                  <a:srgbClr val="D4D4D4"/>
+                </a:solidFill>
+                <a:latin typeface="Consolas" panose="020B0609020204030204" pitchFamily="49" charset="0"/>
+                <a:ea typeface="Times New Roman" panose="02020603050405020304" pitchFamily="18" charset="0"/>
+                <a:cs typeface="Consolas" panose="020B0609020204030204" pitchFamily="49" charset="0"/>
+              </a:rPr>
+              <a:t> </a:t>
+            </a:r>
+            <a:r>
+              <a:rPr lang="en-US" dirty="0" smtClean="0">
+                <a:solidFill>
+                  <a:srgbClr val="CE9178"/>
+                </a:solidFill>
+                <a:latin typeface="Consolas" panose="020B0609020204030204" pitchFamily="49" charset="0"/>
+                <a:ea typeface="Times New Roman" panose="02020603050405020304" pitchFamily="18" charset="0"/>
+                <a:cs typeface="Consolas" panose="020B0609020204030204" pitchFamily="49" charset="0"/>
+              </a:rPr>
+              <a:t>'./environments/environment'</a:t>
+            </a:r>
+            <a:r>
+              <a:rPr lang="en-US" dirty="0" smtClean="0">
+                <a:solidFill>
+                  <a:srgbClr val="D4D4D4"/>
+                </a:solidFill>
+                <a:latin typeface="Consolas" panose="020B0609020204030204" pitchFamily="49" charset="0"/>
+                <a:ea typeface="Times New Roman" panose="02020603050405020304" pitchFamily="18" charset="0"/>
+                <a:cs typeface="Consolas" panose="020B0609020204030204" pitchFamily="49" charset="0"/>
+              </a:rPr>
+              <a:t>; </a:t>
+            </a:r>
+            <a:endParaRPr lang="en-IN" dirty="0" smtClean="0">
+              <a:latin typeface="Calibri" panose="020F0502020204030204" pitchFamily="34" charset="0"/>
+              <a:ea typeface="Calibri" panose="020F0502020204030204" pitchFamily="34" charset="0"/>
+              <a:cs typeface="Times New Roman" panose="02020603050405020304" pitchFamily="18" charset="0"/>
+            </a:endParaRPr>
+          </a:p>
+          <a:p>
+            <a:pPr>
+              <a:spcAft>
+                <a:spcPts val="0"/>
+              </a:spcAft>
+            </a:pPr>
+            <a:r>
+              <a:rPr lang="en-US" dirty="0" smtClean="0">
+                <a:solidFill>
+                  <a:srgbClr val="C586C0"/>
+                </a:solidFill>
+                <a:latin typeface="Consolas" panose="020B0609020204030204" pitchFamily="49" charset="0"/>
+                <a:ea typeface="Times New Roman" panose="02020603050405020304" pitchFamily="18" charset="0"/>
+                <a:cs typeface="Consolas" panose="020B0609020204030204" pitchFamily="49" charset="0"/>
+              </a:rPr>
+              <a:t>if</a:t>
+            </a:r>
+            <a:r>
+              <a:rPr lang="en-US" dirty="0" smtClean="0">
+                <a:solidFill>
+                  <a:srgbClr val="D4D4D4"/>
+                </a:solidFill>
+                <a:latin typeface="Consolas" panose="020B0609020204030204" pitchFamily="49" charset="0"/>
+                <a:ea typeface="Times New Roman" panose="02020603050405020304" pitchFamily="18" charset="0"/>
+                <a:cs typeface="Consolas" panose="020B0609020204030204" pitchFamily="49" charset="0"/>
+              </a:rPr>
+              <a:t> (</a:t>
+            </a:r>
+            <a:r>
+              <a:rPr lang="en-US" dirty="0" err="1" smtClean="0">
+                <a:solidFill>
+                  <a:srgbClr val="9CDCFE"/>
+                </a:solidFill>
+                <a:latin typeface="Consolas" panose="020B0609020204030204" pitchFamily="49" charset="0"/>
+                <a:ea typeface="Times New Roman" panose="02020603050405020304" pitchFamily="18" charset="0"/>
+                <a:cs typeface="Consolas" panose="020B0609020204030204" pitchFamily="49" charset="0"/>
+              </a:rPr>
+              <a:t>environment</a:t>
+            </a:r>
+            <a:r>
+              <a:rPr lang="en-US" dirty="0" err="1" smtClean="0">
+                <a:solidFill>
+                  <a:srgbClr val="D4D4D4"/>
+                </a:solidFill>
+                <a:latin typeface="Consolas" panose="020B0609020204030204" pitchFamily="49" charset="0"/>
+                <a:ea typeface="Times New Roman" panose="02020603050405020304" pitchFamily="18" charset="0"/>
+                <a:cs typeface="Consolas" panose="020B0609020204030204" pitchFamily="49" charset="0"/>
+              </a:rPr>
+              <a:t>.</a:t>
+            </a:r>
+            <a:r>
+              <a:rPr lang="en-US" dirty="0" err="1" smtClean="0">
+                <a:solidFill>
+                  <a:srgbClr val="9CDCFE"/>
+                </a:solidFill>
+                <a:latin typeface="Consolas" panose="020B0609020204030204" pitchFamily="49" charset="0"/>
+                <a:ea typeface="Times New Roman" panose="02020603050405020304" pitchFamily="18" charset="0"/>
+                <a:cs typeface="Consolas" panose="020B0609020204030204" pitchFamily="49" charset="0"/>
+              </a:rPr>
+              <a:t>production</a:t>
+            </a:r>
+            <a:r>
+              <a:rPr lang="en-US" dirty="0" smtClean="0">
+                <a:solidFill>
+                  <a:srgbClr val="D4D4D4"/>
+                </a:solidFill>
+                <a:latin typeface="Consolas" panose="020B0609020204030204" pitchFamily="49" charset="0"/>
+                <a:ea typeface="Times New Roman" panose="02020603050405020304" pitchFamily="18" charset="0"/>
+                <a:cs typeface="Consolas" panose="020B0609020204030204" pitchFamily="49" charset="0"/>
+              </a:rPr>
+              <a:t>) { </a:t>
+            </a:r>
+            <a:r>
+              <a:rPr lang="en-US" dirty="0" err="1" smtClean="0">
+                <a:solidFill>
+                  <a:srgbClr val="DCDCAA"/>
+                </a:solidFill>
+                <a:latin typeface="Consolas" panose="020B0609020204030204" pitchFamily="49" charset="0"/>
+                <a:ea typeface="Times New Roman" panose="02020603050405020304" pitchFamily="18" charset="0"/>
+                <a:cs typeface="Consolas" panose="020B0609020204030204" pitchFamily="49" charset="0"/>
+              </a:rPr>
+              <a:t>enableProdMode</a:t>
+            </a:r>
+            <a:r>
+              <a:rPr lang="en-US" dirty="0" smtClean="0">
+                <a:solidFill>
+                  <a:srgbClr val="D4D4D4"/>
+                </a:solidFill>
+                <a:latin typeface="Consolas" panose="020B0609020204030204" pitchFamily="49" charset="0"/>
+                <a:ea typeface="Times New Roman" panose="02020603050405020304" pitchFamily="18" charset="0"/>
+                <a:cs typeface="Consolas" panose="020B0609020204030204" pitchFamily="49" charset="0"/>
+              </a:rPr>
+              <a:t>();} </a:t>
+            </a:r>
+            <a:endParaRPr lang="en-IN" dirty="0">
+              <a:latin typeface="Calibri" panose="020F0502020204030204" pitchFamily="34" charset="0"/>
+              <a:ea typeface="Calibri" panose="020F0502020204030204" pitchFamily="34" charset="0"/>
+              <a:cs typeface="Times New Roman" panose="02020603050405020304" pitchFamily="18" charset="0"/>
+            </a:endParaRPr>
+          </a:p>
+        </p:txBody>
+      </p:sp>
+      <p:sp>
+        <p:nvSpPr>
+          <p:cNvPr id="11" name="Content Placeholder 2"/>
+          <p:cNvSpPr>
+            <a:spLocks noGrp="1"/>
+          </p:cNvSpPr>
+          <p:nvPr>
+            <p:ph sz="half" idx="2"/>
+          </p:nvPr>
+        </p:nvSpPr>
+        <p:spPr>
+          <a:xfrm>
+            <a:off x="1021976" y="2470834"/>
+            <a:ext cx="10408024" cy="981635"/>
+          </a:xfrm>
+        </p:spPr>
+        <p:txBody>
+          <a:bodyPr>
+            <a:normAutofit/>
+          </a:bodyPr>
+          <a:lstStyle/>
+          <a:p>
+            <a:r>
+              <a:rPr lang="en-US" dirty="0"/>
+              <a:t>Call </a:t>
+            </a:r>
+            <a:r>
+              <a:rPr lang="en-US" dirty="0" err="1"/>
+              <a:t>enableProdMode</a:t>
+            </a:r>
+            <a:r>
+              <a:rPr lang="en-US" dirty="0"/>
+              <a:t>() to enable the production mode. Switching to production mode makes it run faster by disabling development specific checks such as the dual change detection cycles</a:t>
+            </a:r>
+            <a:endParaRPr lang="en-IN" dirty="0"/>
+          </a:p>
+          <a:p>
+            <a:pPr marL="0" indent="0">
+              <a:buNone/>
+            </a:pPr>
+            <a:endParaRPr lang="en-IN" dirty="0" smtClean="0"/>
+          </a:p>
+          <a:p>
+            <a:pPr marL="0" indent="0">
+              <a:buNone/>
+            </a:pPr>
+            <a:endParaRPr lang="en-IN" dirty="0"/>
+          </a:p>
+        </p:txBody>
+      </p:sp>
+      <p:sp>
+        <p:nvSpPr>
+          <p:cNvPr id="12" name="Rectangle 11"/>
+          <p:cNvSpPr/>
+          <p:nvPr/>
+        </p:nvSpPr>
+        <p:spPr>
+          <a:xfrm>
+            <a:off x="1491131" y="5684431"/>
+            <a:ext cx="8610600" cy="923330"/>
+          </a:xfrm>
+          <a:prstGeom prst="rect">
+            <a:avLst/>
+          </a:prstGeom>
+          <a:solidFill>
+            <a:schemeClr val="accent6">
+              <a:lumMod val="50000"/>
+            </a:schemeClr>
+          </a:solidFill>
+        </p:spPr>
+        <p:txBody>
+          <a:bodyPr wrap="square">
+            <a:spAutoFit/>
+          </a:bodyPr>
+          <a:lstStyle/>
+          <a:p>
+            <a:pPr>
+              <a:spcAft>
+                <a:spcPts val="0"/>
+              </a:spcAft>
+            </a:pPr>
+            <a:r>
+              <a:rPr lang="en-US" dirty="0">
+                <a:solidFill>
+                  <a:srgbClr val="6A9955"/>
+                </a:solidFill>
+                <a:latin typeface="Consolas" panose="020B0609020204030204" pitchFamily="49" charset="0"/>
+                <a:ea typeface="Times New Roman" panose="02020603050405020304" pitchFamily="18" charset="0"/>
+                <a:cs typeface="Consolas" panose="020B0609020204030204" pitchFamily="49" charset="0"/>
+              </a:rPr>
+              <a:t>// Compile and launch the module</a:t>
+            </a:r>
+            <a:endParaRPr lang="en-IN" dirty="0">
+              <a:latin typeface="Calibri" panose="020F0502020204030204" pitchFamily="34" charset="0"/>
+              <a:ea typeface="Calibri" panose="020F0502020204030204" pitchFamily="34" charset="0"/>
+              <a:cs typeface="Times New Roman" panose="02020603050405020304" pitchFamily="18" charset="0"/>
+            </a:endParaRPr>
+          </a:p>
+          <a:p>
+            <a:pPr>
+              <a:spcAft>
+                <a:spcPts val="0"/>
+              </a:spcAft>
+            </a:pPr>
+            <a:r>
+              <a:rPr lang="en-US" dirty="0" err="1">
+                <a:solidFill>
+                  <a:srgbClr val="DCDCAA"/>
+                </a:solidFill>
+                <a:latin typeface="Consolas" panose="020B0609020204030204" pitchFamily="49" charset="0"/>
+                <a:ea typeface="Times New Roman" panose="02020603050405020304" pitchFamily="18" charset="0"/>
+                <a:cs typeface="Consolas" panose="020B0609020204030204" pitchFamily="49" charset="0"/>
+              </a:rPr>
+              <a:t>platformBrowserDynamic</a:t>
+            </a:r>
+            <a:r>
+              <a:rPr lang="en-US" dirty="0">
+                <a:solidFill>
+                  <a:srgbClr val="D4D4D4"/>
+                </a:solidFill>
+                <a:latin typeface="Consolas" panose="020B0609020204030204" pitchFamily="49" charset="0"/>
+                <a:ea typeface="Times New Roman" panose="02020603050405020304" pitchFamily="18" charset="0"/>
+                <a:cs typeface="Consolas" panose="020B0609020204030204" pitchFamily="49" charset="0"/>
+              </a:rPr>
+              <a:t>().</a:t>
+            </a:r>
+            <a:r>
+              <a:rPr lang="en-US" dirty="0" err="1">
+                <a:solidFill>
+                  <a:srgbClr val="DCDCAA"/>
+                </a:solidFill>
+                <a:latin typeface="Consolas" panose="020B0609020204030204" pitchFamily="49" charset="0"/>
+                <a:ea typeface="Times New Roman" panose="02020603050405020304" pitchFamily="18" charset="0"/>
+                <a:cs typeface="Consolas" panose="020B0609020204030204" pitchFamily="49" charset="0"/>
+              </a:rPr>
+              <a:t>bootstrapModule</a:t>
+            </a:r>
+            <a:r>
+              <a:rPr lang="en-US" dirty="0">
+                <a:solidFill>
+                  <a:srgbClr val="D4D4D4"/>
+                </a:solidFill>
+                <a:latin typeface="Consolas" panose="020B0609020204030204" pitchFamily="49" charset="0"/>
+                <a:ea typeface="Times New Roman" panose="02020603050405020304" pitchFamily="18" charset="0"/>
+                <a:cs typeface="Consolas" panose="020B0609020204030204" pitchFamily="49" charset="0"/>
+              </a:rPr>
+              <a:t>(</a:t>
+            </a:r>
+            <a:r>
+              <a:rPr lang="en-US" dirty="0" err="1">
+                <a:solidFill>
+                  <a:srgbClr val="9CDCFE"/>
+                </a:solidFill>
+                <a:latin typeface="Consolas" panose="020B0609020204030204" pitchFamily="49" charset="0"/>
+                <a:ea typeface="Times New Roman" panose="02020603050405020304" pitchFamily="18" charset="0"/>
+                <a:cs typeface="Consolas" panose="020B0609020204030204" pitchFamily="49" charset="0"/>
+              </a:rPr>
+              <a:t>AppModule</a:t>
+            </a:r>
+            <a:r>
+              <a:rPr lang="en-US" dirty="0">
+                <a:solidFill>
+                  <a:srgbClr val="D4D4D4"/>
+                </a:solidFill>
+                <a:latin typeface="Consolas" panose="020B0609020204030204" pitchFamily="49" charset="0"/>
+                <a:ea typeface="Times New Roman" panose="02020603050405020304" pitchFamily="18" charset="0"/>
+                <a:cs typeface="Consolas" panose="020B0609020204030204" pitchFamily="49" charset="0"/>
+              </a:rPr>
+              <a:t>)  .</a:t>
+            </a:r>
+            <a:r>
+              <a:rPr lang="en-US" dirty="0">
+                <a:solidFill>
+                  <a:srgbClr val="DCDCAA"/>
+                </a:solidFill>
+                <a:latin typeface="Consolas" panose="020B0609020204030204" pitchFamily="49" charset="0"/>
+                <a:ea typeface="Times New Roman" panose="02020603050405020304" pitchFamily="18" charset="0"/>
+                <a:cs typeface="Consolas" panose="020B0609020204030204" pitchFamily="49" charset="0"/>
+              </a:rPr>
+              <a:t>catch</a:t>
+            </a:r>
+            <a:r>
+              <a:rPr lang="en-US" dirty="0">
+                <a:solidFill>
+                  <a:srgbClr val="D4D4D4"/>
+                </a:solidFill>
+                <a:latin typeface="Consolas" panose="020B0609020204030204" pitchFamily="49" charset="0"/>
+                <a:ea typeface="Times New Roman" panose="02020603050405020304" pitchFamily="18" charset="0"/>
+                <a:cs typeface="Consolas" panose="020B0609020204030204" pitchFamily="49" charset="0"/>
+              </a:rPr>
+              <a:t>(</a:t>
+            </a:r>
+            <a:r>
+              <a:rPr lang="en-US" dirty="0">
+                <a:solidFill>
+                  <a:srgbClr val="9CDCFE"/>
+                </a:solidFill>
+                <a:latin typeface="Consolas" panose="020B0609020204030204" pitchFamily="49" charset="0"/>
+                <a:ea typeface="Times New Roman" panose="02020603050405020304" pitchFamily="18" charset="0"/>
+                <a:cs typeface="Consolas" panose="020B0609020204030204" pitchFamily="49" charset="0"/>
+              </a:rPr>
+              <a:t>err</a:t>
+            </a:r>
+            <a:r>
+              <a:rPr lang="en-US" dirty="0">
+                <a:solidFill>
+                  <a:srgbClr val="D4D4D4"/>
+                </a:solidFill>
+                <a:latin typeface="Consolas" panose="020B0609020204030204" pitchFamily="49" charset="0"/>
+                <a:ea typeface="Times New Roman" panose="02020603050405020304" pitchFamily="18" charset="0"/>
+                <a:cs typeface="Consolas" panose="020B0609020204030204" pitchFamily="49" charset="0"/>
+              </a:rPr>
+              <a:t> </a:t>
+            </a:r>
+            <a:r>
+              <a:rPr lang="en-US" dirty="0">
+                <a:solidFill>
+                  <a:srgbClr val="569CD6"/>
+                </a:solidFill>
+                <a:latin typeface="Consolas" panose="020B0609020204030204" pitchFamily="49" charset="0"/>
+                <a:ea typeface="Times New Roman" panose="02020603050405020304" pitchFamily="18" charset="0"/>
+                <a:cs typeface="Consolas" panose="020B0609020204030204" pitchFamily="49" charset="0"/>
+              </a:rPr>
+              <a:t>=&gt;</a:t>
+            </a:r>
+            <a:r>
+              <a:rPr lang="en-US" dirty="0">
+                <a:solidFill>
+                  <a:srgbClr val="D4D4D4"/>
+                </a:solidFill>
+                <a:latin typeface="Consolas" panose="020B0609020204030204" pitchFamily="49" charset="0"/>
+                <a:ea typeface="Times New Roman" panose="02020603050405020304" pitchFamily="18" charset="0"/>
+                <a:cs typeface="Consolas" panose="020B0609020204030204" pitchFamily="49" charset="0"/>
+              </a:rPr>
+              <a:t> </a:t>
+            </a:r>
+            <a:r>
+              <a:rPr lang="en-US" dirty="0" err="1">
+                <a:solidFill>
+                  <a:srgbClr val="4EC9B0"/>
+                </a:solidFill>
+                <a:latin typeface="Consolas" panose="020B0609020204030204" pitchFamily="49" charset="0"/>
+                <a:ea typeface="Times New Roman" panose="02020603050405020304" pitchFamily="18" charset="0"/>
+                <a:cs typeface="Consolas" panose="020B0609020204030204" pitchFamily="49" charset="0"/>
+              </a:rPr>
+              <a:t>console</a:t>
+            </a:r>
+            <a:r>
+              <a:rPr lang="en-US" dirty="0" err="1">
+                <a:solidFill>
+                  <a:srgbClr val="D4D4D4"/>
+                </a:solidFill>
+                <a:latin typeface="Consolas" panose="020B0609020204030204" pitchFamily="49" charset="0"/>
+                <a:ea typeface="Times New Roman" panose="02020603050405020304" pitchFamily="18" charset="0"/>
+                <a:cs typeface="Consolas" panose="020B0609020204030204" pitchFamily="49" charset="0"/>
+              </a:rPr>
+              <a:t>.</a:t>
+            </a:r>
+            <a:r>
+              <a:rPr lang="en-US" dirty="0" err="1">
+                <a:solidFill>
+                  <a:srgbClr val="DCDCAA"/>
+                </a:solidFill>
+                <a:latin typeface="Consolas" panose="020B0609020204030204" pitchFamily="49" charset="0"/>
+                <a:ea typeface="Times New Roman" panose="02020603050405020304" pitchFamily="18" charset="0"/>
+                <a:cs typeface="Consolas" panose="020B0609020204030204" pitchFamily="49" charset="0"/>
+              </a:rPr>
+              <a:t>error</a:t>
+            </a:r>
+            <a:r>
+              <a:rPr lang="en-US" dirty="0">
+                <a:solidFill>
+                  <a:srgbClr val="D4D4D4"/>
+                </a:solidFill>
+                <a:latin typeface="Consolas" panose="020B0609020204030204" pitchFamily="49" charset="0"/>
+                <a:ea typeface="Times New Roman" panose="02020603050405020304" pitchFamily="18" charset="0"/>
+                <a:cs typeface="Consolas" panose="020B0609020204030204" pitchFamily="49" charset="0"/>
+              </a:rPr>
+              <a:t>(</a:t>
+            </a:r>
+            <a:r>
+              <a:rPr lang="en-US" dirty="0">
+                <a:solidFill>
+                  <a:srgbClr val="9CDCFE"/>
+                </a:solidFill>
+                <a:latin typeface="Consolas" panose="020B0609020204030204" pitchFamily="49" charset="0"/>
+                <a:ea typeface="Times New Roman" panose="02020603050405020304" pitchFamily="18" charset="0"/>
+                <a:cs typeface="Consolas" panose="020B0609020204030204" pitchFamily="49" charset="0"/>
+              </a:rPr>
+              <a:t>err</a:t>
+            </a:r>
+            <a:r>
+              <a:rPr lang="en-US" dirty="0">
+                <a:solidFill>
+                  <a:srgbClr val="D4D4D4"/>
+                </a:solidFill>
+                <a:latin typeface="Consolas" panose="020B0609020204030204" pitchFamily="49" charset="0"/>
+                <a:ea typeface="Times New Roman" panose="02020603050405020304" pitchFamily="18" charset="0"/>
+                <a:cs typeface="Consolas" panose="020B0609020204030204" pitchFamily="49" charset="0"/>
+              </a:rPr>
+              <a:t>));</a:t>
+            </a:r>
+            <a:endParaRPr lang="en-IN" dirty="0">
+              <a:latin typeface="Calibri" panose="020F0502020204030204" pitchFamily="34" charset="0"/>
+              <a:ea typeface="Calibri" panose="020F0502020204030204" pitchFamily="34" charset="0"/>
+              <a:cs typeface="Times New Roman" panose="02020603050405020304" pitchFamily="18" charset="0"/>
+            </a:endParaRPr>
+          </a:p>
+        </p:txBody>
+      </p:sp>
+    </p:spTree>
+    <p:extLst>
+      <p:ext uri="{BB962C8B-B14F-4D97-AF65-F5344CB8AC3E}">
+        <p14:creationId xmlns:p14="http://schemas.microsoft.com/office/powerpoint/2010/main" val="137190482"/>
+      </p:ext>
+    </p:extLst>
+  </p:cSld>
+  <p:clrMapOvr>
+    <a:masterClrMapping/>
+  </p:clrMapOvr>
+  <p:timing>
+    <p:tnLst>
+      <p:par>
+        <p:cTn id="1" dur="indefinite" restart="never" nodeType="tmRoot"/>
+      </p:par>
+    </p:tnLst>
+  </p:timing>
+</p:sld>
+</file>
+
+<file path=ppt/slides/slide22.xml><?xml version="1.0" encoding="utf-8"?>
+<p:sld xmlns:a="http://schemas.openxmlformats.org/drawingml/2006/main" xmlns:r="http://schemas.openxmlformats.org/officeDocument/2006/relationships" xmlns:p="http://schemas.openxmlformats.org/presentationml/2006/main">
+  <p:cSld>
+    <p:spTree>
+      <p:nvGrpSpPr>
+        <p:cNvPr id="1" name=""/>
+        <p:cNvGrpSpPr/>
+        <p:nvPr/>
+      </p:nvGrpSpPr>
+      <p:grpSpPr>
+        <a:xfrm>
+          <a:off x="0" y="0"/>
+          <a:ext cx="0" cy="0"/>
+          <a:chOff x="0" y="0"/>
+          <a:chExt cx="0" cy="0"/>
+        </a:xfrm>
+      </p:grpSpPr>
+      <p:sp>
+        <p:nvSpPr>
+          <p:cNvPr id="2" name="Title 1"/>
+          <p:cNvSpPr>
+            <a:spLocks noGrp="1"/>
+          </p:cNvSpPr>
+          <p:nvPr>
+            <p:ph type="title"/>
+          </p:nvPr>
+        </p:nvSpPr>
+        <p:spPr/>
+        <p:txBody>
+          <a:bodyPr/>
+          <a:lstStyle/>
+          <a:p>
+            <a:r>
+              <a:rPr lang="en-IN" b="1" dirty="0" smtClean="0"/>
+              <a:t>3.3 </a:t>
+            </a:r>
+            <a:r>
+              <a:rPr lang="en-IN" b="1" dirty="0"/>
+              <a:t>index.html, style.css, </a:t>
+            </a:r>
+            <a:r>
+              <a:rPr lang="en-IN" b="1" dirty="0" err="1"/>
+              <a:t>dist</a:t>
+            </a:r>
+            <a:r>
+              <a:rPr lang="en-IN" b="1" dirty="0"/>
+              <a:t> folder</a:t>
+            </a:r>
+            <a:endParaRPr lang="en-IN" b="1" dirty="0"/>
+          </a:p>
+        </p:txBody>
+      </p:sp>
+      <p:sp>
+        <p:nvSpPr>
+          <p:cNvPr id="11" name="Content Placeholder 2"/>
+          <p:cNvSpPr>
+            <a:spLocks noGrp="1"/>
+          </p:cNvSpPr>
+          <p:nvPr>
+            <p:ph sz="half" idx="2"/>
+          </p:nvPr>
+        </p:nvSpPr>
+        <p:spPr>
+          <a:xfrm>
+            <a:off x="1021976" y="2470834"/>
+            <a:ext cx="10408024" cy="4024095"/>
+          </a:xfrm>
+        </p:spPr>
+        <p:txBody>
+          <a:bodyPr>
+            <a:normAutofit fontScale="92500" lnSpcReduction="10000"/>
+          </a:bodyPr>
+          <a:lstStyle/>
+          <a:p>
+            <a:r>
+              <a:rPr lang="en-IN" b="1" dirty="0" smtClean="0"/>
+              <a:t>Index.html</a:t>
+            </a:r>
+          </a:p>
+          <a:p>
+            <a:pPr lvl="1"/>
+            <a:r>
+              <a:rPr lang="en-IN" dirty="0" err="1" smtClean="0">
+                <a:solidFill>
+                  <a:schemeClr val="accent6">
+                    <a:lumMod val="75000"/>
+                  </a:schemeClr>
+                </a:solidFill>
+              </a:rPr>
+              <a:t>Filepath</a:t>
+            </a:r>
+            <a:r>
+              <a:rPr lang="en-IN" dirty="0" smtClean="0">
+                <a:solidFill>
+                  <a:schemeClr val="accent6">
+                    <a:lumMod val="75000"/>
+                  </a:schemeClr>
+                </a:solidFill>
+              </a:rPr>
+              <a:t>: </a:t>
+            </a:r>
+            <a:r>
+              <a:rPr lang="en-IN" dirty="0" err="1" smtClean="0">
+                <a:solidFill>
+                  <a:schemeClr val="accent6">
+                    <a:lumMod val="75000"/>
+                  </a:schemeClr>
+                </a:solidFill>
+              </a:rPr>
+              <a:t>Helloworld</a:t>
+            </a:r>
+            <a:r>
+              <a:rPr lang="en-IN" dirty="0" smtClean="0">
+                <a:solidFill>
+                  <a:schemeClr val="accent6">
+                    <a:lumMod val="75000"/>
+                  </a:schemeClr>
+                </a:solidFill>
+              </a:rPr>
+              <a:t> </a:t>
+            </a:r>
+            <a:r>
+              <a:rPr lang="en-IN" dirty="0" smtClean="0">
+                <a:solidFill>
+                  <a:schemeClr val="accent6">
+                    <a:lumMod val="75000"/>
+                  </a:schemeClr>
+                </a:solidFill>
+                <a:sym typeface="Wingdings" panose="05000000000000000000" pitchFamily="2" charset="2"/>
+              </a:rPr>
+              <a:t> </a:t>
+            </a:r>
+            <a:r>
+              <a:rPr lang="en-IN" dirty="0" err="1" smtClean="0">
+                <a:solidFill>
+                  <a:schemeClr val="accent6">
+                    <a:lumMod val="75000"/>
+                  </a:schemeClr>
+                </a:solidFill>
+                <a:sym typeface="Wingdings" panose="05000000000000000000" pitchFamily="2" charset="2"/>
+              </a:rPr>
+              <a:t>src</a:t>
+            </a:r>
+            <a:r>
+              <a:rPr lang="en-IN" dirty="0" smtClean="0">
+                <a:solidFill>
+                  <a:schemeClr val="accent6">
+                    <a:lumMod val="75000"/>
+                  </a:schemeClr>
+                </a:solidFill>
+                <a:sym typeface="Wingdings" panose="05000000000000000000" pitchFamily="2" charset="2"/>
+              </a:rPr>
+              <a:t>  index.html</a:t>
+            </a:r>
+          </a:p>
+          <a:p>
+            <a:pPr lvl="1"/>
+            <a:r>
+              <a:rPr lang="en-US" dirty="0"/>
+              <a:t>This the first file which executes alongside </a:t>
+            </a:r>
+            <a:r>
+              <a:rPr lang="en-US" dirty="0" err="1"/>
+              <a:t>main.ts</a:t>
+            </a:r>
+            <a:r>
+              <a:rPr lang="en-US" dirty="0"/>
+              <a:t> when the page loads</a:t>
+            </a:r>
+            <a:r>
+              <a:rPr lang="en-US" dirty="0" smtClean="0"/>
+              <a:t>.</a:t>
+            </a:r>
+          </a:p>
+          <a:p>
+            <a:r>
+              <a:rPr lang="en-IN" b="1" dirty="0" smtClean="0"/>
+              <a:t>Style.css</a:t>
+            </a:r>
+            <a:endParaRPr lang="en-IN" b="1" dirty="0"/>
+          </a:p>
+          <a:p>
+            <a:pPr lvl="1"/>
+            <a:r>
+              <a:rPr lang="en-IN" dirty="0" err="1">
+                <a:solidFill>
+                  <a:schemeClr val="accent6">
+                    <a:lumMod val="75000"/>
+                  </a:schemeClr>
+                </a:solidFill>
+              </a:rPr>
+              <a:t>Filepath</a:t>
+            </a:r>
+            <a:r>
+              <a:rPr lang="en-IN" dirty="0">
+                <a:solidFill>
+                  <a:schemeClr val="accent6">
+                    <a:lumMod val="75000"/>
+                  </a:schemeClr>
+                </a:solidFill>
+              </a:rPr>
+              <a:t>: </a:t>
+            </a:r>
+            <a:r>
+              <a:rPr lang="en-IN" dirty="0" err="1">
+                <a:solidFill>
+                  <a:schemeClr val="accent6">
+                    <a:lumMod val="75000"/>
+                  </a:schemeClr>
+                </a:solidFill>
+              </a:rPr>
+              <a:t>Helloworld</a:t>
+            </a:r>
+            <a:r>
+              <a:rPr lang="en-IN" dirty="0">
+                <a:solidFill>
+                  <a:schemeClr val="accent6">
+                    <a:lumMod val="75000"/>
+                  </a:schemeClr>
+                </a:solidFill>
+              </a:rPr>
+              <a:t> </a:t>
+            </a:r>
+            <a:r>
+              <a:rPr lang="en-IN" dirty="0">
+                <a:solidFill>
+                  <a:schemeClr val="accent6">
+                    <a:lumMod val="75000"/>
+                  </a:schemeClr>
+                </a:solidFill>
+                <a:sym typeface="Wingdings" panose="05000000000000000000" pitchFamily="2" charset="2"/>
+              </a:rPr>
+              <a:t> </a:t>
+            </a:r>
+            <a:r>
+              <a:rPr lang="en-IN" dirty="0" err="1">
+                <a:solidFill>
+                  <a:schemeClr val="accent6">
+                    <a:lumMod val="75000"/>
+                  </a:schemeClr>
+                </a:solidFill>
+                <a:sym typeface="Wingdings" panose="05000000000000000000" pitchFamily="2" charset="2"/>
+              </a:rPr>
+              <a:t>src</a:t>
+            </a:r>
+            <a:r>
+              <a:rPr lang="en-IN" dirty="0">
+                <a:solidFill>
+                  <a:schemeClr val="accent6">
+                    <a:lumMod val="75000"/>
+                  </a:schemeClr>
+                </a:solidFill>
+                <a:sym typeface="Wingdings" panose="05000000000000000000" pitchFamily="2" charset="2"/>
+              </a:rPr>
+              <a:t>  </a:t>
+            </a:r>
+            <a:r>
+              <a:rPr lang="en-IN" dirty="0" smtClean="0">
+                <a:solidFill>
+                  <a:schemeClr val="accent6">
+                    <a:lumMod val="75000"/>
+                  </a:schemeClr>
+                </a:solidFill>
+                <a:sym typeface="Wingdings" panose="05000000000000000000" pitchFamily="2" charset="2"/>
+              </a:rPr>
+              <a:t>style.css</a:t>
+            </a:r>
+            <a:endParaRPr lang="en-IN" dirty="0">
+              <a:solidFill>
+                <a:schemeClr val="accent6">
+                  <a:lumMod val="75000"/>
+                </a:schemeClr>
+              </a:solidFill>
+              <a:sym typeface="Wingdings" panose="05000000000000000000" pitchFamily="2" charset="2"/>
+            </a:endParaRPr>
+          </a:p>
+          <a:p>
+            <a:pPr lvl="1"/>
+            <a:r>
+              <a:rPr lang="en-IN" dirty="0" smtClean="0"/>
+              <a:t>Global </a:t>
+            </a:r>
+            <a:r>
+              <a:rPr lang="en-IN" dirty="0" err="1" smtClean="0"/>
+              <a:t>css</a:t>
+            </a:r>
+            <a:r>
+              <a:rPr lang="en-IN" dirty="0" smtClean="0"/>
+              <a:t> which styles html throughout the application</a:t>
+            </a:r>
+            <a:endParaRPr lang="en-IN" dirty="0"/>
+          </a:p>
+          <a:p>
+            <a:r>
+              <a:rPr lang="en-IN" b="1" dirty="0" err="1" smtClean="0"/>
+              <a:t>Dist</a:t>
+            </a:r>
+            <a:r>
+              <a:rPr lang="en-IN" b="1" dirty="0" smtClean="0"/>
+              <a:t> folder</a:t>
+            </a:r>
+            <a:endParaRPr lang="en-IN" b="1" dirty="0"/>
+          </a:p>
+          <a:p>
+            <a:pPr lvl="1"/>
+            <a:r>
+              <a:rPr lang="en-US" dirty="0"/>
+              <a:t>Folder is where the built files are present. </a:t>
+            </a:r>
+            <a:endParaRPr lang="en-US" dirty="0" smtClean="0"/>
+          </a:p>
+          <a:p>
+            <a:pPr lvl="1"/>
+            <a:r>
+              <a:rPr lang="en-US" dirty="0" err="1" smtClean="0"/>
+              <a:t>TypeScript</a:t>
+            </a:r>
+            <a:r>
+              <a:rPr lang="en-US" dirty="0" smtClean="0"/>
+              <a:t> </a:t>
+            </a:r>
+            <a:r>
+              <a:rPr lang="en-US" dirty="0"/>
+              <a:t>is basically converted to JavaScript and the resulting files are stored here after bundling and </a:t>
+            </a:r>
+            <a:r>
+              <a:rPr lang="en-US" dirty="0" err="1"/>
+              <a:t>minification</a:t>
+            </a:r>
+            <a:r>
+              <a:rPr lang="en-US" dirty="0"/>
+              <a:t>. </a:t>
+            </a:r>
+            <a:endParaRPr lang="en-US" dirty="0" smtClean="0"/>
+          </a:p>
+          <a:p>
+            <a:pPr lvl="1"/>
+            <a:r>
+              <a:rPr lang="en-US" dirty="0" smtClean="0"/>
+              <a:t>(</a:t>
+            </a:r>
+            <a:r>
+              <a:rPr lang="en-US" dirty="0"/>
+              <a:t>This Folder appears only if the application is built)</a:t>
+            </a:r>
+            <a:endParaRPr lang="en-IN" dirty="0"/>
+          </a:p>
+          <a:p>
+            <a:pPr lvl="1"/>
+            <a:r>
+              <a:rPr lang="en-IN" dirty="0" err="1" smtClean="0">
+                <a:solidFill>
+                  <a:schemeClr val="accent6">
+                    <a:lumMod val="75000"/>
+                  </a:schemeClr>
+                </a:solidFill>
+              </a:rPr>
+              <a:t>Filepath</a:t>
+            </a:r>
+            <a:r>
+              <a:rPr lang="en-IN" dirty="0" smtClean="0">
+                <a:solidFill>
+                  <a:schemeClr val="accent6">
+                    <a:lumMod val="75000"/>
+                  </a:schemeClr>
+                </a:solidFill>
+              </a:rPr>
+              <a:t>: </a:t>
+            </a:r>
+            <a:r>
+              <a:rPr lang="en-IN" dirty="0" err="1" smtClean="0">
+                <a:solidFill>
+                  <a:schemeClr val="accent6">
+                    <a:lumMod val="75000"/>
+                  </a:schemeClr>
+                </a:solidFill>
+              </a:rPr>
+              <a:t>Helloworld</a:t>
+            </a:r>
+            <a:r>
+              <a:rPr lang="en-IN" dirty="0" smtClean="0">
+                <a:solidFill>
+                  <a:schemeClr val="accent6">
+                    <a:lumMod val="75000"/>
+                  </a:schemeClr>
+                </a:solidFill>
+              </a:rPr>
+              <a:t> </a:t>
+            </a:r>
+            <a:r>
+              <a:rPr lang="en-IN" dirty="0" smtClean="0">
+                <a:solidFill>
+                  <a:schemeClr val="accent6">
+                    <a:lumMod val="75000"/>
+                  </a:schemeClr>
+                </a:solidFill>
+                <a:sym typeface="Wingdings" panose="05000000000000000000" pitchFamily="2" charset="2"/>
+              </a:rPr>
+              <a:t></a:t>
+            </a:r>
+            <a:r>
+              <a:rPr lang="en-IN" dirty="0" err="1" smtClean="0">
+                <a:solidFill>
+                  <a:schemeClr val="accent6">
+                    <a:lumMod val="75000"/>
+                  </a:schemeClr>
+                </a:solidFill>
+                <a:sym typeface="Wingdings" panose="05000000000000000000" pitchFamily="2" charset="2"/>
+              </a:rPr>
+              <a:t>dist</a:t>
+            </a:r>
+            <a:endParaRPr lang="en-IN" dirty="0">
+              <a:solidFill>
+                <a:schemeClr val="accent6">
+                  <a:lumMod val="75000"/>
+                </a:schemeClr>
+              </a:solidFill>
+            </a:endParaRPr>
+          </a:p>
+          <a:p>
+            <a:pPr marL="0" indent="0">
+              <a:buNone/>
+            </a:pPr>
+            <a:endParaRPr lang="en-IN" b="1" dirty="0" smtClean="0"/>
+          </a:p>
+          <a:p>
+            <a:pPr marL="0" indent="0">
+              <a:buNone/>
+            </a:pPr>
+            <a:endParaRPr lang="en-IN" b="1" dirty="0" smtClean="0"/>
+          </a:p>
+          <a:p>
+            <a:pPr marL="0" indent="0">
+              <a:buNone/>
+            </a:pPr>
+            <a:endParaRPr lang="en-IN" b="1" dirty="0"/>
+          </a:p>
+        </p:txBody>
+      </p:sp>
+    </p:spTree>
+    <p:extLst>
+      <p:ext uri="{BB962C8B-B14F-4D97-AF65-F5344CB8AC3E}">
+        <p14:creationId xmlns:p14="http://schemas.microsoft.com/office/powerpoint/2010/main" val="3369271139"/>
+      </p:ext>
+    </p:extLst>
+  </p:cSld>
+  <p:clrMapOvr>
+    <a:masterClrMapping/>
+  </p:clrMapOvr>
+  <p:timing>
+    <p:tnLst>
+      <p:par>
+        <p:cTn id="1" dur="indefinite" restart="never" nodeType="tmRoot"/>
+      </p:par>
+    </p:tnLst>
+  </p:timing>
+</p:sld>
+</file>
+
+<file path=ppt/slides/slide23.xml><?xml version="1.0" encoding="utf-8"?>
+<p:sld xmlns:a="http://schemas.openxmlformats.org/drawingml/2006/main" xmlns:r="http://schemas.openxmlformats.org/officeDocument/2006/relationships" xmlns:p="http://schemas.openxmlformats.org/presentationml/2006/main">
+  <p:cSld>
+    <p:spTree>
+      <p:nvGrpSpPr>
+        <p:cNvPr id="1" name=""/>
+        <p:cNvGrpSpPr/>
+        <p:nvPr/>
+      </p:nvGrpSpPr>
+      <p:grpSpPr>
+        <a:xfrm>
+          <a:off x="0" y="0"/>
+          <a:ext cx="0" cy="0"/>
+          <a:chOff x="0" y="0"/>
+          <a:chExt cx="0" cy="0"/>
+        </a:xfrm>
+      </p:grpSpPr>
+      <p:sp>
+        <p:nvSpPr>
+          <p:cNvPr id="4" name="Title 3"/>
+          <p:cNvSpPr>
+            <a:spLocks noGrp="1"/>
+          </p:cNvSpPr>
+          <p:nvPr>
+            <p:ph type="title"/>
+          </p:nvPr>
+        </p:nvSpPr>
+        <p:spPr>
+          <a:xfrm>
+            <a:off x="1024467" y="753035"/>
+            <a:ext cx="10146186" cy="705077"/>
+          </a:xfrm>
+        </p:spPr>
+        <p:txBody>
+          <a:bodyPr/>
+          <a:lstStyle/>
+          <a:p>
+            <a:r>
+              <a:rPr lang="en-IN" b="1" dirty="0" smtClean="0"/>
+              <a:t>Chapter </a:t>
+            </a:r>
+            <a:r>
+              <a:rPr lang="en-IN" b="1" dirty="0"/>
+              <a:t>4</a:t>
+            </a:r>
+            <a:r>
+              <a:rPr lang="en-IN" b="1" dirty="0" smtClean="0"/>
+              <a:t> </a:t>
+            </a:r>
+            <a:r>
+              <a:rPr lang="en-IN" b="1" dirty="0" smtClean="0"/>
+              <a:t>: </a:t>
+            </a:r>
+            <a:r>
+              <a:rPr lang="en-IN" b="1" dirty="0" smtClean="0"/>
+              <a:t>App Module Files</a:t>
+            </a:r>
+            <a:endParaRPr lang="en-IN" b="1" dirty="0"/>
+          </a:p>
+        </p:txBody>
+      </p:sp>
+      <p:sp>
+        <p:nvSpPr>
+          <p:cNvPr id="5" name="Text Placeholder 4"/>
+          <p:cNvSpPr>
+            <a:spLocks noGrp="1"/>
+          </p:cNvSpPr>
+          <p:nvPr>
+            <p:ph type="body" idx="1"/>
+          </p:nvPr>
+        </p:nvSpPr>
+        <p:spPr>
+          <a:xfrm>
+            <a:off x="1024467" y="1613647"/>
+            <a:ext cx="10144654" cy="3034553"/>
+          </a:xfrm>
+        </p:spPr>
+        <p:txBody>
+          <a:bodyPr>
+            <a:noAutofit/>
+          </a:bodyPr>
+          <a:lstStyle/>
+          <a:p>
+            <a:pPr marL="342900" indent="-342900">
+              <a:buFont typeface="Wingdings 3" charset="2"/>
+              <a:buAutoNum type="arabicPeriod"/>
+            </a:pPr>
+            <a:r>
+              <a:rPr lang="en-IN" sz="2000" dirty="0" err="1" smtClean="0"/>
+              <a:t>app.module.ts</a:t>
+            </a:r>
+            <a:endParaRPr lang="en-IN" sz="2000" dirty="0" smtClean="0"/>
+          </a:p>
+          <a:p>
+            <a:pPr marL="342900" indent="-342900">
+              <a:buAutoNum type="arabicPeriod"/>
+            </a:pPr>
+            <a:r>
+              <a:rPr lang="en-IN" dirty="0" err="1" smtClean="0"/>
+              <a:t>app.component.ts</a:t>
+            </a:r>
+            <a:endParaRPr lang="en-IN" dirty="0" smtClean="0"/>
+          </a:p>
+          <a:p>
+            <a:pPr marL="342900" indent="-342900">
+              <a:buAutoNum type="arabicPeriod"/>
+            </a:pPr>
+            <a:r>
+              <a:rPr lang="en-US" dirty="0"/>
+              <a:t>app.component.html </a:t>
+            </a:r>
+            <a:endParaRPr lang="en-US" dirty="0" smtClean="0"/>
+          </a:p>
+          <a:p>
+            <a:pPr marL="342900" indent="-342900">
+              <a:buAutoNum type="arabicPeriod"/>
+            </a:pPr>
+            <a:r>
+              <a:rPr lang="en-US" dirty="0"/>
+              <a:t>app.component.css </a:t>
+            </a:r>
+            <a:endParaRPr lang="en-US" dirty="0" smtClean="0"/>
+          </a:p>
+          <a:p>
+            <a:pPr marL="342900" indent="-342900">
+              <a:buAutoNum type="arabicPeriod"/>
+            </a:pPr>
+            <a:r>
+              <a:rPr lang="en-US" dirty="0" err="1"/>
+              <a:t>app.component.spec.ts</a:t>
+            </a:r>
+            <a:r>
+              <a:rPr lang="en-US" dirty="0"/>
+              <a:t> </a:t>
+            </a:r>
+            <a:endParaRPr lang="en-IN" sz="2000" dirty="0"/>
+          </a:p>
+        </p:txBody>
+      </p:sp>
+    </p:spTree>
+    <p:extLst>
+      <p:ext uri="{BB962C8B-B14F-4D97-AF65-F5344CB8AC3E}">
+        <p14:creationId xmlns:p14="http://schemas.microsoft.com/office/powerpoint/2010/main" val="3686355130"/>
       </p:ext>
     </p:extLst>
   </p:cSld>

--- a/Angular Presentation.pptx
+++ b/Angular Presentation.pptx
@@ -28,6 +28,16 @@
     <p:sldId id="298" r:id="rId22"/>
     <p:sldId id="299" r:id="rId23"/>
     <p:sldId id="300" r:id="rId24"/>
+    <p:sldId id="301" r:id="rId25"/>
+    <p:sldId id="302" r:id="rId26"/>
+    <p:sldId id="303" r:id="rId27"/>
+    <p:sldId id="304" r:id="rId28"/>
+    <p:sldId id="307" r:id="rId29"/>
+    <p:sldId id="306" r:id="rId30"/>
+    <p:sldId id="305" r:id="rId31"/>
+    <p:sldId id="308" r:id="rId32"/>
+    <p:sldId id="309" r:id="rId33"/>
+    <p:sldId id="310" r:id="rId34"/>
   </p:sldIdLst>
   <p:sldSz cx="12192000" cy="6858000"/>
   <p:notesSz cx="6858000" cy="9144000"/>
@@ -18315,6 +18325,3329 @@
 </p:sld>
 </file>
 
+<file path=ppt/slides/slide24.xml><?xml version="1.0" encoding="utf-8"?>
+<p:sld xmlns:a="http://schemas.openxmlformats.org/drawingml/2006/main" xmlns:r="http://schemas.openxmlformats.org/officeDocument/2006/relationships" xmlns:p="http://schemas.openxmlformats.org/presentationml/2006/main">
+  <p:cSld>
+    <p:spTree>
+      <p:nvGrpSpPr>
+        <p:cNvPr id="1" name=""/>
+        <p:cNvGrpSpPr/>
+        <p:nvPr/>
+      </p:nvGrpSpPr>
+      <p:grpSpPr>
+        <a:xfrm>
+          <a:off x="0" y="0"/>
+          <a:ext cx="0" cy="0"/>
+          <a:chOff x="0" y="0"/>
+          <a:chExt cx="0" cy="0"/>
+        </a:xfrm>
+      </p:grpSpPr>
+      <p:sp>
+        <p:nvSpPr>
+          <p:cNvPr id="2" name="Title 1"/>
+          <p:cNvSpPr>
+            <a:spLocks noGrp="1"/>
+          </p:cNvSpPr>
+          <p:nvPr>
+            <p:ph type="title"/>
+          </p:nvPr>
+        </p:nvSpPr>
+        <p:spPr/>
+        <p:txBody>
+          <a:bodyPr/>
+          <a:lstStyle/>
+          <a:p>
+            <a:r>
+              <a:rPr lang="en-IN" b="1" dirty="0" smtClean="0"/>
+              <a:t>4.1 </a:t>
+            </a:r>
+            <a:r>
+              <a:rPr lang="en-IN" b="1" dirty="0" err="1" smtClean="0"/>
+              <a:t>app.module.ts</a:t>
+            </a:r>
+            <a:endParaRPr lang="en-IN" b="1" dirty="0"/>
+          </a:p>
+        </p:txBody>
+      </p:sp>
+      <p:sp>
+        <p:nvSpPr>
+          <p:cNvPr id="3" name="Content Placeholder 2"/>
+          <p:cNvSpPr>
+            <a:spLocks noGrp="1"/>
+          </p:cNvSpPr>
+          <p:nvPr>
+            <p:ph sz="half" idx="2"/>
+          </p:nvPr>
+        </p:nvSpPr>
+        <p:spPr>
+          <a:xfrm>
+            <a:off x="1154954" y="2353236"/>
+            <a:ext cx="5904752" cy="4182035"/>
+          </a:xfrm>
+        </p:spPr>
+        <p:txBody>
+          <a:bodyPr>
+            <a:normAutofit/>
+          </a:bodyPr>
+          <a:lstStyle/>
+          <a:p>
+            <a:r>
+              <a:rPr lang="en-IN" dirty="0" smtClean="0">
+                <a:solidFill>
+                  <a:schemeClr val="accent6">
+                    <a:lumMod val="75000"/>
+                  </a:schemeClr>
+                </a:solidFill>
+              </a:rPr>
+              <a:t>File path: </a:t>
+            </a:r>
+            <a:r>
+              <a:rPr lang="en-IN" dirty="0" err="1" smtClean="0">
+                <a:solidFill>
+                  <a:schemeClr val="accent6">
+                    <a:lumMod val="75000"/>
+                  </a:schemeClr>
+                </a:solidFill>
+              </a:rPr>
+              <a:t>helloworld</a:t>
+            </a:r>
+            <a:r>
+              <a:rPr lang="en-IN" dirty="0" smtClean="0">
+                <a:solidFill>
+                  <a:schemeClr val="accent6">
+                    <a:lumMod val="75000"/>
+                  </a:schemeClr>
+                </a:solidFill>
+              </a:rPr>
+              <a:t> </a:t>
+            </a:r>
+            <a:r>
+              <a:rPr lang="en-IN" dirty="0" smtClean="0">
+                <a:solidFill>
+                  <a:schemeClr val="accent6">
+                    <a:lumMod val="75000"/>
+                  </a:schemeClr>
+                </a:solidFill>
+                <a:sym typeface="Wingdings" panose="05000000000000000000" pitchFamily="2" charset="2"/>
+              </a:rPr>
+              <a:t></a:t>
+            </a:r>
+            <a:r>
+              <a:rPr lang="en-IN" dirty="0" err="1" smtClean="0">
+                <a:solidFill>
+                  <a:schemeClr val="accent6">
+                    <a:lumMod val="75000"/>
+                  </a:schemeClr>
+                </a:solidFill>
+                <a:sym typeface="Wingdings" panose="05000000000000000000" pitchFamily="2" charset="2"/>
+              </a:rPr>
+              <a:t>srcappapp.module.ts</a:t>
+            </a:r>
+            <a:endParaRPr lang="en-IN" dirty="0" smtClean="0">
+              <a:solidFill>
+                <a:schemeClr val="accent6">
+                  <a:lumMod val="75000"/>
+                </a:schemeClr>
+              </a:solidFill>
+            </a:endParaRPr>
+          </a:p>
+          <a:p>
+            <a:r>
+              <a:rPr lang="en-US" dirty="0" err="1"/>
+              <a:t>AppModule</a:t>
+            </a:r>
+            <a:r>
+              <a:rPr lang="en-US" dirty="0"/>
+              <a:t> is our root module which is the entry module for the application</a:t>
+            </a:r>
+            <a:endParaRPr lang="en-IN" dirty="0"/>
+          </a:p>
+          <a:p>
+            <a:r>
+              <a:rPr lang="en-US" dirty="0"/>
+              <a:t>In </a:t>
+            </a:r>
+            <a:r>
+              <a:rPr lang="en-US" dirty="0" err="1"/>
+              <a:t>AppModule</a:t>
+            </a:r>
+            <a:r>
+              <a:rPr lang="en-US" dirty="0"/>
+              <a:t>, we need to specify the component that will serve as the entry point component for the application. </a:t>
+            </a:r>
+            <a:endParaRPr lang="en-US" dirty="0" smtClean="0"/>
+          </a:p>
+          <a:p>
+            <a:r>
+              <a:rPr lang="en-US" dirty="0" smtClean="0"/>
+              <a:t>We </a:t>
+            </a:r>
+            <a:r>
+              <a:rPr lang="en-US" dirty="0"/>
+              <a:t>import the entry component (</a:t>
+            </a:r>
+            <a:r>
+              <a:rPr lang="en-US" dirty="0" err="1"/>
+              <a:t>AppComponent</a:t>
+            </a:r>
+            <a:r>
+              <a:rPr lang="en-US" dirty="0"/>
+              <a:t>) and supply it as the only item in our bootstrap array inside the </a:t>
+            </a:r>
+            <a:r>
+              <a:rPr lang="en-US" dirty="0" err="1"/>
+              <a:t>NgModule</a:t>
+            </a:r>
+            <a:r>
+              <a:rPr lang="en-US" dirty="0"/>
+              <a:t> configuration object.</a:t>
+            </a:r>
+            <a:endParaRPr lang="en-IN" dirty="0"/>
+          </a:p>
+          <a:p>
+            <a:r>
+              <a:rPr lang="en-US" dirty="0"/>
+              <a:t>This is the file where all the components, providers, and modules are defined</a:t>
+            </a:r>
+            <a:endParaRPr lang="en-IN" dirty="0"/>
+          </a:p>
+        </p:txBody>
+      </p:sp>
+      <p:sp>
+        <p:nvSpPr>
+          <p:cNvPr id="7" name="Rectangle 6"/>
+          <p:cNvSpPr/>
+          <p:nvPr/>
+        </p:nvSpPr>
+        <p:spPr>
+          <a:xfrm>
+            <a:off x="7310718" y="2460429"/>
+            <a:ext cx="4078942" cy="3785652"/>
+          </a:xfrm>
+          <a:prstGeom prst="rect">
+            <a:avLst/>
+          </a:prstGeom>
+          <a:solidFill>
+            <a:schemeClr val="accent6">
+              <a:lumMod val="50000"/>
+            </a:schemeClr>
+          </a:solidFill>
+        </p:spPr>
+        <p:txBody>
+          <a:bodyPr wrap="square">
+            <a:spAutoFit/>
+          </a:bodyPr>
+          <a:lstStyle/>
+          <a:p>
+            <a:r>
+              <a:rPr lang="en-IN" sz="2000" b="1" dirty="0" smtClean="0">
+                <a:solidFill>
+                  <a:srgbClr val="FFFF00"/>
+                </a:solidFill>
+                <a:latin typeface="Consolas" panose="020B0609020204030204" pitchFamily="49" charset="0"/>
+              </a:rPr>
+              <a:t>@</a:t>
+            </a:r>
+            <a:r>
+              <a:rPr lang="en-IN" sz="2000" b="1" dirty="0" err="1" smtClean="0">
+                <a:solidFill>
+                  <a:srgbClr val="FFFF00"/>
+                </a:solidFill>
+                <a:latin typeface="Consolas" panose="020B0609020204030204" pitchFamily="49" charset="0"/>
+              </a:rPr>
+              <a:t>NgModule</a:t>
+            </a:r>
+            <a:r>
+              <a:rPr lang="en-IN" sz="2000" dirty="0" smtClean="0">
+                <a:solidFill>
+                  <a:srgbClr val="D4D4D4"/>
+                </a:solidFill>
+                <a:latin typeface="Consolas" panose="020B0609020204030204" pitchFamily="49" charset="0"/>
+              </a:rPr>
+              <a:t>({</a:t>
+            </a:r>
+            <a:endParaRPr lang="en-IN" sz="2000" dirty="0">
+              <a:solidFill>
+                <a:srgbClr val="D4D4D4"/>
+              </a:solidFill>
+              <a:latin typeface="Consolas" panose="020B0609020204030204" pitchFamily="49" charset="0"/>
+            </a:endParaRPr>
+          </a:p>
+          <a:p>
+            <a:r>
+              <a:rPr lang="en-IN" sz="2000" dirty="0" smtClean="0">
+                <a:solidFill>
+                  <a:srgbClr val="9CDCFE"/>
+                </a:solidFill>
+                <a:latin typeface="Consolas" panose="020B0609020204030204" pitchFamily="49" charset="0"/>
+              </a:rPr>
+              <a:t>declarations</a:t>
+            </a:r>
+            <a:r>
+              <a:rPr lang="en-IN" sz="2000" dirty="0">
+                <a:solidFill>
+                  <a:srgbClr val="9CDCFE"/>
+                </a:solidFill>
+                <a:latin typeface="Consolas" panose="020B0609020204030204" pitchFamily="49" charset="0"/>
+              </a:rPr>
+              <a:t>:</a:t>
+            </a:r>
+            <a:r>
+              <a:rPr lang="en-IN" sz="2000" dirty="0">
+                <a:solidFill>
+                  <a:srgbClr val="D4D4D4"/>
+                </a:solidFill>
+                <a:latin typeface="Consolas" panose="020B0609020204030204" pitchFamily="49" charset="0"/>
+              </a:rPr>
+              <a:t> [</a:t>
+            </a:r>
+          </a:p>
+          <a:p>
+            <a:r>
+              <a:rPr lang="en-IN" sz="2000" dirty="0" err="1">
+                <a:solidFill>
+                  <a:srgbClr val="9CDCFE"/>
+                </a:solidFill>
+                <a:latin typeface="Consolas" panose="020B0609020204030204" pitchFamily="49" charset="0"/>
+              </a:rPr>
+              <a:t>AppComponent</a:t>
+            </a:r>
+            <a:endParaRPr lang="en-IN" sz="2000" dirty="0">
+              <a:solidFill>
+                <a:srgbClr val="D4D4D4"/>
+              </a:solidFill>
+              <a:latin typeface="Consolas" panose="020B0609020204030204" pitchFamily="49" charset="0"/>
+            </a:endParaRPr>
+          </a:p>
+          <a:p>
+            <a:r>
+              <a:rPr lang="en-IN" sz="2000" dirty="0">
+                <a:solidFill>
+                  <a:srgbClr val="D4D4D4"/>
+                </a:solidFill>
+                <a:latin typeface="Consolas" panose="020B0609020204030204" pitchFamily="49" charset="0"/>
+              </a:rPr>
+              <a:t>],</a:t>
+            </a:r>
+          </a:p>
+          <a:p>
+            <a:r>
+              <a:rPr lang="en-IN" sz="2000" dirty="0">
+                <a:solidFill>
+                  <a:srgbClr val="9CDCFE"/>
+                </a:solidFill>
+                <a:latin typeface="Consolas" panose="020B0609020204030204" pitchFamily="49" charset="0"/>
+              </a:rPr>
+              <a:t>imports:</a:t>
+            </a:r>
+            <a:r>
+              <a:rPr lang="en-IN" sz="2000" dirty="0">
+                <a:solidFill>
+                  <a:srgbClr val="D4D4D4"/>
+                </a:solidFill>
+                <a:latin typeface="Consolas" panose="020B0609020204030204" pitchFamily="49" charset="0"/>
+              </a:rPr>
+              <a:t> [</a:t>
+            </a:r>
+          </a:p>
+          <a:p>
+            <a:r>
+              <a:rPr lang="en-IN" sz="2000" dirty="0" err="1">
+                <a:solidFill>
+                  <a:srgbClr val="9CDCFE"/>
+                </a:solidFill>
+                <a:latin typeface="Consolas" panose="020B0609020204030204" pitchFamily="49" charset="0"/>
+              </a:rPr>
+              <a:t>BrowserModule</a:t>
+            </a:r>
+            <a:r>
+              <a:rPr lang="en-IN" sz="2000" dirty="0">
+                <a:solidFill>
+                  <a:srgbClr val="D4D4D4"/>
+                </a:solidFill>
+                <a:latin typeface="Consolas" panose="020B0609020204030204" pitchFamily="49" charset="0"/>
+              </a:rPr>
+              <a:t>,</a:t>
+            </a:r>
+          </a:p>
+          <a:p>
+            <a:r>
+              <a:rPr lang="en-IN" sz="2000" dirty="0" err="1">
+                <a:solidFill>
+                  <a:srgbClr val="9CDCFE"/>
+                </a:solidFill>
+                <a:latin typeface="Consolas" panose="020B0609020204030204" pitchFamily="49" charset="0"/>
+              </a:rPr>
+              <a:t>AppRoutingModule</a:t>
+            </a:r>
+            <a:endParaRPr lang="en-IN" sz="2000" dirty="0">
+              <a:solidFill>
+                <a:srgbClr val="D4D4D4"/>
+              </a:solidFill>
+              <a:latin typeface="Consolas" panose="020B0609020204030204" pitchFamily="49" charset="0"/>
+            </a:endParaRPr>
+          </a:p>
+          <a:p>
+            <a:r>
+              <a:rPr lang="en-IN" sz="2000" dirty="0">
+                <a:solidFill>
+                  <a:srgbClr val="D4D4D4"/>
+                </a:solidFill>
+                <a:latin typeface="Consolas" panose="020B0609020204030204" pitchFamily="49" charset="0"/>
+              </a:rPr>
+              <a:t>],</a:t>
+            </a:r>
+          </a:p>
+          <a:p>
+            <a:r>
+              <a:rPr lang="en-IN" sz="2000" dirty="0">
+                <a:solidFill>
+                  <a:srgbClr val="9CDCFE"/>
+                </a:solidFill>
+                <a:latin typeface="Consolas" panose="020B0609020204030204" pitchFamily="49" charset="0"/>
+              </a:rPr>
+              <a:t>providers:</a:t>
+            </a:r>
+            <a:r>
+              <a:rPr lang="en-IN" sz="2000" dirty="0">
+                <a:solidFill>
+                  <a:srgbClr val="D4D4D4"/>
+                </a:solidFill>
+                <a:latin typeface="Consolas" panose="020B0609020204030204" pitchFamily="49" charset="0"/>
+              </a:rPr>
+              <a:t> [],</a:t>
+            </a:r>
+          </a:p>
+          <a:p>
+            <a:r>
+              <a:rPr lang="en-IN" sz="2000" dirty="0">
+                <a:solidFill>
+                  <a:srgbClr val="9CDCFE"/>
+                </a:solidFill>
+                <a:latin typeface="Consolas" panose="020B0609020204030204" pitchFamily="49" charset="0"/>
+              </a:rPr>
+              <a:t>bootstrap:</a:t>
+            </a:r>
+            <a:r>
+              <a:rPr lang="en-IN" sz="2000" dirty="0">
+                <a:solidFill>
+                  <a:srgbClr val="D4D4D4"/>
+                </a:solidFill>
+                <a:latin typeface="Consolas" panose="020B0609020204030204" pitchFamily="49" charset="0"/>
+              </a:rPr>
+              <a:t> [</a:t>
+            </a:r>
+            <a:r>
+              <a:rPr lang="en-IN" sz="2000" b="1" dirty="0" err="1">
+                <a:solidFill>
+                  <a:srgbClr val="FFFF00"/>
+                </a:solidFill>
+                <a:latin typeface="Consolas" panose="020B0609020204030204" pitchFamily="49" charset="0"/>
+              </a:rPr>
+              <a:t>AppComponent</a:t>
+            </a:r>
+            <a:r>
+              <a:rPr lang="en-IN" sz="2000" dirty="0">
+                <a:solidFill>
+                  <a:srgbClr val="D4D4D4"/>
+                </a:solidFill>
+                <a:latin typeface="Consolas" panose="020B0609020204030204" pitchFamily="49" charset="0"/>
+              </a:rPr>
+              <a:t>]</a:t>
+            </a:r>
+          </a:p>
+          <a:p>
+            <a:r>
+              <a:rPr lang="en-IN" sz="2000" dirty="0">
+                <a:solidFill>
+                  <a:srgbClr val="D4D4D4"/>
+                </a:solidFill>
+                <a:latin typeface="Consolas" panose="020B0609020204030204" pitchFamily="49" charset="0"/>
+              </a:rPr>
+              <a:t>})</a:t>
+            </a:r>
+          </a:p>
+          <a:p>
+            <a:r>
+              <a:rPr lang="en-IN" sz="2000" dirty="0">
+                <a:solidFill>
+                  <a:srgbClr val="C586C0"/>
+                </a:solidFill>
+                <a:latin typeface="Consolas" panose="020B0609020204030204" pitchFamily="49" charset="0"/>
+              </a:rPr>
+              <a:t>export</a:t>
+            </a:r>
+            <a:r>
+              <a:rPr lang="en-IN" sz="2000" dirty="0">
+                <a:solidFill>
+                  <a:srgbClr val="D4D4D4"/>
+                </a:solidFill>
+                <a:latin typeface="Consolas" panose="020B0609020204030204" pitchFamily="49" charset="0"/>
+              </a:rPr>
+              <a:t> </a:t>
+            </a:r>
+            <a:r>
+              <a:rPr lang="en-IN" sz="2000" dirty="0">
+                <a:solidFill>
+                  <a:srgbClr val="569CD6"/>
+                </a:solidFill>
+                <a:latin typeface="Consolas" panose="020B0609020204030204" pitchFamily="49" charset="0"/>
+              </a:rPr>
+              <a:t>class</a:t>
+            </a:r>
+            <a:r>
+              <a:rPr lang="en-IN" sz="2000" dirty="0">
+                <a:solidFill>
+                  <a:srgbClr val="D4D4D4"/>
+                </a:solidFill>
+                <a:latin typeface="Consolas" panose="020B0609020204030204" pitchFamily="49" charset="0"/>
+              </a:rPr>
+              <a:t> </a:t>
+            </a:r>
+            <a:r>
+              <a:rPr lang="en-IN" sz="2000" dirty="0" err="1">
+                <a:solidFill>
+                  <a:srgbClr val="4EC9B0"/>
+                </a:solidFill>
+                <a:latin typeface="Consolas" panose="020B0609020204030204" pitchFamily="49" charset="0"/>
+              </a:rPr>
+              <a:t>AppModule</a:t>
+            </a:r>
+            <a:r>
+              <a:rPr lang="en-IN" sz="2000" dirty="0">
+                <a:solidFill>
+                  <a:srgbClr val="D4D4D4"/>
+                </a:solidFill>
+                <a:latin typeface="Consolas" panose="020B0609020204030204" pitchFamily="49" charset="0"/>
+              </a:rPr>
+              <a:t> { }</a:t>
+            </a:r>
+            <a:endParaRPr lang="en-IN" sz="2000" b="0" dirty="0">
+              <a:solidFill>
+                <a:srgbClr val="D4D4D4"/>
+              </a:solidFill>
+              <a:effectLst/>
+              <a:latin typeface="Consolas" panose="020B0609020204030204" pitchFamily="49" charset="0"/>
+            </a:endParaRPr>
+          </a:p>
+        </p:txBody>
+      </p:sp>
+    </p:spTree>
+    <p:extLst>
+      <p:ext uri="{BB962C8B-B14F-4D97-AF65-F5344CB8AC3E}">
+        <p14:creationId xmlns:p14="http://schemas.microsoft.com/office/powerpoint/2010/main" val="3943306357"/>
+      </p:ext>
+    </p:extLst>
+  </p:cSld>
+  <p:clrMapOvr>
+    <a:masterClrMapping/>
+  </p:clrMapOvr>
+  <p:timing>
+    <p:tnLst>
+      <p:par>
+        <p:cTn id="1" dur="indefinite" restart="never" nodeType="tmRoot"/>
+      </p:par>
+    </p:tnLst>
+  </p:timing>
+</p:sld>
+</file>
+
+<file path=ppt/slides/slide25.xml><?xml version="1.0" encoding="utf-8"?>
+<p:sld xmlns:a="http://schemas.openxmlformats.org/drawingml/2006/main" xmlns:r="http://schemas.openxmlformats.org/officeDocument/2006/relationships" xmlns:p="http://schemas.openxmlformats.org/presentationml/2006/main">
+  <p:cSld>
+    <p:spTree>
+      <p:nvGrpSpPr>
+        <p:cNvPr id="1" name=""/>
+        <p:cNvGrpSpPr/>
+        <p:nvPr/>
+      </p:nvGrpSpPr>
+      <p:grpSpPr>
+        <a:xfrm>
+          <a:off x="0" y="0"/>
+          <a:ext cx="0" cy="0"/>
+          <a:chOff x="0" y="0"/>
+          <a:chExt cx="0" cy="0"/>
+        </a:xfrm>
+      </p:grpSpPr>
+      <p:sp>
+        <p:nvSpPr>
+          <p:cNvPr id="2" name="Title 1"/>
+          <p:cNvSpPr>
+            <a:spLocks noGrp="1"/>
+          </p:cNvSpPr>
+          <p:nvPr>
+            <p:ph type="title"/>
+          </p:nvPr>
+        </p:nvSpPr>
+        <p:spPr/>
+        <p:txBody>
+          <a:bodyPr/>
+          <a:lstStyle/>
+          <a:p>
+            <a:r>
+              <a:rPr lang="en-IN" b="1" dirty="0" smtClean="0"/>
+              <a:t>4.2 </a:t>
+            </a:r>
+            <a:r>
+              <a:rPr lang="en-IN" b="1" dirty="0" err="1" smtClean="0"/>
+              <a:t>app.component.ts</a:t>
+            </a:r>
+            <a:endParaRPr lang="en-IN" b="1" dirty="0"/>
+          </a:p>
+        </p:txBody>
+      </p:sp>
+      <p:sp>
+        <p:nvSpPr>
+          <p:cNvPr id="3" name="Content Placeholder 2"/>
+          <p:cNvSpPr>
+            <a:spLocks noGrp="1"/>
+          </p:cNvSpPr>
+          <p:nvPr>
+            <p:ph sz="half" idx="2"/>
+          </p:nvPr>
+        </p:nvSpPr>
+        <p:spPr>
+          <a:xfrm>
+            <a:off x="1183340" y="2353237"/>
+            <a:ext cx="6387354" cy="3785652"/>
+          </a:xfrm>
+        </p:spPr>
+        <p:txBody>
+          <a:bodyPr>
+            <a:normAutofit/>
+          </a:bodyPr>
+          <a:lstStyle/>
+          <a:p>
+            <a:r>
+              <a:rPr lang="en-IN" dirty="0" smtClean="0">
+                <a:solidFill>
+                  <a:schemeClr val="accent6">
+                    <a:lumMod val="75000"/>
+                  </a:schemeClr>
+                </a:solidFill>
+              </a:rPr>
+              <a:t>File path: </a:t>
+            </a:r>
+            <a:r>
+              <a:rPr lang="en-IN" dirty="0" err="1" smtClean="0">
+                <a:solidFill>
+                  <a:schemeClr val="accent6">
+                    <a:lumMod val="75000"/>
+                  </a:schemeClr>
+                </a:solidFill>
+              </a:rPr>
+              <a:t>helloworld</a:t>
+            </a:r>
+            <a:r>
+              <a:rPr lang="en-IN" dirty="0" smtClean="0">
+                <a:solidFill>
+                  <a:schemeClr val="accent6">
+                    <a:lumMod val="75000"/>
+                  </a:schemeClr>
+                </a:solidFill>
+              </a:rPr>
+              <a:t> </a:t>
+            </a:r>
+            <a:r>
+              <a:rPr lang="en-IN" dirty="0" smtClean="0">
+                <a:solidFill>
+                  <a:schemeClr val="accent6">
+                    <a:lumMod val="75000"/>
+                  </a:schemeClr>
+                </a:solidFill>
+                <a:sym typeface="Wingdings" panose="05000000000000000000" pitchFamily="2" charset="2"/>
+              </a:rPr>
+              <a:t></a:t>
+            </a:r>
+            <a:r>
+              <a:rPr lang="en-IN" dirty="0" err="1" smtClean="0">
+                <a:solidFill>
+                  <a:schemeClr val="accent6">
+                    <a:lumMod val="75000"/>
+                  </a:schemeClr>
+                </a:solidFill>
+                <a:sym typeface="Wingdings" panose="05000000000000000000" pitchFamily="2" charset="2"/>
+              </a:rPr>
+              <a:t>srcappapp.component.ts</a:t>
+            </a:r>
+            <a:endParaRPr lang="en-IN" dirty="0" smtClean="0">
+              <a:solidFill>
+                <a:schemeClr val="accent6">
+                  <a:lumMod val="75000"/>
+                </a:schemeClr>
+              </a:solidFill>
+            </a:endParaRPr>
+          </a:p>
+          <a:p>
+            <a:r>
+              <a:rPr lang="en-US" dirty="0" smtClean="0"/>
+              <a:t>Import the Component class from @angular/core. Then we use it to decorate the </a:t>
+            </a:r>
+            <a:r>
+              <a:rPr lang="en-US" dirty="0" err="1" smtClean="0"/>
+              <a:t>AppComponent</a:t>
+            </a:r>
+            <a:r>
+              <a:rPr lang="en-US" dirty="0" smtClean="0"/>
+              <a:t> class which transforms it to a component. </a:t>
+            </a:r>
+          </a:p>
+          <a:p>
+            <a:r>
+              <a:rPr lang="en-US" dirty="0" smtClean="0"/>
+              <a:t>The component decorator takes these information:</a:t>
+            </a:r>
+            <a:endParaRPr lang="en-IN" dirty="0" smtClean="0"/>
+          </a:p>
+          <a:p>
+            <a:pPr lvl="1"/>
+            <a:r>
+              <a:rPr lang="en-US" dirty="0" smtClean="0"/>
+              <a:t>The selector contains the name of the tag that can be used to create this component.</a:t>
+            </a:r>
+            <a:endParaRPr lang="en-IN" dirty="0" smtClean="0"/>
+          </a:p>
+          <a:p>
+            <a:pPr lvl="1"/>
+            <a:r>
+              <a:rPr lang="en-US" dirty="0" smtClean="0"/>
+              <a:t>The </a:t>
+            </a:r>
+            <a:r>
+              <a:rPr lang="en-US" dirty="0" err="1" smtClean="0"/>
+              <a:t>templateUrl</a:t>
+            </a:r>
+            <a:r>
+              <a:rPr lang="en-US" dirty="0" smtClean="0"/>
+              <a:t> contains the relative URL/path to the HTML template to be used as the view the </a:t>
+            </a:r>
+            <a:r>
+              <a:rPr lang="en-US" dirty="0" err="1" smtClean="0"/>
+              <a:t>styleUrls</a:t>
+            </a:r>
+            <a:r>
+              <a:rPr lang="en-US" dirty="0" smtClean="0"/>
+              <a:t> contains the array of CSS styles to be used for styling the component</a:t>
+            </a:r>
+            <a:endParaRPr lang="en-IN" dirty="0"/>
+          </a:p>
+        </p:txBody>
+      </p:sp>
+      <p:sp>
+        <p:nvSpPr>
+          <p:cNvPr id="4" name="Rectangle 3"/>
+          <p:cNvSpPr/>
+          <p:nvPr/>
+        </p:nvSpPr>
+        <p:spPr>
+          <a:xfrm>
+            <a:off x="7570694" y="2399403"/>
+            <a:ext cx="3899647" cy="3693319"/>
+          </a:xfrm>
+          <a:prstGeom prst="rect">
+            <a:avLst/>
+          </a:prstGeom>
+          <a:solidFill>
+            <a:schemeClr val="accent6">
+              <a:lumMod val="50000"/>
+            </a:schemeClr>
+          </a:solidFill>
+        </p:spPr>
+        <p:txBody>
+          <a:bodyPr wrap="square">
+            <a:spAutoFit/>
+          </a:bodyPr>
+          <a:lstStyle/>
+          <a:p>
+            <a:r>
+              <a:rPr lang="en-IN" dirty="0">
+                <a:solidFill>
+                  <a:srgbClr val="C586C0"/>
+                </a:solidFill>
+                <a:latin typeface="Consolas" panose="020B0609020204030204" pitchFamily="49" charset="0"/>
+              </a:rPr>
+              <a:t>import</a:t>
+            </a:r>
+            <a:r>
+              <a:rPr lang="en-IN" dirty="0">
+                <a:solidFill>
+                  <a:srgbClr val="D4D4D4"/>
+                </a:solidFill>
+                <a:latin typeface="Consolas" panose="020B0609020204030204" pitchFamily="49" charset="0"/>
+              </a:rPr>
+              <a:t> { </a:t>
+            </a:r>
+            <a:r>
+              <a:rPr lang="en-IN" dirty="0">
+                <a:solidFill>
+                  <a:srgbClr val="9CDCFE"/>
+                </a:solidFill>
+                <a:latin typeface="Consolas" panose="020B0609020204030204" pitchFamily="49" charset="0"/>
+              </a:rPr>
+              <a:t>Component</a:t>
+            </a:r>
+            <a:r>
+              <a:rPr lang="en-IN" dirty="0">
+                <a:solidFill>
+                  <a:srgbClr val="D4D4D4"/>
+                </a:solidFill>
+                <a:latin typeface="Consolas" panose="020B0609020204030204" pitchFamily="49" charset="0"/>
+              </a:rPr>
+              <a:t> } </a:t>
+            </a:r>
+            <a:r>
+              <a:rPr lang="en-IN" dirty="0">
+                <a:solidFill>
+                  <a:srgbClr val="C586C0"/>
+                </a:solidFill>
+                <a:latin typeface="Consolas" panose="020B0609020204030204" pitchFamily="49" charset="0"/>
+              </a:rPr>
+              <a:t>from</a:t>
+            </a:r>
+            <a:r>
+              <a:rPr lang="en-IN" dirty="0">
+                <a:solidFill>
+                  <a:srgbClr val="D4D4D4"/>
+                </a:solidFill>
+                <a:latin typeface="Consolas" panose="020B0609020204030204" pitchFamily="49" charset="0"/>
+              </a:rPr>
+              <a:t> </a:t>
+            </a:r>
+            <a:r>
+              <a:rPr lang="en-IN" dirty="0">
+                <a:solidFill>
+                  <a:srgbClr val="CE9178"/>
+                </a:solidFill>
+                <a:latin typeface="Consolas" panose="020B0609020204030204" pitchFamily="49" charset="0"/>
+              </a:rPr>
+              <a:t>'@angular/core'</a:t>
+            </a:r>
+            <a:r>
+              <a:rPr lang="en-IN" dirty="0">
+                <a:solidFill>
+                  <a:srgbClr val="D4D4D4"/>
+                </a:solidFill>
+                <a:latin typeface="Consolas" panose="020B0609020204030204" pitchFamily="49" charset="0"/>
+              </a:rPr>
+              <a:t>;</a:t>
+            </a:r>
+          </a:p>
+          <a:p>
+            <a:endParaRPr lang="en-IN" dirty="0" smtClean="0">
+              <a:solidFill>
+                <a:srgbClr val="D4D4D4"/>
+              </a:solidFill>
+              <a:latin typeface="Consolas" panose="020B0609020204030204" pitchFamily="49" charset="0"/>
+            </a:endParaRPr>
+          </a:p>
+          <a:p>
+            <a:r>
+              <a:rPr lang="en-IN" dirty="0" smtClean="0">
+                <a:solidFill>
+                  <a:srgbClr val="D4D4D4"/>
+                </a:solidFill>
+                <a:latin typeface="Consolas" panose="020B0609020204030204" pitchFamily="49" charset="0"/>
+              </a:rPr>
+              <a:t>@</a:t>
+            </a:r>
+            <a:r>
+              <a:rPr lang="en-IN" dirty="0">
+                <a:solidFill>
+                  <a:srgbClr val="DCDCAA"/>
+                </a:solidFill>
+                <a:latin typeface="Consolas" panose="020B0609020204030204" pitchFamily="49" charset="0"/>
+              </a:rPr>
+              <a:t>Component</a:t>
+            </a:r>
+            <a:r>
+              <a:rPr lang="en-IN" dirty="0">
+                <a:solidFill>
+                  <a:srgbClr val="D4D4D4"/>
+                </a:solidFill>
+                <a:latin typeface="Consolas" panose="020B0609020204030204" pitchFamily="49" charset="0"/>
+              </a:rPr>
+              <a:t>({</a:t>
+            </a:r>
+          </a:p>
+          <a:p>
+            <a:r>
+              <a:rPr lang="en-IN" b="1" dirty="0">
+                <a:solidFill>
+                  <a:srgbClr val="FFFF00"/>
+                </a:solidFill>
+                <a:latin typeface="Consolas" panose="020B0609020204030204" pitchFamily="49" charset="0"/>
+              </a:rPr>
+              <a:t>selector: 'app-root',</a:t>
+            </a:r>
+          </a:p>
+          <a:p>
+            <a:r>
+              <a:rPr lang="en-IN" b="1" dirty="0" err="1">
+                <a:solidFill>
+                  <a:srgbClr val="FFFF00"/>
+                </a:solidFill>
+                <a:latin typeface="Consolas" panose="020B0609020204030204" pitchFamily="49" charset="0"/>
+              </a:rPr>
+              <a:t>templateUrl</a:t>
+            </a:r>
+            <a:r>
+              <a:rPr lang="en-IN" b="1" dirty="0">
+                <a:solidFill>
+                  <a:srgbClr val="FFFF00"/>
+                </a:solidFill>
+                <a:latin typeface="Consolas" panose="020B0609020204030204" pitchFamily="49" charset="0"/>
+              </a:rPr>
+              <a:t>: './app.component.html',</a:t>
+            </a:r>
+          </a:p>
+          <a:p>
+            <a:r>
+              <a:rPr lang="en-IN" b="1" dirty="0" err="1">
+                <a:solidFill>
+                  <a:srgbClr val="FFFF00"/>
+                </a:solidFill>
+                <a:latin typeface="Consolas" panose="020B0609020204030204" pitchFamily="49" charset="0"/>
+              </a:rPr>
+              <a:t>styleUrls</a:t>
+            </a:r>
+            <a:r>
+              <a:rPr lang="en-IN" b="1" dirty="0">
+                <a:solidFill>
+                  <a:srgbClr val="FFFF00"/>
+                </a:solidFill>
+                <a:latin typeface="Consolas" panose="020B0609020204030204" pitchFamily="49" charset="0"/>
+              </a:rPr>
+              <a:t>: ['./app.component.css']</a:t>
+            </a:r>
+          </a:p>
+          <a:p>
+            <a:r>
+              <a:rPr lang="en-IN" dirty="0">
+                <a:solidFill>
+                  <a:srgbClr val="D4D4D4"/>
+                </a:solidFill>
+                <a:latin typeface="Consolas" panose="020B0609020204030204" pitchFamily="49" charset="0"/>
+              </a:rPr>
+              <a:t>})</a:t>
+            </a:r>
+          </a:p>
+          <a:p>
+            <a:r>
+              <a:rPr lang="en-IN" dirty="0">
+                <a:solidFill>
+                  <a:srgbClr val="C586C0"/>
+                </a:solidFill>
+                <a:latin typeface="Consolas" panose="020B0609020204030204" pitchFamily="49" charset="0"/>
+              </a:rPr>
+              <a:t>export</a:t>
+            </a:r>
+            <a:r>
+              <a:rPr lang="en-IN" dirty="0">
+                <a:solidFill>
+                  <a:srgbClr val="D4D4D4"/>
+                </a:solidFill>
+                <a:latin typeface="Consolas" panose="020B0609020204030204" pitchFamily="49" charset="0"/>
+              </a:rPr>
+              <a:t> </a:t>
+            </a:r>
+            <a:r>
+              <a:rPr lang="en-IN" dirty="0">
+                <a:solidFill>
+                  <a:srgbClr val="569CD6"/>
+                </a:solidFill>
+                <a:latin typeface="Consolas" panose="020B0609020204030204" pitchFamily="49" charset="0"/>
+              </a:rPr>
+              <a:t>class</a:t>
+            </a:r>
+            <a:r>
+              <a:rPr lang="en-IN" dirty="0">
+                <a:solidFill>
+                  <a:srgbClr val="D4D4D4"/>
+                </a:solidFill>
+                <a:latin typeface="Consolas" panose="020B0609020204030204" pitchFamily="49" charset="0"/>
+              </a:rPr>
+              <a:t> </a:t>
+            </a:r>
+            <a:r>
+              <a:rPr lang="en-IN" dirty="0" err="1">
+                <a:solidFill>
+                  <a:srgbClr val="4EC9B0"/>
+                </a:solidFill>
+                <a:latin typeface="Consolas" panose="020B0609020204030204" pitchFamily="49" charset="0"/>
+              </a:rPr>
+              <a:t>AppComponent</a:t>
+            </a:r>
+            <a:r>
+              <a:rPr lang="en-IN" dirty="0">
+                <a:solidFill>
+                  <a:srgbClr val="D4D4D4"/>
+                </a:solidFill>
+                <a:latin typeface="Consolas" panose="020B0609020204030204" pitchFamily="49" charset="0"/>
+              </a:rPr>
+              <a:t> {</a:t>
+            </a:r>
+          </a:p>
+          <a:p>
+            <a:r>
+              <a:rPr lang="en-IN" dirty="0">
+                <a:solidFill>
+                  <a:srgbClr val="9CDCFE"/>
+                </a:solidFill>
+                <a:latin typeface="Consolas" panose="020B0609020204030204" pitchFamily="49" charset="0"/>
+              </a:rPr>
+              <a:t>title</a:t>
+            </a:r>
+            <a:r>
+              <a:rPr lang="en-IN" dirty="0">
+                <a:solidFill>
+                  <a:srgbClr val="D4D4D4"/>
+                </a:solidFill>
+                <a:latin typeface="Consolas" panose="020B0609020204030204" pitchFamily="49" charset="0"/>
+              </a:rPr>
+              <a:t> = </a:t>
+            </a:r>
+            <a:r>
+              <a:rPr lang="en-IN" dirty="0">
+                <a:solidFill>
+                  <a:srgbClr val="CE9178"/>
+                </a:solidFill>
+                <a:latin typeface="Consolas" panose="020B0609020204030204" pitchFamily="49" charset="0"/>
+              </a:rPr>
+              <a:t>'</a:t>
+            </a:r>
+            <a:r>
+              <a:rPr lang="en-IN" dirty="0" err="1">
+                <a:solidFill>
+                  <a:srgbClr val="CE9178"/>
+                </a:solidFill>
+                <a:latin typeface="Consolas" panose="020B0609020204030204" pitchFamily="49" charset="0"/>
+              </a:rPr>
+              <a:t>Helloworld</a:t>
+            </a:r>
+            <a:r>
+              <a:rPr lang="en-IN" dirty="0">
+                <a:solidFill>
+                  <a:srgbClr val="CE9178"/>
+                </a:solidFill>
+                <a:latin typeface="Consolas" panose="020B0609020204030204" pitchFamily="49" charset="0"/>
+              </a:rPr>
+              <a:t>'</a:t>
+            </a:r>
+            <a:r>
+              <a:rPr lang="en-IN" dirty="0">
+                <a:solidFill>
+                  <a:srgbClr val="D4D4D4"/>
+                </a:solidFill>
+                <a:latin typeface="Consolas" panose="020B0609020204030204" pitchFamily="49" charset="0"/>
+              </a:rPr>
+              <a:t>;</a:t>
+            </a:r>
+          </a:p>
+          <a:p>
+            <a:r>
+              <a:rPr lang="en-IN" dirty="0">
+                <a:solidFill>
+                  <a:srgbClr val="D4D4D4"/>
+                </a:solidFill>
+                <a:latin typeface="Consolas" panose="020B0609020204030204" pitchFamily="49" charset="0"/>
+              </a:rPr>
+              <a:t>}</a:t>
+            </a:r>
+            <a:endParaRPr lang="en-IN" b="0" dirty="0">
+              <a:solidFill>
+                <a:srgbClr val="D4D4D4"/>
+              </a:solidFill>
+              <a:effectLst/>
+              <a:latin typeface="Consolas" panose="020B0609020204030204" pitchFamily="49" charset="0"/>
+            </a:endParaRPr>
+          </a:p>
+        </p:txBody>
+      </p:sp>
+    </p:spTree>
+    <p:extLst>
+      <p:ext uri="{BB962C8B-B14F-4D97-AF65-F5344CB8AC3E}">
+        <p14:creationId xmlns:p14="http://schemas.microsoft.com/office/powerpoint/2010/main" val="3873238653"/>
+      </p:ext>
+    </p:extLst>
+  </p:cSld>
+  <p:clrMapOvr>
+    <a:masterClrMapping/>
+  </p:clrMapOvr>
+  <p:timing>
+    <p:tnLst>
+      <p:par>
+        <p:cTn id="1" dur="indefinite" restart="never" nodeType="tmRoot"/>
+      </p:par>
+    </p:tnLst>
+  </p:timing>
+</p:sld>
+</file>
+
+<file path=ppt/slides/slide26.xml><?xml version="1.0" encoding="utf-8"?>
+<p:sld xmlns:a="http://schemas.openxmlformats.org/drawingml/2006/main" xmlns:r="http://schemas.openxmlformats.org/officeDocument/2006/relationships" xmlns:p="http://schemas.openxmlformats.org/presentationml/2006/main">
+  <p:cSld>
+    <p:spTree>
+      <p:nvGrpSpPr>
+        <p:cNvPr id="1" name=""/>
+        <p:cNvGrpSpPr/>
+        <p:nvPr/>
+      </p:nvGrpSpPr>
+      <p:grpSpPr>
+        <a:xfrm>
+          <a:off x="0" y="0"/>
+          <a:ext cx="0" cy="0"/>
+          <a:chOff x="0" y="0"/>
+          <a:chExt cx="0" cy="0"/>
+        </a:xfrm>
+      </p:grpSpPr>
+      <p:sp>
+        <p:nvSpPr>
+          <p:cNvPr id="2" name="Title 1"/>
+          <p:cNvSpPr>
+            <a:spLocks noGrp="1"/>
+          </p:cNvSpPr>
+          <p:nvPr>
+            <p:ph type="title"/>
+          </p:nvPr>
+        </p:nvSpPr>
+        <p:spPr/>
+        <p:txBody>
+          <a:bodyPr/>
+          <a:lstStyle/>
+          <a:p>
+            <a:r>
+              <a:rPr lang="en-IN" b="1" dirty="0" smtClean="0"/>
+              <a:t>4.3 </a:t>
+            </a:r>
+            <a:r>
+              <a:rPr lang="en-US" b="1" dirty="0"/>
+              <a:t>app.component.html</a:t>
+            </a:r>
+            <a:r>
+              <a:rPr lang="en-US" dirty="0"/>
+              <a:t> </a:t>
+            </a:r>
+            <a:endParaRPr lang="en-IN" b="1" dirty="0"/>
+          </a:p>
+        </p:txBody>
+      </p:sp>
+      <p:sp>
+        <p:nvSpPr>
+          <p:cNvPr id="3" name="Content Placeholder 2"/>
+          <p:cNvSpPr>
+            <a:spLocks noGrp="1"/>
+          </p:cNvSpPr>
+          <p:nvPr>
+            <p:ph sz="half" idx="2"/>
+          </p:nvPr>
+        </p:nvSpPr>
+        <p:spPr>
+          <a:xfrm>
+            <a:off x="1154954" y="2929499"/>
+            <a:ext cx="6841564" cy="781889"/>
+          </a:xfrm>
+        </p:spPr>
+        <p:txBody>
+          <a:bodyPr>
+            <a:normAutofit/>
+          </a:bodyPr>
+          <a:lstStyle/>
+          <a:p>
+            <a:r>
+              <a:rPr lang="en-IN" dirty="0" smtClean="0">
+                <a:solidFill>
+                  <a:schemeClr val="accent6">
+                    <a:lumMod val="75000"/>
+                  </a:schemeClr>
+                </a:solidFill>
+              </a:rPr>
+              <a:t>File path: </a:t>
+            </a:r>
+            <a:r>
+              <a:rPr lang="en-IN" dirty="0" err="1" smtClean="0">
+                <a:solidFill>
+                  <a:schemeClr val="accent6">
+                    <a:lumMod val="75000"/>
+                  </a:schemeClr>
+                </a:solidFill>
+              </a:rPr>
+              <a:t>helloworld</a:t>
+            </a:r>
+            <a:r>
+              <a:rPr lang="en-IN" dirty="0" smtClean="0">
+                <a:solidFill>
+                  <a:schemeClr val="accent6">
+                    <a:lumMod val="75000"/>
+                  </a:schemeClr>
+                </a:solidFill>
+              </a:rPr>
+              <a:t> </a:t>
+            </a:r>
+            <a:r>
+              <a:rPr lang="en-IN" dirty="0" smtClean="0">
+                <a:solidFill>
+                  <a:schemeClr val="accent6">
+                    <a:lumMod val="75000"/>
+                  </a:schemeClr>
+                </a:solidFill>
+                <a:sym typeface="Wingdings" panose="05000000000000000000" pitchFamily="2" charset="2"/>
+              </a:rPr>
+              <a:t>srcappapp.component.html</a:t>
+            </a:r>
+            <a:endParaRPr lang="en-IN" dirty="0" smtClean="0">
+              <a:solidFill>
+                <a:schemeClr val="accent6">
+                  <a:lumMod val="75000"/>
+                </a:schemeClr>
+              </a:solidFill>
+            </a:endParaRPr>
+          </a:p>
+          <a:p>
+            <a:r>
+              <a:rPr lang="en-US" dirty="0" smtClean="0"/>
+              <a:t>Contains HTML Code for the component</a:t>
+            </a:r>
+          </a:p>
+        </p:txBody>
+      </p:sp>
+      <p:sp>
+        <p:nvSpPr>
+          <p:cNvPr id="5" name="Rectangle 4"/>
+          <p:cNvSpPr/>
+          <p:nvPr/>
+        </p:nvSpPr>
+        <p:spPr>
+          <a:xfrm>
+            <a:off x="8239967" y="2641368"/>
+            <a:ext cx="3352800" cy="923330"/>
+          </a:xfrm>
+          <a:prstGeom prst="rect">
+            <a:avLst/>
+          </a:prstGeom>
+          <a:solidFill>
+            <a:schemeClr val="accent6">
+              <a:lumMod val="50000"/>
+            </a:schemeClr>
+          </a:solidFill>
+        </p:spPr>
+        <p:txBody>
+          <a:bodyPr wrap="square">
+            <a:spAutoFit/>
+          </a:bodyPr>
+          <a:lstStyle/>
+          <a:p>
+            <a:r>
+              <a:rPr lang="en-IN" dirty="0">
+                <a:solidFill>
+                  <a:srgbClr val="808080"/>
+                </a:solidFill>
+                <a:latin typeface="Consolas" panose="020B0609020204030204" pitchFamily="49" charset="0"/>
+              </a:rPr>
+              <a:t>&lt;</a:t>
+            </a:r>
+            <a:r>
+              <a:rPr lang="en-IN" dirty="0">
+                <a:solidFill>
+                  <a:srgbClr val="569CD6"/>
+                </a:solidFill>
+                <a:latin typeface="Consolas" panose="020B0609020204030204" pitchFamily="49" charset="0"/>
+              </a:rPr>
+              <a:t>h1</a:t>
+            </a:r>
+            <a:r>
+              <a:rPr lang="en-IN" dirty="0">
+                <a:solidFill>
+                  <a:srgbClr val="808080"/>
+                </a:solidFill>
+                <a:latin typeface="Consolas" panose="020B0609020204030204" pitchFamily="49" charset="0"/>
+              </a:rPr>
+              <a:t>&gt;</a:t>
+            </a:r>
+            <a:endParaRPr lang="en-IN" dirty="0">
+              <a:solidFill>
+                <a:srgbClr val="D4D4D4"/>
+              </a:solidFill>
+              <a:latin typeface="Consolas" panose="020B0609020204030204" pitchFamily="49" charset="0"/>
+            </a:endParaRPr>
+          </a:p>
+          <a:p>
+            <a:r>
+              <a:rPr lang="en-IN" dirty="0">
+                <a:solidFill>
+                  <a:srgbClr val="D4D4D4"/>
+                </a:solidFill>
+                <a:latin typeface="Consolas" panose="020B0609020204030204" pitchFamily="49" charset="0"/>
+              </a:rPr>
+              <a:t>Welcome to {{ title }}!</a:t>
+            </a:r>
+          </a:p>
+          <a:p>
+            <a:r>
+              <a:rPr lang="en-IN" dirty="0">
+                <a:solidFill>
+                  <a:srgbClr val="808080"/>
+                </a:solidFill>
+                <a:latin typeface="Consolas" panose="020B0609020204030204" pitchFamily="49" charset="0"/>
+              </a:rPr>
+              <a:t>&lt;/</a:t>
+            </a:r>
+            <a:r>
+              <a:rPr lang="en-IN" dirty="0">
+                <a:solidFill>
+                  <a:srgbClr val="569CD6"/>
+                </a:solidFill>
+                <a:latin typeface="Consolas" panose="020B0609020204030204" pitchFamily="49" charset="0"/>
+              </a:rPr>
+              <a:t>h1</a:t>
+            </a:r>
+            <a:r>
+              <a:rPr lang="en-IN" dirty="0">
+                <a:solidFill>
+                  <a:srgbClr val="808080"/>
+                </a:solidFill>
+                <a:latin typeface="Consolas" panose="020B0609020204030204" pitchFamily="49" charset="0"/>
+              </a:rPr>
+              <a:t>&gt;</a:t>
+            </a:r>
+            <a:endParaRPr lang="en-IN" b="0" dirty="0">
+              <a:solidFill>
+                <a:srgbClr val="D4D4D4"/>
+              </a:solidFill>
+              <a:effectLst/>
+              <a:latin typeface="Consolas" panose="020B0609020204030204" pitchFamily="49" charset="0"/>
+            </a:endParaRPr>
+          </a:p>
+        </p:txBody>
+      </p:sp>
+      <p:sp>
+        <p:nvSpPr>
+          <p:cNvPr id="6" name="Text Placeholder 3"/>
+          <p:cNvSpPr>
+            <a:spLocks noGrp="1"/>
+          </p:cNvSpPr>
+          <p:nvPr>
+            <p:ph type="body" idx="1"/>
+          </p:nvPr>
+        </p:nvSpPr>
+        <p:spPr>
+          <a:xfrm>
+            <a:off x="1154954" y="2353237"/>
+            <a:ext cx="4825157" cy="576262"/>
+          </a:xfrm>
+        </p:spPr>
+        <p:txBody>
+          <a:bodyPr/>
+          <a:lstStyle/>
+          <a:p>
+            <a:r>
+              <a:rPr lang="en-IN" dirty="0" smtClean="0"/>
+              <a:t>app.component.html	</a:t>
+            </a:r>
+            <a:endParaRPr lang="en-IN" dirty="0"/>
+          </a:p>
+        </p:txBody>
+      </p:sp>
+      <p:sp>
+        <p:nvSpPr>
+          <p:cNvPr id="7" name="Content Placeholder 2"/>
+          <p:cNvSpPr>
+            <a:spLocks noGrp="1"/>
+          </p:cNvSpPr>
+          <p:nvPr>
+            <p:ph sz="half" idx="2"/>
+          </p:nvPr>
+        </p:nvSpPr>
+        <p:spPr>
+          <a:xfrm>
+            <a:off x="1154954" y="4357371"/>
+            <a:ext cx="7182222" cy="1205767"/>
+          </a:xfrm>
+        </p:spPr>
+        <p:txBody>
+          <a:bodyPr>
+            <a:normAutofit/>
+          </a:bodyPr>
+          <a:lstStyle/>
+          <a:p>
+            <a:r>
+              <a:rPr lang="en-IN" dirty="0" smtClean="0">
+                <a:solidFill>
+                  <a:schemeClr val="accent6">
+                    <a:lumMod val="75000"/>
+                  </a:schemeClr>
+                </a:solidFill>
+              </a:rPr>
+              <a:t>File path: </a:t>
+            </a:r>
+            <a:r>
+              <a:rPr lang="en-IN" dirty="0" err="1" smtClean="0">
+                <a:solidFill>
+                  <a:schemeClr val="accent6">
+                    <a:lumMod val="75000"/>
+                  </a:schemeClr>
+                </a:solidFill>
+              </a:rPr>
+              <a:t>helloworld</a:t>
+            </a:r>
+            <a:r>
+              <a:rPr lang="en-IN" dirty="0" smtClean="0">
+                <a:solidFill>
+                  <a:schemeClr val="accent6">
+                    <a:lumMod val="75000"/>
+                  </a:schemeClr>
+                </a:solidFill>
+              </a:rPr>
+              <a:t> </a:t>
+            </a:r>
+            <a:r>
+              <a:rPr lang="en-IN" dirty="0" smtClean="0">
+                <a:solidFill>
+                  <a:schemeClr val="accent6">
+                    <a:lumMod val="75000"/>
+                  </a:schemeClr>
+                </a:solidFill>
+                <a:sym typeface="Wingdings" panose="05000000000000000000" pitchFamily="2" charset="2"/>
+              </a:rPr>
+              <a:t>srcappapp.component.css</a:t>
+            </a:r>
+            <a:endParaRPr lang="en-IN" dirty="0" smtClean="0">
+              <a:solidFill>
+                <a:schemeClr val="accent6">
+                  <a:lumMod val="75000"/>
+                </a:schemeClr>
+              </a:solidFill>
+            </a:endParaRPr>
+          </a:p>
+          <a:p>
+            <a:r>
+              <a:rPr lang="en-US" dirty="0" smtClean="0"/>
+              <a:t>Contains HTML Code for the component</a:t>
+            </a:r>
+          </a:p>
+        </p:txBody>
+      </p:sp>
+      <p:sp>
+        <p:nvSpPr>
+          <p:cNvPr id="8" name="Text Placeholder 3"/>
+          <p:cNvSpPr>
+            <a:spLocks noGrp="1"/>
+          </p:cNvSpPr>
+          <p:nvPr>
+            <p:ph type="body" idx="1"/>
+          </p:nvPr>
+        </p:nvSpPr>
+        <p:spPr>
+          <a:xfrm>
+            <a:off x="1154954" y="3781109"/>
+            <a:ext cx="4825157" cy="576262"/>
+          </a:xfrm>
+        </p:spPr>
+        <p:txBody>
+          <a:bodyPr/>
+          <a:lstStyle/>
+          <a:p>
+            <a:r>
+              <a:rPr lang="en-IN" dirty="0" smtClean="0"/>
+              <a:t>app.component.css</a:t>
+            </a:r>
+            <a:endParaRPr lang="en-IN" dirty="0"/>
+          </a:p>
+        </p:txBody>
+      </p:sp>
+      <p:sp>
+        <p:nvSpPr>
+          <p:cNvPr id="9" name="Rectangle 8"/>
+          <p:cNvSpPr/>
+          <p:nvPr/>
+        </p:nvSpPr>
+        <p:spPr>
+          <a:xfrm>
+            <a:off x="8239967" y="4242774"/>
+            <a:ext cx="3352800" cy="923330"/>
+          </a:xfrm>
+          <a:prstGeom prst="rect">
+            <a:avLst/>
+          </a:prstGeom>
+          <a:solidFill>
+            <a:schemeClr val="accent6">
+              <a:lumMod val="50000"/>
+            </a:schemeClr>
+          </a:solidFill>
+        </p:spPr>
+        <p:txBody>
+          <a:bodyPr wrap="square">
+            <a:spAutoFit/>
+          </a:bodyPr>
+          <a:lstStyle/>
+          <a:p>
+            <a:r>
+              <a:rPr lang="en-IN" dirty="0">
+                <a:solidFill>
+                  <a:srgbClr val="D7BA7D"/>
+                </a:solidFill>
+                <a:latin typeface="Consolas" panose="020B0609020204030204" pitchFamily="49" charset="0"/>
+              </a:rPr>
+              <a:t>h1</a:t>
+            </a:r>
+            <a:r>
+              <a:rPr lang="en-IN" dirty="0">
+                <a:solidFill>
+                  <a:srgbClr val="D4D4D4"/>
+                </a:solidFill>
+                <a:latin typeface="Consolas" panose="020B0609020204030204" pitchFamily="49" charset="0"/>
+              </a:rPr>
+              <a:t> {</a:t>
+            </a:r>
+          </a:p>
+          <a:p>
+            <a:r>
+              <a:rPr lang="en-IN" dirty="0" err="1">
+                <a:solidFill>
+                  <a:srgbClr val="9CDCFE"/>
+                </a:solidFill>
+                <a:latin typeface="Consolas" panose="020B0609020204030204" pitchFamily="49" charset="0"/>
+              </a:rPr>
+              <a:t>color</a:t>
+            </a:r>
+            <a:r>
+              <a:rPr lang="en-IN" dirty="0">
+                <a:solidFill>
+                  <a:srgbClr val="D4D4D4"/>
+                </a:solidFill>
+                <a:latin typeface="Consolas" panose="020B0609020204030204" pitchFamily="49" charset="0"/>
+              </a:rPr>
+              <a:t>: </a:t>
+            </a:r>
+            <a:r>
+              <a:rPr lang="en-IN" dirty="0">
+                <a:solidFill>
+                  <a:srgbClr val="CE9178"/>
+                </a:solidFill>
+                <a:latin typeface="Consolas" panose="020B0609020204030204" pitchFamily="49" charset="0"/>
+              </a:rPr>
+              <a:t>red</a:t>
+            </a:r>
+            <a:r>
+              <a:rPr lang="en-IN" dirty="0">
+                <a:solidFill>
+                  <a:srgbClr val="D4D4D4"/>
+                </a:solidFill>
+                <a:latin typeface="Consolas" panose="020B0609020204030204" pitchFamily="49" charset="0"/>
+              </a:rPr>
+              <a:t>;</a:t>
+            </a:r>
+          </a:p>
+          <a:p>
+            <a:r>
+              <a:rPr lang="en-IN" dirty="0">
+                <a:solidFill>
+                  <a:srgbClr val="D4D4D4"/>
+                </a:solidFill>
+                <a:latin typeface="Consolas" panose="020B0609020204030204" pitchFamily="49" charset="0"/>
+              </a:rPr>
+              <a:t>}</a:t>
+            </a:r>
+            <a:endParaRPr lang="en-IN" b="0" dirty="0">
+              <a:solidFill>
+                <a:srgbClr val="D4D4D4"/>
+              </a:solidFill>
+              <a:effectLst/>
+              <a:latin typeface="Consolas" panose="020B0609020204030204" pitchFamily="49" charset="0"/>
+            </a:endParaRPr>
+          </a:p>
+        </p:txBody>
+      </p:sp>
+      <p:cxnSp>
+        <p:nvCxnSpPr>
+          <p:cNvPr id="11" name="Straight Connector 10"/>
+          <p:cNvCxnSpPr/>
+          <p:nvPr/>
+        </p:nvCxnSpPr>
+        <p:spPr>
+          <a:xfrm>
+            <a:off x="1035424" y="3886199"/>
+            <a:ext cx="10771094" cy="0"/>
+          </a:xfrm>
+          <a:prstGeom prst="line">
+            <a:avLst/>
+          </a:prstGeom>
+          <a:ln>
+            <a:prstDash val="dash"/>
+          </a:ln>
+        </p:spPr>
+        <p:style>
+          <a:lnRef idx="1">
+            <a:schemeClr val="accent1"/>
+          </a:lnRef>
+          <a:fillRef idx="0">
+            <a:schemeClr val="accent1"/>
+          </a:fillRef>
+          <a:effectRef idx="0">
+            <a:schemeClr val="accent1"/>
+          </a:effectRef>
+          <a:fontRef idx="minor">
+            <a:schemeClr val="tx1"/>
+          </a:fontRef>
+        </p:style>
+      </p:cxnSp>
+      <p:cxnSp>
+        <p:nvCxnSpPr>
+          <p:cNvPr id="12" name="Straight Connector 11"/>
+          <p:cNvCxnSpPr/>
+          <p:nvPr/>
+        </p:nvCxnSpPr>
+        <p:spPr>
+          <a:xfrm>
+            <a:off x="1035424" y="5321092"/>
+            <a:ext cx="10771094" cy="0"/>
+          </a:xfrm>
+          <a:prstGeom prst="line">
+            <a:avLst/>
+          </a:prstGeom>
+          <a:ln>
+            <a:prstDash val="dash"/>
+          </a:ln>
+        </p:spPr>
+        <p:style>
+          <a:lnRef idx="1">
+            <a:schemeClr val="accent1"/>
+          </a:lnRef>
+          <a:fillRef idx="0">
+            <a:schemeClr val="accent1"/>
+          </a:fillRef>
+          <a:effectRef idx="0">
+            <a:schemeClr val="accent1"/>
+          </a:effectRef>
+          <a:fontRef idx="minor">
+            <a:schemeClr val="tx1"/>
+          </a:fontRef>
+        </p:style>
+      </p:cxnSp>
+      <p:sp>
+        <p:nvSpPr>
+          <p:cNvPr id="13" name="Content Placeholder 2"/>
+          <p:cNvSpPr>
+            <a:spLocks noGrp="1"/>
+          </p:cNvSpPr>
+          <p:nvPr>
+            <p:ph sz="half" idx="2"/>
+          </p:nvPr>
+        </p:nvSpPr>
+        <p:spPr>
+          <a:xfrm>
+            <a:off x="1035424" y="5812137"/>
+            <a:ext cx="8229600" cy="1205767"/>
+          </a:xfrm>
+        </p:spPr>
+        <p:txBody>
+          <a:bodyPr>
+            <a:normAutofit/>
+          </a:bodyPr>
+          <a:lstStyle/>
+          <a:p>
+            <a:r>
+              <a:rPr lang="en-IN" dirty="0" smtClean="0">
+                <a:solidFill>
+                  <a:schemeClr val="accent6">
+                    <a:lumMod val="75000"/>
+                  </a:schemeClr>
+                </a:solidFill>
+              </a:rPr>
+              <a:t>File path: </a:t>
+            </a:r>
+            <a:r>
+              <a:rPr lang="en-IN" dirty="0" err="1" smtClean="0">
+                <a:solidFill>
+                  <a:schemeClr val="accent6">
+                    <a:lumMod val="75000"/>
+                  </a:schemeClr>
+                </a:solidFill>
+              </a:rPr>
+              <a:t>helloworld</a:t>
+            </a:r>
+            <a:r>
+              <a:rPr lang="en-IN" dirty="0" smtClean="0">
+                <a:solidFill>
+                  <a:schemeClr val="accent6">
+                    <a:lumMod val="75000"/>
+                  </a:schemeClr>
+                </a:solidFill>
+              </a:rPr>
+              <a:t> </a:t>
+            </a:r>
+            <a:r>
+              <a:rPr lang="en-IN" dirty="0" smtClean="0">
+                <a:solidFill>
+                  <a:schemeClr val="accent6">
+                    <a:lumMod val="75000"/>
+                  </a:schemeClr>
+                </a:solidFill>
+                <a:sym typeface="Wingdings" panose="05000000000000000000" pitchFamily="2" charset="2"/>
+              </a:rPr>
+              <a:t></a:t>
+            </a:r>
+            <a:r>
+              <a:rPr lang="en-IN" dirty="0" err="1" smtClean="0">
+                <a:solidFill>
+                  <a:schemeClr val="accent6">
+                    <a:lumMod val="75000"/>
+                  </a:schemeClr>
+                </a:solidFill>
+                <a:sym typeface="Wingdings" panose="05000000000000000000" pitchFamily="2" charset="2"/>
+              </a:rPr>
+              <a:t>srcappapp.component.spec.ts</a:t>
+            </a:r>
+            <a:endParaRPr lang="en-IN" dirty="0" smtClean="0">
+              <a:solidFill>
+                <a:schemeClr val="accent6">
+                  <a:lumMod val="75000"/>
+                </a:schemeClr>
+              </a:solidFill>
+            </a:endParaRPr>
+          </a:p>
+          <a:p>
+            <a:r>
+              <a:rPr lang="en-US" dirty="0"/>
+              <a:t>Unit tests for this component</a:t>
+            </a:r>
+            <a:endParaRPr lang="en-US" dirty="0" smtClean="0"/>
+          </a:p>
+        </p:txBody>
+      </p:sp>
+      <p:sp>
+        <p:nvSpPr>
+          <p:cNvPr id="14" name="Text Placeholder 3"/>
+          <p:cNvSpPr>
+            <a:spLocks noGrp="1"/>
+          </p:cNvSpPr>
+          <p:nvPr>
+            <p:ph type="body" idx="1"/>
+          </p:nvPr>
+        </p:nvSpPr>
+        <p:spPr>
+          <a:xfrm>
+            <a:off x="1035424" y="5235875"/>
+            <a:ext cx="4825157" cy="576262"/>
+          </a:xfrm>
+        </p:spPr>
+        <p:txBody>
+          <a:bodyPr/>
+          <a:lstStyle/>
+          <a:p>
+            <a:r>
+              <a:rPr lang="en-US" dirty="0" err="1"/>
+              <a:t>app.component.spec.ts</a:t>
+            </a:r>
+            <a:r>
+              <a:rPr lang="en-US" dirty="0"/>
+              <a:t> </a:t>
+            </a:r>
+            <a:endParaRPr lang="en-IN" dirty="0"/>
+          </a:p>
+        </p:txBody>
+      </p:sp>
+    </p:spTree>
+    <p:extLst>
+      <p:ext uri="{BB962C8B-B14F-4D97-AF65-F5344CB8AC3E}">
+        <p14:creationId xmlns:p14="http://schemas.microsoft.com/office/powerpoint/2010/main" val="3264178447"/>
+      </p:ext>
+    </p:extLst>
+  </p:cSld>
+  <p:clrMapOvr>
+    <a:masterClrMapping/>
+  </p:clrMapOvr>
+  <p:timing>
+    <p:tnLst>
+      <p:par>
+        <p:cTn id="1" dur="indefinite" restart="never" nodeType="tmRoot"/>
+      </p:par>
+    </p:tnLst>
+  </p:timing>
+</p:sld>
+</file>
+
+<file path=ppt/slides/slide27.xml><?xml version="1.0" encoding="utf-8"?>
+<p:sld xmlns:a="http://schemas.openxmlformats.org/drawingml/2006/main" xmlns:r="http://schemas.openxmlformats.org/officeDocument/2006/relationships" xmlns:p="http://schemas.openxmlformats.org/presentationml/2006/main">
+  <p:cSld>
+    <p:spTree>
+      <p:nvGrpSpPr>
+        <p:cNvPr id="1" name=""/>
+        <p:cNvGrpSpPr/>
+        <p:nvPr/>
+      </p:nvGrpSpPr>
+      <p:grpSpPr>
+        <a:xfrm>
+          <a:off x="0" y="0"/>
+          <a:ext cx="0" cy="0"/>
+          <a:chOff x="0" y="0"/>
+          <a:chExt cx="0" cy="0"/>
+        </a:xfrm>
+      </p:grpSpPr>
+      <p:sp>
+        <p:nvSpPr>
+          <p:cNvPr id="4" name="Title 3"/>
+          <p:cNvSpPr>
+            <a:spLocks noGrp="1"/>
+          </p:cNvSpPr>
+          <p:nvPr>
+            <p:ph type="title"/>
+          </p:nvPr>
+        </p:nvSpPr>
+        <p:spPr>
+          <a:xfrm>
+            <a:off x="1024467" y="753035"/>
+            <a:ext cx="10146186" cy="705077"/>
+          </a:xfrm>
+        </p:spPr>
+        <p:txBody>
+          <a:bodyPr/>
+          <a:lstStyle/>
+          <a:p>
+            <a:r>
+              <a:rPr lang="en-IN" b="1" dirty="0" smtClean="0"/>
+              <a:t>Chapter </a:t>
+            </a:r>
+            <a:r>
+              <a:rPr lang="en-IN" b="1" dirty="0" smtClean="0"/>
+              <a:t>5</a:t>
+            </a:r>
+            <a:r>
+              <a:rPr lang="en-IN" b="1" dirty="0" smtClean="0"/>
+              <a:t> </a:t>
+            </a:r>
+            <a:r>
+              <a:rPr lang="en-IN" b="1" dirty="0" smtClean="0"/>
+              <a:t>: </a:t>
+            </a:r>
+            <a:r>
+              <a:rPr lang="en-IN" b="1" dirty="0" smtClean="0"/>
+              <a:t>Application Flow</a:t>
+            </a:r>
+            <a:endParaRPr lang="en-IN" b="1" dirty="0"/>
+          </a:p>
+        </p:txBody>
+      </p:sp>
+      <p:sp>
+        <p:nvSpPr>
+          <p:cNvPr id="5" name="Text Placeholder 4"/>
+          <p:cNvSpPr>
+            <a:spLocks noGrp="1"/>
+          </p:cNvSpPr>
+          <p:nvPr>
+            <p:ph type="body" idx="1"/>
+          </p:nvPr>
+        </p:nvSpPr>
+        <p:spPr>
+          <a:xfrm>
+            <a:off x="1024467" y="1613647"/>
+            <a:ext cx="10144654" cy="3034553"/>
+          </a:xfrm>
+        </p:spPr>
+        <p:txBody>
+          <a:bodyPr>
+            <a:noAutofit/>
+          </a:bodyPr>
+          <a:lstStyle/>
+          <a:p>
+            <a:pPr marL="342900" indent="-342900">
+              <a:buFont typeface="Wingdings 3" charset="2"/>
+              <a:buAutoNum type="arabicPeriod"/>
+            </a:pPr>
+            <a:endParaRPr lang="en-IN" sz="2000" dirty="0"/>
+          </a:p>
+        </p:txBody>
+      </p:sp>
+    </p:spTree>
+    <p:extLst>
+      <p:ext uri="{BB962C8B-B14F-4D97-AF65-F5344CB8AC3E}">
+        <p14:creationId xmlns:p14="http://schemas.microsoft.com/office/powerpoint/2010/main" val="1612656136"/>
+      </p:ext>
+    </p:extLst>
+  </p:cSld>
+  <p:clrMapOvr>
+    <a:masterClrMapping/>
+  </p:clrMapOvr>
+  <p:timing>
+    <p:tnLst>
+      <p:par>
+        <p:cTn id="1" dur="indefinite" restart="never" nodeType="tmRoot"/>
+      </p:par>
+    </p:tnLst>
+  </p:timing>
+</p:sld>
+</file>
+
+<file path=ppt/slides/slide28.xml><?xml version="1.0" encoding="utf-8"?>
+<p:sld xmlns:a="http://schemas.openxmlformats.org/drawingml/2006/main" xmlns:r="http://schemas.openxmlformats.org/officeDocument/2006/relationships" xmlns:p="http://schemas.openxmlformats.org/presentationml/2006/main">
+  <p:cSld>
+    <p:spTree>
+      <p:nvGrpSpPr>
+        <p:cNvPr id="1" name=""/>
+        <p:cNvGrpSpPr/>
+        <p:nvPr/>
+      </p:nvGrpSpPr>
+      <p:grpSpPr>
+        <a:xfrm>
+          <a:off x="0" y="0"/>
+          <a:ext cx="0" cy="0"/>
+          <a:chOff x="0" y="0"/>
+          <a:chExt cx="0" cy="0"/>
+        </a:xfrm>
+      </p:grpSpPr>
+      <p:sp>
+        <p:nvSpPr>
+          <p:cNvPr id="16" name="Rectangle 15"/>
+          <p:cNvSpPr/>
+          <p:nvPr/>
+        </p:nvSpPr>
+        <p:spPr>
+          <a:xfrm>
+            <a:off x="3464113" y="2355110"/>
+            <a:ext cx="3375911" cy="2885638"/>
+          </a:xfrm>
+          <a:prstGeom prst="rect">
+            <a:avLst/>
+          </a:prstGeom>
+          <a:solidFill>
+            <a:schemeClr val="accent3">
+              <a:lumMod val="20000"/>
+              <a:lumOff val="80000"/>
+            </a:schemeClr>
+          </a:solidFill>
+          <a:ln>
+            <a:solidFill>
+              <a:schemeClr val="accent4">
+                <a:lumMod val="60000"/>
+                <a:lumOff val="40000"/>
+              </a:schemeClr>
+            </a:solidFill>
+          </a:ln>
+        </p:spPr>
+        <p:style>
+          <a:lnRef idx="2">
+            <a:schemeClr val="accent1">
+              <a:shade val="50000"/>
+            </a:schemeClr>
+          </a:lnRef>
+          <a:fillRef idx="1">
+            <a:schemeClr val="accent1"/>
+          </a:fillRef>
+          <a:effectRef idx="0">
+            <a:schemeClr val="accent1"/>
+          </a:effectRef>
+          <a:fontRef idx="minor">
+            <a:schemeClr val="lt1"/>
+          </a:fontRef>
+        </p:style>
+        <p:txBody>
+          <a:bodyPr rtlCol="0" anchor="ctr"/>
+          <a:lstStyle/>
+          <a:p>
+            <a:pPr algn="ctr"/>
+            <a:endParaRPr lang="en-IN"/>
+          </a:p>
+        </p:txBody>
+      </p:sp>
+      <p:sp>
+        <p:nvSpPr>
+          <p:cNvPr id="6" name="Rectangle 5"/>
+          <p:cNvSpPr/>
+          <p:nvPr/>
+        </p:nvSpPr>
+        <p:spPr>
+          <a:xfrm>
+            <a:off x="445247" y="2355110"/>
+            <a:ext cx="2608729" cy="4222376"/>
+          </a:xfrm>
+          <a:prstGeom prst="rect">
+            <a:avLst/>
+          </a:prstGeom>
+          <a:solidFill>
+            <a:schemeClr val="accent6">
+              <a:lumMod val="20000"/>
+              <a:lumOff val="80000"/>
+            </a:schemeClr>
+          </a:solidFill>
+          <a:ln>
+            <a:solidFill>
+              <a:schemeClr val="accent6">
+                <a:lumMod val="60000"/>
+                <a:lumOff val="40000"/>
+              </a:schemeClr>
+            </a:solidFill>
+          </a:ln>
+        </p:spPr>
+        <p:style>
+          <a:lnRef idx="2">
+            <a:schemeClr val="accent1">
+              <a:shade val="50000"/>
+            </a:schemeClr>
+          </a:lnRef>
+          <a:fillRef idx="1">
+            <a:schemeClr val="accent1"/>
+          </a:fillRef>
+          <a:effectRef idx="0">
+            <a:schemeClr val="accent1"/>
+          </a:effectRef>
+          <a:fontRef idx="minor">
+            <a:schemeClr val="lt1"/>
+          </a:fontRef>
+        </p:style>
+        <p:txBody>
+          <a:bodyPr rtlCol="0" anchor="ctr"/>
+          <a:lstStyle/>
+          <a:p>
+            <a:pPr algn="ctr"/>
+            <a:endParaRPr lang="en-IN"/>
+          </a:p>
+        </p:txBody>
+      </p:sp>
+      <p:sp>
+        <p:nvSpPr>
+          <p:cNvPr id="2" name="Title 1"/>
+          <p:cNvSpPr>
+            <a:spLocks noGrp="1"/>
+          </p:cNvSpPr>
+          <p:nvPr>
+            <p:ph type="title"/>
+          </p:nvPr>
+        </p:nvSpPr>
+        <p:spPr/>
+        <p:txBody>
+          <a:bodyPr/>
+          <a:lstStyle/>
+          <a:p>
+            <a:r>
+              <a:rPr lang="en-IN" b="1" dirty="0"/>
+              <a:t>Application Flow</a:t>
+            </a:r>
+            <a:endParaRPr lang="en-IN" b="1" dirty="0"/>
+          </a:p>
+        </p:txBody>
+      </p:sp>
+      <p:pic>
+        <p:nvPicPr>
+          <p:cNvPr id="3" name="Picture 2"/>
+          <p:cNvPicPr>
+            <a:picLocks noChangeAspect="1"/>
+          </p:cNvPicPr>
+          <p:nvPr/>
+        </p:nvPicPr>
+        <p:blipFill>
+          <a:blip r:embed="rId2">
+            <a:extLst>
+              <a:ext uri="{28A0092B-C50C-407E-A947-70E740481C1C}">
+                <a14:useLocalDpi xmlns:a14="http://schemas.microsoft.com/office/drawing/2010/main" val="0"/>
+              </a:ext>
+            </a:extLst>
+          </a:blip>
+          <a:stretch>
+            <a:fillRect/>
+          </a:stretch>
+        </p:blipFill>
+        <p:spPr>
+          <a:xfrm>
+            <a:off x="1154954" y="2866349"/>
+            <a:ext cx="941293" cy="941293"/>
+          </a:xfrm>
+          <a:prstGeom prst="rect">
+            <a:avLst/>
+          </a:prstGeom>
+        </p:spPr>
+      </p:pic>
+      <p:sp>
+        <p:nvSpPr>
+          <p:cNvPr id="5" name="TextBox 4"/>
+          <p:cNvSpPr txBox="1"/>
+          <p:nvPr/>
+        </p:nvSpPr>
+        <p:spPr>
+          <a:xfrm>
+            <a:off x="744817" y="3782872"/>
+            <a:ext cx="1761565" cy="276999"/>
+          </a:xfrm>
+          <a:prstGeom prst="rect">
+            <a:avLst/>
+          </a:prstGeom>
+          <a:noFill/>
+        </p:spPr>
+        <p:txBody>
+          <a:bodyPr wrap="square" rtlCol="0">
+            <a:spAutoFit/>
+          </a:bodyPr>
+          <a:lstStyle/>
+          <a:p>
+            <a:r>
+              <a:rPr lang="en-IN" sz="1200" b="1" dirty="0" smtClean="0">
+                <a:solidFill>
+                  <a:schemeClr val="accent6">
+                    <a:lumMod val="50000"/>
+                  </a:schemeClr>
+                </a:solidFill>
+              </a:rPr>
+              <a:t>http://localhost:4200</a:t>
+            </a:r>
+            <a:endParaRPr lang="en-IN" sz="1200" b="1" dirty="0">
+              <a:solidFill>
+                <a:schemeClr val="accent6">
+                  <a:lumMod val="50000"/>
+                </a:schemeClr>
+              </a:solidFill>
+            </a:endParaRPr>
+          </a:p>
+        </p:txBody>
+      </p:sp>
+      <p:sp>
+        <p:nvSpPr>
+          <p:cNvPr id="7" name="TextBox 6"/>
+          <p:cNvSpPr txBox="1"/>
+          <p:nvPr/>
+        </p:nvSpPr>
+        <p:spPr>
+          <a:xfrm>
+            <a:off x="445247" y="2355110"/>
+            <a:ext cx="2608729" cy="376518"/>
+          </a:xfrm>
+          <a:prstGeom prst="rect">
+            <a:avLst/>
+          </a:prstGeom>
+          <a:noFill/>
+        </p:spPr>
+        <p:txBody>
+          <a:bodyPr wrap="square" rtlCol="0">
+            <a:spAutoFit/>
+          </a:bodyPr>
+          <a:lstStyle/>
+          <a:p>
+            <a:pPr algn="ctr"/>
+            <a:r>
+              <a:rPr lang="en-IN" b="1" dirty="0" smtClean="0"/>
+              <a:t>Browser</a:t>
+            </a:r>
+            <a:endParaRPr lang="en-IN" b="1" dirty="0"/>
+          </a:p>
+        </p:txBody>
+      </p:sp>
+      <p:sp>
+        <p:nvSpPr>
+          <p:cNvPr id="17" name="Rectangle 16"/>
+          <p:cNvSpPr/>
+          <p:nvPr/>
+        </p:nvSpPr>
+        <p:spPr>
+          <a:xfrm>
+            <a:off x="7422777" y="2355110"/>
+            <a:ext cx="4303058" cy="4222376"/>
+          </a:xfrm>
+          <a:prstGeom prst="rect">
+            <a:avLst/>
+          </a:prstGeom>
+          <a:solidFill>
+            <a:schemeClr val="accent1">
+              <a:lumMod val="20000"/>
+              <a:lumOff val="80000"/>
+            </a:schemeClr>
+          </a:solidFill>
+          <a:ln>
+            <a:solidFill>
+              <a:schemeClr val="accent1">
+                <a:lumMod val="40000"/>
+                <a:lumOff val="60000"/>
+              </a:schemeClr>
+            </a:solidFill>
+          </a:ln>
+        </p:spPr>
+        <p:style>
+          <a:lnRef idx="2">
+            <a:schemeClr val="accent1">
+              <a:shade val="50000"/>
+            </a:schemeClr>
+          </a:lnRef>
+          <a:fillRef idx="1">
+            <a:schemeClr val="accent1"/>
+          </a:fillRef>
+          <a:effectRef idx="0">
+            <a:schemeClr val="accent1"/>
+          </a:effectRef>
+          <a:fontRef idx="minor">
+            <a:schemeClr val="lt1"/>
+          </a:fontRef>
+        </p:style>
+        <p:txBody>
+          <a:bodyPr rtlCol="0" anchor="ctr"/>
+          <a:lstStyle/>
+          <a:p>
+            <a:pPr algn="ctr"/>
+            <a:endParaRPr lang="en-IN"/>
+          </a:p>
+        </p:txBody>
+      </p:sp>
+      <p:sp>
+        <p:nvSpPr>
+          <p:cNvPr id="18" name="TextBox 17"/>
+          <p:cNvSpPr txBox="1"/>
+          <p:nvPr/>
+        </p:nvSpPr>
+        <p:spPr>
+          <a:xfrm>
+            <a:off x="7536079" y="2362296"/>
+            <a:ext cx="2725764" cy="369332"/>
+          </a:xfrm>
+          <a:prstGeom prst="rect">
+            <a:avLst/>
+          </a:prstGeom>
+          <a:noFill/>
+        </p:spPr>
+        <p:txBody>
+          <a:bodyPr wrap="square" rtlCol="0">
+            <a:spAutoFit/>
+          </a:bodyPr>
+          <a:lstStyle/>
+          <a:p>
+            <a:pPr algn="ctr"/>
+            <a:r>
+              <a:rPr lang="en-IN" b="1" dirty="0" smtClean="0"/>
+              <a:t>App Module Files</a:t>
+            </a:r>
+            <a:endParaRPr lang="en-IN" b="1" dirty="0"/>
+          </a:p>
+        </p:txBody>
+      </p:sp>
+      <p:sp>
+        <p:nvSpPr>
+          <p:cNvPr id="27" name="TextBox 26"/>
+          <p:cNvSpPr txBox="1"/>
+          <p:nvPr/>
+        </p:nvSpPr>
+        <p:spPr>
+          <a:xfrm>
+            <a:off x="3553190" y="2387315"/>
+            <a:ext cx="3135185" cy="376518"/>
+          </a:xfrm>
+          <a:prstGeom prst="rect">
+            <a:avLst/>
+          </a:prstGeom>
+          <a:noFill/>
+        </p:spPr>
+        <p:txBody>
+          <a:bodyPr wrap="square" rtlCol="0">
+            <a:spAutoFit/>
+          </a:bodyPr>
+          <a:lstStyle/>
+          <a:p>
+            <a:pPr algn="ctr"/>
+            <a:r>
+              <a:rPr lang="en-IN" b="1" dirty="0" smtClean="0"/>
+              <a:t>Common Files</a:t>
+            </a:r>
+            <a:endParaRPr lang="en-IN" b="1" dirty="0"/>
+          </a:p>
+        </p:txBody>
+      </p:sp>
+      <p:sp>
+        <p:nvSpPr>
+          <p:cNvPr id="28" name="TextBox 27"/>
+          <p:cNvSpPr txBox="1"/>
+          <p:nvPr/>
+        </p:nvSpPr>
+        <p:spPr>
+          <a:xfrm>
+            <a:off x="3464113" y="3627076"/>
+            <a:ext cx="1094440" cy="308753"/>
+          </a:xfrm>
+          <a:prstGeom prst="rect">
+            <a:avLst/>
+          </a:prstGeom>
+          <a:noFill/>
+        </p:spPr>
+        <p:txBody>
+          <a:bodyPr wrap="square" rtlCol="0">
+            <a:spAutoFit/>
+          </a:bodyPr>
+          <a:lstStyle/>
+          <a:p>
+            <a:pPr algn="ctr"/>
+            <a:r>
+              <a:rPr lang="en-IN" sz="1400" b="1" dirty="0" smtClean="0">
+                <a:solidFill>
+                  <a:schemeClr val="accent4">
+                    <a:lumMod val="75000"/>
+                  </a:schemeClr>
+                </a:solidFill>
+              </a:rPr>
+              <a:t>Index.html</a:t>
+            </a:r>
+            <a:endParaRPr lang="en-IN" sz="1400" b="1" dirty="0">
+              <a:solidFill>
+                <a:schemeClr val="accent4">
+                  <a:lumMod val="75000"/>
+                </a:schemeClr>
+              </a:solidFill>
+            </a:endParaRPr>
+          </a:p>
+        </p:txBody>
+      </p:sp>
+      <p:pic>
+        <p:nvPicPr>
+          <p:cNvPr id="8" name="Picture 7"/>
+          <p:cNvPicPr>
+            <a:picLocks noChangeAspect="1"/>
+          </p:cNvPicPr>
+          <p:nvPr/>
+        </p:nvPicPr>
+        <p:blipFill>
+          <a:blip r:embed="rId3"/>
+          <a:stretch>
+            <a:fillRect/>
+          </a:stretch>
+        </p:blipFill>
+        <p:spPr>
+          <a:xfrm>
+            <a:off x="3567112" y="2763833"/>
+            <a:ext cx="3121263" cy="909345"/>
+          </a:xfrm>
+          <a:prstGeom prst="rect">
+            <a:avLst/>
+          </a:prstGeom>
+        </p:spPr>
+      </p:pic>
+      <p:pic>
+        <p:nvPicPr>
+          <p:cNvPr id="9" name="Picture 8"/>
+          <p:cNvPicPr>
+            <a:picLocks noChangeAspect="1"/>
+          </p:cNvPicPr>
+          <p:nvPr/>
+        </p:nvPicPr>
+        <p:blipFill>
+          <a:blip r:embed="rId4"/>
+          <a:stretch>
+            <a:fillRect/>
+          </a:stretch>
+        </p:blipFill>
+        <p:spPr>
+          <a:xfrm>
+            <a:off x="9699323" y="4085299"/>
+            <a:ext cx="1871869" cy="1781503"/>
+          </a:xfrm>
+          <a:prstGeom prst="rect">
+            <a:avLst/>
+          </a:prstGeom>
+        </p:spPr>
+      </p:pic>
+      <p:sp>
+        <p:nvSpPr>
+          <p:cNvPr id="29" name="TextBox 28"/>
+          <p:cNvSpPr txBox="1"/>
+          <p:nvPr/>
+        </p:nvSpPr>
+        <p:spPr>
+          <a:xfrm>
+            <a:off x="9754474" y="5866802"/>
+            <a:ext cx="1761565" cy="307777"/>
+          </a:xfrm>
+          <a:prstGeom prst="rect">
+            <a:avLst/>
+          </a:prstGeom>
+          <a:noFill/>
+        </p:spPr>
+        <p:txBody>
+          <a:bodyPr wrap="square" rtlCol="0">
+            <a:spAutoFit/>
+          </a:bodyPr>
+          <a:lstStyle/>
+          <a:p>
+            <a:r>
+              <a:rPr lang="en-IN" sz="1400" b="1" dirty="0" err="1">
+                <a:solidFill>
+                  <a:schemeClr val="accent2">
+                    <a:lumMod val="75000"/>
+                  </a:schemeClr>
+                </a:solidFill>
+              </a:rPr>
+              <a:t>app.module.ts</a:t>
+            </a:r>
+            <a:endParaRPr lang="en-IN" sz="1400" b="1" dirty="0">
+              <a:solidFill>
+                <a:schemeClr val="accent2">
+                  <a:lumMod val="75000"/>
+                </a:schemeClr>
+              </a:solidFill>
+            </a:endParaRPr>
+          </a:p>
+        </p:txBody>
+      </p:sp>
+      <p:sp>
+        <p:nvSpPr>
+          <p:cNvPr id="10" name="Rectangle 9"/>
+          <p:cNvSpPr/>
+          <p:nvPr/>
+        </p:nvSpPr>
+        <p:spPr>
+          <a:xfrm>
+            <a:off x="10543031" y="5493685"/>
+            <a:ext cx="915605" cy="203468"/>
+          </a:xfrm>
+          <a:prstGeom prst="rect">
+            <a:avLst/>
+          </a:prstGeom>
+          <a:noFill/>
+          <a:ln w="28575">
+            <a:solidFill>
+              <a:srgbClr val="FFFF00"/>
+            </a:solidFill>
+          </a:ln>
+        </p:spPr>
+        <p:style>
+          <a:lnRef idx="2">
+            <a:schemeClr val="accent1">
+              <a:shade val="50000"/>
+            </a:schemeClr>
+          </a:lnRef>
+          <a:fillRef idx="1">
+            <a:schemeClr val="accent1"/>
+          </a:fillRef>
+          <a:effectRef idx="0">
+            <a:schemeClr val="accent1"/>
+          </a:effectRef>
+          <a:fontRef idx="minor">
+            <a:schemeClr val="lt1"/>
+          </a:fontRef>
+        </p:style>
+        <p:txBody>
+          <a:bodyPr rtlCol="0" anchor="ctr"/>
+          <a:lstStyle/>
+          <a:p>
+            <a:pPr algn="ctr"/>
+            <a:endParaRPr lang="en-IN"/>
+          </a:p>
+        </p:txBody>
+      </p:sp>
+      <p:pic>
+        <p:nvPicPr>
+          <p:cNvPr id="11" name="Picture 10"/>
+          <p:cNvPicPr>
+            <a:picLocks noChangeAspect="1"/>
+          </p:cNvPicPr>
+          <p:nvPr/>
+        </p:nvPicPr>
+        <p:blipFill>
+          <a:blip r:embed="rId5"/>
+          <a:stretch>
+            <a:fillRect/>
+          </a:stretch>
+        </p:blipFill>
+        <p:spPr>
+          <a:xfrm>
+            <a:off x="7536079" y="2805337"/>
+            <a:ext cx="2585686" cy="829735"/>
+          </a:xfrm>
+          <a:prstGeom prst="rect">
+            <a:avLst/>
+          </a:prstGeom>
+        </p:spPr>
+      </p:pic>
+      <p:sp>
+        <p:nvSpPr>
+          <p:cNvPr id="30" name="TextBox 29"/>
+          <p:cNvSpPr txBox="1"/>
+          <p:nvPr/>
+        </p:nvSpPr>
+        <p:spPr>
+          <a:xfrm>
+            <a:off x="7482317" y="3581020"/>
+            <a:ext cx="1984319" cy="307777"/>
+          </a:xfrm>
+          <a:prstGeom prst="rect">
+            <a:avLst/>
+          </a:prstGeom>
+          <a:noFill/>
+        </p:spPr>
+        <p:txBody>
+          <a:bodyPr wrap="square" rtlCol="0">
+            <a:spAutoFit/>
+          </a:bodyPr>
+          <a:lstStyle/>
+          <a:p>
+            <a:r>
+              <a:rPr lang="en-IN" sz="1400" b="1" dirty="0" err="1" smtClean="0">
+                <a:solidFill>
+                  <a:schemeClr val="accent2">
+                    <a:lumMod val="75000"/>
+                  </a:schemeClr>
+                </a:solidFill>
+              </a:rPr>
+              <a:t>app.components.ts</a:t>
+            </a:r>
+            <a:endParaRPr lang="en-IN" sz="1400" b="1" dirty="0">
+              <a:solidFill>
+                <a:schemeClr val="accent2">
+                  <a:lumMod val="75000"/>
+                </a:schemeClr>
+              </a:solidFill>
+            </a:endParaRPr>
+          </a:p>
+        </p:txBody>
+      </p:sp>
+      <p:pic>
+        <p:nvPicPr>
+          <p:cNvPr id="14" name="Picture 13"/>
+          <p:cNvPicPr>
+            <a:picLocks noChangeAspect="1"/>
+          </p:cNvPicPr>
+          <p:nvPr/>
+        </p:nvPicPr>
+        <p:blipFill>
+          <a:blip r:embed="rId6"/>
+          <a:stretch>
+            <a:fillRect/>
+          </a:stretch>
+        </p:blipFill>
+        <p:spPr>
+          <a:xfrm>
+            <a:off x="3521888" y="4092303"/>
+            <a:ext cx="3211710" cy="698966"/>
+          </a:xfrm>
+          <a:prstGeom prst="rect">
+            <a:avLst/>
+          </a:prstGeom>
+        </p:spPr>
+      </p:pic>
+      <p:sp>
+        <p:nvSpPr>
+          <p:cNvPr id="31" name="Rectangle 30"/>
+          <p:cNvSpPr/>
+          <p:nvPr/>
+        </p:nvSpPr>
+        <p:spPr>
+          <a:xfrm>
+            <a:off x="4872719" y="4320052"/>
+            <a:ext cx="915605" cy="203468"/>
+          </a:xfrm>
+          <a:prstGeom prst="rect">
+            <a:avLst/>
+          </a:prstGeom>
+          <a:noFill/>
+          <a:ln w="28575">
+            <a:solidFill>
+              <a:srgbClr val="FFFF00"/>
+            </a:solidFill>
+          </a:ln>
+        </p:spPr>
+        <p:style>
+          <a:lnRef idx="2">
+            <a:schemeClr val="accent1">
+              <a:shade val="50000"/>
+            </a:schemeClr>
+          </a:lnRef>
+          <a:fillRef idx="1">
+            <a:schemeClr val="accent1"/>
+          </a:fillRef>
+          <a:effectRef idx="0">
+            <a:schemeClr val="accent1"/>
+          </a:effectRef>
+          <a:fontRef idx="minor">
+            <a:schemeClr val="lt1"/>
+          </a:fontRef>
+        </p:style>
+        <p:txBody>
+          <a:bodyPr rtlCol="0" anchor="ctr"/>
+          <a:lstStyle/>
+          <a:p>
+            <a:pPr algn="ctr"/>
+            <a:endParaRPr lang="en-IN"/>
+          </a:p>
+        </p:txBody>
+      </p:sp>
+      <p:sp>
+        <p:nvSpPr>
+          <p:cNvPr id="32" name="TextBox 31"/>
+          <p:cNvSpPr txBox="1"/>
+          <p:nvPr/>
+        </p:nvSpPr>
+        <p:spPr>
+          <a:xfrm>
+            <a:off x="3367245" y="4727099"/>
+            <a:ext cx="972719" cy="307777"/>
+          </a:xfrm>
+          <a:prstGeom prst="rect">
+            <a:avLst/>
+          </a:prstGeom>
+          <a:noFill/>
+        </p:spPr>
+        <p:txBody>
+          <a:bodyPr wrap="square" rtlCol="0">
+            <a:spAutoFit/>
+          </a:bodyPr>
+          <a:lstStyle/>
+          <a:p>
+            <a:pPr algn="ctr"/>
+            <a:r>
+              <a:rPr lang="en-IN" sz="1400" b="1" dirty="0" err="1" smtClean="0">
+                <a:solidFill>
+                  <a:schemeClr val="accent4">
+                    <a:lumMod val="75000"/>
+                  </a:schemeClr>
+                </a:solidFill>
+              </a:rPr>
+              <a:t>main.ts</a:t>
+            </a:r>
+            <a:endParaRPr lang="en-IN" sz="1400" b="1" dirty="0">
+              <a:solidFill>
+                <a:schemeClr val="accent4">
+                  <a:lumMod val="75000"/>
+                </a:schemeClr>
+              </a:solidFill>
+            </a:endParaRPr>
+          </a:p>
+        </p:txBody>
+      </p:sp>
+      <p:cxnSp>
+        <p:nvCxnSpPr>
+          <p:cNvPr id="33" name="Straight Arrow Connector 32"/>
+          <p:cNvCxnSpPr/>
+          <p:nvPr/>
+        </p:nvCxnSpPr>
+        <p:spPr>
+          <a:xfrm flipV="1">
+            <a:off x="2100828" y="3230592"/>
+            <a:ext cx="1452361" cy="106404"/>
+          </a:xfrm>
+          <a:prstGeom prst="straightConnector1">
+            <a:avLst/>
+          </a:prstGeom>
+          <a:ln w="28575">
+            <a:solidFill>
+              <a:schemeClr val="tx1">
+                <a:lumMod val="95000"/>
+                <a:lumOff val="5000"/>
+              </a:schemeClr>
+            </a:solidFill>
+            <a:tailEnd type="triangle"/>
+          </a:ln>
+        </p:spPr>
+        <p:style>
+          <a:lnRef idx="1">
+            <a:schemeClr val="accent1"/>
+          </a:lnRef>
+          <a:fillRef idx="0">
+            <a:schemeClr val="accent1"/>
+          </a:fillRef>
+          <a:effectRef idx="0">
+            <a:schemeClr val="accent1"/>
+          </a:effectRef>
+          <a:fontRef idx="minor">
+            <a:schemeClr val="tx1"/>
+          </a:fontRef>
+        </p:style>
+      </p:cxnSp>
+      <p:cxnSp>
+        <p:nvCxnSpPr>
+          <p:cNvPr id="36" name="Straight Arrow Connector 35"/>
+          <p:cNvCxnSpPr>
+            <a:endCxn id="11" idx="1"/>
+          </p:cNvCxnSpPr>
+          <p:nvPr/>
+        </p:nvCxnSpPr>
+        <p:spPr>
+          <a:xfrm>
+            <a:off x="6688375" y="3218505"/>
+            <a:ext cx="847704" cy="1700"/>
+          </a:xfrm>
+          <a:prstGeom prst="straightConnector1">
+            <a:avLst/>
+          </a:prstGeom>
+          <a:ln w="28575">
+            <a:solidFill>
+              <a:schemeClr val="tx1">
+                <a:lumMod val="95000"/>
+                <a:lumOff val="5000"/>
+              </a:schemeClr>
+            </a:solidFill>
+            <a:tailEnd type="triangle"/>
+          </a:ln>
+        </p:spPr>
+        <p:style>
+          <a:lnRef idx="1">
+            <a:schemeClr val="accent1"/>
+          </a:lnRef>
+          <a:fillRef idx="0">
+            <a:schemeClr val="accent1"/>
+          </a:fillRef>
+          <a:effectRef idx="0">
+            <a:schemeClr val="accent1"/>
+          </a:effectRef>
+          <a:fontRef idx="minor">
+            <a:schemeClr val="tx1"/>
+          </a:fontRef>
+        </p:style>
+      </p:cxnSp>
+      <p:cxnSp>
+        <p:nvCxnSpPr>
+          <p:cNvPr id="38" name="Elbow Connector 37"/>
+          <p:cNvCxnSpPr>
+            <a:endCxn id="9" idx="0"/>
+          </p:cNvCxnSpPr>
+          <p:nvPr/>
+        </p:nvCxnSpPr>
+        <p:spPr>
+          <a:xfrm rot="16200000" flipH="1">
+            <a:off x="9945114" y="3395155"/>
+            <a:ext cx="866794" cy="513493"/>
+          </a:xfrm>
+          <a:prstGeom prst="bentConnector3">
+            <a:avLst>
+              <a:gd name="adj1" fmla="val 356"/>
+            </a:avLst>
+          </a:prstGeom>
+          <a:ln w="28575">
+            <a:solidFill>
+              <a:schemeClr val="accent5">
+                <a:lumMod val="75000"/>
+              </a:schemeClr>
+            </a:solidFill>
+            <a:prstDash val="dash"/>
+            <a:tailEnd type="triangle"/>
+          </a:ln>
+        </p:spPr>
+        <p:style>
+          <a:lnRef idx="1">
+            <a:schemeClr val="accent1"/>
+          </a:lnRef>
+          <a:fillRef idx="0">
+            <a:schemeClr val="accent1"/>
+          </a:fillRef>
+          <a:effectRef idx="0">
+            <a:schemeClr val="accent1"/>
+          </a:effectRef>
+          <a:fontRef idx="minor">
+            <a:schemeClr val="tx1"/>
+          </a:fontRef>
+        </p:style>
+      </p:cxnSp>
+      <p:cxnSp>
+        <p:nvCxnSpPr>
+          <p:cNvPr id="40" name="Straight Arrow Connector 39"/>
+          <p:cNvCxnSpPr>
+            <a:endCxn id="9" idx="1"/>
+          </p:cNvCxnSpPr>
+          <p:nvPr/>
+        </p:nvCxnSpPr>
+        <p:spPr>
+          <a:xfrm>
+            <a:off x="6733598" y="4420086"/>
+            <a:ext cx="2965725" cy="555965"/>
+          </a:xfrm>
+          <a:prstGeom prst="straightConnector1">
+            <a:avLst/>
+          </a:prstGeom>
+          <a:ln w="28575">
+            <a:solidFill>
+              <a:schemeClr val="accent5">
+                <a:lumMod val="75000"/>
+              </a:schemeClr>
+            </a:solidFill>
+            <a:prstDash val="dash"/>
+            <a:tailEnd type="triangle"/>
+          </a:ln>
+        </p:spPr>
+        <p:style>
+          <a:lnRef idx="1">
+            <a:schemeClr val="accent1"/>
+          </a:lnRef>
+          <a:fillRef idx="0">
+            <a:schemeClr val="accent1"/>
+          </a:fillRef>
+          <a:effectRef idx="0">
+            <a:schemeClr val="accent1"/>
+          </a:effectRef>
+          <a:fontRef idx="minor">
+            <a:schemeClr val="tx1"/>
+          </a:fontRef>
+        </p:style>
+      </p:cxnSp>
+      <p:pic>
+        <p:nvPicPr>
+          <p:cNvPr id="42" name="Picture 41"/>
+          <p:cNvPicPr>
+            <a:picLocks noChangeAspect="1"/>
+          </p:cNvPicPr>
+          <p:nvPr/>
+        </p:nvPicPr>
+        <p:blipFill>
+          <a:blip r:embed="rId7"/>
+          <a:stretch>
+            <a:fillRect/>
+          </a:stretch>
+        </p:blipFill>
+        <p:spPr>
+          <a:xfrm>
+            <a:off x="7521008" y="5112462"/>
+            <a:ext cx="2112345" cy="664306"/>
+          </a:xfrm>
+          <a:prstGeom prst="rect">
+            <a:avLst/>
+          </a:prstGeom>
+        </p:spPr>
+      </p:pic>
+      <p:cxnSp>
+        <p:nvCxnSpPr>
+          <p:cNvPr id="44" name="Straight Arrow Connector 43"/>
+          <p:cNvCxnSpPr/>
+          <p:nvPr/>
+        </p:nvCxnSpPr>
+        <p:spPr>
+          <a:xfrm flipH="1">
+            <a:off x="8487310" y="3611021"/>
+            <a:ext cx="1" cy="1500165"/>
+          </a:xfrm>
+          <a:prstGeom prst="straightConnector1">
+            <a:avLst/>
+          </a:prstGeom>
+          <a:ln w="28575">
+            <a:solidFill>
+              <a:schemeClr val="tx1">
+                <a:lumMod val="95000"/>
+                <a:lumOff val="5000"/>
+              </a:schemeClr>
+            </a:solidFill>
+            <a:prstDash val="solid"/>
+            <a:tailEnd type="triangle"/>
+          </a:ln>
+        </p:spPr>
+        <p:style>
+          <a:lnRef idx="1">
+            <a:schemeClr val="accent1"/>
+          </a:lnRef>
+          <a:fillRef idx="0">
+            <a:schemeClr val="accent1"/>
+          </a:fillRef>
+          <a:effectRef idx="0">
+            <a:schemeClr val="accent1"/>
+          </a:effectRef>
+          <a:fontRef idx="minor">
+            <a:schemeClr val="tx1"/>
+          </a:fontRef>
+        </p:style>
+      </p:cxnSp>
+      <p:sp>
+        <p:nvSpPr>
+          <p:cNvPr id="45" name="TextBox 44"/>
+          <p:cNvSpPr txBox="1"/>
+          <p:nvPr/>
+        </p:nvSpPr>
+        <p:spPr>
+          <a:xfrm>
+            <a:off x="7455038" y="5732396"/>
+            <a:ext cx="2123162" cy="307777"/>
+          </a:xfrm>
+          <a:prstGeom prst="rect">
+            <a:avLst/>
+          </a:prstGeom>
+          <a:noFill/>
+        </p:spPr>
+        <p:txBody>
+          <a:bodyPr wrap="square" rtlCol="0">
+            <a:spAutoFit/>
+          </a:bodyPr>
+          <a:lstStyle/>
+          <a:p>
+            <a:r>
+              <a:rPr lang="en-IN" sz="1400" b="1" dirty="0" smtClean="0">
+                <a:solidFill>
+                  <a:schemeClr val="accent2">
+                    <a:lumMod val="75000"/>
+                  </a:schemeClr>
+                </a:solidFill>
+              </a:rPr>
+              <a:t>app.components.html</a:t>
+            </a:r>
+            <a:endParaRPr lang="en-IN" sz="1400" b="1" dirty="0">
+              <a:solidFill>
+                <a:schemeClr val="accent2">
+                  <a:lumMod val="75000"/>
+                </a:schemeClr>
+              </a:solidFill>
+            </a:endParaRPr>
+          </a:p>
+        </p:txBody>
+      </p:sp>
+      <p:pic>
+        <p:nvPicPr>
+          <p:cNvPr id="46" name="Picture 45"/>
+          <p:cNvPicPr>
+            <a:picLocks noChangeAspect="1"/>
+          </p:cNvPicPr>
+          <p:nvPr/>
+        </p:nvPicPr>
+        <p:blipFill>
+          <a:blip r:embed="rId8"/>
+          <a:stretch>
+            <a:fillRect/>
+          </a:stretch>
+        </p:blipFill>
+        <p:spPr>
+          <a:xfrm>
+            <a:off x="582867" y="5159166"/>
+            <a:ext cx="2085464" cy="573230"/>
+          </a:xfrm>
+          <a:prstGeom prst="rect">
+            <a:avLst/>
+          </a:prstGeom>
+          <a:ln>
+            <a:solidFill>
+              <a:srgbClr val="FF0000"/>
+            </a:solidFill>
+          </a:ln>
+        </p:spPr>
+      </p:pic>
+      <p:cxnSp>
+        <p:nvCxnSpPr>
+          <p:cNvPr id="48" name="Straight Arrow Connector 47"/>
+          <p:cNvCxnSpPr>
+            <a:stCxn id="42" idx="1"/>
+            <a:endCxn id="46" idx="3"/>
+          </p:cNvCxnSpPr>
+          <p:nvPr/>
+        </p:nvCxnSpPr>
+        <p:spPr>
+          <a:xfrm flipH="1">
+            <a:off x="2668331" y="5444615"/>
+            <a:ext cx="4852677" cy="1166"/>
+          </a:xfrm>
+          <a:prstGeom prst="straightConnector1">
+            <a:avLst/>
+          </a:prstGeom>
+          <a:ln w="28575">
+            <a:solidFill>
+              <a:schemeClr val="tx1">
+                <a:lumMod val="95000"/>
+                <a:lumOff val="5000"/>
+              </a:schemeClr>
+            </a:solidFill>
+            <a:prstDash val="solid"/>
+            <a:tailEnd type="triangle"/>
+          </a:ln>
+        </p:spPr>
+        <p:style>
+          <a:lnRef idx="1">
+            <a:schemeClr val="accent1"/>
+          </a:lnRef>
+          <a:fillRef idx="0">
+            <a:schemeClr val="accent1"/>
+          </a:fillRef>
+          <a:effectRef idx="0">
+            <a:schemeClr val="accent1"/>
+          </a:effectRef>
+          <a:fontRef idx="minor">
+            <a:schemeClr val="tx1"/>
+          </a:fontRef>
+        </p:style>
+      </p:cxnSp>
+      <p:pic>
+        <p:nvPicPr>
+          <p:cNvPr id="49" name="Picture 48"/>
+          <p:cNvPicPr>
+            <a:picLocks noChangeAspect="1"/>
+          </p:cNvPicPr>
+          <p:nvPr/>
+        </p:nvPicPr>
+        <p:blipFill>
+          <a:blip r:embed="rId9"/>
+          <a:stretch>
+            <a:fillRect/>
+          </a:stretch>
+        </p:blipFill>
+        <p:spPr>
+          <a:xfrm>
+            <a:off x="5619415" y="5733609"/>
+            <a:ext cx="1714500" cy="781050"/>
+          </a:xfrm>
+          <a:prstGeom prst="rect">
+            <a:avLst/>
+          </a:prstGeom>
+        </p:spPr>
+      </p:pic>
+      <p:sp>
+        <p:nvSpPr>
+          <p:cNvPr id="50" name="Rectangle 49"/>
+          <p:cNvSpPr/>
+          <p:nvPr/>
+        </p:nvSpPr>
+        <p:spPr>
+          <a:xfrm>
+            <a:off x="5427254" y="5526197"/>
+            <a:ext cx="1995523" cy="1051289"/>
+          </a:xfrm>
+          <a:prstGeom prst="rect">
+            <a:avLst/>
+          </a:prstGeom>
+          <a:solidFill>
+            <a:schemeClr val="accent1">
+              <a:lumMod val="20000"/>
+              <a:lumOff val="80000"/>
+            </a:schemeClr>
+          </a:solidFill>
+          <a:ln>
+            <a:solidFill>
+              <a:schemeClr val="accent6">
+                <a:lumMod val="60000"/>
+                <a:lumOff val="40000"/>
+              </a:schemeClr>
+            </a:solidFill>
+          </a:ln>
+        </p:spPr>
+        <p:style>
+          <a:lnRef idx="2">
+            <a:schemeClr val="accent1">
+              <a:shade val="50000"/>
+            </a:schemeClr>
+          </a:lnRef>
+          <a:fillRef idx="1">
+            <a:schemeClr val="accent1"/>
+          </a:fillRef>
+          <a:effectRef idx="0">
+            <a:schemeClr val="accent1"/>
+          </a:effectRef>
+          <a:fontRef idx="minor">
+            <a:schemeClr val="lt1"/>
+          </a:fontRef>
+        </p:style>
+        <p:txBody>
+          <a:bodyPr rtlCol="0" anchor="ctr"/>
+          <a:lstStyle/>
+          <a:p>
+            <a:pPr algn="ctr"/>
+            <a:endParaRPr lang="en-IN"/>
+          </a:p>
+        </p:txBody>
+      </p:sp>
+      <p:pic>
+        <p:nvPicPr>
+          <p:cNvPr id="51" name="Picture 50"/>
+          <p:cNvPicPr>
+            <a:picLocks noChangeAspect="1"/>
+          </p:cNvPicPr>
+          <p:nvPr/>
+        </p:nvPicPr>
+        <p:blipFill>
+          <a:blip r:embed="rId9"/>
+          <a:stretch>
+            <a:fillRect/>
+          </a:stretch>
+        </p:blipFill>
+        <p:spPr>
+          <a:xfrm>
+            <a:off x="5471016" y="5568531"/>
+            <a:ext cx="1714500" cy="781050"/>
+          </a:xfrm>
+          <a:prstGeom prst="rect">
+            <a:avLst/>
+          </a:prstGeom>
+        </p:spPr>
+      </p:pic>
+      <p:sp>
+        <p:nvSpPr>
+          <p:cNvPr id="52" name="TextBox 51"/>
+          <p:cNvSpPr txBox="1"/>
+          <p:nvPr/>
+        </p:nvSpPr>
+        <p:spPr>
+          <a:xfrm>
+            <a:off x="5386913" y="6301122"/>
+            <a:ext cx="2123162" cy="307777"/>
+          </a:xfrm>
+          <a:prstGeom prst="rect">
+            <a:avLst/>
+          </a:prstGeom>
+          <a:noFill/>
+        </p:spPr>
+        <p:txBody>
+          <a:bodyPr wrap="square" rtlCol="0">
+            <a:spAutoFit/>
+          </a:bodyPr>
+          <a:lstStyle/>
+          <a:p>
+            <a:r>
+              <a:rPr lang="en-IN" sz="1400" b="1" dirty="0" smtClean="0">
+                <a:solidFill>
+                  <a:schemeClr val="accent2">
+                    <a:lumMod val="75000"/>
+                  </a:schemeClr>
+                </a:solidFill>
+              </a:rPr>
+              <a:t>app.components.css</a:t>
+            </a:r>
+            <a:endParaRPr lang="en-IN" sz="1400" b="1" dirty="0">
+              <a:solidFill>
+                <a:schemeClr val="accent2">
+                  <a:lumMod val="75000"/>
+                </a:schemeClr>
+              </a:solidFill>
+            </a:endParaRPr>
+          </a:p>
+        </p:txBody>
+      </p:sp>
+      <p:cxnSp>
+        <p:nvCxnSpPr>
+          <p:cNvPr id="53" name="Straight Arrow Connector 52"/>
+          <p:cNvCxnSpPr>
+            <a:stCxn id="51" idx="1"/>
+          </p:cNvCxnSpPr>
+          <p:nvPr/>
+        </p:nvCxnSpPr>
+        <p:spPr>
+          <a:xfrm flipH="1" flipV="1">
+            <a:off x="2668331" y="5465747"/>
+            <a:ext cx="2802685" cy="493309"/>
+          </a:xfrm>
+          <a:prstGeom prst="straightConnector1">
+            <a:avLst/>
+          </a:prstGeom>
+          <a:ln w="28575">
+            <a:solidFill>
+              <a:schemeClr val="tx1">
+                <a:lumMod val="95000"/>
+                <a:lumOff val="5000"/>
+              </a:schemeClr>
+            </a:solidFill>
+            <a:prstDash val="solid"/>
+            <a:tailEnd type="triangle"/>
+          </a:ln>
+        </p:spPr>
+        <p:style>
+          <a:lnRef idx="1">
+            <a:schemeClr val="accent1"/>
+          </a:lnRef>
+          <a:fillRef idx="0">
+            <a:schemeClr val="accent1"/>
+          </a:fillRef>
+          <a:effectRef idx="0">
+            <a:schemeClr val="accent1"/>
+          </a:effectRef>
+          <a:fontRef idx="minor">
+            <a:schemeClr val="tx1"/>
+          </a:fontRef>
+        </p:style>
+      </p:cxnSp>
+      <p:sp>
+        <p:nvSpPr>
+          <p:cNvPr id="56" name="TextBox 55"/>
+          <p:cNvSpPr txBox="1"/>
+          <p:nvPr/>
+        </p:nvSpPr>
+        <p:spPr>
+          <a:xfrm>
+            <a:off x="624139" y="5710746"/>
+            <a:ext cx="1761565" cy="276999"/>
+          </a:xfrm>
+          <a:prstGeom prst="rect">
+            <a:avLst/>
+          </a:prstGeom>
+          <a:noFill/>
+        </p:spPr>
+        <p:txBody>
+          <a:bodyPr wrap="square" rtlCol="0">
+            <a:spAutoFit/>
+          </a:bodyPr>
+          <a:lstStyle/>
+          <a:p>
+            <a:pPr algn="ctr"/>
+            <a:r>
+              <a:rPr lang="en-IN" sz="1200" b="1" dirty="0" smtClean="0">
+                <a:solidFill>
+                  <a:schemeClr val="accent6">
+                    <a:lumMod val="50000"/>
+                  </a:schemeClr>
+                </a:solidFill>
+              </a:rPr>
+              <a:t>Output</a:t>
+            </a:r>
+            <a:endParaRPr lang="en-IN" sz="1200" b="1" dirty="0">
+              <a:solidFill>
+                <a:schemeClr val="accent6">
+                  <a:lumMod val="50000"/>
+                </a:schemeClr>
+              </a:solidFill>
+            </a:endParaRPr>
+          </a:p>
+        </p:txBody>
+      </p:sp>
+    </p:spTree>
+    <p:extLst>
+      <p:ext uri="{BB962C8B-B14F-4D97-AF65-F5344CB8AC3E}">
+        <p14:creationId xmlns:p14="http://schemas.microsoft.com/office/powerpoint/2010/main" val="4125952687"/>
+      </p:ext>
+    </p:extLst>
+  </p:cSld>
+  <p:clrMapOvr>
+    <a:masterClrMapping/>
+  </p:clrMapOvr>
+  <p:timing>
+    <p:tnLst>
+      <p:par>
+        <p:cTn id="1" dur="indefinite" restart="never" nodeType="tmRoot"/>
+      </p:par>
+    </p:tnLst>
+  </p:timing>
+</p:sld>
+</file>
+
+<file path=ppt/slides/slide29.xml><?xml version="1.0" encoding="utf-8"?>
+<p:sld xmlns:a="http://schemas.openxmlformats.org/drawingml/2006/main" xmlns:r="http://schemas.openxmlformats.org/officeDocument/2006/relationships" xmlns:p="http://schemas.openxmlformats.org/presentationml/2006/main">
+  <p:cSld>
+    <p:spTree>
+      <p:nvGrpSpPr>
+        <p:cNvPr id="1" name=""/>
+        <p:cNvGrpSpPr/>
+        <p:nvPr/>
+      </p:nvGrpSpPr>
+      <p:grpSpPr>
+        <a:xfrm>
+          <a:off x="0" y="0"/>
+          <a:ext cx="0" cy="0"/>
+          <a:chOff x="0" y="0"/>
+          <a:chExt cx="0" cy="0"/>
+        </a:xfrm>
+      </p:grpSpPr>
+      <p:sp>
+        <p:nvSpPr>
+          <p:cNvPr id="4" name="Title 3"/>
+          <p:cNvSpPr>
+            <a:spLocks noGrp="1"/>
+          </p:cNvSpPr>
+          <p:nvPr>
+            <p:ph type="title"/>
+          </p:nvPr>
+        </p:nvSpPr>
+        <p:spPr>
+          <a:xfrm>
+            <a:off x="1024467" y="753035"/>
+            <a:ext cx="10146186" cy="705077"/>
+          </a:xfrm>
+        </p:spPr>
+        <p:txBody>
+          <a:bodyPr/>
+          <a:lstStyle/>
+          <a:p>
+            <a:r>
+              <a:rPr lang="en-IN" b="1" dirty="0" smtClean="0"/>
+              <a:t>Chapter </a:t>
+            </a:r>
+            <a:r>
+              <a:rPr lang="en-IN" b="1" dirty="0" smtClean="0"/>
+              <a:t>6</a:t>
+            </a:r>
+            <a:r>
+              <a:rPr lang="en-IN" b="1" dirty="0" smtClean="0"/>
+              <a:t> </a:t>
+            </a:r>
+            <a:r>
+              <a:rPr lang="en-IN" b="1" dirty="0" smtClean="0"/>
+              <a:t>: </a:t>
+            </a:r>
+            <a:r>
+              <a:rPr lang="en-IN" b="1" dirty="0" smtClean="0"/>
+              <a:t>Component</a:t>
+            </a:r>
+            <a:endParaRPr lang="en-IN" b="1" dirty="0"/>
+          </a:p>
+        </p:txBody>
+      </p:sp>
+      <p:sp>
+        <p:nvSpPr>
+          <p:cNvPr id="5" name="Text Placeholder 4"/>
+          <p:cNvSpPr>
+            <a:spLocks noGrp="1"/>
+          </p:cNvSpPr>
+          <p:nvPr>
+            <p:ph type="body" idx="1"/>
+          </p:nvPr>
+        </p:nvSpPr>
+        <p:spPr>
+          <a:xfrm>
+            <a:off x="1024467" y="1613647"/>
+            <a:ext cx="10144654" cy="3034553"/>
+          </a:xfrm>
+        </p:spPr>
+        <p:txBody>
+          <a:bodyPr>
+            <a:noAutofit/>
+          </a:bodyPr>
+          <a:lstStyle/>
+          <a:p>
+            <a:pPr marL="342900" indent="-342900">
+              <a:buFont typeface="Wingdings 3" charset="2"/>
+              <a:buAutoNum type="arabicPeriod"/>
+            </a:pPr>
+            <a:r>
+              <a:rPr lang="en-IN" sz="2000" dirty="0" smtClean="0"/>
+              <a:t>Component Architecture</a:t>
+            </a:r>
+          </a:p>
+          <a:p>
+            <a:pPr marL="342900" indent="-342900">
+              <a:buAutoNum type="arabicPeriod"/>
+            </a:pPr>
+            <a:r>
+              <a:rPr lang="en-IN" dirty="0" smtClean="0"/>
+              <a:t>Create Component</a:t>
+            </a:r>
+          </a:p>
+          <a:p>
+            <a:pPr marL="342900" indent="-342900">
+              <a:buAutoNum type="arabicPeriod"/>
+            </a:pPr>
+            <a:r>
+              <a:rPr lang="en-US" dirty="0" smtClean="0"/>
+              <a:t>Import Component in Module </a:t>
+            </a:r>
+          </a:p>
+          <a:p>
+            <a:pPr marL="342900" indent="-342900">
+              <a:buAutoNum type="arabicPeriod"/>
+            </a:pPr>
+            <a:r>
+              <a:rPr lang="en-US" dirty="0" smtClean="0"/>
+              <a:t>Use New Component</a:t>
+            </a:r>
+          </a:p>
+          <a:p>
+            <a:pPr marL="342900" indent="-342900">
+              <a:buAutoNum type="arabicPeriod"/>
+            </a:pPr>
+            <a:r>
+              <a:rPr lang="en-US" dirty="0" err="1"/>
+              <a:t>app.component.spec.ts</a:t>
+            </a:r>
+            <a:r>
+              <a:rPr lang="en-US" dirty="0"/>
+              <a:t> </a:t>
+            </a:r>
+            <a:endParaRPr lang="en-IN" sz="2000" dirty="0"/>
+          </a:p>
+        </p:txBody>
+      </p:sp>
+    </p:spTree>
+    <p:extLst>
+      <p:ext uri="{BB962C8B-B14F-4D97-AF65-F5344CB8AC3E}">
+        <p14:creationId xmlns:p14="http://schemas.microsoft.com/office/powerpoint/2010/main" val="2375535837"/>
+      </p:ext>
+    </p:extLst>
+  </p:cSld>
+  <p:clrMapOvr>
+    <a:masterClrMapping/>
+  </p:clrMapOvr>
+  <p:timing>
+    <p:tnLst>
+      <p:par>
+        <p:cTn id="1" dur="indefinite" restart="never" nodeType="tmRoot"/>
+      </p:par>
+    </p:tnLst>
+  </p:timing>
+</p:sld>
+</file>
+
 <file path=ppt/slides/slide3.xml><?xml version="1.0" encoding="utf-8"?>
 <p:sld xmlns:a="http://schemas.openxmlformats.org/drawingml/2006/main" xmlns:r="http://schemas.openxmlformats.org/officeDocument/2006/relationships" xmlns:p="http://schemas.openxmlformats.org/presentationml/2006/main">
   <p:cSld>
@@ -18438,6 +21771,1109 @@
     <p:extLst>
       <p:ext uri="{BB962C8B-B14F-4D97-AF65-F5344CB8AC3E}">
         <p14:creationId xmlns:p14="http://schemas.microsoft.com/office/powerpoint/2010/main" val="2009768281"/>
+      </p:ext>
+    </p:extLst>
+  </p:cSld>
+  <p:clrMapOvr>
+    <a:masterClrMapping/>
+  </p:clrMapOvr>
+  <p:timing>
+    <p:tnLst>
+      <p:par>
+        <p:cTn id="1" dur="indefinite" restart="never" nodeType="tmRoot"/>
+      </p:par>
+    </p:tnLst>
+  </p:timing>
+</p:sld>
+</file>
+
+<file path=ppt/slides/slide30.xml><?xml version="1.0" encoding="utf-8"?>
+<p:sld xmlns:a="http://schemas.openxmlformats.org/drawingml/2006/main" xmlns:r="http://schemas.openxmlformats.org/officeDocument/2006/relationships" xmlns:p="http://schemas.openxmlformats.org/presentationml/2006/main">
+  <p:cSld>
+    <p:spTree>
+      <p:nvGrpSpPr>
+        <p:cNvPr id="1" name=""/>
+        <p:cNvGrpSpPr/>
+        <p:nvPr/>
+      </p:nvGrpSpPr>
+      <p:grpSpPr>
+        <a:xfrm>
+          <a:off x="0" y="0"/>
+          <a:ext cx="0" cy="0"/>
+          <a:chOff x="0" y="0"/>
+          <a:chExt cx="0" cy="0"/>
+        </a:xfrm>
+      </p:grpSpPr>
+      <p:sp>
+        <p:nvSpPr>
+          <p:cNvPr id="2" name="Title 1"/>
+          <p:cNvSpPr>
+            <a:spLocks noGrp="1"/>
+          </p:cNvSpPr>
+          <p:nvPr>
+            <p:ph type="title"/>
+          </p:nvPr>
+        </p:nvSpPr>
+        <p:spPr/>
+        <p:txBody>
+          <a:bodyPr/>
+          <a:lstStyle/>
+          <a:p>
+            <a:r>
+              <a:rPr lang="en-IN" b="1" dirty="0" smtClean="0"/>
+              <a:t>6.1 </a:t>
+            </a:r>
+            <a:r>
+              <a:rPr lang="en-US" b="1" dirty="0" smtClean="0"/>
+              <a:t>Component </a:t>
+            </a:r>
+            <a:r>
+              <a:rPr lang="en-IN" b="1" dirty="0"/>
+              <a:t>Architecture</a:t>
+            </a:r>
+            <a:endParaRPr lang="en-IN" b="1" dirty="0"/>
+          </a:p>
+        </p:txBody>
+      </p:sp>
+      <p:sp>
+        <p:nvSpPr>
+          <p:cNvPr id="19" name="Rectangle 18"/>
+          <p:cNvSpPr/>
+          <p:nvPr/>
+        </p:nvSpPr>
+        <p:spPr>
+          <a:xfrm>
+            <a:off x="1154954" y="3321424"/>
+            <a:ext cx="2959846" cy="1075764"/>
+          </a:xfrm>
+          <a:prstGeom prst="rect">
+            <a:avLst/>
+          </a:prstGeom>
+        </p:spPr>
+        <p:style>
+          <a:lnRef idx="2">
+            <a:schemeClr val="accent1">
+              <a:shade val="50000"/>
+            </a:schemeClr>
+          </a:lnRef>
+          <a:fillRef idx="1">
+            <a:schemeClr val="accent1"/>
+          </a:fillRef>
+          <a:effectRef idx="0">
+            <a:schemeClr val="accent1"/>
+          </a:effectRef>
+          <a:fontRef idx="minor">
+            <a:schemeClr val="lt1"/>
+          </a:fontRef>
+        </p:style>
+        <p:txBody>
+          <a:bodyPr rtlCol="0" anchor="ctr"/>
+          <a:lstStyle/>
+          <a:p>
+            <a:pPr algn="ctr"/>
+            <a:r>
+              <a:rPr lang="en-IN" sz="2800" b="1" dirty="0" smtClean="0"/>
+              <a:t>TEMPLATE</a:t>
+            </a:r>
+            <a:endParaRPr lang="en-IN" b="1" dirty="0"/>
+          </a:p>
+        </p:txBody>
+      </p:sp>
+      <p:sp>
+        <p:nvSpPr>
+          <p:cNvPr id="20" name="Rectangle 19"/>
+          <p:cNvSpPr/>
+          <p:nvPr/>
+        </p:nvSpPr>
+        <p:spPr>
+          <a:xfrm>
+            <a:off x="4938060" y="3321424"/>
+            <a:ext cx="2959846" cy="1075764"/>
+          </a:xfrm>
+          <a:prstGeom prst="rect">
+            <a:avLst/>
+          </a:prstGeom>
+          <a:solidFill>
+            <a:srgbClr val="00B0F0"/>
+          </a:solidFill>
+          <a:ln>
+            <a:noFill/>
+          </a:ln>
+        </p:spPr>
+        <p:style>
+          <a:lnRef idx="2">
+            <a:schemeClr val="accent1">
+              <a:shade val="50000"/>
+            </a:schemeClr>
+          </a:lnRef>
+          <a:fillRef idx="1">
+            <a:schemeClr val="accent1"/>
+          </a:fillRef>
+          <a:effectRef idx="0">
+            <a:schemeClr val="accent1"/>
+          </a:effectRef>
+          <a:fontRef idx="minor">
+            <a:schemeClr val="lt1"/>
+          </a:fontRef>
+        </p:style>
+        <p:txBody>
+          <a:bodyPr rtlCol="0" anchor="ctr"/>
+          <a:lstStyle/>
+          <a:p>
+            <a:pPr algn="ctr"/>
+            <a:r>
+              <a:rPr lang="en-IN" sz="2800" b="1" dirty="0" smtClean="0"/>
+              <a:t>CLASS</a:t>
+            </a:r>
+            <a:endParaRPr lang="en-IN" sz="2800" b="1" dirty="0"/>
+          </a:p>
+        </p:txBody>
+      </p:sp>
+      <p:sp>
+        <p:nvSpPr>
+          <p:cNvPr id="21" name="Rectangle 20"/>
+          <p:cNvSpPr/>
+          <p:nvPr/>
+        </p:nvSpPr>
+        <p:spPr>
+          <a:xfrm>
+            <a:off x="8721166" y="3321424"/>
+            <a:ext cx="2959846" cy="1075764"/>
+          </a:xfrm>
+          <a:prstGeom prst="rect">
+            <a:avLst/>
+          </a:prstGeom>
+          <a:solidFill>
+            <a:schemeClr val="accent4">
+              <a:lumMod val="50000"/>
+            </a:schemeClr>
+          </a:solidFill>
+          <a:ln>
+            <a:noFill/>
+          </a:ln>
+        </p:spPr>
+        <p:style>
+          <a:lnRef idx="2">
+            <a:schemeClr val="accent1">
+              <a:shade val="50000"/>
+            </a:schemeClr>
+          </a:lnRef>
+          <a:fillRef idx="1">
+            <a:schemeClr val="accent1"/>
+          </a:fillRef>
+          <a:effectRef idx="0">
+            <a:schemeClr val="accent1"/>
+          </a:effectRef>
+          <a:fontRef idx="minor">
+            <a:schemeClr val="lt1"/>
+          </a:fontRef>
+        </p:style>
+        <p:txBody>
+          <a:bodyPr rtlCol="0" anchor="ctr"/>
+          <a:lstStyle/>
+          <a:p>
+            <a:pPr algn="ctr"/>
+            <a:r>
+              <a:rPr lang="en-IN" sz="2800" b="1" dirty="0" smtClean="0"/>
+              <a:t>META DATA</a:t>
+            </a:r>
+            <a:endParaRPr lang="en-IN" sz="2800" b="1" dirty="0"/>
+          </a:p>
+        </p:txBody>
+      </p:sp>
+      <p:sp>
+        <p:nvSpPr>
+          <p:cNvPr id="22" name="TextBox 21"/>
+          <p:cNvSpPr txBox="1"/>
+          <p:nvPr/>
+        </p:nvSpPr>
+        <p:spPr>
+          <a:xfrm>
+            <a:off x="1639794" y="4531657"/>
+            <a:ext cx="1990165" cy="646331"/>
+          </a:xfrm>
+          <a:prstGeom prst="rect">
+            <a:avLst/>
+          </a:prstGeom>
+          <a:noFill/>
+        </p:spPr>
+        <p:txBody>
+          <a:bodyPr wrap="square" rtlCol="0">
+            <a:spAutoFit/>
+          </a:bodyPr>
+          <a:lstStyle/>
+          <a:p>
+            <a:pPr marL="285750" indent="-285750">
+              <a:buFont typeface="Arial" panose="020B0604020202020204" pitchFamily="34" charset="0"/>
+              <a:buChar char="•"/>
+            </a:pPr>
+            <a:r>
+              <a:rPr lang="en-IN" dirty="0" smtClean="0"/>
+              <a:t>View</a:t>
+            </a:r>
+          </a:p>
+          <a:p>
+            <a:pPr marL="285750" indent="-285750">
+              <a:buFont typeface="Arial" panose="020B0604020202020204" pitchFamily="34" charset="0"/>
+              <a:buChar char="•"/>
+            </a:pPr>
+            <a:r>
+              <a:rPr lang="en-IN" dirty="0" smtClean="0"/>
+              <a:t>HTML</a:t>
+            </a:r>
+            <a:endParaRPr lang="en-IN" dirty="0"/>
+          </a:p>
+        </p:txBody>
+      </p:sp>
+      <p:sp>
+        <p:nvSpPr>
+          <p:cNvPr id="23" name="TextBox 22"/>
+          <p:cNvSpPr txBox="1"/>
+          <p:nvPr/>
+        </p:nvSpPr>
+        <p:spPr>
+          <a:xfrm>
+            <a:off x="5183094" y="4531657"/>
+            <a:ext cx="2469777" cy="923330"/>
+          </a:xfrm>
+          <a:prstGeom prst="rect">
+            <a:avLst/>
+          </a:prstGeom>
+          <a:noFill/>
+        </p:spPr>
+        <p:txBody>
+          <a:bodyPr wrap="square" rtlCol="0">
+            <a:spAutoFit/>
+          </a:bodyPr>
+          <a:lstStyle/>
+          <a:p>
+            <a:pPr marL="285750" indent="-285750">
+              <a:buFont typeface="Arial" panose="020B0604020202020204" pitchFamily="34" charset="0"/>
+              <a:buChar char="•"/>
+            </a:pPr>
+            <a:r>
+              <a:rPr lang="en-IN" dirty="0" smtClean="0"/>
+              <a:t>Code</a:t>
+            </a:r>
+          </a:p>
+          <a:p>
+            <a:pPr marL="285750" indent="-285750">
+              <a:buFont typeface="Arial" panose="020B0604020202020204" pitchFamily="34" charset="0"/>
+              <a:buChar char="•"/>
+            </a:pPr>
+            <a:r>
+              <a:rPr lang="en-IN" dirty="0" smtClean="0"/>
+              <a:t>Typescript</a:t>
+            </a:r>
+          </a:p>
+          <a:p>
+            <a:pPr marL="285750" indent="-285750">
+              <a:buFont typeface="Arial" panose="020B0604020202020204" pitchFamily="34" charset="0"/>
+              <a:buChar char="•"/>
+            </a:pPr>
+            <a:r>
+              <a:rPr lang="en-IN" dirty="0" smtClean="0"/>
+              <a:t>Data &amp; Method</a:t>
+            </a:r>
+            <a:endParaRPr lang="en-IN" dirty="0"/>
+          </a:p>
+        </p:txBody>
+      </p:sp>
+      <p:sp>
+        <p:nvSpPr>
+          <p:cNvPr id="24" name="TextBox 23"/>
+          <p:cNvSpPr txBox="1"/>
+          <p:nvPr/>
+        </p:nvSpPr>
+        <p:spPr>
+          <a:xfrm>
+            <a:off x="8966200" y="4531657"/>
+            <a:ext cx="2469777" cy="923330"/>
+          </a:xfrm>
+          <a:prstGeom prst="rect">
+            <a:avLst/>
+          </a:prstGeom>
+          <a:noFill/>
+        </p:spPr>
+        <p:txBody>
+          <a:bodyPr wrap="square" rtlCol="0">
+            <a:spAutoFit/>
+          </a:bodyPr>
+          <a:lstStyle/>
+          <a:p>
+            <a:pPr marL="285750" indent="-285750">
+              <a:buFont typeface="Arial" panose="020B0604020202020204" pitchFamily="34" charset="0"/>
+              <a:buChar char="•"/>
+            </a:pPr>
+            <a:r>
+              <a:rPr lang="en-IN" dirty="0" smtClean="0"/>
+              <a:t>Information</a:t>
+            </a:r>
+          </a:p>
+          <a:p>
+            <a:pPr marL="285750" indent="-285750">
+              <a:buFont typeface="Arial" panose="020B0604020202020204" pitchFamily="34" charset="0"/>
+              <a:buChar char="•"/>
+            </a:pPr>
+            <a:r>
+              <a:rPr lang="en-IN" dirty="0" smtClean="0"/>
+              <a:t>Decorator @Component()</a:t>
+            </a:r>
+          </a:p>
+        </p:txBody>
+      </p:sp>
+      <p:sp>
+        <p:nvSpPr>
+          <p:cNvPr id="25" name="Plus 24"/>
+          <p:cNvSpPr/>
+          <p:nvPr/>
+        </p:nvSpPr>
+        <p:spPr>
+          <a:xfrm>
+            <a:off x="4249270" y="3582146"/>
+            <a:ext cx="554319" cy="554319"/>
+          </a:xfrm>
+          <a:prstGeom prst="mathPlus">
+            <a:avLst/>
+          </a:prstGeom>
+        </p:spPr>
+        <p:style>
+          <a:lnRef idx="0">
+            <a:schemeClr val="dk1"/>
+          </a:lnRef>
+          <a:fillRef idx="3">
+            <a:schemeClr val="dk1"/>
+          </a:fillRef>
+          <a:effectRef idx="3">
+            <a:schemeClr val="dk1"/>
+          </a:effectRef>
+          <a:fontRef idx="minor">
+            <a:schemeClr val="lt1"/>
+          </a:fontRef>
+        </p:style>
+        <p:txBody>
+          <a:bodyPr rtlCol="0" anchor="ctr"/>
+          <a:lstStyle/>
+          <a:p>
+            <a:pPr algn="ctr"/>
+            <a:endParaRPr lang="en-IN"/>
+          </a:p>
+        </p:txBody>
+      </p:sp>
+      <p:sp>
+        <p:nvSpPr>
+          <p:cNvPr id="26" name="Plus 25"/>
+          <p:cNvSpPr/>
+          <p:nvPr/>
+        </p:nvSpPr>
+        <p:spPr>
+          <a:xfrm>
+            <a:off x="8032376" y="3582145"/>
+            <a:ext cx="554319" cy="554319"/>
+          </a:xfrm>
+          <a:prstGeom prst="mathPlus">
+            <a:avLst/>
+          </a:prstGeom>
+        </p:spPr>
+        <p:style>
+          <a:lnRef idx="0">
+            <a:schemeClr val="dk1"/>
+          </a:lnRef>
+          <a:fillRef idx="3">
+            <a:schemeClr val="dk1"/>
+          </a:fillRef>
+          <a:effectRef idx="3">
+            <a:schemeClr val="dk1"/>
+          </a:effectRef>
+          <a:fontRef idx="minor">
+            <a:schemeClr val="lt1"/>
+          </a:fontRef>
+        </p:style>
+        <p:txBody>
+          <a:bodyPr rtlCol="0" anchor="ctr"/>
+          <a:lstStyle/>
+          <a:p>
+            <a:pPr algn="ctr"/>
+            <a:endParaRPr lang="en-IN"/>
+          </a:p>
+        </p:txBody>
+      </p:sp>
+    </p:spTree>
+    <p:extLst>
+      <p:ext uri="{BB962C8B-B14F-4D97-AF65-F5344CB8AC3E}">
+        <p14:creationId xmlns:p14="http://schemas.microsoft.com/office/powerpoint/2010/main" val="3278147376"/>
+      </p:ext>
+    </p:extLst>
+  </p:cSld>
+  <p:clrMapOvr>
+    <a:masterClrMapping/>
+  </p:clrMapOvr>
+  <p:timing>
+    <p:tnLst>
+      <p:par>
+        <p:cTn id="1" dur="indefinite" restart="never" nodeType="tmRoot"/>
+      </p:par>
+    </p:tnLst>
+  </p:timing>
+</p:sld>
+</file>
+
+<file path=ppt/slides/slide31.xml><?xml version="1.0" encoding="utf-8"?>
+<p:sld xmlns:a="http://schemas.openxmlformats.org/drawingml/2006/main" xmlns:r="http://schemas.openxmlformats.org/officeDocument/2006/relationships" xmlns:p="http://schemas.openxmlformats.org/presentationml/2006/main">
+  <p:cSld>
+    <p:spTree>
+      <p:nvGrpSpPr>
+        <p:cNvPr id="1" name=""/>
+        <p:cNvGrpSpPr/>
+        <p:nvPr/>
+      </p:nvGrpSpPr>
+      <p:grpSpPr>
+        <a:xfrm>
+          <a:off x="0" y="0"/>
+          <a:ext cx="0" cy="0"/>
+          <a:chOff x="0" y="0"/>
+          <a:chExt cx="0" cy="0"/>
+        </a:xfrm>
+      </p:grpSpPr>
+      <p:sp>
+        <p:nvSpPr>
+          <p:cNvPr id="2" name="Title 1"/>
+          <p:cNvSpPr>
+            <a:spLocks noGrp="1"/>
+          </p:cNvSpPr>
+          <p:nvPr>
+            <p:ph type="title"/>
+          </p:nvPr>
+        </p:nvSpPr>
+        <p:spPr/>
+        <p:txBody>
+          <a:bodyPr/>
+          <a:lstStyle/>
+          <a:p>
+            <a:r>
+              <a:rPr lang="en-IN" b="1" dirty="0" smtClean="0"/>
+              <a:t>6.2 </a:t>
+            </a:r>
+            <a:r>
+              <a:rPr lang="en-US" b="1" dirty="0" smtClean="0"/>
+              <a:t>Create Component</a:t>
+            </a:r>
+            <a:endParaRPr lang="en-IN" b="1" dirty="0"/>
+          </a:p>
+        </p:txBody>
+      </p:sp>
+      <p:sp>
+        <p:nvSpPr>
+          <p:cNvPr id="3" name="Content Placeholder 2"/>
+          <p:cNvSpPr>
+            <a:spLocks noGrp="1"/>
+          </p:cNvSpPr>
+          <p:nvPr>
+            <p:ph sz="half" idx="2"/>
+          </p:nvPr>
+        </p:nvSpPr>
+        <p:spPr>
+          <a:xfrm>
+            <a:off x="1154954" y="2581835"/>
+            <a:ext cx="10530540" cy="3697941"/>
+          </a:xfrm>
+        </p:spPr>
+        <p:txBody>
+          <a:bodyPr>
+            <a:normAutofit/>
+          </a:bodyPr>
+          <a:lstStyle/>
+          <a:p>
+            <a:r>
+              <a:rPr lang="en-IN" dirty="0" smtClean="0">
+                <a:solidFill>
+                  <a:schemeClr val="tx1"/>
+                </a:solidFill>
+              </a:rPr>
+              <a:t>Create Component command: </a:t>
+            </a:r>
+            <a:r>
+              <a:rPr lang="en-US" b="1" dirty="0">
+                <a:solidFill>
+                  <a:schemeClr val="accent6">
+                    <a:lumMod val="75000"/>
+                  </a:schemeClr>
+                </a:solidFill>
+              </a:rPr>
+              <a:t>ng generate component </a:t>
+            </a:r>
+            <a:r>
+              <a:rPr lang="en-US" b="1" dirty="0" smtClean="0">
+                <a:solidFill>
+                  <a:schemeClr val="accent6">
+                    <a:lumMod val="75000"/>
+                  </a:schemeClr>
+                </a:solidFill>
+              </a:rPr>
+              <a:t>user </a:t>
+            </a:r>
+            <a:r>
+              <a:rPr lang="en-US" dirty="0" smtClean="0"/>
+              <a:t>or </a:t>
+            </a:r>
+            <a:r>
+              <a:rPr lang="en-US" b="1" dirty="0">
+                <a:solidFill>
+                  <a:schemeClr val="accent6">
+                    <a:lumMod val="75000"/>
+                  </a:schemeClr>
+                </a:solidFill>
+              </a:rPr>
+              <a:t>ng g c </a:t>
+            </a:r>
+            <a:r>
+              <a:rPr lang="en-US" b="1" dirty="0" smtClean="0">
+                <a:solidFill>
+                  <a:schemeClr val="accent6">
+                    <a:lumMod val="75000"/>
+                  </a:schemeClr>
+                </a:solidFill>
+              </a:rPr>
+              <a:t>user</a:t>
+            </a:r>
+          </a:p>
+          <a:p>
+            <a:endParaRPr lang="en-IN" b="1" dirty="0">
+              <a:solidFill>
+                <a:schemeClr val="accent6">
+                  <a:lumMod val="75000"/>
+                </a:schemeClr>
+              </a:solidFill>
+            </a:endParaRPr>
+          </a:p>
+        </p:txBody>
+      </p:sp>
+      <p:pic>
+        <p:nvPicPr>
+          <p:cNvPr id="18" name="Picture 17"/>
+          <p:cNvPicPr>
+            <a:picLocks noChangeAspect="1"/>
+          </p:cNvPicPr>
+          <p:nvPr/>
+        </p:nvPicPr>
+        <p:blipFill>
+          <a:blip r:embed="rId2"/>
+          <a:stretch>
+            <a:fillRect/>
+          </a:stretch>
+        </p:blipFill>
+        <p:spPr>
+          <a:xfrm>
+            <a:off x="1622612" y="3116355"/>
+            <a:ext cx="3810000" cy="1314450"/>
+          </a:xfrm>
+          <a:prstGeom prst="rect">
+            <a:avLst/>
+          </a:prstGeom>
+        </p:spPr>
+      </p:pic>
+      <p:pic>
+        <p:nvPicPr>
+          <p:cNvPr id="19" name="Picture 18"/>
+          <p:cNvPicPr>
+            <a:picLocks noChangeAspect="1"/>
+          </p:cNvPicPr>
+          <p:nvPr/>
+        </p:nvPicPr>
+        <p:blipFill>
+          <a:blip r:embed="rId3"/>
+          <a:stretch>
+            <a:fillRect/>
+          </a:stretch>
+        </p:blipFill>
+        <p:spPr>
+          <a:xfrm>
+            <a:off x="1631017" y="4698064"/>
+            <a:ext cx="2066925" cy="1514475"/>
+          </a:xfrm>
+          <a:prstGeom prst="rect">
+            <a:avLst/>
+          </a:prstGeom>
+        </p:spPr>
+      </p:pic>
+      <p:pic>
+        <p:nvPicPr>
+          <p:cNvPr id="21" name="Picture 20"/>
+          <p:cNvPicPr>
+            <a:picLocks noChangeAspect="1"/>
+          </p:cNvPicPr>
+          <p:nvPr/>
+        </p:nvPicPr>
+        <p:blipFill>
+          <a:blip r:embed="rId4"/>
+          <a:stretch>
+            <a:fillRect/>
+          </a:stretch>
+        </p:blipFill>
+        <p:spPr>
+          <a:xfrm>
+            <a:off x="6240930" y="3116354"/>
+            <a:ext cx="4769719" cy="3163421"/>
+          </a:xfrm>
+          <a:prstGeom prst="rect">
+            <a:avLst/>
+          </a:prstGeom>
+        </p:spPr>
+      </p:pic>
+      <p:pic>
+        <p:nvPicPr>
+          <p:cNvPr id="22" name="Picture 21"/>
+          <p:cNvPicPr>
+            <a:picLocks noChangeAspect="1"/>
+          </p:cNvPicPr>
+          <p:nvPr/>
+        </p:nvPicPr>
+        <p:blipFill>
+          <a:blip r:embed="rId5"/>
+          <a:stretch>
+            <a:fillRect/>
+          </a:stretch>
+        </p:blipFill>
+        <p:spPr>
+          <a:xfrm>
+            <a:off x="3916923" y="5223618"/>
+            <a:ext cx="2105025" cy="962025"/>
+          </a:xfrm>
+          <a:prstGeom prst="rect">
+            <a:avLst/>
+          </a:prstGeom>
+        </p:spPr>
+      </p:pic>
+      <p:cxnSp>
+        <p:nvCxnSpPr>
+          <p:cNvPr id="24" name="Straight Arrow Connector 23"/>
+          <p:cNvCxnSpPr/>
+          <p:nvPr/>
+        </p:nvCxnSpPr>
+        <p:spPr>
+          <a:xfrm flipV="1">
+            <a:off x="3173506" y="5455302"/>
+            <a:ext cx="743417" cy="152122"/>
+          </a:xfrm>
+          <a:prstGeom prst="straightConnector1">
+            <a:avLst/>
+          </a:prstGeom>
+          <a:ln w="28575">
+            <a:tailEnd type="triangle"/>
+          </a:ln>
+        </p:spPr>
+        <p:style>
+          <a:lnRef idx="1">
+            <a:schemeClr val="accent1"/>
+          </a:lnRef>
+          <a:fillRef idx="0">
+            <a:schemeClr val="accent1"/>
+          </a:fillRef>
+          <a:effectRef idx="0">
+            <a:schemeClr val="accent1"/>
+          </a:effectRef>
+          <a:fontRef idx="minor">
+            <a:schemeClr val="tx1"/>
+          </a:fontRef>
+        </p:style>
+      </p:cxnSp>
+      <p:cxnSp>
+        <p:nvCxnSpPr>
+          <p:cNvPr id="26" name="Straight Arrow Connector 25"/>
+          <p:cNvCxnSpPr>
+            <a:endCxn id="21" idx="1"/>
+          </p:cNvCxnSpPr>
+          <p:nvPr/>
+        </p:nvCxnSpPr>
+        <p:spPr>
+          <a:xfrm flipV="1">
+            <a:off x="3141056" y="4698065"/>
+            <a:ext cx="3099874" cy="1312771"/>
+          </a:xfrm>
+          <a:prstGeom prst="straightConnector1">
+            <a:avLst/>
+          </a:prstGeom>
+          <a:ln w="28575">
+            <a:tailEnd type="triangle"/>
+          </a:ln>
+        </p:spPr>
+        <p:style>
+          <a:lnRef idx="1">
+            <a:schemeClr val="accent1"/>
+          </a:lnRef>
+          <a:fillRef idx="0">
+            <a:schemeClr val="accent1"/>
+          </a:fillRef>
+          <a:effectRef idx="0">
+            <a:schemeClr val="accent1"/>
+          </a:effectRef>
+          <a:fontRef idx="minor">
+            <a:schemeClr val="tx1"/>
+          </a:fontRef>
+        </p:style>
+      </p:cxnSp>
+    </p:spTree>
+    <p:extLst>
+      <p:ext uri="{BB962C8B-B14F-4D97-AF65-F5344CB8AC3E}">
+        <p14:creationId xmlns:p14="http://schemas.microsoft.com/office/powerpoint/2010/main" val="1287336242"/>
+      </p:ext>
+    </p:extLst>
+  </p:cSld>
+  <p:clrMapOvr>
+    <a:masterClrMapping/>
+  </p:clrMapOvr>
+  <p:timing>
+    <p:tnLst>
+      <p:par>
+        <p:cTn id="1" dur="indefinite" restart="never" nodeType="tmRoot"/>
+      </p:par>
+    </p:tnLst>
+  </p:timing>
+</p:sld>
+</file>
+
+<file path=ppt/slides/slide32.xml><?xml version="1.0" encoding="utf-8"?>
+<p:sld xmlns:a="http://schemas.openxmlformats.org/drawingml/2006/main" xmlns:r="http://schemas.openxmlformats.org/officeDocument/2006/relationships" xmlns:p="http://schemas.openxmlformats.org/presentationml/2006/main">
+  <p:cSld>
+    <p:spTree>
+      <p:nvGrpSpPr>
+        <p:cNvPr id="1" name=""/>
+        <p:cNvGrpSpPr/>
+        <p:nvPr/>
+      </p:nvGrpSpPr>
+      <p:grpSpPr>
+        <a:xfrm>
+          <a:off x="0" y="0"/>
+          <a:ext cx="0" cy="0"/>
+          <a:chOff x="0" y="0"/>
+          <a:chExt cx="0" cy="0"/>
+        </a:xfrm>
+      </p:grpSpPr>
+      <p:sp>
+        <p:nvSpPr>
+          <p:cNvPr id="2" name="Title 1"/>
+          <p:cNvSpPr>
+            <a:spLocks noGrp="1"/>
+          </p:cNvSpPr>
+          <p:nvPr>
+            <p:ph type="title"/>
+          </p:nvPr>
+        </p:nvSpPr>
+        <p:spPr/>
+        <p:txBody>
+          <a:bodyPr/>
+          <a:lstStyle/>
+          <a:p>
+            <a:r>
+              <a:rPr lang="en-IN" b="1" dirty="0" smtClean="0"/>
+              <a:t>6.3 </a:t>
+            </a:r>
+            <a:r>
+              <a:rPr lang="en-US" b="1" dirty="0"/>
+              <a:t>Import Component in Module </a:t>
+            </a:r>
+            <a:endParaRPr lang="en-IN" b="1" dirty="0"/>
+          </a:p>
+        </p:txBody>
+      </p:sp>
+      <p:sp>
+        <p:nvSpPr>
+          <p:cNvPr id="3" name="Content Placeholder 2"/>
+          <p:cNvSpPr>
+            <a:spLocks noGrp="1"/>
+          </p:cNvSpPr>
+          <p:nvPr>
+            <p:ph sz="half" idx="2"/>
+          </p:nvPr>
+        </p:nvSpPr>
+        <p:spPr>
+          <a:xfrm>
+            <a:off x="1154954" y="2581835"/>
+            <a:ext cx="10530540" cy="3697941"/>
+          </a:xfrm>
+        </p:spPr>
+        <p:txBody>
+          <a:bodyPr>
+            <a:normAutofit/>
+          </a:bodyPr>
+          <a:lstStyle/>
+          <a:p>
+            <a:r>
+              <a:rPr lang="en-IN" dirty="0" smtClean="0">
+                <a:solidFill>
+                  <a:schemeClr val="tx1"/>
+                </a:solidFill>
+              </a:rPr>
+              <a:t>Application should be aware of the new Component, so import and bind the component in </a:t>
+            </a:r>
+            <a:r>
+              <a:rPr lang="en-IN" dirty="0" err="1" smtClean="0">
+                <a:solidFill>
+                  <a:schemeClr val="tx1"/>
+                </a:solidFill>
+              </a:rPr>
+              <a:t>app.module.ts</a:t>
+            </a:r>
+            <a:endParaRPr lang="en-US" b="1" dirty="0" smtClean="0">
+              <a:solidFill>
+                <a:schemeClr val="accent6">
+                  <a:lumMod val="75000"/>
+                </a:schemeClr>
+              </a:solidFill>
+            </a:endParaRPr>
+          </a:p>
+          <a:p>
+            <a:endParaRPr lang="en-IN" b="1" dirty="0">
+              <a:solidFill>
+                <a:schemeClr val="accent6">
+                  <a:lumMod val="75000"/>
+                </a:schemeClr>
+              </a:solidFill>
+            </a:endParaRPr>
+          </a:p>
+        </p:txBody>
+      </p:sp>
+      <p:pic>
+        <p:nvPicPr>
+          <p:cNvPr id="4" name="Picture 3"/>
+          <p:cNvPicPr>
+            <a:picLocks noChangeAspect="1"/>
+          </p:cNvPicPr>
+          <p:nvPr/>
+        </p:nvPicPr>
+        <p:blipFill>
+          <a:blip r:embed="rId2"/>
+          <a:stretch>
+            <a:fillRect/>
+          </a:stretch>
+        </p:blipFill>
+        <p:spPr>
+          <a:xfrm>
+            <a:off x="3780026" y="3034170"/>
+            <a:ext cx="4328552" cy="3595229"/>
+          </a:xfrm>
+          <a:prstGeom prst="rect">
+            <a:avLst/>
+          </a:prstGeom>
+        </p:spPr>
+      </p:pic>
+      <p:sp>
+        <p:nvSpPr>
+          <p:cNvPr id="11" name="Rectangle 10"/>
+          <p:cNvSpPr/>
+          <p:nvPr/>
+        </p:nvSpPr>
+        <p:spPr>
+          <a:xfrm>
+            <a:off x="4505302" y="4818337"/>
+            <a:ext cx="915605" cy="203468"/>
+          </a:xfrm>
+          <a:prstGeom prst="rect">
+            <a:avLst/>
+          </a:prstGeom>
+          <a:noFill/>
+          <a:ln w="28575">
+            <a:solidFill>
+              <a:srgbClr val="FFFF00"/>
+            </a:solidFill>
+          </a:ln>
+        </p:spPr>
+        <p:style>
+          <a:lnRef idx="2">
+            <a:schemeClr val="accent1">
+              <a:shade val="50000"/>
+            </a:schemeClr>
+          </a:lnRef>
+          <a:fillRef idx="1">
+            <a:schemeClr val="accent1"/>
+          </a:fillRef>
+          <a:effectRef idx="0">
+            <a:schemeClr val="accent1"/>
+          </a:effectRef>
+          <a:fontRef idx="minor">
+            <a:schemeClr val="lt1"/>
+          </a:fontRef>
+        </p:style>
+        <p:txBody>
+          <a:bodyPr rtlCol="0" anchor="ctr"/>
+          <a:lstStyle/>
+          <a:p>
+            <a:pPr algn="ctr"/>
+            <a:endParaRPr lang="en-IN"/>
+          </a:p>
+        </p:txBody>
+      </p:sp>
+      <p:sp>
+        <p:nvSpPr>
+          <p:cNvPr id="12" name="Rectangle 11"/>
+          <p:cNvSpPr/>
+          <p:nvPr/>
+        </p:nvSpPr>
+        <p:spPr>
+          <a:xfrm>
+            <a:off x="4828031" y="4049087"/>
+            <a:ext cx="915605" cy="203468"/>
+          </a:xfrm>
+          <a:prstGeom prst="rect">
+            <a:avLst/>
+          </a:prstGeom>
+          <a:noFill/>
+          <a:ln w="28575">
+            <a:solidFill>
+              <a:srgbClr val="FFFF00"/>
+            </a:solidFill>
+          </a:ln>
+        </p:spPr>
+        <p:style>
+          <a:lnRef idx="2">
+            <a:schemeClr val="accent1">
+              <a:shade val="50000"/>
+            </a:schemeClr>
+          </a:lnRef>
+          <a:fillRef idx="1">
+            <a:schemeClr val="accent1"/>
+          </a:fillRef>
+          <a:effectRef idx="0">
+            <a:schemeClr val="accent1"/>
+          </a:effectRef>
+          <a:fontRef idx="minor">
+            <a:schemeClr val="lt1"/>
+          </a:fontRef>
+        </p:style>
+        <p:txBody>
+          <a:bodyPr rtlCol="0" anchor="ctr"/>
+          <a:lstStyle/>
+          <a:p>
+            <a:pPr algn="ctr"/>
+            <a:endParaRPr lang="en-IN"/>
+          </a:p>
+        </p:txBody>
+      </p:sp>
+    </p:spTree>
+    <p:extLst>
+      <p:ext uri="{BB962C8B-B14F-4D97-AF65-F5344CB8AC3E}">
+        <p14:creationId xmlns:p14="http://schemas.microsoft.com/office/powerpoint/2010/main" val="1830780818"/>
+      </p:ext>
+    </p:extLst>
+  </p:cSld>
+  <p:clrMapOvr>
+    <a:masterClrMapping/>
+  </p:clrMapOvr>
+  <p:timing>
+    <p:tnLst>
+      <p:par>
+        <p:cTn id="1" dur="indefinite" restart="never" nodeType="tmRoot"/>
+      </p:par>
+    </p:tnLst>
+  </p:timing>
+</p:sld>
+</file>
+
+<file path=ppt/slides/slide33.xml><?xml version="1.0" encoding="utf-8"?>
+<p:sld xmlns:a="http://schemas.openxmlformats.org/drawingml/2006/main" xmlns:r="http://schemas.openxmlformats.org/officeDocument/2006/relationships" xmlns:p="http://schemas.openxmlformats.org/presentationml/2006/main">
+  <p:cSld>
+    <p:spTree>
+      <p:nvGrpSpPr>
+        <p:cNvPr id="1" name=""/>
+        <p:cNvGrpSpPr/>
+        <p:nvPr/>
+      </p:nvGrpSpPr>
+      <p:grpSpPr>
+        <a:xfrm>
+          <a:off x="0" y="0"/>
+          <a:ext cx="0" cy="0"/>
+          <a:chOff x="0" y="0"/>
+          <a:chExt cx="0" cy="0"/>
+        </a:xfrm>
+      </p:grpSpPr>
+      <p:sp>
+        <p:nvSpPr>
+          <p:cNvPr id="2" name="Title 1"/>
+          <p:cNvSpPr>
+            <a:spLocks noGrp="1"/>
+          </p:cNvSpPr>
+          <p:nvPr>
+            <p:ph type="title"/>
+          </p:nvPr>
+        </p:nvSpPr>
+        <p:spPr/>
+        <p:txBody>
+          <a:bodyPr/>
+          <a:lstStyle/>
+          <a:p>
+            <a:r>
+              <a:rPr lang="en-IN" b="1" dirty="0" smtClean="0"/>
+              <a:t>6.3 </a:t>
+            </a:r>
+            <a:r>
+              <a:rPr lang="en-US" b="1" dirty="0" smtClean="0"/>
+              <a:t>Use New Component</a:t>
+            </a:r>
+            <a:endParaRPr lang="en-IN" b="1" dirty="0"/>
+          </a:p>
+        </p:txBody>
+      </p:sp>
+      <p:sp>
+        <p:nvSpPr>
+          <p:cNvPr id="3" name="Content Placeholder 2"/>
+          <p:cNvSpPr>
+            <a:spLocks noGrp="1"/>
+          </p:cNvSpPr>
+          <p:nvPr>
+            <p:ph sz="half" idx="2"/>
+          </p:nvPr>
+        </p:nvSpPr>
+        <p:spPr>
+          <a:xfrm>
+            <a:off x="1154954" y="2581835"/>
+            <a:ext cx="10530540" cy="3697941"/>
+          </a:xfrm>
+        </p:spPr>
+        <p:txBody>
+          <a:bodyPr>
+            <a:normAutofit/>
+          </a:bodyPr>
+          <a:lstStyle/>
+          <a:p>
+            <a:r>
+              <a:rPr lang="en-IN" dirty="0" smtClean="0">
+                <a:solidFill>
+                  <a:schemeClr val="tx1"/>
+                </a:solidFill>
+              </a:rPr>
+              <a:t>The component can be used by accessing the selector tag in </a:t>
+            </a:r>
+            <a:r>
+              <a:rPr lang="en-IN" smtClean="0">
+                <a:solidFill>
+                  <a:schemeClr val="tx1"/>
+                </a:solidFill>
+              </a:rPr>
+              <a:t>@Component</a:t>
+            </a:r>
+            <a:endParaRPr lang="en-US" b="1" dirty="0" smtClean="0">
+              <a:solidFill>
+                <a:schemeClr val="accent6">
+                  <a:lumMod val="75000"/>
+                </a:schemeClr>
+              </a:solidFill>
+            </a:endParaRPr>
+          </a:p>
+          <a:p>
+            <a:endParaRPr lang="en-IN" b="1" dirty="0">
+              <a:solidFill>
+                <a:schemeClr val="accent6">
+                  <a:lumMod val="75000"/>
+                </a:schemeClr>
+              </a:solidFill>
+            </a:endParaRPr>
+          </a:p>
+        </p:txBody>
+      </p:sp>
+    </p:spTree>
+    <p:extLst>
+      <p:ext uri="{BB962C8B-B14F-4D97-AF65-F5344CB8AC3E}">
+        <p14:creationId xmlns:p14="http://schemas.microsoft.com/office/powerpoint/2010/main" val="4089223506"/>
       </p:ext>
     </p:extLst>
   </p:cSld>

--- a/Angular Presentation.pptx
+++ b/Angular Presentation.pptx
@@ -38,6 +38,19 @@
     <p:sldId id="308" r:id="rId32"/>
     <p:sldId id="309" r:id="rId33"/>
     <p:sldId id="310" r:id="rId34"/>
+    <p:sldId id="311" r:id="rId35"/>
+    <p:sldId id="312" r:id="rId36"/>
+    <p:sldId id="313" r:id="rId37"/>
+    <p:sldId id="314" r:id="rId38"/>
+    <p:sldId id="315" r:id="rId39"/>
+    <p:sldId id="316" r:id="rId40"/>
+    <p:sldId id="318" r:id="rId41"/>
+    <p:sldId id="319" r:id="rId42"/>
+    <p:sldId id="320" r:id="rId43"/>
+    <p:sldId id="321" r:id="rId44"/>
+    <p:sldId id="323" r:id="rId45"/>
+    <p:sldId id="324" r:id="rId46"/>
+    <p:sldId id="325" r:id="rId47"/>
   </p:sldIdLst>
   <p:sldSz cx="12192000" cy="6858000"/>
   <p:notesSz cx="6858000" cy="9144000"/>
@@ -21566,12 +21579,12 @@
         </p:nvSpPr>
         <p:spPr>
           <a:xfrm>
-            <a:off x="1024467" y="1613647"/>
-            <a:ext cx="10144654" cy="3034553"/>
-          </a:xfrm>
-        </p:spPr>
-        <p:txBody>
-          <a:bodyPr>
+            <a:off x="1025999" y="1888418"/>
+            <a:ext cx="10363660" cy="2038123"/>
+          </a:xfrm>
+        </p:spPr>
+        <p:txBody>
+          <a:bodyPr numCol="2">
             <a:noAutofit/>
           </a:bodyPr>
           <a:lstStyle/>
@@ -21581,7 +21594,7 @@
               <a:buAutoNum type="arabicPeriod"/>
             </a:pPr>
             <a:r>
-              <a:rPr lang="en-IN" sz="2000" dirty="0" smtClean="0"/>
+              <a:rPr lang="en-IN" sz="2400" dirty="0" smtClean="0"/>
               <a:t>Component Architecture</a:t>
             </a:r>
           </a:p>
@@ -21590,7 +21603,7 @@
               <a:buAutoNum type="arabicPeriod"/>
             </a:pPr>
             <a:r>
-              <a:rPr lang="en-IN" dirty="0" smtClean="0"/>
+              <a:rPr lang="en-IN" sz="2400" dirty="0" smtClean="0"/>
               <a:t>Create Component</a:t>
             </a:r>
           </a:p>
@@ -21599,7 +21612,7 @@
               <a:buAutoNum type="arabicPeriod"/>
             </a:pPr>
             <a:r>
-              <a:rPr lang="en-US" dirty="0" smtClean="0"/>
+              <a:rPr lang="en-US" sz="2400" dirty="0" smtClean="0"/>
               <a:t>Import Component in Module </a:t>
             </a:r>
           </a:p>
@@ -21608,7 +21621,7 @@
               <a:buAutoNum type="arabicPeriod"/>
             </a:pPr>
             <a:r>
-              <a:rPr lang="en-US" dirty="0" smtClean="0"/>
+              <a:rPr lang="en-US" sz="2400" dirty="0" smtClean="0"/>
               <a:t>Use New Component</a:t>
             </a:r>
           </a:p>
@@ -21617,14 +21630,28 @@
               <a:buAutoNum type="arabicPeriod"/>
             </a:pPr>
             <a:r>
-              <a:rPr lang="en-US" dirty="0" err="1"/>
-              <a:t>app.component.spec.ts</a:t>
-            </a:r>
-            <a:r>
-              <a:rPr lang="en-US" dirty="0"/>
-              <a:t> </a:t>
-            </a:r>
-            <a:endParaRPr lang="en-IN" sz="2000" dirty="0"/>
+              <a:rPr lang="en-US" sz="2400" dirty="0" smtClean="0"/>
+              <a:t>New Component Usage output</a:t>
+            </a:r>
+          </a:p>
+          <a:p>
+            <a:pPr marL="342900" indent="-342900">
+              <a:buAutoNum type="arabicPeriod"/>
+            </a:pPr>
+            <a:r>
+              <a:rPr lang="en-US" sz="2400" dirty="0" smtClean="0"/>
+              <a:t>Inline Template</a:t>
+            </a:r>
+          </a:p>
+          <a:p>
+            <a:pPr marL="342900" indent="-342900">
+              <a:buAutoNum type="arabicPeriod"/>
+            </a:pPr>
+            <a:r>
+              <a:rPr lang="en-US" sz="2400" dirty="0" smtClean="0"/>
+              <a:t>Inline style</a:t>
+            </a:r>
+            <a:endParaRPr lang="en-IN" sz="2400" dirty="0"/>
           </a:p>
         </p:txBody>
       </p:sp>
@@ -22803,11 +22830,11 @@
           <a:p>
             <a:r>
               <a:rPr lang="en-IN" b="1" dirty="0" smtClean="0"/>
-              <a:t>6.3 </a:t>
+              <a:t>6.4 </a:t>
             </a:r>
             <a:r>
               <a:rPr lang="en-US" b="1" dirty="0" smtClean="0"/>
-              <a:t>Use New Component</a:t>
+              <a:t>New Component Usage Output</a:t>
             </a:r>
             <a:endParaRPr lang="en-IN" b="1" dirty="0"/>
           </a:p>
@@ -22825,8 +22852,8 @@
         </p:nvSpPr>
         <p:spPr>
           <a:xfrm>
-            <a:off x="1154954" y="2581835"/>
-            <a:ext cx="10530540" cy="3697941"/>
+            <a:off x="1154954" y="2581836"/>
+            <a:ext cx="10530540" cy="685800"/>
           </a:xfrm>
         </p:spPr>
         <p:txBody>
@@ -22841,15 +22868,35 @@
                   <a:schemeClr val="tx1"/>
                 </a:solidFill>
               </a:rPr>
-              <a:t>The component can be used by accessing the selector tag in </a:t>
-            </a:r>
-            <a:r>
-              <a:rPr lang="en-IN" smtClean="0">
+              <a:t>In terminal run </a:t>
+            </a:r>
+            <a:r>
+              <a:rPr lang="en-IN" b="1" dirty="0" smtClean="0">
+                <a:solidFill>
+                  <a:schemeClr val="accent6">
+                    <a:lumMod val="75000"/>
+                  </a:schemeClr>
+                </a:solidFill>
+              </a:rPr>
+              <a:t>ng serve </a:t>
+            </a:r>
+            <a:r>
+              <a:rPr lang="en-IN" dirty="0" smtClean="0">
                 <a:solidFill>
                   <a:schemeClr val="tx1"/>
                 </a:solidFill>
               </a:rPr>
-              <a:t>@Component</a:t>
+              <a:t>and in browser type </a:t>
+            </a:r>
+            <a:r>
+              <a:rPr lang="en-IN" b="1" dirty="0" smtClean="0">
+                <a:solidFill>
+                  <a:schemeClr val="accent6">
+                    <a:lumMod val="75000"/>
+                  </a:schemeClr>
+                </a:solidFill>
+              </a:rPr>
+              <a:t>http://localhost:4200</a:t>
             </a:r>
             <a:endParaRPr lang="en-US" b="1" dirty="0" smtClean="0">
               <a:solidFill>
@@ -22870,10 +22917,1597 @@
           </a:p>
         </p:txBody>
       </p:sp>
+      <p:pic>
+        <p:nvPicPr>
+          <p:cNvPr id="7" name="Picture 6"/>
+          <p:cNvPicPr>
+            <a:picLocks noChangeAspect="1"/>
+          </p:cNvPicPr>
+          <p:nvPr/>
+        </p:nvPicPr>
+        <p:blipFill>
+          <a:blip r:embed="rId2"/>
+          <a:stretch>
+            <a:fillRect/>
+          </a:stretch>
+        </p:blipFill>
+        <p:spPr>
+          <a:xfrm>
+            <a:off x="1691808" y="3183002"/>
+            <a:ext cx="3590925" cy="1971675"/>
+          </a:xfrm>
+          <a:prstGeom prst="rect">
+            <a:avLst/>
+          </a:prstGeom>
+          <a:ln>
+            <a:solidFill>
+              <a:schemeClr val="bg1">
+                <a:lumMod val="85000"/>
+              </a:schemeClr>
+            </a:solidFill>
+          </a:ln>
+        </p:spPr>
+      </p:pic>
+      <p:sp>
+        <p:nvSpPr>
+          <p:cNvPr id="15" name="Rectangle 14"/>
+          <p:cNvSpPr/>
+          <p:nvPr/>
+        </p:nvSpPr>
+        <p:spPr>
+          <a:xfrm>
+            <a:off x="3029467" y="3183002"/>
+            <a:ext cx="1273592" cy="367022"/>
+          </a:xfrm>
+          <a:prstGeom prst="rect">
+            <a:avLst/>
+          </a:prstGeom>
+          <a:noFill/>
+          <a:ln w="28575">
+            <a:solidFill>
+              <a:schemeClr val="accent6">
+                <a:lumMod val="75000"/>
+              </a:schemeClr>
+            </a:solidFill>
+          </a:ln>
+        </p:spPr>
+        <p:style>
+          <a:lnRef idx="2">
+            <a:schemeClr val="accent1">
+              <a:shade val="50000"/>
+            </a:schemeClr>
+          </a:lnRef>
+          <a:fillRef idx="1">
+            <a:schemeClr val="accent1"/>
+          </a:fillRef>
+          <a:effectRef idx="0">
+            <a:schemeClr val="accent1"/>
+          </a:effectRef>
+          <a:fontRef idx="minor">
+            <a:schemeClr val="lt1"/>
+          </a:fontRef>
+        </p:style>
+        <p:txBody>
+          <a:bodyPr rtlCol="0" anchor="ctr"/>
+          <a:lstStyle/>
+          <a:p>
+            <a:pPr algn="ctr"/>
+            <a:endParaRPr lang="en-IN"/>
+          </a:p>
+        </p:txBody>
+      </p:sp>
+      <p:sp>
+        <p:nvSpPr>
+          <p:cNvPr id="16" name="Rectangle 15"/>
+          <p:cNvSpPr/>
+          <p:nvPr/>
+        </p:nvSpPr>
+        <p:spPr>
+          <a:xfrm>
+            <a:off x="1718702" y="4652681"/>
+            <a:ext cx="1011051" cy="327213"/>
+          </a:xfrm>
+          <a:prstGeom prst="rect">
+            <a:avLst/>
+          </a:prstGeom>
+          <a:noFill/>
+          <a:ln w="28575">
+            <a:solidFill>
+              <a:schemeClr val="accent6">
+                <a:lumMod val="75000"/>
+              </a:schemeClr>
+            </a:solidFill>
+          </a:ln>
+        </p:spPr>
+        <p:style>
+          <a:lnRef idx="2">
+            <a:schemeClr val="accent1">
+              <a:shade val="50000"/>
+            </a:schemeClr>
+          </a:lnRef>
+          <a:fillRef idx="1">
+            <a:schemeClr val="accent1"/>
+          </a:fillRef>
+          <a:effectRef idx="0">
+            <a:schemeClr val="accent1"/>
+          </a:effectRef>
+          <a:fontRef idx="minor">
+            <a:schemeClr val="lt1"/>
+          </a:fontRef>
+        </p:style>
+        <p:txBody>
+          <a:bodyPr rtlCol="0" anchor="ctr"/>
+          <a:lstStyle/>
+          <a:p>
+            <a:pPr algn="ctr"/>
+            <a:endParaRPr lang="en-IN"/>
+          </a:p>
+        </p:txBody>
+      </p:sp>
     </p:spTree>
     <p:extLst>
       <p:ext uri="{BB962C8B-B14F-4D97-AF65-F5344CB8AC3E}">
         <p14:creationId xmlns:p14="http://schemas.microsoft.com/office/powerpoint/2010/main" val="4089223506"/>
+      </p:ext>
+    </p:extLst>
+  </p:cSld>
+  <p:clrMapOvr>
+    <a:masterClrMapping/>
+  </p:clrMapOvr>
+  <p:timing>
+    <p:tnLst>
+      <p:par>
+        <p:cTn id="1" dur="indefinite" restart="never" nodeType="tmRoot"/>
+      </p:par>
+    </p:tnLst>
+  </p:timing>
+</p:sld>
+</file>
+
+<file path=ppt/slides/slide34.xml><?xml version="1.0" encoding="utf-8"?>
+<p:sld xmlns:a="http://schemas.openxmlformats.org/drawingml/2006/main" xmlns:r="http://schemas.openxmlformats.org/officeDocument/2006/relationships" xmlns:p="http://schemas.openxmlformats.org/presentationml/2006/main">
+  <p:cSld>
+    <p:spTree>
+      <p:nvGrpSpPr>
+        <p:cNvPr id="1" name=""/>
+        <p:cNvGrpSpPr/>
+        <p:nvPr/>
+      </p:nvGrpSpPr>
+      <p:grpSpPr>
+        <a:xfrm>
+          <a:off x="0" y="0"/>
+          <a:ext cx="0" cy="0"/>
+          <a:chOff x="0" y="0"/>
+          <a:chExt cx="0" cy="0"/>
+        </a:xfrm>
+      </p:grpSpPr>
+      <p:pic>
+        <p:nvPicPr>
+          <p:cNvPr id="10" name="Picture 9"/>
+          <p:cNvPicPr>
+            <a:picLocks noChangeAspect="1"/>
+          </p:cNvPicPr>
+          <p:nvPr/>
+        </p:nvPicPr>
+        <p:blipFill>
+          <a:blip r:embed="rId2"/>
+          <a:stretch>
+            <a:fillRect/>
+          </a:stretch>
+        </p:blipFill>
+        <p:spPr>
+          <a:xfrm>
+            <a:off x="7344016" y="3931120"/>
+            <a:ext cx="3752850" cy="2114550"/>
+          </a:xfrm>
+          <a:prstGeom prst="rect">
+            <a:avLst/>
+          </a:prstGeom>
+          <a:ln>
+            <a:solidFill>
+              <a:schemeClr val="bg1">
+                <a:lumMod val="65000"/>
+              </a:schemeClr>
+            </a:solidFill>
+          </a:ln>
+        </p:spPr>
+      </p:pic>
+      <p:pic>
+        <p:nvPicPr>
+          <p:cNvPr id="6" name="Picture 5"/>
+          <p:cNvPicPr>
+            <a:picLocks noChangeAspect="1"/>
+          </p:cNvPicPr>
+          <p:nvPr/>
+        </p:nvPicPr>
+        <p:blipFill>
+          <a:blip r:embed="rId3"/>
+          <a:stretch>
+            <a:fillRect/>
+          </a:stretch>
+        </p:blipFill>
+        <p:spPr>
+          <a:xfrm>
+            <a:off x="1280104" y="3777386"/>
+            <a:ext cx="4273532" cy="2524939"/>
+          </a:xfrm>
+          <a:prstGeom prst="rect">
+            <a:avLst/>
+          </a:prstGeom>
+        </p:spPr>
+      </p:pic>
+      <p:sp>
+        <p:nvSpPr>
+          <p:cNvPr id="2" name="Title 1"/>
+          <p:cNvSpPr>
+            <a:spLocks noGrp="1"/>
+          </p:cNvSpPr>
+          <p:nvPr>
+            <p:ph type="title"/>
+          </p:nvPr>
+        </p:nvSpPr>
+        <p:spPr/>
+        <p:txBody>
+          <a:bodyPr/>
+          <a:lstStyle/>
+          <a:p>
+            <a:r>
+              <a:rPr lang="en-IN" b="1" dirty="0" smtClean="0"/>
+              <a:t>6.5 </a:t>
+            </a:r>
+            <a:r>
+              <a:rPr lang="en-US" b="1" dirty="0" smtClean="0"/>
+              <a:t>Inline Template</a:t>
+            </a:r>
+            <a:endParaRPr lang="en-IN" b="1" dirty="0"/>
+          </a:p>
+        </p:txBody>
+      </p:sp>
+      <p:sp>
+        <p:nvSpPr>
+          <p:cNvPr id="3" name="Content Placeholder 2"/>
+          <p:cNvSpPr>
+            <a:spLocks noGrp="1"/>
+          </p:cNvSpPr>
+          <p:nvPr>
+            <p:ph sz="half" idx="2"/>
+          </p:nvPr>
+        </p:nvSpPr>
+        <p:spPr>
+          <a:xfrm>
+            <a:off x="1154954" y="2581836"/>
+            <a:ext cx="10530540" cy="1663512"/>
+          </a:xfrm>
+        </p:spPr>
+        <p:txBody>
+          <a:bodyPr>
+            <a:normAutofit/>
+          </a:bodyPr>
+          <a:lstStyle/>
+          <a:p>
+            <a:r>
+              <a:rPr lang="en-IN" dirty="0" smtClean="0">
+                <a:solidFill>
+                  <a:schemeClr val="tx1"/>
+                </a:solidFill>
+              </a:rPr>
+              <a:t>We  can specify html element in component itself without referring to another resource</a:t>
+            </a:r>
+          </a:p>
+          <a:p>
+            <a:r>
+              <a:rPr lang="en-IN" dirty="0" smtClean="0">
+                <a:solidFill>
+                  <a:schemeClr val="tx1"/>
+                </a:solidFill>
+              </a:rPr>
+              <a:t>Change </a:t>
+            </a:r>
+            <a:r>
+              <a:rPr lang="en-IN" dirty="0" err="1" smtClean="0">
+                <a:solidFill>
+                  <a:schemeClr val="tx1"/>
+                </a:solidFill>
+              </a:rPr>
+              <a:t>TemplateUrl</a:t>
+            </a:r>
+            <a:r>
+              <a:rPr lang="en-IN" dirty="0" smtClean="0">
+                <a:solidFill>
+                  <a:schemeClr val="tx1"/>
+                </a:solidFill>
+              </a:rPr>
+              <a:t> to template </a:t>
+            </a:r>
+          </a:p>
+          <a:p>
+            <a:r>
+              <a:rPr lang="en-IN" dirty="0" smtClean="0">
+                <a:solidFill>
+                  <a:schemeClr val="tx1"/>
+                </a:solidFill>
+              </a:rPr>
+              <a:t>Change Resource name to desired html content inside colon</a:t>
+            </a:r>
+            <a:endParaRPr lang="en-US" dirty="0" smtClean="0">
+              <a:solidFill>
+                <a:schemeClr val="accent6">
+                  <a:lumMod val="75000"/>
+                </a:schemeClr>
+              </a:solidFill>
+            </a:endParaRPr>
+          </a:p>
+          <a:p>
+            <a:endParaRPr lang="en-IN" b="1" dirty="0">
+              <a:solidFill>
+                <a:schemeClr val="accent6">
+                  <a:lumMod val="75000"/>
+                </a:schemeClr>
+              </a:solidFill>
+            </a:endParaRPr>
+          </a:p>
+        </p:txBody>
+      </p:sp>
+      <p:sp>
+        <p:nvSpPr>
+          <p:cNvPr id="8" name="Rectangle 7"/>
+          <p:cNvSpPr/>
+          <p:nvPr/>
+        </p:nvSpPr>
+        <p:spPr>
+          <a:xfrm>
+            <a:off x="1847627" y="4923811"/>
+            <a:ext cx="1352773" cy="898765"/>
+          </a:xfrm>
+          <a:prstGeom prst="rect">
+            <a:avLst/>
+          </a:prstGeom>
+          <a:noFill/>
+          <a:ln w="28575">
+            <a:solidFill>
+              <a:srgbClr val="FFFF00"/>
+            </a:solidFill>
+          </a:ln>
+        </p:spPr>
+        <p:style>
+          <a:lnRef idx="2">
+            <a:schemeClr val="accent1">
+              <a:shade val="50000"/>
+            </a:schemeClr>
+          </a:lnRef>
+          <a:fillRef idx="1">
+            <a:schemeClr val="accent1"/>
+          </a:fillRef>
+          <a:effectRef idx="0">
+            <a:schemeClr val="accent1"/>
+          </a:effectRef>
+          <a:fontRef idx="minor">
+            <a:schemeClr val="lt1"/>
+          </a:fontRef>
+        </p:style>
+        <p:txBody>
+          <a:bodyPr rtlCol="0" anchor="ctr"/>
+          <a:lstStyle/>
+          <a:p>
+            <a:pPr algn="ctr"/>
+            <a:endParaRPr lang="en-IN">
+              <a:solidFill>
+                <a:srgbClr val="FFFF00"/>
+              </a:solidFill>
+            </a:endParaRPr>
+          </a:p>
+        </p:txBody>
+      </p:sp>
+      <p:sp>
+        <p:nvSpPr>
+          <p:cNvPr id="9" name="Rectangle 8"/>
+          <p:cNvSpPr/>
+          <p:nvPr/>
+        </p:nvSpPr>
+        <p:spPr>
+          <a:xfrm>
+            <a:off x="1300189" y="3833279"/>
+            <a:ext cx="1087754" cy="195683"/>
+          </a:xfrm>
+          <a:prstGeom prst="rect">
+            <a:avLst/>
+          </a:prstGeom>
+          <a:noFill/>
+          <a:ln w="28575">
+            <a:solidFill>
+              <a:srgbClr val="FFFF00"/>
+            </a:solidFill>
+          </a:ln>
+        </p:spPr>
+        <p:style>
+          <a:lnRef idx="2">
+            <a:schemeClr val="accent1">
+              <a:shade val="50000"/>
+            </a:schemeClr>
+          </a:lnRef>
+          <a:fillRef idx="1">
+            <a:schemeClr val="accent1"/>
+          </a:fillRef>
+          <a:effectRef idx="0">
+            <a:schemeClr val="accent1"/>
+          </a:effectRef>
+          <a:fontRef idx="minor">
+            <a:schemeClr val="lt1"/>
+          </a:fontRef>
+        </p:style>
+        <p:txBody>
+          <a:bodyPr rtlCol="0" anchor="ctr"/>
+          <a:lstStyle/>
+          <a:p>
+            <a:pPr algn="ctr"/>
+            <a:endParaRPr lang="en-IN">
+              <a:solidFill>
+                <a:srgbClr val="FFFF00"/>
+              </a:solidFill>
+            </a:endParaRPr>
+          </a:p>
+        </p:txBody>
+      </p:sp>
+      <p:sp>
+        <p:nvSpPr>
+          <p:cNvPr id="11" name="Rectangle 10"/>
+          <p:cNvSpPr/>
+          <p:nvPr/>
+        </p:nvSpPr>
+        <p:spPr>
+          <a:xfrm>
+            <a:off x="8936828" y="3971462"/>
+            <a:ext cx="1157811" cy="250681"/>
+          </a:xfrm>
+          <a:prstGeom prst="rect">
+            <a:avLst/>
+          </a:prstGeom>
+          <a:noFill/>
+          <a:ln w="28575">
+            <a:solidFill>
+              <a:schemeClr val="accent6">
+                <a:lumMod val="75000"/>
+              </a:schemeClr>
+            </a:solidFill>
+          </a:ln>
+        </p:spPr>
+        <p:style>
+          <a:lnRef idx="2">
+            <a:schemeClr val="accent1">
+              <a:shade val="50000"/>
+            </a:schemeClr>
+          </a:lnRef>
+          <a:fillRef idx="1">
+            <a:schemeClr val="accent1"/>
+          </a:fillRef>
+          <a:effectRef idx="0">
+            <a:schemeClr val="accent1"/>
+          </a:effectRef>
+          <a:fontRef idx="minor">
+            <a:schemeClr val="lt1"/>
+          </a:fontRef>
+        </p:style>
+        <p:txBody>
+          <a:bodyPr rtlCol="0" anchor="ctr"/>
+          <a:lstStyle/>
+          <a:p>
+            <a:pPr algn="ctr"/>
+            <a:endParaRPr lang="en-IN"/>
+          </a:p>
+        </p:txBody>
+      </p:sp>
+      <p:sp>
+        <p:nvSpPr>
+          <p:cNvPr id="12" name="Rectangle 11"/>
+          <p:cNvSpPr/>
+          <p:nvPr/>
+        </p:nvSpPr>
+        <p:spPr>
+          <a:xfrm>
+            <a:off x="7397804" y="5434736"/>
+            <a:ext cx="1052555" cy="250681"/>
+          </a:xfrm>
+          <a:prstGeom prst="rect">
+            <a:avLst/>
+          </a:prstGeom>
+          <a:noFill/>
+          <a:ln w="28575">
+            <a:solidFill>
+              <a:schemeClr val="accent6">
+                <a:lumMod val="75000"/>
+              </a:schemeClr>
+            </a:solidFill>
+          </a:ln>
+        </p:spPr>
+        <p:style>
+          <a:lnRef idx="2">
+            <a:schemeClr val="accent1">
+              <a:shade val="50000"/>
+            </a:schemeClr>
+          </a:lnRef>
+          <a:fillRef idx="1">
+            <a:schemeClr val="accent1"/>
+          </a:fillRef>
+          <a:effectRef idx="0">
+            <a:schemeClr val="accent1"/>
+          </a:effectRef>
+          <a:fontRef idx="minor">
+            <a:schemeClr val="lt1"/>
+          </a:fontRef>
+        </p:style>
+        <p:txBody>
+          <a:bodyPr rtlCol="0" anchor="ctr"/>
+          <a:lstStyle/>
+          <a:p>
+            <a:pPr algn="ctr"/>
+            <a:endParaRPr lang="en-IN"/>
+          </a:p>
+        </p:txBody>
+      </p:sp>
+    </p:spTree>
+    <p:extLst>
+      <p:ext uri="{BB962C8B-B14F-4D97-AF65-F5344CB8AC3E}">
+        <p14:creationId xmlns:p14="http://schemas.microsoft.com/office/powerpoint/2010/main" val="597081996"/>
+      </p:ext>
+    </p:extLst>
+  </p:cSld>
+  <p:clrMapOvr>
+    <a:masterClrMapping/>
+  </p:clrMapOvr>
+  <p:timing>
+    <p:tnLst>
+      <p:par>
+        <p:cTn id="1" dur="indefinite" restart="never" nodeType="tmRoot"/>
+      </p:par>
+    </p:tnLst>
+  </p:timing>
+</p:sld>
+</file>
+
+<file path=ppt/slides/slide35.xml><?xml version="1.0" encoding="utf-8"?>
+<p:sld xmlns:a="http://schemas.openxmlformats.org/drawingml/2006/main" xmlns:r="http://schemas.openxmlformats.org/officeDocument/2006/relationships" xmlns:p="http://schemas.openxmlformats.org/presentationml/2006/main">
+  <p:cSld>
+    <p:spTree>
+      <p:nvGrpSpPr>
+        <p:cNvPr id="1" name=""/>
+        <p:cNvGrpSpPr/>
+        <p:nvPr/>
+      </p:nvGrpSpPr>
+      <p:grpSpPr>
+        <a:xfrm>
+          <a:off x="0" y="0"/>
+          <a:ext cx="0" cy="0"/>
+          <a:chOff x="0" y="0"/>
+          <a:chExt cx="0" cy="0"/>
+        </a:xfrm>
+      </p:grpSpPr>
+      <p:sp>
+        <p:nvSpPr>
+          <p:cNvPr id="2" name="Title 1"/>
+          <p:cNvSpPr>
+            <a:spLocks noGrp="1"/>
+          </p:cNvSpPr>
+          <p:nvPr>
+            <p:ph type="title"/>
+          </p:nvPr>
+        </p:nvSpPr>
+        <p:spPr/>
+        <p:txBody>
+          <a:bodyPr/>
+          <a:lstStyle/>
+          <a:p>
+            <a:r>
+              <a:rPr lang="en-IN" b="1" dirty="0" smtClean="0"/>
+              <a:t>6.6 </a:t>
+            </a:r>
+            <a:r>
+              <a:rPr lang="en-US" b="1" dirty="0" smtClean="0"/>
+              <a:t>Inline Style</a:t>
+            </a:r>
+            <a:endParaRPr lang="en-IN" b="1" dirty="0"/>
+          </a:p>
+        </p:txBody>
+      </p:sp>
+      <p:sp>
+        <p:nvSpPr>
+          <p:cNvPr id="3" name="Content Placeholder 2"/>
+          <p:cNvSpPr>
+            <a:spLocks noGrp="1"/>
+          </p:cNvSpPr>
+          <p:nvPr>
+            <p:ph sz="half" idx="2"/>
+          </p:nvPr>
+        </p:nvSpPr>
+        <p:spPr>
+          <a:xfrm>
+            <a:off x="1154954" y="2581836"/>
+            <a:ext cx="10530540" cy="1663512"/>
+          </a:xfrm>
+        </p:spPr>
+        <p:txBody>
+          <a:bodyPr>
+            <a:normAutofit/>
+          </a:bodyPr>
+          <a:lstStyle/>
+          <a:p>
+            <a:r>
+              <a:rPr lang="en-IN" dirty="0" smtClean="0">
+                <a:solidFill>
+                  <a:schemeClr val="tx1"/>
+                </a:solidFill>
+              </a:rPr>
+              <a:t>We  can specify style element in component itself without referring to another resource</a:t>
+            </a:r>
+          </a:p>
+          <a:p>
+            <a:r>
+              <a:rPr lang="en-IN" dirty="0" smtClean="0">
+                <a:solidFill>
+                  <a:schemeClr val="tx1"/>
+                </a:solidFill>
+              </a:rPr>
+              <a:t>Change </a:t>
+            </a:r>
+            <a:r>
+              <a:rPr lang="en-IN" dirty="0" err="1" smtClean="0">
+                <a:solidFill>
+                  <a:schemeClr val="tx1"/>
+                </a:solidFill>
+              </a:rPr>
+              <a:t>StyleUrl</a:t>
+            </a:r>
+            <a:r>
+              <a:rPr lang="en-IN" dirty="0" smtClean="0">
+                <a:solidFill>
+                  <a:schemeClr val="tx1"/>
+                </a:solidFill>
+              </a:rPr>
+              <a:t> to Styles</a:t>
+            </a:r>
+          </a:p>
+          <a:p>
+            <a:r>
+              <a:rPr lang="en-IN" dirty="0" smtClean="0">
+                <a:solidFill>
+                  <a:schemeClr val="tx1"/>
+                </a:solidFill>
+              </a:rPr>
+              <a:t>Change Resource name to desired </a:t>
+            </a:r>
+            <a:r>
+              <a:rPr lang="en-IN" dirty="0" err="1" smtClean="0">
+                <a:solidFill>
+                  <a:schemeClr val="tx1"/>
+                </a:solidFill>
+              </a:rPr>
+              <a:t>css</a:t>
+            </a:r>
+            <a:r>
+              <a:rPr lang="en-IN" dirty="0" smtClean="0">
+                <a:solidFill>
+                  <a:schemeClr val="tx1"/>
+                </a:solidFill>
+              </a:rPr>
+              <a:t> content inside tilt colon</a:t>
+            </a:r>
+            <a:endParaRPr lang="en-US" dirty="0" smtClean="0">
+              <a:solidFill>
+                <a:schemeClr val="accent6">
+                  <a:lumMod val="75000"/>
+                </a:schemeClr>
+              </a:solidFill>
+            </a:endParaRPr>
+          </a:p>
+          <a:p>
+            <a:endParaRPr lang="en-IN" b="1" dirty="0">
+              <a:solidFill>
+                <a:schemeClr val="accent6">
+                  <a:lumMod val="75000"/>
+                </a:schemeClr>
+              </a:solidFill>
+            </a:endParaRPr>
+          </a:p>
+        </p:txBody>
+      </p:sp>
+      <p:pic>
+        <p:nvPicPr>
+          <p:cNvPr id="4" name="Picture 3"/>
+          <p:cNvPicPr>
+            <a:picLocks noChangeAspect="1"/>
+          </p:cNvPicPr>
+          <p:nvPr/>
+        </p:nvPicPr>
+        <p:blipFill>
+          <a:blip r:embed="rId2"/>
+          <a:stretch>
+            <a:fillRect/>
+          </a:stretch>
+        </p:blipFill>
+        <p:spPr>
+          <a:xfrm>
+            <a:off x="1326777" y="3883118"/>
+            <a:ext cx="5638800" cy="2238375"/>
+          </a:xfrm>
+          <a:prstGeom prst="rect">
+            <a:avLst/>
+          </a:prstGeom>
+        </p:spPr>
+      </p:pic>
+      <p:sp>
+        <p:nvSpPr>
+          <p:cNvPr id="8" name="Rectangle 7"/>
+          <p:cNvSpPr/>
+          <p:nvPr/>
+        </p:nvSpPr>
+        <p:spPr>
+          <a:xfrm>
+            <a:off x="2232212" y="5112211"/>
+            <a:ext cx="3706009" cy="226271"/>
+          </a:xfrm>
+          <a:prstGeom prst="rect">
+            <a:avLst/>
+          </a:prstGeom>
+          <a:noFill/>
+          <a:ln w="28575">
+            <a:solidFill>
+              <a:srgbClr val="FFFF00"/>
+            </a:solidFill>
+          </a:ln>
+        </p:spPr>
+        <p:style>
+          <a:lnRef idx="2">
+            <a:schemeClr val="accent1">
+              <a:shade val="50000"/>
+            </a:schemeClr>
+          </a:lnRef>
+          <a:fillRef idx="1">
+            <a:schemeClr val="accent1"/>
+          </a:fillRef>
+          <a:effectRef idx="0">
+            <a:schemeClr val="accent1"/>
+          </a:effectRef>
+          <a:fontRef idx="minor">
+            <a:schemeClr val="lt1"/>
+          </a:fontRef>
+        </p:style>
+        <p:txBody>
+          <a:bodyPr rtlCol="0" anchor="ctr"/>
+          <a:lstStyle/>
+          <a:p>
+            <a:pPr algn="ctr"/>
+            <a:endParaRPr lang="en-IN">
+              <a:solidFill>
+                <a:srgbClr val="FFFF00"/>
+              </a:solidFill>
+            </a:endParaRPr>
+          </a:p>
+        </p:txBody>
+      </p:sp>
+      <p:sp>
+        <p:nvSpPr>
+          <p:cNvPr id="9" name="Rectangle 8"/>
+          <p:cNvSpPr/>
+          <p:nvPr/>
+        </p:nvSpPr>
+        <p:spPr>
+          <a:xfrm>
+            <a:off x="1365692" y="3928013"/>
+            <a:ext cx="1316182" cy="195683"/>
+          </a:xfrm>
+          <a:prstGeom prst="rect">
+            <a:avLst/>
+          </a:prstGeom>
+          <a:noFill/>
+          <a:ln w="28575">
+            <a:solidFill>
+              <a:srgbClr val="FFFF00"/>
+            </a:solidFill>
+          </a:ln>
+        </p:spPr>
+        <p:style>
+          <a:lnRef idx="2">
+            <a:schemeClr val="accent1">
+              <a:shade val="50000"/>
+            </a:schemeClr>
+          </a:lnRef>
+          <a:fillRef idx="1">
+            <a:schemeClr val="accent1"/>
+          </a:fillRef>
+          <a:effectRef idx="0">
+            <a:schemeClr val="accent1"/>
+          </a:effectRef>
+          <a:fontRef idx="minor">
+            <a:schemeClr val="lt1"/>
+          </a:fontRef>
+        </p:style>
+        <p:txBody>
+          <a:bodyPr rtlCol="0" anchor="ctr"/>
+          <a:lstStyle/>
+          <a:p>
+            <a:pPr algn="ctr"/>
+            <a:endParaRPr lang="en-IN">
+              <a:solidFill>
+                <a:srgbClr val="FFFF00"/>
+              </a:solidFill>
+            </a:endParaRPr>
+          </a:p>
+        </p:txBody>
+      </p:sp>
+      <p:pic>
+        <p:nvPicPr>
+          <p:cNvPr id="5" name="Picture 4"/>
+          <p:cNvPicPr>
+            <a:picLocks noChangeAspect="1"/>
+          </p:cNvPicPr>
+          <p:nvPr/>
+        </p:nvPicPr>
+        <p:blipFill>
+          <a:blip r:embed="rId3"/>
+          <a:stretch>
+            <a:fillRect/>
+          </a:stretch>
+        </p:blipFill>
+        <p:spPr>
+          <a:xfrm>
+            <a:off x="7358623" y="3883118"/>
+            <a:ext cx="3933825" cy="2171700"/>
+          </a:xfrm>
+          <a:prstGeom prst="rect">
+            <a:avLst/>
+          </a:prstGeom>
+          <a:ln>
+            <a:solidFill>
+              <a:schemeClr val="bg1">
+                <a:lumMod val="65000"/>
+              </a:schemeClr>
+            </a:solidFill>
+          </a:ln>
+        </p:spPr>
+      </p:pic>
+      <p:sp>
+        <p:nvSpPr>
+          <p:cNvPr id="11" name="Rectangle 10"/>
+          <p:cNvSpPr/>
+          <p:nvPr/>
+        </p:nvSpPr>
+        <p:spPr>
+          <a:xfrm>
+            <a:off x="8936828" y="3971462"/>
+            <a:ext cx="1157811" cy="250681"/>
+          </a:xfrm>
+          <a:prstGeom prst="rect">
+            <a:avLst/>
+          </a:prstGeom>
+          <a:noFill/>
+          <a:ln w="28575">
+            <a:solidFill>
+              <a:schemeClr val="accent6">
+                <a:lumMod val="75000"/>
+              </a:schemeClr>
+            </a:solidFill>
+          </a:ln>
+        </p:spPr>
+        <p:style>
+          <a:lnRef idx="2">
+            <a:schemeClr val="accent1">
+              <a:shade val="50000"/>
+            </a:schemeClr>
+          </a:lnRef>
+          <a:fillRef idx="1">
+            <a:schemeClr val="accent1"/>
+          </a:fillRef>
+          <a:effectRef idx="0">
+            <a:schemeClr val="accent1"/>
+          </a:effectRef>
+          <a:fontRef idx="minor">
+            <a:schemeClr val="lt1"/>
+          </a:fontRef>
+        </p:style>
+        <p:txBody>
+          <a:bodyPr rtlCol="0" anchor="ctr"/>
+          <a:lstStyle/>
+          <a:p>
+            <a:pPr algn="ctr"/>
+            <a:endParaRPr lang="en-IN"/>
+          </a:p>
+        </p:txBody>
+      </p:sp>
+      <p:sp>
+        <p:nvSpPr>
+          <p:cNvPr id="12" name="Rectangle 11"/>
+          <p:cNvSpPr/>
+          <p:nvPr/>
+        </p:nvSpPr>
+        <p:spPr>
+          <a:xfrm>
+            <a:off x="7397804" y="5434736"/>
+            <a:ext cx="1052555" cy="250681"/>
+          </a:xfrm>
+          <a:prstGeom prst="rect">
+            <a:avLst/>
+          </a:prstGeom>
+          <a:noFill/>
+          <a:ln w="28575">
+            <a:solidFill>
+              <a:schemeClr val="accent6">
+                <a:lumMod val="75000"/>
+              </a:schemeClr>
+            </a:solidFill>
+          </a:ln>
+        </p:spPr>
+        <p:style>
+          <a:lnRef idx="2">
+            <a:schemeClr val="accent1">
+              <a:shade val="50000"/>
+            </a:schemeClr>
+          </a:lnRef>
+          <a:fillRef idx="1">
+            <a:schemeClr val="accent1"/>
+          </a:fillRef>
+          <a:effectRef idx="0">
+            <a:schemeClr val="accent1"/>
+          </a:effectRef>
+          <a:fontRef idx="minor">
+            <a:schemeClr val="lt1"/>
+          </a:fontRef>
+        </p:style>
+        <p:txBody>
+          <a:bodyPr rtlCol="0" anchor="ctr"/>
+          <a:lstStyle/>
+          <a:p>
+            <a:pPr algn="ctr"/>
+            <a:endParaRPr lang="en-IN"/>
+          </a:p>
+        </p:txBody>
+      </p:sp>
+    </p:spTree>
+    <p:extLst>
+      <p:ext uri="{BB962C8B-B14F-4D97-AF65-F5344CB8AC3E}">
+        <p14:creationId xmlns:p14="http://schemas.microsoft.com/office/powerpoint/2010/main" val="2596460554"/>
+      </p:ext>
+    </p:extLst>
+  </p:cSld>
+  <p:clrMapOvr>
+    <a:masterClrMapping/>
+  </p:clrMapOvr>
+  <p:timing>
+    <p:tnLst>
+      <p:par>
+        <p:cTn id="1" dur="indefinite" restart="never" nodeType="tmRoot"/>
+      </p:par>
+    </p:tnLst>
+  </p:timing>
+</p:sld>
+</file>
+
+<file path=ppt/slides/slide36.xml><?xml version="1.0" encoding="utf-8"?>
+<p:sld xmlns:a="http://schemas.openxmlformats.org/drawingml/2006/main" xmlns:r="http://schemas.openxmlformats.org/officeDocument/2006/relationships" xmlns:p="http://schemas.openxmlformats.org/presentationml/2006/main">
+  <p:cSld>
+    <p:spTree>
+      <p:nvGrpSpPr>
+        <p:cNvPr id="1" name=""/>
+        <p:cNvGrpSpPr/>
+        <p:nvPr/>
+      </p:nvGrpSpPr>
+      <p:grpSpPr>
+        <a:xfrm>
+          <a:off x="0" y="0"/>
+          <a:ext cx="0" cy="0"/>
+          <a:chOff x="0" y="0"/>
+          <a:chExt cx="0" cy="0"/>
+        </a:xfrm>
+      </p:grpSpPr>
+      <p:sp>
+        <p:nvSpPr>
+          <p:cNvPr id="4" name="Title 3"/>
+          <p:cNvSpPr>
+            <a:spLocks noGrp="1"/>
+          </p:cNvSpPr>
+          <p:nvPr>
+            <p:ph type="title"/>
+          </p:nvPr>
+        </p:nvSpPr>
+        <p:spPr>
+          <a:xfrm>
+            <a:off x="1024467" y="753035"/>
+            <a:ext cx="10146186" cy="705077"/>
+          </a:xfrm>
+        </p:spPr>
+        <p:txBody>
+          <a:bodyPr/>
+          <a:lstStyle/>
+          <a:p>
+            <a:r>
+              <a:rPr lang="en-IN" b="1" dirty="0" smtClean="0"/>
+              <a:t>Chapter </a:t>
+            </a:r>
+            <a:r>
+              <a:rPr lang="en-IN" b="1" dirty="0"/>
+              <a:t>7</a:t>
+            </a:r>
+            <a:r>
+              <a:rPr lang="en-IN" b="1" dirty="0" smtClean="0"/>
+              <a:t> </a:t>
+            </a:r>
+            <a:r>
+              <a:rPr lang="en-IN" b="1" dirty="0" smtClean="0"/>
+              <a:t>: </a:t>
+            </a:r>
+            <a:r>
+              <a:rPr lang="en-IN" b="1" dirty="0" smtClean="0"/>
+              <a:t>Interpolation {{}}</a:t>
+            </a:r>
+            <a:endParaRPr lang="en-IN" b="1" dirty="0"/>
+          </a:p>
+        </p:txBody>
+      </p:sp>
+      <p:sp>
+        <p:nvSpPr>
+          <p:cNvPr id="5" name="Text Placeholder 4"/>
+          <p:cNvSpPr>
+            <a:spLocks noGrp="1"/>
+          </p:cNvSpPr>
+          <p:nvPr>
+            <p:ph type="body" idx="1"/>
+          </p:nvPr>
+        </p:nvSpPr>
+        <p:spPr>
+          <a:xfrm>
+            <a:off x="1025999" y="1888418"/>
+            <a:ext cx="10363660" cy="2038123"/>
+          </a:xfrm>
+        </p:spPr>
+        <p:txBody>
+          <a:bodyPr numCol="1">
+            <a:noAutofit/>
+          </a:bodyPr>
+          <a:lstStyle/>
+          <a:p>
+            <a:pPr marL="342900" indent="-342900">
+              <a:buFont typeface="Wingdings 3" charset="2"/>
+              <a:buAutoNum type="arabicPeriod"/>
+            </a:pPr>
+            <a:r>
+              <a:rPr lang="en-IN" sz="2400" dirty="0" smtClean="0"/>
+              <a:t>Pass data from component to template</a:t>
+            </a:r>
+          </a:p>
+          <a:p>
+            <a:pPr marL="342900" indent="-342900">
+              <a:buFont typeface="Wingdings 3" charset="2"/>
+              <a:buAutoNum type="arabicPeriod"/>
+            </a:pPr>
+            <a:r>
+              <a:rPr lang="en-IN" sz="2400" dirty="0" smtClean="0"/>
+              <a:t>Other features of Interpolation</a:t>
+            </a:r>
+            <a:endParaRPr lang="en-IN" sz="2400" dirty="0"/>
+          </a:p>
+        </p:txBody>
+      </p:sp>
+    </p:spTree>
+    <p:extLst>
+      <p:ext uri="{BB962C8B-B14F-4D97-AF65-F5344CB8AC3E}">
+        <p14:creationId xmlns:p14="http://schemas.microsoft.com/office/powerpoint/2010/main" val="3049924481"/>
+      </p:ext>
+    </p:extLst>
+  </p:cSld>
+  <p:clrMapOvr>
+    <a:masterClrMapping/>
+  </p:clrMapOvr>
+  <p:timing>
+    <p:tnLst>
+      <p:par>
+        <p:cTn id="1" dur="indefinite" restart="never" nodeType="tmRoot"/>
+      </p:par>
+    </p:tnLst>
+  </p:timing>
+</p:sld>
+</file>
+
+<file path=ppt/slides/slide37.xml><?xml version="1.0" encoding="utf-8"?>
+<p:sld xmlns:a="http://schemas.openxmlformats.org/drawingml/2006/main" xmlns:r="http://schemas.openxmlformats.org/officeDocument/2006/relationships" xmlns:p="http://schemas.openxmlformats.org/presentationml/2006/main">
+  <p:cSld>
+    <p:spTree>
+      <p:nvGrpSpPr>
+        <p:cNvPr id="1" name=""/>
+        <p:cNvGrpSpPr/>
+        <p:nvPr/>
+      </p:nvGrpSpPr>
+      <p:grpSpPr>
+        <a:xfrm>
+          <a:off x="0" y="0"/>
+          <a:ext cx="0" cy="0"/>
+          <a:chOff x="0" y="0"/>
+          <a:chExt cx="0" cy="0"/>
+        </a:xfrm>
+      </p:grpSpPr>
+      <p:sp>
+        <p:nvSpPr>
+          <p:cNvPr id="2" name="Title 1"/>
+          <p:cNvSpPr>
+            <a:spLocks noGrp="1"/>
+          </p:cNvSpPr>
+          <p:nvPr>
+            <p:ph type="title"/>
+          </p:nvPr>
+        </p:nvSpPr>
+        <p:spPr>
+          <a:xfrm>
+            <a:off x="1154954" y="973668"/>
+            <a:ext cx="10137494" cy="706964"/>
+          </a:xfrm>
+        </p:spPr>
+        <p:txBody>
+          <a:bodyPr/>
+          <a:lstStyle/>
+          <a:p>
+            <a:r>
+              <a:rPr lang="en-IN" b="1" dirty="0" smtClean="0"/>
+              <a:t>7.2 Other </a:t>
+            </a:r>
+            <a:r>
+              <a:rPr lang="en-IN" b="1" dirty="0"/>
+              <a:t>features of Interpolation</a:t>
+            </a:r>
+            <a:endParaRPr lang="en-IN" b="1" dirty="0"/>
+          </a:p>
+        </p:txBody>
+      </p:sp>
+      <p:sp>
+        <p:nvSpPr>
+          <p:cNvPr id="3" name="Content Placeholder 2"/>
+          <p:cNvSpPr>
+            <a:spLocks noGrp="1"/>
+          </p:cNvSpPr>
+          <p:nvPr>
+            <p:ph sz="half" idx="2"/>
+          </p:nvPr>
+        </p:nvSpPr>
+        <p:spPr>
+          <a:xfrm>
+            <a:off x="1154954" y="2581836"/>
+            <a:ext cx="10530540" cy="1663512"/>
+          </a:xfrm>
+        </p:spPr>
+        <p:txBody>
+          <a:bodyPr>
+            <a:normAutofit/>
+          </a:bodyPr>
+          <a:lstStyle/>
+          <a:p>
+            <a:r>
+              <a:rPr lang="en-IN" dirty="0" smtClean="0">
+                <a:solidFill>
+                  <a:schemeClr val="tx1"/>
+                </a:solidFill>
+              </a:rPr>
+              <a:t>We can understand interpolation better in some other ways like performing calculation, string </a:t>
+            </a:r>
+            <a:r>
+              <a:rPr lang="en-IN" dirty="0" err="1" smtClean="0">
+                <a:solidFill>
+                  <a:schemeClr val="tx1"/>
+                </a:solidFill>
+              </a:rPr>
+              <a:t>concat</a:t>
+            </a:r>
+            <a:r>
+              <a:rPr lang="en-IN" dirty="0" smtClean="0">
+                <a:solidFill>
+                  <a:schemeClr val="tx1"/>
+                </a:solidFill>
+              </a:rPr>
+              <a:t>, find string length, use string methods</a:t>
+            </a:r>
+          </a:p>
+          <a:p>
+            <a:r>
+              <a:rPr lang="en-IN" dirty="0" smtClean="0">
+                <a:solidFill>
+                  <a:schemeClr val="tx1"/>
+                </a:solidFill>
+              </a:rPr>
+              <a:t>We also call methods from template using interpolation</a:t>
+            </a:r>
+            <a:endParaRPr lang="en-IN" b="1" dirty="0">
+              <a:solidFill>
+                <a:schemeClr val="accent6">
+                  <a:lumMod val="75000"/>
+                </a:schemeClr>
+              </a:solidFill>
+            </a:endParaRPr>
+          </a:p>
+        </p:txBody>
+      </p:sp>
+      <p:pic>
+        <p:nvPicPr>
+          <p:cNvPr id="14" name="Picture 13"/>
+          <p:cNvPicPr>
+            <a:picLocks noChangeAspect="1"/>
+          </p:cNvPicPr>
+          <p:nvPr/>
+        </p:nvPicPr>
+        <p:blipFill>
+          <a:blip r:embed="rId2"/>
+          <a:stretch>
+            <a:fillRect/>
+          </a:stretch>
+        </p:blipFill>
+        <p:spPr>
+          <a:xfrm>
+            <a:off x="1583671" y="3651771"/>
+            <a:ext cx="5546511" cy="3112099"/>
+          </a:xfrm>
+          <a:prstGeom prst="rect">
+            <a:avLst/>
+          </a:prstGeom>
+        </p:spPr>
+      </p:pic>
+      <p:pic>
+        <p:nvPicPr>
+          <p:cNvPr id="15" name="Picture 14"/>
+          <p:cNvPicPr>
+            <a:picLocks noChangeAspect="1"/>
+          </p:cNvPicPr>
+          <p:nvPr/>
+        </p:nvPicPr>
+        <p:blipFill rotWithShape="1">
+          <a:blip r:embed="rId3"/>
+          <a:srcRect r="4888"/>
+          <a:stretch/>
+        </p:blipFill>
+        <p:spPr>
+          <a:xfrm>
+            <a:off x="7345693" y="3651771"/>
+            <a:ext cx="4339801" cy="2883500"/>
+          </a:xfrm>
+          <a:prstGeom prst="rect">
+            <a:avLst/>
+          </a:prstGeom>
+          <a:ln>
+            <a:solidFill>
+              <a:schemeClr val="bg1">
+                <a:lumMod val="75000"/>
+              </a:schemeClr>
+            </a:solidFill>
+          </a:ln>
+        </p:spPr>
+      </p:pic>
+    </p:spTree>
+    <p:extLst>
+      <p:ext uri="{BB962C8B-B14F-4D97-AF65-F5344CB8AC3E}">
+        <p14:creationId xmlns:p14="http://schemas.microsoft.com/office/powerpoint/2010/main" val="2028851875"/>
+      </p:ext>
+    </p:extLst>
+  </p:cSld>
+  <p:clrMapOvr>
+    <a:masterClrMapping/>
+  </p:clrMapOvr>
+  <p:timing>
+    <p:tnLst>
+      <p:par>
+        <p:cTn id="1" dur="indefinite" restart="never" nodeType="tmRoot"/>
+      </p:par>
+    </p:tnLst>
+  </p:timing>
+</p:sld>
+</file>
+
+<file path=ppt/slides/slide38.xml><?xml version="1.0" encoding="utf-8"?>
+<p:sld xmlns:a="http://schemas.openxmlformats.org/drawingml/2006/main" xmlns:r="http://schemas.openxmlformats.org/officeDocument/2006/relationships" xmlns:p="http://schemas.openxmlformats.org/presentationml/2006/main">
+  <p:cSld>
+    <p:spTree>
+      <p:nvGrpSpPr>
+        <p:cNvPr id="1" name=""/>
+        <p:cNvGrpSpPr/>
+        <p:nvPr/>
+      </p:nvGrpSpPr>
+      <p:grpSpPr>
+        <a:xfrm>
+          <a:off x="0" y="0"/>
+          <a:ext cx="0" cy="0"/>
+          <a:chOff x="0" y="0"/>
+          <a:chExt cx="0" cy="0"/>
+        </a:xfrm>
+      </p:grpSpPr>
+      <p:sp>
+        <p:nvSpPr>
+          <p:cNvPr id="4" name="Title 3"/>
+          <p:cNvSpPr>
+            <a:spLocks noGrp="1"/>
+          </p:cNvSpPr>
+          <p:nvPr>
+            <p:ph type="title"/>
+          </p:nvPr>
+        </p:nvSpPr>
+        <p:spPr>
+          <a:xfrm>
+            <a:off x="1024467" y="753035"/>
+            <a:ext cx="10146186" cy="705077"/>
+          </a:xfrm>
+        </p:spPr>
+        <p:txBody>
+          <a:bodyPr/>
+          <a:lstStyle/>
+          <a:p>
+            <a:r>
+              <a:rPr lang="en-IN" b="1" dirty="0" smtClean="0"/>
+              <a:t>Chapter </a:t>
+            </a:r>
+            <a:r>
+              <a:rPr lang="en-IN" b="1" dirty="0" smtClean="0"/>
+              <a:t>8 </a:t>
+            </a:r>
+            <a:r>
+              <a:rPr lang="en-IN" b="1" dirty="0" smtClean="0"/>
+              <a:t>: </a:t>
+            </a:r>
+            <a:r>
+              <a:rPr lang="en-IN" b="1" dirty="0" smtClean="0"/>
+              <a:t>Property Binding []</a:t>
+            </a:r>
+            <a:endParaRPr lang="en-IN" b="1" dirty="0"/>
+          </a:p>
+        </p:txBody>
+      </p:sp>
+      <p:sp>
+        <p:nvSpPr>
+          <p:cNvPr id="5" name="Text Placeholder 4"/>
+          <p:cNvSpPr>
+            <a:spLocks noGrp="1"/>
+          </p:cNvSpPr>
+          <p:nvPr>
+            <p:ph type="body" idx="1"/>
+          </p:nvPr>
+        </p:nvSpPr>
+        <p:spPr>
+          <a:xfrm>
+            <a:off x="1025999" y="1888418"/>
+            <a:ext cx="10363660" cy="4525829"/>
+          </a:xfrm>
+        </p:spPr>
+        <p:txBody>
+          <a:bodyPr numCol="1">
+            <a:noAutofit/>
+          </a:bodyPr>
+          <a:lstStyle/>
+          <a:p>
+            <a:pPr marL="342900" indent="-342900">
+              <a:buFont typeface="Wingdings 3" charset="2"/>
+              <a:buAutoNum type="arabicPeriod"/>
+            </a:pPr>
+            <a:r>
+              <a:rPr lang="en-IN" sz="2400" dirty="0" smtClean="0"/>
+              <a:t>Attribute Vs Property</a:t>
+            </a:r>
+          </a:p>
+          <a:p>
+            <a:pPr marL="342900" indent="-342900">
+              <a:buFont typeface="Wingdings 3" charset="2"/>
+              <a:buAutoNum type="arabicPeriod"/>
+            </a:pPr>
+            <a:r>
+              <a:rPr lang="en-IN" sz="2400" dirty="0" smtClean="0"/>
+              <a:t>Understanding Attribute and property</a:t>
+            </a:r>
+          </a:p>
+          <a:p>
+            <a:pPr marL="342900" indent="-342900">
+              <a:buFont typeface="Wingdings 3" charset="2"/>
+              <a:buAutoNum type="arabicPeriod"/>
+            </a:pPr>
+            <a:r>
+              <a:rPr lang="en-IN" sz="2400" dirty="0"/>
+              <a:t>Property </a:t>
+            </a:r>
+            <a:r>
+              <a:rPr lang="en-IN" sz="2400" dirty="0" smtClean="0"/>
+              <a:t>Binding</a:t>
+            </a:r>
+          </a:p>
+          <a:p>
+            <a:pPr marL="342900" indent="-342900">
+              <a:buFont typeface="Wingdings 3" charset="2"/>
+              <a:buAutoNum type="arabicPeriod"/>
+            </a:pPr>
+            <a:r>
+              <a:rPr lang="en-IN" sz="2400" dirty="0" smtClean="0"/>
+              <a:t>Property Binding as Interpolation</a:t>
+            </a:r>
+          </a:p>
+          <a:p>
+            <a:pPr marL="342900" indent="-342900">
+              <a:buFont typeface="Wingdings 3" charset="2"/>
+              <a:buAutoNum type="arabicPeriod"/>
+            </a:pPr>
+            <a:r>
+              <a:rPr lang="en-IN" sz="2400" dirty="0" smtClean="0"/>
+              <a:t>Limitation in Interpolation</a:t>
+            </a:r>
+            <a:endParaRPr lang="en-IN" sz="2400" dirty="0"/>
+          </a:p>
+        </p:txBody>
+      </p:sp>
+    </p:spTree>
+    <p:extLst>
+      <p:ext uri="{BB962C8B-B14F-4D97-AF65-F5344CB8AC3E}">
+        <p14:creationId xmlns:p14="http://schemas.microsoft.com/office/powerpoint/2010/main" val="378295035"/>
+      </p:ext>
+    </p:extLst>
+  </p:cSld>
+  <p:clrMapOvr>
+    <a:masterClrMapping/>
+  </p:clrMapOvr>
+  <p:timing>
+    <p:tnLst>
+      <p:par>
+        <p:cTn id="1" dur="indefinite" restart="never" nodeType="tmRoot"/>
+      </p:par>
+    </p:tnLst>
+  </p:timing>
+</p:sld>
+</file>
+
+<file path=ppt/slides/slide39.xml><?xml version="1.0" encoding="utf-8"?>
+<p:sld xmlns:a="http://schemas.openxmlformats.org/drawingml/2006/main" xmlns:r="http://schemas.openxmlformats.org/officeDocument/2006/relationships" xmlns:p="http://schemas.openxmlformats.org/presentationml/2006/main">
+  <p:cSld>
+    <p:spTree>
+      <p:nvGrpSpPr>
+        <p:cNvPr id="1" name=""/>
+        <p:cNvGrpSpPr/>
+        <p:nvPr/>
+      </p:nvGrpSpPr>
+      <p:grpSpPr>
+        <a:xfrm>
+          <a:off x="0" y="0"/>
+          <a:ext cx="0" cy="0"/>
+          <a:chOff x="0" y="0"/>
+          <a:chExt cx="0" cy="0"/>
+        </a:xfrm>
+      </p:grpSpPr>
+      <p:sp>
+        <p:nvSpPr>
+          <p:cNvPr id="2" name="Title 1"/>
+          <p:cNvSpPr>
+            <a:spLocks noGrp="1"/>
+          </p:cNvSpPr>
+          <p:nvPr>
+            <p:ph type="title"/>
+          </p:nvPr>
+        </p:nvSpPr>
+        <p:spPr>
+          <a:xfrm>
+            <a:off x="1154954" y="973668"/>
+            <a:ext cx="10137494" cy="706964"/>
+          </a:xfrm>
+        </p:spPr>
+        <p:txBody>
+          <a:bodyPr/>
+          <a:lstStyle/>
+          <a:p>
+            <a:r>
+              <a:rPr lang="en-IN" b="1" dirty="0" smtClean="0"/>
+              <a:t>8.1 </a:t>
+            </a:r>
+            <a:r>
+              <a:rPr lang="en-IN" b="1" dirty="0"/>
+              <a:t>Attribute Vs </a:t>
+            </a:r>
+            <a:r>
+              <a:rPr lang="en-IN" b="1" dirty="0" smtClean="0"/>
+              <a:t>Property</a:t>
+            </a:r>
+            <a:endParaRPr lang="en-IN" b="1" dirty="0"/>
+          </a:p>
+        </p:txBody>
+      </p:sp>
+      <p:sp>
+        <p:nvSpPr>
+          <p:cNvPr id="3" name="Content Placeholder 2"/>
+          <p:cNvSpPr>
+            <a:spLocks noGrp="1"/>
+          </p:cNvSpPr>
+          <p:nvPr>
+            <p:ph sz="half" idx="2"/>
+          </p:nvPr>
+        </p:nvSpPr>
+        <p:spPr>
+          <a:xfrm>
+            <a:off x="1154954" y="2581835"/>
+            <a:ext cx="10530540" cy="3859305"/>
+          </a:xfrm>
+        </p:spPr>
+        <p:txBody>
+          <a:bodyPr>
+            <a:normAutofit/>
+          </a:bodyPr>
+          <a:lstStyle/>
+          <a:p>
+            <a:r>
+              <a:rPr lang="en-IN" dirty="0" smtClean="0">
+                <a:solidFill>
+                  <a:schemeClr val="accent6">
+                    <a:lumMod val="75000"/>
+                  </a:schemeClr>
+                </a:solidFill>
+              </a:rPr>
+              <a:t>Attributes and Properties are the same</a:t>
+            </a:r>
+          </a:p>
+          <a:p>
+            <a:r>
+              <a:rPr lang="en-IN" dirty="0" smtClean="0">
+                <a:solidFill>
+                  <a:schemeClr val="accent6">
+                    <a:lumMod val="75000"/>
+                  </a:schemeClr>
+                </a:solidFill>
+              </a:rPr>
+              <a:t>Attributes - HTML</a:t>
+            </a:r>
+          </a:p>
+          <a:p>
+            <a:r>
+              <a:rPr lang="en-IN" dirty="0" smtClean="0">
+                <a:solidFill>
+                  <a:schemeClr val="accent6">
+                    <a:lumMod val="75000"/>
+                  </a:schemeClr>
+                </a:solidFill>
+              </a:rPr>
+              <a:t>Properties  - DOM (Document Object Model)</a:t>
+            </a:r>
+          </a:p>
+          <a:p>
+            <a:r>
+              <a:rPr lang="en-IN" dirty="0" smtClean="0">
+                <a:solidFill>
+                  <a:schemeClr val="accent6">
+                    <a:lumMod val="75000"/>
+                  </a:schemeClr>
+                </a:solidFill>
+              </a:rPr>
+              <a:t>Attributes initialize DOM properties and they are done</a:t>
+            </a:r>
+          </a:p>
+          <a:p>
+            <a:r>
+              <a:rPr lang="en-IN" dirty="0" smtClean="0">
+                <a:solidFill>
+                  <a:schemeClr val="accent6">
+                    <a:lumMod val="75000"/>
+                  </a:schemeClr>
+                </a:solidFill>
+              </a:rPr>
+              <a:t>Attributes value cannot change once they are initialized</a:t>
+            </a:r>
+          </a:p>
+          <a:p>
+            <a:r>
+              <a:rPr lang="en-IN" dirty="0" smtClean="0">
+                <a:solidFill>
+                  <a:schemeClr val="accent6">
+                    <a:lumMod val="75000"/>
+                  </a:schemeClr>
+                </a:solidFill>
+              </a:rPr>
+              <a:t> Property value however can change</a:t>
+            </a:r>
+            <a:endParaRPr lang="en-IN" dirty="0">
+              <a:solidFill>
+                <a:schemeClr val="accent6">
+                  <a:lumMod val="75000"/>
+                </a:schemeClr>
+              </a:solidFill>
+            </a:endParaRPr>
+          </a:p>
+        </p:txBody>
+      </p:sp>
+    </p:spTree>
+    <p:extLst>
+      <p:ext uri="{BB962C8B-B14F-4D97-AF65-F5344CB8AC3E}">
+        <p14:creationId xmlns:p14="http://schemas.microsoft.com/office/powerpoint/2010/main" val="3702477833"/>
       </p:ext>
     </p:extLst>
   </p:cSld>
@@ -23014,6 +24648,2994 @@
     <p:extLst>
       <p:ext uri="{BB962C8B-B14F-4D97-AF65-F5344CB8AC3E}">
         <p14:creationId xmlns:p14="http://schemas.microsoft.com/office/powerpoint/2010/main" val="4260659219"/>
+      </p:ext>
+    </p:extLst>
+  </p:cSld>
+  <p:clrMapOvr>
+    <a:masterClrMapping/>
+  </p:clrMapOvr>
+  <p:timing>
+    <p:tnLst>
+      <p:par>
+        <p:cTn id="1" dur="indefinite" restart="never" nodeType="tmRoot"/>
+      </p:par>
+    </p:tnLst>
+  </p:timing>
+</p:sld>
+</file>
+
+<file path=ppt/slides/slide40.xml><?xml version="1.0" encoding="utf-8"?>
+<p:sld xmlns:a="http://schemas.openxmlformats.org/drawingml/2006/main" xmlns:r="http://schemas.openxmlformats.org/officeDocument/2006/relationships" xmlns:p="http://schemas.openxmlformats.org/presentationml/2006/main">
+  <p:cSld>
+    <p:spTree>
+      <p:nvGrpSpPr>
+        <p:cNvPr id="1" name=""/>
+        <p:cNvGrpSpPr/>
+        <p:nvPr/>
+      </p:nvGrpSpPr>
+      <p:grpSpPr>
+        <a:xfrm>
+          <a:off x="0" y="0"/>
+          <a:ext cx="0" cy="0"/>
+          <a:chOff x="0" y="0"/>
+          <a:chExt cx="0" cy="0"/>
+        </a:xfrm>
+      </p:grpSpPr>
+      <p:sp>
+        <p:nvSpPr>
+          <p:cNvPr id="2" name="Title 1"/>
+          <p:cNvSpPr>
+            <a:spLocks noGrp="1"/>
+          </p:cNvSpPr>
+          <p:nvPr>
+            <p:ph type="title"/>
+          </p:nvPr>
+        </p:nvSpPr>
+        <p:spPr>
+          <a:xfrm>
+            <a:off x="1154954" y="973668"/>
+            <a:ext cx="10137494" cy="706964"/>
+          </a:xfrm>
+        </p:spPr>
+        <p:txBody>
+          <a:bodyPr/>
+          <a:lstStyle/>
+          <a:p>
+            <a:r>
+              <a:rPr lang="en-IN" b="1" dirty="0"/>
+              <a:t>8.2 Understanding Attribute and </a:t>
+            </a:r>
+            <a:r>
+              <a:rPr lang="en-IN" b="1" dirty="0" smtClean="0"/>
+              <a:t>property(1)</a:t>
+            </a:r>
+            <a:endParaRPr lang="en-IN" b="1" dirty="0"/>
+          </a:p>
+        </p:txBody>
+      </p:sp>
+      <p:sp>
+        <p:nvSpPr>
+          <p:cNvPr id="3" name="Content Placeholder 2"/>
+          <p:cNvSpPr>
+            <a:spLocks noGrp="1"/>
+          </p:cNvSpPr>
+          <p:nvPr>
+            <p:ph sz="half" idx="2"/>
+          </p:nvPr>
+        </p:nvSpPr>
+        <p:spPr>
+          <a:xfrm>
+            <a:off x="1154954" y="2581836"/>
+            <a:ext cx="10530540" cy="660166"/>
+          </a:xfrm>
+        </p:spPr>
+        <p:txBody>
+          <a:bodyPr>
+            <a:normAutofit/>
+          </a:bodyPr>
+          <a:lstStyle/>
+          <a:p>
+            <a:r>
+              <a:rPr lang="en-IN" dirty="0" smtClean="0">
+                <a:solidFill>
+                  <a:schemeClr val="tx1"/>
+                </a:solidFill>
+              </a:rPr>
+              <a:t>To understand attribute and property lets have a textbox and initialize with a value</a:t>
+            </a:r>
+          </a:p>
+        </p:txBody>
+      </p:sp>
+      <p:pic>
+        <p:nvPicPr>
+          <p:cNvPr id="4" name="Picture 3"/>
+          <p:cNvPicPr>
+            <a:picLocks noChangeAspect="1"/>
+          </p:cNvPicPr>
+          <p:nvPr/>
+        </p:nvPicPr>
+        <p:blipFill>
+          <a:blip r:embed="rId2"/>
+          <a:stretch>
+            <a:fillRect/>
+          </a:stretch>
+        </p:blipFill>
+        <p:spPr>
+          <a:xfrm>
+            <a:off x="1154954" y="3242002"/>
+            <a:ext cx="5886450" cy="2466975"/>
+          </a:xfrm>
+          <a:prstGeom prst="rect">
+            <a:avLst/>
+          </a:prstGeom>
+        </p:spPr>
+      </p:pic>
+      <p:pic>
+        <p:nvPicPr>
+          <p:cNvPr id="5" name="Picture 4"/>
+          <p:cNvPicPr>
+            <a:picLocks noChangeAspect="1"/>
+          </p:cNvPicPr>
+          <p:nvPr/>
+        </p:nvPicPr>
+        <p:blipFill>
+          <a:blip r:embed="rId3"/>
+          <a:stretch>
+            <a:fillRect/>
+          </a:stretch>
+        </p:blipFill>
+        <p:spPr>
+          <a:xfrm>
+            <a:off x="7263933" y="3242002"/>
+            <a:ext cx="3876675" cy="2190750"/>
+          </a:xfrm>
+          <a:prstGeom prst="rect">
+            <a:avLst/>
+          </a:prstGeom>
+          <a:ln>
+            <a:solidFill>
+              <a:schemeClr val="bg1">
+                <a:lumMod val="75000"/>
+              </a:schemeClr>
+            </a:solidFill>
+          </a:ln>
+        </p:spPr>
+      </p:pic>
+      <p:sp>
+        <p:nvSpPr>
+          <p:cNvPr id="8" name="Rectangle 7"/>
+          <p:cNvSpPr/>
+          <p:nvPr/>
+        </p:nvSpPr>
+        <p:spPr>
+          <a:xfrm>
+            <a:off x="1231221" y="3343432"/>
+            <a:ext cx="1316182" cy="195683"/>
+          </a:xfrm>
+          <a:prstGeom prst="rect">
+            <a:avLst/>
+          </a:prstGeom>
+          <a:noFill/>
+          <a:ln w="28575">
+            <a:solidFill>
+              <a:srgbClr val="FFFF00"/>
+            </a:solidFill>
+          </a:ln>
+        </p:spPr>
+        <p:style>
+          <a:lnRef idx="2">
+            <a:schemeClr val="accent1">
+              <a:shade val="50000"/>
+            </a:schemeClr>
+          </a:lnRef>
+          <a:fillRef idx="1">
+            <a:schemeClr val="accent1"/>
+          </a:fillRef>
+          <a:effectRef idx="0">
+            <a:schemeClr val="accent1"/>
+          </a:effectRef>
+          <a:fontRef idx="minor">
+            <a:schemeClr val="lt1"/>
+          </a:fontRef>
+        </p:style>
+        <p:txBody>
+          <a:bodyPr rtlCol="0" anchor="ctr"/>
+          <a:lstStyle/>
+          <a:p>
+            <a:pPr algn="ctr"/>
+            <a:endParaRPr lang="en-IN">
+              <a:solidFill>
+                <a:srgbClr val="FFFF00"/>
+              </a:solidFill>
+            </a:endParaRPr>
+          </a:p>
+        </p:txBody>
+      </p:sp>
+      <p:sp>
+        <p:nvSpPr>
+          <p:cNvPr id="9" name="Rectangle 8"/>
+          <p:cNvSpPr/>
+          <p:nvPr/>
+        </p:nvSpPr>
+        <p:spPr>
+          <a:xfrm>
+            <a:off x="1997704" y="4050314"/>
+            <a:ext cx="4940978" cy="313623"/>
+          </a:xfrm>
+          <a:prstGeom prst="rect">
+            <a:avLst/>
+          </a:prstGeom>
+          <a:noFill/>
+          <a:ln w="28575">
+            <a:solidFill>
+              <a:srgbClr val="FFFF00"/>
+            </a:solidFill>
+          </a:ln>
+        </p:spPr>
+        <p:style>
+          <a:lnRef idx="2">
+            <a:schemeClr val="accent1">
+              <a:shade val="50000"/>
+            </a:schemeClr>
+          </a:lnRef>
+          <a:fillRef idx="1">
+            <a:schemeClr val="accent1"/>
+          </a:fillRef>
+          <a:effectRef idx="0">
+            <a:schemeClr val="accent1"/>
+          </a:effectRef>
+          <a:fontRef idx="minor">
+            <a:schemeClr val="lt1"/>
+          </a:fontRef>
+        </p:style>
+        <p:txBody>
+          <a:bodyPr rtlCol="0" anchor="ctr"/>
+          <a:lstStyle/>
+          <a:p>
+            <a:pPr algn="ctr"/>
+            <a:endParaRPr lang="en-IN">
+              <a:solidFill>
+                <a:srgbClr val="FFFF00"/>
+              </a:solidFill>
+            </a:endParaRPr>
+          </a:p>
+        </p:txBody>
+      </p:sp>
+      <p:sp>
+        <p:nvSpPr>
+          <p:cNvPr id="10" name="Rectangle 9"/>
+          <p:cNvSpPr/>
+          <p:nvPr/>
+        </p:nvSpPr>
+        <p:spPr>
+          <a:xfrm>
+            <a:off x="8842698" y="3315932"/>
+            <a:ext cx="1157811" cy="250681"/>
+          </a:xfrm>
+          <a:prstGeom prst="rect">
+            <a:avLst/>
+          </a:prstGeom>
+          <a:noFill/>
+          <a:ln w="28575">
+            <a:solidFill>
+              <a:schemeClr val="accent6">
+                <a:lumMod val="75000"/>
+              </a:schemeClr>
+            </a:solidFill>
+          </a:ln>
+        </p:spPr>
+        <p:style>
+          <a:lnRef idx="2">
+            <a:schemeClr val="accent1">
+              <a:shade val="50000"/>
+            </a:schemeClr>
+          </a:lnRef>
+          <a:fillRef idx="1">
+            <a:schemeClr val="accent1"/>
+          </a:fillRef>
+          <a:effectRef idx="0">
+            <a:schemeClr val="accent1"/>
+          </a:effectRef>
+          <a:fontRef idx="minor">
+            <a:schemeClr val="lt1"/>
+          </a:fontRef>
+        </p:style>
+        <p:txBody>
+          <a:bodyPr rtlCol="0" anchor="ctr"/>
+          <a:lstStyle/>
+          <a:p>
+            <a:pPr algn="ctr"/>
+            <a:endParaRPr lang="en-IN"/>
+          </a:p>
+        </p:txBody>
+      </p:sp>
+      <p:sp>
+        <p:nvSpPr>
+          <p:cNvPr id="11" name="Rectangle 10"/>
+          <p:cNvSpPr/>
+          <p:nvPr/>
+        </p:nvSpPr>
+        <p:spPr>
+          <a:xfrm>
+            <a:off x="7263933" y="4700173"/>
+            <a:ext cx="1839726" cy="443693"/>
+          </a:xfrm>
+          <a:prstGeom prst="rect">
+            <a:avLst/>
+          </a:prstGeom>
+          <a:noFill/>
+          <a:ln w="28575">
+            <a:solidFill>
+              <a:schemeClr val="accent6">
+                <a:lumMod val="75000"/>
+              </a:schemeClr>
+            </a:solidFill>
+            <a:prstDash val="lgDashDot"/>
+          </a:ln>
+        </p:spPr>
+        <p:style>
+          <a:lnRef idx="2">
+            <a:schemeClr val="accent1">
+              <a:shade val="50000"/>
+            </a:schemeClr>
+          </a:lnRef>
+          <a:fillRef idx="1">
+            <a:schemeClr val="accent1"/>
+          </a:fillRef>
+          <a:effectRef idx="0">
+            <a:schemeClr val="accent1"/>
+          </a:effectRef>
+          <a:fontRef idx="minor">
+            <a:schemeClr val="lt1"/>
+          </a:fontRef>
+        </p:style>
+        <p:txBody>
+          <a:bodyPr rtlCol="0" anchor="ctr"/>
+          <a:lstStyle/>
+          <a:p>
+            <a:pPr algn="ctr"/>
+            <a:endParaRPr lang="en-IN"/>
+          </a:p>
+        </p:txBody>
+      </p:sp>
+    </p:spTree>
+    <p:extLst>
+      <p:ext uri="{BB962C8B-B14F-4D97-AF65-F5344CB8AC3E}">
+        <p14:creationId xmlns:p14="http://schemas.microsoft.com/office/powerpoint/2010/main" val="2415731693"/>
+      </p:ext>
+    </p:extLst>
+  </p:cSld>
+  <p:clrMapOvr>
+    <a:masterClrMapping/>
+  </p:clrMapOvr>
+  <p:timing>
+    <p:tnLst>
+      <p:par>
+        <p:cTn id="1" dur="indefinite" restart="never" nodeType="tmRoot"/>
+      </p:par>
+    </p:tnLst>
+  </p:timing>
+</p:sld>
+</file>
+
+<file path=ppt/slides/slide41.xml><?xml version="1.0" encoding="utf-8"?>
+<p:sld xmlns:a="http://schemas.openxmlformats.org/drawingml/2006/main" xmlns:r="http://schemas.openxmlformats.org/officeDocument/2006/relationships" xmlns:p="http://schemas.openxmlformats.org/presentationml/2006/main">
+  <p:cSld>
+    <p:spTree>
+      <p:nvGrpSpPr>
+        <p:cNvPr id="1" name=""/>
+        <p:cNvGrpSpPr/>
+        <p:nvPr/>
+      </p:nvGrpSpPr>
+      <p:grpSpPr>
+        <a:xfrm>
+          <a:off x="0" y="0"/>
+          <a:ext cx="0" cy="0"/>
+          <a:chOff x="0" y="0"/>
+          <a:chExt cx="0" cy="0"/>
+        </a:xfrm>
+      </p:grpSpPr>
+      <p:sp>
+        <p:nvSpPr>
+          <p:cNvPr id="2" name="Title 1"/>
+          <p:cNvSpPr>
+            <a:spLocks noGrp="1"/>
+          </p:cNvSpPr>
+          <p:nvPr>
+            <p:ph type="title"/>
+          </p:nvPr>
+        </p:nvSpPr>
+        <p:spPr>
+          <a:xfrm>
+            <a:off x="1154954" y="973668"/>
+            <a:ext cx="10137494" cy="706964"/>
+          </a:xfrm>
+        </p:spPr>
+        <p:txBody>
+          <a:bodyPr/>
+          <a:lstStyle/>
+          <a:p>
+            <a:r>
+              <a:rPr lang="en-IN" b="1" dirty="0"/>
+              <a:t>8.2 Understanding Attribute and </a:t>
+            </a:r>
+            <a:r>
+              <a:rPr lang="en-IN" b="1" dirty="0" smtClean="0"/>
+              <a:t>property(2)</a:t>
+            </a:r>
+            <a:endParaRPr lang="en-IN" b="1" dirty="0"/>
+          </a:p>
+        </p:txBody>
+      </p:sp>
+      <p:sp>
+        <p:nvSpPr>
+          <p:cNvPr id="3" name="Content Placeholder 2"/>
+          <p:cNvSpPr>
+            <a:spLocks noGrp="1"/>
+          </p:cNvSpPr>
+          <p:nvPr>
+            <p:ph sz="half" idx="2"/>
+          </p:nvPr>
+        </p:nvSpPr>
+        <p:spPr>
+          <a:xfrm>
+            <a:off x="1154954" y="2581836"/>
+            <a:ext cx="10530540" cy="1015813"/>
+          </a:xfrm>
+        </p:spPr>
+        <p:txBody>
+          <a:bodyPr>
+            <a:normAutofit/>
+          </a:bodyPr>
+          <a:lstStyle/>
+          <a:p>
+            <a:r>
+              <a:rPr lang="en-IN" dirty="0" smtClean="0">
+                <a:solidFill>
+                  <a:schemeClr val="tx1"/>
+                </a:solidFill>
+              </a:rPr>
+              <a:t>Open inspect element and select textbox tag </a:t>
+            </a:r>
+          </a:p>
+          <a:p>
+            <a:r>
+              <a:rPr lang="en-IN" dirty="0" smtClean="0">
+                <a:solidFill>
+                  <a:schemeClr val="tx1"/>
+                </a:solidFill>
+              </a:rPr>
+              <a:t>And navigate to Browser Console</a:t>
+            </a:r>
+            <a:endParaRPr lang="en-IN" b="1" dirty="0">
+              <a:solidFill>
+                <a:schemeClr val="accent6">
+                  <a:lumMod val="75000"/>
+                </a:schemeClr>
+              </a:solidFill>
+            </a:endParaRPr>
+          </a:p>
+        </p:txBody>
+      </p:sp>
+      <p:pic>
+        <p:nvPicPr>
+          <p:cNvPr id="7" name="Picture 6"/>
+          <p:cNvPicPr>
+            <a:picLocks noChangeAspect="1"/>
+          </p:cNvPicPr>
+          <p:nvPr/>
+        </p:nvPicPr>
+        <p:blipFill>
+          <a:blip r:embed="rId2"/>
+          <a:stretch>
+            <a:fillRect/>
+          </a:stretch>
+        </p:blipFill>
+        <p:spPr>
+          <a:xfrm>
+            <a:off x="1656977" y="3597649"/>
+            <a:ext cx="4293813" cy="2656604"/>
+          </a:xfrm>
+          <a:prstGeom prst="rect">
+            <a:avLst/>
+          </a:prstGeom>
+          <a:ln>
+            <a:solidFill>
+              <a:schemeClr val="bg1">
+                <a:lumMod val="75000"/>
+              </a:schemeClr>
+            </a:solidFill>
+          </a:ln>
+        </p:spPr>
+      </p:pic>
+      <p:pic>
+        <p:nvPicPr>
+          <p:cNvPr id="12" name="Picture 11"/>
+          <p:cNvPicPr>
+            <a:picLocks noChangeAspect="1"/>
+          </p:cNvPicPr>
+          <p:nvPr/>
+        </p:nvPicPr>
+        <p:blipFill>
+          <a:blip r:embed="rId3"/>
+          <a:stretch>
+            <a:fillRect/>
+          </a:stretch>
+        </p:blipFill>
+        <p:spPr>
+          <a:xfrm>
+            <a:off x="6805381" y="3648093"/>
+            <a:ext cx="3266015" cy="2157692"/>
+          </a:xfrm>
+          <a:prstGeom prst="rect">
+            <a:avLst/>
+          </a:prstGeom>
+          <a:ln>
+            <a:solidFill>
+              <a:schemeClr val="bg1">
+                <a:lumMod val="75000"/>
+              </a:schemeClr>
+            </a:solidFill>
+          </a:ln>
+        </p:spPr>
+      </p:pic>
+      <p:sp>
+        <p:nvSpPr>
+          <p:cNvPr id="14" name="Rectangle 13"/>
+          <p:cNvSpPr/>
+          <p:nvPr/>
+        </p:nvSpPr>
+        <p:spPr>
+          <a:xfrm>
+            <a:off x="1947907" y="4831138"/>
+            <a:ext cx="3363681" cy="165036"/>
+          </a:xfrm>
+          <a:prstGeom prst="rect">
+            <a:avLst/>
+          </a:prstGeom>
+          <a:noFill/>
+          <a:ln w="28575">
+            <a:solidFill>
+              <a:schemeClr val="accent6">
+                <a:lumMod val="75000"/>
+              </a:schemeClr>
+            </a:solidFill>
+          </a:ln>
+        </p:spPr>
+        <p:style>
+          <a:lnRef idx="2">
+            <a:schemeClr val="accent1">
+              <a:shade val="50000"/>
+            </a:schemeClr>
+          </a:lnRef>
+          <a:fillRef idx="1">
+            <a:schemeClr val="accent1"/>
+          </a:fillRef>
+          <a:effectRef idx="0">
+            <a:schemeClr val="accent1"/>
+          </a:effectRef>
+          <a:fontRef idx="minor">
+            <a:schemeClr val="lt1"/>
+          </a:fontRef>
+        </p:style>
+        <p:txBody>
+          <a:bodyPr rtlCol="0" anchor="ctr"/>
+          <a:lstStyle/>
+          <a:p>
+            <a:pPr algn="ctr"/>
+            <a:endParaRPr lang="en-IN"/>
+          </a:p>
+        </p:txBody>
+      </p:sp>
+      <p:sp>
+        <p:nvSpPr>
+          <p:cNvPr id="15" name="Rectangle 14"/>
+          <p:cNvSpPr/>
+          <p:nvPr/>
+        </p:nvSpPr>
+        <p:spPr>
+          <a:xfrm>
+            <a:off x="2165678" y="3624262"/>
+            <a:ext cx="590969" cy="251882"/>
+          </a:xfrm>
+          <a:prstGeom prst="rect">
+            <a:avLst/>
+          </a:prstGeom>
+          <a:noFill/>
+          <a:ln w="28575">
+            <a:solidFill>
+              <a:schemeClr val="accent6">
+                <a:lumMod val="75000"/>
+              </a:schemeClr>
+            </a:solidFill>
+          </a:ln>
+        </p:spPr>
+        <p:style>
+          <a:lnRef idx="2">
+            <a:schemeClr val="accent1">
+              <a:shade val="50000"/>
+            </a:schemeClr>
+          </a:lnRef>
+          <a:fillRef idx="1">
+            <a:schemeClr val="accent1"/>
+          </a:fillRef>
+          <a:effectRef idx="0">
+            <a:schemeClr val="accent1"/>
+          </a:effectRef>
+          <a:fontRef idx="minor">
+            <a:schemeClr val="lt1"/>
+          </a:fontRef>
+        </p:style>
+        <p:txBody>
+          <a:bodyPr rtlCol="0" anchor="ctr"/>
+          <a:lstStyle/>
+          <a:p>
+            <a:pPr algn="ctr"/>
+            <a:endParaRPr lang="en-IN"/>
+          </a:p>
+        </p:txBody>
+      </p:sp>
+      <p:sp>
+        <p:nvSpPr>
+          <p:cNvPr id="17" name="Rectangle 16"/>
+          <p:cNvSpPr/>
+          <p:nvPr/>
+        </p:nvSpPr>
+        <p:spPr>
+          <a:xfrm>
+            <a:off x="8428545" y="3712484"/>
+            <a:ext cx="796137" cy="327319"/>
+          </a:xfrm>
+          <a:prstGeom prst="rect">
+            <a:avLst/>
+          </a:prstGeom>
+          <a:noFill/>
+          <a:ln w="28575">
+            <a:solidFill>
+              <a:schemeClr val="accent6">
+                <a:lumMod val="75000"/>
+              </a:schemeClr>
+            </a:solidFill>
+          </a:ln>
+        </p:spPr>
+        <p:style>
+          <a:lnRef idx="2">
+            <a:schemeClr val="accent1">
+              <a:shade val="50000"/>
+            </a:schemeClr>
+          </a:lnRef>
+          <a:fillRef idx="1">
+            <a:schemeClr val="accent1"/>
+          </a:fillRef>
+          <a:effectRef idx="0">
+            <a:schemeClr val="accent1"/>
+          </a:effectRef>
+          <a:fontRef idx="minor">
+            <a:schemeClr val="lt1"/>
+          </a:fontRef>
+        </p:style>
+        <p:txBody>
+          <a:bodyPr rtlCol="0" anchor="ctr"/>
+          <a:lstStyle/>
+          <a:p>
+            <a:pPr algn="ctr"/>
+            <a:endParaRPr lang="en-IN"/>
+          </a:p>
+        </p:txBody>
+      </p:sp>
+    </p:spTree>
+    <p:extLst>
+      <p:ext uri="{BB962C8B-B14F-4D97-AF65-F5344CB8AC3E}">
+        <p14:creationId xmlns:p14="http://schemas.microsoft.com/office/powerpoint/2010/main" val="468378889"/>
+      </p:ext>
+    </p:extLst>
+  </p:cSld>
+  <p:clrMapOvr>
+    <a:masterClrMapping/>
+  </p:clrMapOvr>
+  <p:timing>
+    <p:tnLst>
+      <p:par>
+        <p:cTn id="1" dur="indefinite" restart="never" nodeType="tmRoot"/>
+      </p:par>
+    </p:tnLst>
+  </p:timing>
+</p:sld>
+</file>
+
+<file path=ppt/slides/slide42.xml><?xml version="1.0" encoding="utf-8"?>
+<p:sld xmlns:a="http://schemas.openxmlformats.org/drawingml/2006/main" xmlns:r="http://schemas.openxmlformats.org/officeDocument/2006/relationships" xmlns:p="http://schemas.openxmlformats.org/presentationml/2006/main">
+  <p:cSld>
+    <p:spTree>
+      <p:nvGrpSpPr>
+        <p:cNvPr id="1" name=""/>
+        <p:cNvGrpSpPr/>
+        <p:nvPr/>
+      </p:nvGrpSpPr>
+      <p:grpSpPr>
+        <a:xfrm>
+          <a:off x="0" y="0"/>
+          <a:ext cx="0" cy="0"/>
+          <a:chOff x="0" y="0"/>
+          <a:chExt cx="0" cy="0"/>
+        </a:xfrm>
+      </p:grpSpPr>
+      <p:sp>
+        <p:nvSpPr>
+          <p:cNvPr id="2" name="Title 1"/>
+          <p:cNvSpPr>
+            <a:spLocks noGrp="1"/>
+          </p:cNvSpPr>
+          <p:nvPr>
+            <p:ph type="title"/>
+          </p:nvPr>
+        </p:nvSpPr>
+        <p:spPr>
+          <a:xfrm>
+            <a:off x="1154954" y="973668"/>
+            <a:ext cx="10137494" cy="706964"/>
+          </a:xfrm>
+        </p:spPr>
+        <p:txBody>
+          <a:bodyPr/>
+          <a:lstStyle/>
+          <a:p>
+            <a:r>
+              <a:rPr lang="en-IN" b="1" dirty="0"/>
+              <a:t>8.2 Understanding Attribute and </a:t>
+            </a:r>
+            <a:r>
+              <a:rPr lang="en-IN" b="1" dirty="0" smtClean="0"/>
+              <a:t>property(3)</a:t>
+            </a:r>
+            <a:endParaRPr lang="en-IN" b="1" dirty="0"/>
+          </a:p>
+        </p:txBody>
+      </p:sp>
+      <p:sp>
+        <p:nvSpPr>
+          <p:cNvPr id="3" name="Content Placeholder 2"/>
+          <p:cNvSpPr>
+            <a:spLocks noGrp="1"/>
+          </p:cNvSpPr>
+          <p:nvPr>
+            <p:ph sz="half" idx="2"/>
+          </p:nvPr>
+        </p:nvSpPr>
+        <p:spPr>
+          <a:xfrm>
+            <a:off x="1154954" y="2581836"/>
+            <a:ext cx="10530540" cy="484093"/>
+          </a:xfrm>
+        </p:spPr>
+        <p:txBody>
+          <a:bodyPr>
+            <a:normAutofit/>
+          </a:bodyPr>
+          <a:lstStyle/>
+          <a:p>
+            <a:r>
+              <a:rPr lang="en-IN" dirty="0" smtClean="0">
+                <a:solidFill>
+                  <a:schemeClr val="tx1"/>
+                </a:solidFill>
+              </a:rPr>
+              <a:t>Execute the following commands in console</a:t>
+            </a:r>
+            <a:endParaRPr lang="en-IN" dirty="0">
+              <a:solidFill>
+                <a:schemeClr val="tx1"/>
+              </a:solidFill>
+            </a:endParaRPr>
+          </a:p>
+        </p:txBody>
+      </p:sp>
+      <p:pic>
+        <p:nvPicPr>
+          <p:cNvPr id="4" name="Picture 3"/>
+          <p:cNvPicPr>
+            <a:picLocks noChangeAspect="1"/>
+          </p:cNvPicPr>
+          <p:nvPr/>
+        </p:nvPicPr>
+        <p:blipFill>
+          <a:blip r:embed="rId2"/>
+          <a:stretch>
+            <a:fillRect/>
+          </a:stretch>
+        </p:blipFill>
+        <p:spPr>
+          <a:xfrm>
+            <a:off x="1154954" y="3065929"/>
+            <a:ext cx="3333750" cy="2266950"/>
+          </a:xfrm>
+          <a:prstGeom prst="rect">
+            <a:avLst/>
+          </a:prstGeom>
+          <a:ln>
+            <a:solidFill>
+              <a:schemeClr val="bg1">
+                <a:lumMod val="75000"/>
+              </a:schemeClr>
+            </a:solidFill>
+          </a:ln>
+        </p:spPr>
+      </p:pic>
+      <p:pic>
+        <p:nvPicPr>
+          <p:cNvPr id="5" name="Picture 4"/>
+          <p:cNvPicPr>
+            <a:picLocks noChangeAspect="1"/>
+          </p:cNvPicPr>
+          <p:nvPr/>
+        </p:nvPicPr>
+        <p:blipFill>
+          <a:blip r:embed="rId3"/>
+          <a:stretch>
+            <a:fillRect/>
+          </a:stretch>
+        </p:blipFill>
+        <p:spPr>
+          <a:xfrm>
+            <a:off x="4958136" y="3065929"/>
+            <a:ext cx="2330808" cy="2266950"/>
+          </a:xfrm>
+          <a:prstGeom prst="rect">
+            <a:avLst/>
+          </a:prstGeom>
+          <a:ln>
+            <a:solidFill>
+              <a:schemeClr val="bg1">
+                <a:lumMod val="75000"/>
+              </a:schemeClr>
+            </a:solidFill>
+          </a:ln>
+        </p:spPr>
+      </p:pic>
+      <p:cxnSp>
+        <p:nvCxnSpPr>
+          <p:cNvPr id="9" name="Curved Connector 8"/>
+          <p:cNvCxnSpPr>
+            <a:endCxn id="10" idx="1"/>
+          </p:cNvCxnSpPr>
+          <p:nvPr/>
+        </p:nvCxnSpPr>
+        <p:spPr>
+          <a:xfrm flipV="1">
+            <a:off x="5286981" y="3389095"/>
+            <a:ext cx="2985143" cy="967754"/>
+          </a:xfrm>
+          <a:prstGeom prst="bentConnector3">
+            <a:avLst>
+              <a:gd name="adj1" fmla="val 449"/>
+            </a:avLst>
+          </a:prstGeom>
+          <a:ln w="28575">
+            <a:solidFill>
+              <a:schemeClr val="accent5">
+                <a:lumMod val="75000"/>
+              </a:schemeClr>
+            </a:solidFill>
+            <a:tailEnd type="triangle"/>
+          </a:ln>
+        </p:spPr>
+        <p:style>
+          <a:lnRef idx="1">
+            <a:schemeClr val="accent1"/>
+          </a:lnRef>
+          <a:fillRef idx="0">
+            <a:schemeClr val="accent1"/>
+          </a:fillRef>
+          <a:effectRef idx="0">
+            <a:schemeClr val="accent1"/>
+          </a:effectRef>
+          <a:fontRef idx="minor">
+            <a:schemeClr val="tx1"/>
+          </a:fontRef>
+        </p:style>
+      </p:cxnSp>
+      <p:sp>
+        <p:nvSpPr>
+          <p:cNvPr id="10" name="TextBox 9"/>
+          <p:cNvSpPr txBox="1"/>
+          <p:nvPr/>
+        </p:nvSpPr>
+        <p:spPr>
+          <a:xfrm>
+            <a:off x="8272124" y="3065929"/>
+            <a:ext cx="2003611" cy="646331"/>
+          </a:xfrm>
+          <a:prstGeom prst="rect">
+            <a:avLst/>
+          </a:prstGeom>
+          <a:noFill/>
+        </p:spPr>
+        <p:txBody>
+          <a:bodyPr wrap="square" rtlCol="0">
+            <a:spAutoFit/>
+          </a:bodyPr>
+          <a:lstStyle/>
+          <a:p>
+            <a:r>
+              <a:rPr lang="en-IN" dirty="0" smtClean="0">
+                <a:solidFill>
+                  <a:schemeClr val="accent5">
+                    <a:lumMod val="75000"/>
+                  </a:schemeClr>
+                </a:solidFill>
+              </a:rPr>
+              <a:t>$0 refers current element</a:t>
+            </a:r>
+            <a:endParaRPr lang="en-IN" dirty="0">
+              <a:solidFill>
+                <a:schemeClr val="accent5">
+                  <a:lumMod val="75000"/>
+                </a:schemeClr>
+              </a:solidFill>
+            </a:endParaRPr>
+          </a:p>
+        </p:txBody>
+      </p:sp>
+      <p:sp>
+        <p:nvSpPr>
+          <p:cNvPr id="30" name="TextBox 29"/>
+          <p:cNvSpPr txBox="1"/>
+          <p:nvPr/>
+        </p:nvSpPr>
+        <p:spPr>
+          <a:xfrm>
+            <a:off x="8407128" y="5816972"/>
+            <a:ext cx="2003611" cy="738664"/>
+          </a:xfrm>
+          <a:prstGeom prst="rect">
+            <a:avLst/>
+          </a:prstGeom>
+          <a:noFill/>
+        </p:spPr>
+        <p:txBody>
+          <a:bodyPr wrap="square" rtlCol="0">
+            <a:spAutoFit/>
+          </a:bodyPr>
+          <a:lstStyle/>
+          <a:p>
+            <a:r>
+              <a:rPr lang="en-IN" sz="1400" dirty="0" err="1" smtClean="0">
+                <a:solidFill>
+                  <a:srgbClr val="00B0F0"/>
+                </a:solidFill>
+              </a:rPr>
+              <a:t>getAttribute</a:t>
+            </a:r>
+            <a:r>
+              <a:rPr lang="en-IN" sz="1400" dirty="0" smtClean="0">
+                <a:solidFill>
+                  <a:srgbClr val="00B0F0"/>
+                </a:solidFill>
+              </a:rPr>
+              <a:t> means, what value assigned the attribute value </a:t>
+            </a:r>
+            <a:endParaRPr lang="en-IN" sz="1400" dirty="0">
+              <a:solidFill>
+                <a:srgbClr val="00B0F0"/>
+              </a:solidFill>
+            </a:endParaRPr>
+          </a:p>
+        </p:txBody>
+      </p:sp>
+      <p:pic>
+        <p:nvPicPr>
+          <p:cNvPr id="31" name="Picture 30"/>
+          <p:cNvPicPr>
+            <a:picLocks noChangeAspect="1"/>
+          </p:cNvPicPr>
+          <p:nvPr/>
+        </p:nvPicPr>
+        <p:blipFill>
+          <a:blip r:embed="rId4"/>
+          <a:stretch>
+            <a:fillRect/>
+          </a:stretch>
+        </p:blipFill>
+        <p:spPr>
+          <a:xfrm>
+            <a:off x="6456775" y="5321884"/>
+            <a:ext cx="5132879" cy="326368"/>
+          </a:xfrm>
+          <a:prstGeom prst="rect">
+            <a:avLst/>
+          </a:prstGeom>
+        </p:spPr>
+      </p:pic>
+      <p:sp>
+        <p:nvSpPr>
+          <p:cNvPr id="32" name="Rectangle 31"/>
+          <p:cNvSpPr/>
+          <p:nvPr/>
+        </p:nvSpPr>
+        <p:spPr>
+          <a:xfrm>
+            <a:off x="9493289" y="5351473"/>
+            <a:ext cx="1866620" cy="237533"/>
+          </a:xfrm>
+          <a:prstGeom prst="rect">
+            <a:avLst/>
+          </a:prstGeom>
+          <a:noFill/>
+          <a:ln w="28575">
+            <a:solidFill>
+              <a:srgbClr val="FFFF00"/>
+            </a:solidFill>
+          </a:ln>
+        </p:spPr>
+        <p:style>
+          <a:lnRef idx="2">
+            <a:schemeClr val="accent1">
+              <a:shade val="50000"/>
+            </a:schemeClr>
+          </a:lnRef>
+          <a:fillRef idx="1">
+            <a:schemeClr val="accent1"/>
+          </a:fillRef>
+          <a:effectRef idx="0">
+            <a:schemeClr val="accent1"/>
+          </a:effectRef>
+          <a:fontRef idx="minor">
+            <a:schemeClr val="lt1"/>
+          </a:fontRef>
+        </p:style>
+        <p:txBody>
+          <a:bodyPr rtlCol="0" anchor="ctr"/>
+          <a:lstStyle/>
+          <a:p>
+            <a:pPr algn="ctr"/>
+            <a:endParaRPr lang="en-IN">
+              <a:solidFill>
+                <a:srgbClr val="FFFF00"/>
+              </a:solidFill>
+            </a:endParaRPr>
+          </a:p>
+        </p:txBody>
+      </p:sp>
+      <p:cxnSp>
+        <p:nvCxnSpPr>
+          <p:cNvPr id="20" name="Elbow Connector 19"/>
+          <p:cNvCxnSpPr/>
+          <p:nvPr/>
+        </p:nvCxnSpPr>
+        <p:spPr>
+          <a:xfrm>
+            <a:off x="6954516" y="4356849"/>
+            <a:ext cx="2521653" cy="1500464"/>
+          </a:xfrm>
+          <a:prstGeom prst="bentConnector2">
+            <a:avLst/>
+          </a:prstGeom>
+          <a:ln w="28575">
+            <a:solidFill>
+              <a:srgbClr val="00B0F0"/>
+            </a:solidFill>
+            <a:tailEnd type="triangle"/>
+          </a:ln>
+        </p:spPr>
+        <p:style>
+          <a:lnRef idx="1">
+            <a:schemeClr val="accent1"/>
+          </a:lnRef>
+          <a:fillRef idx="0">
+            <a:schemeClr val="accent1"/>
+          </a:fillRef>
+          <a:effectRef idx="0">
+            <a:schemeClr val="accent1"/>
+          </a:effectRef>
+          <a:fontRef idx="minor">
+            <a:schemeClr val="tx1"/>
+          </a:fontRef>
+        </p:style>
+      </p:cxnSp>
+      <p:cxnSp>
+        <p:nvCxnSpPr>
+          <p:cNvPr id="34" name="Straight Arrow Connector 33"/>
+          <p:cNvCxnSpPr/>
+          <p:nvPr/>
+        </p:nvCxnSpPr>
+        <p:spPr>
+          <a:xfrm rot="10800000" flipV="1">
+            <a:off x="3751729" y="4800600"/>
+            <a:ext cx="1828800" cy="1016372"/>
+          </a:xfrm>
+          <a:prstGeom prst="bentConnector3">
+            <a:avLst>
+              <a:gd name="adj1" fmla="val -735"/>
+            </a:avLst>
+          </a:prstGeom>
+          <a:ln w="28575">
+            <a:solidFill>
+              <a:schemeClr val="accent1">
+                <a:lumMod val="60000"/>
+                <a:lumOff val="40000"/>
+              </a:schemeClr>
+            </a:solidFill>
+            <a:tailEnd type="triangle"/>
+          </a:ln>
+        </p:spPr>
+        <p:style>
+          <a:lnRef idx="1">
+            <a:schemeClr val="accent1"/>
+          </a:lnRef>
+          <a:fillRef idx="0">
+            <a:schemeClr val="accent1"/>
+          </a:fillRef>
+          <a:effectRef idx="0">
+            <a:schemeClr val="accent1"/>
+          </a:effectRef>
+          <a:fontRef idx="minor">
+            <a:schemeClr val="tx1"/>
+          </a:fontRef>
+        </p:style>
+      </p:cxnSp>
+      <p:sp>
+        <p:nvSpPr>
+          <p:cNvPr id="35" name="TextBox 34"/>
+          <p:cNvSpPr txBox="1"/>
+          <p:nvPr/>
+        </p:nvSpPr>
+        <p:spPr>
+          <a:xfrm>
+            <a:off x="1820023" y="5556794"/>
+            <a:ext cx="2003611" cy="738664"/>
+          </a:xfrm>
+          <a:prstGeom prst="rect">
+            <a:avLst/>
+          </a:prstGeom>
+          <a:noFill/>
+        </p:spPr>
+        <p:txBody>
+          <a:bodyPr wrap="square" rtlCol="0">
+            <a:spAutoFit/>
+          </a:bodyPr>
+          <a:lstStyle/>
+          <a:p>
+            <a:r>
+              <a:rPr lang="en-IN" sz="1400" dirty="0" smtClean="0">
+                <a:solidFill>
+                  <a:schemeClr val="accent1">
+                    <a:lumMod val="60000"/>
+                    <a:lumOff val="40000"/>
+                  </a:schemeClr>
+                </a:solidFill>
+              </a:rPr>
+              <a:t>What Value the current component have</a:t>
+            </a:r>
+            <a:endParaRPr lang="en-IN" sz="1400" dirty="0">
+              <a:solidFill>
+                <a:schemeClr val="accent1">
+                  <a:lumMod val="60000"/>
+                  <a:lumOff val="40000"/>
+                </a:schemeClr>
+              </a:solidFill>
+            </a:endParaRPr>
+          </a:p>
+        </p:txBody>
+      </p:sp>
+      <p:cxnSp>
+        <p:nvCxnSpPr>
+          <p:cNvPr id="36" name="Straight Arrow Connector 35"/>
+          <p:cNvCxnSpPr/>
+          <p:nvPr/>
+        </p:nvCxnSpPr>
+        <p:spPr>
+          <a:xfrm rot="10800000">
+            <a:off x="1480628" y="4944373"/>
+            <a:ext cx="3806353" cy="52874"/>
+          </a:xfrm>
+          <a:prstGeom prst="bentConnector3">
+            <a:avLst>
+              <a:gd name="adj1" fmla="val 89921"/>
+            </a:avLst>
+          </a:prstGeom>
+          <a:ln w="28575">
+            <a:solidFill>
+              <a:schemeClr val="accent1">
+                <a:lumMod val="60000"/>
+                <a:lumOff val="40000"/>
+              </a:schemeClr>
+            </a:solidFill>
+            <a:prstDash val="dash"/>
+            <a:tailEnd type="triangle"/>
+          </a:ln>
+        </p:spPr>
+        <p:style>
+          <a:lnRef idx="1">
+            <a:schemeClr val="accent1"/>
+          </a:lnRef>
+          <a:fillRef idx="0">
+            <a:schemeClr val="accent1"/>
+          </a:fillRef>
+          <a:effectRef idx="0">
+            <a:schemeClr val="accent1"/>
+          </a:effectRef>
+          <a:fontRef idx="minor">
+            <a:schemeClr val="tx1"/>
+          </a:fontRef>
+        </p:style>
+      </p:cxnSp>
+      <p:cxnSp>
+        <p:nvCxnSpPr>
+          <p:cNvPr id="46" name="Elbow Connector 45"/>
+          <p:cNvCxnSpPr/>
+          <p:nvPr/>
+        </p:nvCxnSpPr>
+        <p:spPr>
+          <a:xfrm>
+            <a:off x="5822925" y="4551388"/>
+            <a:ext cx="4708755" cy="682210"/>
+          </a:xfrm>
+          <a:prstGeom prst="bentConnector3">
+            <a:avLst>
+              <a:gd name="adj1" fmla="val 99976"/>
+            </a:avLst>
+          </a:prstGeom>
+          <a:ln w="28575">
+            <a:solidFill>
+              <a:srgbClr val="00B0F0"/>
+            </a:solidFill>
+            <a:prstDash val="dash"/>
+            <a:tailEnd type="triangle"/>
+          </a:ln>
+        </p:spPr>
+        <p:style>
+          <a:lnRef idx="1">
+            <a:schemeClr val="accent1"/>
+          </a:lnRef>
+          <a:fillRef idx="0">
+            <a:schemeClr val="accent1"/>
+          </a:fillRef>
+          <a:effectRef idx="0">
+            <a:schemeClr val="accent1"/>
+          </a:effectRef>
+          <a:fontRef idx="minor">
+            <a:schemeClr val="tx1"/>
+          </a:fontRef>
+        </p:style>
+      </p:cxnSp>
+      <p:cxnSp>
+        <p:nvCxnSpPr>
+          <p:cNvPr id="53" name="Curved Connector 8"/>
+          <p:cNvCxnSpPr/>
+          <p:nvPr/>
+        </p:nvCxnSpPr>
+        <p:spPr>
+          <a:xfrm rot="10800000" flipV="1">
+            <a:off x="1858985" y="4356847"/>
+            <a:ext cx="3427998" cy="535645"/>
+          </a:xfrm>
+          <a:prstGeom prst="bentConnector3">
+            <a:avLst>
+              <a:gd name="adj1" fmla="val 99818"/>
+            </a:avLst>
+          </a:prstGeom>
+          <a:ln w="28575">
+            <a:solidFill>
+              <a:schemeClr val="accent5">
+                <a:lumMod val="75000"/>
+              </a:schemeClr>
+            </a:solidFill>
+            <a:prstDash val="dash"/>
+            <a:tailEnd type="triangle"/>
+          </a:ln>
+        </p:spPr>
+        <p:style>
+          <a:lnRef idx="1">
+            <a:schemeClr val="accent1"/>
+          </a:lnRef>
+          <a:fillRef idx="0">
+            <a:schemeClr val="accent1"/>
+          </a:fillRef>
+          <a:effectRef idx="0">
+            <a:schemeClr val="accent1"/>
+          </a:effectRef>
+          <a:fontRef idx="minor">
+            <a:schemeClr val="tx1"/>
+          </a:fontRef>
+        </p:style>
+      </p:cxnSp>
+    </p:spTree>
+    <p:extLst>
+      <p:ext uri="{BB962C8B-B14F-4D97-AF65-F5344CB8AC3E}">
+        <p14:creationId xmlns:p14="http://schemas.microsoft.com/office/powerpoint/2010/main" val="1998673517"/>
+      </p:ext>
+    </p:extLst>
+  </p:cSld>
+  <p:clrMapOvr>
+    <a:masterClrMapping/>
+  </p:clrMapOvr>
+  <p:timing>
+    <p:tnLst>
+      <p:par>
+        <p:cTn id="1" dur="indefinite" restart="never" nodeType="tmRoot"/>
+      </p:par>
+    </p:tnLst>
+  </p:timing>
+</p:sld>
+</file>
+
+<file path=ppt/slides/slide43.xml><?xml version="1.0" encoding="utf-8"?>
+<p:sld xmlns:a="http://schemas.openxmlformats.org/drawingml/2006/main" xmlns:r="http://schemas.openxmlformats.org/officeDocument/2006/relationships" xmlns:p="http://schemas.openxmlformats.org/presentationml/2006/main">
+  <p:cSld>
+    <p:spTree>
+      <p:nvGrpSpPr>
+        <p:cNvPr id="1" name=""/>
+        <p:cNvGrpSpPr/>
+        <p:nvPr/>
+      </p:nvGrpSpPr>
+      <p:grpSpPr>
+        <a:xfrm>
+          <a:off x="0" y="0"/>
+          <a:ext cx="0" cy="0"/>
+          <a:chOff x="0" y="0"/>
+          <a:chExt cx="0" cy="0"/>
+        </a:xfrm>
+      </p:grpSpPr>
+      <p:pic>
+        <p:nvPicPr>
+          <p:cNvPr id="7" name="Picture 6"/>
+          <p:cNvPicPr>
+            <a:picLocks noChangeAspect="1"/>
+          </p:cNvPicPr>
+          <p:nvPr/>
+        </p:nvPicPr>
+        <p:blipFill>
+          <a:blip r:embed="rId2"/>
+          <a:stretch>
+            <a:fillRect/>
+          </a:stretch>
+        </p:blipFill>
+        <p:spPr>
+          <a:xfrm>
+            <a:off x="5011470" y="2990739"/>
+            <a:ext cx="2482650" cy="2360734"/>
+          </a:xfrm>
+          <a:prstGeom prst="rect">
+            <a:avLst/>
+          </a:prstGeom>
+          <a:ln>
+            <a:solidFill>
+              <a:schemeClr val="bg1">
+                <a:lumMod val="50000"/>
+              </a:schemeClr>
+            </a:solidFill>
+          </a:ln>
+        </p:spPr>
+      </p:pic>
+      <p:pic>
+        <p:nvPicPr>
+          <p:cNvPr id="6" name="Picture 5"/>
+          <p:cNvPicPr>
+            <a:picLocks noChangeAspect="1"/>
+          </p:cNvPicPr>
+          <p:nvPr/>
+        </p:nvPicPr>
+        <p:blipFill>
+          <a:blip r:embed="rId3"/>
+          <a:stretch>
+            <a:fillRect/>
+          </a:stretch>
+        </p:blipFill>
+        <p:spPr>
+          <a:xfrm>
+            <a:off x="1225737" y="3010071"/>
+            <a:ext cx="3457575" cy="2266950"/>
+          </a:xfrm>
+          <a:prstGeom prst="rect">
+            <a:avLst/>
+          </a:prstGeom>
+          <a:ln>
+            <a:solidFill>
+              <a:schemeClr val="bg1">
+                <a:lumMod val="50000"/>
+              </a:schemeClr>
+            </a:solidFill>
+          </a:ln>
+        </p:spPr>
+      </p:pic>
+      <p:sp>
+        <p:nvSpPr>
+          <p:cNvPr id="2" name="Title 1"/>
+          <p:cNvSpPr>
+            <a:spLocks noGrp="1"/>
+          </p:cNvSpPr>
+          <p:nvPr>
+            <p:ph type="title"/>
+          </p:nvPr>
+        </p:nvSpPr>
+        <p:spPr>
+          <a:xfrm>
+            <a:off x="1154954" y="973668"/>
+            <a:ext cx="10137494" cy="706964"/>
+          </a:xfrm>
+        </p:spPr>
+        <p:txBody>
+          <a:bodyPr/>
+          <a:lstStyle/>
+          <a:p>
+            <a:r>
+              <a:rPr lang="en-IN" b="1" dirty="0"/>
+              <a:t>8.2 Understanding Attribute and </a:t>
+            </a:r>
+            <a:r>
+              <a:rPr lang="en-IN" b="1" dirty="0" smtClean="0"/>
+              <a:t>property(4)</a:t>
+            </a:r>
+            <a:endParaRPr lang="en-IN" b="1" dirty="0"/>
+          </a:p>
+        </p:txBody>
+      </p:sp>
+      <p:sp>
+        <p:nvSpPr>
+          <p:cNvPr id="3" name="Content Placeholder 2"/>
+          <p:cNvSpPr>
+            <a:spLocks noGrp="1"/>
+          </p:cNvSpPr>
+          <p:nvPr>
+            <p:ph sz="half" idx="2"/>
+          </p:nvPr>
+        </p:nvSpPr>
+        <p:spPr>
+          <a:xfrm>
+            <a:off x="1154954" y="2581836"/>
+            <a:ext cx="10530540" cy="484093"/>
+          </a:xfrm>
+        </p:spPr>
+        <p:txBody>
+          <a:bodyPr>
+            <a:normAutofit/>
+          </a:bodyPr>
+          <a:lstStyle/>
+          <a:p>
+            <a:r>
+              <a:rPr lang="en-IN" dirty="0" smtClean="0">
+                <a:solidFill>
+                  <a:schemeClr val="tx1"/>
+                </a:solidFill>
+              </a:rPr>
+              <a:t>Change the value in the textbox and execute the same commands in console</a:t>
+            </a:r>
+            <a:endParaRPr lang="en-IN" dirty="0">
+              <a:solidFill>
+                <a:schemeClr val="tx1"/>
+              </a:solidFill>
+            </a:endParaRPr>
+          </a:p>
+        </p:txBody>
+      </p:sp>
+      <p:sp>
+        <p:nvSpPr>
+          <p:cNvPr id="30" name="TextBox 29"/>
+          <p:cNvSpPr txBox="1"/>
+          <p:nvPr/>
+        </p:nvSpPr>
+        <p:spPr>
+          <a:xfrm>
+            <a:off x="8407128" y="5816972"/>
+            <a:ext cx="2003611" cy="738664"/>
+          </a:xfrm>
+          <a:prstGeom prst="rect">
+            <a:avLst/>
+          </a:prstGeom>
+          <a:noFill/>
+        </p:spPr>
+        <p:txBody>
+          <a:bodyPr wrap="square" rtlCol="0">
+            <a:spAutoFit/>
+          </a:bodyPr>
+          <a:lstStyle/>
+          <a:p>
+            <a:r>
+              <a:rPr lang="en-IN" sz="1400" dirty="0" err="1" smtClean="0">
+                <a:solidFill>
+                  <a:srgbClr val="00B0F0"/>
+                </a:solidFill>
+              </a:rPr>
+              <a:t>getAttribute</a:t>
+            </a:r>
+            <a:r>
+              <a:rPr lang="en-IN" sz="1400" dirty="0" smtClean="0">
+                <a:solidFill>
+                  <a:srgbClr val="00B0F0"/>
+                </a:solidFill>
+              </a:rPr>
+              <a:t> means, what value assigned the attribute value </a:t>
+            </a:r>
+            <a:endParaRPr lang="en-IN" sz="1400" dirty="0">
+              <a:solidFill>
+                <a:srgbClr val="00B0F0"/>
+              </a:solidFill>
+            </a:endParaRPr>
+          </a:p>
+        </p:txBody>
+      </p:sp>
+      <p:pic>
+        <p:nvPicPr>
+          <p:cNvPr id="31" name="Picture 30"/>
+          <p:cNvPicPr>
+            <a:picLocks noChangeAspect="1"/>
+          </p:cNvPicPr>
+          <p:nvPr/>
+        </p:nvPicPr>
+        <p:blipFill>
+          <a:blip r:embed="rId4"/>
+          <a:stretch>
+            <a:fillRect/>
+          </a:stretch>
+        </p:blipFill>
+        <p:spPr>
+          <a:xfrm>
+            <a:off x="6456775" y="5321884"/>
+            <a:ext cx="5132879" cy="326368"/>
+          </a:xfrm>
+          <a:prstGeom prst="rect">
+            <a:avLst/>
+          </a:prstGeom>
+        </p:spPr>
+      </p:pic>
+      <p:sp>
+        <p:nvSpPr>
+          <p:cNvPr id="32" name="Rectangle 31"/>
+          <p:cNvSpPr/>
+          <p:nvPr/>
+        </p:nvSpPr>
+        <p:spPr>
+          <a:xfrm>
+            <a:off x="9493289" y="5351473"/>
+            <a:ext cx="1866620" cy="237533"/>
+          </a:xfrm>
+          <a:prstGeom prst="rect">
+            <a:avLst/>
+          </a:prstGeom>
+          <a:noFill/>
+          <a:ln w="28575">
+            <a:solidFill>
+              <a:srgbClr val="FFFF00"/>
+            </a:solidFill>
+          </a:ln>
+        </p:spPr>
+        <p:style>
+          <a:lnRef idx="2">
+            <a:schemeClr val="accent1">
+              <a:shade val="50000"/>
+            </a:schemeClr>
+          </a:lnRef>
+          <a:fillRef idx="1">
+            <a:schemeClr val="accent1"/>
+          </a:fillRef>
+          <a:effectRef idx="0">
+            <a:schemeClr val="accent1"/>
+          </a:effectRef>
+          <a:fontRef idx="minor">
+            <a:schemeClr val="lt1"/>
+          </a:fontRef>
+        </p:style>
+        <p:txBody>
+          <a:bodyPr rtlCol="0" anchor="ctr"/>
+          <a:lstStyle/>
+          <a:p>
+            <a:pPr algn="ctr"/>
+            <a:endParaRPr lang="en-IN">
+              <a:solidFill>
+                <a:srgbClr val="FFFF00"/>
+              </a:solidFill>
+            </a:endParaRPr>
+          </a:p>
+        </p:txBody>
+      </p:sp>
+      <p:cxnSp>
+        <p:nvCxnSpPr>
+          <p:cNvPr id="20" name="Elbow Connector 19"/>
+          <p:cNvCxnSpPr/>
+          <p:nvPr/>
+        </p:nvCxnSpPr>
+        <p:spPr>
+          <a:xfrm>
+            <a:off x="6954516" y="4356849"/>
+            <a:ext cx="2521653" cy="1500464"/>
+          </a:xfrm>
+          <a:prstGeom prst="bentConnector2">
+            <a:avLst/>
+          </a:prstGeom>
+          <a:ln w="28575">
+            <a:solidFill>
+              <a:srgbClr val="00B0F0"/>
+            </a:solidFill>
+            <a:tailEnd type="triangle"/>
+          </a:ln>
+        </p:spPr>
+        <p:style>
+          <a:lnRef idx="1">
+            <a:schemeClr val="accent1"/>
+          </a:lnRef>
+          <a:fillRef idx="0">
+            <a:schemeClr val="accent1"/>
+          </a:fillRef>
+          <a:effectRef idx="0">
+            <a:schemeClr val="accent1"/>
+          </a:effectRef>
+          <a:fontRef idx="minor">
+            <a:schemeClr val="tx1"/>
+          </a:fontRef>
+        </p:style>
+      </p:cxnSp>
+      <p:cxnSp>
+        <p:nvCxnSpPr>
+          <p:cNvPr id="34" name="Straight Arrow Connector 33"/>
+          <p:cNvCxnSpPr/>
+          <p:nvPr/>
+        </p:nvCxnSpPr>
+        <p:spPr>
+          <a:xfrm rot="10800000" flipV="1">
+            <a:off x="3751729" y="4800600"/>
+            <a:ext cx="1828800" cy="1016372"/>
+          </a:xfrm>
+          <a:prstGeom prst="bentConnector3">
+            <a:avLst>
+              <a:gd name="adj1" fmla="val -735"/>
+            </a:avLst>
+          </a:prstGeom>
+          <a:ln w="28575">
+            <a:solidFill>
+              <a:schemeClr val="accent1">
+                <a:lumMod val="60000"/>
+                <a:lumOff val="40000"/>
+              </a:schemeClr>
+            </a:solidFill>
+            <a:tailEnd type="triangle"/>
+          </a:ln>
+        </p:spPr>
+        <p:style>
+          <a:lnRef idx="1">
+            <a:schemeClr val="accent1"/>
+          </a:lnRef>
+          <a:fillRef idx="0">
+            <a:schemeClr val="accent1"/>
+          </a:fillRef>
+          <a:effectRef idx="0">
+            <a:schemeClr val="accent1"/>
+          </a:effectRef>
+          <a:fontRef idx="minor">
+            <a:schemeClr val="tx1"/>
+          </a:fontRef>
+        </p:style>
+      </p:cxnSp>
+      <p:sp>
+        <p:nvSpPr>
+          <p:cNvPr id="35" name="TextBox 34"/>
+          <p:cNvSpPr txBox="1"/>
+          <p:nvPr/>
+        </p:nvSpPr>
+        <p:spPr>
+          <a:xfrm>
+            <a:off x="1820023" y="5556794"/>
+            <a:ext cx="2003611" cy="738664"/>
+          </a:xfrm>
+          <a:prstGeom prst="rect">
+            <a:avLst/>
+          </a:prstGeom>
+          <a:noFill/>
+        </p:spPr>
+        <p:txBody>
+          <a:bodyPr wrap="square" rtlCol="0">
+            <a:spAutoFit/>
+          </a:bodyPr>
+          <a:lstStyle/>
+          <a:p>
+            <a:r>
+              <a:rPr lang="en-IN" sz="1400" dirty="0" smtClean="0">
+                <a:solidFill>
+                  <a:schemeClr val="accent1">
+                    <a:lumMod val="60000"/>
+                    <a:lumOff val="40000"/>
+                  </a:schemeClr>
+                </a:solidFill>
+              </a:rPr>
+              <a:t>What Value the current component have</a:t>
+            </a:r>
+            <a:endParaRPr lang="en-IN" sz="1400" dirty="0">
+              <a:solidFill>
+                <a:schemeClr val="accent1">
+                  <a:lumMod val="60000"/>
+                  <a:lumOff val="40000"/>
+                </a:schemeClr>
+              </a:solidFill>
+            </a:endParaRPr>
+          </a:p>
+        </p:txBody>
+      </p:sp>
+      <p:cxnSp>
+        <p:nvCxnSpPr>
+          <p:cNvPr id="36" name="Straight Arrow Connector 35"/>
+          <p:cNvCxnSpPr/>
+          <p:nvPr/>
+        </p:nvCxnSpPr>
+        <p:spPr>
+          <a:xfrm rot="10800000">
+            <a:off x="2875482" y="4975413"/>
+            <a:ext cx="2411500" cy="21835"/>
+          </a:xfrm>
+          <a:prstGeom prst="bentConnector3">
+            <a:avLst>
+              <a:gd name="adj1" fmla="val 50000"/>
+            </a:avLst>
+          </a:prstGeom>
+          <a:ln w="28575">
+            <a:solidFill>
+              <a:schemeClr val="accent1">
+                <a:lumMod val="60000"/>
+                <a:lumOff val="40000"/>
+              </a:schemeClr>
+            </a:solidFill>
+            <a:prstDash val="dash"/>
+            <a:tailEnd type="triangle"/>
+          </a:ln>
+        </p:spPr>
+        <p:style>
+          <a:lnRef idx="1">
+            <a:schemeClr val="accent1"/>
+          </a:lnRef>
+          <a:fillRef idx="0">
+            <a:schemeClr val="accent1"/>
+          </a:fillRef>
+          <a:effectRef idx="0">
+            <a:schemeClr val="accent1"/>
+          </a:effectRef>
+          <a:fontRef idx="minor">
+            <a:schemeClr val="tx1"/>
+          </a:fontRef>
+        </p:style>
+      </p:cxnSp>
+      <p:sp>
+        <p:nvSpPr>
+          <p:cNvPr id="21" name="Rectangle 20"/>
+          <p:cNvSpPr/>
+          <p:nvPr/>
+        </p:nvSpPr>
+        <p:spPr>
+          <a:xfrm>
+            <a:off x="5181053" y="4888489"/>
+            <a:ext cx="1316182" cy="195683"/>
+          </a:xfrm>
+          <a:prstGeom prst="rect">
+            <a:avLst/>
+          </a:prstGeom>
+          <a:noFill/>
+          <a:ln w="28575">
+            <a:solidFill>
+              <a:srgbClr val="00B050"/>
+            </a:solidFill>
+          </a:ln>
+        </p:spPr>
+        <p:style>
+          <a:lnRef idx="2">
+            <a:schemeClr val="accent1">
+              <a:shade val="50000"/>
+            </a:schemeClr>
+          </a:lnRef>
+          <a:fillRef idx="1">
+            <a:schemeClr val="accent1"/>
+          </a:fillRef>
+          <a:effectRef idx="0">
+            <a:schemeClr val="accent1"/>
+          </a:effectRef>
+          <a:fontRef idx="minor">
+            <a:schemeClr val="lt1"/>
+          </a:fontRef>
+        </p:style>
+        <p:txBody>
+          <a:bodyPr rtlCol="0" anchor="ctr"/>
+          <a:lstStyle/>
+          <a:p>
+            <a:pPr algn="ctr"/>
+            <a:endParaRPr lang="en-IN">
+              <a:solidFill>
+                <a:srgbClr val="FFFF00"/>
+              </a:solidFill>
+            </a:endParaRPr>
+          </a:p>
+        </p:txBody>
+      </p:sp>
+      <p:cxnSp>
+        <p:nvCxnSpPr>
+          <p:cNvPr id="46" name="Elbow Connector 45"/>
+          <p:cNvCxnSpPr/>
+          <p:nvPr/>
+        </p:nvCxnSpPr>
+        <p:spPr>
+          <a:xfrm>
+            <a:off x="5822925" y="4551388"/>
+            <a:ext cx="4708755" cy="682210"/>
+          </a:xfrm>
+          <a:prstGeom prst="bentConnector3">
+            <a:avLst>
+              <a:gd name="adj1" fmla="val 99976"/>
+            </a:avLst>
+          </a:prstGeom>
+          <a:ln w="28575">
+            <a:solidFill>
+              <a:srgbClr val="00B0F0"/>
+            </a:solidFill>
+            <a:prstDash val="dash"/>
+            <a:tailEnd type="triangle"/>
+          </a:ln>
+        </p:spPr>
+        <p:style>
+          <a:lnRef idx="1">
+            <a:schemeClr val="accent1"/>
+          </a:lnRef>
+          <a:fillRef idx="0">
+            <a:schemeClr val="accent1"/>
+          </a:fillRef>
+          <a:effectRef idx="0">
+            <a:schemeClr val="accent1"/>
+          </a:effectRef>
+          <a:fontRef idx="minor">
+            <a:schemeClr val="tx1"/>
+          </a:fontRef>
+        </p:style>
+      </p:cxnSp>
+    </p:spTree>
+    <p:extLst>
+      <p:ext uri="{BB962C8B-B14F-4D97-AF65-F5344CB8AC3E}">
+        <p14:creationId xmlns:p14="http://schemas.microsoft.com/office/powerpoint/2010/main" val="4059838239"/>
+      </p:ext>
+    </p:extLst>
+  </p:cSld>
+  <p:clrMapOvr>
+    <a:masterClrMapping/>
+  </p:clrMapOvr>
+  <p:timing>
+    <p:tnLst>
+      <p:par>
+        <p:cTn id="1" dur="indefinite" restart="never" nodeType="tmRoot"/>
+      </p:par>
+    </p:tnLst>
+  </p:timing>
+</p:sld>
+</file>
+
+<file path=ppt/slides/slide44.xml><?xml version="1.0" encoding="utf-8"?>
+<p:sld xmlns:a="http://schemas.openxmlformats.org/drawingml/2006/main" xmlns:r="http://schemas.openxmlformats.org/officeDocument/2006/relationships" xmlns:p="http://schemas.openxmlformats.org/presentationml/2006/main">
+  <p:cSld>
+    <p:spTree>
+      <p:nvGrpSpPr>
+        <p:cNvPr id="1" name=""/>
+        <p:cNvGrpSpPr/>
+        <p:nvPr/>
+      </p:nvGrpSpPr>
+      <p:grpSpPr>
+        <a:xfrm>
+          <a:off x="0" y="0"/>
+          <a:ext cx="0" cy="0"/>
+          <a:chOff x="0" y="0"/>
+          <a:chExt cx="0" cy="0"/>
+        </a:xfrm>
+      </p:grpSpPr>
+      <p:sp>
+        <p:nvSpPr>
+          <p:cNvPr id="2" name="Title 1"/>
+          <p:cNvSpPr>
+            <a:spLocks noGrp="1"/>
+          </p:cNvSpPr>
+          <p:nvPr>
+            <p:ph type="title"/>
+          </p:nvPr>
+        </p:nvSpPr>
+        <p:spPr>
+          <a:xfrm>
+            <a:off x="1154954" y="973668"/>
+            <a:ext cx="10137494" cy="706964"/>
+          </a:xfrm>
+        </p:spPr>
+        <p:txBody>
+          <a:bodyPr/>
+          <a:lstStyle/>
+          <a:p>
+            <a:r>
+              <a:rPr lang="en-IN" b="1" dirty="0" smtClean="0"/>
+              <a:t>8.3 Property Binding</a:t>
+            </a:r>
+            <a:endParaRPr lang="en-IN" b="1" dirty="0"/>
+          </a:p>
+        </p:txBody>
+      </p:sp>
+      <p:sp>
+        <p:nvSpPr>
+          <p:cNvPr id="3" name="Content Placeholder 2"/>
+          <p:cNvSpPr>
+            <a:spLocks noGrp="1"/>
+          </p:cNvSpPr>
+          <p:nvPr>
+            <p:ph sz="half" idx="2"/>
+          </p:nvPr>
+        </p:nvSpPr>
+        <p:spPr>
+          <a:xfrm>
+            <a:off x="1154954" y="2581836"/>
+            <a:ext cx="10530540" cy="1015813"/>
+          </a:xfrm>
+        </p:spPr>
+        <p:txBody>
+          <a:bodyPr>
+            <a:normAutofit fontScale="92500" lnSpcReduction="20000"/>
+          </a:bodyPr>
+          <a:lstStyle/>
+          <a:p>
+            <a:r>
+              <a:rPr lang="en-IN" dirty="0" smtClean="0">
+                <a:solidFill>
+                  <a:schemeClr val="tx1"/>
+                </a:solidFill>
+              </a:rPr>
+              <a:t>Create a property in component named </a:t>
+            </a:r>
+            <a:r>
+              <a:rPr lang="en-IN" dirty="0" err="1" smtClean="0">
+                <a:solidFill>
+                  <a:schemeClr val="accent6">
+                    <a:lumMod val="75000"/>
+                  </a:schemeClr>
+                </a:solidFill>
+              </a:rPr>
+              <a:t>myId</a:t>
+            </a:r>
+            <a:r>
+              <a:rPr lang="en-IN" dirty="0" smtClean="0">
+                <a:solidFill>
+                  <a:schemeClr val="accent6">
+                    <a:lumMod val="75000"/>
+                  </a:schemeClr>
+                </a:solidFill>
+              </a:rPr>
+              <a:t> </a:t>
+            </a:r>
+            <a:r>
+              <a:rPr lang="en-IN" dirty="0" smtClean="0">
+                <a:solidFill>
+                  <a:schemeClr val="tx1"/>
+                </a:solidFill>
+              </a:rPr>
+              <a:t>holds value as </a:t>
+            </a:r>
+            <a:r>
+              <a:rPr lang="en-IN" dirty="0" err="1" smtClean="0">
+                <a:solidFill>
+                  <a:schemeClr val="accent6">
+                    <a:lumMod val="75000"/>
+                  </a:schemeClr>
+                </a:solidFill>
+              </a:rPr>
+              <a:t>testId</a:t>
+            </a:r>
+            <a:endParaRPr lang="en-IN" dirty="0" smtClean="0">
+              <a:solidFill>
+                <a:schemeClr val="accent6">
+                  <a:lumMod val="75000"/>
+                </a:schemeClr>
+              </a:solidFill>
+            </a:endParaRPr>
+          </a:p>
+          <a:p>
+            <a:r>
+              <a:rPr lang="en-IN" dirty="0" smtClean="0">
+                <a:solidFill>
+                  <a:schemeClr val="tx1"/>
+                </a:solidFill>
+              </a:rPr>
+              <a:t>Bind the property </a:t>
+            </a:r>
+            <a:r>
+              <a:rPr lang="en-IN" dirty="0" err="1" smtClean="0">
+                <a:solidFill>
+                  <a:schemeClr val="tx1"/>
+                </a:solidFill>
+              </a:rPr>
+              <a:t>myId</a:t>
+            </a:r>
+            <a:r>
+              <a:rPr lang="en-IN" dirty="0" smtClean="0">
+                <a:solidFill>
+                  <a:schemeClr val="tx1"/>
+                </a:solidFill>
+              </a:rPr>
+              <a:t> to the ID attribute</a:t>
+            </a:r>
+          </a:p>
+          <a:p>
+            <a:r>
+              <a:rPr lang="en-IN" dirty="0" smtClean="0">
+                <a:solidFill>
+                  <a:schemeClr val="tx1"/>
+                </a:solidFill>
+              </a:rPr>
+              <a:t>And the ID gets the value of </a:t>
+            </a:r>
+            <a:r>
+              <a:rPr lang="en-IN" dirty="0" err="1" smtClean="0">
+                <a:solidFill>
+                  <a:schemeClr val="tx1"/>
+                </a:solidFill>
+              </a:rPr>
+              <a:t>myId</a:t>
+            </a:r>
+            <a:r>
+              <a:rPr lang="en-IN" dirty="0" smtClean="0">
+                <a:solidFill>
+                  <a:schemeClr val="tx1"/>
+                </a:solidFill>
+              </a:rPr>
+              <a:t> property as </a:t>
+            </a:r>
+            <a:r>
+              <a:rPr lang="en-IN" dirty="0" err="1" smtClean="0">
+                <a:solidFill>
+                  <a:schemeClr val="tx1"/>
+                </a:solidFill>
+              </a:rPr>
+              <a:t>testId</a:t>
+            </a:r>
+            <a:endParaRPr lang="en-IN" dirty="0" smtClean="0">
+              <a:solidFill>
+                <a:schemeClr val="tx1"/>
+              </a:solidFill>
+            </a:endParaRPr>
+          </a:p>
+          <a:p>
+            <a:endParaRPr lang="en-IN" b="1" dirty="0">
+              <a:solidFill>
+                <a:schemeClr val="accent6">
+                  <a:lumMod val="75000"/>
+                </a:schemeClr>
+              </a:solidFill>
+            </a:endParaRPr>
+          </a:p>
+        </p:txBody>
+      </p:sp>
+      <p:pic>
+        <p:nvPicPr>
+          <p:cNvPr id="4" name="Picture 3"/>
+          <p:cNvPicPr>
+            <a:picLocks noChangeAspect="1"/>
+          </p:cNvPicPr>
+          <p:nvPr/>
+        </p:nvPicPr>
+        <p:blipFill>
+          <a:blip r:embed="rId2"/>
+          <a:stretch>
+            <a:fillRect/>
+          </a:stretch>
+        </p:blipFill>
+        <p:spPr>
+          <a:xfrm>
+            <a:off x="1189738" y="3597649"/>
+            <a:ext cx="5033963" cy="3107997"/>
+          </a:xfrm>
+          <a:prstGeom prst="rect">
+            <a:avLst/>
+          </a:prstGeom>
+        </p:spPr>
+      </p:pic>
+      <p:pic>
+        <p:nvPicPr>
+          <p:cNvPr id="5" name="Picture 4"/>
+          <p:cNvPicPr>
+            <a:picLocks noChangeAspect="1"/>
+          </p:cNvPicPr>
+          <p:nvPr/>
+        </p:nvPicPr>
+        <p:blipFill>
+          <a:blip r:embed="rId3"/>
+          <a:stretch>
+            <a:fillRect/>
+          </a:stretch>
+        </p:blipFill>
+        <p:spPr>
+          <a:xfrm>
+            <a:off x="6420224" y="3710547"/>
+            <a:ext cx="2858247" cy="1945529"/>
+          </a:xfrm>
+          <a:prstGeom prst="rect">
+            <a:avLst/>
+          </a:prstGeom>
+          <a:ln>
+            <a:solidFill>
+              <a:schemeClr val="bg1">
+                <a:lumMod val="50000"/>
+              </a:schemeClr>
+            </a:solidFill>
+          </a:ln>
+        </p:spPr>
+      </p:pic>
+      <p:pic>
+        <p:nvPicPr>
+          <p:cNvPr id="6" name="Picture 5"/>
+          <p:cNvPicPr>
+            <a:picLocks noChangeAspect="1"/>
+          </p:cNvPicPr>
+          <p:nvPr/>
+        </p:nvPicPr>
+        <p:blipFill>
+          <a:blip r:embed="rId4"/>
+          <a:stretch>
+            <a:fillRect/>
+          </a:stretch>
+        </p:blipFill>
+        <p:spPr>
+          <a:xfrm>
+            <a:off x="6420224" y="5768974"/>
+            <a:ext cx="4620186" cy="935132"/>
+          </a:xfrm>
+          <a:prstGeom prst="rect">
+            <a:avLst/>
+          </a:prstGeom>
+          <a:ln>
+            <a:solidFill>
+              <a:schemeClr val="bg1">
+                <a:lumMod val="50000"/>
+              </a:schemeClr>
+            </a:solidFill>
+          </a:ln>
+        </p:spPr>
+      </p:pic>
+      <p:cxnSp>
+        <p:nvCxnSpPr>
+          <p:cNvPr id="11" name="Straight Arrow Connector 10"/>
+          <p:cNvCxnSpPr/>
+          <p:nvPr/>
+        </p:nvCxnSpPr>
+        <p:spPr>
+          <a:xfrm>
+            <a:off x="7355541" y="5379010"/>
+            <a:ext cx="0" cy="995082"/>
+          </a:xfrm>
+          <a:prstGeom prst="straightConnector1">
+            <a:avLst/>
+          </a:prstGeom>
+          <a:ln>
+            <a:tailEnd type="triangle"/>
+          </a:ln>
+        </p:spPr>
+        <p:style>
+          <a:lnRef idx="1">
+            <a:schemeClr val="accent1"/>
+          </a:lnRef>
+          <a:fillRef idx="0">
+            <a:schemeClr val="accent1"/>
+          </a:fillRef>
+          <a:effectRef idx="0">
+            <a:schemeClr val="accent1"/>
+          </a:effectRef>
+          <a:fontRef idx="minor">
+            <a:schemeClr val="tx1"/>
+          </a:fontRef>
+        </p:style>
+      </p:cxnSp>
+      <p:cxnSp>
+        <p:nvCxnSpPr>
+          <p:cNvPr id="16" name="Straight Arrow Connector 15"/>
+          <p:cNvCxnSpPr/>
+          <p:nvPr/>
+        </p:nvCxnSpPr>
+        <p:spPr>
+          <a:xfrm flipV="1">
+            <a:off x="2810435" y="5048996"/>
+            <a:ext cx="430306" cy="975286"/>
+          </a:xfrm>
+          <a:prstGeom prst="straightConnector1">
+            <a:avLst/>
+          </a:prstGeom>
+          <a:ln w="28575">
+            <a:solidFill>
+              <a:srgbClr val="FFFF00"/>
+            </a:solidFill>
+            <a:tailEnd type="triangle"/>
+          </a:ln>
+        </p:spPr>
+        <p:style>
+          <a:lnRef idx="1">
+            <a:schemeClr val="accent1"/>
+          </a:lnRef>
+          <a:fillRef idx="0">
+            <a:schemeClr val="accent1"/>
+          </a:fillRef>
+          <a:effectRef idx="0">
+            <a:schemeClr val="accent1"/>
+          </a:effectRef>
+          <a:fontRef idx="minor">
+            <a:schemeClr val="tx1"/>
+          </a:fontRef>
+        </p:style>
+      </p:cxnSp>
+      <p:cxnSp>
+        <p:nvCxnSpPr>
+          <p:cNvPr id="20" name="Straight Arrow Connector 19"/>
+          <p:cNvCxnSpPr/>
+          <p:nvPr/>
+        </p:nvCxnSpPr>
+        <p:spPr>
+          <a:xfrm>
+            <a:off x="3240741" y="5008655"/>
+            <a:ext cx="6656294" cy="1325096"/>
+          </a:xfrm>
+          <a:prstGeom prst="straightConnector1">
+            <a:avLst/>
+          </a:prstGeom>
+          <a:ln w="28575">
+            <a:solidFill>
+              <a:schemeClr val="accent5"/>
+            </a:solidFill>
+            <a:tailEnd type="triangle"/>
+          </a:ln>
+        </p:spPr>
+        <p:style>
+          <a:lnRef idx="1">
+            <a:schemeClr val="accent1"/>
+          </a:lnRef>
+          <a:fillRef idx="0">
+            <a:schemeClr val="accent1"/>
+          </a:fillRef>
+          <a:effectRef idx="0">
+            <a:schemeClr val="accent1"/>
+          </a:effectRef>
+          <a:fontRef idx="minor">
+            <a:schemeClr val="tx1"/>
+          </a:fontRef>
+        </p:style>
+      </p:cxnSp>
+    </p:spTree>
+    <p:extLst>
+      <p:ext uri="{BB962C8B-B14F-4D97-AF65-F5344CB8AC3E}">
+        <p14:creationId xmlns:p14="http://schemas.microsoft.com/office/powerpoint/2010/main" val="2487401694"/>
+      </p:ext>
+    </p:extLst>
+  </p:cSld>
+  <p:clrMapOvr>
+    <a:masterClrMapping/>
+  </p:clrMapOvr>
+  <p:timing>
+    <p:tnLst>
+      <p:par>
+        <p:cTn id="1" dur="indefinite" restart="never" nodeType="tmRoot"/>
+      </p:par>
+    </p:tnLst>
+  </p:timing>
+</p:sld>
+</file>
+
+<file path=ppt/slides/slide45.xml><?xml version="1.0" encoding="utf-8"?>
+<p:sld xmlns:a="http://schemas.openxmlformats.org/drawingml/2006/main" xmlns:r="http://schemas.openxmlformats.org/officeDocument/2006/relationships" xmlns:p="http://schemas.openxmlformats.org/presentationml/2006/main">
+  <p:cSld>
+    <p:spTree>
+      <p:nvGrpSpPr>
+        <p:cNvPr id="1" name=""/>
+        <p:cNvGrpSpPr/>
+        <p:nvPr/>
+      </p:nvGrpSpPr>
+      <p:grpSpPr>
+        <a:xfrm>
+          <a:off x="0" y="0"/>
+          <a:ext cx="0" cy="0"/>
+          <a:chOff x="0" y="0"/>
+          <a:chExt cx="0" cy="0"/>
+        </a:xfrm>
+      </p:grpSpPr>
+      <p:pic>
+        <p:nvPicPr>
+          <p:cNvPr id="7" name="Picture 6"/>
+          <p:cNvPicPr>
+            <a:picLocks noChangeAspect="1"/>
+          </p:cNvPicPr>
+          <p:nvPr/>
+        </p:nvPicPr>
+        <p:blipFill>
+          <a:blip r:embed="rId2"/>
+          <a:stretch>
+            <a:fillRect/>
+          </a:stretch>
+        </p:blipFill>
+        <p:spPr>
+          <a:xfrm>
+            <a:off x="1203325" y="3380990"/>
+            <a:ext cx="5684558" cy="3255330"/>
+          </a:xfrm>
+          <a:prstGeom prst="rect">
+            <a:avLst/>
+          </a:prstGeom>
+        </p:spPr>
+      </p:pic>
+      <p:sp>
+        <p:nvSpPr>
+          <p:cNvPr id="2" name="Title 1"/>
+          <p:cNvSpPr>
+            <a:spLocks noGrp="1"/>
+          </p:cNvSpPr>
+          <p:nvPr>
+            <p:ph type="title"/>
+          </p:nvPr>
+        </p:nvSpPr>
+        <p:spPr>
+          <a:xfrm>
+            <a:off x="1154954" y="973668"/>
+            <a:ext cx="10137494" cy="706964"/>
+          </a:xfrm>
+        </p:spPr>
+        <p:txBody>
+          <a:bodyPr/>
+          <a:lstStyle/>
+          <a:p>
+            <a:r>
+              <a:rPr lang="en-IN" b="1" dirty="0" smtClean="0"/>
+              <a:t>8.4 Property Binding [] as Interpolation{{}}</a:t>
+            </a:r>
+            <a:endParaRPr lang="en-IN" b="1" dirty="0"/>
+          </a:p>
+        </p:txBody>
+      </p:sp>
+      <p:sp>
+        <p:nvSpPr>
+          <p:cNvPr id="3" name="Content Placeholder 2"/>
+          <p:cNvSpPr>
+            <a:spLocks noGrp="1"/>
+          </p:cNvSpPr>
+          <p:nvPr>
+            <p:ph sz="half" idx="2"/>
+          </p:nvPr>
+        </p:nvSpPr>
+        <p:spPr>
+          <a:xfrm>
+            <a:off x="1154954" y="2581836"/>
+            <a:ext cx="10530540" cy="1015813"/>
+          </a:xfrm>
+        </p:spPr>
+        <p:txBody>
+          <a:bodyPr>
+            <a:normAutofit/>
+          </a:bodyPr>
+          <a:lstStyle/>
+          <a:p>
+            <a:r>
+              <a:rPr lang="en-IN" dirty="0" smtClean="0">
+                <a:solidFill>
+                  <a:schemeClr val="tx1"/>
+                </a:solidFill>
+              </a:rPr>
+              <a:t>For String values property binding [] can also be done as Interpolation{{}}</a:t>
+            </a:r>
+            <a:endParaRPr lang="en-IN" b="1" dirty="0">
+              <a:solidFill>
+                <a:schemeClr val="accent6">
+                  <a:lumMod val="75000"/>
+                </a:schemeClr>
+              </a:solidFill>
+            </a:endParaRPr>
+          </a:p>
+        </p:txBody>
+      </p:sp>
+      <p:cxnSp>
+        <p:nvCxnSpPr>
+          <p:cNvPr id="16" name="Straight Arrow Connector 15"/>
+          <p:cNvCxnSpPr/>
+          <p:nvPr/>
+        </p:nvCxnSpPr>
+        <p:spPr>
+          <a:xfrm flipV="1">
+            <a:off x="2810435" y="4774085"/>
+            <a:ext cx="430306" cy="1250197"/>
+          </a:xfrm>
+          <a:prstGeom prst="straightConnector1">
+            <a:avLst/>
+          </a:prstGeom>
+          <a:ln w="28575">
+            <a:solidFill>
+              <a:srgbClr val="FFC000"/>
+            </a:solidFill>
+            <a:tailEnd type="triangle"/>
+          </a:ln>
+        </p:spPr>
+        <p:style>
+          <a:lnRef idx="1">
+            <a:schemeClr val="accent1"/>
+          </a:lnRef>
+          <a:fillRef idx="0">
+            <a:schemeClr val="accent1"/>
+          </a:fillRef>
+          <a:effectRef idx="0">
+            <a:schemeClr val="accent1"/>
+          </a:effectRef>
+          <a:fontRef idx="minor">
+            <a:schemeClr val="tx1"/>
+          </a:fontRef>
+        </p:style>
+      </p:cxnSp>
+      <p:pic>
+        <p:nvPicPr>
+          <p:cNvPr id="8" name="Picture 7"/>
+          <p:cNvPicPr>
+            <a:picLocks noChangeAspect="1"/>
+          </p:cNvPicPr>
+          <p:nvPr/>
+        </p:nvPicPr>
+        <p:blipFill rotWithShape="1">
+          <a:blip r:embed="rId3"/>
+          <a:srcRect b="14875"/>
+          <a:stretch/>
+        </p:blipFill>
+        <p:spPr>
+          <a:xfrm>
+            <a:off x="6973141" y="3367759"/>
+            <a:ext cx="3476625" cy="2262187"/>
+          </a:xfrm>
+          <a:prstGeom prst="rect">
+            <a:avLst/>
+          </a:prstGeom>
+          <a:ln>
+            <a:solidFill>
+              <a:schemeClr val="bg1">
+                <a:lumMod val="65000"/>
+              </a:schemeClr>
+            </a:solidFill>
+          </a:ln>
+        </p:spPr>
+      </p:pic>
+      <p:pic>
+        <p:nvPicPr>
+          <p:cNvPr id="9" name="Picture 8"/>
+          <p:cNvPicPr>
+            <a:picLocks noChangeAspect="1"/>
+          </p:cNvPicPr>
+          <p:nvPr/>
+        </p:nvPicPr>
+        <p:blipFill>
+          <a:blip r:embed="rId4"/>
+          <a:stretch>
+            <a:fillRect/>
+          </a:stretch>
+        </p:blipFill>
+        <p:spPr>
+          <a:xfrm>
+            <a:off x="6973141" y="5836210"/>
+            <a:ext cx="4489917" cy="721134"/>
+          </a:xfrm>
+          <a:prstGeom prst="rect">
+            <a:avLst/>
+          </a:prstGeom>
+          <a:ln>
+            <a:solidFill>
+              <a:schemeClr val="bg1">
+                <a:lumMod val="65000"/>
+              </a:schemeClr>
+            </a:solidFill>
+          </a:ln>
+        </p:spPr>
+      </p:pic>
+      <p:cxnSp>
+        <p:nvCxnSpPr>
+          <p:cNvPr id="11" name="Straight Arrow Connector 10"/>
+          <p:cNvCxnSpPr/>
+          <p:nvPr/>
+        </p:nvCxnSpPr>
+        <p:spPr>
+          <a:xfrm>
+            <a:off x="8711453" y="5271247"/>
+            <a:ext cx="2395818" cy="753035"/>
+          </a:xfrm>
+          <a:prstGeom prst="straightConnector1">
+            <a:avLst/>
+          </a:prstGeom>
+          <a:ln w="28575">
+            <a:solidFill>
+              <a:srgbClr val="FFC000"/>
+            </a:solidFill>
+            <a:tailEnd type="triangle"/>
+          </a:ln>
+        </p:spPr>
+        <p:style>
+          <a:lnRef idx="1">
+            <a:schemeClr val="accent1"/>
+          </a:lnRef>
+          <a:fillRef idx="0">
+            <a:schemeClr val="accent1"/>
+          </a:fillRef>
+          <a:effectRef idx="0">
+            <a:schemeClr val="accent1"/>
+          </a:effectRef>
+          <a:fontRef idx="minor">
+            <a:schemeClr val="tx1"/>
+          </a:fontRef>
+        </p:style>
+      </p:cxnSp>
+      <p:cxnSp>
+        <p:nvCxnSpPr>
+          <p:cNvPr id="20" name="Straight Arrow Connector 19"/>
+          <p:cNvCxnSpPr/>
+          <p:nvPr/>
+        </p:nvCxnSpPr>
+        <p:spPr>
+          <a:xfrm>
+            <a:off x="3240741" y="4774085"/>
+            <a:ext cx="7866530" cy="1250197"/>
+          </a:xfrm>
+          <a:prstGeom prst="straightConnector1">
+            <a:avLst/>
+          </a:prstGeom>
+          <a:ln w="28575">
+            <a:solidFill>
+              <a:srgbClr val="FFC000"/>
+            </a:solidFill>
+            <a:tailEnd type="triangle"/>
+          </a:ln>
+        </p:spPr>
+        <p:style>
+          <a:lnRef idx="1">
+            <a:schemeClr val="accent1"/>
+          </a:lnRef>
+          <a:fillRef idx="0">
+            <a:schemeClr val="accent1"/>
+          </a:fillRef>
+          <a:effectRef idx="0">
+            <a:schemeClr val="accent1"/>
+          </a:effectRef>
+          <a:fontRef idx="minor">
+            <a:schemeClr val="tx1"/>
+          </a:fontRef>
+        </p:style>
+      </p:cxnSp>
+      <p:cxnSp>
+        <p:nvCxnSpPr>
+          <p:cNvPr id="19" name="Straight Arrow Connector 18"/>
+          <p:cNvCxnSpPr/>
+          <p:nvPr/>
+        </p:nvCxnSpPr>
+        <p:spPr>
+          <a:xfrm flipV="1">
+            <a:off x="2810435" y="5008655"/>
+            <a:ext cx="524436" cy="1015627"/>
+          </a:xfrm>
+          <a:prstGeom prst="straightConnector1">
+            <a:avLst/>
+          </a:prstGeom>
+          <a:ln w="28575">
+            <a:solidFill>
+              <a:schemeClr val="accent1">
+                <a:lumMod val="60000"/>
+                <a:lumOff val="40000"/>
+              </a:schemeClr>
+            </a:solidFill>
+            <a:tailEnd type="triangle"/>
+          </a:ln>
+        </p:spPr>
+        <p:style>
+          <a:lnRef idx="1">
+            <a:schemeClr val="accent1"/>
+          </a:lnRef>
+          <a:fillRef idx="0">
+            <a:schemeClr val="accent1"/>
+          </a:fillRef>
+          <a:effectRef idx="0">
+            <a:schemeClr val="accent1"/>
+          </a:effectRef>
+          <a:fontRef idx="minor">
+            <a:schemeClr val="tx1"/>
+          </a:fontRef>
+        </p:style>
+      </p:cxnSp>
+      <p:cxnSp>
+        <p:nvCxnSpPr>
+          <p:cNvPr id="22" name="Straight Arrow Connector 21"/>
+          <p:cNvCxnSpPr/>
+          <p:nvPr/>
+        </p:nvCxnSpPr>
+        <p:spPr>
+          <a:xfrm>
+            <a:off x="3325999" y="5008655"/>
+            <a:ext cx="7525777" cy="1310183"/>
+          </a:xfrm>
+          <a:prstGeom prst="straightConnector1">
+            <a:avLst/>
+          </a:prstGeom>
+          <a:ln w="28575">
+            <a:solidFill>
+              <a:schemeClr val="accent1">
+                <a:lumMod val="60000"/>
+                <a:lumOff val="40000"/>
+              </a:schemeClr>
+            </a:solidFill>
+            <a:tailEnd type="triangle"/>
+          </a:ln>
+        </p:spPr>
+        <p:style>
+          <a:lnRef idx="1">
+            <a:schemeClr val="accent1"/>
+          </a:lnRef>
+          <a:fillRef idx="0">
+            <a:schemeClr val="accent1"/>
+          </a:fillRef>
+          <a:effectRef idx="0">
+            <a:schemeClr val="accent1"/>
+          </a:effectRef>
+          <a:fontRef idx="minor">
+            <a:schemeClr val="tx1"/>
+          </a:fontRef>
+        </p:style>
+      </p:cxnSp>
+      <p:cxnSp>
+        <p:nvCxnSpPr>
+          <p:cNvPr id="25" name="Straight Arrow Connector 24"/>
+          <p:cNvCxnSpPr/>
+          <p:nvPr/>
+        </p:nvCxnSpPr>
+        <p:spPr>
+          <a:xfrm>
+            <a:off x="7403447" y="5559448"/>
+            <a:ext cx="3448329" cy="759390"/>
+          </a:xfrm>
+          <a:prstGeom prst="straightConnector1">
+            <a:avLst/>
+          </a:prstGeom>
+          <a:ln w="28575">
+            <a:solidFill>
+              <a:schemeClr val="accent1">
+                <a:lumMod val="60000"/>
+                <a:lumOff val="40000"/>
+              </a:schemeClr>
+            </a:solidFill>
+            <a:tailEnd type="triangle"/>
+          </a:ln>
+        </p:spPr>
+        <p:style>
+          <a:lnRef idx="1">
+            <a:schemeClr val="accent1"/>
+          </a:lnRef>
+          <a:fillRef idx="0">
+            <a:schemeClr val="accent1"/>
+          </a:fillRef>
+          <a:effectRef idx="0">
+            <a:schemeClr val="accent1"/>
+          </a:effectRef>
+          <a:fontRef idx="minor">
+            <a:schemeClr val="tx1"/>
+          </a:fontRef>
+        </p:style>
+      </p:cxnSp>
+    </p:spTree>
+    <p:extLst>
+      <p:ext uri="{BB962C8B-B14F-4D97-AF65-F5344CB8AC3E}">
+        <p14:creationId xmlns:p14="http://schemas.microsoft.com/office/powerpoint/2010/main" val="260046988"/>
+      </p:ext>
+    </p:extLst>
+  </p:cSld>
+  <p:clrMapOvr>
+    <a:masterClrMapping/>
+  </p:clrMapOvr>
+  <p:timing>
+    <p:tnLst>
+      <p:par>
+        <p:cTn id="1" dur="indefinite" restart="never" nodeType="tmRoot"/>
+      </p:par>
+    </p:tnLst>
+  </p:timing>
+</p:sld>
+</file>
+
+<file path=ppt/slides/slide46.xml><?xml version="1.0" encoding="utf-8"?>
+<p:sld xmlns:a="http://schemas.openxmlformats.org/drawingml/2006/main" xmlns:r="http://schemas.openxmlformats.org/officeDocument/2006/relationships" xmlns:p="http://schemas.openxmlformats.org/presentationml/2006/main">
+  <p:cSld>
+    <p:spTree>
+      <p:nvGrpSpPr>
+        <p:cNvPr id="1" name=""/>
+        <p:cNvGrpSpPr/>
+        <p:nvPr/>
+      </p:nvGrpSpPr>
+      <p:grpSpPr>
+        <a:xfrm>
+          <a:off x="0" y="0"/>
+          <a:ext cx="0" cy="0"/>
+          <a:chOff x="0" y="0"/>
+          <a:chExt cx="0" cy="0"/>
+        </a:xfrm>
+      </p:grpSpPr>
+      <p:sp>
+        <p:nvSpPr>
+          <p:cNvPr id="2" name="Title 1"/>
+          <p:cNvSpPr>
+            <a:spLocks noGrp="1"/>
+          </p:cNvSpPr>
+          <p:nvPr>
+            <p:ph type="title"/>
+          </p:nvPr>
+        </p:nvSpPr>
+        <p:spPr>
+          <a:xfrm>
+            <a:off x="1154954" y="973668"/>
+            <a:ext cx="10137494" cy="706964"/>
+          </a:xfrm>
+        </p:spPr>
+        <p:txBody>
+          <a:bodyPr/>
+          <a:lstStyle/>
+          <a:p>
+            <a:r>
+              <a:rPr lang="en-IN" b="1" dirty="0" smtClean="0"/>
+              <a:t>8.5 Limitations in Interpolation{{}}</a:t>
+            </a:r>
+            <a:endParaRPr lang="en-IN" b="1" dirty="0"/>
+          </a:p>
+        </p:txBody>
+      </p:sp>
+      <p:sp>
+        <p:nvSpPr>
+          <p:cNvPr id="3" name="Content Placeholder 2"/>
+          <p:cNvSpPr>
+            <a:spLocks noGrp="1"/>
+          </p:cNvSpPr>
+          <p:nvPr>
+            <p:ph sz="half" idx="2"/>
+          </p:nvPr>
+        </p:nvSpPr>
+        <p:spPr>
+          <a:xfrm>
+            <a:off x="1154954" y="2581836"/>
+            <a:ext cx="10530540" cy="1015813"/>
+          </a:xfrm>
+        </p:spPr>
+        <p:txBody>
+          <a:bodyPr>
+            <a:normAutofit/>
+          </a:bodyPr>
+          <a:lstStyle/>
+          <a:p>
+            <a:r>
+              <a:rPr lang="en-IN" dirty="0" smtClean="0">
+                <a:solidFill>
+                  <a:schemeClr val="tx1"/>
+                </a:solidFill>
+              </a:rPr>
+              <a:t>For Boolean values Interpolation{{}} wont work</a:t>
+            </a:r>
+            <a:endParaRPr lang="en-IN" b="1" dirty="0">
+              <a:solidFill>
+                <a:schemeClr val="accent6">
+                  <a:lumMod val="75000"/>
+                </a:schemeClr>
+              </a:solidFill>
+            </a:endParaRPr>
+          </a:p>
+        </p:txBody>
+      </p:sp>
+      <p:pic>
+        <p:nvPicPr>
+          <p:cNvPr id="4" name="Picture 3"/>
+          <p:cNvPicPr>
+            <a:picLocks noChangeAspect="1"/>
+          </p:cNvPicPr>
+          <p:nvPr/>
+        </p:nvPicPr>
+        <p:blipFill>
+          <a:blip r:embed="rId2"/>
+          <a:stretch>
+            <a:fillRect/>
+          </a:stretch>
+        </p:blipFill>
+        <p:spPr>
+          <a:xfrm>
+            <a:off x="1301844" y="3091032"/>
+            <a:ext cx="4372816" cy="3545371"/>
+          </a:xfrm>
+          <a:prstGeom prst="rect">
+            <a:avLst/>
+          </a:prstGeom>
+        </p:spPr>
+      </p:pic>
+      <p:pic>
+        <p:nvPicPr>
+          <p:cNvPr id="6" name="Picture 5"/>
+          <p:cNvPicPr>
+            <a:picLocks noChangeAspect="1"/>
+          </p:cNvPicPr>
+          <p:nvPr/>
+        </p:nvPicPr>
+        <p:blipFill>
+          <a:blip r:embed="rId3"/>
+          <a:stretch>
+            <a:fillRect/>
+          </a:stretch>
+        </p:blipFill>
+        <p:spPr>
+          <a:xfrm>
+            <a:off x="5867868" y="4498853"/>
+            <a:ext cx="4695825" cy="2105025"/>
+          </a:xfrm>
+          <a:prstGeom prst="rect">
+            <a:avLst/>
+          </a:prstGeom>
+          <a:ln>
+            <a:solidFill>
+              <a:schemeClr val="bg1">
+                <a:lumMod val="65000"/>
+              </a:schemeClr>
+            </a:solidFill>
+          </a:ln>
+        </p:spPr>
+      </p:pic>
+      <p:pic>
+        <p:nvPicPr>
+          <p:cNvPr id="10" name="Picture 9"/>
+          <p:cNvPicPr>
+            <a:picLocks noChangeAspect="1"/>
+          </p:cNvPicPr>
+          <p:nvPr/>
+        </p:nvPicPr>
+        <p:blipFill>
+          <a:blip r:embed="rId4"/>
+          <a:stretch>
+            <a:fillRect/>
+          </a:stretch>
+        </p:blipFill>
+        <p:spPr>
+          <a:xfrm>
+            <a:off x="6924490" y="2616875"/>
+            <a:ext cx="3639203" cy="1666767"/>
+          </a:xfrm>
+          <a:prstGeom prst="rect">
+            <a:avLst/>
+          </a:prstGeom>
+          <a:ln>
+            <a:solidFill>
+              <a:schemeClr val="bg1">
+                <a:lumMod val="65000"/>
+              </a:schemeClr>
+            </a:solidFill>
+          </a:ln>
+        </p:spPr>
+      </p:pic>
+      <p:cxnSp>
+        <p:nvCxnSpPr>
+          <p:cNvPr id="13" name="Straight Arrow Connector 12"/>
+          <p:cNvCxnSpPr/>
+          <p:nvPr/>
+        </p:nvCxnSpPr>
+        <p:spPr>
+          <a:xfrm flipV="1">
+            <a:off x="4666129" y="3909573"/>
+            <a:ext cx="2715933" cy="589280"/>
+          </a:xfrm>
+          <a:prstGeom prst="straightConnector1">
+            <a:avLst/>
+          </a:prstGeom>
+          <a:ln w="28575">
+            <a:tailEnd type="triangle"/>
+          </a:ln>
+        </p:spPr>
+        <p:style>
+          <a:lnRef idx="1">
+            <a:schemeClr val="accent1"/>
+          </a:lnRef>
+          <a:fillRef idx="0">
+            <a:schemeClr val="accent1"/>
+          </a:fillRef>
+          <a:effectRef idx="0">
+            <a:schemeClr val="accent1"/>
+          </a:effectRef>
+          <a:fontRef idx="minor">
+            <a:schemeClr val="tx1"/>
+          </a:fontRef>
+        </p:style>
+      </p:cxnSp>
+      <p:cxnSp>
+        <p:nvCxnSpPr>
+          <p:cNvPr id="21" name="Straight Arrow Connector 20"/>
+          <p:cNvCxnSpPr/>
+          <p:nvPr/>
+        </p:nvCxnSpPr>
+        <p:spPr>
+          <a:xfrm>
+            <a:off x="7382062" y="3909573"/>
+            <a:ext cx="833718" cy="1395870"/>
+          </a:xfrm>
+          <a:prstGeom prst="straightConnector1">
+            <a:avLst/>
+          </a:prstGeom>
+          <a:ln w="28575">
+            <a:tailEnd type="triangle"/>
+          </a:ln>
+        </p:spPr>
+        <p:style>
+          <a:lnRef idx="1">
+            <a:schemeClr val="accent1"/>
+          </a:lnRef>
+          <a:fillRef idx="0">
+            <a:schemeClr val="accent1"/>
+          </a:fillRef>
+          <a:effectRef idx="0">
+            <a:schemeClr val="accent1"/>
+          </a:effectRef>
+          <a:fontRef idx="minor">
+            <a:schemeClr val="tx1"/>
+          </a:fontRef>
+        </p:style>
+      </p:cxnSp>
+      <p:cxnSp>
+        <p:nvCxnSpPr>
+          <p:cNvPr id="18" name="Straight Arrow Connector 17"/>
+          <p:cNvCxnSpPr/>
+          <p:nvPr/>
+        </p:nvCxnSpPr>
+        <p:spPr>
+          <a:xfrm flipV="1">
+            <a:off x="3394077" y="4106845"/>
+            <a:ext cx="3854308" cy="1018109"/>
+          </a:xfrm>
+          <a:prstGeom prst="straightConnector1">
+            <a:avLst/>
+          </a:prstGeom>
+          <a:ln w="28575">
+            <a:solidFill>
+              <a:srgbClr val="0070C0"/>
+            </a:solidFill>
+            <a:tailEnd type="triangle"/>
+          </a:ln>
+        </p:spPr>
+        <p:style>
+          <a:lnRef idx="1">
+            <a:schemeClr val="accent1"/>
+          </a:lnRef>
+          <a:fillRef idx="0">
+            <a:schemeClr val="accent1"/>
+          </a:fillRef>
+          <a:effectRef idx="0">
+            <a:schemeClr val="accent1"/>
+          </a:effectRef>
+          <a:fontRef idx="minor">
+            <a:schemeClr val="tx1"/>
+          </a:fontRef>
+        </p:style>
+      </p:cxnSp>
+      <p:cxnSp>
+        <p:nvCxnSpPr>
+          <p:cNvPr id="24" name="Straight Arrow Connector 23"/>
+          <p:cNvCxnSpPr/>
+          <p:nvPr/>
+        </p:nvCxnSpPr>
+        <p:spPr>
+          <a:xfrm>
+            <a:off x="7221911" y="4131633"/>
+            <a:ext cx="650781" cy="1986642"/>
+          </a:xfrm>
+          <a:prstGeom prst="straightConnector1">
+            <a:avLst/>
+          </a:prstGeom>
+          <a:ln w="28575">
+            <a:solidFill>
+              <a:srgbClr val="0070C0"/>
+            </a:solidFill>
+            <a:tailEnd type="triangle"/>
+          </a:ln>
+        </p:spPr>
+        <p:style>
+          <a:lnRef idx="1">
+            <a:schemeClr val="accent1"/>
+          </a:lnRef>
+          <a:fillRef idx="0">
+            <a:schemeClr val="accent1"/>
+          </a:fillRef>
+          <a:effectRef idx="0">
+            <a:schemeClr val="accent1"/>
+          </a:effectRef>
+          <a:fontRef idx="minor">
+            <a:schemeClr val="tx1"/>
+          </a:fontRef>
+        </p:style>
+      </p:cxnSp>
+    </p:spTree>
+    <p:extLst>
+      <p:ext uri="{BB962C8B-B14F-4D97-AF65-F5344CB8AC3E}">
+        <p14:creationId xmlns:p14="http://schemas.microsoft.com/office/powerpoint/2010/main" val="3637948886"/>
       </p:ext>
     </p:extLst>
   </p:cSld>

--- a/Angular Presentation.pptx
+++ b/Angular Presentation.pptx
@@ -51,6 +51,9 @@
     <p:sldId id="323" r:id="rId45"/>
     <p:sldId id="324" r:id="rId46"/>
     <p:sldId id="325" r:id="rId47"/>
+    <p:sldId id="326" r:id="rId48"/>
+    <p:sldId id="327" r:id="rId49"/>
+    <p:sldId id="328" r:id="rId50"/>
   </p:sldIdLst>
   <p:sldSz cx="12192000" cy="6858000"/>
   <p:notesSz cx="6858000" cy="9144000"/>
@@ -27652,6 +27655,553 @@
 </p:sld>
 </file>
 
+<file path=ppt/slides/slide47.xml><?xml version="1.0" encoding="utf-8"?>
+<p:sld xmlns:a="http://schemas.openxmlformats.org/drawingml/2006/main" xmlns:r="http://schemas.openxmlformats.org/officeDocument/2006/relationships" xmlns:p="http://schemas.openxmlformats.org/presentationml/2006/main">
+  <p:cSld>
+    <p:spTree>
+      <p:nvGrpSpPr>
+        <p:cNvPr id="1" name=""/>
+        <p:cNvGrpSpPr/>
+        <p:nvPr/>
+      </p:nvGrpSpPr>
+      <p:grpSpPr>
+        <a:xfrm>
+          <a:off x="0" y="0"/>
+          <a:ext cx="0" cy="0"/>
+          <a:chOff x="0" y="0"/>
+          <a:chExt cx="0" cy="0"/>
+        </a:xfrm>
+      </p:grpSpPr>
+      <p:sp>
+        <p:nvSpPr>
+          <p:cNvPr id="4" name="Title 3"/>
+          <p:cNvSpPr>
+            <a:spLocks noGrp="1"/>
+          </p:cNvSpPr>
+          <p:nvPr>
+            <p:ph type="title"/>
+          </p:nvPr>
+        </p:nvSpPr>
+        <p:spPr>
+          <a:xfrm>
+            <a:off x="1024467" y="753035"/>
+            <a:ext cx="10146186" cy="705077"/>
+          </a:xfrm>
+        </p:spPr>
+        <p:txBody>
+          <a:bodyPr/>
+          <a:lstStyle/>
+          <a:p>
+            <a:r>
+              <a:rPr lang="en-IN" b="1" dirty="0" smtClean="0"/>
+              <a:t>Chapter </a:t>
+            </a:r>
+            <a:r>
+              <a:rPr lang="en-IN" b="1" dirty="0" smtClean="0"/>
+              <a:t>9 </a:t>
+            </a:r>
+            <a:r>
+              <a:rPr lang="en-IN" b="1" dirty="0" smtClean="0"/>
+              <a:t>: </a:t>
+            </a:r>
+            <a:r>
+              <a:rPr lang="en-IN" b="1" dirty="0" smtClean="0"/>
+              <a:t>Class Binding [class]</a:t>
+            </a:r>
+            <a:endParaRPr lang="en-IN" b="1" dirty="0"/>
+          </a:p>
+        </p:txBody>
+      </p:sp>
+      <p:sp>
+        <p:nvSpPr>
+          <p:cNvPr id="5" name="Text Placeholder 4"/>
+          <p:cNvSpPr>
+            <a:spLocks noGrp="1"/>
+          </p:cNvSpPr>
+          <p:nvPr>
+            <p:ph type="body" idx="1"/>
+          </p:nvPr>
+        </p:nvSpPr>
+        <p:spPr>
+          <a:xfrm>
+            <a:off x="1025999" y="1888418"/>
+            <a:ext cx="10363660" cy="4525829"/>
+          </a:xfrm>
+        </p:spPr>
+        <p:txBody>
+          <a:bodyPr numCol="1">
+            <a:noAutofit/>
+          </a:bodyPr>
+          <a:lstStyle/>
+          <a:p>
+            <a:pPr marL="342900" indent="-342900">
+              <a:buFont typeface="Wingdings 3" charset="2"/>
+              <a:buAutoNum type="arabicPeriod"/>
+            </a:pPr>
+            <a:r>
+              <a:rPr lang="en-IN" sz="2400" dirty="0" smtClean="0"/>
+              <a:t>Class Binding</a:t>
+            </a:r>
+          </a:p>
+          <a:p>
+            <a:pPr marL="342900" indent="-342900">
+              <a:buFont typeface="Wingdings 3" charset="2"/>
+              <a:buAutoNum type="arabicPeriod"/>
+            </a:pPr>
+            <a:r>
+              <a:rPr lang="en-IN" sz="2400" dirty="0" smtClean="0"/>
+              <a:t>Class Binding On conditions</a:t>
+            </a:r>
+          </a:p>
+          <a:p>
+            <a:pPr marL="342900" indent="-342900">
+              <a:buFont typeface="Wingdings 3" charset="2"/>
+              <a:buAutoNum type="arabicPeriod"/>
+            </a:pPr>
+            <a:r>
+              <a:rPr lang="en-IN" sz="2400" dirty="0" err="1" smtClean="0"/>
+              <a:t>NgClass</a:t>
+            </a:r>
+            <a:r>
+              <a:rPr lang="en-IN" sz="2400" dirty="0" smtClean="0"/>
+              <a:t> – Custom Angular Class</a:t>
+            </a:r>
+          </a:p>
+          <a:p>
+            <a:pPr marL="342900" indent="-342900">
+              <a:buFont typeface="Wingdings 3" charset="2"/>
+              <a:buAutoNum type="arabicPeriod"/>
+            </a:pPr>
+            <a:r>
+              <a:rPr lang="en-IN" sz="2400" dirty="0" smtClean="0"/>
+              <a:t>Property Binding as Interpolation</a:t>
+            </a:r>
+          </a:p>
+          <a:p>
+            <a:pPr marL="342900" indent="-342900">
+              <a:buFont typeface="Wingdings 3" charset="2"/>
+              <a:buAutoNum type="arabicPeriod"/>
+            </a:pPr>
+            <a:r>
+              <a:rPr lang="en-IN" sz="2400" dirty="0" smtClean="0"/>
+              <a:t>Limitation in Interpolation</a:t>
+            </a:r>
+            <a:endParaRPr lang="en-IN" sz="2400" dirty="0"/>
+          </a:p>
+        </p:txBody>
+      </p:sp>
+    </p:spTree>
+    <p:extLst>
+      <p:ext uri="{BB962C8B-B14F-4D97-AF65-F5344CB8AC3E}">
+        <p14:creationId xmlns:p14="http://schemas.microsoft.com/office/powerpoint/2010/main" val="2411954456"/>
+      </p:ext>
+    </p:extLst>
+  </p:cSld>
+  <p:clrMapOvr>
+    <a:masterClrMapping/>
+  </p:clrMapOvr>
+  <p:timing>
+    <p:tnLst>
+      <p:par>
+        <p:cTn id="1" dur="indefinite" restart="never" nodeType="tmRoot"/>
+      </p:par>
+    </p:tnLst>
+  </p:timing>
+</p:sld>
+</file>
+
+<file path=ppt/slides/slide48.xml><?xml version="1.0" encoding="utf-8"?>
+<p:sld xmlns:a="http://schemas.openxmlformats.org/drawingml/2006/main" xmlns:r="http://schemas.openxmlformats.org/officeDocument/2006/relationships" xmlns:p="http://schemas.openxmlformats.org/presentationml/2006/main">
+  <p:cSld>
+    <p:spTree>
+      <p:nvGrpSpPr>
+        <p:cNvPr id="1" name=""/>
+        <p:cNvGrpSpPr/>
+        <p:nvPr/>
+      </p:nvGrpSpPr>
+      <p:grpSpPr>
+        <a:xfrm>
+          <a:off x="0" y="0"/>
+          <a:ext cx="0" cy="0"/>
+          <a:chOff x="0" y="0"/>
+          <a:chExt cx="0" cy="0"/>
+        </a:xfrm>
+      </p:grpSpPr>
+      <p:sp>
+        <p:nvSpPr>
+          <p:cNvPr id="2" name="Title 1"/>
+          <p:cNvSpPr>
+            <a:spLocks noGrp="1"/>
+          </p:cNvSpPr>
+          <p:nvPr>
+            <p:ph type="title"/>
+          </p:nvPr>
+        </p:nvSpPr>
+        <p:spPr>
+          <a:xfrm>
+            <a:off x="1154954" y="973668"/>
+            <a:ext cx="10137494" cy="706964"/>
+          </a:xfrm>
+        </p:spPr>
+        <p:txBody>
+          <a:bodyPr/>
+          <a:lstStyle/>
+          <a:p>
+            <a:r>
+              <a:rPr lang="en-IN" b="1" dirty="0" smtClean="0"/>
+              <a:t>9.1 Class Binding [class]</a:t>
+            </a:r>
+            <a:endParaRPr lang="en-IN" b="1" dirty="0"/>
+          </a:p>
+        </p:txBody>
+      </p:sp>
+      <p:pic>
+        <p:nvPicPr>
+          <p:cNvPr id="7" name="Picture 6"/>
+          <p:cNvPicPr>
+            <a:picLocks noChangeAspect="1"/>
+          </p:cNvPicPr>
+          <p:nvPr/>
+        </p:nvPicPr>
+        <p:blipFill>
+          <a:blip r:embed="rId2"/>
+          <a:stretch>
+            <a:fillRect/>
+          </a:stretch>
+        </p:blipFill>
+        <p:spPr>
+          <a:xfrm>
+            <a:off x="1277471" y="2403339"/>
+            <a:ext cx="4572000" cy="4276800"/>
+          </a:xfrm>
+          <a:prstGeom prst="rect">
+            <a:avLst/>
+          </a:prstGeom>
+        </p:spPr>
+      </p:pic>
+      <p:pic>
+        <p:nvPicPr>
+          <p:cNvPr id="8" name="Picture 7"/>
+          <p:cNvPicPr>
+            <a:picLocks noChangeAspect="1"/>
+          </p:cNvPicPr>
+          <p:nvPr/>
+        </p:nvPicPr>
+        <p:blipFill>
+          <a:blip r:embed="rId3"/>
+          <a:stretch>
+            <a:fillRect/>
+          </a:stretch>
+        </p:blipFill>
+        <p:spPr>
+          <a:xfrm>
+            <a:off x="6824382" y="2509473"/>
+            <a:ext cx="3733800" cy="3048000"/>
+          </a:xfrm>
+          <a:prstGeom prst="rect">
+            <a:avLst/>
+          </a:prstGeom>
+          <a:ln>
+            <a:solidFill>
+              <a:srgbClr val="0070C0"/>
+            </a:solidFill>
+          </a:ln>
+        </p:spPr>
+      </p:pic>
+      <p:cxnSp>
+        <p:nvCxnSpPr>
+          <p:cNvPr id="11" name="Straight Arrow Connector 10"/>
+          <p:cNvCxnSpPr/>
+          <p:nvPr/>
+        </p:nvCxnSpPr>
+        <p:spPr>
+          <a:xfrm>
+            <a:off x="3671047" y="3563471"/>
+            <a:ext cx="3496235" cy="1653988"/>
+          </a:xfrm>
+          <a:prstGeom prst="straightConnector1">
+            <a:avLst/>
+          </a:prstGeom>
+          <a:ln w="28575">
+            <a:solidFill>
+              <a:srgbClr val="0070C0"/>
+            </a:solidFill>
+            <a:tailEnd type="triangle"/>
+          </a:ln>
+        </p:spPr>
+        <p:style>
+          <a:lnRef idx="1">
+            <a:schemeClr val="accent1"/>
+          </a:lnRef>
+          <a:fillRef idx="0">
+            <a:schemeClr val="accent1"/>
+          </a:fillRef>
+          <a:effectRef idx="0">
+            <a:schemeClr val="accent1"/>
+          </a:effectRef>
+          <a:fontRef idx="minor">
+            <a:schemeClr val="tx1"/>
+          </a:fontRef>
+        </p:style>
+      </p:cxnSp>
+      <p:cxnSp>
+        <p:nvCxnSpPr>
+          <p:cNvPr id="16" name="Straight Arrow Connector 15"/>
+          <p:cNvCxnSpPr/>
+          <p:nvPr/>
+        </p:nvCxnSpPr>
+        <p:spPr>
+          <a:xfrm>
+            <a:off x="3671047" y="3334871"/>
+            <a:ext cx="3832412" cy="1358153"/>
+          </a:xfrm>
+          <a:prstGeom prst="straightConnector1">
+            <a:avLst/>
+          </a:prstGeom>
+          <a:ln w="28575">
+            <a:solidFill>
+              <a:schemeClr val="accent6">
+                <a:lumMod val="60000"/>
+                <a:lumOff val="40000"/>
+              </a:schemeClr>
+            </a:solidFill>
+            <a:tailEnd type="triangle"/>
+          </a:ln>
+        </p:spPr>
+        <p:style>
+          <a:lnRef idx="1">
+            <a:schemeClr val="accent1"/>
+          </a:lnRef>
+          <a:fillRef idx="0">
+            <a:schemeClr val="accent1"/>
+          </a:fillRef>
+          <a:effectRef idx="0">
+            <a:schemeClr val="accent1"/>
+          </a:effectRef>
+          <a:fontRef idx="minor">
+            <a:schemeClr val="tx1"/>
+          </a:fontRef>
+        </p:style>
+      </p:cxnSp>
+      <p:cxnSp>
+        <p:nvCxnSpPr>
+          <p:cNvPr id="22" name="Straight Arrow Connector 21"/>
+          <p:cNvCxnSpPr/>
+          <p:nvPr/>
+        </p:nvCxnSpPr>
+        <p:spPr>
+          <a:xfrm>
+            <a:off x="3933265" y="3088019"/>
+            <a:ext cx="3866029" cy="1095936"/>
+          </a:xfrm>
+          <a:prstGeom prst="straightConnector1">
+            <a:avLst/>
+          </a:prstGeom>
+          <a:ln w="28575">
+            <a:solidFill>
+              <a:srgbClr val="C00000"/>
+            </a:solidFill>
+            <a:tailEnd type="triangle"/>
+          </a:ln>
+        </p:spPr>
+        <p:style>
+          <a:lnRef idx="1">
+            <a:schemeClr val="accent1"/>
+          </a:lnRef>
+          <a:fillRef idx="0">
+            <a:schemeClr val="accent1"/>
+          </a:fillRef>
+          <a:effectRef idx="0">
+            <a:schemeClr val="accent1"/>
+          </a:effectRef>
+          <a:fontRef idx="minor">
+            <a:schemeClr val="tx1"/>
+          </a:fontRef>
+        </p:style>
+      </p:cxnSp>
+      <p:sp>
+        <p:nvSpPr>
+          <p:cNvPr id="26" name="Rectangle 25"/>
+          <p:cNvSpPr/>
+          <p:nvPr/>
+        </p:nvSpPr>
+        <p:spPr>
+          <a:xfrm>
+            <a:off x="1874732" y="3168879"/>
+            <a:ext cx="1053658" cy="237533"/>
+          </a:xfrm>
+          <a:prstGeom prst="rect">
+            <a:avLst/>
+          </a:prstGeom>
+          <a:noFill/>
+          <a:ln w="28575">
+            <a:solidFill>
+              <a:srgbClr val="FFFF00"/>
+            </a:solidFill>
+          </a:ln>
+        </p:spPr>
+        <p:style>
+          <a:lnRef idx="2">
+            <a:schemeClr val="accent1">
+              <a:shade val="50000"/>
+            </a:schemeClr>
+          </a:lnRef>
+          <a:fillRef idx="1">
+            <a:schemeClr val="accent1"/>
+          </a:fillRef>
+          <a:effectRef idx="0">
+            <a:schemeClr val="accent1"/>
+          </a:effectRef>
+          <a:fontRef idx="minor">
+            <a:schemeClr val="lt1"/>
+          </a:fontRef>
+        </p:style>
+        <p:txBody>
+          <a:bodyPr rtlCol="0" anchor="ctr"/>
+          <a:lstStyle/>
+          <a:p>
+            <a:pPr algn="ctr"/>
+            <a:endParaRPr lang="en-IN">
+              <a:solidFill>
+                <a:srgbClr val="FFFF00"/>
+              </a:solidFill>
+            </a:endParaRPr>
+          </a:p>
+        </p:txBody>
+      </p:sp>
+    </p:spTree>
+    <p:extLst>
+      <p:ext uri="{BB962C8B-B14F-4D97-AF65-F5344CB8AC3E}">
+        <p14:creationId xmlns:p14="http://schemas.microsoft.com/office/powerpoint/2010/main" val="1118115394"/>
+      </p:ext>
+    </p:extLst>
+  </p:cSld>
+  <p:clrMapOvr>
+    <a:masterClrMapping/>
+  </p:clrMapOvr>
+  <p:timing>
+    <p:tnLst>
+      <p:par>
+        <p:cTn id="1" dur="indefinite" restart="never" nodeType="tmRoot"/>
+      </p:par>
+    </p:tnLst>
+  </p:timing>
+</p:sld>
+</file>
+
+<file path=ppt/slides/slide49.xml><?xml version="1.0" encoding="utf-8"?>
+<p:sld xmlns:a="http://schemas.openxmlformats.org/drawingml/2006/main" xmlns:r="http://schemas.openxmlformats.org/officeDocument/2006/relationships" xmlns:p="http://schemas.openxmlformats.org/presentationml/2006/main">
+  <p:cSld>
+    <p:spTree>
+      <p:nvGrpSpPr>
+        <p:cNvPr id="1" name=""/>
+        <p:cNvGrpSpPr/>
+        <p:nvPr/>
+      </p:nvGrpSpPr>
+      <p:grpSpPr>
+        <a:xfrm>
+          <a:off x="0" y="0"/>
+          <a:ext cx="0" cy="0"/>
+          <a:chOff x="0" y="0"/>
+          <a:chExt cx="0" cy="0"/>
+        </a:xfrm>
+      </p:grpSpPr>
+      <p:sp>
+        <p:nvSpPr>
+          <p:cNvPr id="2" name="Title 1"/>
+          <p:cNvSpPr>
+            <a:spLocks noGrp="1"/>
+          </p:cNvSpPr>
+          <p:nvPr>
+            <p:ph type="title"/>
+          </p:nvPr>
+        </p:nvSpPr>
+        <p:spPr>
+          <a:xfrm>
+            <a:off x="1154954" y="973668"/>
+            <a:ext cx="10137494" cy="706964"/>
+          </a:xfrm>
+        </p:spPr>
+        <p:txBody>
+          <a:bodyPr/>
+          <a:lstStyle/>
+          <a:p>
+            <a:r>
+              <a:rPr lang="en-IN" b="1" dirty="0" smtClean="0"/>
+              <a:t>9.2 </a:t>
+            </a:r>
+            <a:r>
+              <a:rPr lang="en-IN" b="1" dirty="0"/>
+              <a:t>Class Binding On </a:t>
+            </a:r>
+            <a:r>
+              <a:rPr lang="en-IN" b="1" dirty="0" smtClean="0"/>
+              <a:t>conditions    </a:t>
+            </a:r>
+            <a:r>
+              <a:rPr lang="en-IN" sz="2000" dirty="0" smtClean="0"/>
+              <a:t>[</a:t>
+            </a:r>
+            <a:r>
+              <a:rPr lang="en-IN" sz="2000" dirty="0" err="1" smtClean="0"/>
+              <a:t>class.classname</a:t>
+            </a:r>
+            <a:r>
+              <a:rPr lang="en-IN" sz="2000" dirty="0" smtClean="0"/>
+              <a:t>]=</a:t>
+            </a:r>
+            <a:r>
+              <a:rPr lang="en-IN" sz="2000" dirty="0" err="1" smtClean="0"/>
+              <a:t>BooleanProperty</a:t>
+            </a:r>
+            <a:endParaRPr lang="en-IN" sz="2000" dirty="0"/>
+          </a:p>
+        </p:txBody>
+      </p:sp>
+      <p:pic>
+        <p:nvPicPr>
+          <p:cNvPr id="19" name="Picture 18"/>
+          <p:cNvPicPr>
+            <a:picLocks noChangeAspect="1"/>
+          </p:cNvPicPr>
+          <p:nvPr/>
+        </p:nvPicPr>
+        <p:blipFill>
+          <a:blip r:embed="rId2"/>
+          <a:stretch>
+            <a:fillRect/>
+          </a:stretch>
+        </p:blipFill>
+        <p:spPr>
+          <a:xfrm>
+            <a:off x="1318327" y="2474259"/>
+            <a:ext cx="3988830" cy="4259916"/>
+          </a:xfrm>
+          <a:prstGeom prst="rect">
+            <a:avLst/>
+          </a:prstGeom>
+        </p:spPr>
+      </p:pic>
+    </p:spTree>
+    <p:extLst>
+      <p:ext uri="{BB962C8B-B14F-4D97-AF65-F5344CB8AC3E}">
+        <p14:creationId xmlns:p14="http://schemas.microsoft.com/office/powerpoint/2010/main" val="3796132228"/>
+      </p:ext>
+    </p:extLst>
+  </p:cSld>
+  <p:clrMapOvr>
+    <a:masterClrMapping/>
+  </p:clrMapOvr>
+  <p:timing>
+    <p:tnLst>
+      <p:par>
+        <p:cTn id="1" dur="indefinite" restart="never" nodeType="tmRoot"/>
+      </p:par>
+    </p:tnLst>
+  </p:timing>
+</p:sld>
+</file>
+
 <file path=ppt/slides/slide5.xml><?xml version="1.0" encoding="utf-8"?>
 <p:sld xmlns:a="http://schemas.openxmlformats.org/drawingml/2006/main" xmlns:r="http://schemas.openxmlformats.org/officeDocument/2006/relationships" xmlns:p="http://schemas.openxmlformats.org/presentationml/2006/main">
   <p:cSld>

--- a/Angular Presentation.pptx
+++ b/Angular Presentation.pptx
@@ -4,6 +4,9 @@
   <p:sldMasterIdLst>
     <p:sldMasterId id="2147483723" r:id="rId1"/>
   </p:sldMasterIdLst>
+  <p:notesMasterIdLst>
+    <p:notesMasterId r:id="rId58"/>
+  </p:notesMasterIdLst>
   <p:sldIdLst>
     <p:sldId id="256" r:id="rId2"/>
     <p:sldId id="275" r:id="rId3"/>
@@ -54,6 +57,13 @@
     <p:sldId id="327" r:id="rId48"/>
     <p:sldId id="328" r:id="rId49"/>
     <p:sldId id="329" r:id="rId50"/>
+    <p:sldId id="330" r:id="rId51"/>
+    <p:sldId id="331" r:id="rId52"/>
+    <p:sldId id="332" r:id="rId53"/>
+    <p:sldId id="333" r:id="rId54"/>
+    <p:sldId id="334" r:id="rId55"/>
+    <p:sldId id="335" r:id="rId56"/>
+    <p:sldId id="336" r:id="rId57"/>
   </p:sldIdLst>
   <p:sldSz cx="12192000" cy="6858000"/>
   <p:notesSz cx="6858000" cy="9144000"/>
@@ -160,6 +170,440 @@
 </p:presentation>
 </file>
 
+<file path=ppt/notesMasters/notesMaster1.xml><?xml version="1.0" encoding="utf-8"?>
+<p:notesMaster xmlns:a="http://schemas.openxmlformats.org/drawingml/2006/main" xmlns:r="http://schemas.openxmlformats.org/officeDocument/2006/relationships" xmlns:p="http://schemas.openxmlformats.org/presentationml/2006/main">
+  <p:cSld>
+    <p:bg>
+      <p:bgRef idx="1001">
+        <a:schemeClr val="bg1"/>
+      </p:bgRef>
+    </p:bg>
+    <p:spTree>
+      <p:nvGrpSpPr>
+        <p:cNvPr id="1" name=""/>
+        <p:cNvGrpSpPr/>
+        <p:nvPr/>
+      </p:nvGrpSpPr>
+      <p:grpSpPr>
+        <a:xfrm>
+          <a:off x="0" y="0"/>
+          <a:ext cx="0" cy="0"/>
+          <a:chOff x="0" y="0"/>
+          <a:chExt cx="0" cy="0"/>
+        </a:xfrm>
+      </p:grpSpPr>
+      <p:sp>
+        <p:nvSpPr>
+          <p:cNvPr id="2" name="Header Placeholder 1"/>
+          <p:cNvSpPr>
+            <a:spLocks noGrp="1"/>
+          </p:cNvSpPr>
+          <p:nvPr>
+            <p:ph type="hdr" sz="quarter"/>
+          </p:nvPr>
+        </p:nvSpPr>
+        <p:spPr>
+          <a:xfrm>
+            <a:off x="0" y="0"/>
+            <a:ext cx="2971800" cy="458788"/>
+          </a:xfrm>
+          <a:prstGeom prst="rect">
+            <a:avLst/>
+          </a:prstGeom>
+        </p:spPr>
+        <p:txBody>
+          <a:bodyPr vert="horz" lIns="91440" tIns="45720" rIns="91440" bIns="45720" rtlCol="0"/>
+          <a:lstStyle>
+            <a:lvl1pPr algn="l">
+              <a:defRPr sz="1200"/>
+            </a:lvl1pPr>
+          </a:lstStyle>
+          <a:p>
+            <a:endParaRPr lang="en-IN"/>
+          </a:p>
+        </p:txBody>
+      </p:sp>
+      <p:sp>
+        <p:nvSpPr>
+          <p:cNvPr id="3" name="Date Placeholder 2"/>
+          <p:cNvSpPr>
+            <a:spLocks noGrp="1"/>
+          </p:cNvSpPr>
+          <p:nvPr>
+            <p:ph type="dt" idx="1"/>
+          </p:nvPr>
+        </p:nvSpPr>
+        <p:spPr>
+          <a:xfrm>
+            <a:off x="3884613" y="0"/>
+            <a:ext cx="2971800" cy="458788"/>
+          </a:xfrm>
+          <a:prstGeom prst="rect">
+            <a:avLst/>
+          </a:prstGeom>
+        </p:spPr>
+        <p:txBody>
+          <a:bodyPr vert="horz" lIns="91440" tIns="45720" rIns="91440" bIns="45720" rtlCol="0"/>
+          <a:lstStyle>
+            <a:lvl1pPr algn="r">
+              <a:defRPr sz="1200"/>
+            </a:lvl1pPr>
+          </a:lstStyle>
+          <a:p>
+            <a:fld id="{9EEB2765-BDCF-4C68-BDEE-41431D54A0E1}" type="datetimeFigureOut">
+              <a:rPr lang="en-IN" smtClean="0"/>
+              <a:t>06-05-2019</a:t>
+            </a:fld>
+            <a:endParaRPr lang="en-IN"/>
+          </a:p>
+        </p:txBody>
+      </p:sp>
+      <p:sp>
+        <p:nvSpPr>
+          <p:cNvPr id="4" name="Slide Image Placeholder 3"/>
+          <p:cNvSpPr>
+            <a:spLocks noGrp="1" noRot="1" noChangeAspect="1"/>
+          </p:cNvSpPr>
+          <p:nvPr>
+            <p:ph type="sldImg" idx="2"/>
+          </p:nvPr>
+        </p:nvSpPr>
+        <p:spPr>
+          <a:xfrm>
+            <a:off x="685800" y="1143000"/>
+            <a:ext cx="5486400" cy="3086100"/>
+          </a:xfrm>
+          <a:prstGeom prst="rect">
+            <a:avLst/>
+          </a:prstGeom>
+          <a:noFill/>
+          <a:ln w="12700">
+            <a:solidFill>
+              <a:prstClr val="black"/>
+            </a:solidFill>
+          </a:ln>
+        </p:spPr>
+        <p:txBody>
+          <a:bodyPr vert="horz" lIns="91440" tIns="45720" rIns="91440" bIns="45720" rtlCol="0" anchor="ctr"/>
+          <a:lstStyle/>
+          <a:p>
+            <a:endParaRPr lang="en-IN"/>
+          </a:p>
+        </p:txBody>
+      </p:sp>
+      <p:sp>
+        <p:nvSpPr>
+          <p:cNvPr id="5" name="Notes Placeholder 4"/>
+          <p:cNvSpPr>
+            <a:spLocks noGrp="1"/>
+          </p:cNvSpPr>
+          <p:nvPr>
+            <p:ph type="body" sz="quarter" idx="3"/>
+          </p:nvPr>
+        </p:nvSpPr>
+        <p:spPr>
+          <a:xfrm>
+            <a:off x="685800" y="4400550"/>
+            <a:ext cx="5486400" cy="3600450"/>
+          </a:xfrm>
+          <a:prstGeom prst="rect">
+            <a:avLst/>
+          </a:prstGeom>
+        </p:spPr>
+        <p:txBody>
+          <a:bodyPr vert="horz" lIns="91440" tIns="45720" rIns="91440" bIns="45720" rtlCol="0"/>
+          <a:lstStyle/>
+          <a:p>
+            <a:pPr lvl="0"/>
+            <a:r>
+              <a:rPr lang="en-US" smtClean="0"/>
+              <a:t>Click to edit Master text styles</a:t>
+            </a:r>
+          </a:p>
+          <a:p>
+            <a:pPr lvl="1"/>
+            <a:r>
+              <a:rPr lang="en-US" smtClean="0"/>
+              <a:t>Second level</a:t>
+            </a:r>
+          </a:p>
+          <a:p>
+            <a:pPr lvl="2"/>
+            <a:r>
+              <a:rPr lang="en-US" smtClean="0"/>
+              <a:t>Third level</a:t>
+            </a:r>
+          </a:p>
+          <a:p>
+            <a:pPr lvl="3"/>
+            <a:r>
+              <a:rPr lang="en-US" smtClean="0"/>
+              <a:t>Fourth level</a:t>
+            </a:r>
+          </a:p>
+          <a:p>
+            <a:pPr lvl="4"/>
+            <a:r>
+              <a:rPr lang="en-US" smtClean="0"/>
+              <a:t>Fifth level</a:t>
+            </a:r>
+            <a:endParaRPr lang="en-IN"/>
+          </a:p>
+        </p:txBody>
+      </p:sp>
+      <p:sp>
+        <p:nvSpPr>
+          <p:cNvPr id="6" name="Footer Placeholder 5"/>
+          <p:cNvSpPr>
+            <a:spLocks noGrp="1"/>
+          </p:cNvSpPr>
+          <p:nvPr>
+            <p:ph type="ftr" sz="quarter" idx="4"/>
+          </p:nvPr>
+        </p:nvSpPr>
+        <p:spPr>
+          <a:xfrm>
+            <a:off x="0" y="8685213"/>
+            <a:ext cx="2971800" cy="458787"/>
+          </a:xfrm>
+          <a:prstGeom prst="rect">
+            <a:avLst/>
+          </a:prstGeom>
+        </p:spPr>
+        <p:txBody>
+          <a:bodyPr vert="horz" lIns="91440" tIns="45720" rIns="91440" bIns="45720" rtlCol="0" anchor="b"/>
+          <a:lstStyle>
+            <a:lvl1pPr algn="l">
+              <a:defRPr sz="1200"/>
+            </a:lvl1pPr>
+          </a:lstStyle>
+          <a:p>
+            <a:endParaRPr lang="en-IN"/>
+          </a:p>
+        </p:txBody>
+      </p:sp>
+      <p:sp>
+        <p:nvSpPr>
+          <p:cNvPr id="7" name="Slide Number Placeholder 6"/>
+          <p:cNvSpPr>
+            <a:spLocks noGrp="1"/>
+          </p:cNvSpPr>
+          <p:nvPr>
+            <p:ph type="sldNum" sz="quarter" idx="5"/>
+          </p:nvPr>
+        </p:nvSpPr>
+        <p:spPr>
+          <a:xfrm>
+            <a:off x="3884613" y="8685213"/>
+            <a:ext cx="2971800" cy="458787"/>
+          </a:xfrm>
+          <a:prstGeom prst="rect">
+            <a:avLst/>
+          </a:prstGeom>
+        </p:spPr>
+        <p:txBody>
+          <a:bodyPr vert="horz" lIns="91440" tIns="45720" rIns="91440" bIns="45720" rtlCol="0" anchor="b"/>
+          <a:lstStyle>
+            <a:lvl1pPr algn="r">
+              <a:defRPr sz="1200"/>
+            </a:lvl1pPr>
+          </a:lstStyle>
+          <a:p>
+            <a:fld id="{9B7B7BA9-1866-41D0-96CC-0F8691D49B3E}" type="slidenum">
+              <a:rPr lang="en-IN" smtClean="0"/>
+              <a:t>‹#›</a:t>
+            </a:fld>
+            <a:endParaRPr lang="en-IN"/>
+          </a:p>
+        </p:txBody>
+      </p:sp>
+    </p:spTree>
+    <p:extLst>
+      <p:ext uri="{BB962C8B-B14F-4D97-AF65-F5344CB8AC3E}">
+        <p14:creationId xmlns:p14="http://schemas.microsoft.com/office/powerpoint/2010/main" val="2076049664"/>
+      </p:ext>
+    </p:extLst>
+  </p:cSld>
+  <p:clrMap bg1="lt1" tx1="dk1" bg2="lt2" tx2="dk2" accent1="accent1" accent2="accent2" accent3="accent3" accent4="accent4" accent5="accent5" accent6="accent6" hlink="hlink" folHlink="folHlink"/>
+  <p:notesStyle>
+    <a:lvl1pPr marL="0" algn="l" defTabSz="914400" rtl="0" eaLnBrk="1" latinLnBrk="0" hangingPunct="1">
+      <a:defRPr sz="1200" kern="1200">
+        <a:solidFill>
+          <a:schemeClr val="tx1"/>
+        </a:solidFill>
+        <a:latin typeface="+mn-lt"/>
+        <a:ea typeface="+mn-ea"/>
+        <a:cs typeface="+mn-cs"/>
+      </a:defRPr>
+    </a:lvl1pPr>
+    <a:lvl2pPr marL="457200" algn="l" defTabSz="914400" rtl="0" eaLnBrk="1" latinLnBrk="0" hangingPunct="1">
+      <a:defRPr sz="1200" kern="1200">
+        <a:solidFill>
+          <a:schemeClr val="tx1"/>
+        </a:solidFill>
+        <a:latin typeface="+mn-lt"/>
+        <a:ea typeface="+mn-ea"/>
+        <a:cs typeface="+mn-cs"/>
+      </a:defRPr>
+    </a:lvl2pPr>
+    <a:lvl3pPr marL="914400" algn="l" defTabSz="914400" rtl="0" eaLnBrk="1" latinLnBrk="0" hangingPunct="1">
+      <a:defRPr sz="1200" kern="1200">
+        <a:solidFill>
+          <a:schemeClr val="tx1"/>
+        </a:solidFill>
+        <a:latin typeface="+mn-lt"/>
+        <a:ea typeface="+mn-ea"/>
+        <a:cs typeface="+mn-cs"/>
+      </a:defRPr>
+    </a:lvl3pPr>
+    <a:lvl4pPr marL="1371600" algn="l" defTabSz="914400" rtl="0" eaLnBrk="1" latinLnBrk="0" hangingPunct="1">
+      <a:defRPr sz="1200" kern="1200">
+        <a:solidFill>
+          <a:schemeClr val="tx1"/>
+        </a:solidFill>
+        <a:latin typeface="+mn-lt"/>
+        <a:ea typeface="+mn-ea"/>
+        <a:cs typeface="+mn-cs"/>
+      </a:defRPr>
+    </a:lvl4pPr>
+    <a:lvl5pPr marL="1828800" algn="l" defTabSz="914400" rtl="0" eaLnBrk="1" latinLnBrk="0" hangingPunct="1">
+      <a:defRPr sz="1200" kern="1200">
+        <a:solidFill>
+          <a:schemeClr val="tx1"/>
+        </a:solidFill>
+        <a:latin typeface="+mn-lt"/>
+        <a:ea typeface="+mn-ea"/>
+        <a:cs typeface="+mn-cs"/>
+      </a:defRPr>
+    </a:lvl5pPr>
+    <a:lvl6pPr marL="2286000" algn="l" defTabSz="914400" rtl="0" eaLnBrk="1" latinLnBrk="0" hangingPunct="1">
+      <a:defRPr sz="1200" kern="1200">
+        <a:solidFill>
+          <a:schemeClr val="tx1"/>
+        </a:solidFill>
+        <a:latin typeface="+mn-lt"/>
+        <a:ea typeface="+mn-ea"/>
+        <a:cs typeface="+mn-cs"/>
+      </a:defRPr>
+    </a:lvl6pPr>
+    <a:lvl7pPr marL="2743200" algn="l" defTabSz="914400" rtl="0" eaLnBrk="1" latinLnBrk="0" hangingPunct="1">
+      <a:defRPr sz="1200" kern="1200">
+        <a:solidFill>
+          <a:schemeClr val="tx1"/>
+        </a:solidFill>
+        <a:latin typeface="+mn-lt"/>
+        <a:ea typeface="+mn-ea"/>
+        <a:cs typeface="+mn-cs"/>
+      </a:defRPr>
+    </a:lvl7pPr>
+    <a:lvl8pPr marL="3200400" algn="l" defTabSz="914400" rtl="0" eaLnBrk="1" latinLnBrk="0" hangingPunct="1">
+      <a:defRPr sz="1200" kern="1200">
+        <a:solidFill>
+          <a:schemeClr val="tx1"/>
+        </a:solidFill>
+        <a:latin typeface="+mn-lt"/>
+        <a:ea typeface="+mn-ea"/>
+        <a:cs typeface="+mn-cs"/>
+      </a:defRPr>
+    </a:lvl8pPr>
+    <a:lvl9pPr marL="3657600" algn="l" defTabSz="914400" rtl="0" eaLnBrk="1" latinLnBrk="0" hangingPunct="1">
+      <a:defRPr sz="1200" kern="1200">
+        <a:solidFill>
+          <a:schemeClr val="tx1"/>
+        </a:solidFill>
+        <a:latin typeface="+mn-lt"/>
+        <a:ea typeface="+mn-ea"/>
+        <a:cs typeface="+mn-cs"/>
+      </a:defRPr>
+    </a:lvl9pPr>
+  </p:notesStyle>
+</p:notesMaster>
+</file>
+
+<file path=ppt/notesSlides/notesSlide1.xml><?xml version="1.0" encoding="utf-8"?>
+<p:notes xmlns:a="http://schemas.openxmlformats.org/drawingml/2006/main" xmlns:r="http://schemas.openxmlformats.org/officeDocument/2006/relationships" xmlns:p="http://schemas.openxmlformats.org/presentationml/2006/main">
+  <p:cSld>
+    <p:spTree>
+      <p:nvGrpSpPr>
+        <p:cNvPr id="1" name=""/>
+        <p:cNvGrpSpPr/>
+        <p:nvPr/>
+      </p:nvGrpSpPr>
+      <p:grpSpPr>
+        <a:xfrm>
+          <a:off x="0" y="0"/>
+          <a:ext cx="0" cy="0"/>
+          <a:chOff x="0" y="0"/>
+          <a:chExt cx="0" cy="0"/>
+        </a:xfrm>
+      </p:grpSpPr>
+      <p:sp>
+        <p:nvSpPr>
+          <p:cNvPr id="2" name="Slide Image Placeholder 1"/>
+          <p:cNvSpPr>
+            <a:spLocks noGrp="1" noRot="1" noChangeAspect="1"/>
+          </p:cNvSpPr>
+          <p:nvPr>
+            <p:ph type="sldImg"/>
+          </p:nvPr>
+        </p:nvSpPr>
+        <p:spPr/>
+      </p:sp>
+      <p:sp>
+        <p:nvSpPr>
+          <p:cNvPr id="3" name="Notes Placeholder 2"/>
+          <p:cNvSpPr>
+            <a:spLocks noGrp="1"/>
+          </p:cNvSpPr>
+          <p:nvPr>
+            <p:ph type="body" idx="1"/>
+          </p:nvPr>
+        </p:nvSpPr>
+        <p:spPr/>
+        <p:txBody>
+          <a:bodyPr/>
+          <a:lstStyle/>
+          <a:p>
+            <a:endParaRPr lang="en-IN"/>
+          </a:p>
+        </p:txBody>
+      </p:sp>
+      <p:sp>
+        <p:nvSpPr>
+          <p:cNvPr id="4" name="Slide Number Placeholder 3"/>
+          <p:cNvSpPr>
+            <a:spLocks noGrp="1"/>
+          </p:cNvSpPr>
+          <p:nvPr>
+            <p:ph type="sldNum" sz="quarter" idx="10"/>
+          </p:nvPr>
+        </p:nvSpPr>
+        <p:spPr/>
+        <p:txBody>
+          <a:bodyPr/>
+          <a:lstStyle/>
+          <a:p>
+            <a:fld id="{9B7B7BA9-1866-41D0-96CC-0F8691D49B3E}" type="slidenum">
+              <a:rPr lang="en-IN" smtClean="0"/>
+              <a:t>56</a:t>
+            </a:fld>
+            <a:endParaRPr lang="en-IN"/>
+          </a:p>
+        </p:txBody>
+      </p:sp>
+    </p:spTree>
+    <p:extLst>
+      <p:ext uri="{BB962C8B-B14F-4D97-AF65-F5344CB8AC3E}">
+        <p14:creationId xmlns:p14="http://schemas.microsoft.com/office/powerpoint/2010/main" val="2525067886"/>
+      </p:ext>
+    </p:extLst>
+  </p:cSld>
+  <p:clrMapOvr>
+    <a:masterClrMapping/>
+  </p:clrMapOvr>
+</p:notes>
+</file>
+
 <file path=ppt/slideLayouts/slideLayout1.xml><?xml version="1.0" encoding="utf-8"?>
 <p:sldLayout xmlns:a="http://schemas.openxmlformats.org/drawingml/2006/main" xmlns:r="http://schemas.openxmlformats.org/officeDocument/2006/relationships" xmlns:p="http://schemas.openxmlformats.org/presentationml/2006/main" showMasterSp="0" type="title" preserve="1">
   <p:cSld name="Title Slide">
@@ -493,10 +937,10 @@
             </a:lvl1pPr>
           </a:lstStyle>
           <a:p>
-            <a:fld id="{48A87A34-81AB-432B-8DAE-1953F412C126}" type="datetimeFigureOut">
+            <a:r>
               <a:rPr lang="en-US" smtClean="0"/>
               <a:t>5/6/2019</a:t>
-            </a:fld>
+            </a:r>
             <a:endParaRPr lang="en-US" dirty="0"/>
           </a:p>
         </p:txBody>
@@ -1581,10 +2025,10 @@
           <a:bodyPr/>
           <a:lstStyle/>
           <a:p>
-            <a:fld id="{48A87A34-81AB-432B-8DAE-1953F412C126}" type="datetimeFigureOut">
+            <a:r>
               <a:rPr lang="en-US" smtClean="0"/>
               <a:t>5/6/2019</a:t>
-            </a:fld>
+            </a:r>
             <a:endParaRPr lang="en-US" dirty="0"/>
           </a:p>
         </p:txBody>
@@ -2561,11 +3005,10 @@
           <a:bodyPr/>
           <a:lstStyle/>
           <a:p>
-            <a:fld id="{48A87A34-81AB-432B-8DAE-1953F412C126}" type="datetimeFigureOut">
+            <a:r>
               <a:rPr lang="en-US" smtClean="0"/>
-              <a:pPr/>
               <a:t>5/6/2019</a:t>
-            </a:fld>
+            </a:r>
             <a:endParaRPr lang="en-US" dirty="0"/>
           </a:p>
         </p:txBody>
@@ -3696,11 +4139,10 @@
           <a:bodyPr/>
           <a:lstStyle/>
           <a:p>
-            <a:fld id="{48A87A34-81AB-432B-8DAE-1953F412C126}" type="datetimeFigureOut">
+            <a:r>
               <a:rPr lang="en-US" smtClean="0"/>
-              <a:pPr/>
               <a:t>5/6/2019</a:t>
-            </a:fld>
+            </a:r>
             <a:endParaRPr lang="en-US" dirty="0"/>
           </a:p>
         </p:txBody>
@@ -4730,11 +5172,10 @@
           <a:bodyPr/>
           <a:lstStyle/>
           <a:p>
-            <a:fld id="{48A87A34-81AB-432B-8DAE-1953F412C126}" type="datetimeFigureOut">
+            <a:r>
               <a:rPr lang="en-US" smtClean="0"/>
-              <a:pPr/>
               <a:t>5/6/2019</a:t>
-            </a:fld>
+            </a:r>
             <a:endParaRPr lang="en-US" dirty="0"/>
           </a:p>
         </p:txBody>
@@ -5391,10 +5832,10 @@
           <a:bodyPr/>
           <a:lstStyle/>
           <a:p>
-            <a:fld id="{48A87A34-81AB-432B-8DAE-1953F412C126}" type="datetimeFigureOut">
+            <a:r>
               <a:rPr lang="en-US" smtClean="0"/>
               <a:t>5/6/2019</a:t>
-            </a:fld>
+            </a:r>
             <a:endParaRPr lang="en-US" dirty="0"/>
           </a:p>
         </p:txBody>
@@ -6252,10 +6693,10 @@
           <a:bodyPr/>
           <a:lstStyle/>
           <a:p>
-            <a:fld id="{48A87A34-81AB-432B-8DAE-1953F412C126}" type="datetimeFigureOut">
+            <a:r>
               <a:rPr lang="en-US" smtClean="0"/>
               <a:t>5/6/2019</a:t>
-            </a:fld>
+            </a:r>
             <a:endParaRPr lang="en-US" dirty="0"/>
           </a:p>
         </p:txBody>
@@ -6442,10 +6883,10 @@
           <a:bodyPr/>
           <a:lstStyle/>
           <a:p>
-            <a:fld id="{48A87A34-81AB-432B-8DAE-1953F412C126}" type="datetimeFigureOut">
+            <a:r>
               <a:rPr lang="en-US" smtClean="0"/>
               <a:t>5/6/2019</a:t>
-            </a:fld>
+            </a:r>
             <a:endParaRPr lang="en-US" dirty="0"/>
           </a:p>
         </p:txBody>
@@ -7414,11 +7855,10 @@
           <a:bodyPr/>
           <a:lstStyle/>
           <a:p>
-            <a:fld id="{48A87A34-81AB-432B-8DAE-1953F412C126}" type="datetimeFigureOut">
+            <a:r>
               <a:rPr lang="en-US" smtClean="0"/>
-              <a:pPr/>
               <a:t>5/6/2019</a:t>
-            </a:fld>
+            </a:r>
             <a:endParaRPr lang="en-US" dirty="0"/>
           </a:p>
         </p:txBody>
@@ -7626,10 +8066,10 @@
           <a:bodyPr/>
           <a:lstStyle/>
           <a:p>
-            <a:fld id="{48A87A34-81AB-432B-8DAE-1953F412C126}" type="datetimeFigureOut">
+            <a:r>
               <a:rPr lang="en-US" smtClean="0"/>
               <a:t>5/6/2019</a:t>
-            </a:fld>
+            </a:r>
             <a:endParaRPr lang="en-US" dirty="0"/>
           </a:p>
         </p:txBody>
@@ -8660,11 +9100,10 @@
           <a:bodyPr/>
           <a:lstStyle/>
           <a:p>
-            <a:fld id="{48A87A34-81AB-432B-8DAE-1953F412C126}" type="datetimeFigureOut">
+            <a:r>
               <a:rPr lang="en-US" smtClean="0"/>
-              <a:pPr/>
               <a:t>5/6/2019</a:t>
-            </a:fld>
+            </a:r>
             <a:endParaRPr lang="en-US" dirty="0"/>
           </a:p>
         </p:txBody>
@@ -8933,10 +9372,10 @@
           <a:bodyPr/>
           <a:lstStyle/>
           <a:p>
-            <a:fld id="{48A87A34-81AB-432B-8DAE-1953F412C126}" type="datetimeFigureOut">
+            <a:r>
               <a:rPr lang="en-US" smtClean="0"/>
               <a:t>5/6/2019</a:t>
-            </a:fld>
+            </a:r>
             <a:endParaRPr lang="en-US" dirty="0"/>
           </a:p>
         </p:txBody>
@@ -9343,10 +9782,10 @@
           <a:bodyPr/>
           <a:lstStyle/>
           <a:p>
-            <a:fld id="{48A87A34-81AB-432B-8DAE-1953F412C126}" type="datetimeFigureOut">
+            <a:r>
               <a:rPr lang="en-US" smtClean="0"/>
               <a:t>5/6/2019</a:t>
-            </a:fld>
+            </a:r>
             <a:endParaRPr lang="en-US" dirty="0"/>
           </a:p>
         </p:txBody>
@@ -9470,10 +9909,10 @@
           <a:bodyPr/>
           <a:lstStyle/>
           <a:p>
-            <a:fld id="{48A87A34-81AB-432B-8DAE-1953F412C126}" type="datetimeFigureOut">
+            <a:r>
               <a:rPr lang="en-US" smtClean="0"/>
               <a:t>5/6/2019</a:t>
-            </a:fld>
+            </a:r>
             <a:endParaRPr lang="en-US" dirty="0"/>
           </a:p>
         </p:txBody>
@@ -9565,10 +10004,10 @@
           <a:bodyPr/>
           <a:lstStyle/>
           <a:p>
-            <a:fld id="{48A87A34-81AB-432B-8DAE-1953F412C126}" type="datetimeFigureOut">
+            <a:r>
               <a:rPr lang="en-US" smtClean="0"/>
               <a:t>5/6/2019</a:t>
-            </a:fld>
+            </a:r>
             <a:endParaRPr lang="en-US" dirty="0"/>
           </a:p>
         </p:txBody>
@@ -10646,10 +11085,10 @@
           <a:bodyPr/>
           <a:lstStyle/>
           <a:p>
-            <a:fld id="{48A87A34-81AB-432B-8DAE-1953F412C126}" type="datetimeFigureOut">
+            <a:r>
               <a:rPr lang="en-US" smtClean="0"/>
               <a:t>5/6/2019</a:t>
-            </a:fld>
+            </a:r>
             <a:endParaRPr lang="en-US" dirty="0"/>
           </a:p>
         </p:txBody>
@@ -11754,10 +12193,10 @@
           <a:bodyPr/>
           <a:lstStyle/>
           <a:p>
-            <a:fld id="{48A87A34-81AB-432B-8DAE-1953F412C126}" type="datetimeFigureOut">
+            <a:r>
               <a:rPr lang="en-US" smtClean="0"/>
               <a:t>5/6/2019</a:t>
-            </a:fld>
+            </a:r>
             <a:endParaRPr lang="en-US" dirty="0"/>
           </a:p>
         </p:txBody>
@@ -12751,11 +13190,10 @@
             </a:lvl1pPr>
           </a:lstStyle>
           <a:p>
-            <a:fld id="{48A87A34-81AB-432B-8DAE-1953F412C126}" type="datetimeFigureOut">
+            <a:r>
               <a:rPr lang="en-US" smtClean="0"/>
-              <a:pPr/>
               <a:t>5/6/2019</a:t>
-            </a:fld>
+            </a:r>
             <a:endParaRPr lang="en-US" dirty="0"/>
           </a:p>
         </p:txBody>
@@ -12898,6 +13336,7 @@
     <p:sldLayoutId id="2147483739" r:id="rId16"/>
     <p:sldLayoutId id="2147483740" r:id="rId17"/>
   </p:sldLayoutIdLst>
+  <p:hf hdr="0" ftr="0"/>
   <p:txStyles>
     <p:titleStyle>
       <a:lvl1pPr algn="l" defTabSz="457200" rtl="0" eaLnBrk="1" latinLnBrk="0" hangingPunct="1">
@@ -13375,6 +13814,52 @@
           </a:p>
         </p:txBody>
       </p:sp>
+      <p:sp>
+        <p:nvSpPr>
+          <p:cNvPr id="5" name="Date Placeholder 4"/>
+          <p:cNvSpPr>
+            <a:spLocks noGrp="1"/>
+          </p:cNvSpPr>
+          <p:nvPr>
+            <p:ph type="dt" sz="half" idx="10"/>
+          </p:nvPr>
+        </p:nvSpPr>
+        <p:spPr/>
+        <p:txBody>
+          <a:bodyPr/>
+          <a:lstStyle/>
+          <a:p>
+            <a:r>
+              <a:rPr lang="en-US" smtClean="0"/>
+              <a:t>5/6/2019</a:t>
+            </a:r>
+            <a:endParaRPr lang="en-US" dirty="0"/>
+          </a:p>
+        </p:txBody>
+      </p:sp>
+      <p:sp>
+        <p:nvSpPr>
+          <p:cNvPr id="6" name="Slide Number Placeholder 5"/>
+          <p:cNvSpPr>
+            <a:spLocks noGrp="1"/>
+          </p:cNvSpPr>
+          <p:nvPr>
+            <p:ph type="sldNum" sz="quarter" idx="12"/>
+          </p:nvPr>
+        </p:nvSpPr>
+        <p:spPr/>
+        <p:txBody>
+          <a:bodyPr/>
+          <a:lstStyle/>
+          <a:p>
+            <a:fld id="{6D22F896-40B5-4ADD-8801-0D06FADFA095}" type="slidenum">
+              <a:rPr lang="en-US" smtClean="0"/>
+              <a:t>1</a:t>
+            </a:fld>
+            <a:endParaRPr lang="en-US" dirty="0"/>
+          </a:p>
+        </p:txBody>
+      </p:sp>
     </p:spTree>
     <p:extLst>
       <p:ext uri="{BB962C8B-B14F-4D97-AF65-F5344CB8AC3E}">
@@ -13577,6 +14062,52 @@
           </a:prstGeom>
         </p:spPr>
       </p:pic>
+      <p:sp>
+        <p:nvSpPr>
+          <p:cNvPr id="5" name="Date Placeholder 4"/>
+          <p:cNvSpPr>
+            <a:spLocks noGrp="1"/>
+          </p:cNvSpPr>
+          <p:nvPr>
+            <p:ph type="dt" sz="half" idx="10"/>
+          </p:nvPr>
+        </p:nvSpPr>
+        <p:spPr/>
+        <p:txBody>
+          <a:bodyPr/>
+          <a:lstStyle/>
+          <a:p>
+            <a:r>
+              <a:rPr lang="en-US" smtClean="0"/>
+              <a:t>5/6/2019</a:t>
+            </a:r>
+            <a:endParaRPr lang="en-US" dirty="0"/>
+          </a:p>
+        </p:txBody>
+      </p:sp>
+      <p:sp>
+        <p:nvSpPr>
+          <p:cNvPr id="6" name="Slide Number Placeholder 5"/>
+          <p:cNvSpPr>
+            <a:spLocks noGrp="1"/>
+          </p:cNvSpPr>
+          <p:nvPr>
+            <p:ph type="sldNum" sz="quarter" idx="12"/>
+          </p:nvPr>
+        </p:nvSpPr>
+        <p:spPr/>
+        <p:txBody>
+          <a:bodyPr/>
+          <a:lstStyle/>
+          <a:p>
+            <a:fld id="{6D22F896-40B5-4ADD-8801-0D06FADFA095}" type="slidenum">
+              <a:rPr lang="en-US" smtClean="0"/>
+              <a:t>10</a:t>
+            </a:fld>
+            <a:endParaRPr lang="en-US" dirty="0"/>
+          </a:p>
+        </p:txBody>
+      </p:sp>
     </p:spTree>
     <p:extLst>
       <p:ext uri="{BB962C8B-B14F-4D97-AF65-F5344CB8AC3E}">
@@ -13865,6 +14396,52 @@
           </a:p>
         </p:txBody>
       </p:sp>
+      <p:sp>
+        <p:nvSpPr>
+          <p:cNvPr id="8" name="Date Placeholder 7"/>
+          <p:cNvSpPr>
+            <a:spLocks noGrp="1"/>
+          </p:cNvSpPr>
+          <p:nvPr>
+            <p:ph type="dt" sz="half" idx="10"/>
+          </p:nvPr>
+        </p:nvSpPr>
+        <p:spPr/>
+        <p:txBody>
+          <a:bodyPr/>
+          <a:lstStyle/>
+          <a:p>
+            <a:r>
+              <a:rPr lang="en-US" smtClean="0"/>
+              <a:t>5/6/2019</a:t>
+            </a:r>
+            <a:endParaRPr lang="en-US" dirty="0"/>
+          </a:p>
+        </p:txBody>
+      </p:sp>
+      <p:sp>
+        <p:nvSpPr>
+          <p:cNvPr id="9" name="Slide Number Placeholder 8"/>
+          <p:cNvSpPr>
+            <a:spLocks noGrp="1"/>
+          </p:cNvSpPr>
+          <p:nvPr>
+            <p:ph type="sldNum" sz="quarter" idx="12"/>
+          </p:nvPr>
+        </p:nvSpPr>
+        <p:spPr/>
+        <p:txBody>
+          <a:bodyPr/>
+          <a:lstStyle/>
+          <a:p>
+            <a:fld id="{6D22F896-40B5-4ADD-8801-0D06FADFA095}" type="slidenum">
+              <a:rPr lang="en-US" smtClean="0"/>
+              <a:t>11</a:t>
+            </a:fld>
+            <a:endParaRPr lang="en-US" dirty="0"/>
+          </a:p>
+        </p:txBody>
+      </p:sp>
     </p:spTree>
     <p:extLst>
       <p:ext uri="{BB962C8B-B14F-4D97-AF65-F5344CB8AC3E}">
@@ -14010,6 +14587,52 @@
           </a:ln>
         </p:spPr>
       </p:pic>
+      <p:sp>
+        <p:nvSpPr>
+          <p:cNvPr id="4" name="Date Placeholder 3"/>
+          <p:cNvSpPr>
+            <a:spLocks noGrp="1"/>
+          </p:cNvSpPr>
+          <p:nvPr>
+            <p:ph type="dt" sz="half" idx="10"/>
+          </p:nvPr>
+        </p:nvSpPr>
+        <p:spPr/>
+        <p:txBody>
+          <a:bodyPr/>
+          <a:lstStyle/>
+          <a:p>
+            <a:r>
+              <a:rPr lang="en-US" smtClean="0"/>
+              <a:t>5/6/2019</a:t>
+            </a:r>
+            <a:endParaRPr lang="en-US" dirty="0"/>
+          </a:p>
+        </p:txBody>
+      </p:sp>
+      <p:sp>
+        <p:nvSpPr>
+          <p:cNvPr id="5" name="Slide Number Placeholder 4"/>
+          <p:cNvSpPr>
+            <a:spLocks noGrp="1"/>
+          </p:cNvSpPr>
+          <p:nvPr>
+            <p:ph type="sldNum" sz="quarter" idx="12"/>
+          </p:nvPr>
+        </p:nvSpPr>
+        <p:spPr/>
+        <p:txBody>
+          <a:bodyPr/>
+          <a:lstStyle/>
+          <a:p>
+            <a:fld id="{6D22F896-40B5-4ADD-8801-0D06FADFA095}" type="slidenum">
+              <a:rPr lang="en-US" smtClean="0"/>
+              <a:t>12</a:t>
+            </a:fld>
+            <a:endParaRPr lang="en-US" dirty="0"/>
+          </a:p>
+        </p:txBody>
+      </p:sp>
     </p:spTree>
     <p:extLst>
       <p:ext uri="{BB962C8B-B14F-4D97-AF65-F5344CB8AC3E}">
@@ -14126,6 +14749,52 @@
           </a:p>
         </p:txBody>
       </p:sp>
+      <p:sp>
+        <p:nvSpPr>
+          <p:cNvPr id="2" name="Date Placeholder 1"/>
+          <p:cNvSpPr>
+            <a:spLocks noGrp="1"/>
+          </p:cNvSpPr>
+          <p:nvPr>
+            <p:ph type="dt" sz="half" idx="10"/>
+          </p:nvPr>
+        </p:nvSpPr>
+        <p:spPr/>
+        <p:txBody>
+          <a:bodyPr/>
+          <a:lstStyle/>
+          <a:p>
+            <a:r>
+              <a:rPr lang="en-US" smtClean="0"/>
+              <a:t>5/6/2019</a:t>
+            </a:r>
+            <a:endParaRPr lang="en-US" dirty="0"/>
+          </a:p>
+        </p:txBody>
+      </p:sp>
+      <p:sp>
+        <p:nvSpPr>
+          <p:cNvPr id="3" name="Slide Number Placeholder 2"/>
+          <p:cNvSpPr>
+            <a:spLocks noGrp="1"/>
+          </p:cNvSpPr>
+          <p:nvPr>
+            <p:ph type="sldNum" sz="quarter" idx="12"/>
+          </p:nvPr>
+        </p:nvSpPr>
+        <p:spPr/>
+        <p:txBody>
+          <a:bodyPr/>
+          <a:lstStyle/>
+          <a:p>
+            <a:fld id="{6D22F896-40B5-4ADD-8801-0D06FADFA095}" type="slidenum">
+              <a:rPr lang="en-US" smtClean="0"/>
+              <a:t>13</a:t>
+            </a:fld>
+            <a:endParaRPr lang="en-US" dirty="0"/>
+          </a:p>
+        </p:txBody>
+      </p:sp>
     </p:spTree>
     <p:extLst>
       <p:ext uri="{BB962C8B-B14F-4D97-AF65-F5344CB8AC3E}">
@@ -14602,6 +15271,52 @@
           </a:p>
         </p:txBody>
       </p:sp>
+      <p:sp>
+        <p:nvSpPr>
+          <p:cNvPr id="7" name="Date Placeholder 6"/>
+          <p:cNvSpPr>
+            <a:spLocks noGrp="1"/>
+          </p:cNvSpPr>
+          <p:nvPr>
+            <p:ph type="dt" sz="half" idx="10"/>
+          </p:nvPr>
+        </p:nvSpPr>
+        <p:spPr/>
+        <p:txBody>
+          <a:bodyPr/>
+          <a:lstStyle/>
+          <a:p>
+            <a:r>
+              <a:rPr lang="en-US" smtClean="0"/>
+              <a:t>5/6/2019</a:t>
+            </a:r>
+            <a:endParaRPr lang="en-US" dirty="0"/>
+          </a:p>
+        </p:txBody>
+      </p:sp>
+      <p:sp>
+        <p:nvSpPr>
+          <p:cNvPr id="9" name="Slide Number Placeholder 8"/>
+          <p:cNvSpPr>
+            <a:spLocks noGrp="1"/>
+          </p:cNvSpPr>
+          <p:nvPr>
+            <p:ph type="sldNum" sz="quarter" idx="12"/>
+          </p:nvPr>
+        </p:nvSpPr>
+        <p:spPr/>
+        <p:txBody>
+          <a:bodyPr/>
+          <a:lstStyle/>
+          <a:p>
+            <a:fld id="{6D22F896-40B5-4ADD-8801-0D06FADFA095}" type="slidenum">
+              <a:rPr lang="en-US" smtClean="0"/>
+              <a:t>14</a:t>
+            </a:fld>
+            <a:endParaRPr lang="en-US" dirty="0"/>
+          </a:p>
+        </p:txBody>
+      </p:sp>
     </p:spTree>
     <p:extLst>
       <p:ext uri="{BB962C8B-B14F-4D97-AF65-F5344CB8AC3E}">
@@ -15168,6 +15883,52 @@
           </a:p>
         </p:txBody>
       </p:sp>
+      <p:sp>
+        <p:nvSpPr>
+          <p:cNvPr id="7" name="Date Placeholder 6"/>
+          <p:cNvSpPr>
+            <a:spLocks noGrp="1"/>
+          </p:cNvSpPr>
+          <p:nvPr>
+            <p:ph type="dt" sz="half" idx="10"/>
+          </p:nvPr>
+        </p:nvSpPr>
+        <p:spPr/>
+        <p:txBody>
+          <a:bodyPr/>
+          <a:lstStyle/>
+          <a:p>
+            <a:r>
+              <a:rPr lang="en-US" smtClean="0"/>
+              <a:t>5/6/2019</a:t>
+            </a:r>
+            <a:endParaRPr lang="en-US" dirty="0"/>
+          </a:p>
+        </p:txBody>
+      </p:sp>
+      <p:sp>
+        <p:nvSpPr>
+          <p:cNvPr id="9" name="Slide Number Placeholder 8"/>
+          <p:cNvSpPr>
+            <a:spLocks noGrp="1"/>
+          </p:cNvSpPr>
+          <p:nvPr>
+            <p:ph type="sldNum" sz="quarter" idx="12"/>
+          </p:nvPr>
+        </p:nvSpPr>
+        <p:spPr/>
+        <p:txBody>
+          <a:bodyPr/>
+          <a:lstStyle/>
+          <a:p>
+            <a:fld id="{6D22F896-40B5-4ADD-8801-0D06FADFA095}" type="slidenum">
+              <a:rPr lang="en-US" smtClean="0"/>
+              <a:t>15</a:t>
+            </a:fld>
+            <a:endParaRPr lang="en-US" dirty="0"/>
+          </a:p>
+        </p:txBody>
+      </p:sp>
     </p:spTree>
     <p:extLst>
       <p:ext uri="{BB962C8B-B14F-4D97-AF65-F5344CB8AC3E}">
@@ -15706,6 +16467,52 @@
           </a:fontRef>
         </p:style>
       </p:cxnSp>
+      <p:sp>
+        <p:nvSpPr>
+          <p:cNvPr id="7" name="Date Placeholder 6"/>
+          <p:cNvSpPr>
+            <a:spLocks noGrp="1"/>
+          </p:cNvSpPr>
+          <p:nvPr>
+            <p:ph type="dt" sz="half" idx="10"/>
+          </p:nvPr>
+        </p:nvSpPr>
+        <p:spPr/>
+        <p:txBody>
+          <a:bodyPr/>
+          <a:lstStyle/>
+          <a:p>
+            <a:r>
+              <a:rPr lang="en-US" smtClean="0"/>
+              <a:t>5/6/2019</a:t>
+            </a:r>
+            <a:endParaRPr lang="en-US" dirty="0"/>
+          </a:p>
+        </p:txBody>
+      </p:sp>
+      <p:sp>
+        <p:nvSpPr>
+          <p:cNvPr id="9" name="Slide Number Placeholder 8"/>
+          <p:cNvSpPr>
+            <a:spLocks noGrp="1"/>
+          </p:cNvSpPr>
+          <p:nvPr>
+            <p:ph type="sldNum" sz="quarter" idx="12"/>
+          </p:nvPr>
+        </p:nvSpPr>
+        <p:spPr/>
+        <p:txBody>
+          <a:bodyPr/>
+          <a:lstStyle/>
+          <a:p>
+            <a:fld id="{6D22F896-40B5-4ADD-8801-0D06FADFA095}" type="slidenum">
+              <a:rPr lang="en-US" smtClean="0"/>
+              <a:t>16</a:t>
+            </a:fld>
+            <a:endParaRPr lang="en-US" dirty="0"/>
+          </a:p>
+        </p:txBody>
+      </p:sp>
     </p:spTree>
     <p:extLst>
       <p:ext uri="{BB962C8B-B14F-4D97-AF65-F5344CB8AC3E}">
@@ -15865,6 +16672,52 @@
           </a:p>
         </p:txBody>
       </p:sp>
+      <p:sp>
+        <p:nvSpPr>
+          <p:cNvPr id="2" name="Date Placeholder 1"/>
+          <p:cNvSpPr>
+            <a:spLocks noGrp="1"/>
+          </p:cNvSpPr>
+          <p:nvPr>
+            <p:ph type="dt" sz="half" idx="10"/>
+          </p:nvPr>
+        </p:nvSpPr>
+        <p:spPr/>
+        <p:txBody>
+          <a:bodyPr/>
+          <a:lstStyle/>
+          <a:p>
+            <a:r>
+              <a:rPr lang="en-US" smtClean="0"/>
+              <a:t>5/6/2019</a:t>
+            </a:r>
+            <a:endParaRPr lang="en-US" dirty="0"/>
+          </a:p>
+        </p:txBody>
+      </p:sp>
+      <p:sp>
+        <p:nvSpPr>
+          <p:cNvPr id="3" name="Slide Number Placeholder 2"/>
+          <p:cNvSpPr>
+            <a:spLocks noGrp="1"/>
+          </p:cNvSpPr>
+          <p:nvPr>
+            <p:ph type="sldNum" sz="quarter" idx="12"/>
+          </p:nvPr>
+        </p:nvSpPr>
+        <p:spPr/>
+        <p:txBody>
+          <a:bodyPr/>
+          <a:lstStyle/>
+          <a:p>
+            <a:fld id="{6D22F896-40B5-4ADD-8801-0D06FADFA095}" type="slidenum">
+              <a:rPr lang="en-US" smtClean="0"/>
+              <a:t>17</a:t>
+            </a:fld>
+            <a:endParaRPr lang="en-US" dirty="0"/>
+          </a:p>
+        </p:txBody>
+      </p:sp>
     </p:spTree>
     <p:extLst>
       <p:ext uri="{BB962C8B-B14F-4D97-AF65-F5344CB8AC3E}">
@@ -16100,6 +16953,52 @@
           </a:p>
         </p:txBody>
       </p:sp>
+      <p:sp>
+        <p:nvSpPr>
+          <p:cNvPr id="4" name="Date Placeholder 3"/>
+          <p:cNvSpPr>
+            <a:spLocks noGrp="1"/>
+          </p:cNvSpPr>
+          <p:nvPr>
+            <p:ph type="dt" sz="half" idx="10"/>
+          </p:nvPr>
+        </p:nvSpPr>
+        <p:spPr/>
+        <p:txBody>
+          <a:bodyPr/>
+          <a:lstStyle/>
+          <a:p>
+            <a:r>
+              <a:rPr lang="en-US" smtClean="0"/>
+              <a:t>5/6/2019</a:t>
+            </a:r>
+            <a:endParaRPr lang="en-US" dirty="0"/>
+          </a:p>
+        </p:txBody>
+      </p:sp>
+      <p:sp>
+        <p:nvSpPr>
+          <p:cNvPr id="5" name="Slide Number Placeholder 4"/>
+          <p:cNvSpPr>
+            <a:spLocks noGrp="1"/>
+          </p:cNvSpPr>
+          <p:nvPr>
+            <p:ph type="sldNum" sz="quarter" idx="12"/>
+          </p:nvPr>
+        </p:nvSpPr>
+        <p:spPr/>
+        <p:txBody>
+          <a:bodyPr/>
+          <a:lstStyle/>
+          <a:p>
+            <a:fld id="{6D22F896-40B5-4ADD-8801-0D06FADFA095}" type="slidenum">
+              <a:rPr lang="en-US" smtClean="0"/>
+              <a:t>18</a:t>
+            </a:fld>
+            <a:endParaRPr lang="en-US" dirty="0"/>
+          </a:p>
+        </p:txBody>
+      </p:sp>
     </p:spTree>
     <p:extLst>
       <p:ext uri="{BB962C8B-B14F-4D97-AF65-F5344CB8AC3E}">
@@ -16655,6 +17554,52 @@
           </a:p>
         </p:txBody>
       </p:sp>
+      <p:sp>
+        <p:nvSpPr>
+          <p:cNvPr id="6" name="Date Placeholder 5"/>
+          <p:cNvSpPr>
+            <a:spLocks noGrp="1"/>
+          </p:cNvSpPr>
+          <p:nvPr>
+            <p:ph type="dt" sz="half" idx="10"/>
+          </p:nvPr>
+        </p:nvSpPr>
+        <p:spPr/>
+        <p:txBody>
+          <a:bodyPr/>
+          <a:lstStyle/>
+          <a:p>
+            <a:r>
+              <a:rPr lang="en-US" smtClean="0"/>
+              <a:t>5/6/2019</a:t>
+            </a:r>
+            <a:endParaRPr lang="en-US" dirty="0"/>
+          </a:p>
+        </p:txBody>
+      </p:sp>
+      <p:sp>
+        <p:nvSpPr>
+          <p:cNvPr id="7" name="Slide Number Placeholder 6"/>
+          <p:cNvSpPr>
+            <a:spLocks noGrp="1"/>
+          </p:cNvSpPr>
+          <p:nvPr>
+            <p:ph type="sldNum" sz="quarter" idx="12"/>
+          </p:nvPr>
+        </p:nvSpPr>
+        <p:spPr/>
+        <p:txBody>
+          <a:bodyPr/>
+          <a:lstStyle/>
+          <a:p>
+            <a:fld id="{6D22F896-40B5-4ADD-8801-0D06FADFA095}" type="slidenum">
+              <a:rPr lang="en-US" smtClean="0"/>
+              <a:t>19</a:t>
+            </a:fld>
+            <a:endParaRPr lang="en-US" dirty="0"/>
+          </a:p>
+        </p:txBody>
+      </p:sp>
     </p:spTree>
     <p:extLst>
       <p:ext uri="{BB962C8B-B14F-4D97-AF65-F5344CB8AC3E}">
@@ -16774,6 +17719,52 @@
           </a:p>
         </p:txBody>
       </p:sp>
+      <p:sp>
+        <p:nvSpPr>
+          <p:cNvPr id="4" name="Date Placeholder 3"/>
+          <p:cNvSpPr>
+            <a:spLocks noGrp="1"/>
+          </p:cNvSpPr>
+          <p:nvPr>
+            <p:ph type="dt" sz="half" idx="10"/>
+          </p:nvPr>
+        </p:nvSpPr>
+        <p:spPr/>
+        <p:txBody>
+          <a:bodyPr/>
+          <a:lstStyle/>
+          <a:p>
+            <a:r>
+              <a:rPr lang="en-US" smtClean="0"/>
+              <a:t>5/6/2019</a:t>
+            </a:r>
+            <a:endParaRPr lang="en-US" dirty="0"/>
+          </a:p>
+        </p:txBody>
+      </p:sp>
+      <p:sp>
+        <p:nvSpPr>
+          <p:cNvPr id="5" name="Slide Number Placeholder 4"/>
+          <p:cNvSpPr>
+            <a:spLocks noGrp="1"/>
+          </p:cNvSpPr>
+          <p:nvPr>
+            <p:ph type="sldNum" sz="quarter" idx="12"/>
+          </p:nvPr>
+        </p:nvSpPr>
+        <p:spPr/>
+        <p:txBody>
+          <a:bodyPr/>
+          <a:lstStyle/>
+          <a:p>
+            <a:fld id="{6D22F896-40B5-4ADD-8801-0D06FADFA095}" type="slidenum">
+              <a:rPr lang="en-US" smtClean="0"/>
+              <a:t>2</a:t>
+            </a:fld>
+            <a:endParaRPr lang="en-US" dirty="0"/>
+          </a:p>
+        </p:txBody>
+      </p:sp>
     </p:spTree>
     <p:extLst>
       <p:ext uri="{BB962C8B-B14F-4D97-AF65-F5344CB8AC3E}">
@@ -17579,6 +18570,52 @@
           </a:p>
         </p:txBody>
       </p:sp>
+      <p:sp>
+        <p:nvSpPr>
+          <p:cNvPr id="3" name="Date Placeholder 2"/>
+          <p:cNvSpPr>
+            <a:spLocks noGrp="1"/>
+          </p:cNvSpPr>
+          <p:nvPr>
+            <p:ph type="dt" sz="half" idx="10"/>
+          </p:nvPr>
+        </p:nvSpPr>
+        <p:spPr/>
+        <p:txBody>
+          <a:bodyPr/>
+          <a:lstStyle/>
+          <a:p>
+            <a:r>
+              <a:rPr lang="en-US" smtClean="0"/>
+              <a:t>5/6/2019</a:t>
+            </a:r>
+            <a:endParaRPr lang="en-US" dirty="0"/>
+          </a:p>
+        </p:txBody>
+      </p:sp>
+      <p:sp>
+        <p:nvSpPr>
+          <p:cNvPr id="4" name="Slide Number Placeholder 3"/>
+          <p:cNvSpPr>
+            <a:spLocks noGrp="1"/>
+          </p:cNvSpPr>
+          <p:nvPr>
+            <p:ph type="sldNum" sz="quarter" idx="12"/>
+          </p:nvPr>
+        </p:nvSpPr>
+        <p:spPr/>
+        <p:txBody>
+          <a:bodyPr/>
+          <a:lstStyle/>
+          <a:p>
+            <a:fld id="{6D22F896-40B5-4ADD-8801-0D06FADFA095}" type="slidenum">
+              <a:rPr lang="en-US" smtClean="0"/>
+              <a:t>20</a:t>
+            </a:fld>
+            <a:endParaRPr lang="en-US" dirty="0"/>
+          </a:p>
+        </p:txBody>
+      </p:sp>
     </p:spTree>
     <p:extLst>
       <p:ext uri="{BB962C8B-B14F-4D97-AF65-F5344CB8AC3E}">
@@ -18037,6 +19074,52 @@
           </a:p>
         </p:txBody>
       </p:sp>
+      <p:sp>
+        <p:nvSpPr>
+          <p:cNvPr id="3" name="Date Placeholder 2"/>
+          <p:cNvSpPr>
+            <a:spLocks noGrp="1"/>
+          </p:cNvSpPr>
+          <p:nvPr>
+            <p:ph type="dt" sz="half" idx="10"/>
+          </p:nvPr>
+        </p:nvSpPr>
+        <p:spPr/>
+        <p:txBody>
+          <a:bodyPr/>
+          <a:lstStyle/>
+          <a:p>
+            <a:r>
+              <a:rPr lang="en-US" smtClean="0"/>
+              <a:t>5/6/2019</a:t>
+            </a:r>
+            <a:endParaRPr lang="en-US" dirty="0"/>
+          </a:p>
+        </p:txBody>
+      </p:sp>
+      <p:sp>
+        <p:nvSpPr>
+          <p:cNvPr id="4" name="Slide Number Placeholder 3"/>
+          <p:cNvSpPr>
+            <a:spLocks noGrp="1"/>
+          </p:cNvSpPr>
+          <p:nvPr>
+            <p:ph type="sldNum" sz="quarter" idx="12"/>
+          </p:nvPr>
+        </p:nvSpPr>
+        <p:spPr/>
+        <p:txBody>
+          <a:bodyPr/>
+          <a:lstStyle/>
+          <a:p>
+            <a:fld id="{6D22F896-40B5-4ADD-8801-0D06FADFA095}" type="slidenum">
+              <a:rPr lang="en-US" smtClean="0"/>
+              <a:t>21</a:t>
+            </a:fld>
+            <a:endParaRPr lang="en-US" dirty="0"/>
+          </a:p>
+        </p:txBody>
+      </p:sp>
     </p:spTree>
     <p:extLst>
       <p:ext uri="{BB962C8B-B14F-4D97-AF65-F5344CB8AC3E}">
@@ -18188,6 +19271,52 @@
           </a:p>
         </p:txBody>
       </p:sp>
+      <p:sp>
+        <p:nvSpPr>
+          <p:cNvPr id="2" name="Date Placeholder 1"/>
+          <p:cNvSpPr>
+            <a:spLocks noGrp="1"/>
+          </p:cNvSpPr>
+          <p:nvPr>
+            <p:ph type="dt" sz="half" idx="10"/>
+          </p:nvPr>
+        </p:nvSpPr>
+        <p:spPr/>
+        <p:txBody>
+          <a:bodyPr/>
+          <a:lstStyle/>
+          <a:p>
+            <a:r>
+              <a:rPr lang="en-US" smtClean="0"/>
+              <a:t>5/6/2019</a:t>
+            </a:r>
+            <a:endParaRPr lang="en-US" dirty="0"/>
+          </a:p>
+        </p:txBody>
+      </p:sp>
+      <p:sp>
+        <p:nvSpPr>
+          <p:cNvPr id="3" name="Slide Number Placeholder 2"/>
+          <p:cNvSpPr>
+            <a:spLocks noGrp="1"/>
+          </p:cNvSpPr>
+          <p:nvPr>
+            <p:ph type="sldNum" sz="quarter" idx="12"/>
+          </p:nvPr>
+        </p:nvSpPr>
+        <p:spPr/>
+        <p:txBody>
+          <a:bodyPr/>
+          <a:lstStyle/>
+          <a:p>
+            <a:fld id="{6D22F896-40B5-4ADD-8801-0D06FADFA095}" type="slidenum">
+              <a:rPr lang="en-US" smtClean="0"/>
+              <a:t>22</a:t>
+            </a:fld>
+            <a:endParaRPr lang="en-US" dirty="0"/>
+          </a:p>
+        </p:txBody>
+      </p:sp>
     </p:spTree>
     <p:extLst>
       <p:ext uri="{BB962C8B-B14F-4D97-AF65-F5344CB8AC3E}">
@@ -18715,6 +19844,52 @@
           </a:p>
         </p:txBody>
       </p:sp>
+      <p:sp>
+        <p:nvSpPr>
+          <p:cNvPr id="4" name="Date Placeholder 3"/>
+          <p:cNvSpPr>
+            <a:spLocks noGrp="1"/>
+          </p:cNvSpPr>
+          <p:nvPr>
+            <p:ph type="dt" sz="half" idx="10"/>
+          </p:nvPr>
+        </p:nvSpPr>
+        <p:spPr/>
+        <p:txBody>
+          <a:bodyPr/>
+          <a:lstStyle/>
+          <a:p>
+            <a:r>
+              <a:rPr lang="en-US" smtClean="0"/>
+              <a:t>5/6/2019</a:t>
+            </a:r>
+            <a:endParaRPr lang="en-US" dirty="0"/>
+          </a:p>
+        </p:txBody>
+      </p:sp>
+      <p:sp>
+        <p:nvSpPr>
+          <p:cNvPr id="5" name="Slide Number Placeholder 4"/>
+          <p:cNvSpPr>
+            <a:spLocks noGrp="1"/>
+          </p:cNvSpPr>
+          <p:nvPr>
+            <p:ph type="sldNum" sz="quarter" idx="12"/>
+          </p:nvPr>
+        </p:nvSpPr>
+        <p:spPr/>
+        <p:txBody>
+          <a:bodyPr/>
+          <a:lstStyle/>
+          <a:p>
+            <a:fld id="{6D22F896-40B5-4ADD-8801-0D06FADFA095}" type="slidenum">
+              <a:rPr lang="en-US" smtClean="0"/>
+              <a:t>23</a:t>
+            </a:fld>
+            <a:endParaRPr lang="en-US" dirty="0"/>
+          </a:p>
+        </p:txBody>
+      </p:sp>
     </p:spTree>
     <p:extLst>
       <p:ext uri="{BB962C8B-B14F-4D97-AF65-F5344CB8AC3E}">
@@ -19246,6 +20421,52 @@
           </a:p>
         </p:txBody>
       </p:sp>
+      <p:sp>
+        <p:nvSpPr>
+          <p:cNvPr id="5" name="Date Placeholder 4"/>
+          <p:cNvSpPr>
+            <a:spLocks noGrp="1"/>
+          </p:cNvSpPr>
+          <p:nvPr>
+            <p:ph type="dt" sz="half" idx="10"/>
+          </p:nvPr>
+        </p:nvSpPr>
+        <p:spPr/>
+        <p:txBody>
+          <a:bodyPr/>
+          <a:lstStyle/>
+          <a:p>
+            <a:r>
+              <a:rPr lang="en-US" smtClean="0"/>
+              <a:t>5/6/2019</a:t>
+            </a:r>
+            <a:endParaRPr lang="en-US" dirty="0"/>
+          </a:p>
+        </p:txBody>
+      </p:sp>
+      <p:sp>
+        <p:nvSpPr>
+          <p:cNvPr id="6" name="Slide Number Placeholder 5"/>
+          <p:cNvSpPr>
+            <a:spLocks noGrp="1"/>
+          </p:cNvSpPr>
+          <p:nvPr>
+            <p:ph type="sldNum" sz="quarter" idx="12"/>
+          </p:nvPr>
+        </p:nvSpPr>
+        <p:spPr/>
+        <p:txBody>
+          <a:bodyPr/>
+          <a:lstStyle/>
+          <a:p>
+            <a:fld id="{6D22F896-40B5-4ADD-8801-0D06FADFA095}" type="slidenum">
+              <a:rPr lang="en-US" smtClean="0"/>
+              <a:t>24</a:t>
+            </a:fld>
+            <a:endParaRPr lang="en-US" dirty="0"/>
+          </a:p>
+        </p:txBody>
+      </p:sp>
     </p:spTree>
     <p:extLst>
       <p:ext uri="{BB962C8B-B14F-4D97-AF65-F5344CB8AC3E}">
@@ -19929,6 +21150,52 @@
           </a:p>
         </p:txBody>
       </p:sp>
+      <p:sp>
+        <p:nvSpPr>
+          <p:cNvPr id="4" name="Date Placeholder 3"/>
+          <p:cNvSpPr>
+            <a:spLocks noGrp="1"/>
+          </p:cNvSpPr>
+          <p:nvPr>
+            <p:ph type="dt" sz="half" idx="10"/>
+          </p:nvPr>
+        </p:nvSpPr>
+        <p:spPr/>
+        <p:txBody>
+          <a:bodyPr/>
+          <a:lstStyle/>
+          <a:p>
+            <a:r>
+              <a:rPr lang="en-US" smtClean="0"/>
+              <a:t>5/6/2019</a:t>
+            </a:r>
+            <a:endParaRPr lang="en-US" dirty="0"/>
+          </a:p>
+        </p:txBody>
+      </p:sp>
+      <p:sp>
+        <p:nvSpPr>
+          <p:cNvPr id="10" name="Slide Number Placeholder 9"/>
+          <p:cNvSpPr>
+            <a:spLocks noGrp="1"/>
+          </p:cNvSpPr>
+          <p:nvPr>
+            <p:ph type="sldNum" sz="quarter" idx="12"/>
+          </p:nvPr>
+        </p:nvSpPr>
+        <p:spPr/>
+        <p:txBody>
+          <a:bodyPr/>
+          <a:lstStyle/>
+          <a:p>
+            <a:fld id="{6D22F896-40B5-4ADD-8801-0D06FADFA095}" type="slidenum">
+              <a:rPr lang="en-US" smtClean="0"/>
+              <a:t>25</a:t>
+            </a:fld>
+            <a:endParaRPr lang="en-US" dirty="0"/>
+          </a:p>
+        </p:txBody>
+      </p:sp>
     </p:spTree>
     <p:extLst>
       <p:ext uri="{BB962C8B-B14F-4D97-AF65-F5344CB8AC3E}">
@@ -20024,6 +21291,52 @@
           </a:p>
         </p:txBody>
       </p:sp>
+      <p:sp>
+        <p:nvSpPr>
+          <p:cNvPr id="2" name="Date Placeholder 1"/>
+          <p:cNvSpPr>
+            <a:spLocks noGrp="1"/>
+          </p:cNvSpPr>
+          <p:nvPr>
+            <p:ph type="dt" sz="half" idx="10"/>
+          </p:nvPr>
+        </p:nvSpPr>
+        <p:spPr/>
+        <p:txBody>
+          <a:bodyPr/>
+          <a:lstStyle/>
+          <a:p>
+            <a:r>
+              <a:rPr lang="en-US" smtClean="0"/>
+              <a:t>5/6/2019</a:t>
+            </a:r>
+            <a:endParaRPr lang="en-US" dirty="0"/>
+          </a:p>
+        </p:txBody>
+      </p:sp>
+      <p:sp>
+        <p:nvSpPr>
+          <p:cNvPr id="3" name="Slide Number Placeholder 2"/>
+          <p:cNvSpPr>
+            <a:spLocks noGrp="1"/>
+          </p:cNvSpPr>
+          <p:nvPr>
+            <p:ph type="sldNum" sz="quarter" idx="12"/>
+          </p:nvPr>
+        </p:nvSpPr>
+        <p:spPr/>
+        <p:txBody>
+          <a:bodyPr/>
+          <a:lstStyle/>
+          <a:p>
+            <a:fld id="{6D22F896-40B5-4ADD-8801-0D06FADFA095}" type="slidenum">
+              <a:rPr lang="en-US" smtClean="0"/>
+              <a:t>26</a:t>
+            </a:fld>
+            <a:endParaRPr lang="en-US" dirty="0"/>
+          </a:p>
+        </p:txBody>
+      </p:sp>
     </p:spTree>
     <p:extLst>
       <p:ext uri="{BB962C8B-B14F-4D97-AF65-F5344CB8AC3E}">
@@ -21339,6 +22652,52 @@
           </a:p>
         </p:txBody>
       </p:sp>
+      <p:sp>
+        <p:nvSpPr>
+          <p:cNvPr id="4" name="Date Placeholder 3"/>
+          <p:cNvSpPr>
+            <a:spLocks noGrp="1"/>
+          </p:cNvSpPr>
+          <p:nvPr>
+            <p:ph type="dt" sz="half" idx="10"/>
+          </p:nvPr>
+        </p:nvSpPr>
+        <p:spPr/>
+        <p:txBody>
+          <a:bodyPr/>
+          <a:lstStyle/>
+          <a:p>
+            <a:r>
+              <a:rPr lang="en-US" smtClean="0"/>
+              <a:t>5/6/2019</a:t>
+            </a:r>
+            <a:endParaRPr lang="en-US" dirty="0"/>
+          </a:p>
+        </p:txBody>
+      </p:sp>
+      <p:sp>
+        <p:nvSpPr>
+          <p:cNvPr id="12" name="Slide Number Placeholder 11"/>
+          <p:cNvSpPr>
+            <a:spLocks noGrp="1"/>
+          </p:cNvSpPr>
+          <p:nvPr>
+            <p:ph type="sldNum" sz="quarter" idx="12"/>
+          </p:nvPr>
+        </p:nvSpPr>
+        <p:spPr/>
+        <p:txBody>
+          <a:bodyPr/>
+          <a:lstStyle/>
+          <a:p>
+            <a:fld id="{6D22F896-40B5-4ADD-8801-0D06FADFA095}" type="slidenum">
+              <a:rPr lang="en-US" smtClean="0"/>
+              <a:t>27</a:t>
+            </a:fld>
+            <a:endParaRPr lang="en-US" dirty="0"/>
+          </a:p>
+        </p:txBody>
+      </p:sp>
     </p:spTree>
     <p:extLst>
       <p:ext uri="{BB962C8B-B14F-4D97-AF65-F5344CB8AC3E}">
@@ -21492,6 +22851,52 @@
           </a:p>
         </p:txBody>
       </p:sp>
+      <p:sp>
+        <p:nvSpPr>
+          <p:cNvPr id="2" name="Date Placeholder 1"/>
+          <p:cNvSpPr>
+            <a:spLocks noGrp="1"/>
+          </p:cNvSpPr>
+          <p:nvPr>
+            <p:ph type="dt" sz="half" idx="10"/>
+          </p:nvPr>
+        </p:nvSpPr>
+        <p:spPr/>
+        <p:txBody>
+          <a:bodyPr/>
+          <a:lstStyle/>
+          <a:p>
+            <a:r>
+              <a:rPr lang="en-US" smtClean="0"/>
+              <a:t>5/6/2019</a:t>
+            </a:r>
+            <a:endParaRPr lang="en-US" dirty="0"/>
+          </a:p>
+        </p:txBody>
+      </p:sp>
+      <p:sp>
+        <p:nvSpPr>
+          <p:cNvPr id="3" name="Slide Number Placeholder 2"/>
+          <p:cNvSpPr>
+            <a:spLocks noGrp="1"/>
+          </p:cNvSpPr>
+          <p:nvPr>
+            <p:ph type="sldNum" sz="quarter" idx="12"/>
+          </p:nvPr>
+        </p:nvSpPr>
+        <p:spPr/>
+        <p:txBody>
+          <a:bodyPr/>
+          <a:lstStyle/>
+          <a:p>
+            <a:fld id="{6D22F896-40B5-4ADD-8801-0D06FADFA095}" type="slidenum">
+              <a:rPr lang="en-US" smtClean="0"/>
+              <a:t>28</a:t>
+            </a:fld>
+            <a:endParaRPr lang="en-US" dirty="0"/>
+          </a:p>
+        </p:txBody>
+      </p:sp>
     </p:spTree>
     <p:extLst>
       <p:ext uri="{BB962C8B-B14F-4D97-AF65-F5344CB8AC3E}">
@@ -21922,6 +23327,52 @@
           </a:p>
         </p:txBody>
       </p:sp>
+      <p:sp>
+        <p:nvSpPr>
+          <p:cNvPr id="3" name="Date Placeholder 2"/>
+          <p:cNvSpPr>
+            <a:spLocks noGrp="1"/>
+          </p:cNvSpPr>
+          <p:nvPr>
+            <p:ph type="dt" sz="half" idx="10"/>
+          </p:nvPr>
+        </p:nvSpPr>
+        <p:spPr/>
+        <p:txBody>
+          <a:bodyPr/>
+          <a:lstStyle/>
+          <a:p>
+            <a:r>
+              <a:rPr lang="en-US" smtClean="0"/>
+              <a:t>5/6/2019</a:t>
+            </a:r>
+            <a:endParaRPr lang="en-US" dirty="0"/>
+          </a:p>
+        </p:txBody>
+      </p:sp>
+      <p:sp>
+        <p:nvSpPr>
+          <p:cNvPr id="4" name="Slide Number Placeholder 3"/>
+          <p:cNvSpPr>
+            <a:spLocks noGrp="1"/>
+          </p:cNvSpPr>
+          <p:nvPr>
+            <p:ph type="sldNum" sz="quarter" idx="12"/>
+          </p:nvPr>
+        </p:nvSpPr>
+        <p:spPr/>
+        <p:txBody>
+          <a:bodyPr/>
+          <a:lstStyle/>
+          <a:p>
+            <a:fld id="{6D22F896-40B5-4ADD-8801-0D06FADFA095}" type="slidenum">
+              <a:rPr lang="en-US" smtClean="0"/>
+              <a:t>29</a:t>
+            </a:fld>
+            <a:endParaRPr lang="en-US" dirty="0"/>
+          </a:p>
+        </p:txBody>
+      </p:sp>
     </p:spTree>
     <p:extLst>
       <p:ext uri="{BB962C8B-B14F-4D97-AF65-F5344CB8AC3E}">
@@ -22061,6 +23512,52 @@
           </a:p>
         </p:txBody>
       </p:sp>
+      <p:sp>
+        <p:nvSpPr>
+          <p:cNvPr id="4" name="Date Placeholder 3"/>
+          <p:cNvSpPr>
+            <a:spLocks noGrp="1"/>
+          </p:cNvSpPr>
+          <p:nvPr>
+            <p:ph type="dt" sz="half" idx="10"/>
+          </p:nvPr>
+        </p:nvSpPr>
+        <p:spPr/>
+        <p:txBody>
+          <a:bodyPr/>
+          <a:lstStyle/>
+          <a:p>
+            <a:r>
+              <a:rPr lang="en-US" smtClean="0"/>
+              <a:t>5/6/2019</a:t>
+            </a:r>
+            <a:endParaRPr lang="en-US" dirty="0"/>
+          </a:p>
+        </p:txBody>
+      </p:sp>
+      <p:sp>
+        <p:nvSpPr>
+          <p:cNvPr id="5" name="Slide Number Placeholder 4"/>
+          <p:cNvSpPr>
+            <a:spLocks noGrp="1"/>
+          </p:cNvSpPr>
+          <p:nvPr>
+            <p:ph type="sldNum" sz="quarter" idx="12"/>
+          </p:nvPr>
+        </p:nvSpPr>
+        <p:spPr/>
+        <p:txBody>
+          <a:bodyPr/>
+          <a:lstStyle/>
+          <a:p>
+            <a:fld id="{6D22F896-40B5-4ADD-8801-0D06FADFA095}" type="slidenum">
+              <a:rPr lang="en-US" smtClean="0"/>
+              <a:t>3</a:t>
+            </a:fld>
+            <a:endParaRPr lang="en-US" dirty="0"/>
+          </a:p>
+        </p:txBody>
+      </p:sp>
     </p:spTree>
     <p:extLst>
       <p:ext uri="{BB962C8B-B14F-4D97-AF65-F5344CB8AC3E}">
@@ -22375,6 +23872,52 @@
           </a:fontRef>
         </p:style>
       </p:cxnSp>
+      <p:sp>
+        <p:nvSpPr>
+          <p:cNvPr id="4" name="Date Placeholder 3"/>
+          <p:cNvSpPr>
+            <a:spLocks noGrp="1"/>
+          </p:cNvSpPr>
+          <p:nvPr>
+            <p:ph type="dt" sz="half" idx="10"/>
+          </p:nvPr>
+        </p:nvSpPr>
+        <p:spPr/>
+        <p:txBody>
+          <a:bodyPr/>
+          <a:lstStyle/>
+          <a:p>
+            <a:r>
+              <a:rPr lang="en-US" smtClean="0"/>
+              <a:t>5/6/2019</a:t>
+            </a:r>
+            <a:endParaRPr lang="en-US" dirty="0"/>
+          </a:p>
+        </p:txBody>
+      </p:sp>
+      <p:sp>
+        <p:nvSpPr>
+          <p:cNvPr id="5" name="Slide Number Placeholder 4"/>
+          <p:cNvSpPr>
+            <a:spLocks noGrp="1"/>
+          </p:cNvSpPr>
+          <p:nvPr>
+            <p:ph type="sldNum" sz="quarter" idx="12"/>
+          </p:nvPr>
+        </p:nvSpPr>
+        <p:spPr/>
+        <p:txBody>
+          <a:bodyPr/>
+          <a:lstStyle/>
+          <a:p>
+            <a:fld id="{6D22F896-40B5-4ADD-8801-0D06FADFA095}" type="slidenum">
+              <a:rPr lang="en-US" smtClean="0"/>
+              <a:t>30</a:t>
+            </a:fld>
+            <a:endParaRPr lang="en-US" dirty="0"/>
+          </a:p>
+        </p:txBody>
+      </p:sp>
     </p:spTree>
     <p:extLst>
       <p:ext uri="{BB962C8B-B14F-4D97-AF65-F5344CB8AC3E}">
@@ -22612,6 +24155,52 @@
           </a:p>
         </p:txBody>
       </p:sp>
+      <p:sp>
+        <p:nvSpPr>
+          <p:cNvPr id="5" name="Date Placeholder 4"/>
+          <p:cNvSpPr>
+            <a:spLocks noGrp="1"/>
+          </p:cNvSpPr>
+          <p:nvPr>
+            <p:ph type="dt" sz="half" idx="10"/>
+          </p:nvPr>
+        </p:nvSpPr>
+        <p:spPr/>
+        <p:txBody>
+          <a:bodyPr/>
+          <a:lstStyle/>
+          <a:p>
+            <a:r>
+              <a:rPr lang="en-US" smtClean="0"/>
+              <a:t>5/6/2019</a:t>
+            </a:r>
+            <a:endParaRPr lang="en-US" dirty="0"/>
+          </a:p>
+        </p:txBody>
+      </p:sp>
+      <p:sp>
+        <p:nvSpPr>
+          <p:cNvPr id="6" name="Slide Number Placeholder 5"/>
+          <p:cNvSpPr>
+            <a:spLocks noGrp="1"/>
+          </p:cNvSpPr>
+          <p:nvPr>
+            <p:ph type="sldNum" sz="quarter" idx="12"/>
+          </p:nvPr>
+        </p:nvSpPr>
+        <p:spPr/>
+        <p:txBody>
+          <a:bodyPr/>
+          <a:lstStyle/>
+          <a:p>
+            <a:fld id="{6D22F896-40B5-4ADD-8801-0D06FADFA095}" type="slidenum">
+              <a:rPr lang="en-US" smtClean="0"/>
+              <a:t>31</a:t>
+            </a:fld>
+            <a:endParaRPr lang="en-US" dirty="0"/>
+          </a:p>
+        </p:txBody>
+      </p:sp>
     </p:spTree>
     <p:extLst>
       <p:ext uri="{BB962C8B-B14F-4D97-AF65-F5344CB8AC3E}">
@@ -22877,6 +24466,52 @@
           <a:p>
             <a:pPr algn="ctr"/>
             <a:endParaRPr lang="en-IN"/>
+          </a:p>
+        </p:txBody>
+      </p:sp>
+      <p:sp>
+        <p:nvSpPr>
+          <p:cNvPr id="4" name="Date Placeholder 3"/>
+          <p:cNvSpPr>
+            <a:spLocks noGrp="1"/>
+          </p:cNvSpPr>
+          <p:nvPr>
+            <p:ph type="dt" sz="half" idx="10"/>
+          </p:nvPr>
+        </p:nvSpPr>
+        <p:spPr/>
+        <p:txBody>
+          <a:bodyPr/>
+          <a:lstStyle/>
+          <a:p>
+            <a:r>
+              <a:rPr lang="en-US" smtClean="0"/>
+              <a:t>5/6/2019</a:t>
+            </a:r>
+            <a:endParaRPr lang="en-US" dirty="0"/>
+          </a:p>
+        </p:txBody>
+      </p:sp>
+      <p:sp>
+        <p:nvSpPr>
+          <p:cNvPr id="5" name="Slide Number Placeholder 4"/>
+          <p:cNvSpPr>
+            <a:spLocks noGrp="1"/>
+          </p:cNvSpPr>
+          <p:nvPr>
+            <p:ph type="sldNum" sz="quarter" idx="12"/>
+          </p:nvPr>
+        </p:nvSpPr>
+        <p:spPr/>
+        <p:txBody>
+          <a:bodyPr/>
+          <a:lstStyle/>
+          <a:p>
+            <a:fld id="{6D22F896-40B5-4ADD-8801-0D06FADFA095}" type="slidenum">
+              <a:rPr lang="en-US" smtClean="0"/>
+              <a:t>32</a:t>
+            </a:fld>
+            <a:endParaRPr lang="en-US" dirty="0"/>
           </a:p>
         </p:txBody>
       </p:sp>
@@ -23280,6 +24915,52 @@
           </a:p>
         </p:txBody>
       </p:sp>
+      <p:sp>
+        <p:nvSpPr>
+          <p:cNvPr id="4" name="Date Placeholder 3"/>
+          <p:cNvSpPr>
+            <a:spLocks noGrp="1"/>
+          </p:cNvSpPr>
+          <p:nvPr>
+            <p:ph type="dt" sz="half" idx="10"/>
+          </p:nvPr>
+        </p:nvSpPr>
+        <p:spPr/>
+        <p:txBody>
+          <a:bodyPr/>
+          <a:lstStyle/>
+          <a:p>
+            <a:r>
+              <a:rPr lang="en-US" smtClean="0"/>
+              <a:t>5/6/2019</a:t>
+            </a:r>
+            <a:endParaRPr lang="en-US" dirty="0"/>
+          </a:p>
+        </p:txBody>
+      </p:sp>
+      <p:sp>
+        <p:nvSpPr>
+          <p:cNvPr id="5" name="Slide Number Placeholder 4"/>
+          <p:cNvSpPr>
+            <a:spLocks noGrp="1"/>
+          </p:cNvSpPr>
+          <p:nvPr>
+            <p:ph type="sldNum" sz="quarter" idx="12"/>
+          </p:nvPr>
+        </p:nvSpPr>
+        <p:spPr/>
+        <p:txBody>
+          <a:bodyPr/>
+          <a:lstStyle/>
+          <a:p>
+            <a:fld id="{6D22F896-40B5-4ADD-8801-0D06FADFA095}" type="slidenum">
+              <a:rPr lang="en-US" smtClean="0"/>
+              <a:t>33</a:t>
+            </a:fld>
+            <a:endParaRPr lang="en-US" dirty="0"/>
+          </a:p>
+        </p:txBody>
+      </p:sp>
     </p:spTree>
     <p:extLst>
       <p:ext uri="{BB962C8B-B14F-4D97-AF65-F5344CB8AC3E}">
@@ -23696,6 +25377,52 @@
           </a:p>
         </p:txBody>
       </p:sp>
+      <p:sp>
+        <p:nvSpPr>
+          <p:cNvPr id="6" name="Date Placeholder 5"/>
+          <p:cNvSpPr>
+            <a:spLocks noGrp="1"/>
+          </p:cNvSpPr>
+          <p:nvPr>
+            <p:ph type="dt" sz="half" idx="10"/>
+          </p:nvPr>
+        </p:nvSpPr>
+        <p:spPr/>
+        <p:txBody>
+          <a:bodyPr/>
+          <a:lstStyle/>
+          <a:p>
+            <a:r>
+              <a:rPr lang="en-US" smtClean="0"/>
+              <a:t>5/6/2019</a:t>
+            </a:r>
+            <a:endParaRPr lang="en-US" dirty="0"/>
+          </a:p>
+        </p:txBody>
+      </p:sp>
+      <p:sp>
+        <p:nvSpPr>
+          <p:cNvPr id="7" name="Slide Number Placeholder 6"/>
+          <p:cNvSpPr>
+            <a:spLocks noGrp="1"/>
+          </p:cNvSpPr>
+          <p:nvPr>
+            <p:ph type="sldNum" sz="quarter" idx="12"/>
+          </p:nvPr>
+        </p:nvSpPr>
+        <p:spPr/>
+        <p:txBody>
+          <a:bodyPr/>
+          <a:lstStyle/>
+          <a:p>
+            <a:fld id="{6D22F896-40B5-4ADD-8801-0D06FADFA095}" type="slidenum">
+              <a:rPr lang="en-US" smtClean="0"/>
+              <a:t>34</a:t>
+            </a:fld>
+            <a:endParaRPr lang="en-US" dirty="0"/>
+          </a:p>
+        </p:txBody>
+      </p:sp>
     </p:spTree>
     <p:extLst>
       <p:ext uri="{BB962C8B-B14F-4D97-AF65-F5344CB8AC3E}">
@@ -23813,6 +25540,52 @@
           </a:p>
         </p:txBody>
       </p:sp>
+      <p:sp>
+        <p:nvSpPr>
+          <p:cNvPr id="2" name="Date Placeholder 1"/>
+          <p:cNvSpPr>
+            <a:spLocks noGrp="1"/>
+          </p:cNvSpPr>
+          <p:nvPr>
+            <p:ph type="dt" sz="half" idx="10"/>
+          </p:nvPr>
+        </p:nvSpPr>
+        <p:spPr/>
+        <p:txBody>
+          <a:bodyPr/>
+          <a:lstStyle/>
+          <a:p>
+            <a:r>
+              <a:rPr lang="en-US" smtClean="0"/>
+              <a:t>5/6/2019</a:t>
+            </a:r>
+            <a:endParaRPr lang="en-US" dirty="0"/>
+          </a:p>
+        </p:txBody>
+      </p:sp>
+      <p:sp>
+        <p:nvSpPr>
+          <p:cNvPr id="3" name="Slide Number Placeholder 2"/>
+          <p:cNvSpPr>
+            <a:spLocks noGrp="1"/>
+          </p:cNvSpPr>
+          <p:nvPr>
+            <p:ph type="sldNum" sz="quarter" idx="12"/>
+          </p:nvPr>
+        </p:nvSpPr>
+        <p:spPr/>
+        <p:txBody>
+          <a:bodyPr/>
+          <a:lstStyle/>
+          <a:p>
+            <a:fld id="{6D22F896-40B5-4ADD-8801-0D06FADFA095}" type="slidenum">
+              <a:rPr lang="en-US" smtClean="0"/>
+              <a:t>35</a:t>
+            </a:fld>
+            <a:endParaRPr lang="en-US" dirty="0"/>
+          </a:p>
+        </p:txBody>
+      </p:sp>
     </p:spTree>
     <p:extLst>
       <p:ext uri="{BB962C8B-B14F-4D97-AF65-F5344CB8AC3E}">
@@ -24001,6 +25774,52 @@
           </a:ln>
         </p:spPr>
       </p:pic>
+      <p:sp>
+        <p:nvSpPr>
+          <p:cNvPr id="4" name="Date Placeholder 3"/>
+          <p:cNvSpPr>
+            <a:spLocks noGrp="1"/>
+          </p:cNvSpPr>
+          <p:nvPr>
+            <p:ph type="dt" sz="half" idx="10"/>
+          </p:nvPr>
+        </p:nvSpPr>
+        <p:spPr/>
+        <p:txBody>
+          <a:bodyPr/>
+          <a:lstStyle/>
+          <a:p>
+            <a:r>
+              <a:rPr lang="en-US" smtClean="0"/>
+              <a:t>5/6/2019</a:t>
+            </a:r>
+            <a:endParaRPr lang="en-US" dirty="0"/>
+          </a:p>
+        </p:txBody>
+      </p:sp>
+      <p:sp>
+        <p:nvSpPr>
+          <p:cNvPr id="5" name="Slide Number Placeholder 4"/>
+          <p:cNvSpPr>
+            <a:spLocks noGrp="1"/>
+          </p:cNvSpPr>
+          <p:nvPr>
+            <p:ph type="sldNum" sz="quarter" idx="12"/>
+          </p:nvPr>
+        </p:nvSpPr>
+        <p:spPr/>
+        <p:txBody>
+          <a:bodyPr/>
+          <a:lstStyle/>
+          <a:p>
+            <a:fld id="{6D22F896-40B5-4ADD-8801-0D06FADFA095}" type="slidenum">
+              <a:rPr lang="en-US" smtClean="0"/>
+              <a:t>36</a:t>
+            </a:fld>
+            <a:endParaRPr lang="en-US" dirty="0"/>
+          </a:p>
+        </p:txBody>
+      </p:sp>
     </p:spTree>
     <p:extLst>
       <p:ext uri="{BB962C8B-B14F-4D97-AF65-F5344CB8AC3E}">
@@ -24144,6 +25963,52 @@
           </a:p>
         </p:txBody>
       </p:sp>
+      <p:sp>
+        <p:nvSpPr>
+          <p:cNvPr id="2" name="Date Placeholder 1"/>
+          <p:cNvSpPr>
+            <a:spLocks noGrp="1"/>
+          </p:cNvSpPr>
+          <p:nvPr>
+            <p:ph type="dt" sz="half" idx="10"/>
+          </p:nvPr>
+        </p:nvSpPr>
+        <p:spPr/>
+        <p:txBody>
+          <a:bodyPr/>
+          <a:lstStyle/>
+          <a:p>
+            <a:r>
+              <a:rPr lang="en-US" smtClean="0"/>
+              <a:t>5/6/2019</a:t>
+            </a:r>
+            <a:endParaRPr lang="en-US" dirty="0"/>
+          </a:p>
+        </p:txBody>
+      </p:sp>
+      <p:sp>
+        <p:nvSpPr>
+          <p:cNvPr id="3" name="Slide Number Placeholder 2"/>
+          <p:cNvSpPr>
+            <a:spLocks noGrp="1"/>
+          </p:cNvSpPr>
+          <p:nvPr>
+            <p:ph type="sldNum" sz="quarter" idx="12"/>
+          </p:nvPr>
+        </p:nvSpPr>
+        <p:spPr/>
+        <p:txBody>
+          <a:bodyPr/>
+          <a:lstStyle/>
+          <a:p>
+            <a:fld id="{6D22F896-40B5-4ADD-8801-0D06FADFA095}" type="slidenum">
+              <a:rPr lang="en-US" smtClean="0"/>
+              <a:t>37</a:t>
+            </a:fld>
+            <a:endParaRPr lang="en-US" dirty="0"/>
+          </a:p>
+        </p:txBody>
+      </p:sp>
     </p:spTree>
     <p:extLst>
       <p:ext uri="{BB962C8B-B14F-4D97-AF65-F5344CB8AC3E}">
@@ -24319,6 +26184,52 @@
           </a:p>
         </p:txBody>
       </p:sp>
+      <p:sp>
+        <p:nvSpPr>
+          <p:cNvPr id="4" name="Date Placeholder 3"/>
+          <p:cNvSpPr>
+            <a:spLocks noGrp="1"/>
+          </p:cNvSpPr>
+          <p:nvPr>
+            <p:ph type="dt" sz="half" idx="10"/>
+          </p:nvPr>
+        </p:nvSpPr>
+        <p:spPr/>
+        <p:txBody>
+          <a:bodyPr/>
+          <a:lstStyle/>
+          <a:p>
+            <a:r>
+              <a:rPr lang="en-US" smtClean="0"/>
+              <a:t>5/6/2019</a:t>
+            </a:r>
+            <a:endParaRPr lang="en-US" dirty="0"/>
+          </a:p>
+        </p:txBody>
+      </p:sp>
+      <p:sp>
+        <p:nvSpPr>
+          <p:cNvPr id="5" name="Slide Number Placeholder 4"/>
+          <p:cNvSpPr>
+            <a:spLocks noGrp="1"/>
+          </p:cNvSpPr>
+          <p:nvPr>
+            <p:ph type="sldNum" sz="quarter" idx="12"/>
+          </p:nvPr>
+        </p:nvSpPr>
+        <p:spPr/>
+        <p:txBody>
+          <a:bodyPr/>
+          <a:lstStyle/>
+          <a:p>
+            <a:fld id="{6D22F896-40B5-4ADD-8801-0D06FADFA095}" type="slidenum">
+              <a:rPr lang="en-US" smtClean="0"/>
+              <a:t>38</a:t>
+            </a:fld>
+            <a:endParaRPr lang="en-US" dirty="0"/>
+          </a:p>
+        </p:txBody>
+      </p:sp>
     </p:spTree>
     <p:extLst>
       <p:ext uri="{BB962C8B-B14F-4D97-AF65-F5344CB8AC3E}">
@@ -24673,6 +26584,52 @@
           </a:p>
         </p:txBody>
       </p:sp>
+      <p:sp>
+        <p:nvSpPr>
+          <p:cNvPr id="6" name="Date Placeholder 5"/>
+          <p:cNvSpPr>
+            <a:spLocks noGrp="1"/>
+          </p:cNvSpPr>
+          <p:nvPr>
+            <p:ph type="dt" sz="half" idx="10"/>
+          </p:nvPr>
+        </p:nvSpPr>
+        <p:spPr/>
+        <p:txBody>
+          <a:bodyPr/>
+          <a:lstStyle/>
+          <a:p>
+            <a:r>
+              <a:rPr lang="en-US" smtClean="0"/>
+              <a:t>5/6/2019</a:t>
+            </a:r>
+            <a:endParaRPr lang="en-US" dirty="0"/>
+          </a:p>
+        </p:txBody>
+      </p:sp>
+      <p:sp>
+        <p:nvSpPr>
+          <p:cNvPr id="7" name="Slide Number Placeholder 6"/>
+          <p:cNvSpPr>
+            <a:spLocks noGrp="1"/>
+          </p:cNvSpPr>
+          <p:nvPr>
+            <p:ph type="sldNum" sz="quarter" idx="12"/>
+          </p:nvPr>
+        </p:nvSpPr>
+        <p:spPr/>
+        <p:txBody>
+          <a:bodyPr/>
+          <a:lstStyle/>
+          <a:p>
+            <a:fld id="{6D22F896-40B5-4ADD-8801-0D06FADFA095}" type="slidenum">
+              <a:rPr lang="en-US" smtClean="0"/>
+              <a:t>39</a:t>
+            </a:fld>
+            <a:endParaRPr lang="en-US" dirty="0"/>
+          </a:p>
+        </p:txBody>
+      </p:sp>
     </p:spTree>
     <p:extLst>
       <p:ext uri="{BB962C8B-B14F-4D97-AF65-F5344CB8AC3E}">
@@ -24809,6 +26766,52 @@
           </a:p>
         </p:txBody>
       </p:sp>
+      <p:sp>
+        <p:nvSpPr>
+          <p:cNvPr id="4" name="Date Placeholder 3"/>
+          <p:cNvSpPr>
+            <a:spLocks noGrp="1"/>
+          </p:cNvSpPr>
+          <p:nvPr>
+            <p:ph type="dt" sz="half" idx="10"/>
+          </p:nvPr>
+        </p:nvSpPr>
+        <p:spPr/>
+        <p:txBody>
+          <a:bodyPr/>
+          <a:lstStyle/>
+          <a:p>
+            <a:r>
+              <a:rPr lang="en-US" smtClean="0"/>
+              <a:t>5/6/2019</a:t>
+            </a:r>
+            <a:endParaRPr lang="en-US" dirty="0"/>
+          </a:p>
+        </p:txBody>
+      </p:sp>
+      <p:sp>
+        <p:nvSpPr>
+          <p:cNvPr id="5" name="Slide Number Placeholder 4"/>
+          <p:cNvSpPr>
+            <a:spLocks noGrp="1"/>
+          </p:cNvSpPr>
+          <p:nvPr>
+            <p:ph type="sldNum" sz="quarter" idx="12"/>
+          </p:nvPr>
+        </p:nvSpPr>
+        <p:spPr/>
+        <p:txBody>
+          <a:bodyPr/>
+          <a:lstStyle/>
+          <a:p>
+            <a:fld id="{6D22F896-40B5-4ADD-8801-0D06FADFA095}" type="slidenum">
+              <a:rPr lang="en-US" smtClean="0"/>
+              <a:t>4</a:t>
+            </a:fld>
+            <a:endParaRPr lang="en-US" dirty="0"/>
+          </a:p>
+        </p:txBody>
+      </p:sp>
     </p:spTree>
     <p:extLst>
       <p:ext uri="{BB962C8B-B14F-4D97-AF65-F5344CB8AC3E}">
@@ -25134,6 +27137,52 @@
           </a:p>
         </p:txBody>
       </p:sp>
+      <p:sp>
+        <p:nvSpPr>
+          <p:cNvPr id="4" name="Date Placeholder 3"/>
+          <p:cNvSpPr>
+            <a:spLocks noGrp="1"/>
+          </p:cNvSpPr>
+          <p:nvPr>
+            <p:ph type="dt" sz="half" idx="10"/>
+          </p:nvPr>
+        </p:nvSpPr>
+        <p:spPr/>
+        <p:txBody>
+          <a:bodyPr/>
+          <a:lstStyle/>
+          <a:p>
+            <a:r>
+              <a:rPr lang="en-US" smtClean="0"/>
+              <a:t>5/6/2019</a:t>
+            </a:r>
+            <a:endParaRPr lang="en-US" dirty="0"/>
+          </a:p>
+        </p:txBody>
+      </p:sp>
+      <p:sp>
+        <p:nvSpPr>
+          <p:cNvPr id="5" name="Slide Number Placeholder 4"/>
+          <p:cNvSpPr>
+            <a:spLocks noGrp="1"/>
+          </p:cNvSpPr>
+          <p:nvPr>
+            <p:ph type="sldNum" sz="quarter" idx="12"/>
+          </p:nvPr>
+        </p:nvSpPr>
+        <p:spPr/>
+        <p:txBody>
+          <a:bodyPr/>
+          <a:lstStyle/>
+          <a:p>
+            <a:fld id="{6D22F896-40B5-4ADD-8801-0D06FADFA095}" type="slidenum">
+              <a:rPr lang="en-US" smtClean="0"/>
+              <a:t>40</a:t>
+            </a:fld>
+            <a:endParaRPr lang="en-US" dirty="0"/>
+          </a:p>
+        </p:txBody>
+      </p:sp>
     </p:spTree>
     <p:extLst>
       <p:ext uri="{BB962C8B-B14F-4D97-AF65-F5344CB8AC3E}">
@@ -25750,6 +27799,52 @@
           </a:fontRef>
         </p:style>
       </p:cxnSp>
+      <p:sp>
+        <p:nvSpPr>
+          <p:cNvPr id="6" name="Date Placeholder 5"/>
+          <p:cNvSpPr>
+            <a:spLocks noGrp="1"/>
+          </p:cNvSpPr>
+          <p:nvPr>
+            <p:ph type="dt" sz="half" idx="10"/>
+          </p:nvPr>
+        </p:nvSpPr>
+        <p:spPr/>
+        <p:txBody>
+          <a:bodyPr/>
+          <a:lstStyle/>
+          <a:p>
+            <a:r>
+              <a:rPr lang="en-US" smtClean="0"/>
+              <a:t>5/6/2019</a:t>
+            </a:r>
+            <a:endParaRPr lang="en-US" dirty="0"/>
+          </a:p>
+        </p:txBody>
+      </p:sp>
+      <p:sp>
+        <p:nvSpPr>
+          <p:cNvPr id="7" name="Slide Number Placeholder 6"/>
+          <p:cNvSpPr>
+            <a:spLocks noGrp="1"/>
+          </p:cNvSpPr>
+          <p:nvPr>
+            <p:ph type="sldNum" sz="quarter" idx="12"/>
+          </p:nvPr>
+        </p:nvSpPr>
+        <p:spPr/>
+        <p:txBody>
+          <a:bodyPr/>
+          <a:lstStyle/>
+          <a:p>
+            <a:fld id="{6D22F896-40B5-4ADD-8801-0D06FADFA095}" type="slidenum">
+              <a:rPr lang="en-US" smtClean="0"/>
+              <a:t>41</a:t>
+            </a:fld>
+            <a:endParaRPr lang="en-US" dirty="0"/>
+          </a:p>
+        </p:txBody>
+      </p:sp>
     </p:spTree>
     <p:extLst>
       <p:ext uri="{BB962C8B-B14F-4D97-AF65-F5344CB8AC3E}">
@@ -26291,6 +28386,52 @@
           </a:fontRef>
         </p:style>
       </p:cxnSp>
+      <p:sp>
+        <p:nvSpPr>
+          <p:cNvPr id="4" name="Date Placeholder 3"/>
+          <p:cNvSpPr>
+            <a:spLocks noGrp="1"/>
+          </p:cNvSpPr>
+          <p:nvPr>
+            <p:ph type="dt" sz="half" idx="10"/>
+          </p:nvPr>
+        </p:nvSpPr>
+        <p:spPr/>
+        <p:txBody>
+          <a:bodyPr/>
+          <a:lstStyle/>
+          <a:p>
+            <a:r>
+              <a:rPr lang="en-US" smtClean="0"/>
+              <a:t>5/6/2019</a:t>
+            </a:r>
+            <a:endParaRPr lang="en-US" dirty="0"/>
+          </a:p>
+        </p:txBody>
+      </p:sp>
+      <p:sp>
+        <p:nvSpPr>
+          <p:cNvPr id="5" name="Slide Number Placeholder 4"/>
+          <p:cNvSpPr>
+            <a:spLocks noGrp="1"/>
+          </p:cNvSpPr>
+          <p:nvPr>
+            <p:ph type="sldNum" sz="quarter" idx="12"/>
+          </p:nvPr>
+        </p:nvSpPr>
+        <p:spPr/>
+        <p:txBody>
+          <a:bodyPr/>
+          <a:lstStyle/>
+          <a:p>
+            <a:fld id="{6D22F896-40B5-4ADD-8801-0D06FADFA095}" type="slidenum">
+              <a:rPr lang="en-US" smtClean="0"/>
+              <a:t>42</a:t>
+            </a:fld>
+            <a:endParaRPr lang="en-US" dirty="0"/>
+          </a:p>
+        </p:txBody>
+      </p:sp>
     </p:spTree>
     <p:extLst>
       <p:ext uri="{BB962C8B-B14F-4D97-AF65-F5344CB8AC3E}">
@@ -26699,6 +28840,52 @@
           </a:fontRef>
         </p:style>
       </p:cxnSp>
+      <p:sp>
+        <p:nvSpPr>
+          <p:cNvPr id="7" name="Date Placeholder 6"/>
+          <p:cNvSpPr>
+            <a:spLocks noGrp="1"/>
+          </p:cNvSpPr>
+          <p:nvPr>
+            <p:ph type="dt" sz="half" idx="10"/>
+          </p:nvPr>
+        </p:nvSpPr>
+        <p:spPr/>
+        <p:txBody>
+          <a:bodyPr/>
+          <a:lstStyle/>
+          <a:p>
+            <a:r>
+              <a:rPr lang="en-US" smtClean="0"/>
+              <a:t>5/6/2019</a:t>
+            </a:r>
+            <a:endParaRPr lang="en-US" dirty="0"/>
+          </a:p>
+        </p:txBody>
+      </p:sp>
+      <p:sp>
+        <p:nvSpPr>
+          <p:cNvPr id="8" name="Slide Number Placeholder 7"/>
+          <p:cNvSpPr>
+            <a:spLocks noGrp="1"/>
+          </p:cNvSpPr>
+          <p:nvPr>
+            <p:ph type="sldNum" sz="quarter" idx="12"/>
+          </p:nvPr>
+        </p:nvSpPr>
+        <p:spPr/>
+        <p:txBody>
+          <a:bodyPr/>
+          <a:lstStyle/>
+          <a:p>
+            <a:fld id="{6D22F896-40B5-4ADD-8801-0D06FADFA095}" type="slidenum">
+              <a:rPr lang="en-US" smtClean="0"/>
+              <a:t>43</a:t>
+            </a:fld>
+            <a:endParaRPr lang="en-US" dirty="0"/>
+          </a:p>
+        </p:txBody>
+      </p:sp>
     </p:spTree>
     <p:extLst>
       <p:ext uri="{BB962C8B-B14F-4D97-AF65-F5344CB8AC3E}">
@@ -27114,6 +29301,52 @@
           </a:fontRef>
         </p:style>
       </p:cxnSp>
+      <p:sp>
+        <p:nvSpPr>
+          <p:cNvPr id="4" name="Date Placeholder 3"/>
+          <p:cNvSpPr>
+            <a:spLocks noGrp="1"/>
+          </p:cNvSpPr>
+          <p:nvPr>
+            <p:ph type="dt" sz="half" idx="10"/>
+          </p:nvPr>
+        </p:nvSpPr>
+        <p:spPr/>
+        <p:txBody>
+          <a:bodyPr/>
+          <a:lstStyle/>
+          <a:p>
+            <a:r>
+              <a:rPr lang="en-US" smtClean="0"/>
+              <a:t>5/6/2019</a:t>
+            </a:r>
+            <a:endParaRPr lang="en-US" dirty="0"/>
+          </a:p>
+        </p:txBody>
+      </p:sp>
+      <p:sp>
+        <p:nvSpPr>
+          <p:cNvPr id="5" name="Slide Number Placeholder 4"/>
+          <p:cNvSpPr>
+            <a:spLocks noGrp="1"/>
+          </p:cNvSpPr>
+          <p:nvPr>
+            <p:ph type="sldNum" sz="quarter" idx="12"/>
+          </p:nvPr>
+        </p:nvSpPr>
+        <p:spPr/>
+        <p:txBody>
+          <a:bodyPr/>
+          <a:lstStyle/>
+          <a:p>
+            <a:fld id="{6D22F896-40B5-4ADD-8801-0D06FADFA095}" type="slidenum">
+              <a:rPr lang="en-US" smtClean="0"/>
+              <a:t>44</a:t>
+            </a:fld>
+            <a:endParaRPr lang="en-US" dirty="0"/>
+          </a:p>
+        </p:txBody>
+      </p:sp>
     </p:spTree>
     <p:extLst>
       <p:ext uri="{BB962C8B-B14F-4D97-AF65-F5344CB8AC3E}">
@@ -27443,6 +29676,52 @@
           </a:fontRef>
         </p:style>
       </p:cxnSp>
+      <p:sp>
+        <p:nvSpPr>
+          <p:cNvPr id="5" name="Date Placeholder 4"/>
+          <p:cNvSpPr>
+            <a:spLocks noGrp="1"/>
+          </p:cNvSpPr>
+          <p:nvPr>
+            <p:ph type="dt" sz="half" idx="10"/>
+          </p:nvPr>
+        </p:nvSpPr>
+        <p:spPr/>
+        <p:txBody>
+          <a:bodyPr/>
+          <a:lstStyle/>
+          <a:p>
+            <a:r>
+              <a:rPr lang="en-US" smtClean="0"/>
+              <a:t>5/6/2019</a:t>
+            </a:r>
+            <a:endParaRPr lang="en-US" dirty="0"/>
+          </a:p>
+        </p:txBody>
+      </p:sp>
+      <p:sp>
+        <p:nvSpPr>
+          <p:cNvPr id="7" name="Slide Number Placeholder 6"/>
+          <p:cNvSpPr>
+            <a:spLocks noGrp="1"/>
+          </p:cNvSpPr>
+          <p:nvPr>
+            <p:ph type="sldNum" sz="quarter" idx="12"/>
+          </p:nvPr>
+        </p:nvSpPr>
+        <p:spPr/>
+        <p:txBody>
+          <a:bodyPr/>
+          <a:lstStyle/>
+          <a:p>
+            <a:fld id="{6D22F896-40B5-4ADD-8801-0D06FADFA095}" type="slidenum">
+              <a:rPr lang="en-US" smtClean="0"/>
+              <a:t>45</a:t>
+            </a:fld>
+            <a:endParaRPr lang="en-US" dirty="0"/>
+          </a:p>
+        </p:txBody>
+      </p:sp>
     </p:spTree>
     <p:extLst>
       <p:ext uri="{BB962C8B-B14F-4D97-AF65-F5344CB8AC3E}">
@@ -27586,6 +29865,285 @@
           </a:p>
         </p:txBody>
       </p:sp>
+      <p:sp>
+        <p:nvSpPr>
+          <p:cNvPr id="2" name="Rectangle 1"/>
+          <p:cNvSpPr/>
+          <p:nvPr/>
+        </p:nvSpPr>
+        <p:spPr>
+          <a:xfrm>
+            <a:off x="2675965" y="4881282"/>
+            <a:ext cx="2164976" cy="1237130"/>
+          </a:xfrm>
+          <a:prstGeom prst="rect">
+            <a:avLst/>
+          </a:prstGeom>
+          <a:ln>
+            <a:noFill/>
+          </a:ln>
+        </p:spPr>
+        <p:style>
+          <a:lnRef idx="2">
+            <a:schemeClr val="accent1">
+              <a:shade val="50000"/>
+            </a:schemeClr>
+          </a:lnRef>
+          <a:fillRef idx="1">
+            <a:schemeClr val="accent1"/>
+          </a:fillRef>
+          <a:effectRef idx="0">
+            <a:schemeClr val="accent1"/>
+          </a:effectRef>
+          <a:fontRef idx="minor">
+            <a:schemeClr val="lt1"/>
+          </a:fontRef>
+        </p:style>
+        <p:txBody>
+          <a:bodyPr rtlCol="0" anchor="ctr"/>
+          <a:lstStyle/>
+          <a:p>
+            <a:pPr algn="ctr"/>
+            <a:r>
+              <a:rPr lang="en-IN" sz="2400" b="1" dirty="0" smtClean="0"/>
+              <a:t>Template</a:t>
+            </a:r>
+            <a:endParaRPr lang="en-IN" b="1" dirty="0"/>
+          </a:p>
+        </p:txBody>
+      </p:sp>
+      <p:sp>
+        <p:nvSpPr>
+          <p:cNvPr id="7" name="Rectangle 6"/>
+          <p:cNvSpPr/>
+          <p:nvPr/>
+        </p:nvSpPr>
+        <p:spPr>
+          <a:xfrm>
+            <a:off x="6207829" y="4881282"/>
+            <a:ext cx="2164976" cy="1237130"/>
+          </a:xfrm>
+          <a:prstGeom prst="rect">
+            <a:avLst/>
+          </a:prstGeom>
+          <a:solidFill>
+            <a:srgbClr val="00B0F0"/>
+          </a:solidFill>
+          <a:ln>
+            <a:noFill/>
+          </a:ln>
+        </p:spPr>
+        <p:style>
+          <a:lnRef idx="2">
+            <a:schemeClr val="accent1">
+              <a:shade val="50000"/>
+            </a:schemeClr>
+          </a:lnRef>
+          <a:fillRef idx="1">
+            <a:schemeClr val="accent1"/>
+          </a:fillRef>
+          <a:effectRef idx="0">
+            <a:schemeClr val="accent1"/>
+          </a:effectRef>
+          <a:fontRef idx="minor">
+            <a:schemeClr val="lt1"/>
+          </a:fontRef>
+        </p:style>
+        <p:txBody>
+          <a:bodyPr rtlCol="0" anchor="ctr"/>
+          <a:lstStyle/>
+          <a:p>
+            <a:pPr algn="ctr"/>
+            <a:r>
+              <a:rPr lang="en-IN" sz="2400" b="1" dirty="0" smtClean="0"/>
+              <a:t>Class</a:t>
+            </a:r>
+            <a:endParaRPr lang="en-IN" b="1" dirty="0"/>
+          </a:p>
+        </p:txBody>
+      </p:sp>
+      <p:cxnSp>
+        <p:nvCxnSpPr>
+          <p:cNvPr id="8" name="Straight Connector 7"/>
+          <p:cNvCxnSpPr>
+            <a:stCxn id="2" idx="3"/>
+            <a:endCxn id="7" idx="1"/>
+          </p:cNvCxnSpPr>
+          <p:nvPr/>
+        </p:nvCxnSpPr>
+        <p:spPr>
+          <a:xfrm>
+            <a:off x="4840941" y="5499847"/>
+            <a:ext cx="1366888" cy="0"/>
+          </a:xfrm>
+          <a:prstGeom prst="line">
+            <a:avLst/>
+          </a:prstGeom>
+          <a:ln>
+            <a:solidFill>
+              <a:schemeClr val="tx1"/>
+            </a:solidFill>
+          </a:ln>
+        </p:spPr>
+        <p:style>
+          <a:lnRef idx="1">
+            <a:schemeClr val="accent1"/>
+          </a:lnRef>
+          <a:fillRef idx="0">
+            <a:schemeClr val="accent1"/>
+          </a:fillRef>
+          <a:effectRef idx="0">
+            <a:schemeClr val="accent1"/>
+          </a:effectRef>
+          <a:fontRef idx="minor">
+            <a:schemeClr val="tx1"/>
+          </a:fontRef>
+        </p:style>
+      </p:cxnSp>
+      <p:sp>
+        <p:nvSpPr>
+          <p:cNvPr id="9" name="TextBox 8"/>
+          <p:cNvSpPr txBox="1"/>
+          <p:nvPr/>
+        </p:nvSpPr>
+        <p:spPr>
+          <a:xfrm>
+            <a:off x="4946342" y="5499847"/>
+            <a:ext cx="1156086" cy="276999"/>
+          </a:xfrm>
+          <a:prstGeom prst="rect">
+            <a:avLst/>
+          </a:prstGeom>
+          <a:noFill/>
+        </p:spPr>
+        <p:txBody>
+          <a:bodyPr wrap="none" rtlCol="0">
+            <a:spAutoFit/>
+          </a:bodyPr>
+          <a:lstStyle/>
+          <a:p>
+            <a:r>
+              <a:rPr lang="en-IN" sz="1200" dirty="0" smtClean="0"/>
+              <a:t>Class Binding</a:t>
+            </a:r>
+            <a:endParaRPr lang="en-IN" sz="1200" dirty="0"/>
+          </a:p>
+        </p:txBody>
+      </p:sp>
+      <p:cxnSp>
+        <p:nvCxnSpPr>
+          <p:cNvPr id="11" name="Elbow Connector 10"/>
+          <p:cNvCxnSpPr>
+            <a:stCxn id="7" idx="2"/>
+            <a:endCxn id="2" idx="2"/>
+          </p:cNvCxnSpPr>
+          <p:nvPr/>
+        </p:nvCxnSpPr>
+        <p:spPr>
+          <a:xfrm rot="5400000">
+            <a:off x="5524385" y="4352480"/>
+            <a:ext cx="12700" cy="3531864"/>
+          </a:xfrm>
+          <a:prstGeom prst="bentConnector3">
+            <a:avLst>
+              <a:gd name="adj1" fmla="val 3600000"/>
+            </a:avLst>
+          </a:prstGeom>
+          <a:ln w="28575">
+            <a:tailEnd type="triangle"/>
+          </a:ln>
+        </p:spPr>
+        <p:style>
+          <a:lnRef idx="1">
+            <a:schemeClr val="accent1"/>
+          </a:lnRef>
+          <a:fillRef idx="0">
+            <a:schemeClr val="accent1"/>
+          </a:fillRef>
+          <a:effectRef idx="0">
+            <a:schemeClr val="accent1"/>
+          </a:effectRef>
+          <a:fontRef idx="minor">
+            <a:schemeClr val="tx1"/>
+          </a:fontRef>
+        </p:style>
+      </p:cxnSp>
+      <p:sp>
+        <p:nvSpPr>
+          <p:cNvPr id="13" name="TextBox 12"/>
+          <p:cNvSpPr txBox="1"/>
+          <p:nvPr/>
+        </p:nvSpPr>
+        <p:spPr>
+          <a:xfrm>
+            <a:off x="4941474" y="6321479"/>
+            <a:ext cx="1154483" cy="276999"/>
+          </a:xfrm>
+          <a:prstGeom prst="rect">
+            <a:avLst/>
+          </a:prstGeom>
+          <a:noFill/>
+        </p:spPr>
+        <p:txBody>
+          <a:bodyPr wrap="none" rtlCol="0">
+            <a:spAutoFit/>
+          </a:bodyPr>
+          <a:lstStyle/>
+          <a:p>
+            <a:r>
+              <a:rPr lang="en-IN" sz="1200" dirty="0" smtClean="0"/>
+              <a:t>Data Binding</a:t>
+            </a:r>
+            <a:endParaRPr lang="en-IN" sz="1200" dirty="0"/>
+          </a:p>
+        </p:txBody>
+      </p:sp>
+      <p:sp>
+        <p:nvSpPr>
+          <p:cNvPr id="14" name="Date Placeholder 13"/>
+          <p:cNvSpPr>
+            <a:spLocks noGrp="1"/>
+          </p:cNvSpPr>
+          <p:nvPr>
+            <p:ph type="dt" sz="half" idx="10"/>
+          </p:nvPr>
+        </p:nvSpPr>
+        <p:spPr/>
+        <p:txBody>
+          <a:bodyPr/>
+          <a:lstStyle/>
+          <a:p>
+            <a:r>
+              <a:rPr lang="en-US" smtClean="0"/>
+              <a:t>5/6/2019</a:t>
+            </a:r>
+            <a:endParaRPr lang="en-US" dirty="0"/>
+          </a:p>
+        </p:txBody>
+      </p:sp>
+      <p:sp>
+        <p:nvSpPr>
+          <p:cNvPr id="15" name="Slide Number Placeholder 14"/>
+          <p:cNvSpPr>
+            <a:spLocks noGrp="1"/>
+          </p:cNvSpPr>
+          <p:nvPr>
+            <p:ph type="sldNum" sz="quarter" idx="12"/>
+          </p:nvPr>
+        </p:nvSpPr>
+        <p:spPr/>
+        <p:txBody>
+          <a:bodyPr/>
+          <a:lstStyle/>
+          <a:p>
+            <a:fld id="{6D22F896-40B5-4ADD-8801-0D06FADFA095}" type="slidenum">
+              <a:rPr lang="en-US" smtClean="0"/>
+              <a:t>46</a:t>
+            </a:fld>
+            <a:endParaRPr lang="en-US" dirty="0"/>
+          </a:p>
+        </p:txBody>
+      </p:sp>
     </p:spTree>
     <p:extLst>
       <p:ext uri="{BB962C8B-B14F-4D97-AF65-F5344CB8AC3E}">
@@ -27865,6 +30423,52 @@
           </a:p>
         </p:txBody>
       </p:sp>
+      <p:sp>
+        <p:nvSpPr>
+          <p:cNvPr id="3" name="Date Placeholder 2"/>
+          <p:cNvSpPr>
+            <a:spLocks noGrp="1"/>
+          </p:cNvSpPr>
+          <p:nvPr>
+            <p:ph type="dt" sz="half" idx="10"/>
+          </p:nvPr>
+        </p:nvSpPr>
+        <p:spPr/>
+        <p:txBody>
+          <a:bodyPr/>
+          <a:lstStyle/>
+          <a:p>
+            <a:r>
+              <a:rPr lang="en-US" smtClean="0"/>
+              <a:t>5/6/2019</a:t>
+            </a:r>
+            <a:endParaRPr lang="en-US" dirty="0"/>
+          </a:p>
+        </p:txBody>
+      </p:sp>
+      <p:sp>
+        <p:nvSpPr>
+          <p:cNvPr id="4" name="Slide Number Placeholder 3"/>
+          <p:cNvSpPr>
+            <a:spLocks noGrp="1"/>
+          </p:cNvSpPr>
+          <p:nvPr>
+            <p:ph type="sldNum" sz="quarter" idx="12"/>
+          </p:nvPr>
+        </p:nvSpPr>
+        <p:spPr/>
+        <p:txBody>
+          <a:bodyPr/>
+          <a:lstStyle/>
+          <a:p>
+            <a:fld id="{6D22F896-40B5-4ADD-8801-0D06FADFA095}" type="slidenum">
+              <a:rPr lang="en-US" smtClean="0"/>
+              <a:t>47</a:t>
+            </a:fld>
+            <a:endParaRPr lang="en-US" dirty="0"/>
+          </a:p>
+        </p:txBody>
+      </p:sp>
     </p:spTree>
     <p:extLst>
       <p:ext uri="{BB962C8B-B14F-4D97-AF65-F5344CB8AC3E}">
@@ -28276,6 +30880,52 @@
           </a:fontRef>
         </p:style>
       </p:cxnSp>
+      <p:sp>
+        <p:nvSpPr>
+          <p:cNvPr id="36" name="Date Placeholder 35"/>
+          <p:cNvSpPr>
+            <a:spLocks noGrp="1"/>
+          </p:cNvSpPr>
+          <p:nvPr>
+            <p:ph type="dt" sz="half" idx="10"/>
+          </p:nvPr>
+        </p:nvSpPr>
+        <p:spPr/>
+        <p:txBody>
+          <a:bodyPr/>
+          <a:lstStyle/>
+          <a:p>
+            <a:r>
+              <a:rPr lang="en-US" smtClean="0"/>
+              <a:t>5/6/2019</a:t>
+            </a:r>
+            <a:endParaRPr lang="en-US" dirty="0"/>
+          </a:p>
+        </p:txBody>
+      </p:sp>
+      <p:sp>
+        <p:nvSpPr>
+          <p:cNvPr id="37" name="Slide Number Placeholder 36"/>
+          <p:cNvSpPr>
+            <a:spLocks noGrp="1"/>
+          </p:cNvSpPr>
+          <p:nvPr>
+            <p:ph type="sldNum" sz="quarter" idx="12"/>
+          </p:nvPr>
+        </p:nvSpPr>
+        <p:spPr/>
+        <p:txBody>
+          <a:bodyPr/>
+          <a:lstStyle/>
+          <a:p>
+            <a:fld id="{6D22F896-40B5-4ADD-8801-0D06FADFA095}" type="slidenum">
+              <a:rPr lang="en-US" smtClean="0"/>
+              <a:t>48</a:t>
+            </a:fld>
+            <a:endParaRPr lang="en-US" dirty="0"/>
+          </a:p>
+        </p:txBody>
+      </p:sp>
     </p:spTree>
     <p:extLst>
       <p:ext uri="{BB962C8B-B14F-4D97-AF65-F5344CB8AC3E}">
@@ -28802,6 +31452,52 @@
           </a:p>
         </p:txBody>
       </p:sp>
+      <p:sp>
+        <p:nvSpPr>
+          <p:cNvPr id="17" name="Date Placeholder 16"/>
+          <p:cNvSpPr>
+            <a:spLocks noGrp="1"/>
+          </p:cNvSpPr>
+          <p:nvPr>
+            <p:ph type="dt" sz="half" idx="10"/>
+          </p:nvPr>
+        </p:nvSpPr>
+        <p:spPr/>
+        <p:txBody>
+          <a:bodyPr/>
+          <a:lstStyle/>
+          <a:p>
+            <a:r>
+              <a:rPr lang="en-US" smtClean="0"/>
+              <a:t>5/6/2019</a:t>
+            </a:r>
+            <a:endParaRPr lang="en-US" dirty="0"/>
+          </a:p>
+        </p:txBody>
+      </p:sp>
+      <p:sp>
+        <p:nvSpPr>
+          <p:cNvPr id="18" name="Slide Number Placeholder 17"/>
+          <p:cNvSpPr>
+            <a:spLocks noGrp="1"/>
+          </p:cNvSpPr>
+          <p:nvPr>
+            <p:ph type="sldNum" sz="quarter" idx="12"/>
+          </p:nvPr>
+        </p:nvSpPr>
+        <p:spPr/>
+        <p:txBody>
+          <a:bodyPr/>
+          <a:lstStyle/>
+          <a:p>
+            <a:fld id="{6D22F896-40B5-4ADD-8801-0D06FADFA095}" type="slidenum">
+              <a:rPr lang="en-US" smtClean="0"/>
+              <a:t>49</a:t>
+            </a:fld>
+            <a:endParaRPr lang="en-US" dirty="0"/>
+          </a:p>
+        </p:txBody>
+      </p:sp>
     </p:spTree>
     <p:extLst>
       <p:ext uri="{BB962C8B-B14F-4D97-AF65-F5344CB8AC3E}">
@@ -28919,10 +31615,2850 @@
           </a:p>
         </p:txBody>
       </p:sp>
+      <p:sp>
+        <p:nvSpPr>
+          <p:cNvPr id="4" name="Date Placeholder 3"/>
+          <p:cNvSpPr>
+            <a:spLocks noGrp="1"/>
+          </p:cNvSpPr>
+          <p:nvPr>
+            <p:ph type="dt" sz="half" idx="10"/>
+          </p:nvPr>
+        </p:nvSpPr>
+        <p:spPr/>
+        <p:txBody>
+          <a:bodyPr/>
+          <a:lstStyle/>
+          <a:p>
+            <a:r>
+              <a:rPr lang="en-US" smtClean="0"/>
+              <a:t>5/6/2019</a:t>
+            </a:r>
+            <a:endParaRPr lang="en-US" dirty="0"/>
+          </a:p>
+        </p:txBody>
+      </p:sp>
+      <p:sp>
+        <p:nvSpPr>
+          <p:cNvPr id="5" name="Slide Number Placeholder 4"/>
+          <p:cNvSpPr>
+            <a:spLocks noGrp="1"/>
+          </p:cNvSpPr>
+          <p:nvPr>
+            <p:ph type="sldNum" sz="quarter" idx="12"/>
+          </p:nvPr>
+        </p:nvSpPr>
+        <p:spPr/>
+        <p:txBody>
+          <a:bodyPr/>
+          <a:lstStyle/>
+          <a:p>
+            <a:fld id="{6D22F896-40B5-4ADD-8801-0D06FADFA095}" type="slidenum">
+              <a:rPr lang="en-US" smtClean="0"/>
+              <a:t>5</a:t>
+            </a:fld>
+            <a:endParaRPr lang="en-US" dirty="0"/>
+          </a:p>
+        </p:txBody>
+      </p:sp>
     </p:spTree>
     <p:extLst>
       <p:ext uri="{BB962C8B-B14F-4D97-AF65-F5344CB8AC3E}">
         <p14:creationId xmlns:p14="http://schemas.microsoft.com/office/powerpoint/2010/main" val="3826659267"/>
+      </p:ext>
+    </p:extLst>
+  </p:cSld>
+  <p:clrMapOvr>
+    <a:masterClrMapping/>
+  </p:clrMapOvr>
+  <p:timing>
+    <p:tnLst>
+      <p:par>
+        <p:cTn id="1" dur="indefinite" restart="never" nodeType="tmRoot"/>
+      </p:par>
+    </p:tnLst>
+  </p:timing>
+</p:sld>
+</file>
+
+<file path=ppt/slides/slide50.xml><?xml version="1.0" encoding="utf-8"?>
+<p:sld xmlns:a="http://schemas.openxmlformats.org/drawingml/2006/main" xmlns:r="http://schemas.openxmlformats.org/officeDocument/2006/relationships" xmlns:p="http://schemas.openxmlformats.org/presentationml/2006/main">
+  <p:cSld>
+    <p:spTree>
+      <p:nvGrpSpPr>
+        <p:cNvPr id="1" name=""/>
+        <p:cNvGrpSpPr/>
+        <p:nvPr/>
+      </p:nvGrpSpPr>
+      <p:grpSpPr>
+        <a:xfrm>
+          <a:off x="0" y="0"/>
+          <a:ext cx="0" cy="0"/>
+          <a:chOff x="0" y="0"/>
+          <a:chExt cx="0" cy="0"/>
+        </a:xfrm>
+      </p:grpSpPr>
+      <p:sp>
+        <p:nvSpPr>
+          <p:cNvPr id="4" name="Title 3"/>
+          <p:cNvSpPr>
+            <a:spLocks noGrp="1"/>
+          </p:cNvSpPr>
+          <p:nvPr>
+            <p:ph type="title"/>
+          </p:nvPr>
+        </p:nvSpPr>
+        <p:spPr>
+          <a:xfrm>
+            <a:off x="1024467" y="753035"/>
+            <a:ext cx="10146186" cy="705077"/>
+          </a:xfrm>
+        </p:spPr>
+        <p:txBody>
+          <a:bodyPr/>
+          <a:lstStyle/>
+          <a:p>
+            <a:r>
+              <a:rPr lang="en-IN" b="1" dirty="0" smtClean="0"/>
+              <a:t>Chapter </a:t>
+            </a:r>
+            <a:r>
+              <a:rPr lang="en-IN" b="1" dirty="0" smtClean="0"/>
+              <a:t>10 </a:t>
+            </a:r>
+            <a:r>
+              <a:rPr lang="en-IN" b="1" dirty="0" smtClean="0"/>
+              <a:t>: </a:t>
+            </a:r>
+            <a:r>
+              <a:rPr lang="en-IN" b="1" dirty="0" smtClean="0"/>
+              <a:t>Event Binding</a:t>
+            </a:r>
+            <a:endParaRPr lang="en-IN" b="1" dirty="0"/>
+          </a:p>
+        </p:txBody>
+      </p:sp>
+      <p:sp>
+        <p:nvSpPr>
+          <p:cNvPr id="5" name="Text Placeholder 4"/>
+          <p:cNvSpPr>
+            <a:spLocks noGrp="1"/>
+          </p:cNvSpPr>
+          <p:nvPr>
+            <p:ph type="body" idx="1"/>
+          </p:nvPr>
+        </p:nvSpPr>
+        <p:spPr>
+          <a:xfrm>
+            <a:off x="1025999" y="1888418"/>
+            <a:ext cx="10363660" cy="4525829"/>
+          </a:xfrm>
+        </p:spPr>
+        <p:txBody>
+          <a:bodyPr numCol="1">
+            <a:noAutofit/>
+          </a:bodyPr>
+          <a:lstStyle/>
+          <a:p>
+            <a:pPr marL="342900" indent="-342900">
+              <a:buFont typeface="Wingdings 3" charset="2"/>
+              <a:buAutoNum type="arabicPeriod"/>
+            </a:pPr>
+            <a:r>
+              <a:rPr lang="en-IN" sz="2400" dirty="0" smtClean="0"/>
+              <a:t>Data Binding Vs Event Binding</a:t>
+            </a:r>
+            <a:endParaRPr lang="en-IN" sz="2400" dirty="0" smtClean="0"/>
+          </a:p>
+          <a:p>
+            <a:pPr marL="342900" indent="-342900">
+              <a:buFont typeface="Wingdings 3" charset="2"/>
+              <a:buAutoNum type="arabicPeriod"/>
+            </a:pPr>
+            <a:r>
+              <a:rPr lang="en-IN" sz="2400" dirty="0"/>
+              <a:t>Event Binding : </a:t>
+            </a:r>
+            <a:r>
+              <a:rPr lang="en-IN" sz="2400" dirty="0" smtClean="0"/>
+              <a:t>Example</a:t>
+            </a:r>
+          </a:p>
+          <a:p>
+            <a:pPr marL="342900" indent="-342900">
+              <a:buFont typeface="Wingdings 3" charset="2"/>
+              <a:buAutoNum type="arabicPeriod"/>
+            </a:pPr>
+            <a:r>
+              <a:rPr lang="en-IN" sz="2400" dirty="0" smtClean="0"/>
+              <a:t>Pass event as a parameter</a:t>
+            </a:r>
+          </a:p>
+          <a:p>
+            <a:pPr marL="342900" indent="-342900">
+              <a:buFont typeface="Wingdings 3" charset="2"/>
+              <a:buAutoNum type="arabicPeriod"/>
+            </a:pPr>
+            <a:r>
+              <a:rPr lang="en-IN" sz="2400" dirty="0" smtClean="0"/>
+              <a:t>Inline Click Event</a:t>
+            </a:r>
+            <a:endParaRPr lang="en-IN" sz="2400" dirty="0"/>
+          </a:p>
+        </p:txBody>
+      </p:sp>
+      <p:sp>
+        <p:nvSpPr>
+          <p:cNvPr id="3" name="Date Placeholder 2"/>
+          <p:cNvSpPr>
+            <a:spLocks noGrp="1"/>
+          </p:cNvSpPr>
+          <p:nvPr>
+            <p:ph type="dt" sz="half" idx="10"/>
+          </p:nvPr>
+        </p:nvSpPr>
+        <p:spPr/>
+        <p:txBody>
+          <a:bodyPr/>
+          <a:lstStyle/>
+          <a:p>
+            <a:r>
+              <a:rPr lang="en-US" smtClean="0"/>
+              <a:t>5/6/2019</a:t>
+            </a:r>
+            <a:endParaRPr lang="en-US" dirty="0"/>
+          </a:p>
+        </p:txBody>
+      </p:sp>
+      <p:sp>
+        <p:nvSpPr>
+          <p:cNvPr id="6" name="Slide Number Placeholder 5"/>
+          <p:cNvSpPr>
+            <a:spLocks noGrp="1"/>
+          </p:cNvSpPr>
+          <p:nvPr>
+            <p:ph type="sldNum" sz="quarter" idx="12"/>
+          </p:nvPr>
+        </p:nvSpPr>
+        <p:spPr/>
+        <p:txBody>
+          <a:bodyPr/>
+          <a:lstStyle/>
+          <a:p>
+            <a:fld id="{6D22F896-40B5-4ADD-8801-0D06FADFA095}" type="slidenum">
+              <a:rPr lang="en-US" smtClean="0"/>
+              <a:t>50</a:t>
+            </a:fld>
+            <a:endParaRPr lang="en-US" dirty="0"/>
+          </a:p>
+        </p:txBody>
+      </p:sp>
+    </p:spTree>
+    <p:extLst>
+      <p:ext uri="{BB962C8B-B14F-4D97-AF65-F5344CB8AC3E}">
+        <p14:creationId xmlns:p14="http://schemas.microsoft.com/office/powerpoint/2010/main" val="1550391610"/>
+      </p:ext>
+    </p:extLst>
+  </p:cSld>
+  <p:clrMapOvr>
+    <a:masterClrMapping/>
+  </p:clrMapOvr>
+  <p:timing>
+    <p:tnLst>
+      <p:par>
+        <p:cTn id="1" dur="indefinite" restart="never" nodeType="tmRoot"/>
+      </p:par>
+    </p:tnLst>
+  </p:timing>
+</p:sld>
+</file>
+
+<file path=ppt/slides/slide51.xml><?xml version="1.0" encoding="utf-8"?>
+<p:sld xmlns:a="http://schemas.openxmlformats.org/drawingml/2006/main" xmlns:r="http://schemas.openxmlformats.org/officeDocument/2006/relationships" xmlns:p="http://schemas.openxmlformats.org/presentationml/2006/main">
+  <p:cSld>
+    <p:spTree>
+      <p:nvGrpSpPr>
+        <p:cNvPr id="1" name=""/>
+        <p:cNvGrpSpPr/>
+        <p:nvPr/>
+      </p:nvGrpSpPr>
+      <p:grpSpPr>
+        <a:xfrm>
+          <a:off x="0" y="0"/>
+          <a:ext cx="0" cy="0"/>
+          <a:chOff x="0" y="0"/>
+          <a:chExt cx="0" cy="0"/>
+        </a:xfrm>
+      </p:grpSpPr>
+      <p:sp>
+        <p:nvSpPr>
+          <p:cNvPr id="2" name="Title 1"/>
+          <p:cNvSpPr>
+            <a:spLocks noGrp="1"/>
+          </p:cNvSpPr>
+          <p:nvPr>
+            <p:ph type="title"/>
+          </p:nvPr>
+        </p:nvSpPr>
+        <p:spPr/>
+        <p:txBody>
+          <a:bodyPr/>
+          <a:lstStyle/>
+          <a:p>
+            <a:r>
+              <a:rPr lang="en-IN" b="1" dirty="0" smtClean="0"/>
+              <a:t>10.1 Data Binding Vs </a:t>
+            </a:r>
+            <a:r>
+              <a:rPr lang="en-IN" b="1" dirty="0" smtClean="0"/>
+              <a:t>Event Binding</a:t>
+            </a:r>
+            <a:endParaRPr lang="en-IN" sz="2000" dirty="0"/>
+          </a:p>
+        </p:txBody>
+      </p:sp>
+      <p:sp>
+        <p:nvSpPr>
+          <p:cNvPr id="3" name="Content Placeholder 2"/>
+          <p:cNvSpPr>
+            <a:spLocks noGrp="1"/>
+          </p:cNvSpPr>
+          <p:nvPr>
+            <p:ph idx="1"/>
+          </p:nvPr>
+        </p:nvSpPr>
+        <p:spPr/>
+        <p:txBody>
+          <a:bodyPr/>
+          <a:lstStyle/>
+          <a:p>
+            <a:r>
+              <a:rPr lang="en-IN" dirty="0" smtClean="0"/>
+              <a:t>Data Binding: Where the data flows from Component class to Component Template. Any changes in class property will get update in template too</a:t>
+            </a:r>
+          </a:p>
+          <a:p>
+            <a:r>
+              <a:rPr lang="en-IN" dirty="0" smtClean="0"/>
+              <a:t>Event Binding: Sometimes we have to bind user interaction like mouse event or Keyboard event then we have to keep data floe from template to class also called Event Binding</a:t>
+            </a:r>
+          </a:p>
+          <a:p>
+            <a:r>
+              <a:rPr lang="en-IN" dirty="0" smtClean="0"/>
+              <a:t>For event bind we need to bind a event function for the component. Like,</a:t>
+            </a:r>
+          </a:p>
+          <a:p>
+            <a:pPr lvl="1"/>
+            <a:r>
+              <a:rPr lang="en-IN" dirty="0" smtClean="0"/>
+              <a:t>Click event for button</a:t>
+            </a:r>
+          </a:p>
+          <a:p>
+            <a:pPr lvl="1"/>
+            <a:r>
+              <a:rPr lang="en-IN" dirty="0" err="1" smtClean="0"/>
+              <a:t>OnFocus</a:t>
+            </a:r>
+            <a:r>
+              <a:rPr lang="en-IN" dirty="0" smtClean="0"/>
+              <a:t> for textbox</a:t>
+            </a:r>
+          </a:p>
+          <a:p>
+            <a:pPr lvl="1"/>
+            <a:r>
+              <a:rPr lang="en-IN" dirty="0" smtClean="0"/>
+              <a:t>Mouse over for image</a:t>
+            </a:r>
+          </a:p>
+          <a:p>
+            <a:pPr lvl="1"/>
+            <a:endParaRPr lang="en-IN" dirty="0" smtClean="0"/>
+          </a:p>
+        </p:txBody>
+      </p:sp>
+      <p:sp>
+        <p:nvSpPr>
+          <p:cNvPr id="15" name="Rectangle 14"/>
+          <p:cNvSpPr/>
+          <p:nvPr/>
+        </p:nvSpPr>
+        <p:spPr>
+          <a:xfrm>
+            <a:off x="6898341" y="5378823"/>
+            <a:ext cx="1255289" cy="753036"/>
+          </a:xfrm>
+          <a:prstGeom prst="rect">
+            <a:avLst/>
+          </a:prstGeom>
+          <a:ln>
+            <a:noFill/>
+          </a:ln>
+        </p:spPr>
+        <p:style>
+          <a:lnRef idx="2">
+            <a:schemeClr val="accent1">
+              <a:shade val="50000"/>
+            </a:schemeClr>
+          </a:lnRef>
+          <a:fillRef idx="1">
+            <a:schemeClr val="accent1"/>
+          </a:fillRef>
+          <a:effectRef idx="0">
+            <a:schemeClr val="accent1"/>
+          </a:effectRef>
+          <a:fontRef idx="minor">
+            <a:schemeClr val="lt1"/>
+          </a:fontRef>
+        </p:style>
+        <p:txBody>
+          <a:bodyPr rtlCol="0" anchor="ctr"/>
+          <a:lstStyle/>
+          <a:p>
+            <a:pPr algn="ctr"/>
+            <a:r>
+              <a:rPr lang="en-IN" b="1" dirty="0" smtClean="0"/>
+              <a:t>Template</a:t>
+            </a:r>
+            <a:endParaRPr lang="en-IN" sz="1400" b="1" dirty="0"/>
+          </a:p>
+        </p:txBody>
+      </p:sp>
+      <p:sp>
+        <p:nvSpPr>
+          <p:cNvPr id="17" name="Rectangle 16"/>
+          <p:cNvSpPr/>
+          <p:nvPr/>
+        </p:nvSpPr>
+        <p:spPr>
+          <a:xfrm>
+            <a:off x="10430205" y="5378823"/>
+            <a:ext cx="1255289" cy="753036"/>
+          </a:xfrm>
+          <a:prstGeom prst="rect">
+            <a:avLst/>
+          </a:prstGeom>
+          <a:solidFill>
+            <a:srgbClr val="00B0F0"/>
+          </a:solidFill>
+          <a:ln>
+            <a:noFill/>
+          </a:ln>
+        </p:spPr>
+        <p:style>
+          <a:lnRef idx="2">
+            <a:schemeClr val="accent1">
+              <a:shade val="50000"/>
+            </a:schemeClr>
+          </a:lnRef>
+          <a:fillRef idx="1">
+            <a:schemeClr val="accent1"/>
+          </a:fillRef>
+          <a:effectRef idx="0">
+            <a:schemeClr val="accent1"/>
+          </a:effectRef>
+          <a:fontRef idx="minor">
+            <a:schemeClr val="lt1"/>
+          </a:fontRef>
+        </p:style>
+        <p:txBody>
+          <a:bodyPr rtlCol="0" anchor="ctr"/>
+          <a:lstStyle/>
+          <a:p>
+            <a:pPr algn="ctr"/>
+            <a:r>
+              <a:rPr lang="en-IN" b="1" dirty="0" smtClean="0"/>
+              <a:t>Class</a:t>
+            </a:r>
+            <a:endParaRPr lang="en-IN" sz="1400" b="1" dirty="0"/>
+          </a:p>
+        </p:txBody>
+      </p:sp>
+      <p:cxnSp>
+        <p:nvCxnSpPr>
+          <p:cNvPr id="25" name="Elbow Connector 24"/>
+          <p:cNvCxnSpPr>
+            <a:stCxn id="17" idx="2"/>
+            <a:endCxn id="15" idx="2"/>
+          </p:cNvCxnSpPr>
+          <p:nvPr/>
+        </p:nvCxnSpPr>
+        <p:spPr>
+          <a:xfrm rot="5400000">
+            <a:off x="9291918" y="4365927"/>
+            <a:ext cx="12700" cy="3531864"/>
+          </a:xfrm>
+          <a:prstGeom prst="bentConnector3">
+            <a:avLst>
+              <a:gd name="adj1" fmla="val 3388236"/>
+            </a:avLst>
+          </a:prstGeom>
+          <a:ln w="28575">
+            <a:solidFill>
+              <a:srgbClr val="00B0F0"/>
+            </a:solidFill>
+            <a:tailEnd type="triangle"/>
+          </a:ln>
+        </p:spPr>
+        <p:style>
+          <a:lnRef idx="1">
+            <a:schemeClr val="accent1"/>
+          </a:lnRef>
+          <a:fillRef idx="0">
+            <a:schemeClr val="accent1"/>
+          </a:fillRef>
+          <a:effectRef idx="0">
+            <a:schemeClr val="accent1"/>
+          </a:effectRef>
+          <a:fontRef idx="minor">
+            <a:schemeClr val="tx1"/>
+          </a:fontRef>
+        </p:style>
+      </p:cxnSp>
+      <p:sp>
+        <p:nvSpPr>
+          <p:cNvPr id="26" name="TextBox 25"/>
+          <p:cNvSpPr txBox="1"/>
+          <p:nvPr/>
+        </p:nvSpPr>
+        <p:spPr>
+          <a:xfrm>
+            <a:off x="8761884" y="6251468"/>
+            <a:ext cx="1154483" cy="276999"/>
+          </a:xfrm>
+          <a:prstGeom prst="rect">
+            <a:avLst/>
+          </a:prstGeom>
+          <a:noFill/>
+        </p:spPr>
+        <p:txBody>
+          <a:bodyPr wrap="none" rtlCol="0">
+            <a:spAutoFit/>
+          </a:bodyPr>
+          <a:lstStyle/>
+          <a:p>
+            <a:r>
+              <a:rPr lang="en-IN" sz="1200" dirty="0" smtClean="0">
+                <a:solidFill>
+                  <a:srgbClr val="00B0F0"/>
+                </a:solidFill>
+              </a:rPr>
+              <a:t>Data Binding</a:t>
+            </a:r>
+            <a:endParaRPr lang="en-IN" sz="1200" dirty="0">
+              <a:solidFill>
+                <a:srgbClr val="00B0F0"/>
+              </a:solidFill>
+            </a:endParaRPr>
+          </a:p>
+        </p:txBody>
+      </p:sp>
+      <p:cxnSp>
+        <p:nvCxnSpPr>
+          <p:cNvPr id="27" name="Elbow Connector 26"/>
+          <p:cNvCxnSpPr>
+            <a:stCxn id="15" idx="0"/>
+            <a:endCxn id="17" idx="0"/>
+          </p:cNvCxnSpPr>
+          <p:nvPr/>
+        </p:nvCxnSpPr>
+        <p:spPr>
+          <a:xfrm rot="5400000" flipH="1" flipV="1">
+            <a:off x="9291918" y="3612891"/>
+            <a:ext cx="12700" cy="3531864"/>
+          </a:xfrm>
+          <a:prstGeom prst="bentConnector3">
+            <a:avLst>
+              <a:gd name="adj1" fmla="val 2964709"/>
+            </a:avLst>
+          </a:prstGeom>
+          <a:ln w="28575">
+            <a:solidFill>
+              <a:schemeClr val="accent2">
+                <a:lumMod val="75000"/>
+              </a:schemeClr>
+            </a:solidFill>
+            <a:tailEnd type="triangle"/>
+          </a:ln>
+        </p:spPr>
+        <p:style>
+          <a:lnRef idx="1">
+            <a:schemeClr val="accent1"/>
+          </a:lnRef>
+          <a:fillRef idx="0">
+            <a:schemeClr val="accent1"/>
+          </a:fillRef>
+          <a:effectRef idx="0">
+            <a:schemeClr val="accent1"/>
+          </a:effectRef>
+          <a:fontRef idx="minor">
+            <a:schemeClr val="tx1"/>
+          </a:fontRef>
+        </p:style>
+      </p:cxnSp>
+      <p:sp>
+        <p:nvSpPr>
+          <p:cNvPr id="28" name="TextBox 27"/>
+          <p:cNvSpPr txBox="1"/>
+          <p:nvPr/>
+        </p:nvSpPr>
+        <p:spPr>
+          <a:xfrm>
+            <a:off x="8808496" y="5002306"/>
+            <a:ext cx="1189749" cy="276999"/>
+          </a:xfrm>
+          <a:prstGeom prst="rect">
+            <a:avLst/>
+          </a:prstGeom>
+          <a:noFill/>
+        </p:spPr>
+        <p:txBody>
+          <a:bodyPr wrap="none" rtlCol="0">
+            <a:spAutoFit/>
+          </a:bodyPr>
+          <a:lstStyle/>
+          <a:p>
+            <a:r>
+              <a:rPr lang="en-IN" sz="1200" dirty="0" smtClean="0">
+                <a:solidFill>
+                  <a:schemeClr val="accent2">
+                    <a:lumMod val="75000"/>
+                  </a:schemeClr>
+                </a:solidFill>
+              </a:rPr>
+              <a:t>Event Binding</a:t>
+            </a:r>
+            <a:endParaRPr lang="en-IN" sz="1200" dirty="0">
+              <a:solidFill>
+                <a:schemeClr val="accent2">
+                  <a:lumMod val="75000"/>
+                </a:schemeClr>
+              </a:solidFill>
+            </a:endParaRPr>
+          </a:p>
+        </p:txBody>
+      </p:sp>
+      <p:sp>
+        <p:nvSpPr>
+          <p:cNvPr id="31" name="Date Placeholder 30"/>
+          <p:cNvSpPr>
+            <a:spLocks noGrp="1"/>
+          </p:cNvSpPr>
+          <p:nvPr>
+            <p:ph type="dt" sz="half" idx="10"/>
+          </p:nvPr>
+        </p:nvSpPr>
+        <p:spPr/>
+        <p:txBody>
+          <a:bodyPr/>
+          <a:lstStyle/>
+          <a:p>
+            <a:r>
+              <a:rPr lang="en-US" smtClean="0"/>
+              <a:t>5/6/2019</a:t>
+            </a:r>
+            <a:endParaRPr lang="en-US" dirty="0"/>
+          </a:p>
+        </p:txBody>
+      </p:sp>
+      <p:sp>
+        <p:nvSpPr>
+          <p:cNvPr id="32" name="Slide Number Placeholder 31"/>
+          <p:cNvSpPr>
+            <a:spLocks noGrp="1"/>
+          </p:cNvSpPr>
+          <p:nvPr>
+            <p:ph type="sldNum" sz="quarter" idx="12"/>
+          </p:nvPr>
+        </p:nvSpPr>
+        <p:spPr/>
+        <p:txBody>
+          <a:bodyPr/>
+          <a:lstStyle/>
+          <a:p>
+            <a:fld id="{6D22F896-40B5-4ADD-8801-0D06FADFA095}" type="slidenum">
+              <a:rPr lang="en-US" smtClean="0"/>
+              <a:t>51</a:t>
+            </a:fld>
+            <a:endParaRPr lang="en-US" dirty="0"/>
+          </a:p>
+        </p:txBody>
+      </p:sp>
+    </p:spTree>
+    <p:extLst>
+      <p:ext uri="{BB962C8B-B14F-4D97-AF65-F5344CB8AC3E}">
+        <p14:creationId xmlns:p14="http://schemas.microsoft.com/office/powerpoint/2010/main" val="4155241645"/>
+      </p:ext>
+    </p:extLst>
+  </p:cSld>
+  <p:clrMapOvr>
+    <a:masterClrMapping/>
+  </p:clrMapOvr>
+  <p:timing>
+    <p:tnLst>
+      <p:par>
+        <p:cTn id="1" dur="indefinite" restart="never" nodeType="tmRoot"/>
+      </p:par>
+    </p:tnLst>
+  </p:timing>
+</p:sld>
+</file>
+
+<file path=ppt/slides/slide52.xml><?xml version="1.0" encoding="utf-8"?>
+<p:sld xmlns:a="http://schemas.openxmlformats.org/drawingml/2006/main" xmlns:r="http://schemas.openxmlformats.org/officeDocument/2006/relationships" xmlns:p="http://schemas.openxmlformats.org/presentationml/2006/main">
+  <p:cSld>
+    <p:spTree>
+      <p:nvGrpSpPr>
+        <p:cNvPr id="1" name=""/>
+        <p:cNvGrpSpPr/>
+        <p:nvPr/>
+      </p:nvGrpSpPr>
+      <p:grpSpPr>
+        <a:xfrm>
+          <a:off x="0" y="0"/>
+          <a:ext cx="0" cy="0"/>
+          <a:chOff x="0" y="0"/>
+          <a:chExt cx="0" cy="0"/>
+        </a:xfrm>
+      </p:grpSpPr>
+      <p:sp>
+        <p:nvSpPr>
+          <p:cNvPr id="2" name="Title 1"/>
+          <p:cNvSpPr>
+            <a:spLocks noGrp="1"/>
+          </p:cNvSpPr>
+          <p:nvPr>
+            <p:ph type="title"/>
+          </p:nvPr>
+        </p:nvSpPr>
+        <p:spPr/>
+        <p:txBody>
+          <a:bodyPr/>
+          <a:lstStyle/>
+          <a:p>
+            <a:r>
+              <a:rPr lang="en-IN" b="1" dirty="0" smtClean="0"/>
+              <a:t>10.2 </a:t>
+            </a:r>
+            <a:r>
+              <a:rPr lang="en-IN" b="1" dirty="0" smtClean="0"/>
+              <a:t>Event Binding : Example</a:t>
+            </a:r>
+            <a:endParaRPr lang="en-IN" sz="2000" dirty="0"/>
+          </a:p>
+        </p:txBody>
+      </p:sp>
+      <p:pic>
+        <p:nvPicPr>
+          <p:cNvPr id="4" name="Content Placeholder 3"/>
+          <p:cNvPicPr>
+            <a:picLocks noGrp="1" noChangeAspect="1"/>
+          </p:cNvPicPr>
+          <p:nvPr>
+            <p:ph idx="1"/>
+          </p:nvPr>
+        </p:nvPicPr>
+        <p:blipFill>
+          <a:blip r:embed="rId2"/>
+          <a:stretch>
+            <a:fillRect/>
+          </a:stretch>
+        </p:blipFill>
+        <p:spPr>
+          <a:xfrm>
+            <a:off x="1154954" y="2390960"/>
+            <a:ext cx="5048510" cy="3929157"/>
+          </a:xfrm>
+          <a:prstGeom prst="rect">
+            <a:avLst/>
+          </a:prstGeom>
+        </p:spPr>
+      </p:pic>
+      <p:pic>
+        <p:nvPicPr>
+          <p:cNvPr id="5" name="Picture 4"/>
+          <p:cNvPicPr>
+            <a:picLocks noChangeAspect="1"/>
+          </p:cNvPicPr>
+          <p:nvPr/>
+        </p:nvPicPr>
+        <p:blipFill rotWithShape="1">
+          <a:blip r:embed="rId3"/>
+          <a:srcRect b="25290"/>
+          <a:stretch/>
+        </p:blipFill>
+        <p:spPr>
+          <a:xfrm>
+            <a:off x="7208744" y="3469153"/>
+            <a:ext cx="2857500" cy="1465918"/>
+          </a:xfrm>
+          <a:prstGeom prst="rect">
+            <a:avLst/>
+          </a:prstGeom>
+          <a:ln>
+            <a:solidFill>
+              <a:schemeClr val="bg1">
+                <a:lumMod val="50000"/>
+              </a:schemeClr>
+            </a:solidFill>
+          </a:ln>
+        </p:spPr>
+      </p:pic>
+      <p:cxnSp>
+        <p:nvCxnSpPr>
+          <p:cNvPr id="7" name="Straight Arrow Connector 6"/>
+          <p:cNvCxnSpPr/>
+          <p:nvPr/>
+        </p:nvCxnSpPr>
+        <p:spPr>
+          <a:xfrm flipH="1">
+            <a:off x="2043953" y="3469153"/>
+            <a:ext cx="1635256" cy="2030694"/>
+          </a:xfrm>
+          <a:prstGeom prst="straightConnector1">
+            <a:avLst/>
+          </a:prstGeom>
+          <a:ln w="28575">
+            <a:solidFill>
+              <a:srgbClr val="FFFF00"/>
+            </a:solidFill>
+            <a:tailEnd type="triangle"/>
+          </a:ln>
+        </p:spPr>
+        <p:style>
+          <a:lnRef idx="1">
+            <a:schemeClr val="accent1"/>
+          </a:lnRef>
+          <a:fillRef idx="0">
+            <a:schemeClr val="accent1"/>
+          </a:fillRef>
+          <a:effectRef idx="0">
+            <a:schemeClr val="accent1"/>
+          </a:effectRef>
+          <a:fontRef idx="minor">
+            <a:schemeClr val="tx1"/>
+          </a:fontRef>
+        </p:style>
+      </p:cxnSp>
+      <p:sp>
+        <p:nvSpPr>
+          <p:cNvPr id="8" name="TextBox 7"/>
+          <p:cNvSpPr txBox="1"/>
+          <p:nvPr/>
+        </p:nvSpPr>
+        <p:spPr>
+          <a:xfrm rot="18545540">
+            <a:off x="2857662" y="3839378"/>
+            <a:ext cx="1183337" cy="276999"/>
+          </a:xfrm>
+          <a:prstGeom prst="rect">
+            <a:avLst/>
+          </a:prstGeom>
+          <a:solidFill>
+            <a:srgbClr val="FFFF00"/>
+          </a:solidFill>
+        </p:spPr>
+        <p:txBody>
+          <a:bodyPr wrap="none" rtlCol="0">
+            <a:spAutoFit/>
+          </a:bodyPr>
+          <a:lstStyle/>
+          <a:p>
+            <a:r>
+              <a:rPr lang="en-IN" sz="1200" b="1" dirty="0" smtClean="0"/>
+              <a:t>Event Binding</a:t>
+            </a:r>
+            <a:endParaRPr lang="en-IN" sz="1200" b="1" dirty="0"/>
+          </a:p>
+        </p:txBody>
+      </p:sp>
+      <p:cxnSp>
+        <p:nvCxnSpPr>
+          <p:cNvPr id="16" name="Straight Arrow Connector 15"/>
+          <p:cNvCxnSpPr/>
+          <p:nvPr/>
+        </p:nvCxnSpPr>
+        <p:spPr>
+          <a:xfrm flipH="1" flipV="1">
+            <a:off x="1793249" y="3996789"/>
+            <a:ext cx="748245" cy="1237863"/>
+          </a:xfrm>
+          <a:prstGeom prst="straightConnector1">
+            <a:avLst/>
+          </a:prstGeom>
+          <a:ln w="28575">
+            <a:solidFill>
+              <a:srgbClr val="FF0000"/>
+            </a:solidFill>
+            <a:tailEnd type="triangle"/>
+          </a:ln>
+        </p:spPr>
+        <p:style>
+          <a:lnRef idx="1">
+            <a:schemeClr val="accent1"/>
+          </a:lnRef>
+          <a:fillRef idx="0">
+            <a:schemeClr val="accent1"/>
+          </a:fillRef>
+          <a:effectRef idx="0">
+            <a:schemeClr val="accent1"/>
+          </a:effectRef>
+          <a:fontRef idx="minor">
+            <a:schemeClr val="tx1"/>
+          </a:fontRef>
+        </p:style>
+      </p:cxnSp>
+      <p:sp>
+        <p:nvSpPr>
+          <p:cNvPr id="18" name="TextBox 17"/>
+          <p:cNvSpPr txBox="1"/>
+          <p:nvPr/>
+        </p:nvSpPr>
+        <p:spPr>
+          <a:xfrm rot="3496503">
+            <a:off x="1480074" y="4564840"/>
+            <a:ext cx="1135247" cy="276999"/>
+          </a:xfrm>
+          <a:prstGeom prst="rect">
+            <a:avLst/>
+          </a:prstGeom>
+          <a:solidFill>
+            <a:srgbClr val="FF0000"/>
+          </a:solidFill>
+        </p:spPr>
+        <p:txBody>
+          <a:bodyPr wrap="none" rtlCol="0">
+            <a:spAutoFit/>
+          </a:bodyPr>
+          <a:lstStyle/>
+          <a:p>
+            <a:r>
+              <a:rPr lang="en-IN" sz="1200" b="1" dirty="0" smtClean="0"/>
+              <a:t>Data Binding</a:t>
+            </a:r>
+            <a:endParaRPr lang="en-IN" sz="1200" b="1" dirty="0"/>
+          </a:p>
+        </p:txBody>
+      </p:sp>
+      <p:cxnSp>
+        <p:nvCxnSpPr>
+          <p:cNvPr id="19" name="Straight Arrow Connector 18"/>
+          <p:cNvCxnSpPr/>
+          <p:nvPr/>
+        </p:nvCxnSpPr>
+        <p:spPr>
+          <a:xfrm>
+            <a:off x="1936376" y="3996789"/>
+            <a:ext cx="6158753" cy="565457"/>
+          </a:xfrm>
+          <a:prstGeom prst="straightConnector1">
+            <a:avLst/>
+          </a:prstGeom>
+          <a:ln w="28575">
+            <a:solidFill>
+              <a:srgbClr val="FF0000"/>
+            </a:solidFill>
+            <a:tailEnd type="triangle"/>
+          </a:ln>
+        </p:spPr>
+        <p:style>
+          <a:lnRef idx="1">
+            <a:schemeClr val="accent1"/>
+          </a:lnRef>
+          <a:fillRef idx="0">
+            <a:schemeClr val="accent1"/>
+          </a:fillRef>
+          <a:effectRef idx="0">
+            <a:schemeClr val="accent1"/>
+          </a:effectRef>
+          <a:fontRef idx="minor">
+            <a:schemeClr val="tx1"/>
+          </a:fontRef>
+        </p:style>
+      </p:cxnSp>
+      <p:cxnSp>
+        <p:nvCxnSpPr>
+          <p:cNvPr id="29" name="Straight Arrow Connector 28"/>
+          <p:cNvCxnSpPr/>
+          <p:nvPr/>
+        </p:nvCxnSpPr>
+        <p:spPr>
+          <a:xfrm flipV="1">
+            <a:off x="3379582" y="4677242"/>
+            <a:ext cx="4917253" cy="1158782"/>
+          </a:xfrm>
+          <a:prstGeom prst="straightConnector1">
+            <a:avLst/>
+          </a:prstGeom>
+          <a:ln w="28575">
+            <a:solidFill>
+              <a:srgbClr val="FF0000"/>
+            </a:solidFill>
+            <a:tailEnd type="triangle"/>
+          </a:ln>
+        </p:spPr>
+        <p:style>
+          <a:lnRef idx="1">
+            <a:schemeClr val="accent1"/>
+          </a:lnRef>
+          <a:fillRef idx="0">
+            <a:schemeClr val="accent1"/>
+          </a:fillRef>
+          <a:effectRef idx="0">
+            <a:schemeClr val="accent1"/>
+          </a:effectRef>
+          <a:fontRef idx="minor">
+            <a:schemeClr val="tx1"/>
+          </a:fontRef>
+        </p:style>
+      </p:cxnSp>
+      <p:cxnSp>
+        <p:nvCxnSpPr>
+          <p:cNvPr id="30" name="Straight Arrow Connector 29"/>
+          <p:cNvCxnSpPr/>
+          <p:nvPr/>
+        </p:nvCxnSpPr>
+        <p:spPr>
+          <a:xfrm>
+            <a:off x="2792198" y="3469153"/>
+            <a:ext cx="4746895" cy="1146567"/>
+          </a:xfrm>
+          <a:prstGeom prst="straightConnector1">
+            <a:avLst/>
+          </a:prstGeom>
+          <a:ln w="28575">
+            <a:solidFill>
+              <a:srgbClr val="FFFF00"/>
+            </a:solidFill>
+            <a:tailEnd type="triangle"/>
+          </a:ln>
+          <a:effectLst>
+            <a:reflection blurRad="6350" stA="52000" endA="300" endPos="35000" dir="5400000" sy="-100000" algn="bl" rotWithShape="0"/>
+          </a:effectLst>
+        </p:spPr>
+        <p:style>
+          <a:lnRef idx="1">
+            <a:schemeClr val="accent1"/>
+          </a:lnRef>
+          <a:fillRef idx="0">
+            <a:schemeClr val="accent1"/>
+          </a:fillRef>
+          <a:effectRef idx="0">
+            <a:schemeClr val="accent1"/>
+          </a:effectRef>
+          <a:fontRef idx="minor">
+            <a:schemeClr val="tx1"/>
+          </a:fontRef>
+        </p:style>
+      </p:cxnSp>
+      <p:sp>
+        <p:nvSpPr>
+          <p:cNvPr id="33" name="Date Placeholder 32"/>
+          <p:cNvSpPr>
+            <a:spLocks noGrp="1"/>
+          </p:cNvSpPr>
+          <p:nvPr>
+            <p:ph type="dt" sz="half" idx="10"/>
+          </p:nvPr>
+        </p:nvSpPr>
+        <p:spPr/>
+        <p:txBody>
+          <a:bodyPr/>
+          <a:lstStyle/>
+          <a:p>
+            <a:r>
+              <a:rPr lang="en-US" smtClean="0"/>
+              <a:t>5/6/2019</a:t>
+            </a:r>
+            <a:endParaRPr lang="en-US" dirty="0"/>
+          </a:p>
+        </p:txBody>
+      </p:sp>
+      <p:sp>
+        <p:nvSpPr>
+          <p:cNvPr id="34" name="Slide Number Placeholder 33"/>
+          <p:cNvSpPr>
+            <a:spLocks noGrp="1"/>
+          </p:cNvSpPr>
+          <p:nvPr>
+            <p:ph type="sldNum" sz="quarter" idx="12"/>
+          </p:nvPr>
+        </p:nvSpPr>
+        <p:spPr/>
+        <p:txBody>
+          <a:bodyPr/>
+          <a:lstStyle/>
+          <a:p>
+            <a:fld id="{6D22F896-40B5-4ADD-8801-0D06FADFA095}" type="slidenum">
+              <a:rPr lang="en-US" smtClean="0"/>
+              <a:t>52</a:t>
+            </a:fld>
+            <a:endParaRPr lang="en-US" dirty="0"/>
+          </a:p>
+        </p:txBody>
+      </p:sp>
+    </p:spTree>
+    <p:extLst>
+      <p:ext uri="{BB962C8B-B14F-4D97-AF65-F5344CB8AC3E}">
+        <p14:creationId xmlns:p14="http://schemas.microsoft.com/office/powerpoint/2010/main" val="2784607689"/>
+      </p:ext>
+    </p:extLst>
+  </p:cSld>
+  <p:clrMapOvr>
+    <a:masterClrMapping/>
+  </p:clrMapOvr>
+  <p:timing>
+    <p:tnLst>
+      <p:par>
+        <p:cTn id="1" dur="indefinite" restart="never" nodeType="tmRoot"/>
+      </p:par>
+    </p:tnLst>
+  </p:timing>
+</p:sld>
+</file>
+
+<file path=ppt/slides/slide53.xml><?xml version="1.0" encoding="utf-8"?>
+<p:sld xmlns:a="http://schemas.openxmlformats.org/drawingml/2006/main" xmlns:r="http://schemas.openxmlformats.org/officeDocument/2006/relationships" xmlns:p="http://schemas.openxmlformats.org/presentationml/2006/main">
+  <p:cSld>
+    <p:spTree>
+      <p:nvGrpSpPr>
+        <p:cNvPr id="1" name=""/>
+        <p:cNvGrpSpPr/>
+        <p:nvPr/>
+      </p:nvGrpSpPr>
+      <p:grpSpPr>
+        <a:xfrm>
+          <a:off x="0" y="0"/>
+          <a:ext cx="0" cy="0"/>
+          <a:chOff x="0" y="0"/>
+          <a:chExt cx="0" cy="0"/>
+        </a:xfrm>
+      </p:grpSpPr>
+      <p:pic>
+        <p:nvPicPr>
+          <p:cNvPr id="25" name="Picture 24"/>
+          <p:cNvPicPr>
+            <a:picLocks noChangeAspect="1"/>
+          </p:cNvPicPr>
+          <p:nvPr/>
+        </p:nvPicPr>
+        <p:blipFill>
+          <a:blip r:embed="rId2"/>
+          <a:stretch>
+            <a:fillRect/>
+          </a:stretch>
+        </p:blipFill>
+        <p:spPr>
+          <a:xfrm>
+            <a:off x="6436864" y="2719107"/>
+            <a:ext cx="4467225" cy="3867150"/>
+          </a:xfrm>
+          <a:prstGeom prst="rect">
+            <a:avLst/>
+          </a:prstGeom>
+          <a:ln>
+            <a:solidFill>
+              <a:schemeClr val="bg1">
+                <a:lumMod val="65000"/>
+              </a:schemeClr>
+            </a:solidFill>
+          </a:ln>
+        </p:spPr>
+      </p:pic>
+      <p:pic>
+        <p:nvPicPr>
+          <p:cNvPr id="6" name="Picture 5"/>
+          <p:cNvPicPr>
+            <a:picLocks noChangeAspect="1"/>
+          </p:cNvPicPr>
+          <p:nvPr/>
+        </p:nvPicPr>
+        <p:blipFill>
+          <a:blip r:embed="rId3"/>
+          <a:stretch>
+            <a:fillRect/>
+          </a:stretch>
+        </p:blipFill>
+        <p:spPr>
+          <a:xfrm>
+            <a:off x="844929" y="2506185"/>
+            <a:ext cx="4937306" cy="3762705"/>
+          </a:xfrm>
+          <a:prstGeom prst="rect">
+            <a:avLst/>
+          </a:prstGeom>
+        </p:spPr>
+      </p:pic>
+      <p:sp>
+        <p:nvSpPr>
+          <p:cNvPr id="2" name="Title 1"/>
+          <p:cNvSpPr>
+            <a:spLocks noGrp="1"/>
+          </p:cNvSpPr>
+          <p:nvPr>
+            <p:ph type="title"/>
+          </p:nvPr>
+        </p:nvSpPr>
+        <p:spPr/>
+        <p:txBody>
+          <a:bodyPr/>
+          <a:lstStyle/>
+          <a:p>
+            <a:r>
+              <a:rPr lang="en-IN" b="1" dirty="0" smtClean="0"/>
+              <a:t>10.3 </a:t>
+            </a:r>
+            <a:r>
+              <a:rPr lang="en-IN" b="1" dirty="0" smtClean="0"/>
+              <a:t>Pass event as a parameter</a:t>
+            </a:r>
+            <a:endParaRPr lang="en-IN" sz="2000" dirty="0"/>
+          </a:p>
+        </p:txBody>
+      </p:sp>
+      <p:cxnSp>
+        <p:nvCxnSpPr>
+          <p:cNvPr id="7" name="Straight Arrow Connector 6"/>
+          <p:cNvCxnSpPr/>
+          <p:nvPr/>
+        </p:nvCxnSpPr>
+        <p:spPr>
+          <a:xfrm flipH="1">
+            <a:off x="1499558" y="3469153"/>
+            <a:ext cx="1362023" cy="1854884"/>
+          </a:xfrm>
+          <a:prstGeom prst="straightConnector1">
+            <a:avLst/>
+          </a:prstGeom>
+          <a:ln w="28575">
+            <a:solidFill>
+              <a:srgbClr val="FFFF00"/>
+            </a:solidFill>
+            <a:tailEnd type="triangle"/>
+          </a:ln>
+        </p:spPr>
+        <p:style>
+          <a:lnRef idx="1">
+            <a:schemeClr val="accent1"/>
+          </a:lnRef>
+          <a:fillRef idx="0">
+            <a:schemeClr val="accent1"/>
+          </a:fillRef>
+          <a:effectRef idx="0">
+            <a:schemeClr val="accent1"/>
+          </a:effectRef>
+          <a:fontRef idx="minor">
+            <a:schemeClr val="tx1"/>
+          </a:fontRef>
+        </p:style>
+      </p:cxnSp>
+      <p:cxnSp>
+        <p:nvCxnSpPr>
+          <p:cNvPr id="16" name="Straight Arrow Connector 15"/>
+          <p:cNvCxnSpPr/>
+          <p:nvPr/>
+        </p:nvCxnSpPr>
+        <p:spPr>
+          <a:xfrm flipH="1" flipV="1">
+            <a:off x="1499558" y="3996789"/>
+            <a:ext cx="344320" cy="1677871"/>
+          </a:xfrm>
+          <a:prstGeom prst="straightConnector1">
+            <a:avLst/>
+          </a:prstGeom>
+          <a:ln w="28575">
+            <a:solidFill>
+              <a:srgbClr val="FF0000"/>
+            </a:solidFill>
+            <a:tailEnd type="triangle"/>
+          </a:ln>
+        </p:spPr>
+        <p:style>
+          <a:lnRef idx="1">
+            <a:schemeClr val="accent1"/>
+          </a:lnRef>
+          <a:fillRef idx="0">
+            <a:schemeClr val="accent1"/>
+          </a:fillRef>
+          <a:effectRef idx="0">
+            <a:schemeClr val="accent1"/>
+          </a:effectRef>
+          <a:fontRef idx="minor">
+            <a:schemeClr val="tx1"/>
+          </a:fontRef>
+        </p:style>
+      </p:cxnSp>
+      <p:cxnSp>
+        <p:nvCxnSpPr>
+          <p:cNvPr id="19" name="Straight Arrow Connector 18"/>
+          <p:cNvCxnSpPr/>
+          <p:nvPr/>
+        </p:nvCxnSpPr>
+        <p:spPr>
+          <a:xfrm>
+            <a:off x="1936376" y="3996789"/>
+            <a:ext cx="4709245" cy="307800"/>
+          </a:xfrm>
+          <a:prstGeom prst="straightConnector1">
+            <a:avLst/>
+          </a:prstGeom>
+          <a:ln w="28575">
+            <a:solidFill>
+              <a:srgbClr val="FF0000"/>
+            </a:solidFill>
+            <a:tailEnd type="triangle"/>
+          </a:ln>
+        </p:spPr>
+        <p:style>
+          <a:lnRef idx="1">
+            <a:schemeClr val="accent1"/>
+          </a:lnRef>
+          <a:fillRef idx="0">
+            <a:schemeClr val="accent1"/>
+          </a:fillRef>
+          <a:effectRef idx="0">
+            <a:schemeClr val="accent1"/>
+          </a:effectRef>
+          <a:fontRef idx="minor">
+            <a:schemeClr val="tx1"/>
+          </a:fontRef>
+        </p:style>
+      </p:cxnSp>
+      <p:cxnSp>
+        <p:nvCxnSpPr>
+          <p:cNvPr id="29" name="Straight Arrow Connector 28"/>
+          <p:cNvCxnSpPr/>
+          <p:nvPr/>
+        </p:nvCxnSpPr>
+        <p:spPr>
+          <a:xfrm flipV="1">
+            <a:off x="3379582" y="4304589"/>
+            <a:ext cx="3266039" cy="1531435"/>
+          </a:xfrm>
+          <a:prstGeom prst="straightConnector1">
+            <a:avLst/>
+          </a:prstGeom>
+          <a:ln w="28575">
+            <a:solidFill>
+              <a:srgbClr val="FF0000"/>
+            </a:solidFill>
+            <a:tailEnd type="triangle"/>
+          </a:ln>
+        </p:spPr>
+        <p:style>
+          <a:lnRef idx="1">
+            <a:schemeClr val="accent1"/>
+          </a:lnRef>
+          <a:fillRef idx="0">
+            <a:schemeClr val="accent1"/>
+          </a:fillRef>
+          <a:effectRef idx="0">
+            <a:schemeClr val="accent1"/>
+          </a:effectRef>
+          <a:fontRef idx="minor">
+            <a:schemeClr val="tx1"/>
+          </a:fontRef>
+        </p:style>
+      </p:cxnSp>
+      <p:cxnSp>
+        <p:nvCxnSpPr>
+          <p:cNvPr id="30" name="Straight Arrow Connector 29"/>
+          <p:cNvCxnSpPr/>
+          <p:nvPr/>
+        </p:nvCxnSpPr>
+        <p:spPr>
+          <a:xfrm>
+            <a:off x="2180569" y="3455324"/>
+            <a:ext cx="4465052" cy="321629"/>
+          </a:xfrm>
+          <a:prstGeom prst="straightConnector1">
+            <a:avLst/>
+          </a:prstGeom>
+          <a:ln w="28575">
+            <a:solidFill>
+              <a:srgbClr val="FFFF00"/>
+            </a:solidFill>
+            <a:tailEnd type="triangle"/>
+          </a:ln>
+          <a:effectLst>
+            <a:reflection blurRad="6350" stA="52000" endA="300" endPos="35000" dir="5400000" sy="-100000" algn="bl" rotWithShape="0"/>
+          </a:effectLst>
+        </p:spPr>
+        <p:style>
+          <a:lnRef idx="1">
+            <a:schemeClr val="accent1"/>
+          </a:lnRef>
+          <a:fillRef idx="0">
+            <a:schemeClr val="accent1"/>
+          </a:fillRef>
+          <a:effectRef idx="0">
+            <a:schemeClr val="accent1"/>
+          </a:effectRef>
+          <a:fontRef idx="minor">
+            <a:schemeClr val="tx1"/>
+          </a:fontRef>
+        </p:style>
+      </p:cxnSp>
+      <p:cxnSp>
+        <p:nvCxnSpPr>
+          <p:cNvPr id="22" name="Straight Arrow Connector 21"/>
+          <p:cNvCxnSpPr/>
+          <p:nvPr/>
+        </p:nvCxnSpPr>
+        <p:spPr>
+          <a:xfrm flipH="1">
+            <a:off x="2066271" y="3469153"/>
+            <a:ext cx="1574626" cy="1854884"/>
+          </a:xfrm>
+          <a:prstGeom prst="straightConnector1">
+            <a:avLst/>
+          </a:prstGeom>
+          <a:ln w="28575">
+            <a:solidFill>
+              <a:srgbClr val="FFFF00"/>
+            </a:solidFill>
+            <a:tailEnd type="triangle"/>
+          </a:ln>
+        </p:spPr>
+        <p:style>
+          <a:lnRef idx="1">
+            <a:schemeClr val="accent1"/>
+          </a:lnRef>
+          <a:fillRef idx="0">
+            <a:schemeClr val="accent1"/>
+          </a:fillRef>
+          <a:effectRef idx="0">
+            <a:schemeClr val="accent1"/>
+          </a:effectRef>
+          <a:fontRef idx="minor">
+            <a:schemeClr val="tx1"/>
+          </a:fontRef>
+        </p:style>
+      </p:cxnSp>
+      <p:cxnSp>
+        <p:nvCxnSpPr>
+          <p:cNvPr id="31" name="Straight Arrow Connector 30"/>
+          <p:cNvCxnSpPr/>
+          <p:nvPr/>
+        </p:nvCxnSpPr>
+        <p:spPr>
+          <a:xfrm flipV="1">
+            <a:off x="2954079" y="3790782"/>
+            <a:ext cx="5716397" cy="1753091"/>
+          </a:xfrm>
+          <a:prstGeom prst="straightConnector1">
+            <a:avLst/>
+          </a:prstGeom>
+          <a:ln w="28575">
+            <a:solidFill>
+              <a:srgbClr val="00B050"/>
+            </a:solidFill>
+            <a:tailEnd type="triangle"/>
+          </a:ln>
+        </p:spPr>
+        <p:style>
+          <a:lnRef idx="1">
+            <a:schemeClr val="accent1"/>
+          </a:lnRef>
+          <a:fillRef idx="0">
+            <a:schemeClr val="accent1"/>
+          </a:fillRef>
+          <a:effectRef idx="0">
+            <a:schemeClr val="accent1"/>
+          </a:effectRef>
+          <a:fontRef idx="minor">
+            <a:schemeClr val="tx1"/>
+          </a:fontRef>
+        </p:style>
+      </p:cxnSp>
+      <p:sp>
+        <p:nvSpPr>
+          <p:cNvPr id="34" name="Date Placeholder 33"/>
+          <p:cNvSpPr>
+            <a:spLocks noGrp="1"/>
+          </p:cNvSpPr>
+          <p:nvPr>
+            <p:ph type="dt" sz="half" idx="10"/>
+          </p:nvPr>
+        </p:nvSpPr>
+        <p:spPr/>
+        <p:txBody>
+          <a:bodyPr/>
+          <a:lstStyle/>
+          <a:p>
+            <a:r>
+              <a:rPr lang="en-US" smtClean="0"/>
+              <a:t>5/6/2019</a:t>
+            </a:r>
+            <a:endParaRPr lang="en-US" dirty="0"/>
+          </a:p>
+        </p:txBody>
+      </p:sp>
+      <p:sp>
+        <p:nvSpPr>
+          <p:cNvPr id="35" name="Slide Number Placeholder 34"/>
+          <p:cNvSpPr>
+            <a:spLocks noGrp="1"/>
+          </p:cNvSpPr>
+          <p:nvPr>
+            <p:ph type="sldNum" sz="quarter" idx="12"/>
+          </p:nvPr>
+        </p:nvSpPr>
+        <p:spPr/>
+        <p:txBody>
+          <a:bodyPr/>
+          <a:lstStyle/>
+          <a:p>
+            <a:fld id="{6D22F896-40B5-4ADD-8801-0D06FADFA095}" type="slidenum">
+              <a:rPr lang="en-US" smtClean="0"/>
+              <a:t>53</a:t>
+            </a:fld>
+            <a:endParaRPr lang="en-US" dirty="0"/>
+          </a:p>
+        </p:txBody>
+      </p:sp>
+    </p:spTree>
+    <p:extLst>
+      <p:ext uri="{BB962C8B-B14F-4D97-AF65-F5344CB8AC3E}">
+        <p14:creationId xmlns:p14="http://schemas.microsoft.com/office/powerpoint/2010/main" val="3894852755"/>
+      </p:ext>
+    </p:extLst>
+  </p:cSld>
+  <p:clrMapOvr>
+    <a:masterClrMapping/>
+  </p:clrMapOvr>
+  <p:timing>
+    <p:tnLst>
+      <p:par>
+        <p:cTn id="1" dur="indefinite" restart="never" nodeType="tmRoot"/>
+      </p:par>
+    </p:tnLst>
+  </p:timing>
+</p:sld>
+</file>
+
+<file path=ppt/slides/slide54.xml><?xml version="1.0" encoding="utf-8"?>
+<p:sld xmlns:a="http://schemas.openxmlformats.org/drawingml/2006/main" xmlns:r="http://schemas.openxmlformats.org/officeDocument/2006/relationships" xmlns:p="http://schemas.openxmlformats.org/presentationml/2006/main">
+  <p:cSld>
+    <p:spTree>
+      <p:nvGrpSpPr>
+        <p:cNvPr id="1" name=""/>
+        <p:cNvGrpSpPr/>
+        <p:nvPr/>
+      </p:nvGrpSpPr>
+      <p:grpSpPr>
+        <a:xfrm>
+          <a:off x="0" y="0"/>
+          <a:ext cx="0" cy="0"/>
+          <a:chOff x="0" y="0"/>
+          <a:chExt cx="0" cy="0"/>
+        </a:xfrm>
+      </p:grpSpPr>
+      <p:pic>
+        <p:nvPicPr>
+          <p:cNvPr id="11" name="Picture 10"/>
+          <p:cNvPicPr>
+            <a:picLocks noChangeAspect="1"/>
+          </p:cNvPicPr>
+          <p:nvPr/>
+        </p:nvPicPr>
+        <p:blipFill>
+          <a:blip r:embed="rId2"/>
+          <a:stretch>
+            <a:fillRect/>
+          </a:stretch>
+        </p:blipFill>
+        <p:spPr>
+          <a:xfrm>
+            <a:off x="6381750" y="2649350"/>
+            <a:ext cx="2628900" cy="1933575"/>
+          </a:xfrm>
+          <a:prstGeom prst="rect">
+            <a:avLst/>
+          </a:prstGeom>
+        </p:spPr>
+      </p:pic>
+      <p:pic>
+        <p:nvPicPr>
+          <p:cNvPr id="3" name="Picture 2"/>
+          <p:cNvPicPr>
+            <a:picLocks noChangeAspect="1"/>
+          </p:cNvPicPr>
+          <p:nvPr/>
+        </p:nvPicPr>
+        <p:blipFill>
+          <a:blip r:embed="rId3"/>
+          <a:stretch>
+            <a:fillRect/>
+          </a:stretch>
+        </p:blipFill>
+        <p:spPr>
+          <a:xfrm>
+            <a:off x="718690" y="2482314"/>
+            <a:ext cx="4695825" cy="3028950"/>
+          </a:xfrm>
+          <a:prstGeom prst="rect">
+            <a:avLst/>
+          </a:prstGeom>
+        </p:spPr>
+      </p:pic>
+      <p:sp>
+        <p:nvSpPr>
+          <p:cNvPr id="2" name="Title 1"/>
+          <p:cNvSpPr>
+            <a:spLocks noGrp="1"/>
+          </p:cNvSpPr>
+          <p:nvPr>
+            <p:ph type="title"/>
+          </p:nvPr>
+        </p:nvSpPr>
+        <p:spPr/>
+        <p:txBody>
+          <a:bodyPr/>
+          <a:lstStyle/>
+          <a:p>
+            <a:r>
+              <a:rPr lang="en-IN" b="1" dirty="0" smtClean="0"/>
+              <a:t>10.4 </a:t>
+            </a:r>
+            <a:r>
+              <a:rPr lang="en-IN" b="1" dirty="0" smtClean="0"/>
+              <a:t>Inline Click Event</a:t>
+            </a:r>
+            <a:endParaRPr lang="en-IN" sz="2000" dirty="0"/>
+          </a:p>
+        </p:txBody>
+      </p:sp>
+      <p:cxnSp>
+        <p:nvCxnSpPr>
+          <p:cNvPr id="16" name="Straight Arrow Connector 15"/>
+          <p:cNvCxnSpPr/>
+          <p:nvPr/>
+        </p:nvCxnSpPr>
+        <p:spPr>
+          <a:xfrm>
+            <a:off x="1613647" y="3897735"/>
+            <a:ext cx="4768103" cy="243959"/>
+          </a:xfrm>
+          <a:prstGeom prst="straightConnector1">
+            <a:avLst/>
+          </a:prstGeom>
+          <a:ln w="28575">
+            <a:solidFill>
+              <a:srgbClr val="FF0000"/>
+            </a:solidFill>
+            <a:tailEnd type="triangle"/>
+          </a:ln>
+        </p:spPr>
+        <p:style>
+          <a:lnRef idx="1">
+            <a:schemeClr val="accent1"/>
+          </a:lnRef>
+          <a:fillRef idx="0">
+            <a:schemeClr val="accent1"/>
+          </a:fillRef>
+          <a:effectRef idx="0">
+            <a:schemeClr val="accent1"/>
+          </a:effectRef>
+          <a:fontRef idx="minor">
+            <a:schemeClr val="tx1"/>
+          </a:fontRef>
+        </p:style>
+      </p:cxnSp>
+      <p:cxnSp>
+        <p:nvCxnSpPr>
+          <p:cNvPr id="30" name="Straight Arrow Connector 29"/>
+          <p:cNvCxnSpPr/>
+          <p:nvPr/>
+        </p:nvCxnSpPr>
+        <p:spPr>
+          <a:xfrm>
+            <a:off x="2180569" y="3455324"/>
+            <a:ext cx="4465052" cy="321629"/>
+          </a:xfrm>
+          <a:prstGeom prst="straightConnector1">
+            <a:avLst/>
+          </a:prstGeom>
+          <a:ln w="28575">
+            <a:solidFill>
+              <a:srgbClr val="FFFF00"/>
+            </a:solidFill>
+            <a:tailEnd type="triangle"/>
+          </a:ln>
+          <a:effectLst>
+            <a:reflection blurRad="6350" stA="52000" endA="300" endPos="35000" dir="5400000" sy="-100000" algn="bl" rotWithShape="0"/>
+          </a:effectLst>
+        </p:spPr>
+        <p:style>
+          <a:lnRef idx="1">
+            <a:schemeClr val="accent1"/>
+          </a:lnRef>
+          <a:fillRef idx="0">
+            <a:schemeClr val="accent1"/>
+          </a:fillRef>
+          <a:effectRef idx="0">
+            <a:schemeClr val="accent1"/>
+          </a:effectRef>
+          <a:fontRef idx="minor">
+            <a:schemeClr val="tx1"/>
+          </a:fontRef>
+        </p:style>
+      </p:cxnSp>
+      <p:cxnSp>
+        <p:nvCxnSpPr>
+          <p:cNvPr id="23" name="Straight Arrow Connector 22"/>
+          <p:cNvCxnSpPr/>
+          <p:nvPr/>
+        </p:nvCxnSpPr>
+        <p:spPr>
+          <a:xfrm flipH="1" flipV="1">
+            <a:off x="1331259" y="3996789"/>
+            <a:ext cx="511745" cy="986809"/>
+          </a:xfrm>
+          <a:prstGeom prst="straightConnector1">
+            <a:avLst/>
+          </a:prstGeom>
+          <a:ln w="28575">
+            <a:solidFill>
+              <a:srgbClr val="FF0000"/>
+            </a:solidFill>
+            <a:tailEnd type="triangle"/>
+          </a:ln>
+        </p:spPr>
+        <p:style>
+          <a:lnRef idx="1">
+            <a:schemeClr val="accent1"/>
+          </a:lnRef>
+          <a:fillRef idx="0">
+            <a:schemeClr val="accent1"/>
+          </a:fillRef>
+          <a:effectRef idx="0">
+            <a:schemeClr val="accent1"/>
+          </a:effectRef>
+          <a:fontRef idx="minor">
+            <a:schemeClr val="tx1"/>
+          </a:fontRef>
+        </p:style>
+      </p:cxnSp>
+      <p:cxnSp>
+        <p:nvCxnSpPr>
+          <p:cNvPr id="26" name="Straight Arrow Connector 25"/>
+          <p:cNvCxnSpPr/>
+          <p:nvPr/>
+        </p:nvCxnSpPr>
+        <p:spPr>
+          <a:xfrm flipH="1">
+            <a:off x="1963272" y="3496209"/>
+            <a:ext cx="1223681" cy="1487389"/>
+          </a:xfrm>
+          <a:prstGeom prst="straightConnector1">
+            <a:avLst/>
+          </a:prstGeom>
+          <a:ln w="28575">
+            <a:solidFill>
+              <a:srgbClr val="FF0000"/>
+            </a:solidFill>
+            <a:tailEnd type="triangle"/>
+          </a:ln>
+        </p:spPr>
+        <p:style>
+          <a:lnRef idx="1">
+            <a:schemeClr val="accent1"/>
+          </a:lnRef>
+          <a:fillRef idx="0">
+            <a:schemeClr val="accent1"/>
+          </a:fillRef>
+          <a:effectRef idx="0">
+            <a:schemeClr val="accent1"/>
+          </a:effectRef>
+          <a:fontRef idx="minor">
+            <a:schemeClr val="tx1"/>
+          </a:fontRef>
+        </p:style>
+      </p:cxnSp>
+      <p:sp>
+        <p:nvSpPr>
+          <p:cNvPr id="27" name="Date Placeholder 26"/>
+          <p:cNvSpPr>
+            <a:spLocks noGrp="1"/>
+          </p:cNvSpPr>
+          <p:nvPr>
+            <p:ph type="dt" sz="half" idx="10"/>
+          </p:nvPr>
+        </p:nvSpPr>
+        <p:spPr/>
+        <p:txBody>
+          <a:bodyPr/>
+          <a:lstStyle/>
+          <a:p>
+            <a:r>
+              <a:rPr lang="en-US" smtClean="0"/>
+              <a:t>5/6/2019</a:t>
+            </a:r>
+            <a:endParaRPr lang="en-US" dirty="0"/>
+          </a:p>
+        </p:txBody>
+      </p:sp>
+      <p:sp>
+        <p:nvSpPr>
+          <p:cNvPr id="28" name="Slide Number Placeholder 27"/>
+          <p:cNvSpPr>
+            <a:spLocks noGrp="1"/>
+          </p:cNvSpPr>
+          <p:nvPr>
+            <p:ph type="sldNum" sz="quarter" idx="12"/>
+          </p:nvPr>
+        </p:nvSpPr>
+        <p:spPr/>
+        <p:txBody>
+          <a:bodyPr/>
+          <a:lstStyle/>
+          <a:p>
+            <a:fld id="{6D22F896-40B5-4ADD-8801-0D06FADFA095}" type="slidenum">
+              <a:rPr lang="en-US" smtClean="0"/>
+              <a:t>54</a:t>
+            </a:fld>
+            <a:endParaRPr lang="en-US" dirty="0"/>
+          </a:p>
+        </p:txBody>
+      </p:sp>
+    </p:spTree>
+    <p:extLst>
+      <p:ext uri="{BB962C8B-B14F-4D97-AF65-F5344CB8AC3E}">
+        <p14:creationId xmlns:p14="http://schemas.microsoft.com/office/powerpoint/2010/main" val="1035559849"/>
+      </p:ext>
+    </p:extLst>
+  </p:cSld>
+  <p:clrMapOvr>
+    <a:masterClrMapping/>
+  </p:clrMapOvr>
+  <p:timing>
+    <p:tnLst>
+      <p:par>
+        <p:cTn id="1" dur="indefinite" restart="never" nodeType="tmRoot"/>
+      </p:par>
+    </p:tnLst>
+  </p:timing>
+</p:sld>
+</file>
+
+<file path=ppt/slides/slide55.xml><?xml version="1.0" encoding="utf-8"?>
+<p:sld xmlns:a="http://schemas.openxmlformats.org/drawingml/2006/main" xmlns:r="http://schemas.openxmlformats.org/officeDocument/2006/relationships" xmlns:p="http://schemas.openxmlformats.org/presentationml/2006/main">
+  <p:cSld>
+    <p:spTree>
+      <p:nvGrpSpPr>
+        <p:cNvPr id="1" name=""/>
+        <p:cNvGrpSpPr/>
+        <p:nvPr/>
+      </p:nvGrpSpPr>
+      <p:grpSpPr>
+        <a:xfrm>
+          <a:off x="0" y="0"/>
+          <a:ext cx="0" cy="0"/>
+          <a:chOff x="0" y="0"/>
+          <a:chExt cx="0" cy="0"/>
+        </a:xfrm>
+      </p:grpSpPr>
+      <p:sp>
+        <p:nvSpPr>
+          <p:cNvPr id="4" name="Title 3"/>
+          <p:cNvSpPr>
+            <a:spLocks noGrp="1"/>
+          </p:cNvSpPr>
+          <p:nvPr>
+            <p:ph type="title"/>
+          </p:nvPr>
+        </p:nvSpPr>
+        <p:spPr>
+          <a:xfrm>
+            <a:off x="1024466" y="753035"/>
+            <a:ext cx="10607239" cy="705077"/>
+          </a:xfrm>
+        </p:spPr>
+        <p:txBody>
+          <a:bodyPr/>
+          <a:lstStyle/>
+          <a:p>
+            <a:r>
+              <a:rPr lang="en-IN" b="1" dirty="0" smtClean="0"/>
+              <a:t>Chapter </a:t>
+            </a:r>
+            <a:r>
+              <a:rPr lang="en-IN" b="1" dirty="0" smtClean="0"/>
+              <a:t>11 </a:t>
+            </a:r>
+            <a:r>
+              <a:rPr lang="en-IN" b="1" dirty="0" smtClean="0"/>
+              <a:t>: </a:t>
+            </a:r>
+            <a:r>
+              <a:rPr lang="en-IN" b="1" dirty="0" smtClean="0"/>
+              <a:t>Template Reference Variable</a:t>
+            </a:r>
+            <a:endParaRPr lang="en-IN" b="1" dirty="0"/>
+          </a:p>
+        </p:txBody>
+      </p:sp>
+      <p:sp>
+        <p:nvSpPr>
+          <p:cNvPr id="5" name="Text Placeholder 4"/>
+          <p:cNvSpPr>
+            <a:spLocks noGrp="1"/>
+          </p:cNvSpPr>
+          <p:nvPr>
+            <p:ph type="body" idx="1"/>
+          </p:nvPr>
+        </p:nvSpPr>
+        <p:spPr>
+          <a:xfrm>
+            <a:off x="1025999" y="1888419"/>
+            <a:ext cx="10363660" cy="2481876"/>
+          </a:xfrm>
+        </p:spPr>
+        <p:txBody>
+          <a:bodyPr numCol="1">
+            <a:noAutofit/>
+          </a:bodyPr>
+          <a:lstStyle/>
+          <a:p>
+            <a:r>
+              <a:rPr lang="en-IN" sz="2400" dirty="0" smtClean="0"/>
+              <a:t>A way to pass a data from template component and pass that </a:t>
+            </a:r>
+            <a:r>
+              <a:rPr lang="en-IN" sz="2400" dirty="0" err="1" smtClean="0"/>
+              <a:t>vaue</a:t>
+            </a:r>
+            <a:r>
+              <a:rPr lang="en-IN" sz="2400" dirty="0" smtClean="0"/>
+              <a:t> to class through a event handler property.</a:t>
+            </a:r>
+          </a:p>
+          <a:p>
+            <a:r>
+              <a:rPr lang="en-IN" sz="2400" dirty="0" smtClean="0"/>
+              <a:t>In the below example,</a:t>
+            </a:r>
+          </a:p>
+          <a:p>
+            <a:r>
+              <a:rPr lang="en-IN" sz="2400" dirty="0" smtClean="0"/>
+              <a:t>	</a:t>
+            </a:r>
+            <a:r>
+              <a:rPr lang="en-IN" dirty="0" smtClean="0"/>
+              <a:t>We are passing the value types in the boxed while clicking the button. So we are binding textbox and button using </a:t>
+            </a:r>
+            <a:r>
+              <a:rPr lang="en-IN" b="1" dirty="0" smtClean="0">
+                <a:solidFill>
+                  <a:srgbClr val="FFFF00"/>
+                </a:solidFill>
+              </a:rPr>
+              <a:t>inputTxt</a:t>
+            </a:r>
+            <a:r>
+              <a:rPr lang="en-IN" b="1" dirty="0" smtClean="0"/>
+              <a:t> </a:t>
+            </a:r>
+            <a:r>
+              <a:rPr lang="en-IN" dirty="0" smtClean="0"/>
+              <a:t>and passing that to class through a even handler method </a:t>
+            </a:r>
+            <a:r>
+              <a:rPr lang="en-IN" dirty="0" err="1" smtClean="0">
+                <a:solidFill>
+                  <a:srgbClr val="FFFF00"/>
+                </a:solidFill>
+              </a:rPr>
+              <a:t>OnClick</a:t>
+            </a:r>
+            <a:r>
+              <a:rPr lang="en-IN" dirty="0" smtClean="0">
+                <a:solidFill>
+                  <a:srgbClr val="FFFF00"/>
+                </a:solidFill>
+              </a:rPr>
+              <a:t> </a:t>
+            </a:r>
+            <a:r>
+              <a:rPr lang="en-IN" dirty="0" smtClean="0"/>
+              <a:t>and passing the textbox box value as parameter</a:t>
+            </a:r>
+            <a:endParaRPr lang="en-IN" dirty="0"/>
+          </a:p>
+        </p:txBody>
+      </p:sp>
+      <p:sp>
+        <p:nvSpPr>
+          <p:cNvPr id="2" name="Rectangle 1"/>
+          <p:cNvSpPr/>
+          <p:nvPr/>
+        </p:nvSpPr>
+        <p:spPr>
+          <a:xfrm>
+            <a:off x="1165411" y="4819000"/>
+            <a:ext cx="10224247" cy="646331"/>
+          </a:xfrm>
+          <a:prstGeom prst="rect">
+            <a:avLst/>
+          </a:prstGeom>
+          <a:solidFill>
+            <a:srgbClr val="002060"/>
+          </a:solidFill>
+        </p:spPr>
+        <p:txBody>
+          <a:bodyPr wrap="square">
+            <a:spAutoFit/>
+          </a:bodyPr>
+          <a:lstStyle/>
+          <a:p>
+            <a:r>
+              <a:rPr lang="en-IN" dirty="0" smtClean="0">
+                <a:solidFill>
+                  <a:srgbClr val="808080"/>
+                </a:solidFill>
+                <a:latin typeface="Consolas" panose="020B0609020204030204" pitchFamily="49" charset="0"/>
+              </a:rPr>
+              <a:t>&lt;</a:t>
+            </a:r>
+            <a:r>
+              <a:rPr lang="en-IN" dirty="0">
+                <a:solidFill>
+                  <a:srgbClr val="569CD6"/>
+                </a:solidFill>
+                <a:latin typeface="Consolas" panose="020B0609020204030204" pitchFamily="49" charset="0"/>
+              </a:rPr>
+              <a:t>input</a:t>
+            </a:r>
+            <a:r>
+              <a:rPr lang="en-IN" dirty="0">
+                <a:solidFill>
+                  <a:srgbClr val="D4D4D4"/>
+                </a:solidFill>
+                <a:latin typeface="Consolas" panose="020B0609020204030204" pitchFamily="49" charset="0"/>
+              </a:rPr>
+              <a:t> </a:t>
+            </a:r>
+            <a:r>
+              <a:rPr lang="en-IN" dirty="0">
+                <a:solidFill>
+                  <a:srgbClr val="9CDCFE"/>
+                </a:solidFill>
+                <a:latin typeface="Consolas" panose="020B0609020204030204" pitchFamily="49" charset="0"/>
+              </a:rPr>
+              <a:t>#inputTxt</a:t>
+            </a:r>
+            <a:r>
+              <a:rPr lang="en-IN" dirty="0">
+                <a:solidFill>
+                  <a:srgbClr val="D4D4D4"/>
+                </a:solidFill>
+                <a:latin typeface="Consolas" panose="020B0609020204030204" pitchFamily="49" charset="0"/>
+              </a:rPr>
+              <a:t> </a:t>
+            </a:r>
+            <a:r>
+              <a:rPr lang="en-IN" dirty="0">
+                <a:solidFill>
+                  <a:srgbClr val="9CDCFE"/>
+                </a:solidFill>
+                <a:latin typeface="Consolas" panose="020B0609020204030204" pitchFamily="49" charset="0"/>
+              </a:rPr>
+              <a:t>type</a:t>
+            </a:r>
+            <a:r>
+              <a:rPr lang="en-IN" dirty="0">
+                <a:solidFill>
+                  <a:srgbClr val="D4D4D4"/>
+                </a:solidFill>
+                <a:latin typeface="Consolas" panose="020B0609020204030204" pitchFamily="49" charset="0"/>
+              </a:rPr>
+              <a:t>=</a:t>
+            </a:r>
+            <a:r>
+              <a:rPr lang="en-IN" dirty="0">
+                <a:solidFill>
+                  <a:srgbClr val="CE9178"/>
+                </a:solidFill>
+                <a:latin typeface="Consolas" panose="020B0609020204030204" pitchFamily="49" charset="0"/>
+              </a:rPr>
+              <a:t>"text"</a:t>
+            </a:r>
+            <a:r>
+              <a:rPr lang="en-IN" dirty="0">
+                <a:solidFill>
+                  <a:srgbClr val="808080"/>
+                </a:solidFill>
+                <a:latin typeface="Consolas" panose="020B0609020204030204" pitchFamily="49" charset="0"/>
+              </a:rPr>
+              <a:t>/&gt;</a:t>
+            </a:r>
+            <a:endParaRPr lang="en-IN" dirty="0">
+              <a:solidFill>
+                <a:srgbClr val="D4D4D4"/>
+              </a:solidFill>
+              <a:latin typeface="Consolas" panose="020B0609020204030204" pitchFamily="49" charset="0"/>
+            </a:endParaRPr>
+          </a:p>
+          <a:p>
+            <a:r>
+              <a:rPr lang="en-IN" dirty="0">
+                <a:solidFill>
+                  <a:srgbClr val="808080"/>
+                </a:solidFill>
+                <a:latin typeface="Consolas" panose="020B0609020204030204" pitchFamily="49" charset="0"/>
+              </a:rPr>
+              <a:t>&lt;</a:t>
+            </a:r>
+            <a:r>
+              <a:rPr lang="en-IN" dirty="0">
+                <a:solidFill>
+                  <a:srgbClr val="569CD6"/>
+                </a:solidFill>
+                <a:latin typeface="Consolas" panose="020B0609020204030204" pitchFamily="49" charset="0"/>
+              </a:rPr>
+              <a:t>input</a:t>
+            </a:r>
+            <a:r>
+              <a:rPr lang="en-IN" dirty="0">
+                <a:solidFill>
+                  <a:srgbClr val="D4D4D4"/>
+                </a:solidFill>
+                <a:latin typeface="Consolas" panose="020B0609020204030204" pitchFamily="49" charset="0"/>
+              </a:rPr>
+              <a:t> </a:t>
+            </a:r>
+            <a:r>
+              <a:rPr lang="en-IN" dirty="0">
+                <a:solidFill>
+                  <a:srgbClr val="9CDCFE"/>
+                </a:solidFill>
+                <a:latin typeface="Consolas" panose="020B0609020204030204" pitchFamily="49" charset="0"/>
+              </a:rPr>
+              <a:t>(click)</a:t>
+            </a:r>
+            <a:r>
+              <a:rPr lang="en-IN" dirty="0">
+                <a:solidFill>
+                  <a:srgbClr val="D4D4D4"/>
+                </a:solidFill>
+                <a:latin typeface="Consolas" panose="020B0609020204030204" pitchFamily="49" charset="0"/>
+              </a:rPr>
+              <a:t>='</a:t>
+            </a:r>
+            <a:r>
+              <a:rPr lang="en-IN" dirty="0" err="1">
+                <a:solidFill>
+                  <a:srgbClr val="DCDCAA"/>
+                </a:solidFill>
+                <a:latin typeface="Consolas" panose="020B0609020204030204" pitchFamily="49" charset="0"/>
+              </a:rPr>
+              <a:t>OnClick</a:t>
+            </a:r>
+            <a:r>
+              <a:rPr lang="en-IN" dirty="0">
+                <a:solidFill>
+                  <a:srgbClr val="D4D4D4"/>
+                </a:solidFill>
+                <a:latin typeface="Consolas" panose="020B0609020204030204" pitchFamily="49" charset="0"/>
+              </a:rPr>
+              <a:t>(</a:t>
+            </a:r>
+            <a:r>
+              <a:rPr lang="en-IN" dirty="0" err="1">
+                <a:solidFill>
+                  <a:srgbClr val="9CDCFE"/>
+                </a:solidFill>
+                <a:latin typeface="Consolas" panose="020B0609020204030204" pitchFamily="49" charset="0"/>
+              </a:rPr>
+              <a:t>inputTxt</a:t>
+            </a:r>
+            <a:r>
+              <a:rPr lang="en-IN" dirty="0" err="1">
+                <a:solidFill>
+                  <a:srgbClr val="D4D4D4"/>
+                </a:solidFill>
+                <a:latin typeface="Consolas" panose="020B0609020204030204" pitchFamily="49" charset="0"/>
+              </a:rPr>
+              <a:t>.</a:t>
+            </a:r>
+            <a:r>
+              <a:rPr lang="en-IN" dirty="0" err="1">
+                <a:solidFill>
+                  <a:srgbClr val="9CDCFE"/>
+                </a:solidFill>
+                <a:latin typeface="Consolas" panose="020B0609020204030204" pitchFamily="49" charset="0"/>
+              </a:rPr>
+              <a:t>value</a:t>
+            </a:r>
+            <a:r>
+              <a:rPr lang="en-IN" dirty="0">
+                <a:solidFill>
+                  <a:srgbClr val="D4D4D4"/>
+                </a:solidFill>
+                <a:latin typeface="Consolas" panose="020B0609020204030204" pitchFamily="49" charset="0"/>
+              </a:rPr>
+              <a:t>)' </a:t>
+            </a:r>
+            <a:r>
+              <a:rPr lang="en-IN" dirty="0">
+                <a:solidFill>
+                  <a:srgbClr val="9CDCFE"/>
+                </a:solidFill>
+                <a:latin typeface="Consolas" panose="020B0609020204030204" pitchFamily="49" charset="0"/>
+              </a:rPr>
+              <a:t>type</a:t>
+            </a:r>
+            <a:r>
+              <a:rPr lang="en-IN" dirty="0">
+                <a:solidFill>
+                  <a:srgbClr val="D4D4D4"/>
+                </a:solidFill>
+                <a:latin typeface="Consolas" panose="020B0609020204030204" pitchFamily="49" charset="0"/>
+              </a:rPr>
+              <a:t> =</a:t>
+            </a:r>
+            <a:r>
+              <a:rPr lang="en-IN" dirty="0" smtClean="0">
+                <a:solidFill>
+                  <a:srgbClr val="CE9178"/>
+                </a:solidFill>
+                <a:latin typeface="Consolas" panose="020B0609020204030204" pitchFamily="49" charset="0"/>
+              </a:rPr>
+              <a:t>'button`</a:t>
+            </a:r>
+            <a:r>
+              <a:rPr lang="en-IN" dirty="0" smtClean="0">
+                <a:solidFill>
+                  <a:srgbClr val="D4D4D4"/>
+                </a:solidFill>
+                <a:latin typeface="Consolas" panose="020B0609020204030204" pitchFamily="49" charset="0"/>
+              </a:rPr>
+              <a:t> </a:t>
+            </a:r>
+            <a:r>
+              <a:rPr lang="en-IN" dirty="0" smtClean="0">
+                <a:solidFill>
+                  <a:srgbClr val="9CDCFE"/>
+                </a:solidFill>
+                <a:latin typeface="Consolas" panose="020B0609020204030204" pitchFamily="49" charset="0"/>
+              </a:rPr>
+              <a:t>value</a:t>
+            </a:r>
+            <a:r>
+              <a:rPr lang="en-IN" dirty="0">
+                <a:solidFill>
+                  <a:srgbClr val="D4D4D4"/>
+                </a:solidFill>
+                <a:latin typeface="Consolas" panose="020B0609020204030204" pitchFamily="49" charset="0"/>
+              </a:rPr>
+              <a:t>=</a:t>
+            </a:r>
+            <a:r>
+              <a:rPr lang="en-IN" dirty="0">
+                <a:solidFill>
+                  <a:srgbClr val="CE9178"/>
+                </a:solidFill>
+                <a:latin typeface="Consolas" panose="020B0609020204030204" pitchFamily="49" charset="0"/>
+              </a:rPr>
+              <a:t>'Click</a:t>
+            </a:r>
+            <a:r>
+              <a:rPr lang="en-IN" dirty="0" smtClean="0">
+                <a:solidFill>
+                  <a:srgbClr val="CE9178"/>
+                </a:solidFill>
+                <a:latin typeface="Consolas" panose="020B0609020204030204" pitchFamily="49" charset="0"/>
+              </a:rPr>
+              <a:t>'</a:t>
+            </a:r>
+            <a:r>
+              <a:rPr lang="en-IN" dirty="0" smtClean="0">
+                <a:solidFill>
+                  <a:srgbClr val="808080"/>
+                </a:solidFill>
+                <a:latin typeface="Consolas" panose="020B0609020204030204" pitchFamily="49" charset="0"/>
+              </a:rPr>
+              <a:t>/&gt;</a:t>
+            </a:r>
+            <a:endParaRPr lang="en-IN" b="0" dirty="0">
+              <a:solidFill>
+                <a:srgbClr val="D4D4D4"/>
+              </a:solidFill>
+              <a:effectLst/>
+              <a:latin typeface="Consolas" panose="020B0609020204030204" pitchFamily="49" charset="0"/>
+            </a:endParaRPr>
+          </a:p>
+        </p:txBody>
+      </p:sp>
+      <p:sp>
+        <p:nvSpPr>
+          <p:cNvPr id="3" name="Rectangle 2"/>
+          <p:cNvSpPr/>
+          <p:nvPr/>
+        </p:nvSpPr>
+        <p:spPr>
+          <a:xfrm>
+            <a:off x="2067180" y="4854999"/>
+            <a:ext cx="1271358" cy="281166"/>
+          </a:xfrm>
+          <a:prstGeom prst="rect">
+            <a:avLst/>
+          </a:prstGeom>
+          <a:noFill/>
+          <a:ln w="28575">
+            <a:solidFill>
+              <a:srgbClr val="FFFF00"/>
+            </a:solidFill>
+          </a:ln>
+        </p:spPr>
+        <p:style>
+          <a:lnRef idx="2">
+            <a:schemeClr val="accent1">
+              <a:shade val="50000"/>
+            </a:schemeClr>
+          </a:lnRef>
+          <a:fillRef idx="1">
+            <a:schemeClr val="accent1"/>
+          </a:fillRef>
+          <a:effectRef idx="0">
+            <a:schemeClr val="accent1"/>
+          </a:effectRef>
+          <a:fontRef idx="minor">
+            <a:schemeClr val="lt1"/>
+          </a:fontRef>
+        </p:style>
+        <p:txBody>
+          <a:bodyPr rtlCol="0" anchor="ctr"/>
+          <a:lstStyle/>
+          <a:p>
+            <a:pPr algn="ctr"/>
+            <a:endParaRPr lang="en-IN"/>
+          </a:p>
+        </p:txBody>
+      </p:sp>
+      <p:sp>
+        <p:nvSpPr>
+          <p:cNvPr id="6" name="Rectangle 5"/>
+          <p:cNvSpPr/>
+          <p:nvPr/>
+        </p:nvSpPr>
+        <p:spPr>
+          <a:xfrm>
+            <a:off x="4227676" y="5136165"/>
+            <a:ext cx="1861395" cy="281166"/>
+          </a:xfrm>
+          <a:prstGeom prst="rect">
+            <a:avLst/>
+          </a:prstGeom>
+          <a:noFill/>
+          <a:ln w="28575">
+            <a:solidFill>
+              <a:srgbClr val="FFFF00"/>
+            </a:solidFill>
+          </a:ln>
+        </p:spPr>
+        <p:style>
+          <a:lnRef idx="2">
+            <a:schemeClr val="accent1">
+              <a:shade val="50000"/>
+            </a:schemeClr>
+          </a:lnRef>
+          <a:fillRef idx="1">
+            <a:schemeClr val="accent1"/>
+          </a:fillRef>
+          <a:effectRef idx="0">
+            <a:schemeClr val="accent1"/>
+          </a:effectRef>
+          <a:fontRef idx="minor">
+            <a:schemeClr val="lt1"/>
+          </a:fontRef>
+        </p:style>
+        <p:txBody>
+          <a:bodyPr rtlCol="0" anchor="ctr"/>
+          <a:lstStyle/>
+          <a:p>
+            <a:pPr algn="ctr"/>
+            <a:endParaRPr lang="en-IN"/>
+          </a:p>
+        </p:txBody>
+      </p:sp>
+      <p:sp>
+        <p:nvSpPr>
+          <p:cNvPr id="7" name="Date Placeholder 6"/>
+          <p:cNvSpPr>
+            <a:spLocks noGrp="1"/>
+          </p:cNvSpPr>
+          <p:nvPr>
+            <p:ph type="dt" sz="half" idx="10"/>
+          </p:nvPr>
+        </p:nvSpPr>
+        <p:spPr/>
+        <p:txBody>
+          <a:bodyPr/>
+          <a:lstStyle/>
+          <a:p>
+            <a:r>
+              <a:rPr lang="en-US" smtClean="0"/>
+              <a:t>5/6/2019</a:t>
+            </a:r>
+            <a:endParaRPr lang="en-US" dirty="0"/>
+          </a:p>
+        </p:txBody>
+      </p:sp>
+      <p:sp>
+        <p:nvSpPr>
+          <p:cNvPr id="8" name="Slide Number Placeholder 7"/>
+          <p:cNvSpPr>
+            <a:spLocks noGrp="1"/>
+          </p:cNvSpPr>
+          <p:nvPr>
+            <p:ph type="sldNum" sz="quarter" idx="12"/>
+          </p:nvPr>
+        </p:nvSpPr>
+        <p:spPr/>
+        <p:txBody>
+          <a:bodyPr/>
+          <a:lstStyle/>
+          <a:p>
+            <a:fld id="{6D22F896-40B5-4ADD-8801-0D06FADFA095}" type="slidenum">
+              <a:rPr lang="en-US" smtClean="0"/>
+              <a:t>55</a:t>
+            </a:fld>
+            <a:endParaRPr lang="en-US" dirty="0"/>
+          </a:p>
+        </p:txBody>
+      </p:sp>
+    </p:spTree>
+    <p:extLst>
+      <p:ext uri="{BB962C8B-B14F-4D97-AF65-F5344CB8AC3E}">
+        <p14:creationId xmlns:p14="http://schemas.microsoft.com/office/powerpoint/2010/main" val="998270071"/>
+      </p:ext>
+    </p:extLst>
+  </p:cSld>
+  <p:clrMapOvr>
+    <a:masterClrMapping/>
+  </p:clrMapOvr>
+  <p:timing>
+    <p:tnLst>
+      <p:par>
+        <p:cTn id="1" dur="indefinite" restart="never" nodeType="tmRoot"/>
+      </p:par>
+    </p:tnLst>
+  </p:timing>
+</p:sld>
+</file>
+
+<file path=ppt/slides/slide56.xml><?xml version="1.0" encoding="utf-8"?>
+<p:sld xmlns:a="http://schemas.openxmlformats.org/drawingml/2006/main" xmlns:r="http://schemas.openxmlformats.org/officeDocument/2006/relationships" xmlns:p="http://schemas.openxmlformats.org/presentationml/2006/main">
+  <p:cSld>
+    <p:spTree>
+      <p:nvGrpSpPr>
+        <p:cNvPr id="1" name=""/>
+        <p:cNvGrpSpPr/>
+        <p:nvPr/>
+      </p:nvGrpSpPr>
+      <p:grpSpPr>
+        <a:xfrm>
+          <a:off x="0" y="0"/>
+          <a:ext cx="0" cy="0"/>
+          <a:chOff x="0" y="0"/>
+          <a:chExt cx="0" cy="0"/>
+        </a:xfrm>
+      </p:grpSpPr>
+      <p:pic>
+        <p:nvPicPr>
+          <p:cNvPr id="5" name="Picture 4"/>
+          <p:cNvPicPr>
+            <a:picLocks noChangeAspect="1"/>
+          </p:cNvPicPr>
+          <p:nvPr/>
+        </p:nvPicPr>
+        <p:blipFill>
+          <a:blip r:embed="rId3"/>
+          <a:stretch>
+            <a:fillRect/>
+          </a:stretch>
+        </p:blipFill>
+        <p:spPr>
+          <a:xfrm>
+            <a:off x="7317877" y="2668400"/>
+            <a:ext cx="2714625" cy="1895475"/>
+          </a:xfrm>
+          <a:prstGeom prst="rect">
+            <a:avLst/>
+          </a:prstGeom>
+          <a:ln>
+            <a:solidFill>
+              <a:schemeClr val="bg1">
+                <a:lumMod val="50000"/>
+              </a:schemeClr>
+            </a:solidFill>
+          </a:ln>
+        </p:spPr>
+      </p:pic>
+      <p:pic>
+        <p:nvPicPr>
+          <p:cNvPr id="4" name="Picture 3"/>
+          <p:cNvPicPr>
+            <a:picLocks noChangeAspect="1"/>
+          </p:cNvPicPr>
+          <p:nvPr/>
+        </p:nvPicPr>
+        <p:blipFill>
+          <a:blip r:embed="rId4"/>
+          <a:stretch>
+            <a:fillRect/>
+          </a:stretch>
+        </p:blipFill>
+        <p:spPr>
+          <a:xfrm>
+            <a:off x="628650" y="2439678"/>
+            <a:ext cx="5753100" cy="3600450"/>
+          </a:xfrm>
+          <a:prstGeom prst="rect">
+            <a:avLst/>
+          </a:prstGeom>
+        </p:spPr>
+      </p:pic>
+      <p:sp>
+        <p:nvSpPr>
+          <p:cNvPr id="2" name="Title 1"/>
+          <p:cNvSpPr>
+            <a:spLocks noGrp="1"/>
+          </p:cNvSpPr>
+          <p:nvPr>
+            <p:ph type="title"/>
+          </p:nvPr>
+        </p:nvSpPr>
+        <p:spPr/>
+        <p:txBody>
+          <a:bodyPr/>
+          <a:lstStyle/>
+          <a:p>
+            <a:r>
+              <a:rPr lang="en-IN" b="1" dirty="0" smtClean="0"/>
+              <a:t>11.1 </a:t>
+            </a:r>
+            <a:r>
+              <a:rPr lang="en-IN" b="1" dirty="0" smtClean="0"/>
+              <a:t>Template Reference Variable</a:t>
+            </a:r>
+            <a:endParaRPr lang="en-IN" sz="2000" dirty="0"/>
+          </a:p>
+        </p:txBody>
+      </p:sp>
+      <p:cxnSp>
+        <p:nvCxnSpPr>
+          <p:cNvPr id="16" name="Straight Arrow Connector 15"/>
+          <p:cNvCxnSpPr/>
+          <p:nvPr/>
+        </p:nvCxnSpPr>
+        <p:spPr>
+          <a:xfrm flipH="1">
+            <a:off x="1331259" y="3616137"/>
+            <a:ext cx="1317812" cy="1776134"/>
+          </a:xfrm>
+          <a:prstGeom prst="straightConnector1">
+            <a:avLst/>
+          </a:prstGeom>
+          <a:ln w="28575">
+            <a:solidFill>
+              <a:srgbClr val="00B0F0"/>
+            </a:solidFill>
+            <a:tailEnd type="triangle"/>
+          </a:ln>
+        </p:spPr>
+        <p:style>
+          <a:lnRef idx="1">
+            <a:schemeClr val="accent1"/>
+          </a:lnRef>
+          <a:fillRef idx="0">
+            <a:schemeClr val="accent1"/>
+          </a:fillRef>
+          <a:effectRef idx="0">
+            <a:schemeClr val="accent1"/>
+          </a:effectRef>
+          <a:fontRef idx="minor">
+            <a:schemeClr val="tx1"/>
+          </a:fontRef>
+        </p:style>
+      </p:cxnSp>
+      <p:cxnSp>
+        <p:nvCxnSpPr>
+          <p:cNvPr id="30" name="Straight Arrow Connector 29"/>
+          <p:cNvCxnSpPr/>
+          <p:nvPr/>
+        </p:nvCxnSpPr>
+        <p:spPr>
+          <a:xfrm>
+            <a:off x="3186953" y="3357398"/>
+            <a:ext cx="4719918" cy="258739"/>
+          </a:xfrm>
+          <a:prstGeom prst="straightConnector1">
+            <a:avLst/>
+          </a:prstGeom>
+          <a:ln w="28575">
+            <a:solidFill>
+              <a:schemeClr val="accent6">
+                <a:lumMod val="50000"/>
+              </a:schemeClr>
+            </a:solidFill>
+            <a:tailEnd type="triangle"/>
+          </a:ln>
+          <a:effectLst>
+            <a:reflection blurRad="6350" stA="52000" endA="300" endPos="35000" dir="5400000" sy="-100000" algn="bl" rotWithShape="0"/>
+          </a:effectLst>
+        </p:spPr>
+        <p:style>
+          <a:lnRef idx="1">
+            <a:schemeClr val="accent1"/>
+          </a:lnRef>
+          <a:fillRef idx="0">
+            <a:schemeClr val="accent1"/>
+          </a:fillRef>
+          <a:effectRef idx="0">
+            <a:schemeClr val="accent1"/>
+          </a:effectRef>
+          <a:fontRef idx="minor">
+            <a:schemeClr val="tx1"/>
+          </a:fontRef>
+        </p:style>
+      </p:cxnSp>
+      <p:cxnSp>
+        <p:nvCxnSpPr>
+          <p:cNvPr id="23" name="Straight Arrow Connector 22"/>
+          <p:cNvCxnSpPr/>
+          <p:nvPr/>
+        </p:nvCxnSpPr>
+        <p:spPr>
+          <a:xfrm flipH="1" flipV="1">
+            <a:off x="1331260" y="3996790"/>
+            <a:ext cx="658905" cy="1637528"/>
+          </a:xfrm>
+          <a:prstGeom prst="straightConnector1">
+            <a:avLst/>
+          </a:prstGeom>
+          <a:ln w="28575">
+            <a:solidFill>
+              <a:srgbClr val="FF0000"/>
+            </a:solidFill>
+            <a:tailEnd type="triangle"/>
+          </a:ln>
+        </p:spPr>
+        <p:style>
+          <a:lnRef idx="1">
+            <a:schemeClr val="accent1"/>
+          </a:lnRef>
+          <a:fillRef idx="0">
+            <a:schemeClr val="accent1"/>
+          </a:fillRef>
+          <a:effectRef idx="0">
+            <a:schemeClr val="accent1"/>
+          </a:effectRef>
+          <a:fontRef idx="minor">
+            <a:schemeClr val="tx1"/>
+          </a:fontRef>
+        </p:style>
+      </p:cxnSp>
+      <p:cxnSp>
+        <p:nvCxnSpPr>
+          <p:cNvPr id="26" name="Straight Arrow Connector 25"/>
+          <p:cNvCxnSpPr/>
+          <p:nvPr/>
+        </p:nvCxnSpPr>
+        <p:spPr>
+          <a:xfrm>
+            <a:off x="2125393" y="3346312"/>
+            <a:ext cx="1379807" cy="140455"/>
+          </a:xfrm>
+          <a:prstGeom prst="straightConnector1">
+            <a:avLst/>
+          </a:prstGeom>
+          <a:ln w="28575">
+            <a:solidFill>
+              <a:srgbClr val="00B0F0"/>
+            </a:solidFill>
+            <a:tailEnd type="triangle"/>
+          </a:ln>
+        </p:spPr>
+        <p:style>
+          <a:lnRef idx="1">
+            <a:schemeClr val="accent1"/>
+          </a:lnRef>
+          <a:fillRef idx="0">
+            <a:schemeClr val="accent1"/>
+          </a:fillRef>
+          <a:effectRef idx="0">
+            <a:schemeClr val="accent1"/>
+          </a:effectRef>
+          <a:fontRef idx="minor">
+            <a:schemeClr val="tx1"/>
+          </a:fontRef>
+        </p:style>
+      </p:cxnSp>
+      <p:cxnSp>
+        <p:nvCxnSpPr>
+          <p:cNvPr id="18" name="Straight Arrow Connector 17"/>
+          <p:cNvCxnSpPr/>
+          <p:nvPr/>
+        </p:nvCxnSpPr>
+        <p:spPr>
+          <a:xfrm>
+            <a:off x="1331258" y="4051845"/>
+            <a:ext cx="6131860" cy="62955"/>
+          </a:xfrm>
+          <a:prstGeom prst="straightConnector1">
+            <a:avLst/>
+          </a:prstGeom>
+          <a:ln w="28575">
+            <a:solidFill>
+              <a:srgbClr val="FF0000"/>
+            </a:solidFill>
+            <a:tailEnd type="triangle"/>
+          </a:ln>
+        </p:spPr>
+        <p:style>
+          <a:lnRef idx="1">
+            <a:schemeClr val="accent1"/>
+          </a:lnRef>
+          <a:fillRef idx="0">
+            <a:schemeClr val="accent1"/>
+          </a:fillRef>
+          <a:effectRef idx="0">
+            <a:schemeClr val="accent1"/>
+          </a:effectRef>
+          <a:fontRef idx="minor">
+            <a:schemeClr val="tx1"/>
+          </a:fontRef>
+        </p:style>
+      </p:cxnSp>
+      <p:cxnSp>
+        <p:nvCxnSpPr>
+          <p:cNvPr id="21" name="Straight Arrow Connector 20"/>
+          <p:cNvCxnSpPr/>
+          <p:nvPr/>
+        </p:nvCxnSpPr>
+        <p:spPr>
+          <a:xfrm flipH="1">
+            <a:off x="2125393" y="3537563"/>
+            <a:ext cx="1700115" cy="1755340"/>
+          </a:xfrm>
+          <a:prstGeom prst="straightConnector1">
+            <a:avLst/>
+          </a:prstGeom>
+          <a:ln w="28575">
+            <a:solidFill>
+              <a:srgbClr val="FF0000"/>
+            </a:solidFill>
+            <a:tailEnd type="triangle"/>
+          </a:ln>
+        </p:spPr>
+        <p:style>
+          <a:lnRef idx="1">
+            <a:schemeClr val="accent1"/>
+          </a:lnRef>
+          <a:fillRef idx="0">
+            <a:schemeClr val="accent1"/>
+          </a:fillRef>
+          <a:effectRef idx="0">
+            <a:schemeClr val="accent1"/>
+          </a:effectRef>
+          <a:fontRef idx="minor">
+            <a:schemeClr val="tx1"/>
+          </a:fontRef>
+        </p:style>
+      </p:cxnSp>
+      <p:cxnSp>
+        <p:nvCxnSpPr>
+          <p:cNvPr id="25" name="Straight Arrow Connector 24"/>
+          <p:cNvCxnSpPr/>
+          <p:nvPr/>
+        </p:nvCxnSpPr>
+        <p:spPr>
+          <a:xfrm>
+            <a:off x="1966270" y="3616137"/>
+            <a:ext cx="7191177" cy="178812"/>
+          </a:xfrm>
+          <a:prstGeom prst="straightConnector1">
+            <a:avLst/>
+          </a:prstGeom>
+          <a:ln w="28575">
+            <a:solidFill>
+              <a:srgbClr val="00B0F0"/>
+            </a:solidFill>
+            <a:tailEnd type="triangle"/>
+          </a:ln>
+        </p:spPr>
+        <p:style>
+          <a:lnRef idx="1">
+            <a:schemeClr val="accent1"/>
+          </a:lnRef>
+          <a:fillRef idx="0">
+            <a:schemeClr val="accent1"/>
+          </a:fillRef>
+          <a:effectRef idx="0">
+            <a:schemeClr val="accent1"/>
+          </a:effectRef>
+          <a:fontRef idx="minor">
+            <a:schemeClr val="tx1"/>
+          </a:fontRef>
+        </p:style>
+      </p:cxnSp>
+      <p:sp>
+        <p:nvSpPr>
+          <p:cNvPr id="27" name="Date Placeholder 26"/>
+          <p:cNvSpPr>
+            <a:spLocks noGrp="1"/>
+          </p:cNvSpPr>
+          <p:nvPr>
+            <p:ph type="dt" sz="half" idx="10"/>
+          </p:nvPr>
+        </p:nvSpPr>
+        <p:spPr/>
+        <p:txBody>
+          <a:bodyPr/>
+          <a:lstStyle/>
+          <a:p>
+            <a:r>
+              <a:rPr lang="en-US" smtClean="0"/>
+              <a:t>5/6/2019</a:t>
+            </a:r>
+            <a:endParaRPr lang="en-US" dirty="0"/>
+          </a:p>
+        </p:txBody>
+      </p:sp>
+      <p:sp>
+        <p:nvSpPr>
+          <p:cNvPr id="28" name="Slide Number Placeholder 27"/>
+          <p:cNvSpPr>
+            <a:spLocks noGrp="1"/>
+          </p:cNvSpPr>
+          <p:nvPr>
+            <p:ph type="sldNum" sz="quarter" idx="12"/>
+          </p:nvPr>
+        </p:nvSpPr>
+        <p:spPr/>
+        <p:txBody>
+          <a:bodyPr/>
+          <a:lstStyle/>
+          <a:p>
+            <a:fld id="{6D22F896-40B5-4ADD-8801-0D06FADFA095}" type="slidenum">
+              <a:rPr lang="en-US" smtClean="0"/>
+              <a:t>56</a:t>
+            </a:fld>
+            <a:endParaRPr lang="en-US" dirty="0"/>
+          </a:p>
+        </p:txBody>
+      </p:sp>
+    </p:spTree>
+    <p:extLst>
+      <p:ext uri="{BB962C8B-B14F-4D97-AF65-F5344CB8AC3E}">
+        <p14:creationId xmlns:p14="http://schemas.microsoft.com/office/powerpoint/2010/main" val="3624252173"/>
       </p:ext>
     </p:extLst>
   </p:cSld>
@@ -29040,6 +34576,52 @@
                 <a:srgbClr val="7030A0"/>
               </a:solidFill>
             </a:endParaRPr>
+          </a:p>
+        </p:txBody>
+      </p:sp>
+      <p:sp>
+        <p:nvSpPr>
+          <p:cNvPr id="4" name="Date Placeholder 3"/>
+          <p:cNvSpPr>
+            <a:spLocks noGrp="1"/>
+          </p:cNvSpPr>
+          <p:nvPr>
+            <p:ph type="dt" sz="half" idx="10"/>
+          </p:nvPr>
+        </p:nvSpPr>
+        <p:spPr/>
+        <p:txBody>
+          <a:bodyPr/>
+          <a:lstStyle/>
+          <a:p>
+            <a:r>
+              <a:rPr lang="en-US" smtClean="0"/>
+              <a:t>5/6/2019</a:t>
+            </a:r>
+            <a:endParaRPr lang="en-US" dirty="0"/>
+          </a:p>
+        </p:txBody>
+      </p:sp>
+      <p:sp>
+        <p:nvSpPr>
+          <p:cNvPr id="5" name="Slide Number Placeholder 4"/>
+          <p:cNvSpPr>
+            <a:spLocks noGrp="1"/>
+          </p:cNvSpPr>
+          <p:nvPr>
+            <p:ph type="sldNum" sz="quarter" idx="12"/>
+          </p:nvPr>
+        </p:nvSpPr>
+        <p:spPr/>
+        <p:txBody>
+          <a:bodyPr/>
+          <a:lstStyle/>
+          <a:p>
+            <a:fld id="{6D22F896-40B5-4ADD-8801-0D06FADFA095}" type="slidenum">
+              <a:rPr lang="en-US" smtClean="0"/>
+              <a:t>6</a:t>
+            </a:fld>
+            <a:endParaRPr lang="en-US" dirty="0"/>
           </a:p>
         </p:txBody>
       </p:sp>
@@ -29300,6 +34882,52 @@
           </a:p>
         </p:txBody>
       </p:sp>
+      <p:sp>
+        <p:nvSpPr>
+          <p:cNvPr id="4" name="Date Placeholder 3"/>
+          <p:cNvSpPr>
+            <a:spLocks noGrp="1"/>
+          </p:cNvSpPr>
+          <p:nvPr>
+            <p:ph type="dt" sz="half" idx="10"/>
+          </p:nvPr>
+        </p:nvSpPr>
+        <p:spPr/>
+        <p:txBody>
+          <a:bodyPr/>
+          <a:lstStyle/>
+          <a:p>
+            <a:r>
+              <a:rPr lang="en-US" smtClean="0"/>
+              <a:t>5/6/2019</a:t>
+            </a:r>
+            <a:endParaRPr lang="en-US" dirty="0"/>
+          </a:p>
+        </p:txBody>
+      </p:sp>
+      <p:sp>
+        <p:nvSpPr>
+          <p:cNvPr id="7" name="Slide Number Placeholder 6"/>
+          <p:cNvSpPr>
+            <a:spLocks noGrp="1"/>
+          </p:cNvSpPr>
+          <p:nvPr>
+            <p:ph type="sldNum" sz="quarter" idx="12"/>
+          </p:nvPr>
+        </p:nvSpPr>
+        <p:spPr/>
+        <p:txBody>
+          <a:bodyPr/>
+          <a:lstStyle/>
+          <a:p>
+            <a:fld id="{6D22F896-40B5-4ADD-8801-0D06FADFA095}" type="slidenum">
+              <a:rPr lang="en-US" smtClean="0"/>
+              <a:t>7</a:t>
+            </a:fld>
+            <a:endParaRPr lang="en-US" dirty="0"/>
+          </a:p>
+        </p:txBody>
+      </p:sp>
     </p:spTree>
     <p:extLst>
       <p:ext uri="{BB962C8B-B14F-4D97-AF65-F5344CB8AC3E}">
@@ -29503,6 +35131,52 @@
           </a:prstGeom>
         </p:spPr>
       </p:pic>
+      <p:sp>
+        <p:nvSpPr>
+          <p:cNvPr id="3" name="Date Placeholder 2"/>
+          <p:cNvSpPr>
+            <a:spLocks noGrp="1"/>
+          </p:cNvSpPr>
+          <p:nvPr>
+            <p:ph type="dt" sz="half" idx="10"/>
+          </p:nvPr>
+        </p:nvSpPr>
+        <p:spPr/>
+        <p:txBody>
+          <a:bodyPr/>
+          <a:lstStyle/>
+          <a:p>
+            <a:r>
+              <a:rPr lang="en-US" smtClean="0"/>
+              <a:t>5/6/2019</a:t>
+            </a:r>
+            <a:endParaRPr lang="en-US" dirty="0"/>
+          </a:p>
+        </p:txBody>
+      </p:sp>
+      <p:sp>
+        <p:nvSpPr>
+          <p:cNvPr id="4" name="Slide Number Placeholder 3"/>
+          <p:cNvSpPr>
+            <a:spLocks noGrp="1"/>
+          </p:cNvSpPr>
+          <p:nvPr>
+            <p:ph type="sldNum" sz="quarter" idx="12"/>
+          </p:nvPr>
+        </p:nvSpPr>
+        <p:spPr/>
+        <p:txBody>
+          <a:bodyPr/>
+          <a:lstStyle/>
+          <a:p>
+            <a:fld id="{6D22F896-40B5-4ADD-8801-0D06FADFA095}" type="slidenum">
+              <a:rPr lang="en-US" smtClean="0"/>
+              <a:t>8</a:t>
+            </a:fld>
+            <a:endParaRPr lang="en-US" dirty="0"/>
+          </a:p>
+        </p:txBody>
+      </p:sp>
     </p:spTree>
     <p:extLst>
       <p:ext uri="{BB962C8B-B14F-4D97-AF65-F5344CB8AC3E}">
@@ -29583,6 +35257,52 @@
               <a:t>Your first typescript application</a:t>
             </a:r>
             <a:endParaRPr lang="en-IN" dirty="0"/>
+          </a:p>
+        </p:txBody>
+      </p:sp>
+      <p:sp>
+        <p:nvSpPr>
+          <p:cNvPr id="2" name="Date Placeholder 1"/>
+          <p:cNvSpPr>
+            <a:spLocks noGrp="1"/>
+          </p:cNvSpPr>
+          <p:nvPr>
+            <p:ph type="dt" sz="half" idx="10"/>
+          </p:nvPr>
+        </p:nvSpPr>
+        <p:spPr/>
+        <p:txBody>
+          <a:bodyPr/>
+          <a:lstStyle/>
+          <a:p>
+            <a:r>
+              <a:rPr lang="en-US" smtClean="0"/>
+              <a:t>5/6/2019</a:t>
+            </a:r>
+            <a:endParaRPr lang="en-US" dirty="0"/>
+          </a:p>
+        </p:txBody>
+      </p:sp>
+      <p:sp>
+        <p:nvSpPr>
+          <p:cNvPr id="3" name="Slide Number Placeholder 2"/>
+          <p:cNvSpPr>
+            <a:spLocks noGrp="1"/>
+          </p:cNvSpPr>
+          <p:nvPr>
+            <p:ph type="sldNum" sz="quarter" idx="12"/>
+          </p:nvPr>
+        </p:nvSpPr>
+        <p:spPr/>
+        <p:txBody>
+          <a:bodyPr/>
+          <a:lstStyle/>
+          <a:p>
+            <a:fld id="{6D22F896-40B5-4ADD-8801-0D06FADFA095}" type="slidenum">
+              <a:rPr lang="en-US" smtClean="0"/>
+              <a:t>9</a:t>
+            </a:fld>
+            <a:endParaRPr lang="en-US" dirty="0"/>
           </a:p>
         </p:txBody>
       </p:sp>
@@ -29868,4 +35588,265 @@
     </a:ext>
   </a:extLst>
 </a:theme>
+</file>
+
+<file path=ppt/theme/theme2.xml><?xml version="1.0" encoding="utf-8"?>
+<a:theme xmlns:a="http://schemas.openxmlformats.org/drawingml/2006/main" name="Office Theme">
+  <a:themeElements>
+    <a:clrScheme name="Office">
+      <a:dk1>
+        <a:sysClr val="windowText" lastClr="000000"/>
+      </a:dk1>
+      <a:lt1>
+        <a:sysClr val="window" lastClr="FFFFFF"/>
+      </a:lt1>
+      <a:dk2>
+        <a:srgbClr val="44546A"/>
+      </a:dk2>
+      <a:lt2>
+        <a:srgbClr val="E7E6E6"/>
+      </a:lt2>
+      <a:accent1>
+        <a:srgbClr val="5B9BD5"/>
+      </a:accent1>
+      <a:accent2>
+        <a:srgbClr val="ED7D31"/>
+      </a:accent2>
+      <a:accent3>
+        <a:srgbClr val="A5A5A5"/>
+      </a:accent3>
+      <a:accent4>
+        <a:srgbClr val="FFC000"/>
+      </a:accent4>
+      <a:accent5>
+        <a:srgbClr val="4472C4"/>
+      </a:accent5>
+      <a:accent6>
+        <a:srgbClr val="70AD47"/>
+      </a:accent6>
+      <a:hlink>
+        <a:srgbClr val="0563C1"/>
+      </a:hlink>
+      <a:folHlink>
+        <a:srgbClr val="954F72"/>
+      </a:folHlink>
+    </a:clrScheme>
+    <a:fontScheme name="Office">
+      <a:majorFont>
+        <a:latin typeface="Calibri Light" panose="020F0302020204030204"/>
+        <a:ea typeface=""/>
+        <a:cs typeface=""/>
+        <a:font script="Jpan" typeface="ＭＳ Ｐゴシック"/>
+        <a:font script="Hang" typeface="맑은 고딕"/>
+        <a:font script="Hans" typeface="宋体"/>
+        <a:font script="Hant" typeface="新細明體"/>
+        <a:font script="Arab" typeface="Times New Roman"/>
+        <a:font script="Hebr" typeface="Times New Roman"/>
+        <a:font script="Thai" typeface="Angsana New"/>
+        <a:font script="Ethi" typeface="Nyala"/>
+        <a:font script="Beng" typeface="Vrinda"/>
+        <a:font script="Gujr" typeface="Shruti"/>
+        <a:font script="Khmr" typeface="MoolBoran"/>
+        <a:font script="Knda" typeface="Tunga"/>
+        <a:font script="Guru" typeface="Raavi"/>
+        <a:font script="Cans" typeface="Euphemia"/>
+        <a:font script="Cher" typeface="Plantagenet Cherokee"/>
+        <a:font script="Yiii" typeface="Microsoft Yi Baiti"/>
+        <a:font script="Tibt" typeface="Microsoft Himalaya"/>
+        <a:font script="Thaa" typeface="MV Boli"/>
+        <a:font script="Deva" typeface="Mangal"/>
+        <a:font script="Telu" typeface="Gautami"/>
+        <a:font script="Taml" typeface="Latha"/>
+        <a:font script="Syrc" typeface="Estrangelo Edessa"/>
+        <a:font script="Orya" typeface="Kalinga"/>
+        <a:font script="Mlym" typeface="Kartika"/>
+        <a:font script="Laoo" typeface="DokChampa"/>
+        <a:font script="Sinh" typeface="Iskoola Pota"/>
+        <a:font script="Mong" typeface="Mongolian Baiti"/>
+        <a:font script="Viet" typeface="Times New Roman"/>
+        <a:font script="Uigh" typeface="Microsoft Uighur"/>
+        <a:font script="Geor" typeface="Sylfaen"/>
+      </a:majorFont>
+      <a:minorFont>
+        <a:latin typeface="Calibri" panose="020F0502020204030204"/>
+        <a:ea typeface=""/>
+        <a:cs typeface=""/>
+        <a:font script="Jpan" typeface="ＭＳ Ｐゴシック"/>
+        <a:font script="Hang" typeface="맑은 고딕"/>
+        <a:font script="Hans" typeface="宋体"/>
+        <a:font script="Hant" typeface="新細明體"/>
+        <a:font script="Arab" typeface="Arial"/>
+        <a:font script="Hebr" typeface="Arial"/>
+        <a:font script="Thai" typeface="Cordia New"/>
+        <a:font script="Ethi" typeface="Nyala"/>
+        <a:font script="Beng" typeface="Vrinda"/>
+        <a:font script="Gujr" typeface="Shruti"/>
+        <a:font script="Khmr" typeface="DaunPenh"/>
+        <a:font script="Knda" typeface="Tunga"/>
+        <a:font script="Guru" typeface="Raavi"/>
+        <a:font script="Cans" typeface="Euphemia"/>
+        <a:font script="Cher" typeface="Plantagenet Cherokee"/>
+        <a:font script="Yiii" typeface="Microsoft Yi Baiti"/>
+        <a:font script="Tibt" typeface="Microsoft Himalaya"/>
+        <a:font script="Thaa" typeface="MV Boli"/>
+        <a:font script="Deva" typeface="Mangal"/>
+        <a:font script="Telu" typeface="Gautami"/>
+        <a:font script="Taml" typeface="Latha"/>
+        <a:font script="Syrc" typeface="Estrangelo Edessa"/>
+        <a:font script="Orya" typeface="Kalinga"/>
+        <a:font script="Mlym" typeface="Kartika"/>
+        <a:font script="Laoo" typeface="DokChampa"/>
+        <a:font script="Sinh" typeface="Iskoola Pota"/>
+        <a:font script="Mong" typeface="Mongolian Baiti"/>
+        <a:font script="Viet" typeface="Arial"/>
+        <a:font script="Uigh" typeface="Microsoft Uighur"/>
+        <a:font script="Geor" typeface="Sylfaen"/>
+      </a:minorFont>
+    </a:fontScheme>
+    <a:fmtScheme name="Office">
+      <a:fillStyleLst>
+        <a:solidFill>
+          <a:schemeClr val="phClr"/>
+        </a:solidFill>
+        <a:gradFill rotWithShape="1">
+          <a:gsLst>
+            <a:gs pos="0">
+              <a:schemeClr val="phClr">
+                <a:lumMod val="110000"/>
+                <a:satMod val="105000"/>
+                <a:tint val="67000"/>
+              </a:schemeClr>
+            </a:gs>
+            <a:gs pos="50000">
+              <a:schemeClr val="phClr">
+                <a:lumMod val="105000"/>
+                <a:satMod val="103000"/>
+                <a:tint val="73000"/>
+              </a:schemeClr>
+            </a:gs>
+            <a:gs pos="100000">
+              <a:schemeClr val="phClr">
+                <a:lumMod val="105000"/>
+                <a:satMod val="109000"/>
+                <a:tint val="81000"/>
+              </a:schemeClr>
+            </a:gs>
+          </a:gsLst>
+          <a:lin ang="5400000" scaled="0"/>
+        </a:gradFill>
+        <a:gradFill rotWithShape="1">
+          <a:gsLst>
+            <a:gs pos="0">
+              <a:schemeClr val="phClr">
+                <a:satMod val="103000"/>
+                <a:lumMod val="102000"/>
+                <a:tint val="94000"/>
+              </a:schemeClr>
+            </a:gs>
+            <a:gs pos="50000">
+              <a:schemeClr val="phClr">
+                <a:satMod val="110000"/>
+                <a:lumMod val="100000"/>
+                <a:shade val="100000"/>
+              </a:schemeClr>
+            </a:gs>
+            <a:gs pos="100000">
+              <a:schemeClr val="phClr">
+                <a:lumMod val="99000"/>
+                <a:satMod val="120000"/>
+                <a:shade val="78000"/>
+              </a:schemeClr>
+            </a:gs>
+          </a:gsLst>
+          <a:lin ang="5400000" scaled="0"/>
+        </a:gradFill>
+      </a:fillStyleLst>
+      <a:lnStyleLst>
+        <a:ln w="6350" cap="flat" cmpd="sng" algn="ctr">
+          <a:solidFill>
+            <a:schemeClr val="phClr"/>
+          </a:solidFill>
+          <a:prstDash val="solid"/>
+          <a:miter lim="800000"/>
+        </a:ln>
+        <a:ln w="12700" cap="flat" cmpd="sng" algn="ctr">
+          <a:solidFill>
+            <a:schemeClr val="phClr"/>
+          </a:solidFill>
+          <a:prstDash val="solid"/>
+          <a:miter lim="800000"/>
+        </a:ln>
+        <a:ln w="19050" cap="flat" cmpd="sng" algn="ctr">
+          <a:solidFill>
+            <a:schemeClr val="phClr"/>
+          </a:solidFill>
+          <a:prstDash val="solid"/>
+          <a:miter lim="800000"/>
+        </a:ln>
+      </a:lnStyleLst>
+      <a:effectStyleLst>
+        <a:effectStyle>
+          <a:effectLst/>
+        </a:effectStyle>
+        <a:effectStyle>
+          <a:effectLst/>
+        </a:effectStyle>
+        <a:effectStyle>
+          <a:effectLst>
+            <a:outerShdw blurRad="57150" dist="19050" dir="5400000" algn="ctr" rotWithShape="0">
+              <a:srgbClr val="000000">
+                <a:alpha val="63000"/>
+              </a:srgbClr>
+            </a:outerShdw>
+          </a:effectLst>
+        </a:effectStyle>
+      </a:effectStyleLst>
+      <a:bgFillStyleLst>
+        <a:solidFill>
+          <a:schemeClr val="phClr"/>
+        </a:solidFill>
+        <a:solidFill>
+          <a:schemeClr val="phClr">
+            <a:tint val="95000"/>
+            <a:satMod val="170000"/>
+          </a:schemeClr>
+        </a:solidFill>
+        <a:gradFill rotWithShape="1">
+          <a:gsLst>
+            <a:gs pos="0">
+              <a:schemeClr val="phClr">
+                <a:tint val="93000"/>
+                <a:satMod val="150000"/>
+                <a:shade val="98000"/>
+                <a:lumMod val="102000"/>
+              </a:schemeClr>
+            </a:gs>
+            <a:gs pos="50000">
+              <a:schemeClr val="phClr">
+                <a:tint val="98000"/>
+                <a:satMod val="130000"/>
+                <a:shade val="90000"/>
+                <a:lumMod val="103000"/>
+              </a:schemeClr>
+            </a:gs>
+            <a:gs pos="100000">
+              <a:schemeClr val="phClr">
+                <a:shade val="63000"/>
+                <a:satMod val="120000"/>
+              </a:schemeClr>
+            </a:gs>
+          </a:gsLst>
+          <a:lin ang="5400000" scaled="0"/>
+        </a:gradFill>
+      </a:bgFillStyleLst>
+    </a:fmtScheme>
+  </a:themeElements>
+  <a:objectDefaults/>
+  <a:extraClrSchemeLst/>
+  <a:extLst>
+    <a:ext uri="{05A4C25C-085E-4340-85A3-A5531E510DB2}">
+      <thm15:themeFamily xmlns:thm15="http://schemas.microsoft.com/office/thememl/2012/main" name="Office Theme" id="{62F939B6-93AF-4DB8-9C6B-D6C7DFDC589F}" vid="{4A3C46E8-61CC-4603-A589-7422A47A8E4A}"/>
+    </a:ext>
+  </a:extLst>
+</a:theme>
 </file>
--- a/Angular Presentation.pptx
+++ b/Angular Presentation.pptx
@@ -5,7 +5,7 @@
     <p:sldMasterId id="2147483723" r:id="rId1"/>
   </p:sldMasterIdLst>
   <p:notesMasterIdLst>
-    <p:notesMasterId r:id="rId58"/>
+    <p:notesMasterId r:id="rId60"/>
   </p:notesMasterIdLst>
   <p:sldIdLst>
     <p:sldId id="256" r:id="rId2"/>
@@ -64,6 +64,8 @@
     <p:sldId id="334" r:id="rId55"/>
     <p:sldId id="335" r:id="rId56"/>
     <p:sldId id="336" r:id="rId57"/>
+    <p:sldId id="337" r:id="rId58"/>
+    <p:sldId id="338" r:id="rId59"/>
   </p:sldIdLst>
   <p:sldSz cx="12192000" cy="6858000"/>
   <p:notesSz cx="6858000" cy="9144000"/>
@@ -31732,7 +31734,7 @@
             </a:r>
             <a:r>
               <a:rPr lang="en-IN" b="1" dirty="0" smtClean="0"/>
-              <a:t>Event Binding</a:t>
+              <a:t>Event Binding()</a:t>
             </a:r>
             <a:endParaRPr lang="en-IN" b="1" dirty="0"/>
           </a:p>
@@ -33472,31 +33474,14 @@
             <p:ph type="title"/>
           </p:nvPr>
         </p:nvSpPr>
-        <p:spPr>
-          <a:xfrm>
-            <a:off x="1024466" y="753035"/>
-            <a:ext cx="10607239" cy="705077"/>
-          </a:xfrm>
-        </p:spPr>
+        <p:spPr/>
         <p:txBody>
           <a:bodyPr/>
           <a:lstStyle/>
           <a:p>
             <a:r>
               <a:rPr lang="en-IN" b="1" dirty="0" smtClean="0"/>
-              <a:t>Chapter </a:t>
-            </a:r>
-            <a:r>
-              <a:rPr lang="en-IN" b="1" dirty="0" smtClean="0"/>
-              <a:t>11 </a:t>
-            </a:r>
-            <a:r>
-              <a:rPr lang="en-IN" b="1" dirty="0" smtClean="0"/>
-              <a:t>: </a:t>
-            </a:r>
-            <a:r>
-              <a:rPr lang="en-IN" b="1" dirty="0" smtClean="0"/>
-              <a:t>Template Reference Variable</a:t>
+              <a:t>11.1 Template Reference Variable</a:t>
             </a:r>
             <a:endParaRPr lang="en-IN" b="1" dirty="0"/>
           </a:p>
@@ -33509,13 +33494,13 @@
             <a:spLocks noGrp="1"/>
           </p:cNvSpPr>
           <p:nvPr>
-            <p:ph type="body" idx="1"/>
+            <p:ph idx="1"/>
           </p:nvPr>
         </p:nvSpPr>
         <p:spPr>
           <a:xfrm>
-            <a:off x="1025999" y="1888419"/>
-            <a:ext cx="10363660" cy="2481876"/>
+            <a:off x="1165411" y="2697630"/>
+            <a:ext cx="10478292" cy="2467267"/>
           </a:xfrm>
         </p:spPr>
         <p:txBody>
@@ -33525,27 +33510,30 @@
           <a:lstStyle/>
           <a:p>
             <a:r>
-              <a:rPr lang="en-IN" sz="2400" dirty="0" smtClean="0"/>
+              <a:rPr lang="en-IN" sz="2000" dirty="0" smtClean="0"/>
               <a:t>A way to pass a data from template component and pass that </a:t>
             </a:r>
             <a:r>
-              <a:rPr lang="en-IN" sz="2400" dirty="0" err="1" smtClean="0"/>
+              <a:rPr lang="en-IN" sz="2000" dirty="0" err="1" smtClean="0"/>
               <a:t>vaue</a:t>
             </a:r>
             <a:r>
-              <a:rPr lang="en-IN" sz="2400" dirty="0" smtClean="0"/>
+              <a:rPr lang="en-IN" sz="2000" dirty="0" smtClean="0"/>
               <a:t> to class through a event handler property.</a:t>
             </a:r>
           </a:p>
           <a:p>
             <a:r>
-              <a:rPr lang="en-IN" sz="2400" dirty="0" smtClean="0"/>
+              <a:rPr lang="en-IN" sz="2000" dirty="0" smtClean="0"/>
               <a:t>In the below example,</a:t>
             </a:r>
           </a:p>
           <a:p>
-            <a:r>
-              <a:rPr lang="en-IN" sz="2400" dirty="0" smtClean="0"/>
+            <a:pPr marL="0" indent="0">
+              <a:buNone/>
+            </a:pPr>
+            <a:r>
+              <a:rPr lang="en-IN" sz="2400" dirty="0"/>
               <a:t>	</a:t>
             </a:r>
             <a:r>
@@ -33555,13 +33543,22 @@
             <a:r>
               <a:rPr lang="en-IN" b="1" dirty="0" smtClean="0">
                 <a:solidFill>
-                  <a:srgbClr val="FFFF00"/>
+                  <a:schemeClr val="accent2">
+                    <a:lumMod val="60000"/>
+                    <a:lumOff val="40000"/>
+                  </a:schemeClr>
                 </a:solidFill>
               </a:rPr>
               <a:t>inputTxt</a:t>
             </a:r>
             <a:r>
-              <a:rPr lang="en-IN" b="1" dirty="0" smtClean="0"/>
+              <a:rPr lang="en-IN" b="1" dirty="0" smtClean="0">
+                <a:solidFill>
+                  <a:schemeClr val="accent5">
+                    <a:lumMod val="75000"/>
+                  </a:schemeClr>
+                </a:solidFill>
+              </a:rPr>
               <a:t> </a:t>
             </a:r>
             <a:r>
@@ -33571,7 +33568,10 @@
             <a:r>
               <a:rPr lang="en-IN" dirty="0" err="1" smtClean="0">
                 <a:solidFill>
-                  <a:srgbClr val="FFFF00"/>
+                  <a:schemeClr val="accent2">
+                    <a:lumMod val="60000"/>
+                    <a:lumOff val="40000"/>
+                  </a:schemeClr>
                 </a:solidFill>
               </a:rPr>
               <a:t>OnClick</a:t>
@@ -33579,7 +33579,10 @@
             <a:r>
               <a:rPr lang="en-IN" dirty="0" smtClean="0">
                 <a:solidFill>
-                  <a:srgbClr val="FFFF00"/>
+                  <a:schemeClr val="accent2">
+                    <a:lumMod val="60000"/>
+                    <a:lumOff val="40000"/>
+                  </a:schemeClr>
                 </a:solidFill>
               </a:rPr>
               <a:t> </a:t>
@@ -33589,6 +33592,52 @@
               <a:t>and passing the textbox box value as parameter</a:t>
             </a:r>
             <a:endParaRPr lang="en-IN" dirty="0"/>
+          </a:p>
+        </p:txBody>
+      </p:sp>
+      <p:sp>
+        <p:nvSpPr>
+          <p:cNvPr id="7" name="Date Placeholder 6"/>
+          <p:cNvSpPr>
+            <a:spLocks noGrp="1"/>
+          </p:cNvSpPr>
+          <p:nvPr>
+            <p:ph type="dt" sz="half" idx="10"/>
+          </p:nvPr>
+        </p:nvSpPr>
+        <p:spPr/>
+        <p:txBody>
+          <a:bodyPr/>
+          <a:lstStyle/>
+          <a:p>
+            <a:r>
+              <a:rPr lang="en-US" smtClean="0"/>
+              <a:t>5/6/2019</a:t>
+            </a:r>
+            <a:endParaRPr lang="en-US" dirty="0"/>
+          </a:p>
+        </p:txBody>
+      </p:sp>
+      <p:sp>
+        <p:nvSpPr>
+          <p:cNvPr id="8" name="Slide Number Placeholder 7"/>
+          <p:cNvSpPr>
+            <a:spLocks noGrp="1"/>
+          </p:cNvSpPr>
+          <p:nvPr>
+            <p:ph type="sldNum" sz="quarter" idx="12"/>
+          </p:nvPr>
+        </p:nvSpPr>
+        <p:spPr/>
+        <p:txBody>
+          <a:bodyPr/>
+          <a:lstStyle/>
+          <a:p>
+            <a:fld id="{6D22F896-40B5-4ADD-8801-0D06FADFA095}" type="slidenum">
+              <a:rPr lang="en-US" smtClean="0"/>
+              <a:t>55</a:t>
+            </a:fld>
+            <a:endParaRPr lang="en-US" dirty="0"/>
           </a:p>
         </p:txBody>
       </p:sp>
@@ -33600,7 +33649,7 @@
         </p:nvSpPr>
         <p:spPr>
           <a:xfrm>
-            <a:off x="1165411" y="4819000"/>
+            <a:off x="1154954" y="5493344"/>
             <a:ext cx="10224247" cy="646331"/>
           </a:xfrm>
           <a:prstGeom prst="rect">
@@ -33903,7 +33952,7 @@
         </p:nvSpPr>
         <p:spPr>
           <a:xfrm>
-            <a:off x="2067180" y="4854999"/>
+            <a:off x="2060865" y="5530062"/>
             <a:ext cx="1271358" cy="281166"/>
           </a:xfrm>
           <a:prstGeom prst="rect">
@@ -33949,7 +33998,7 @@
         </p:nvSpPr>
         <p:spPr>
           <a:xfrm>
-            <a:off x="4227676" y="5136165"/>
+            <a:off x="4227676" y="5816509"/>
             <a:ext cx="1861395" cy="281166"/>
           </a:xfrm>
           <a:prstGeom prst="rect">
@@ -33984,52 +34033,6 @@
           <a:p>
             <a:pPr algn="ctr"/>
             <a:endParaRPr lang="en-IN"/>
-          </a:p>
-        </p:txBody>
-      </p:sp>
-      <p:sp>
-        <p:nvSpPr>
-          <p:cNvPr id="7" name="Date Placeholder 6"/>
-          <p:cNvSpPr>
-            <a:spLocks noGrp="1"/>
-          </p:cNvSpPr>
-          <p:nvPr>
-            <p:ph type="dt" sz="half" idx="10"/>
-          </p:nvPr>
-        </p:nvSpPr>
-        <p:spPr/>
-        <p:txBody>
-          <a:bodyPr/>
-          <a:lstStyle/>
-          <a:p>
-            <a:r>
-              <a:rPr lang="en-US" smtClean="0"/>
-              <a:t>5/6/2019</a:t>
-            </a:r>
-            <a:endParaRPr lang="en-US" dirty="0"/>
-          </a:p>
-        </p:txBody>
-      </p:sp>
-      <p:sp>
-        <p:nvSpPr>
-          <p:cNvPr id="8" name="Slide Number Placeholder 7"/>
-          <p:cNvSpPr>
-            <a:spLocks noGrp="1"/>
-          </p:cNvSpPr>
-          <p:nvPr>
-            <p:ph type="sldNum" sz="quarter" idx="12"/>
-          </p:nvPr>
-        </p:nvSpPr>
-        <p:spPr/>
-        <p:txBody>
-          <a:bodyPr/>
-          <a:lstStyle/>
-          <a:p>
-            <a:fld id="{6D22F896-40B5-4ADD-8801-0D06FADFA095}" type="slidenum">
-              <a:rPr lang="en-US" smtClean="0"/>
-              <a:t>55</a:t>
-            </a:fld>
-            <a:endParaRPr lang="en-US" dirty="0"/>
           </a:p>
         </p:txBody>
       </p:sp>
@@ -34142,7 +34145,7 @@
           <a:p>
             <a:r>
               <a:rPr lang="en-IN" b="1" dirty="0" smtClean="0"/>
-              <a:t>11.1 </a:t>
+              <a:t>11.2 </a:t>
             </a:r>
             <a:r>
               <a:rPr lang="en-IN" b="1" dirty="0" smtClean="0"/>
@@ -34459,6 +34462,1040 @@
     <p:extLst>
       <p:ext uri="{BB962C8B-B14F-4D97-AF65-F5344CB8AC3E}">
         <p14:creationId xmlns:p14="http://schemas.microsoft.com/office/powerpoint/2010/main" val="3624252173"/>
+      </p:ext>
+    </p:extLst>
+  </p:cSld>
+  <p:clrMapOvr>
+    <a:masterClrMapping/>
+  </p:clrMapOvr>
+  <p:timing>
+    <p:tnLst>
+      <p:par>
+        <p:cTn id="1" dur="indefinite" restart="never" nodeType="tmRoot"/>
+      </p:par>
+    </p:tnLst>
+  </p:timing>
+</p:sld>
+</file>
+
+<file path=ppt/slides/slide57.xml><?xml version="1.0" encoding="utf-8"?>
+<p:sld xmlns:a="http://schemas.openxmlformats.org/drawingml/2006/main" xmlns:r="http://schemas.openxmlformats.org/officeDocument/2006/relationships" xmlns:p="http://schemas.openxmlformats.org/presentationml/2006/main">
+  <p:cSld>
+    <p:spTree>
+      <p:nvGrpSpPr>
+        <p:cNvPr id="1" name=""/>
+        <p:cNvGrpSpPr/>
+        <p:nvPr/>
+      </p:nvGrpSpPr>
+      <p:grpSpPr>
+        <a:xfrm>
+          <a:off x="0" y="0"/>
+          <a:ext cx="0" cy="0"/>
+          <a:chOff x="0" y="0"/>
+          <a:chExt cx="0" cy="0"/>
+        </a:xfrm>
+      </p:grpSpPr>
+      <p:sp>
+        <p:nvSpPr>
+          <p:cNvPr id="4" name="Title 3"/>
+          <p:cNvSpPr>
+            <a:spLocks noGrp="1"/>
+          </p:cNvSpPr>
+          <p:nvPr>
+            <p:ph type="title"/>
+          </p:nvPr>
+        </p:nvSpPr>
+        <p:spPr/>
+        <p:txBody>
+          <a:bodyPr/>
+          <a:lstStyle/>
+          <a:p>
+            <a:r>
+              <a:rPr lang="en-IN" b="1" dirty="0" smtClean="0"/>
+              <a:t>12 </a:t>
+            </a:r>
+            <a:r>
+              <a:rPr lang="en-IN" b="1" dirty="0" smtClean="0"/>
+              <a:t>: </a:t>
+            </a:r>
+            <a:r>
+              <a:rPr lang="en-IN" b="1" dirty="0" smtClean="0"/>
+              <a:t>Two Way Binding</a:t>
+            </a:r>
+            <a:endParaRPr lang="en-IN" b="1" dirty="0"/>
+          </a:p>
+        </p:txBody>
+      </p:sp>
+      <p:sp>
+        <p:nvSpPr>
+          <p:cNvPr id="8" name="Content Placeholder 7"/>
+          <p:cNvSpPr>
+            <a:spLocks noGrp="1"/>
+          </p:cNvSpPr>
+          <p:nvPr>
+            <p:ph idx="1"/>
+          </p:nvPr>
+        </p:nvSpPr>
+        <p:spPr/>
+        <p:txBody>
+          <a:bodyPr/>
+          <a:lstStyle/>
+          <a:p>
+            <a:r>
+              <a:rPr lang="en-IN" dirty="0" smtClean="0"/>
+              <a:t>While working with model and view, its essential that the data is always in sync otherwise the data might not be in consistent</a:t>
+            </a:r>
+          </a:p>
+          <a:p>
+            <a:r>
+              <a:rPr lang="en-IN" dirty="0" smtClean="0"/>
+              <a:t>We have to import </a:t>
+            </a:r>
+            <a:r>
+              <a:rPr lang="en-IN" dirty="0" err="1" smtClean="0"/>
+              <a:t>ngModel</a:t>
+            </a:r>
+            <a:r>
+              <a:rPr lang="en-IN" dirty="0" smtClean="0"/>
+              <a:t> in </a:t>
+            </a:r>
+            <a:r>
+              <a:rPr lang="en-IN" dirty="0" err="1" smtClean="0"/>
+              <a:t>appmodule.ts</a:t>
+            </a:r>
+            <a:r>
+              <a:rPr lang="en-IN" dirty="0" smtClean="0"/>
+              <a:t> from @angular/forms </a:t>
+            </a:r>
+            <a:r>
+              <a:rPr lang="en-IN" dirty="0" err="1" smtClean="0"/>
+              <a:t>pkg</a:t>
+            </a:r>
+            <a:endParaRPr lang="en-IN" dirty="0" smtClean="0"/>
+          </a:p>
+          <a:p>
+            <a:r>
+              <a:rPr lang="en-IN" dirty="0" smtClean="0"/>
+              <a:t>Angular Directive for two way binding is </a:t>
+            </a:r>
+            <a:r>
+              <a:rPr lang="en-IN" b="1" dirty="0" smtClean="0">
+                <a:solidFill>
+                  <a:srgbClr val="00B0F0"/>
+                </a:solidFill>
+              </a:rPr>
+              <a:t>[</a:t>
+            </a:r>
+            <a:r>
+              <a:rPr lang="en-IN" b="1" dirty="0" smtClean="0">
+                <a:solidFill>
+                  <a:schemeClr val="accent3">
+                    <a:lumMod val="75000"/>
+                  </a:schemeClr>
+                </a:solidFill>
+              </a:rPr>
+              <a:t>(</a:t>
+            </a:r>
+            <a:r>
+              <a:rPr lang="en-IN" b="1" dirty="0" err="1">
+                <a:solidFill>
+                  <a:schemeClr val="accent6">
+                    <a:lumMod val="75000"/>
+                  </a:schemeClr>
+                </a:solidFill>
+              </a:rPr>
+              <a:t>n</a:t>
+            </a:r>
+            <a:r>
+              <a:rPr lang="en-IN" b="1" dirty="0" err="1" smtClean="0">
+                <a:solidFill>
+                  <a:schemeClr val="accent6">
+                    <a:lumMod val="75000"/>
+                  </a:schemeClr>
+                </a:solidFill>
+              </a:rPr>
+              <a:t>gModel</a:t>
+            </a:r>
+            <a:r>
+              <a:rPr lang="en-IN" b="1" dirty="0" smtClean="0">
+                <a:solidFill>
+                  <a:schemeClr val="accent3">
+                    <a:lumMod val="75000"/>
+                  </a:schemeClr>
+                </a:solidFill>
+              </a:rPr>
+              <a:t>)</a:t>
+            </a:r>
+            <a:r>
+              <a:rPr lang="en-IN" b="1" dirty="0" smtClean="0">
+                <a:solidFill>
+                  <a:srgbClr val="00B0F0"/>
+                </a:solidFill>
+              </a:rPr>
+              <a:t>]</a:t>
+            </a:r>
+            <a:r>
+              <a:rPr lang="en-IN" b="1" dirty="0" smtClean="0">
+                <a:solidFill>
+                  <a:schemeClr val="accent6">
+                    <a:lumMod val="75000"/>
+                  </a:schemeClr>
+                </a:solidFill>
+              </a:rPr>
+              <a:t>=name</a:t>
+            </a:r>
+            <a:endParaRPr lang="en-IN" b="1" dirty="0">
+              <a:solidFill>
+                <a:srgbClr val="00B0F0"/>
+              </a:solidFill>
+            </a:endParaRPr>
+          </a:p>
+        </p:txBody>
+      </p:sp>
+      <p:sp>
+        <p:nvSpPr>
+          <p:cNvPr id="3" name="Date Placeholder 2"/>
+          <p:cNvSpPr>
+            <a:spLocks noGrp="1"/>
+          </p:cNvSpPr>
+          <p:nvPr>
+            <p:ph type="dt" sz="half" idx="10"/>
+          </p:nvPr>
+        </p:nvSpPr>
+        <p:spPr/>
+        <p:txBody>
+          <a:bodyPr/>
+          <a:lstStyle/>
+          <a:p>
+            <a:r>
+              <a:rPr lang="en-US" smtClean="0"/>
+              <a:t>5/6/2019</a:t>
+            </a:r>
+            <a:endParaRPr lang="en-US" dirty="0"/>
+          </a:p>
+        </p:txBody>
+      </p:sp>
+      <p:sp>
+        <p:nvSpPr>
+          <p:cNvPr id="6" name="Slide Number Placeholder 5"/>
+          <p:cNvSpPr>
+            <a:spLocks noGrp="1"/>
+          </p:cNvSpPr>
+          <p:nvPr>
+            <p:ph type="sldNum" sz="quarter" idx="12"/>
+          </p:nvPr>
+        </p:nvSpPr>
+        <p:spPr/>
+        <p:txBody>
+          <a:bodyPr/>
+          <a:lstStyle/>
+          <a:p>
+            <a:fld id="{6D22F896-40B5-4ADD-8801-0D06FADFA095}" type="slidenum">
+              <a:rPr lang="en-US" smtClean="0"/>
+              <a:t>57</a:t>
+            </a:fld>
+            <a:endParaRPr lang="en-US" dirty="0"/>
+          </a:p>
+        </p:txBody>
+      </p:sp>
+      <p:sp>
+        <p:nvSpPr>
+          <p:cNvPr id="9" name="Rectangle 8"/>
+          <p:cNvSpPr/>
+          <p:nvPr/>
+        </p:nvSpPr>
+        <p:spPr>
+          <a:xfrm>
+            <a:off x="2693894" y="5029198"/>
+            <a:ext cx="2052918" cy="1013012"/>
+          </a:xfrm>
+          <a:prstGeom prst="rect">
+            <a:avLst/>
+          </a:prstGeom>
+          <a:ln>
+            <a:noFill/>
+          </a:ln>
+        </p:spPr>
+        <p:style>
+          <a:lnRef idx="2">
+            <a:schemeClr val="accent1">
+              <a:shade val="50000"/>
+            </a:schemeClr>
+          </a:lnRef>
+          <a:fillRef idx="1">
+            <a:schemeClr val="accent1"/>
+          </a:fillRef>
+          <a:effectRef idx="0">
+            <a:schemeClr val="accent1"/>
+          </a:effectRef>
+          <a:fontRef idx="minor">
+            <a:schemeClr val="lt1"/>
+          </a:fontRef>
+        </p:style>
+        <p:txBody>
+          <a:bodyPr rtlCol="0" anchor="ctr"/>
+          <a:lstStyle/>
+          <a:p>
+            <a:pPr algn="ctr"/>
+            <a:endParaRPr lang="en-IN" sz="1400" b="1" dirty="0"/>
+          </a:p>
+        </p:txBody>
+      </p:sp>
+      <p:cxnSp>
+        <p:nvCxnSpPr>
+          <p:cNvPr id="11" name="Elbow Connector 10"/>
+          <p:cNvCxnSpPr>
+            <a:endCxn id="9" idx="2"/>
+          </p:cNvCxnSpPr>
+          <p:nvPr/>
+        </p:nvCxnSpPr>
+        <p:spPr>
+          <a:xfrm rot="5400000">
+            <a:off x="5286878" y="4475685"/>
+            <a:ext cx="12700" cy="3133050"/>
+          </a:xfrm>
+          <a:prstGeom prst="bentConnector3">
+            <a:avLst>
+              <a:gd name="adj1" fmla="val 1800000"/>
+            </a:avLst>
+          </a:prstGeom>
+          <a:ln w="28575">
+            <a:solidFill>
+              <a:srgbClr val="00B0F0"/>
+            </a:solidFill>
+            <a:tailEnd type="triangle"/>
+          </a:ln>
+        </p:spPr>
+        <p:style>
+          <a:lnRef idx="1">
+            <a:schemeClr val="accent1"/>
+          </a:lnRef>
+          <a:fillRef idx="0">
+            <a:schemeClr val="accent1"/>
+          </a:fillRef>
+          <a:effectRef idx="0">
+            <a:schemeClr val="accent1"/>
+          </a:effectRef>
+          <a:fontRef idx="minor">
+            <a:schemeClr val="tx1"/>
+          </a:fontRef>
+        </p:style>
+      </p:cxnSp>
+      <p:sp>
+        <p:nvSpPr>
+          <p:cNvPr id="12" name="TextBox 11"/>
+          <p:cNvSpPr txBox="1"/>
+          <p:nvPr/>
+        </p:nvSpPr>
+        <p:spPr>
+          <a:xfrm>
+            <a:off x="4715986" y="6229891"/>
+            <a:ext cx="1154483" cy="276999"/>
+          </a:xfrm>
+          <a:prstGeom prst="rect">
+            <a:avLst/>
+          </a:prstGeom>
+          <a:noFill/>
+        </p:spPr>
+        <p:txBody>
+          <a:bodyPr wrap="none" rtlCol="0">
+            <a:spAutoFit/>
+          </a:bodyPr>
+          <a:lstStyle/>
+          <a:p>
+            <a:r>
+              <a:rPr lang="en-IN" sz="1200" dirty="0" smtClean="0">
+                <a:solidFill>
+                  <a:srgbClr val="00B0F0"/>
+                </a:solidFill>
+              </a:rPr>
+              <a:t>Data Binding</a:t>
+            </a:r>
+            <a:endParaRPr lang="en-IN" sz="1200" dirty="0">
+              <a:solidFill>
+                <a:srgbClr val="00B0F0"/>
+              </a:solidFill>
+            </a:endParaRPr>
+          </a:p>
+        </p:txBody>
+      </p:sp>
+      <p:cxnSp>
+        <p:nvCxnSpPr>
+          <p:cNvPr id="13" name="Elbow Connector 12"/>
+          <p:cNvCxnSpPr>
+            <a:stCxn id="9" idx="0"/>
+          </p:cNvCxnSpPr>
+          <p:nvPr/>
+        </p:nvCxnSpPr>
+        <p:spPr>
+          <a:xfrm rot="16200000" flipH="1">
+            <a:off x="5156890" y="3592661"/>
+            <a:ext cx="259976" cy="3133050"/>
+          </a:xfrm>
+          <a:prstGeom prst="bentConnector3">
+            <a:avLst>
+              <a:gd name="adj1" fmla="val -87931"/>
+            </a:avLst>
+          </a:prstGeom>
+          <a:ln w="28575">
+            <a:solidFill>
+              <a:schemeClr val="accent2">
+                <a:lumMod val="75000"/>
+              </a:schemeClr>
+            </a:solidFill>
+            <a:tailEnd type="triangle"/>
+          </a:ln>
+        </p:spPr>
+        <p:style>
+          <a:lnRef idx="1">
+            <a:schemeClr val="accent1"/>
+          </a:lnRef>
+          <a:fillRef idx="0">
+            <a:schemeClr val="accent1"/>
+          </a:fillRef>
+          <a:effectRef idx="0">
+            <a:schemeClr val="accent1"/>
+          </a:effectRef>
+          <a:fontRef idx="minor">
+            <a:schemeClr val="tx1"/>
+          </a:fontRef>
+        </p:style>
+      </p:cxnSp>
+      <p:sp>
+        <p:nvSpPr>
+          <p:cNvPr id="14" name="TextBox 13"/>
+          <p:cNvSpPr txBox="1"/>
+          <p:nvPr/>
+        </p:nvSpPr>
+        <p:spPr>
+          <a:xfrm>
+            <a:off x="4715197" y="4550024"/>
+            <a:ext cx="1189749" cy="276999"/>
+          </a:xfrm>
+          <a:prstGeom prst="rect">
+            <a:avLst/>
+          </a:prstGeom>
+          <a:noFill/>
+        </p:spPr>
+        <p:txBody>
+          <a:bodyPr wrap="none" rtlCol="0">
+            <a:spAutoFit/>
+          </a:bodyPr>
+          <a:lstStyle/>
+          <a:p>
+            <a:r>
+              <a:rPr lang="en-IN" sz="1200" dirty="0" smtClean="0">
+                <a:solidFill>
+                  <a:schemeClr val="accent2">
+                    <a:lumMod val="75000"/>
+                  </a:schemeClr>
+                </a:solidFill>
+              </a:rPr>
+              <a:t>Event Binding</a:t>
+            </a:r>
+            <a:endParaRPr lang="en-IN" sz="1200" dirty="0">
+              <a:solidFill>
+                <a:schemeClr val="accent2">
+                  <a:lumMod val="75000"/>
+                </a:schemeClr>
+              </a:solidFill>
+            </a:endParaRPr>
+          </a:p>
+        </p:txBody>
+      </p:sp>
+      <p:sp>
+        <p:nvSpPr>
+          <p:cNvPr id="22" name="Rectangle 21"/>
+          <p:cNvSpPr/>
+          <p:nvPr/>
+        </p:nvSpPr>
+        <p:spPr>
+          <a:xfrm>
+            <a:off x="2975067" y="5166309"/>
+            <a:ext cx="1503271" cy="337083"/>
+          </a:xfrm>
+          <a:prstGeom prst="rect">
+            <a:avLst/>
+          </a:prstGeom>
+          <a:solidFill>
+            <a:schemeClr val="bg1"/>
+          </a:solidFill>
+          <a:ln>
+            <a:noFill/>
+          </a:ln>
+        </p:spPr>
+        <p:style>
+          <a:lnRef idx="2">
+            <a:schemeClr val="accent1">
+              <a:shade val="50000"/>
+            </a:schemeClr>
+          </a:lnRef>
+          <a:fillRef idx="1">
+            <a:schemeClr val="accent1"/>
+          </a:fillRef>
+          <a:effectRef idx="0">
+            <a:schemeClr val="accent1"/>
+          </a:effectRef>
+          <a:fontRef idx="minor">
+            <a:schemeClr val="lt1"/>
+          </a:fontRef>
+        </p:style>
+        <p:txBody>
+          <a:bodyPr rtlCol="0" anchor="ctr"/>
+          <a:lstStyle/>
+          <a:p>
+            <a:pPr algn="ctr"/>
+            <a:r>
+              <a:rPr lang="en-IN" b="1" dirty="0" smtClean="0">
+                <a:solidFill>
+                  <a:schemeClr val="accent6">
+                    <a:lumMod val="75000"/>
+                  </a:schemeClr>
+                </a:solidFill>
+                <a:effectLst>
+                  <a:outerShdw blurRad="38100" dist="38100" dir="2700000" algn="tl">
+                    <a:srgbClr val="000000">
+                      <a:alpha val="43137"/>
+                    </a:srgbClr>
+                  </a:outerShdw>
+                </a:effectLst>
+              </a:rPr>
+              <a:t>Username</a:t>
+            </a:r>
+            <a:endParaRPr lang="en-IN" b="1" dirty="0">
+              <a:solidFill>
+                <a:schemeClr val="accent6">
+                  <a:lumMod val="75000"/>
+                </a:schemeClr>
+              </a:solidFill>
+              <a:effectLst>
+                <a:outerShdw blurRad="38100" dist="38100" dir="2700000" algn="tl">
+                  <a:srgbClr val="000000">
+                    <a:alpha val="43137"/>
+                  </a:srgbClr>
+                </a:outerShdw>
+              </a:effectLst>
+            </a:endParaRPr>
+          </a:p>
+        </p:txBody>
+      </p:sp>
+      <p:sp>
+        <p:nvSpPr>
+          <p:cNvPr id="25" name="Rectangle 24"/>
+          <p:cNvSpPr/>
+          <p:nvPr/>
+        </p:nvSpPr>
+        <p:spPr>
+          <a:xfrm>
+            <a:off x="2968717" y="5546111"/>
+            <a:ext cx="1503271" cy="337083"/>
+          </a:xfrm>
+          <a:prstGeom prst="rect">
+            <a:avLst/>
+          </a:prstGeom>
+          <a:solidFill>
+            <a:schemeClr val="bg1"/>
+          </a:solidFill>
+          <a:ln>
+            <a:noFill/>
+          </a:ln>
+        </p:spPr>
+        <p:style>
+          <a:lnRef idx="2">
+            <a:schemeClr val="accent1">
+              <a:shade val="50000"/>
+            </a:schemeClr>
+          </a:lnRef>
+          <a:fillRef idx="1">
+            <a:schemeClr val="accent1"/>
+          </a:fillRef>
+          <a:effectRef idx="0">
+            <a:schemeClr val="accent1"/>
+          </a:effectRef>
+          <a:fontRef idx="minor">
+            <a:schemeClr val="lt1"/>
+          </a:fontRef>
+        </p:style>
+        <p:txBody>
+          <a:bodyPr rtlCol="0" anchor="ctr"/>
+          <a:lstStyle/>
+          <a:p>
+            <a:pPr algn="ctr"/>
+            <a:r>
+              <a:rPr lang="en-IN" b="1" dirty="0" smtClean="0">
+                <a:solidFill>
+                  <a:schemeClr val="accent6">
+                    <a:lumMod val="75000"/>
+                  </a:schemeClr>
+                </a:solidFill>
+                <a:effectLst>
+                  <a:outerShdw blurRad="38100" dist="38100" dir="2700000" algn="tl">
+                    <a:srgbClr val="000000">
+                      <a:alpha val="43137"/>
+                    </a:srgbClr>
+                  </a:outerShdw>
+                </a:effectLst>
+              </a:rPr>
+              <a:t>Password</a:t>
+            </a:r>
+            <a:endParaRPr lang="en-IN" b="1" dirty="0">
+              <a:solidFill>
+                <a:schemeClr val="accent6">
+                  <a:lumMod val="75000"/>
+                </a:schemeClr>
+              </a:solidFill>
+              <a:effectLst>
+                <a:outerShdw blurRad="38100" dist="38100" dir="2700000" algn="tl">
+                  <a:srgbClr val="000000">
+                    <a:alpha val="43137"/>
+                  </a:srgbClr>
+                </a:outerShdw>
+              </a:effectLst>
+            </a:endParaRPr>
+          </a:p>
+        </p:txBody>
+      </p:sp>
+      <p:sp>
+        <p:nvSpPr>
+          <p:cNvPr id="26" name="Rectangle 25"/>
+          <p:cNvSpPr/>
+          <p:nvPr/>
+        </p:nvSpPr>
+        <p:spPr>
+          <a:xfrm>
+            <a:off x="5952655" y="5035548"/>
+            <a:ext cx="2052918" cy="1013012"/>
+          </a:xfrm>
+          <a:prstGeom prst="rect">
+            <a:avLst/>
+          </a:prstGeom>
+          <a:solidFill>
+            <a:srgbClr val="00B0F0"/>
+          </a:solidFill>
+          <a:ln>
+            <a:noFill/>
+          </a:ln>
+        </p:spPr>
+        <p:style>
+          <a:lnRef idx="2">
+            <a:schemeClr val="accent1">
+              <a:shade val="50000"/>
+            </a:schemeClr>
+          </a:lnRef>
+          <a:fillRef idx="1">
+            <a:schemeClr val="accent1"/>
+          </a:fillRef>
+          <a:effectRef idx="0">
+            <a:schemeClr val="accent1"/>
+          </a:effectRef>
+          <a:fontRef idx="minor">
+            <a:schemeClr val="lt1"/>
+          </a:fontRef>
+        </p:style>
+        <p:txBody>
+          <a:bodyPr rtlCol="0" anchor="ctr"/>
+          <a:lstStyle/>
+          <a:p>
+            <a:pPr algn="ctr"/>
+            <a:r>
+              <a:rPr lang="en-IN" sz="1400" b="1" dirty="0" smtClean="0"/>
+              <a:t>Public Username</a:t>
+            </a:r>
+            <a:br>
+              <a:rPr lang="en-IN" sz="1400" b="1" dirty="0" smtClean="0"/>
+            </a:br>
+            <a:r>
+              <a:rPr lang="en-IN" sz="1400" b="1" dirty="0" smtClean="0"/>
+              <a:t>Public Password</a:t>
+            </a:r>
+            <a:endParaRPr lang="en-IN" sz="1400" b="1" dirty="0"/>
+          </a:p>
+        </p:txBody>
+      </p:sp>
+      <p:cxnSp>
+        <p:nvCxnSpPr>
+          <p:cNvPr id="28" name="Straight Connector 27"/>
+          <p:cNvCxnSpPr>
+            <a:stCxn id="9" idx="3"/>
+            <a:endCxn id="26" idx="1"/>
+          </p:cNvCxnSpPr>
+          <p:nvPr/>
+        </p:nvCxnSpPr>
+        <p:spPr>
+          <a:xfrm>
+            <a:off x="4746812" y="5535704"/>
+            <a:ext cx="1205843" cy="6350"/>
+          </a:xfrm>
+          <a:prstGeom prst="line">
+            <a:avLst/>
+          </a:prstGeom>
+        </p:spPr>
+        <p:style>
+          <a:lnRef idx="1">
+            <a:schemeClr val="accent1"/>
+          </a:lnRef>
+          <a:fillRef idx="0">
+            <a:schemeClr val="accent1"/>
+          </a:fillRef>
+          <a:effectRef idx="0">
+            <a:schemeClr val="accent1"/>
+          </a:effectRef>
+          <a:fontRef idx="minor">
+            <a:schemeClr val="tx1"/>
+          </a:fontRef>
+        </p:style>
+      </p:cxnSp>
+      <p:sp>
+        <p:nvSpPr>
+          <p:cNvPr id="29" name="TextBox 28"/>
+          <p:cNvSpPr txBox="1"/>
+          <p:nvPr/>
+        </p:nvSpPr>
+        <p:spPr>
+          <a:xfrm>
+            <a:off x="4881109" y="5320631"/>
+            <a:ext cx="857927" cy="461665"/>
+          </a:xfrm>
+          <a:prstGeom prst="rect">
+            <a:avLst/>
+          </a:prstGeom>
+          <a:noFill/>
+        </p:spPr>
+        <p:txBody>
+          <a:bodyPr wrap="none" rtlCol="0">
+            <a:spAutoFit/>
+          </a:bodyPr>
+          <a:lstStyle/>
+          <a:p>
+            <a:r>
+              <a:rPr lang="en-IN" sz="1200" dirty="0" smtClean="0">
+                <a:solidFill>
+                  <a:schemeClr val="accent6">
+                    <a:lumMod val="75000"/>
+                  </a:schemeClr>
+                </a:solidFill>
+              </a:rPr>
+              <a:t>Two Way</a:t>
+            </a:r>
+          </a:p>
+          <a:p>
+            <a:pPr algn="ctr"/>
+            <a:r>
+              <a:rPr lang="en-IN" sz="1200" dirty="0" smtClean="0">
+                <a:solidFill>
+                  <a:schemeClr val="accent6">
+                    <a:lumMod val="75000"/>
+                  </a:schemeClr>
+                </a:solidFill>
+              </a:rPr>
+              <a:t>Binding</a:t>
+            </a:r>
+            <a:endParaRPr lang="en-IN" sz="1200" dirty="0">
+              <a:solidFill>
+                <a:schemeClr val="accent6">
+                  <a:lumMod val="75000"/>
+                </a:schemeClr>
+              </a:solidFill>
+            </a:endParaRPr>
+          </a:p>
+        </p:txBody>
+      </p:sp>
+      <p:cxnSp>
+        <p:nvCxnSpPr>
+          <p:cNvPr id="31" name="Straight Arrow Connector 30"/>
+          <p:cNvCxnSpPr/>
+          <p:nvPr/>
+        </p:nvCxnSpPr>
+        <p:spPr>
+          <a:xfrm>
+            <a:off x="6162926" y="4001940"/>
+            <a:ext cx="547156" cy="766772"/>
+          </a:xfrm>
+          <a:prstGeom prst="straightConnector1">
+            <a:avLst/>
+          </a:prstGeom>
+          <a:ln w="28575">
+            <a:solidFill>
+              <a:schemeClr val="accent4">
+                <a:lumMod val="75000"/>
+              </a:schemeClr>
+            </a:solidFill>
+            <a:tailEnd type="triangle"/>
+          </a:ln>
+        </p:spPr>
+        <p:style>
+          <a:lnRef idx="1">
+            <a:schemeClr val="accent1"/>
+          </a:lnRef>
+          <a:fillRef idx="0">
+            <a:schemeClr val="accent1"/>
+          </a:fillRef>
+          <a:effectRef idx="0">
+            <a:schemeClr val="accent1"/>
+          </a:effectRef>
+          <a:fontRef idx="minor">
+            <a:schemeClr val="tx1"/>
+          </a:fontRef>
+        </p:style>
+      </p:cxnSp>
+      <p:cxnSp>
+        <p:nvCxnSpPr>
+          <p:cNvPr id="32" name="Straight Arrow Connector 31"/>
+          <p:cNvCxnSpPr/>
+          <p:nvPr/>
+        </p:nvCxnSpPr>
+        <p:spPr>
+          <a:xfrm rot="5400000">
+            <a:off x="5159766" y="4092693"/>
+            <a:ext cx="2276447" cy="2094941"/>
+          </a:xfrm>
+          <a:prstGeom prst="bentConnector3">
+            <a:avLst>
+              <a:gd name="adj1" fmla="val 41140"/>
+            </a:avLst>
+          </a:prstGeom>
+          <a:ln w="28575">
+            <a:solidFill>
+              <a:srgbClr val="00B0F0"/>
+            </a:solidFill>
+            <a:tailEnd type="triangle"/>
+          </a:ln>
+        </p:spPr>
+        <p:style>
+          <a:lnRef idx="1">
+            <a:schemeClr val="accent1"/>
+          </a:lnRef>
+          <a:fillRef idx="0">
+            <a:schemeClr val="accent1"/>
+          </a:fillRef>
+          <a:effectRef idx="0">
+            <a:schemeClr val="accent1"/>
+          </a:effectRef>
+          <a:fontRef idx="minor">
+            <a:schemeClr val="tx1"/>
+          </a:fontRef>
+        </p:style>
+      </p:cxnSp>
+    </p:spTree>
+    <p:extLst>
+      <p:ext uri="{BB962C8B-B14F-4D97-AF65-F5344CB8AC3E}">
+        <p14:creationId xmlns:p14="http://schemas.microsoft.com/office/powerpoint/2010/main" val="2973505688"/>
+      </p:ext>
+    </p:extLst>
+  </p:cSld>
+  <p:clrMapOvr>
+    <a:masterClrMapping/>
+  </p:clrMapOvr>
+  <p:timing>
+    <p:tnLst>
+      <p:par>
+        <p:cTn id="1" dur="indefinite" restart="never" nodeType="tmRoot"/>
+      </p:par>
+    </p:tnLst>
+  </p:timing>
+</p:sld>
+</file>
+
+<file path=ppt/slides/slide58.xml><?xml version="1.0" encoding="utf-8"?>
+<p:sld xmlns:a="http://schemas.openxmlformats.org/drawingml/2006/main" xmlns:r="http://schemas.openxmlformats.org/officeDocument/2006/relationships" xmlns:p="http://schemas.openxmlformats.org/presentationml/2006/main">
+  <p:cSld>
+    <p:spTree>
+      <p:nvGrpSpPr>
+        <p:cNvPr id="1" name=""/>
+        <p:cNvGrpSpPr/>
+        <p:nvPr/>
+      </p:nvGrpSpPr>
+      <p:grpSpPr>
+        <a:xfrm>
+          <a:off x="0" y="0"/>
+          <a:ext cx="0" cy="0"/>
+          <a:chOff x="0" y="0"/>
+          <a:chExt cx="0" cy="0"/>
+        </a:xfrm>
+      </p:grpSpPr>
+      <p:sp>
+        <p:nvSpPr>
+          <p:cNvPr id="4" name="Title 3"/>
+          <p:cNvSpPr>
+            <a:spLocks noGrp="1"/>
+          </p:cNvSpPr>
+          <p:nvPr>
+            <p:ph type="title"/>
+          </p:nvPr>
+        </p:nvSpPr>
+        <p:spPr/>
+        <p:txBody>
+          <a:bodyPr/>
+          <a:lstStyle/>
+          <a:p>
+            <a:r>
+              <a:rPr lang="en-IN" b="1" dirty="0" smtClean="0"/>
+              <a:t>12 </a:t>
+            </a:r>
+            <a:r>
+              <a:rPr lang="en-IN" b="1" dirty="0" smtClean="0"/>
+              <a:t>: </a:t>
+            </a:r>
+            <a:r>
+              <a:rPr lang="en-IN" b="1" dirty="0" smtClean="0"/>
+              <a:t>Two Way Binding</a:t>
+            </a:r>
+            <a:endParaRPr lang="en-IN" b="1" dirty="0"/>
+          </a:p>
+        </p:txBody>
+      </p:sp>
+      <p:sp>
+        <p:nvSpPr>
+          <p:cNvPr id="6" name="Slide Number Placeholder 5"/>
+          <p:cNvSpPr>
+            <a:spLocks noGrp="1"/>
+          </p:cNvSpPr>
+          <p:nvPr>
+            <p:ph type="sldNum" sz="quarter" idx="12"/>
+          </p:nvPr>
+        </p:nvSpPr>
+        <p:spPr/>
+        <p:txBody>
+          <a:bodyPr/>
+          <a:lstStyle/>
+          <a:p>
+            <a:fld id="{6D22F896-40B5-4ADD-8801-0D06FADFA095}" type="slidenum">
+              <a:rPr lang="en-US" smtClean="0"/>
+              <a:t>58</a:t>
+            </a:fld>
+            <a:endParaRPr lang="en-US" dirty="0"/>
+          </a:p>
+        </p:txBody>
+      </p:sp>
+      <p:pic>
+        <p:nvPicPr>
+          <p:cNvPr id="5" name="Picture 4"/>
+          <p:cNvPicPr>
+            <a:picLocks noChangeAspect="1"/>
+          </p:cNvPicPr>
+          <p:nvPr/>
+        </p:nvPicPr>
+        <p:blipFill>
+          <a:blip r:embed="rId2"/>
+          <a:stretch>
+            <a:fillRect/>
+          </a:stretch>
+        </p:blipFill>
+        <p:spPr>
+          <a:xfrm>
+            <a:off x="1154954" y="2354636"/>
+            <a:ext cx="4114800" cy="2847975"/>
+          </a:xfrm>
+          <a:prstGeom prst="rect">
+            <a:avLst/>
+          </a:prstGeom>
+        </p:spPr>
+      </p:pic>
+      <p:pic>
+        <p:nvPicPr>
+          <p:cNvPr id="10" name="Picture 9"/>
+          <p:cNvPicPr>
+            <a:picLocks noChangeAspect="1"/>
+          </p:cNvPicPr>
+          <p:nvPr/>
+        </p:nvPicPr>
+        <p:blipFill>
+          <a:blip r:embed="rId3"/>
+          <a:stretch>
+            <a:fillRect/>
+          </a:stretch>
+        </p:blipFill>
+        <p:spPr>
+          <a:xfrm>
+            <a:off x="5922029" y="2521884"/>
+            <a:ext cx="2714625" cy="1733550"/>
+          </a:xfrm>
+          <a:prstGeom prst="rect">
+            <a:avLst/>
+          </a:prstGeom>
+          <a:ln>
+            <a:solidFill>
+              <a:schemeClr val="bg1">
+                <a:lumMod val="50000"/>
+              </a:schemeClr>
+            </a:solidFill>
+          </a:ln>
+        </p:spPr>
+      </p:pic>
+      <p:pic>
+        <p:nvPicPr>
+          <p:cNvPr id="15" name="Picture 14"/>
+          <p:cNvPicPr>
+            <a:picLocks noChangeAspect="1"/>
+          </p:cNvPicPr>
+          <p:nvPr/>
+        </p:nvPicPr>
+        <p:blipFill>
+          <a:blip r:embed="rId4"/>
+          <a:stretch>
+            <a:fillRect/>
+          </a:stretch>
+        </p:blipFill>
+        <p:spPr>
+          <a:xfrm>
+            <a:off x="5785863" y="4365407"/>
+            <a:ext cx="4566677" cy="2266235"/>
+          </a:xfrm>
+          <a:prstGeom prst="rect">
+            <a:avLst/>
+          </a:prstGeom>
+        </p:spPr>
+      </p:pic>
+      <p:sp>
+        <p:nvSpPr>
+          <p:cNvPr id="21" name="Rectangle 20"/>
+          <p:cNvSpPr/>
+          <p:nvPr/>
+        </p:nvSpPr>
+        <p:spPr>
+          <a:xfrm>
+            <a:off x="5775002" y="4413956"/>
+            <a:ext cx="1050709" cy="281166"/>
+          </a:xfrm>
+          <a:prstGeom prst="rect">
+            <a:avLst/>
+          </a:prstGeom>
+          <a:noFill/>
+          <a:ln w="28575">
+            <a:solidFill>
+              <a:srgbClr val="FFFF00"/>
+            </a:solidFill>
+          </a:ln>
+        </p:spPr>
+        <p:style>
+          <a:lnRef idx="2">
+            <a:schemeClr val="accent1">
+              <a:shade val="50000"/>
+            </a:schemeClr>
+          </a:lnRef>
+          <a:fillRef idx="1">
+            <a:schemeClr val="accent1"/>
+          </a:fillRef>
+          <a:effectRef idx="0">
+            <a:schemeClr val="accent1"/>
+          </a:effectRef>
+          <a:fontRef idx="minor">
+            <a:schemeClr val="lt1"/>
+          </a:fontRef>
+        </p:style>
+        <p:txBody>
+          <a:bodyPr rtlCol="0" anchor="ctr"/>
+          <a:lstStyle/>
+          <a:p>
+            <a:pPr algn="ctr"/>
+            <a:endParaRPr lang="en-IN"/>
+          </a:p>
+        </p:txBody>
+      </p:sp>
+    </p:spTree>
+    <p:extLst>
+      <p:ext uri="{BB962C8B-B14F-4D97-AF65-F5344CB8AC3E}">
+        <p14:creationId xmlns:p14="http://schemas.microsoft.com/office/powerpoint/2010/main" val="4213160791"/>
       </p:ext>
     </p:extLst>
   </p:cSld>

--- a/Angular Presentation.pptx
+++ b/Angular Presentation.pptx
@@ -5,7 +5,7 @@
     <p:sldMasterId id="2147483723" r:id="rId1"/>
   </p:sldMasterIdLst>
   <p:notesMasterIdLst>
-    <p:notesMasterId r:id="rId60"/>
+    <p:notesMasterId r:id="rId64"/>
   </p:notesMasterIdLst>
   <p:sldIdLst>
     <p:sldId id="256" r:id="rId2"/>
@@ -66,6 +66,10 @@
     <p:sldId id="336" r:id="rId57"/>
     <p:sldId id="337" r:id="rId58"/>
     <p:sldId id="338" r:id="rId59"/>
+    <p:sldId id="339" r:id="rId60"/>
+    <p:sldId id="340" r:id="rId61"/>
+    <p:sldId id="341" r:id="rId62"/>
+    <p:sldId id="342" r:id="rId63"/>
   </p:sldIdLst>
   <p:sldSz cx="12192000" cy="6858000"/>
   <p:notesSz cx="6858000" cy="9144000"/>
@@ -35492,10 +35496,401 @@
           </a:p>
         </p:txBody>
       </p:sp>
+      <p:cxnSp>
+        <p:nvCxnSpPr>
+          <p:cNvPr id="23" name="Straight Arrow Connector 22"/>
+          <p:cNvCxnSpPr/>
+          <p:nvPr/>
+        </p:nvCxnSpPr>
+        <p:spPr>
+          <a:xfrm flipH="1">
+            <a:off x="2138082" y="3348318"/>
+            <a:ext cx="1304365" cy="1586753"/>
+          </a:xfrm>
+          <a:prstGeom prst="straightConnector1">
+            <a:avLst/>
+          </a:prstGeom>
+          <a:ln w="28575">
+            <a:solidFill>
+              <a:srgbClr val="00B0F0"/>
+            </a:solidFill>
+            <a:tailEnd type="triangle"/>
+          </a:ln>
+        </p:spPr>
+        <p:style>
+          <a:lnRef idx="1">
+            <a:schemeClr val="accent1"/>
+          </a:lnRef>
+          <a:fillRef idx="0">
+            <a:schemeClr val="accent1"/>
+          </a:fillRef>
+          <a:effectRef idx="0">
+            <a:schemeClr val="accent1"/>
+          </a:effectRef>
+          <a:fontRef idx="minor">
+            <a:schemeClr val="tx1"/>
+          </a:fontRef>
+        </p:style>
+      </p:cxnSp>
+      <p:cxnSp>
+        <p:nvCxnSpPr>
+          <p:cNvPr id="27" name="Straight Arrow Connector 26"/>
+          <p:cNvCxnSpPr/>
+          <p:nvPr/>
+        </p:nvCxnSpPr>
+        <p:spPr>
+          <a:xfrm flipH="1" flipV="1">
+            <a:off x="1788460" y="3845859"/>
+            <a:ext cx="349622" cy="1089212"/>
+          </a:xfrm>
+          <a:prstGeom prst="straightConnector1">
+            <a:avLst/>
+          </a:prstGeom>
+          <a:ln w="28575">
+            <a:solidFill>
+              <a:srgbClr val="00B0F0"/>
+            </a:solidFill>
+            <a:tailEnd type="triangle"/>
+          </a:ln>
+        </p:spPr>
+        <p:style>
+          <a:lnRef idx="1">
+            <a:schemeClr val="accent1"/>
+          </a:lnRef>
+          <a:fillRef idx="0">
+            <a:schemeClr val="accent1"/>
+          </a:fillRef>
+          <a:effectRef idx="0">
+            <a:schemeClr val="accent1"/>
+          </a:effectRef>
+          <a:fontRef idx="minor">
+            <a:schemeClr val="tx1"/>
+          </a:fontRef>
+        </p:style>
+      </p:cxnSp>
+      <p:cxnSp>
+        <p:nvCxnSpPr>
+          <p:cNvPr id="30" name="Straight Arrow Connector 29"/>
+          <p:cNvCxnSpPr/>
+          <p:nvPr/>
+        </p:nvCxnSpPr>
+        <p:spPr>
+          <a:xfrm>
+            <a:off x="1788460" y="3845859"/>
+            <a:ext cx="4356846" cy="121024"/>
+          </a:xfrm>
+          <a:prstGeom prst="straightConnector1">
+            <a:avLst/>
+          </a:prstGeom>
+          <a:ln w="28575">
+            <a:solidFill>
+              <a:srgbClr val="00B0F0"/>
+            </a:solidFill>
+            <a:tailEnd type="triangle"/>
+          </a:ln>
+        </p:spPr>
+        <p:style>
+          <a:lnRef idx="1">
+            <a:schemeClr val="accent1"/>
+          </a:lnRef>
+          <a:fillRef idx="0">
+            <a:schemeClr val="accent1"/>
+          </a:fillRef>
+          <a:effectRef idx="0">
+            <a:schemeClr val="accent1"/>
+          </a:effectRef>
+          <a:fontRef idx="minor">
+            <a:schemeClr val="tx1"/>
+          </a:fontRef>
+        </p:style>
+      </p:cxnSp>
+      <p:cxnSp>
+        <p:nvCxnSpPr>
+          <p:cNvPr id="31" name="Straight Arrow Connector 30"/>
+          <p:cNvCxnSpPr/>
+          <p:nvPr/>
+        </p:nvCxnSpPr>
+        <p:spPr>
+          <a:xfrm>
+            <a:off x="2568388" y="3348318"/>
+            <a:ext cx="3576918" cy="282389"/>
+          </a:xfrm>
+          <a:prstGeom prst="straightConnector1">
+            <a:avLst/>
+          </a:prstGeom>
+          <a:ln w="28575">
+            <a:solidFill>
+              <a:srgbClr val="FF0000"/>
+            </a:solidFill>
+            <a:tailEnd type="triangle"/>
+          </a:ln>
+        </p:spPr>
+        <p:style>
+          <a:lnRef idx="1">
+            <a:schemeClr val="accent1"/>
+          </a:lnRef>
+          <a:fillRef idx="0">
+            <a:schemeClr val="accent1"/>
+          </a:fillRef>
+          <a:effectRef idx="0">
+            <a:schemeClr val="accent1"/>
+          </a:effectRef>
+          <a:fontRef idx="minor">
+            <a:schemeClr val="tx1"/>
+          </a:fontRef>
+        </p:style>
+      </p:cxnSp>
     </p:spTree>
     <p:extLst>
       <p:ext uri="{BB962C8B-B14F-4D97-AF65-F5344CB8AC3E}">
         <p14:creationId xmlns:p14="http://schemas.microsoft.com/office/powerpoint/2010/main" val="4213160791"/>
+      </p:ext>
+    </p:extLst>
+  </p:cSld>
+  <p:clrMapOvr>
+    <a:masterClrMapping/>
+  </p:clrMapOvr>
+  <p:timing>
+    <p:tnLst>
+      <p:par>
+        <p:cTn id="1" dur="indefinite" restart="never" nodeType="tmRoot"/>
+      </p:par>
+    </p:tnLst>
+  </p:timing>
+</p:sld>
+</file>
+
+<file path=ppt/slides/slide59.xml><?xml version="1.0" encoding="utf-8"?>
+<p:sld xmlns:a="http://schemas.openxmlformats.org/drawingml/2006/main" xmlns:r="http://schemas.openxmlformats.org/officeDocument/2006/relationships" xmlns:p="http://schemas.openxmlformats.org/presentationml/2006/main">
+  <p:cSld>
+    <p:spTree>
+      <p:nvGrpSpPr>
+        <p:cNvPr id="1" name=""/>
+        <p:cNvGrpSpPr/>
+        <p:nvPr/>
+      </p:nvGrpSpPr>
+      <p:grpSpPr>
+        <a:xfrm>
+          <a:off x="0" y="0"/>
+          <a:ext cx="0" cy="0"/>
+          <a:chOff x="0" y="0"/>
+          <a:chExt cx="0" cy="0"/>
+        </a:xfrm>
+      </p:grpSpPr>
+      <p:sp>
+        <p:nvSpPr>
+          <p:cNvPr id="4" name="Title 3"/>
+          <p:cNvSpPr>
+            <a:spLocks noGrp="1"/>
+          </p:cNvSpPr>
+          <p:nvPr>
+            <p:ph type="title"/>
+          </p:nvPr>
+        </p:nvSpPr>
+        <p:spPr/>
+        <p:txBody>
+          <a:bodyPr/>
+          <a:lstStyle/>
+          <a:p>
+            <a:r>
+              <a:rPr lang="en-IN" b="1" dirty="0" smtClean="0"/>
+              <a:t>13 </a:t>
+            </a:r>
+            <a:r>
+              <a:rPr lang="en-IN" b="1" dirty="0" smtClean="0"/>
+              <a:t>: </a:t>
+            </a:r>
+            <a:r>
+              <a:rPr lang="en-IN" b="1" dirty="0" smtClean="0"/>
+              <a:t>Structural Directives</a:t>
+            </a:r>
+            <a:endParaRPr lang="en-IN" b="1" dirty="0"/>
+          </a:p>
+        </p:txBody>
+      </p:sp>
+      <p:sp>
+        <p:nvSpPr>
+          <p:cNvPr id="5" name="Text Placeholder 4"/>
+          <p:cNvSpPr>
+            <a:spLocks noGrp="1"/>
+          </p:cNvSpPr>
+          <p:nvPr>
+            <p:ph idx="1"/>
+          </p:nvPr>
+        </p:nvSpPr>
+        <p:spPr>
+          <a:xfrm>
+            <a:off x="1154954" y="2603500"/>
+            <a:ext cx="8825659" cy="2909794"/>
+          </a:xfrm>
+        </p:spPr>
+        <p:txBody>
+          <a:bodyPr numCol="1">
+            <a:noAutofit/>
+          </a:bodyPr>
+          <a:lstStyle/>
+          <a:p>
+            <a:pPr marL="342900" indent="-342900">
+              <a:buFont typeface="Wingdings 3" charset="2"/>
+              <a:buAutoNum type="arabicPeriod"/>
+            </a:pPr>
+            <a:r>
+              <a:rPr lang="en-IN" sz="2400" dirty="0" smtClean="0"/>
+              <a:t>Structural </a:t>
+            </a:r>
+            <a:r>
+              <a:rPr lang="en-IN" sz="2400" dirty="0" smtClean="0"/>
+              <a:t>Directives are directives that let us add or remove HTML elements from the DOM</a:t>
+            </a:r>
+            <a:endParaRPr lang="en-IN" sz="2400" dirty="0" smtClean="0"/>
+          </a:p>
+          <a:p>
+            <a:pPr marL="342900" indent="-342900">
+              <a:buFont typeface="Wingdings 3" charset="2"/>
+              <a:buAutoNum type="arabicPeriod"/>
+            </a:pPr>
+            <a:r>
+              <a:rPr lang="en-IN" sz="2400" dirty="0" smtClean="0"/>
+              <a:t>Common Built-In Structural Directives</a:t>
+            </a:r>
+            <a:endParaRPr lang="en-IN" sz="2400" dirty="0" smtClean="0"/>
+          </a:p>
+          <a:p>
+            <a:pPr marL="800100" lvl="1" indent="-342900">
+              <a:buFont typeface="Wingdings 3" charset="2"/>
+              <a:buAutoNum type="arabicPeriod"/>
+            </a:pPr>
+            <a:r>
+              <a:rPr lang="en-IN" sz="2200" dirty="0" err="1" smtClean="0">
+                <a:solidFill>
+                  <a:srgbClr val="00B0F0"/>
+                </a:solidFill>
+              </a:rPr>
+              <a:t>ngIf</a:t>
+            </a:r>
+            <a:r>
+              <a:rPr lang="en-IN" sz="2200" dirty="0" smtClean="0">
+                <a:solidFill>
+                  <a:srgbClr val="00B0F0"/>
+                </a:solidFill>
+              </a:rPr>
+              <a:t> – Conditionally Render HTML Element</a:t>
+            </a:r>
+          </a:p>
+          <a:p>
+            <a:pPr marL="800100" lvl="1" indent="-342900">
+              <a:buFont typeface="Wingdings 3" charset="2"/>
+              <a:buAutoNum type="arabicPeriod"/>
+            </a:pPr>
+            <a:r>
+              <a:rPr lang="en-IN" sz="2200" dirty="0" err="1" smtClean="0">
+                <a:solidFill>
+                  <a:srgbClr val="00B0F0"/>
+                </a:solidFill>
+              </a:rPr>
+              <a:t>ngSwitch</a:t>
+            </a:r>
+            <a:r>
+              <a:rPr lang="en-IN" sz="2200" dirty="0">
+                <a:solidFill>
+                  <a:srgbClr val="00B0F0"/>
+                </a:solidFill>
+              </a:rPr>
+              <a:t> - Conditionally Render HTML </a:t>
+            </a:r>
+            <a:r>
+              <a:rPr lang="en-IN" sz="2200" dirty="0" smtClean="0">
+                <a:solidFill>
+                  <a:srgbClr val="00B0F0"/>
+                </a:solidFill>
+              </a:rPr>
+              <a:t>Element</a:t>
+            </a:r>
+            <a:endParaRPr lang="en-IN" sz="2200" dirty="0" smtClean="0">
+              <a:solidFill>
+                <a:srgbClr val="00B0F0"/>
+              </a:solidFill>
+            </a:endParaRPr>
+          </a:p>
+          <a:p>
+            <a:pPr marL="800100" lvl="1" indent="-342900">
+              <a:buFont typeface="Wingdings 3" charset="2"/>
+              <a:buAutoNum type="arabicPeriod"/>
+            </a:pPr>
+            <a:r>
+              <a:rPr lang="en-IN" sz="2200" dirty="0" err="1" smtClean="0">
+                <a:solidFill>
+                  <a:srgbClr val="00B0F0"/>
+                </a:solidFill>
+              </a:rPr>
+              <a:t>ngFor</a:t>
+            </a:r>
+            <a:r>
+              <a:rPr lang="en-IN" sz="2200" dirty="0" smtClean="0">
+                <a:solidFill>
+                  <a:srgbClr val="00B0F0"/>
+                </a:solidFill>
+              </a:rPr>
+              <a:t> – Render HTML elements in List</a:t>
+            </a:r>
+            <a:endParaRPr lang="en-IN" sz="2200" dirty="0">
+              <a:solidFill>
+                <a:srgbClr val="00B0F0"/>
+              </a:solidFill>
+            </a:endParaRPr>
+          </a:p>
+        </p:txBody>
+      </p:sp>
+      <p:sp>
+        <p:nvSpPr>
+          <p:cNvPr id="3" name="Date Placeholder 2"/>
+          <p:cNvSpPr>
+            <a:spLocks noGrp="1"/>
+          </p:cNvSpPr>
+          <p:nvPr>
+            <p:ph type="dt" sz="half" idx="10"/>
+          </p:nvPr>
+        </p:nvSpPr>
+        <p:spPr/>
+        <p:txBody>
+          <a:bodyPr/>
+          <a:lstStyle/>
+          <a:p>
+            <a:r>
+              <a:rPr lang="en-US" smtClean="0"/>
+              <a:t>5/6/2019</a:t>
+            </a:r>
+            <a:endParaRPr lang="en-US" dirty="0"/>
+          </a:p>
+        </p:txBody>
+      </p:sp>
+      <p:sp>
+        <p:nvSpPr>
+          <p:cNvPr id="6" name="Slide Number Placeholder 5"/>
+          <p:cNvSpPr>
+            <a:spLocks noGrp="1"/>
+          </p:cNvSpPr>
+          <p:nvPr>
+            <p:ph type="sldNum" sz="quarter" idx="12"/>
+          </p:nvPr>
+        </p:nvSpPr>
+        <p:spPr/>
+        <p:txBody>
+          <a:bodyPr/>
+          <a:lstStyle/>
+          <a:p>
+            <a:fld id="{6D22F896-40B5-4ADD-8801-0D06FADFA095}" type="slidenum">
+              <a:rPr lang="en-US" smtClean="0"/>
+              <a:t>59</a:t>
+            </a:fld>
+            <a:endParaRPr lang="en-US" dirty="0"/>
+          </a:p>
+        </p:txBody>
+      </p:sp>
+    </p:spTree>
+    <p:extLst>
+      <p:ext uri="{BB962C8B-B14F-4D97-AF65-F5344CB8AC3E}">
+        <p14:creationId xmlns:p14="http://schemas.microsoft.com/office/powerpoint/2010/main" val="3999515313"/>
       </p:ext>
     </p:extLst>
   </p:cSld>
@@ -35666,6 +36061,1029 @@
     <p:extLst>
       <p:ext uri="{BB962C8B-B14F-4D97-AF65-F5344CB8AC3E}">
         <p14:creationId xmlns:p14="http://schemas.microsoft.com/office/powerpoint/2010/main" val="3626880024"/>
+      </p:ext>
+    </p:extLst>
+  </p:cSld>
+  <p:clrMapOvr>
+    <a:masterClrMapping/>
+  </p:clrMapOvr>
+  <p:timing>
+    <p:tnLst>
+      <p:par>
+        <p:cTn id="1" dur="indefinite" restart="never" nodeType="tmRoot"/>
+      </p:par>
+    </p:tnLst>
+  </p:timing>
+</p:sld>
+</file>
+
+<file path=ppt/slides/slide60.xml><?xml version="1.0" encoding="utf-8"?>
+<p:sld xmlns:a="http://schemas.openxmlformats.org/drawingml/2006/main" xmlns:r="http://schemas.openxmlformats.org/officeDocument/2006/relationships" xmlns:p="http://schemas.openxmlformats.org/presentationml/2006/main">
+  <p:cSld>
+    <p:spTree>
+      <p:nvGrpSpPr>
+        <p:cNvPr id="1" name=""/>
+        <p:cNvGrpSpPr/>
+        <p:nvPr/>
+      </p:nvGrpSpPr>
+      <p:grpSpPr>
+        <a:xfrm>
+          <a:off x="0" y="0"/>
+          <a:ext cx="0" cy="0"/>
+          <a:chOff x="0" y="0"/>
+          <a:chExt cx="0" cy="0"/>
+        </a:xfrm>
+      </p:grpSpPr>
+      <p:sp>
+        <p:nvSpPr>
+          <p:cNvPr id="4" name="Title 3"/>
+          <p:cNvSpPr>
+            <a:spLocks noGrp="1"/>
+          </p:cNvSpPr>
+          <p:nvPr>
+            <p:ph type="title"/>
+          </p:nvPr>
+        </p:nvSpPr>
+        <p:spPr/>
+        <p:txBody>
+          <a:bodyPr/>
+          <a:lstStyle/>
+          <a:p>
+            <a:r>
+              <a:rPr lang="en-IN" b="1" dirty="0" smtClean="0"/>
+              <a:t>13.1 </a:t>
+            </a:r>
+            <a:r>
+              <a:rPr lang="en-IN" b="1" dirty="0" smtClean="0"/>
+              <a:t>: </a:t>
+            </a:r>
+            <a:r>
+              <a:rPr lang="en-IN" b="1" dirty="0" smtClean="0"/>
+              <a:t>ng-If (*</a:t>
+            </a:r>
+            <a:r>
+              <a:rPr lang="en-IN" b="1" dirty="0" err="1" smtClean="0"/>
+              <a:t>ngIf</a:t>
+            </a:r>
+            <a:r>
+              <a:rPr lang="en-IN" b="1" dirty="0" smtClean="0"/>
+              <a:t>)</a:t>
+            </a:r>
+            <a:endParaRPr lang="en-IN" b="1" dirty="0"/>
+          </a:p>
+        </p:txBody>
+      </p:sp>
+      <p:sp>
+        <p:nvSpPr>
+          <p:cNvPr id="3" name="Date Placeholder 2"/>
+          <p:cNvSpPr>
+            <a:spLocks noGrp="1"/>
+          </p:cNvSpPr>
+          <p:nvPr>
+            <p:ph type="dt" sz="half" idx="10"/>
+          </p:nvPr>
+        </p:nvSpPr>
+        <p:spPr/>
+        <p:txBody>
+          <a:bodyPr/>
+          <a:lstStyle/>
+          <a:p>
+            <a:r>
+              <a:rPr lang="en-US" smtClean="0"/>
+              <a:t>5/6/2019</a:t>
+            </a:r>
+            <a:endParaRPr lang="en-US" dirty="0"/>
+          </a:p>
+        </p:txBody>
+      </p:sp>
+      <p:sp>
+        <p:nvSpPr>
+          <p:cNvPr id="6" name="Slide Number Placeholder 5"/>
+          <p:cNvSpPr>
+            <a:spLocks noGrp="1"/>
+          </p:cNvSpPr>
+          <p:nvPr>
+            <p:ph type="sldNum" sz="quarter" idx="12"/>
+          </p:nvPr>
+        </p:nvSpPr>
+        <p:spPr/>
+        <p:txBody>
+          <a:bodyPr/>
+          <a:lstStyle/>
+          <a:p>
+            <a:fld id="{6D22F896-40B5-4ADD-8801-0D06FADFA095}" type="slidenum">
+              <a:rPr lang="en-US" smtClean="0"/>
+              <a:t>60</a:t>
+            </a:fld>
+            <a:endParaRPr lang="en-US" dirty="0"/>
+          </a:p>
+        </p:txBody>
+      </p:sp>
+      <p:pic>
+        <p:nvPicPr>
+          <p:cNvPr id="8" name="Picture 7"/>
+          <p:cNvPicPr>
+            <a:picLocks noChangeAspect="1"/>
+          </p:cNvPicPr>
+          <p:nvPr/>
+        </p:nvPicPr>
+        <p:blipFill>
+          <a:blip r:embed="rId2"/>
+          <a:stretch>
+            <a:fillRect/>
+          </a:stretch>
+        </p:blipFill>
+        <p:spPr>
+          <a:xfrm>
+            <a:off x="1154954" y="2586318"/>
+            <a:ext cx="3829050" cy="2895600"/>
+          </a:xfrm>
+          <a:prstGeom prst="rect">
+            <a:avLst/>
+          </a:prstGeom>
+        </p:spPr>
+      </p:pic>
+      <p:pic>
+        <p:nvPicPr>
+          <p:cNvPr id="9" name="Picture 8"/>
+          <p:cNvPicPr>
+            <a:picLocks noChangeAspect="1"/>
+          </p:cNvPicPr>
+          <p:nvPr/>
+        </p:nvPicPr>
+        <p:blipFill>
+          <a:blip r:embed="rId3"/>
+          <a:stretch>
+            <a:fillRect/>
+          </a:stretch>
+        </p:blipFill>
+        <p:spPr>
+          <a:xfrm>
+            <a:off x="5298420" y="2586318"/>
+            <a:ext cx="5172075" cy="3114675"/>
+          </a:xfrm>
+          <a:prstGeom prst="rect">
+            <a:avLst/>
+          </a:prstGeom>
+          <a:ln>
+            <a:solidFill>
+              <a:schemeClr val="bg1">
+                <a:lumMod val="50000"/>
+              </a:schemeClr>
+            </a:solidFill>
+          </a:ln>
+        </p:spPr>
+      </p:pic>
+      <p:cxnSp>
+        <p:nvCxnSpPr>
+          <p:cNvPr id="10" name="Straight Arrow Connector 9"/>
+          <p:cNvCxnSpPr/>
+          <p:nvPr/>
+        </p:nvCxnSpPr>
+        <p:spPr>
+          <a:xfrm>
+            <a:off x="3079376" y="3496235"/>
+            <a:ext cx="2635624" cy="699247"/>
+          </a:xfrm>
+          <a:prstGeom prst="straightConnector1">
+            <a:avLst/>
+          </a:prstGeom>
+          <a:ln w="28575">
+            <a:solidFill>
+              <a:srgbClr val="FF0000"/>
+            </a:solidFill>
+            <a:tailEnd type="triangle"/>
+          </a:ln>
+        </p:spPr>
+        <p:style>
+          <a:lnRef idx="1">
+            <a:schemeClr val="accent1"/>
+          </a:lnRef>
+          <a:fillRef idx="0">
+            <a:schemeClr val="accent1"/>
+          </a:fillRef>
+          <a:effectRef idx="0">
+            <a:schemeClr val="accent1"/>
+          </a:effectRef>
+          <a:fontRef idx="minor">
+            <a:schemeClr val="tx1"/>
+          </a:fontRef>
+        </p:style>
+      </p:cxnSp>
+      <p:cxnSp>
+        <p:nvCxnSpPr>
+          <p:cNvPr id="13" name="Straight Arrow Connector 12"/>
+          <p:cNvCxnSpPr/>
+          <p:nvPr/>
+        </p:nvCxnSpPr>
+        <p:spPr>
+          <a:xfrm>
+            <a:off x="5715000" y="4195482"/>
+            <a:ext cx="1909482" cy="215153"/>
+          </a:xfrm>
+          <a:prstGeom prst="straightConnector1">
+            <a:avLst/>
+          </a:prstGeom>
+          <a:ln w="28575">
+            <a:solidFill>
+              <a:srgbClr val="FF0000"/>
+            </a:solidFill>
+            <a:tailEnd type="triangle"/>
+          </a:ln>
+        </p:spPr>
+        <p:style>
+          <a:lnRef idx="1">
+            <a:schemeClr val="accent1"/>
+          </a:lnRef>
+          <a:fillRef idx="0">
+            <a:schemeClr val="accent1"/>
+          </a:fillRef>
+          <a:effectRef idx="0">
+            <a:schemeClr val="accent1"/>
+          </a:effectRef>
+          <a:fontRef idx="minor">
+            <a:schemeClr val="tx1"/>
+          </a:fontRef>
+        </p:style>
+      </p:cxnSp>
+      <p:cxnSp>
+        <p:nvCxnSpPr>
+          <p:cNvPr id="16" name="Straight Arrow Connector 15"/>
+          <p:cNvCxnSpPr/>
+          <p:nvPr/>
+        </p:nvCxnSpPr>
+        <p:spPr>
+          <a:xfrm flipV="1">
+            <a:off x="2501153" y="3496235"/>
+            <a:ext cx="578223" cy="1331259"/>
+          </a:xfrm>
+          <a:prstGeom prst="straightConnector1">
+            <a:avLst/>
+          </a:prstGeom>
+          <a:ln w="28575">
+            <a:solidFill>
+              <a:srgbClr val="FF0000"/>
+            </a:solidFill>
+            <a:tailEnd type="triangle"/>
+          </a:ln>
+        </p:spPr>
+        <p:style>
+          <a:lnRef idx="1">
+            <a:schemeClr val="accent1"/>
+          </a:lnRef>
+          <a:fillRef idx="0">
+            <a:schemeClr val="accent1"/>
+          </a:fillRef>
+          <a:effectRef idx="0">
+            <a:schemeClr val="accent1"/>
+          </a:effectRef>
+          <a:fontRef idx="minor">
+            <a:schemeClr val="tx1"/>
+          </a:fontRef>
+        </p:style>
+      </p:cxnSp>
+      <p:cxnSp>
+        <p:nvCxnSpPr>
+          <p:cNvPr id="20" name="Straight Arrow Connector 19"/>
+          <p:cNvCxnSpPr/>
+          <p:nvPr/>
+        </p:nvCxnSpPr>
+        <p:spPr>
+          <a:xfrm>
+            <a:off x="2675965" y="3648635"/>
+            <a:ext cx="5042647" cy="1407459"/>
+          </a:xfrm>
+          <a:prstGeom prst="straightConnector1">
+            <a:avLst/>
+          </a:prstGeom>
+          <a:ln w="28575">
+            <a:solidFill>
+              <a:srgbClr val="00B050"/>
+            </a:solidFill>
+            <a:tailEnd type="triangle"/>
+          </a:ln>
+        </p:spPr>
+        <p:style>
+          <a:lnRef idx="1">
+            <a:schemeClr val="accent1"/>
+          </a:lnRef>
+          <a:fillRef idx="0">
+            <a:schemeClr val="accent1"/>
+          </a:fillRef>
+          <a:effectRef idx="0">
+            <a:schemeClr val="accent1"/>
+          </a:effectRef>
+          <a:fontRef idx="minor">
+            <a:schemeClr val="tx1"/>
+          </a:fontRef>
+        </p:style>
+      </p:cxnSp>
+      <p:cxnSp>
+        <p:nvCxnSpPr>
+          <p:cNvPr id="21" name="Straight Arrow Connector 20"/>
+          <p:cNvCxnSpPr/>
+          <p:nvPr/>
+        </p:nvCxnSpPr>
+        <p:spPr>
+          <a:xfrm flipV="1">
+            <a:off x="2124635" y="3648635"/>
+            <a:ext cx="551330" cy="1407459"/>
+          </a:xfrm>
+          <a:prstGeom prst="straightConnector1">
+            <a:avLst/>
+          </a:prstGeom>
+          <a:ln w="28575">
+            <a:solidFill>
+              <a:srgbClr val="00B050"/>
+            </a:solidFill>
+            <a:tailEnd type="triangle"/>
+          </a:ln>
+        </p:spPr>
+        <p:style>
+          <a:lnRef idx="1">
+            <a:schemeClr val="accent1"/>
+          </a:lnRef>
+          <a:fillRef idx="0">
+            <a:schemeClr val="accent1"/>
+          </a:fillRef>
+          <a:effectRef idx="0">
+            <a:schemeClr val="accent1"/>
+          </a:effectRef>
+          <a:fontRef idx="minor">
+            <a:schemeClr val="tx1"/>
+          </a:fontRef>
+        </p:style>
+      </p:cxnSp>
+      <p:sp>
+        <p:nvSpPr>
+          <p:cNvPr id="26" name="TextBox 25"/>
+          <p:cNvSpPr txBox="1"/>
+          <p:nvPr/>
+        </p:nvSpPr>
+        <p:spPr>
+          <a:xfrm>
+            <a:off x="1317812" y="5916706"/>
+            <a:ext cx="7974106" cy="523220"/>
+          </a:xfrm>
+          <a:prstGeom prst="rect">
+            <a:avLst/>
+          </a:prstGeom>
+          <a:noFill/>
+        </p:spPr>
+        <p:txBody>
+          <a:bodyPr wrap="square" rtlCol="0">
+            <a:spAutoFit/>
+          </a:bodyPr>
+          <a:lstStyle/>
+          <a:p>
+            <a:r>
+              <a:rPr lang="en-IN" sz="1400" dirty="0" smtClean="0"/>
+              <a:t>Even though the </a:t>
+            </a:r>
+            <a:r>
+              <a:rPr lang="en-IN" sz="1400" b="1" dirty="0" smtClean="0"/>
+              <a:t>show</a:t>
+            </a:r>
+            <a:r>
+              <a:rPr lang="en-IN" sz="1400" dirty="0" smtClean="0"/>
+              <a:t> h2 is not visible in output but still its in DOM. This is entirely different from CSS Display property</a:t>
+            </a:r>
+            <a:endParaRPr lang="en-IN" sz="1400" dirty="0"/>
+          </a:p>
+        </p:txBody>
+      </p:sp>
+    </p:spTree>
+    <p:extLst>
+      <p:ext uri="{BB962C8B-B14F-4D97-AF65-F5344CB8AC3E}">
+        <p14:creationId xmlns:p14="http://schemas.microsoft.com/office/powerpoint/2010/main" val="1707186366"/>
+      </p:ext>
+    </p:extLst>
+  </p:cSld>
+  <p:clrMapOvr>
+    <a:masterClrMapping/>
+  </p:clrMapOvr>
+  <p:timing>
+    <p:tnLst>
+      <p:par>
+        <p:cTn id="1" dur="indefinite" restart="never" nodeType="tmRoot"/>
+      </p:par>
+    </p:tnLst>
+  </p:timing>
+</p:sld>
+</file>
+
+<file path=ppt/slides/slide61.xml><?xml version="1.0" encoding="utf-8"?>
+<p:sld xmlns:a="http://schemas.openxmlformats.org/drawingml/2006/main" xmlns:r="http://schemas.openxmlformats.org/officeDocument/2006/relationships" xmlns:p="http://schemas.openxmlformats.org/presentationml/2006/main">
+  <p:cSld>
+    <p:spTree>
+      <p:nvGrpSpPr>
+        <p:cNvPr id="1" name=""/>
+        <p:cNvGrpSpPr/>
+        <p:nvPr/>
+      </p:nvGrpSpPr>
+      <p:grpSpPr>
+        <a:xfrm>
+          <a:off x="0" y="0"/>
+          <a:ext cx="0" cy="0"/>
+          <a:chOff x="0" y="0"/>
+          <a:chExt cx="0" cy="0"/>
+        </a:xfrm>
+      </p:grpSpPr>
+      <p:pic>
+        <p:nvPicPr>
+          <p:cNvPr id="2" name="Picture 1"/>
+          <p:cNvPicPr>
+            <a:picLocks noChangeAspect="1"/>
+          </p:cNvPicPr>
+          <p:nvPr/>
+        </p:nvPicPr>
+        <p:blipFill>
+          <a:blip r:embed="rId2"/>
+          <a:stretch>
+            <a:fillRect/>
+          </a:stretch>
+        </p:blipFill>
+        <p:spPr>
+          <a:xfrm>
+            <a:off x="1154954" y="2653272"/>
+            <a:ext cx="5324475" cy="3514725"/>
+          </a:xfrm>
+          <a:prstGeom prst="rect">
+            <a:avLst/>
+          </a:prstGeom>
+        </p:spPr>
+      </p:pic>
+      <p:sp>
+        <p:nvSpPr>
+          <p:cNvPr id="4" name="Title 3"/>
+          <p:cNvSpPr>
+            <a:spLocks noGrp="1"/>
+          </p:cNvSpPr>
+          <p:nvPr>
+            <p:ph type="title"/>
+          </p:nvPr>
+        </p:nvSpPr>
+        <p:spPr/>
+        <p:txBody>
+          <a:bodyPr/>
+          <a:lstStyle/>
+          <a:p>
+            <a:r>
+              <a:rPr lang="en-IN" b="1" dirty="0" smtClean="0"/>
+              <a:t>13.2 </a:t>
+            </a:r>
+            <a:r>
+              <a:rPr lang="en-IN" b="1" dirty="0" smtClean="0"/>
+              <a:t>: </a:t>
+            </a:r>
+            <a:r>
+              <a:rPr lang="en-IN" b="1" dirty="0" smtClean="0"/>
+              <a:t>ng-If ; else</a:t>
+            </a:r>
+            <a:endParaRPr lang="en-IN" b="1" dirty="0"/>
+          </a:p>
+        </p:txBody>
+      </p:sp>
+      <p:sp>
+        <p:nvSpPr>
+          <p:cNvPr id="3" name="Date Placeholder 2"/>
+          <p:cNvSpPr>
+            <a:spLocks noGrp="1"/>
+          </p:cNvSpPr>
+          <p:nvPr>
+            <p:ph type="dt" sz="half" idx="10"/>
+          </p:nvPr>
+        </p:nvSpPr>
+        <p:spPr/>
+        <p:txBody>
+          <a:bodyPr/>
+          <a:lstStyle/>
+          <a:p>
+            <a:r>
+              <a:rPr lang="en-US" smtClean="0"/>
+              <a:t>5/6/2019</a:t>
+            </a:r>
+            <a:endParaRPr lang="en-US" dirty="0"/>
+          </a:p>
+        </p:txBody>
+      </p:sp>
+      <p:sp>
+        <p:nvSpPr>
+          <p:cNvPr id="6" name="Slide Number Placeholder 5"/>
+          <p:cNvSpPr>
+            <a:spLocks noGrp="1"/>
+          </p:cNvSpPr>
+          <p:nvPr>
+            <p:ph type="sldNum" sz="quarter" idx="12"/>
+          </p:nvPr>
+        </p:nvSpPr>
+        <p:spPr/>
+        <p:txBody>
+          <a:bodyPr/>
+          <a:lstStyle/>
+          <a:p>
+            <a:fld id="{6D22F896-40B5-4ADD-8801-0D06FADFA095}" type="slidenum">
+              <a:rPr lang="en-US" smtClean="0"/>
+              <a:t>61</a:t>
+            </a:fld>
+            <a:endParaRPr lang="en-US" dirty="0"/>
+          </a:p>
+        </p:txBody>
+      </p:sp>
+      <p:cxnSp>
+        <p:nvCxnSpPr>
+          <p:cNvPr id="10" name="Straight Arrow Connector 9"/>
+          <p:cNvCxnSpPr/>
+          <p:nvPr/>
+        </p:nvCxnSpPr>
+        <p:spPr>
+          <a:xfrm>
+            <a:off x="3079376" y="3496235"/>
+            <a:ext cx="107577" cy="2084294"/>
+          </a:xfrm>
+          <a:prstGeom prst="straightConnector1">
+            <a:avLst/>
+          </a:prstGeom>
+          <a:ln w="28575">
+            <a:solidFill>
+              <a:srgbClr val="FF0000"/>
+            </a:solidFill>
+            <a:prstDash val="dash"/>
+            <a:tailEnd type="triangle"/>
+          </a:ln>
+        </p:spPr>
+        <p:style>
+          <a:lnRef idx="1">
+            <a:schemeClr val="accent1"/>
+          </a:lnRef>
+          <a:fillRef idx="0">
+            <a:schemeClr val="accent1"/>
+          </a:fillRef>
+          <a:effectRef idx="0">
+            <a:schemeClr val="accent1"/>
+          </a:effectRef>
+          <a:fontRef idx="minor">
+            <a:schemeClr val="tx1"/>
+          </a:fontRef>
+        </p:style>
+      </p:cxnSp>
+      <p:pic>
+        <p:nvPicPr>
+          <p:cNvPr id="5" name="Picture 4"/>
+          <p:cNvPicPr>
+            <a:picLocks noChangeAspect="1"/>
+          </p:cNvPicPr>
+          <p:nvPr/>
+        </p:nvPicPr>
+        <p:blipFill>
+          <a:blip r:embed="rId3"/>
+          <a:stretch>
+            <a:fillRect/>
+          </a:stretch>
+        </p:blipFill>
+        <p:spPr>
+          <a:xfrm>
+            <a:off x="7422216" y="3280522"/>
+            <a:ext cx="3105150" cy="1685925"/>
+          </a:xfrm>
+          <a:prstGeom prst="rect">
+            <a:avLst/>
+          </a:prstGeom>
+          <a:ln>
+            <a:solidFill>
+              <a:schemeClr val="bg1">
+                <a:lumMod val="50000"/>
+              </a:schemeClr>
+            </a:solidFill>
+          </a:ln>
+        </p:spPr>
+      </p:pic>
+      <p:cxnSp>
+        <p:nvCxnSpPr>
+          <p:cNvPr id="17" name="Straight Arrow Connector 16"/>
+          <p:cNvCxnSpPr/>
+          <p:nvPr/>
+        </p:nvCxnSpPr>
+        <p:spPr>
+          <a:xfrm flipV="1">
+            <a:off x="3281082" y="3496235"/>
+            <a:ext cx="536109" cy="2084294"/>
+          </a:xfrm>
+          <a:prstGeom prst="straightConnector1">
+            <a:avLst/>
+          </a:prstGeom>
+          <a:ln w="28575">
+            <a:solidFill>
+              <a:srgbClr val="00B0F0"/>
+            </a:solidFill>
+            <a:tailEnd type="triangle"/>
+          </a:ln>
+        </p:spPr>
+        <p:style>
+          <a:lnRef idx="1">
+            <a:schemeClr val="accent1"/>
+          </a:lnRef>
+          <a:fillRef idx="0">
+            <a:schemeClr val="accent1"/>
+          </a:fillRef>
+          <a:effectRef idx="0">
+            <a:schemeClr val="accent1"/>
+          </a:effectRef>
+          <a:fontRef idx="minor">
+            <a:schemeClr val="tx1"/>
+          </a:fontRef>
+        </p:style>
+      </p:cxnSp>
+      <p:cxnSp>
+        <p:nvCxnSpPr>
+          <p:cNvPr id="19" name="Straight Arrow Connector 18"/>
+          <p:cNvCxnSpPr/>
+          <p:nvPr/>
+        </p:nvCxnSpPr>
+        <p:spPr>
+          <a:xfrm flipH="1">
+            <a:off x="3281082" y="3496235"/>
+            <a:ext cx="536109" cy="416860"/>
+          </a:xfrm>
+          <a:prstGeom prst="straightConnector1">
+            <a:avLst/>
+          </a:prstGeom>
+          <a:ln w="28575">
+            <a:solidFill>
+              <a:srgbClr val="00B0F0"/>
+            </a:solidFill>
+            <a:tailEnd type="triangle"/>
+          </a:ln>
+        </p:spPr>
+        <p:style>
+          <a:lnRef idx="1">
+            <a:schemeClr val="accent1"/>
+          </a:lnRef>
+          <a:fillRef idx="0">
+            <a:schemeClr val="accent1"/>
+          </a:fillRef>
+          <a:effectRef idx="0">
+            <a:schemeClr val="accent1"/>
+          </a:effectRef>
+          <a:fontRef idx="minor">
+            <a:schemeClr val="tx1"/>
+          </a:fontRef>
+        </p:style>
+      </p:cxnSp>
+      <p:cxnSp>
+        <p:nvCxnSpPr>
+          <p:cNvPr id="22" name="Straight Arrow Connector 21"/>
+          <p:cNvCxnSpPr/>
+          <p:nvPr/>
+        </p:nvCxnSpPr>
+        <p:spPr>
+          <a:xfrm>
+            <a:off x="3281082" y="4222376"/>
+            <a:ext cx="4343400" cy="316006"/>
+          </a:xfrm>
+          <a:prstGeom prst="straightConnector1">
+            <a:avLst/>
+          </a:prstGeom>
+          <a:ln w="28575">
+            <a:solidFill>
+              <a:srgbClr val="00B0F0"/>
+            </a:solidFill>
+            <a:tailEnd type="triangle"/>
+          </a:ln>
+        </p:spPr>
+        <p:style>
+          <a:lnRef idx="1">
+            <a:schemeClr val="accent1"/>
+          </a:lnRef>
+          <a:fillRef idx="0">
+            <a:schemeClr val="accent1"/>
+          </a:fillRef>
+          <a:effectRef idx="0">
+            <a:schemeClr val="accent1"/>
+          </a:effectRef>
+          <a:fontRef idx="minor">
+            <a:schemeClr val="tx1"/>
+          </a:fontRef>
+        </p:style>
+      </p:cxnSp>
+    </p:spTree>
+    <p:extLst>
+      <p:ext uri="{BB962C8B-B14F-4D97-AF65-F5344CB8AC3E}">
+        <p14:creationId xmlns:p14="http://schemas.microsoft.com/office/powerpoint/2010/main" val="962468783"/>
+      </p:ext>
+    </p:extLst>
+  </p:cSld>
+  <p:clrMapOvr>
+    <a:masterClrMapping/>
+  </p:clrMapOvr>
+  <p:timing>
+    <p:tnLst>
+      <p:par>
+        <p:cTn id="1" dur="indefinite" restart="never" nodeType="tmRoot"/>
+      </p:par>
+    </p:tnLst>
+  </p:timing>
+</p:sld>
+</file>
+
+<file path=ppt/slides/slide62.xml><?xml version="1.0" encoding="utf-8"?>
+<p:sld xmlns:a="http://schemas.openxmlformats.org/drawingml/2006/main" xmlns:r="http://schemas.openxmlformats.org/officeDocument/2006/relationships" xmlns:p="http://schemas.openxmlformats.org/presentationml/2006/main">
+  <p:cSld>
+    <p:spTree>
+      <p:nvGrpSpPr>
+        <p:cNvPr id="1" name=""/>
+        <p:cNvGrpSpPr/>
+        <p:nvPr/>
+      </p:nvGrpSpPr>
+      <p:grpSpPr>
+        <a:xfrm>
+          <a:off x="0" y="0"/>
+          <a:ext cx="0" cy="0"/>
+          <a:chOff x="0" y="0"/>
+          <a:chExt cx="0" cy="0"/>
+        </a:xfrm>
+      </p:grpSpPr>
+      <p:pic>
+        <p:nvPicPr>
+          <p:cNvPr id="7" name="Picture 6"/>
+          <p:cNvPicPr>
+            <a:picLocks noChangeAspect="1"/>
+          </p:cNvPicPr>
+          <p:nvPr/>
+        </p:nvPicPr>
+        <p:blipFill>
+          <a:blip r:embed="rId2"/>
+          <a:stretch>
+            <a:fillRect/>
+          </a:stretch>
+        </p:blipFill>
+        <p:spPr>
+          <a:xfrm>
+            <a:off x="1154954" y="2362762"/>
+            <a:ext cx="5962650" cy="4181475"/>
+          </a:xfrm>
+          <a:prstGeom prst="rect">
+            <a:avLst/>
+          </a:prstGeom>
+        </p:spPr>
+      </p:pic>
+      <p:sp>
+        <p:nvSpPr>
+          <p:cNvPr id="4" name="Title 3"/>
+          <p:cNvSpPr>
+            <a:spLocks noGrp="1"/>
+          </p:cNvSpPr>
+          <p:nvPr>
+            <p:ph type="title"/>
+          </p:nvPr>
+        </p:nvSpPr>
+        <p:spPr/>
+        <p:txBody>
+          <a:bodyPr/>
+          <a:lstStyle/>
+          <a:p>
+            <a:r>
+              <a:rPr lang="en-IN" b="1" dirty="0" smtClean="0"/>
+              <a:t>13.3 </a:t>
+            </a:r>
+            <a:r>
+              <a:rPr lang="en-IN" b="1" dirty="0" smtClean="0"/>
+              <a:t>: </a:t>
+            </a:r>
+            <a:r>
+              <a:rPr lang="en-IN" b="1" dirty="0" smtClean="0"/>
+              <a:t>ng-If ; then; else</a:t>
+            </a:r>
+            <a:endParaRPr lang="en-IN" b="1" dirty="0"/>
+          </a:p>
+        </p:txBody>
+      </p:sp>
+      <p:sp>
+        <p:nvSpPr>
+          <p:cNvPr id="3" name="Date Placeholder 2"/>
+          <p:cNvSpPr>
+            <a:spLocks noGrp="1"/>
+          </p:cNvSpPr>
+          <p:nvPr>
+            <p:ph type="dt" sz="half" idx="10"/>
+          </p:nvPr>
+        </p:nvSpPr>
+        <p:spPr/>
+        <p:txBody>
+          <a:bodyPr/>
+          <a:lstStyle/>
+          <a:p>
+            <a:r>
+              <a:rPr lang="en-US" smtClean="0"/>
+              <a:t>5/6/2019</a:t>
+            </a:r>
+            <a:endParaRPr lang="en-US" dirty="0"/>
+          </a:p>
+        </p:txBody>
+      </p:sp>
+      <p:sp>
+        <p:nvSpPr>
+          <p:cNvPr id="6" name="Slide Number Placeholder 5"/>
+          <p:cNvSpPr>
+            <a:spLocks noGrp="1"/>
+          </p:cNvSpPr>
+          <p:nvPr>
+            <p:ph type="sldNum" sz="quarter" idx="12"/>
+          </p:nvPr>
+        </p:nvSpPr>
+        <p:spPr/>
+        <p:txBody>
+          <a:bodyPr/>
+          <a:lstStyle/>
+          <a:p>
+            <a:fld id="{6D22F896-40B5-4ADD-8801-0D06FADFA095}" type="slidenum">
+              <a:rPr lang="en-US" smtClean="0"/>
+              <a:t>62</a:t>
+            </a:fld>
+            <a:endParaRPr lang="en-US" dirty="0"/>
+          </a:p>
+        </p:txBody>
+      </p:sp>
+      <p:cxnSp>
+        <p:nvCxnSpPr>
+          <p:cNvPr id="10" name="Straight Arrow Connector 9"/>
+          <p:cNvCxnSpPr/>
+          <p:nvPr/>
+        </p:nvCxnSpPr>
+        <p:spPr>
+          <a:xfrm>
+            <a:off x="3074988" y="3280522"/>
+            <a:ext cx="4388" cy="2905125"/>
+          </a:xfrm>
+          <a:prstGeom prst="straightConnector1">
+            <a:avLst/>
+          </a:prstGeom>
+          <a:ln w="28575">
+            <a:solidFill>
+              <a:srgbClr val="FF0000"/>
+            </a:solidFill>
+            <a:prstDash val="solid"/>
+            <a:tailEnd type="triangle"/>
+          </a:ln>
+        </p:spPr>
+        <p:style>
+          <a:lnRef idx="1">
+            <a:schemeClr val="accent1"/>
+          </a:lnRef>
+          <a:fillRef idx="0">
+            <a:schemeClr val="accent1"/>
+          </a:fillRef>
+          <a:effectRef idx="0">
+            <a:schemeClr val="accent1"/>
+          </a:effectRef>
+          <a:fontRef idx="minor">
+            <a:schemeClr val="tx1"/>
+          </a:fontRef>
+        </p:style>
+      </p:cxnSp>
+      <p:cxnSp>
+        <p:nvCxnSpPr>
+          <p:cNvPr id="17" name="Straight Arrow Connector 16"/>
+          <p:cNvCxnSpPr/>
+          <p:nvPr/>
+        </p:nvCxnSpPr>
+        <p:spPr>
+          <a:xfrm flipV="1">
+            <a:off x="3074988" y="3280522"/>
+            <a:ext cx="636401" cy="2905125"/>
+          </a:xfrm>
+          <a:prstGeom prst="straightConnector1">
+            <a:avLst/>
+          </a:prstGeom>
+          <a:ln w="28575">
+            <a:solidFill>
+              <a:srgbClr val="FF0000"/>
+            </a:solidFill>
+            <a:tailEnd type="triangle"/>
+          </a:ln>
+        </p:spPr>
+        <p:style>
+          <a:lnRef idx="1">
+            <a:schemeClr val="accent1"/>
+          </a:lnRef>
+          <a:fillRef idx="0">
+            <a:schemeClr val="accent1"/>
+          </a:fillRef>
+          <a:effectRef idx="0">
+            <a:schemeClr val="accent1"/>
+          </a:effectRef>
+          <a:fontRef idx="minor">
+            <a:schemeClr val="tx1"/>
+          </a:fontRef>
+        </p:style>
+      </p:cxnSp>
+      <p:cxnSp>
+        <p:nvCxnSpPr>
+          <p:cNvPr id="19" name="Straight Arrow Connector 18"/>
+          <p:cNvCxnSpPr/>
+          <p:nvPr/>
+        </p:nvCxnSpPr>
+        <p:spPr>
+          <a:xfrm flipH="1">
+            <a:off x="3281082" y="3280522"/>
+            <a:ext cx="430307" cy="430866"/>
+          </a:xfrm>
+          <a:prstGeom prst="straightConnector1">
+            <a:avLst/>
+          </a:prstGeom>
+          <a:ln w="28575">
+            <a:solidFill>
+              <a:srgbClr val="00B0F0"/>
+            </a:solidFill>
+            <a:tailEnd type="triangle"/>
+          </a:ln>
+        </p:spPr>
+        <p:style>
+          <a:lnRef idx="1">
+            <a:schemeClr val="accent1"/>
+          </a:lnRef>
+          <a:fillRef idx="0">
+            <a:schemeClr val="accent1"/>
+          </a:fillRef>
+          <a:effectRef idx="0">
+            <a:schemeClr val="accent1"/>
+          </a:effectRef>
+          <a:fontRef idx="minor">
+            <a:schemeClr val="tx1"/>
+          </a:fontRef>
+        </p:style>
+      </p:cxnSp>
+      <p:cxnSp>
+        <p:nvCxnSpPr>
+          <p:cNvPr id="22" name="Straight Arrow Connector 21"/>
+          <p:cNvCxnSpPr/>
+          <p:nvPr/>
+        </p:nvCxnSpPr>
+        <p:spPr>
+          <a:xfrm>
+            <a:off x="3281082" y="3711388"/>
+            <a:ext cx="4561527" cy="823632"/>
+          </a:xfrm>
+          <a:prstGeom prst="straightConnector1">
+            <a:avLst/>
+          </a:prstGeom>
+          <a:ln w="28575">
+            <a:solidFill>
+              <a:srgbClr val="00B0F0"/>
+            </a:solidFill>
+            <a:tailEnd type="triangle"/>
+          </a:ln>
+        </p:spPr>
+        <p:style>
+          <a:lnRef idx="1">
+            <a:schemeClr val="accent1"/>
+          </a:lnRef>
+          <a:fillRef idx="0">
+            <a:schemeClr val="accent1"/>
+          </a:fillRef>
+          <a:effectRef idx="0">
+            <a:schemeClr val="accent1"/>
+          </a:effectRef>
+          <a:fontRef idx="minor">
+            <a:schemeClr val="tx1"/>
+          </a:fontRef>
+        </p:style>
+      </p:cxnSp>
+      <p:pic>
+        <p:nvPicPr>
+          <p:cNvPr id="15" name="Picture 14"/>
+          <p:cNvPicPr>
+            <a:picLocks noChangeAspect="1"/>
+          </p:cNvPicPr>
+          <p:nvPr/>
+        </p:nvPicPr>
+        <p:blipFill>
+          <a:blip r:embed="rId3"/>
+          <a:stretch>
+            <a:fillRect/>
+          </a:stretch>
+        </p:blipFill>
+        <p:spPr>
+          <a:xfrm>
+            <a:off x="7842609" y="3173786"/>
+            <a:ext cx="3000375" cy="1666875"/>
+          </a:xfrm>
+          <a:prstGeom prst="rect">
+            <a:avLst/>
+          </a:prstGeom>
+          <a:ln>
+            <a:solidFill>
+              <a:schemeClr val="bg1">
+                <a:lumMod val="50000"/>
+              </a:schemeClr>
+            </a:solidFill>
+          </a:ln>
+        </p:spPr>
+      </p:pic>
+    </p:spTree>
+    <p:extLst>
+      <p:ext uri="{BB962C8B-B14F-4D97-AF65-F5344CB8AC3E}">
+        <p14:creationId xmlns:p14="http://schemas.microsoft.com/office/powerpoint/2010/main" val="2479499080"/>
       </p:ext>
     </p:extLst>
   </p:cSld>

--- a/Angular Presentation.pptx
+++ b/Angular Presentation.pptx
@@ -5,7 +5,7 @@
     <p:sldMasterId id="2147483723" r:id="rId1"/>
   </p:sldMasterIdLst>
   <p:notesMasterIdLst>
-    <p:notesMasterId r:id="rId64"/>
+    <p:notesMasterId r:id="rId68"/>
   </p:notesMasterIdLst>
   <p:sldIdLst>
     <p:sldId id="256" r:id="rId2"/>
@@ -70,6 +70,10 @@
     <p:sldId id="340" r:id="rId61"/>
     <p:sldId id="341" r:id="rId62"/>
     <p:sldId id="342" r:id="rId63"/>
+    <p:sldId id="343" r:id="rId64"/>
+    <p:sldId id="344" r:id="rId65"/>
+    <p:sldId id="345" r:id="rId66"/>
+    <p:sldId id="346" r:id="rId67"/>
   </p:sldIdLst>
   <p:sldSz cx="12192000" cy="6858000"/>
   <p:notesSz cx="6858000" cy="9144000"/>
@@ -37084,6 +37088,1760 @@
     <p:extLst>
       <p:ext uri="{BB962C8B-B14F-4D97-AF65-F5344CB8AC3E}">
         <p14:creationId xmlns:p14="http://schemas.microsoft.com/office/powerpoint/2010/main" val="2479499080"/>
+      </p:ext>
+    </p:extLst>
+  </p:cSld>
+  <p:clrMapOvr>
+    <a:masterClrMapping/>
+  </p:clrMapOvr>
+  <p:timing>
+    <p:tnLst>
+      <p:par>
+        <p:cTn id="1" dur="indefinite" restart="never" nodeType="tmRoot"/>
+      </p:par>
+    </p:tnLst>
+  </p:timing>
+</p:sld>
+</file>
+
+<file path=ppt/slides/slide63.xml><?xml version="1.0" encoding="utf-8"?>
+<p:sld xmlns:a="http://schemas.openxmlformats.org/drawingml/2006/main" xmlns:r="http://schemas.openxmlformats.org/officeDocument/2006/relationships" xmlns:p="http://schemas.openxmlformats.org/presentationml/2006/main">
+  <p:cSld>
+    <p:spTree>
+      <p:nvGrpSpPr>
+        <p:cNvPr id="1" name=""/>
+        <p:cNvGrpSpPr/>
+        <p:nvPr/>
+      </p:nvGrpSpPr>
+      <p:grpSpPr>
+        <a:xfrm>
+          <a:off x="0" y="0"/>
+          <a:ext cx="0" cy="0"/>
+          <a:chOff x="0" y="0"/>
+          <a:chExt cx="0" cy="0"/>
+        </a:xfrm>
+      </p:grpSpPr>
+      <p:pic>
+        <p:nvPicPr>
+          <p:cNvPr id="13" name="Picture 12"/>
+          <p:cNvPicPr>
+            <a:picLocks noChangeAspect="1"/>
+          </p:cNvPicPr>
+          <p:nvPr/>
+        </p:nvPicPr>
+        <p:blipFill>
+          <a:blip r:embed="rId2"/>
+          <a:stretch>
+            <a:fillRect/>
+          </a:stretch>
+        </p:blipFill>
+        <p:spPr>
+          <a:xfrm>
+            <a:off x="8159003" y="2910168"/>
+            <a:ext cx="3162300" cy="1790700"/>
+          </a:xfrm>
+          <a:prstGeom prst="rect">
+            <a:avLst/>
+          </a:prstGeom>
+          <a:ln>
+            <a:solidFill>
+              <a:schemeClr val="bg1">
+                <a:lumMod val="65000"/>
+              </a:schemeClr>
+            </a:solidFill>
+          </a:ln>
+        </p:spPr>
+      </p:pic>
+      <p:pic>
+        <p:nvPicPr>
+          <p:cNvPr id="2" name="Picture 1"/>
+          <p:cNvPicPr>
+            <a:picLocks noChangeAspect="1"/>
+          </p:cNvPicPr>
+          <p:nvPr/>
+        </p:nvPicPr>
+        <p:blipFill>
+          <a:blip r:embed="rId3"/>
+          <a:stretch>
+            <a:fillRect/>
+          </a:stretch>
+        </p:blipFill>
+        <p:spPr>
+          <a:xfrm>
+            <a:off x="1154954" y="2595562"/>
+            <a:ext cx="6724650" cy="3495675"/>
+          </a:xfrm>
+          <a:prstGeom prst="rect">
+            <a:avLst/>
+          </a:prstGeom>
+        </p:spPr>
+      </p:pic>
+      <p:sp>
+        <p:nvSpPr>
+          <p:cNvPr id="4" name="Title 3"/>
+          <p:cNvSpPr>
+            <a:spLocks noGrp="1"/>
+          </p:cNvSpPr>
+          <p:nvPr>
+            <p:ph type="title"/>
+          </p:nvPr>
+        </p:nvSpPr>
+        <p:spPr/>
+        <p:txBody>
+          <a:bodyPr/>
+          <a:lstStyle/>
+          <a:p>
+            <a:r>
+              <a:rPr lang="en-IN" b="1" dirty="0" smtClean="0"/>
+              <a:t>13.4 </a:t>
+            </a:r>
+            <a:r>
+              <a:rPr lang="en-IN" b="1" dirty="0" smtClean="0"/>
+              <a:t>: </a:t>
+            </a:r>
+            <a:r>
+              <a:rPr lang="en-IN" b="1" dirty="0" smtClean="0"/>
+              <a:t>ng-switch</a:t>
+            </a:r>
+            <a:endParaRPr lang="en-IN" b="1" dirty="0"/>
+          </a:p>
+        </p:txBody>
+      </p:sp>
+      <p:sp>
+        <p:nvSpPr>
+          <p:cNvPr id="3" name="Date Placeholder 2"/>
+          <p:cNvSpPr>
+            <a:spLocks noGrp="1"/>
+          </p:cNvSpPr>
+          <p:nvPr>
+            <p:ph type="dt" sz="half" idx="10"/>
+          </p:nvPr>
+        </p:nvSpPr>
+        <p:spPr/>
+        <p:txBody>
+          <a:bodyPr/>
+          <a:lstStyle/>
+          <a:p>
+            <a:r>
+              <a:rPr lang="en-US" smtClean="0"/>
+              <a:t>5/6/2019</a:t>
+            </a:r>
+            <a:endParaRPr lang="en-US" dirty="0"/>
+          </a:p>
+        </p:txBody>
+      </p:sp>
+      <p:sp>
+        <p:nvSpPr>
+          <p:cNvPr id="6" name="Slide Number Placeholder 5"/>
+          <p:cNvSpPr>
+            <a:spLocks noGrp="1"/>
+          </p:cNvSpPr>
+          <p:nvPr>
+            <p:ph type="sldNum" sz="quarter" idx="12"/>
+          </p:nvPr>
+        </p:nvSpPr>
+        <p:spPr/>
+        <p:txBody>
+          <a:bodyPr/>
+          <a:lstStyle/>
+          <a:p>
+            <a:fld id="{6D22F896-40B5-4ADD-8801-0D06FADFA095}" type="slidenum">
+              <a:rPr lang="en-US" smtClean="0"/>
+              <a:t>63</a:t>
+            </a:fld>
+            <a:endParaRPr lang="en-US" dirty="0"/>
+          </a:p>
+        </p:txBody>
+      </p:sp>
+      <p:cxnSp>
+        <p:nvCxnSpPr>
+          <p:cNvPr id="10" name="Straight Arrow Connector 9"/>
+          <p:cNvCxnSpPr/>
+          <p:nvPr/>
+        </p:nvCxnSpPr>
+        <p:spPr>
+          <a:xfrm>
+            <a:off x="2318871" y="3590365"/>
+            <a:ext cx="478912" cy="1922929"/>
+          </a:xfrm>
+          <a:prstGeom prst="straightConnector1">
+            <a:avLst/>
+          </a:prstGeom>
+          <a:ln w="28575">
+            <a:solidFill>
+              <a:srgbClr val="FF0000"/>
+            </a:solidFill>
+            <a:prstDash val="solid"/>
+            <a:tailEnd type="triangle"/>
+          </a:ln>
+        </p:spPr>
+        <p:style>
+          <a:lnRef idx="1">
+            <a:schemeClr val="accent1"/>
+          </a:lnRef>
+          <a:fillRef idx="0">
+            <a:schemeClr val="accent1"/>
+          </a:fillRef>
+          <a:effectRef idx="0">
+            <a:schemeClr val="accent1"/>
+          </a:effectRef>
+          <a:fontRef idx="minor">
+            <a:schemeClr val="tx1"/>
+          </a:fontRef>
+        </p:style>
+      </p:cxnSp>
+      <p:cxnSp>
+        <p:nvCxnSpPr>
+          <p:cNvPr id="17" name="Straight Arrow Connector 16"/>
+          <p:cNvCxnSpPr/>
+          <p:nvPr/>
+        </p:nvCxnSpPr>
+        <p:spPr>
+          <a:xfrm flipV="1">
+            <a:off x="2797783" y="3805518"/>
+            <a:ext cx="1061523" cy="1707777"/>
+          </a:xfrm>
+          <a:prstGeom prst="straightConnector1">
+            <a:avLst/>
+          </a:prstGeom>
+          <a:ln w="28575">
+            <a:solidFill>
+              <a:srgbClr val="FF0000"/>
+            </a:solidFill>
+            <a:tailEnd type="triangle"/>
+          </a:ln>
+        </p:spPr>
+        <p:style>
+          <a:lnRef idx="1">
+            <a:schemeClr val="accent1"/>
+          </a:lnRef>
+          <a:fillRef idx="0">
+            <a:schemeClr val="accent1"/>
+          </a:fillRef>
+          <a:effectRef idx="0">
+            <a:schemeClr val="accent1"/>
+          </a:effectRef>
+          <a:fontRef idx="minor">
+            <a:schemeClr val="tx1"/>
+          </a:fontRef>
+        </p:style>
+      </p:cxnSp>
+      <p:cxnSp>
+        <p:nvCxnSpPr>
+          <p:cNvPr id="22" name="Straight Arrow Connector 21"/>
+          <p:cNvCxnSpPr/>
+          <p:nvPr/>
+        </p:nvCxnSpPr>
+        <p:spPr>
+          <a:xfrm>
+            <a:off x="3859306" y="3805518"/>
+            <a:ext cx="4499210" cy="363070"/>
+          </a:xfrm>
+          <a:prstGeom prst="straightConnector1">
+            <a:avLst/>
+          </a:prstGeom>
+          <a:ln w="28575">
+            <a:solidFill>
+              <a:srgbClr val="00B0F0"/>
+            </a:solidFill>
+            <a:tailEnd type="triangle"/>
+          </a:ln>
+        </p:spPr>
+        <p:style>
+          <a:lnRef idx="1">
+            <a:schemeClr val="accent1"/>
+          </a:lnRef>
+          <a:fillRef idx="0">
+            <a:schemeClr val="accent1"/>
+          </a:fillRef>
+          <a:effectRef idx="0">
+            <a:schemeClr val="accent1"/>
+          </a:effectRef>
+          <a:fontRef idx="minor">
+            <a:schemeClr val="tx1"/>
+          </a:fontRef>
+        </p:style>
+      </p:cxnSp>
+    </p:spTree>
+    <p:extLst>
+      <p:ext uri="{BB962C8B-B14F-4D97-AF65-F5344CB8AC3E}">
+        <p14:creationId xmlns:p14="http://schemas.microsoft.com/office/powerpoint/2010/main" val="3071257081"/>
+      </p:ext>
+    </p:extLst>
+  </p:cSld>
+  <p:clrMapOvr>
+    <a:masterClrMapping/>
+  </p:clrMapOvr>
+  <p:timing>
+    <p:tnLst>
+      <p:par>
+        <p:cTn id="1" dur="indefinite" restart="never" nodeType="tmRoot"/>
+      </p:par>
+    </p:tnLst>
+  </p:timing>
+</p:sld>
+</file>
+
+<file path=ppt/slides/slide64.xml><?xml version="1.0" encoding="utf-8"?>
+<p:sld xmlns:a="http://schemas.openxmlformats.org/drawingml/2006/main" xmlns:r="http://schemas.openxmlformats.org/officeDocument/2006/relationships" xmlns:p="http://schemas.openxmlformats.org/presentationml/2006/main">
+  <p:cSld>
+    <p:spTree>
+      <p:nvGrpSpPr>
+        <p:cNvPr id="1" name=""/>
+        <p:cNvGrpSpPr/>
+        <p:nvPr/>
+      </p:nvGrpSpPr>
+      <p:grpSpPr>
+        <a:xfrm>
+          <a:off x="0" y="0"/>
+          <a:ext cx="0" cy="0"/>
+          <a:chOff x="0" y="0"/>
+          <a:chExt cx="0" cy="0"/>
+        </a:xfrm>
+      </p:grpSpPr>
+      <p:pic>
+        <p:nvPicPr>
+          <p:cNvPr id="5" name="Picture 4"/>
+          <p:cNvPicPr>
+            <a:picLocks noChangeAspect="1"/>
+          </p:cNvPicPr>
+          <p:nvPr/>
+        </p:nvPicPr>
+        <p:blipFill>
+          <a:blip r:embed="rId2"/>
+          <a:stretch>
+            <a:fillRect/>
+          </a:stretch>
+        </p:blipFill>
+        <p:spPr>
+          <a:xfrm>
+            <a:off x="1154954" y="2548778"/>
+            <a:ext cx="4400550" cy="2876550"/>
+          </a:xfrm>
+          <a:prstGeom prst="rect">
+            <a:avLst/>
+          </a:prstGeom>
+        </p:spPr>
+      </p:pic>
+      <p:sp>
+        <p:nvSpPr>
+          <p:cNvPr id="4" name="Title 3"/>
+          <p:cNvSpPr>
+            <a:spLocks noGrp="1"/>
+          </p:cNvSpPr>
+          <p:nvPr>
+            <p:ph type="title"/>
+          </p:nvPr>
+        </p:nvSpPr>
+        <p:spPr/>
+        <p:txBody>
+          <a:bodyPr/>
+          <a:lstStyle/>
+          <a:p>
+            <a:r>
+              <a:rPr lang="en-IN" b="1" dirty="0" smtClean="0"/>
+              <a:t>13.5 </a:t>
+            </a:r>
+            <a:r>
+              <a:rPr lang="en-IN" b="1" dirty="0" smtClean="0"/>
+              <a:t>: </a:t>
+            </a:r>
+            <a:r>
+              <a:rPr lang="en-IN" b="1" dirty="0" smtClean="0"/>
+              <a:t>ng-for</a:t>
+            </a:r>
+            <a:endParaRPr lang="en-IN" b="1" dirty="0"/>
+          </a:p>
+        </p:txBody>
+      </p:sp>
+      <p:sp>
+        <p:nvSpPr>
+          <p:cNvPr id="3" name="Date Placeholder 2"/>
+          <p:cNvSpPr>
+            <a:spLocks noGrp="1"/>
+          </p:cNvSpPr>
+          <p:nvPr>
+            <p:ph type="dt" sz="half" idx="10"/>
+          </p:nvPr>
+        </p:nvSpPr>
+        <p:spPr/>
+        <p:txBody>
+          <a:bodyPr/>
+          <a:lstStyle/>
+          <a:p>
+            <a:r>
+              <a:rPr lang="en-US" smtClean="0"/>
+              <a:t>5/6/2019</a:t>
+            </a:r>
+            <a:endParaRPr lang="en-US" dirty="0"/>
+          </a:p>
+        </p:txBody>
+      </p:sp>
+      <p:sp>
+        <p:nvSpPr>
+          <p:cNvPr id="6" name="Slide Number Placeholder 5"/>
+          <p:cNvSpPr>
+            <a:spLocks noGrp="1"/>
+          </p:cNvSpPr>
+          <p:nvPr>
+            <p:ph type="sldNum" sz="quarter" idx="12"/>
+          </p:nvPr>
+        </p:nvSpPr>
+        <p:spPr/>
+        <p:txBody>
+          <a:bodyPr/>
+          <a:lstStyle/>
+          <a:p>
+            <a:fld id="{6D22F896-40B5-4ADD-8801-0D06FADFA095}" type="slidenum">
+              <a:rPr lang="en-US" smtClean="0"/>
+              <a:t>64</a:t>
+            </a:fld>
+            <a:endParaRPr lang="en-US" dirty="0"/>
+          </a:p>
+        </p:txBody>
+      </p:sp>
+      <p:pic>
+        <p:nvPicPr>
+          <p:cNvPr id="7" name="Picture 6"/>
+          <p:cNvPicPr>
+            <a:picLocks noChangeAspect="1"/>
+          </p:cNvPicPr>
+          <p:nvPr/>
+        </p:nvPicPr>
+        <p:blipFill>
+          <a:blip r:embed="rId3"/>
+          <a:stretch>
+            <a:fillRect/>
+          </a:stretch>
+        </p:blipFill>
+        <p:spPr>
+          <a:xfrm>
+            <a:off x="6304429" y="2447084"/>
+            <a:ext cx="2971800" cy="2447925"/>
+          </a:xfrm>
+          <a:prstGeom prst="rect">
+            <a:avLst/>
+          </a:prstGeom>
+          <a:ln>
+            <a:solidFill>
+              <a:schemeClr val="bg1">
+                <a:lumMod val="65000"/>
+              </a:schemeClr>
+            </a:solidFill>
+          </a:ln>
+        </p:spPr>
+      </p:pic>
+      <p:cxnSp>
+        <p:nvCxnSpPr>
+          <p:cNvPr id="12" name="Straight Arrow Connector 11"/>
+          <p:cNvCxnSpPr/>
+          <p:nvPr/>
+        </p:nvCxnSpPr>
+        <p:spPr>
+          <a:xfrm flipH="1">
+            <a:off x="2339788" y="3523129"/>
+            <a:ext cx="1801906" cy="1546412"/>
+          </a:xfrm>
+          <a:prstGeom prst="straightConnector1">
+            <a:avLst/>
+          </a:prstGeom>
+          <a:ln w="28575">
+            <a:solidFill>
+              <a:srgbClr val="FF0000"/>
+            </a:solidFill>
+            <a:prstDash val="solid"/>
+            <a:tailEnd type="triangle"/>
+          </a:ln>
+        </p:spPr>
+        <p:style>
+          <a:lnRef idx="1">
+            <a:schemeClr val="accent1"/>
+          </a:lnRef>
+          <a:fillRef idx="0">
+            <a:schemeClr val="accent1"/>
+          </a:fillRef>
+          <a:effectRef idx="0">
+            <a:schemeClr val="accent1"/>
+          </a:effectRef>
+          <a:fontRef idx="minor">
+            <a:schemeClr val="tx1"/>
+          </a:fontRef>
+        </p:style>
+      </p:cxnSp>
+      <p:cxnSp>
+        <p:nvCxnSpPr>
+          <p:cNvPr id="15" name="Straight Arrow Connector 14"/>
+          <p:cNvCxnSpPr/>
+          <p:nvPr/>
+        </p:nvCxnSpPr>
+        <p:spPr>
+          <a:xfrm flipV="1">
+            <a:off x="2339788" y="3751729"/>
+            <a:ext cx="309283" cy="1317812"/>
+          </a:xfrm>
+          <a:prstGeom prst="straightConnector1">
+            <a:avLst/>
+          </a:prstGeom>
+          <a:ln w="28575">
+            <a:solidFill>
+              <a:srgbClr val="FF0000"/>
+            </a:solidFill>
+            <a:prstDash val="solid"/>
+            <a:tailEnd type="triangle"/>
+          </a:ln>
+        </p:spPr>
+        <p:style>
+          <a:lnRef idx="1">
+            <a:schemeClr val="accent1"/>
+          </a:lnRef>
+          <a:fillRef idx="0">
+            <a:schemeClr val="accent1"/>
+          </a:fillRef>
+          <a:effectRef idx="0">
+            <a:schemeClr val="accent1"/>
+          </a:effectRef>
+          <a:fontRef idx="minor">
+            <a:schemeClr val="tx1"/>
+          </a:fontRef>
+        </p:style>
+      </p:cxnSp>
+      <p:cxnSp>
+        <p:nvCxnSpPr>
+          <p:cNvPr id="19" name="Straight Arrow Connector 18"/>
+          <p:cNvCxnSpPr/>
+          <p:nvPr/>
+        </p:nvCxnSpPr>
+        <p:spPr>
+          <a:xfrm>
+            <a:off x="2649071" y="3751729"/>
+            <a:ext cx="3899647" cy="268942"/>
+          </a:xfrm>
+          <a:prstGeom prst="straightConnector1">
+            <a:avLst/>
+          </a:prstGeom>
+          <a:ln w="28575">
+            <a:solidFill>
+              <a:srgbClr val="FF0000"/>
+            </a:solidFill>
+            <a:prstDash val="solid"/>
+            <a:tailEnd type="triangle"/>
+          </a:ln>
+        </p:spPr>
+        <p:style>
+          <a:lnRef idx="1">
+            <a:schemeClr val="accent1"/>
+          </a:lnRef>
+          <a:fillRef idx="0">
+            <a:schemeClr val="accent1"/>
+          </a:fillRef>
+          <a:effectRef idx="0">
+            <a:schemeClr val="accent1"/>
+          </a:effectRef>
+          <a:fontRef idx="minor">
+            <a:schemeClr val="tx1"/>
+          </a:fontRef>
+        </p:style>
+      </p:cxnSp>
+    </p:spTree>
+    <p:extLst>
+      <p:ext uri="{BB962C8B-B14F-4D97-AF65-F5344CB8AC3E}">
+        <p14:creationId xmlns:p14="http://schemas.microsoft.com/office/powerpoint/2010/main" val="3920704494"/>
+      </p:ext>
+    </p:extLst>
+  </p:cSld>
+  <p:clrMapOvr>
+    <a:masterClrMapping/>
+  </p:clrMapOvr>
+  <p:timing>
+    <p:tnLst>
+      <p:par>
+        <p:cTn id="1" dur="indefinite" restart="never" nodeType="tmRoot"/>
+      </p:par>
+    </p:tnLst>
+  </p:timing>
+</p:sld>
+</file>
+
+<file path=ppt/slides/slide65.xml><?xml version="1.0" encoding="utf-8"?>
+<p:sld xmlns:a="http://schemas.openxmlformats.org/drawingml/2006/main" xmlns:r="http://schemas.openxmlformats.org/officeDocument/2006/relationships" xmlns:p="http://schemas.openxmlformats.org/presentationml/2006/main">
+  <p:cSld>
+    <p:spTree>
+      <p:nvGrpSpPr>
+        <p:cNvPr id="1" name=""/>
+        <p:cNvGrpSpPr/>
+        <p:nvPr/>
+      </p:nvGrpSpPr>
+      <p:grpSpPr>
+        <a:xfrm>
+          <a:off x="0" y="0"/>
+          <a:ext cx="0" cy="0"/>
+          <a:chOff x="0" y="0"/>
+          <a:chExt cx="0" cy="0"/>
+        </a:xfrm>
+      </p:grpSpPr>
+      <p:sp>
+        <p:nvSpPr>
+          <p:cNvPr id="4" name="Title 3"/>
+          <p:cNvSpPr>
+            <a:spLocks noGrp="1"/>
+          </p:cNvSpPr>
+          <p:nvPr>
+            <p:ph type="title"/>
+          </p:nvPr>
+        </p:nvSpPr>
+        <p:spPr/>
+        <p:txBody>
+          <a:bodyPr/>
+          <a:lstStyle/>
+          <a:p>
+            <a:r>
+              <a:rPr lang="en-IN" b="1" dirty="0" smtClean="0"/>
+              <a:t>14 </a:t>
+            </a:r>
+            <a:r>
+              <a:rPr lang="en-IN" b="1" dirty="0" smtClean="0"/>
+              <a:t>: </a:t>
+            </a:r>
+            <a:r>
+              <a:rPr lang="en-IN" b="1" dirty="0" smtClean="0"/>
+              <a:t>Component Interaction </a:t>
+            </a:r>
+            <a:r>
+              <a:rPr lang="en-IN" dirty="0"/>
+              <a:t>@input</a:t>
+            </a:r>
+            <a:r>
+              <a:rPr lang="en-IN" dirty="0" smtClean="0"/>
+              <a:t>()</a:t>
+            </a:r>
+            <a:endParaRPr lang="en-IN" b="1" dirty="0"/>
+          </a:p>
+        </p:txBody>
+      </p:sp>
+      <p:sp>
+        <p:nvSpPr>
+          <p:cNvPr id="2" name="Content Placeholder 1"/>
+          <p:cNvSpPr>
+            <a:spLocks noGrp="1"/>
+          </p:cNvSpPr>
+          <p:nvPr>
+            <p:ph idx="1"/>
+          </p:nvPr>
+        </p:nvSpPr>
+        <p:spPr>
+          <a:xfrm>
+            <a:off x="1154954" y="2603500"/>
+            <a:ext cx="8825659" cy="1739900"/>
+          </a:xfrm>
+        </p:spPr>
+        <p:txBody>
+          <a:bodyPr/>
+          <a:lstStyle/>
+          <a:p>
+            <a:r>
+              <a:rPr lang="en-IN" dirty="0" smtClean="0"/>
+              <a:t>So far we have a parent </a:t>
+            </a:r>
+            <a:r>
+              <a:rPr lang="en-IN" dirty="0" err="1" smtClean="0"/>
+              <a:t>AppComponent</a:t>
+            </a:r>
+            <a:r>
+              <a:rPr lang="en-IN" dirty="0" smtClean="0"/>
+              <a:t> and child </a:t>
+            </a:r>
+            <a:r>
+              <a:rPr lang="en-IN" dirty="0" err="1" smtClean="0"/>
+              <a:t>TestComponent</a:t>
+            </a:r>
+            <a:endParaRPr lang="en-IN" dirty="0" smtClean="0"/>
+          </a:p>
+          <a:p>
+            <a:r>
+              <a:rPr lang="en-IN" dirty="0" smtClean="0"/>
+              <a:t>In real time we will be in a situation to share data between two components</a:t>
+            </a:r>
+          </a:p>
+          <a:p>
+            <a:r>
+              <a:rPr lang="en-IN" dirty="0" smtClean="0"/>
+              <a:t>For this purpose we will use a tag @input()</a:t>
+            </a:r>
+            <a:endParaRPr lang="en-IN" dirty="0"/>
+          </a:p>
+        </p:txBody>
+      </p:sp>
+      <p:sp>
+        <p:nvSpPr>
+          <p:cNvPr id="3" name="Date Placeholder 2"/>
+          <p:cNvSpPr>
+            <a:spLocks noGrp="1"/>
+          </p:cNvSpPr>
+          <p:nvPr>
+            <p:ph type="dt" sz="half" idx="10"/>
+          </p:nvPr>
+        </p:nvSpPr>
+        <p:spPr/>
+        <p:txBody>
+          <a:bodyPr/>
+          <a:lstStyle/>
+          <a:p>
+            <a:r>
+              <a:rPr lang="en-US" dirty="0" smtClean="0"/>
+              <a:t>5/6/2019</a:t>
+            </a:r>
+            <a:endParaRPr lang="en-US" dirty="0"/>
+          </a:p>
+        </p:txBody>
+      </p:sp>
+      <p:sp>
+        <p:nvSpPr>
+          <p:cNvPr id="6" name="Slide Number Placeholder 5"/>
+          <p:cNvSpPr>
+            <a:spLocks noGrp="1"/>
+          </p:cNvSpPr>
+          <p:nvPr>
+            <p:ph type="sldNum" sz="quarter" idx="12"/>
+          </p:nvPr>
+        </p:nvSpPr>
+        <p:spPr/>
+        <p:txBody>
+          <a:bodyPr/>
+          <a:lstStyle/>
+          <a:p>
+            <a:fld id="{6D22F896-40B5-4ADD-8801-0D06FADFA095}" type="slidenum">
+              <a:rPr lang="en-US" smtClean="0"/>
+              <a:t>65</a:t>
+            </a:fld>
+            <a:endParaRPr lang="en-US" dirty="0"/>
+          </a:p>
+        </p:txBody>
+      </p:sp>
+      <p:sp>
+        <p:nvSpPr>
+          <p:cNvPr id="9" name="Rectangle 8"/>
+          <p:cNvSpPr/>
+          <p:nvPr/>
+        </p:nvSpPr>
+        <p:spPr>
+          <a:xfrm>
+            <a:off x="921954" y="4970860"/>
+            <a:ext cx="2456822" cy="753036"/>
+          </a:xfrm>
+          <a:prstGeom prst="rect">
+            <a:avLst/>
+          </a:prstGeom>
+          <a:ln>
+            <a:noFill/>
+          </a:ln>
+        </p:spPr>
+        <p:style>
+          <a:lnRef idx="2">
+            <a:schemeClr val="accent1">
+              <a:shade val="50000"/>
+            </a:schemeClr>
+          </a:lnRef>
+          <a:fillRef idx="1">
+            <a:schemeClr val="accent1"/>
+          </a:fillRef>
+          <a:effectRef idx="0">
+            <a:schemeClr val="accent1"/>
+          </a:effectRef>
+          <a:fontRef idx="minor">
+            <a:schemeClr val="lt1"/>
+          </a:fontRef>
+        </p:style>
+        <p:txBody>
+          <a:bodyPr rtlCol="0" anchor="ctr"/>
+          <a:lstStyle/>
+          <a:p>
+            <a:pPr algn="ctr"/>
+            <a:r>
+              <a:rPr lang="en-IN" b="1" dirty="0" smtClean="0"/>
+              <a:t>Parent </a:t>
+            </a:r>
+          </a:p>
+          <a:p>
+            <a:pPr algn="ctr"/>
+            <a:r>
+              <a:rPr lang="en-IN" b="1" dirty="0" smtClean="0"/>
+              <a:t>Admin Component</a:t>
+            </a:r>
+            <a:endParaRPr lang="en-IN" sz="1400" b="1" dirty="0"/>
+          </a:p>
+        </p:txBody>
+      </p:sp>
+      <p:sp>
+        <p:nvSpPr>
+          <p:cNvPr id="10" name="Rectangle 9"/>
+          <p:cNvSpPr/>
+          <p:nvPr/>
+        </p:nvSpPr>
+        <p:spPr>
+          <a:xfrm>
+            <a:off x="3643532" y="4964510"/>
+            <a:ext cx="2192066" cy="753036"/>
+          </a:xfrm>
+          <a:prstGeom prst="rect">
+            <a:avLst/>
+          </a:prstGeom>
+          <a:solidFill>
+            <a:srgbClr val="00B0F0"/>
+          </a:solidFill>
+          <a:ln>
+            <a:noFill/>
+          </a:ln>
+        </p:spPr>
+        <p:style>
+          <a:lnRef idx="2">
+            <a:schemeClr val="accent1">
+              <a:shade val="50000"/>
+            </a:schemeClr>
+          </a:lnRef>
+          <a:fillRef idx="1">
+            <a:schemeClr val="accent1"/>
+          </a:fillRef>
+          <a:effectRef idx="0">
+            <a:schemeClr val="accent1"/>
+          </a:effectRef>
+          <a:fontRef idx="minor">
+            <a:schemeClr val="lt1"/>
+          </a:fontRef>
+        </p:style>
+        <p:txBody>
+          <a:bodyPr rtlCol="0" anchor="ctr"/>
+          <a:lstStyle/>
+          <a:p>
+            <a:pPr algn="ctr"/>
+            <a:r>
+              <a:rPr lang="en-IN" b="1" dirty="0" smtClean="0"/>
+              <a:t>Child </a:t>
+            </a:r>
+          </a:p>
+          <a:p>
+            <a:pPr algn="ctr"/>
+            <a:r>
+              <a:rPr lang="en-IN" b="1" dirty="0" smtClean="0"/>
+              <a:t>User Component</a:t>
+            </a:r>
+            <a:endParaRPr lang="en-IN" sz="1400" b="1" dirty="0"/>
+          </a:p>
+        </p:txBody>
+      </p:sp>
+      <p:cxnSp>
+        <p:nvCxnSpPr>
+          <p:cNvPr id="11" name="Elbow Connector 10"/>
+          <p:cNvCxnSpPr/>
+          <p:nvPr/>
+        </p:nvCxnSpPr>
+        <p:spPr>
+          <a:xfrm rot="5400000">
+            <a:off x="3372426" y="3977447"/>
+            <a:ext cx="12700" cy="3531864"/>
+          </a:xfrm>
+          <a:prstGeom prst="bentConnector3">
+            <a:avLst>
+              <a:gd name="adj1" fmla="val 1800000"/>
+            </a:avLst>
+          </a:prstGeom>
+          <a:ln w="28575">
+            <a:solidFill>
+              <a:srgbClr val="00B0F0"/>
+            </a:solidFill>
+            <a:tailEnd type="triangle"/>
+          </a:ln>
+        </p:spPr>
+        <p:style>
+          <a:lnRef idx="1">
+            <a:schemeClr val="accent1"/>
+          </a:lnRef>
+          <a:fillRef idx="0">
+            <a:schemeClr val="accent1"/>
+          </a:fillRef>
+          <a:effectRef idx="0">
+            <a:schemeClr val="accent1"/>
+          </a:effectRef>
+          <a:fontRef idx="minor">
+            <a:schemeClr val="tx1"/>
+          </a:fontRef>
+        </p:style>
+      </p:cxnSp>
+      <p:sp>
+        <p:nvSpPr>
+          <p:cNvPr id="12" name="TextBox 11"/>
+          <p:cNvSpPr txBox="1"/>
+          <p:nvPr/>
+        </p:nvSpPr>
+        <p:spPr>
+          <a:xfrm>
+            <a:off x="2610048" y="5984184"/>
+            <a:ext cx="1226618" cy="276999"/>
+          </a:xfrm>
+          <a:prstGeom prst="rect">
+            <a:avLst/>
+          </a:prstGeom>
+          <a:noFill/>
+        </p:spPr>
+        <p:txBody>
+          <a:bodyPr wrap="none" rtlCol="0">
+            <a:spAutoFit/>
+          </a:bodyPr>
+          <a:lstStyle/>
+          <a:p>
+            <a:r>
+              <a:rPr lang="en-IN" sz="1200" dirty="0" smtClean="0">
+                <a:solidFill>
+                  <a:srgbClr val="00B0F0"/>
+                </a:solidFill>
+              </a:rPr>
+              <a:t>Data @input()</a:t>
+            </a:r>
+            <a:endParaRPr lang="en-IN" sz="1200" dirty="0">
+              <a:solidFill>
+                <a:srgbClr val="00B0F0"/>
+              </a:solidFill>
+            </a:endParaRPr>
+          </a:p>
+        </p:txBody>
+      </p:sp>
+      <p:cxnSp>
+        <p:nvCxnSpPr>
+          <p:cNvPr id="13" name="Elbow Connector 12"/>
+          <p:cNvCxnSpPr/>
+          <p:nvPr/>
+        </p:nvCxnSpPr>
+        <p:spPr>
+          <a:xfrm rot="5400000" flipH="1" flipV="1">
+            <a:off x="3372426" y="3204928"/>
+            <a:ext cx="12700" cy="3531864"/>
+          </a:xfrm>
+          <a:prstGeom prst="bentConnector3">
+            <a:avLst>
+              <a:gd name="adj1" fmla="val 1800000"/>
+            </a:avLst>
+          </a:prstGeom>
+          <a:ln w="28575">
+            <a:solidFill>
+              <a:schemeClr val="accent2">
+                <a:lumMod val="75000"/>
+              </a:schemeClr>
+            </a:solidFill>
+            <a:tailEnd type="triangle"/>
+          </a:ln>
+        </p:spPr>
+        <p:style>
+          <a:lnRef idx="1">
+            <a:schemeClr val="accent1"/>
+          </a:lnRef>
+          <a:fillRef idx="0">
+            <a:schemeClr val="accent1"/>
+          </a:fillRef>
+          <a:effectRef idx="0">
+            <a:schemeClr val="accent1"/>
+          </a:effectRef>
+          <a:fontRef idx="minor">
+            <a:schemeClr val="tx1"/>
+          </a:fontRef>
+        </p:style>
+      </p:cxnSp>
+      <p:sp>
+        <p:nvSpPr>
+          <p:cNvPr id="14" name="TextBox 13"/>
+          <p:cNvSpPr txBox="1"/>
+          <p:nvPr/>
+        </p:nvSpPr>
+        <p:spPr>
+          <a:xfrm>
+            <a:off x="2705436" y="4452816"/>
+            <a:ext cx="1226618" cy="276999"/>
+          </a:xfrm>
+          <a:prstGeom prst="rect">
+            <a:avLst/>
+          </a:prstGeom>
+          <a:noFill/>
+        </p:spPr>
+        <p:txBody>
+          <a:bodyPr wrap="none" rtlCol="0">
+            <a:spAutoFit/>
+          </a:bodyPr>
+          <a:lstStyle/>
+          <a:p>
+            <a:r>
+              <a:rPr lang="en-IN" sz="1200" dirty="0" smtClean="0">
+                <a:solidFill>
+                  <a:schemeClr val="accent2">
+                    <a:lumMod val="75000"/>
+                  </a:schemeClr>
+                </a:solidFill>
+              </a:rPr>
+              <a:t>Data @input()</a:t>
+            </a:r>
+            <a:endParaRPr lang="en-IN" sz="1200" dirty="0">
+              <a:solidFill>
+                <a:schemeClr val="accent2">
+                  <a:lumMod val="75000"/>
+                </a:schemeClr>
+              </a:solidFill>
+            </a:endParaRPr>
+          </a:p>
+        </p:txBody>
+      </p:sp>
+      <p:sp>
+        <p:nvSpPr>
+          <p:cNvPr id="21" name="Rectangle 20"/>
+          <p:cNvSpPr/>
+          <p:nvPr/>
+        </p:nvSpPr>
+        <p:spPr>
+          <a:xfrm>
+            <a:off x="6277095" y="4983560"/>
+            <a:ext cx="2456822" cy="753036"/>
+          </a:xfrm>
+          <a:prstGeom prst="rect">
+            <a:avLst/>
+          </a:prstGeom>
+          <a:ln>
+            <a:noFill/>
+          </a:ln>
+        </p:spPr>
+        <p:style>
+          <a:lnRef idx="2">
+            <a:schemeClr val="accent1">
+              <a:shade val="50000"/>
+            </a:schemeClr>
+          </a:lnRef>
+          <a:fillRef idx="1">
+            <a:schemeClr val="accent1"/>
+          </a:fillRef>
+          <a:effectRef idx="0">
+            <a:schemeClr val="accent1"/>
+          </a:effectRef>
+          <a:fontRef idx="minor">
+            <a:schemeClr val="lt1"/>
+          </a:fontRef>
+        </p:style>
+        <p:txBody>
+          <a:bodyPr rtlCol="0" anchor="ctr"/>
+          <a:lstStyle/>
+          <a:p>
+            <a:pPr algn="ctr"/>
+            <a:r>
+              <a:rPr lang="en-IN" b="1" dirty="0" smtClean="0"/>
+              <a:t>Success</a:t>
+            </a:r>
+          </a:p>
+          <a:p>
+            <a:pPr algn="ctr"/>
+            <a:r>
+              <a:rPr lang="en-IN" b="1" dirty="0" smtClean="0"/>
+              <a:t>Admin Component</a:t>
+            </a:r>
+            <a:endParaRPr lang="en-IN" sz="1400" b="1" dirty="0"/>
+          </a:p>
+        </p:txBody>
+      </p:sp>
+      <p:sp>
+        <p:nvSpPr>
+          <p:cNvPr id="22" name="Rectangle 21"/>
+          <p:cNvSpPr/>
+          <p:nvPr/>
+        </p:nvSpPr>
+        <p:spPr>
+          <a:xfrm>
+            <a:off x="9169083" y="4977210"/>
+            <a:ext cx="2197612" cy="753036"/>
+          </a:xfrm>
+          <a:prstGeom prst="rect">
+            <a:avLst/>
+          </a:prstGeom>
+          <a:solidFill>
+            <a:srgbClr val="00B0F0"/>
+          </a:solidFill>
+          <a:ln>
+            <a:noFill/>
+          </a:ln>
+        </p:spPr>
+        <p:style>
+          <a:lnRef idx="2">
+            <a:schemeClr val="accent1">
+              <a:shade val="50000"/>
+            </a:schemeClr>
+          </a:lnRef>
+          <a:fillRef idx="1">
+            <a:schemeClr val="accent1"/>
+          </a:fillRef>
+          <a:effectRef idx="0">
+            <a:schemeClr val="accent1"/>
+          </a:effectRef>
+          <a:fontRef idx="minor">
+            <a:schemeClr val="lt1"/>
+          </a:fontRef>
+        </p:style>
+        <p:txBody>
+          <a:bodyPr rtlCol="0" anchor="ctr"/>
+          <a:lstStyle/>
+          <a:p>
+            <a:pPr algn="ctr"/>
+            <a:r>
+              <a:rPr lang="en-IN" b="1" dirty="0" smtClean="0"/>
+              <a:t>Hello Monicka</a:t>
+            </a:r>
+          </a:p>
+          <a:p>
+            <a:pPr algn="ctr"/>
+            <a:r>
+              <a:rPr lang="en-IN" b="1" dirty="0" smtClean="0"/>
+              <a:t>User Component</a:t>
+            </a:r>
+            <a:endParaRPr lang="en-IN" sz="1400" b="1" dirty="0"/>
+          </a:p>
+        </p:txBody>
+      </p:sp>
+      <p:cxnSp>
+        <p:nvCxnSpPr>
+          <p:cNvPr id="23" name="Elbow Connector 22"/>
+          <p:cNvCxnSpPr/>
+          <p:nvPr/>
+        </p:nvCxnSpPr>
+        <p:spPr>
+          <a:xfrm rot="5400000">
+            <a:off x="8727567" y="3990147"/>
+            <a:ext cx="12700" cy="3531864"/>
+          </a:xfrm>
+          <a:prstGeom prst="bentConnector3">
+            <a:avLst>
+              <a:gd name="adj1" fmla="val 1800000"/>
+            </a:avLst>
+          </a:prstGeom>
+          <a:ln w="28575">
+            <a:solidFill>
+              <a:srgbClr val="00B0F0"/>
+            </a:solidFill>
+            <a:tailEnd type="triangle"/>
+          </a:ln>
+        </p:spPr>
+        <p:style>
+          <a:lnRef idx="1">
+            <a:schemeClr val="accent1"/>
+          </a:lnRef>
+          <a:fillRef idx="0">
+            <a:schemeClr val="accent1"/>
+          </a:fillRef>
+          <a:effectRef idx="0">
+            <a:schemeClr val="accent1"/>
+          </a:effectRef>
+          <a:fontRef idx="minor">
+            <a:schemeClr val="tx1"/>
+          </a:fontRef>
+        </p:style>
+      </p:cxnSp>
+      <p:sp>
+        <p:nvSpPr>
+          <p:cNvPr id="24" name="TextBox 23"/>
+          <p:cNvSpPr txBox="1"/>
+          <p:nvPr/>
+        </p:nvSpPr>
+        <p:spPr>
+          <a:xfrm>
+            <a:off x="8449876" y="5984184"/>
+            <a:ext cx="771365" cy="276999"/>
+          </a:xfrm>
+          <a:prstGeom prst="rect">
+            <a:avLst/>
+          </a:prstGeom>
+          <a:noFill/>
+        </p:spPr>
+        <p:txBody>
+          <a:bodyPr wrap="none" rtlCol="0">
+            <a:spAutoFit/>
+          </a:bodyPr>
+          <a:lstStyle/>
+          <a:p>
+            <a:r>
+              <a:rPr lang="en-IN" sz="1200" dirty="0" smtClean="0">
+                <a:solidFill>
+                  <a:srgbClr val="00B0F0"/>
+                </a:solidFill>
+              </a:rPr>
+              <a:t>Success</a:t>
+            </a:r>
+            <a:endParaRPr lang="en-IN" sz="1200" dirty="0">
+              <a:solidFill>
+                <a:srgbClr val="00B0F0"/>
+              </a:solidFill>
+            </a:endParaRPr>
+          </a:p>
+        </p:txBody>
+      </p:sp>
+      <p:cxnSp>
+        <p:nvCxnSpPr>
+          <p:cNvPr id="25" name="Elbow Connector 24"/>
+          <p:cNvCxnSpPr/>
+          <p:nvPr/>
+        </p:nvCxnSpPr>
+        <p:spPr>
+          <a:xfrm rot="5400000" flipH="1" flipV="1">
+            <a:off x="8727567" y="3217628"/>
+            <a:ext cx="12700" cy="3531864"/>
+          </a:xfrm>
+          <a:prstGeom prst="bentConnector3">
+            <a:avLst>
+              <a:gd name="adj1" fmla="val 1800000"/>
+            </a:avLst>
+          </a:prstGeom>
+          <a:ln w="28575">
+            <a:solidFill>
+              <a:schemeClr val="accent2">
+                <a:lumMod val="75000"/>
+              </a:schemeClr>
+            </a:solidFill>
+            <a:tailEnd type="triangle"/>
+          </a:ln>
+        </p:spPr>
+        <p:style>
+          <a:lnRef idx="1">
+            <a:schemeClr val="accent1"/>
+          </a:lnRef>
+          <a:fillRef idx="0">
+            <a:schemeClr val="accent1"/>
+          </a:fillRef>
+          <a:effectRef idx="0">
+            <a:schemeClr val="accent1"/>
+          </a:effectRef>
+          <a:fontRef idx="minor">
+            <a:schemeClr val="tx1"/>
+          </a:fontRef>
+        </p:style>
+      </p:cxnSp>
+      <p:sp>
+        <p:nvSpPr>
+          <p:cNvPr id="26" name="TextBox 25"/>
+          <p:cNvSpPr txBox="1"/>
+          <p:nvPr/>
+        </p:nvSpPr>
+        <p:spPr>
+          <a:xfrm>
+            <a:off x="8545264" y="4452816"/>
+            <a:ext cx="628698" cy="276999"/>
+          </a:xfrm>
+          <a:prstGeom prst="rect">
+            <a:avLst/>
+          </a:prstGeom>
+          <a:noFill/>
+        </p:spPr>
+        <p:txBody>
+          <a:bodyPr wrap="none" rtlCol="0">
+            <a:spAutoFit/>
+          </a:bodyPr>
+          <a:lstStyle/>
+          <a:p>
+            <a:r>
+              <a:rPr lang="en-IN" sz="1200" dirty="0" smtClean="0">
+                <a:solidFill>
+                  <a:schemeClr val="accent2">
+                    <a:lumMod val="75000"/>
+                  </a:schemeClr>
+                </a:solidFill>
+              </a:rPr>
+              <a:t>name</a:t>
+            </a:r>
+            <a:endParaRPr lang="en-IN" sz="1200" dirty="0">
+              <a:solidFill>
+                <a:schemeClr val="accent2">
+                  <a:lumMod val="75000"/>
+                </a:schemeClr>
+              </a:solidFill>
+            </a:endParaRPr>
+          </a:p>
+        </p:txBody>
+      </p:sp>
+    </p:spTree>
+    <p:extLst>
+      <p:ext uri="{BB962C8B-B14F-4D97-AF65-F5344CB8AC3E}">
+        <p14:creationId xmlns:p14="http://schemas.microsoft.com/office/powerpoint/2010/main" val="447523056"/>
+      </p:ext>
+    </p:extLst>
+  </p:cSld>
+  <p:clrMapOvr>
+    <a:masterClrMapping/>
+  </p:clrMapOvr>
+  <p:timing>
+    <p:tnLst>
+      <p:par>
+        <p:cTn id="1" dur="indefinite" restart="never" nodeType="tmRoot"/>
+      </p:par>
+    </p:tnLst>
+  </p:timing>
+</p:sld>
+</file>
+
+<file path=ppt/slides/slide66.xml><?xml version="1.0" encoding="utf-8"?>
+<p:sld xmlns:a="http://schemas.openxmlformats.org/drawingml/2006/main" xmlns:r="http://schemas.openxmlformats.org/officeDocument/2006/relationships" xmlns:p="http://schemas.openxmlformats.org/presentationml/2006/main">
+  <p:cSld>
+    <p:spTree>
+      <p:nvGrpSpPr>
+        <p:cNvPr id="1" name=""/>
+        <p:cNvGrpSpPr/>
+        <p:nvPr/>
+      </p:nvGrpSpPr>
+      <p:grpSpPr>
+        <a:xfrm>
+          <a:off x="0" y="0"/>
+          <a:ext cx="0" cy="0"/>
+          <a:chOff x="0" y="0"/>
+          <a:chExt cx="0" cy="0"/>
+        </a:xfrm>
+      </p:grpSpPr>
+      <p:sp>
+        <p:nvSpPr>
+          <p:cNvPr id="4" name="Title 3"/>
+          <p:cNvSpPr>
+            <a:spLocks noGrp="1"/>
+          </p:cNvSpPr>
+          <p:nvPr>
+            <p:ph type="title"/>
+          </p:nvPr>
+        </p:nvSpPr>
+        <p:spPr/>
+        <p:txBody>
+          <a:bodyPr/>
+          <a:lstStyle/>
+          <a:p>
+            <a:r>
+              <a:rPr lang="en-IN" b="1" dirty="0" smtClean="0"/>
+              <a:t>14 </a:t>
+            </a:r>
+            <a:r>
+              <a:rPr lang="en-IN" b="1" dirty="0" smtClean="0"/>
+              <a:t>: </a:t>
+            </a:r>
+            <a:r>
+              <a:rPr lang="en-IN" b="1" dirty="0" smtClean="0"/>
+              <a:t>Component Interaction </a:t>
+            </a:r>
+            <a:r>
+              <a:rPr lang="en-IN" dirty="0"/>
+              <a:t>@input</a:t>
+            </a:r>
+            <a:r>
+              <a:rPr lang="en-IN" dirty="0" smtClean="0"/>
+              <a:t>()</a:t>
+            </a:r>
+            <a:endParaRPr lang="en-IN" b="1" dirty="0"/>
+          </a:p>
+        </p:txBody>
+      </p:sp>
+      <p:sp>
+        <p:nvSpPr>
+          <p:cNvPr id="3" name="Date Placeholder 2"/>
+          <p:cNvSpPr>
+            <a:spLocks noGrp="1"/>
+          </p:cNvSpPr>
+          <p:nvPr>
+            <p:ph type="dt" sz="half" idx="10"/>
+          </p:nvPr>
+        </p:nvSpPr>
+        <p:spPr/>
+        <p:txBody>
+          <a:bodyPr/>
+          <a:lstStyle/>
+          <a:p>
+            <a:r>
+              <a:rPr lang="en-US" dirty="0" smtClean="0"/>
+              <a:t>5/6/2019</a:t>
+            </a:r>
+            <a:endParaRPr lang="en-US" dirty="0"/>
+          </a:p>
+        </p:txBody>
+      </p:sp>
+      <p:sp>
+        <p:nvSpPr>
+          <p:cNvPr id="6" name="Slide Number Placeholder 5"/>
+          <p:cNvSpPr>
+            <a:spLocks noGrp="1"/>
+          </p:cNvSpPr>
+          <p:nvPr>
+            <p:ph type="sldNum" sz="quarter" idx="12"/>
+          </p:nvPr>
+        </p:nvSpPr>
+        <p:spPr/>
+        <p:txBody>
+          <a:bodyPr/>
+          <a:lstStyle/>
+          <a:p>
+            <a:fld id="{6D22F896-40B5-4ADD-8801-0D06FADFA095}" type="slidenum">
+              <a:rPr lang="en-US" smtClean="0"/>
+              <a:t>66</a:t>
+            </a:fld>
+            <a:endParaRPr lang="en-US" dirty="0"/>
+          </a:p>
+        </p:txBody>
+      </p:sp>
+      <p:pic>
+        <p:nvPicPr>
+          <p:cNvPr id="8" name="Picture 7"/>
+          <p:cNvPicPr>
+            <a:picLocks noChangeAspect="1"/>
+          </p:cNvPicPr>
+          <p:nvPr/>
+        </p:nvPicPr>
+        <p:blipFill>
+          <a:blip r:embed="rId2"/>
+          <a:stretch>
+            <a:fillRect/>
+          </a:stretch>
+        </p:blipFill>
+        <p:spPr>
+          <a:xfrm>
+            <a:off x="507840" y="2350770"/>
+            <a:ext cx="5181600" cy="3619500"/>
+          </a:xfrm>
+          <a:prstGeom prst="rect">
+            <a:avLst/>
+          </a:prstGeom>
+        </p:spPr>
+      </p:pic>
+      <p:pic>
+        <p:nvPicPr>
+          <p:cNvPr id="15" name="Picture 14"/>
+          <p:cNvPicPr>
+            <a:picLocks noChangeAspect="1"/>
+          </p:cNvPicPr>
+          <p:nvPr/>
+        </p:nvPicPr>
+        <p:blipFill>
+          <a:blip r:embed="rId3"/>
+          <a:stretch>
+            <a:fillRect/>
+          </a:stretch>
+        </p:blipFill>
+        <p:spPr>
+          <a:xfrm>
+            <a:off x="5711396" y="2350770"/>
+            <a:ext cx="5493411" cy="2356690"/>
+          </a:xfrm>
+          <a:prstGeom prst="rect">
+            <a:avLst/>
+          </a:prstGeom>
+        </p:spPr>
+      </p:pic>
+      <p:pic>
+        <p:nvPicPr>
+          <p:cNvPr id="16" name="Picture 15"/>
+          <p:cNvPicPr>
+            <a:picLocks noChangeAspect="1"/>
+          </p:cNvPicPr>
+          <p:nvPr/>
+        </p:nvPicPr>
+        <p:blipFill>
+          <a:blip r:embed="rId4"/>
+          <a:stretch>
+            <a:fillRect/>
+          </a:stretch>
+        </p:blipFill>
+        <p:spPr>
+          <a:xfrm>
+            <a:off x="5846518" y="4836795"/>
+            <a:ext cx="3171825" cy="1133475"/>
+          </a:xfrm>
+          <a:prstGeom prst="rect">
+            <a:avLst/>
+          </a:prstGeom>
+          <a:ln>
+            <a:solidFill>
+              <a:schemeClr val="bg1">
+                <a:lumMod val="65000"/>
+              </a:schemeClr>
+            </a:solidFill>
+          </a:ln>
+        </p:spPr>
+      </p:pic>
+      <p:sp>
+        <p:nvSpPr>
+          <p:cNvPr id="27" name="Rectangle 26"/>
+          <p:cNvSpPr/>
+          <p:nvPr/>
+        </p:nvSpPr>
+        <p:spPr>
+          <a:xfrm>
+            <a:off x="589258" y="2404558"/>
+            <a:ext cx="1050709" cy="281166"/>
+          </a:xfrm>
+          <a:prstGeom prst="rect">
+            <a:avLst/>
+          </a:prstGeom>
+          <a:noFill/>
+          <a:ln w="28575">
+            <a:solidFill>
+              <a:srgbClr val="FFFF00"/>
+            </a:solidFill>
+          </a:ln>
+        </p:spPr>
+        <p:style>
+          <a:lnRef idx="2">
+            <a:schemeClr val="accent1">
+              <a:shade val="50000"/>
+            </a:schemeClr>
+          </a:lnRef>
+          <a:fillRef idx="1">
+            <a:schemeClr val="accent1"/>
+          </a:fillRef>
+          <a:effectRef idx="0">
+            <a:schemeClr val="accent1"/>
+          </a:effectRef>
+          <a:fontRef idx="minor">
+            <a:schemeClr val="lt1"/>
+          </a:fontRef>
+        </p:style>
+        <p:txBody>
+          <a:bodyPr rtlCol="0" anchor="ctr"/>
+          <a:lstStyle/>
+          <a:p>
+            <a:pPr algn="ctr"/>
+            <a:endParaRPr lang="en-IN"/>
+          </a:p>
+        </p:txBody>
+      </p:sp>
+      <p:sp>
+        <p:nvSpPr>
+          <p:cNvPr id="28" name="Rectangle 27"/>
+          <p:cNvSpPr/>
+          <p:nvPr/>
+        </p:nvSpPr>
+        <p:spPr>
+          <a:xfrm>
+            <a:off x="5779283" y="2404558"/>
+            <a:ext cx="1050709" cy="281166"/>
+          </a:xfrm>
+          <a:prstGeom prst="rect">
+            <a:avLst/>
+          </a:prstGeom>
+          <a:noFill/>
+          <a:ln w="28575">
+            <a:solidFill>
+              <a:srgbClr val="FFFF00"/>
+            </a:solidFill>
+          </a:ln>
+        </p:spPr>
+        <p:style>
+          <a:lnRef idx="2">
+            <a:schemeClr val="accent1">
+              <a:shade val="50000"/>
+            </a:schemeClr>
+          </a:lnRef>
+          <a:fillRef idx="1">
+            <a:schemeClr val="accent1"/>
+          </a:fillRef>
+          <a:effectRef idx="0">
+            <a:schemeClr val="accent1"/>
+          </a:effectRef>
+          <a:fontRef idx="minor">
+            <a:schemeClr val="lt1"/>
+          </a:fontRef>
+        </p:style>
+        <p:txBody>
+          <a:bodyPr rtlCol="0" anchor="ctr"/>
+          <a:lstStyle/>
+          <a:p>
+            <a:pPr algn="ctr"/>
+            <a:endParaRPr lang="en-IN"/>
+          </a:p>
+        </p:txBody>
+      </p:sp>
+      <p:cxnSp>
+        <p:nvCxnSpPr>
+          <p:cNvPr id="18" name="Straight Arrow Connector 17"/>
+          <p:cNvCxnSpPr/>
+          <p:nvPr/>
+        </p:nvCxnSpPr>
+        <p:spPr>
+          <a:xfrm flipH="1">
+            <a:off x="2326341" y="3697941"/>
+            <a:ext cx="1815353" cy="1398494"/>
+          </a:xfrm>
+          <a:prstGeom prst="straightConnector1">
+            <a:avLst/>
+          </a:prstGeom>
+          <a:ln w="28575">
+            <a:solidFill>
+              <a:srgbClr val="FFFF00"/>
+            </a:solidFill>
+            <a:tailEnd type="triangle"/>
+          </a:ln>
+        </p:spPr>
+        <p:style>
+          <a:lnRef idx="1">
+            <a:schemeClr val="accent1"/>
+          </a:lnRef>
+          <a:fillRef idx="0">
+            <a:schemeClr val="accent1"/>
+          </a:fillRef>
+          <a:effectRef idx="0">
+            <a:schemeClr val="accent1"/>
+          </a:effectRef>
+          <a:fontRef idx="minor">
+            <a:schemeClr val="tx1"/>
+          </a:fontRef>
+        </p:style>
+      </p:cxnSp>
+      <p:cxnSp>
+        <p:nvCxnSpPr>
+          <p:cNvPr id="30" name="Straight Arrow Connector 29"/>
+          <p:cNvCxnSpPr/>
+          <p:nvPr/>
+        </p:nvCxnSpPr>
+        <p:spPr>
+          <a:xfrm>
+            <a:off x="3098640" y="3697941"/>
+            <a:ext cx="5144407" cy="605118"/>
+          </a:xfrm>
+          <a:prstGeom prst="straightConnector1">
+            <a:avLst/>
+          </a:prstGeom>
+          <a:ln w="28575">
+            <a:solidFill>
+              <a:srgbClr val="FFFF00"/>
+            </a:solidFill>
+            <a:tailEnd type="triangle"/>
+          </a:ln>
+        </p:spPr>
+        <p:style>
+          <a:lnRef idx="1">
+            <a:schemeClr val="accent1"/>
+          </a:lnRef>
+          <a:fillRef idx="0">
+            <a:schemeClr val="accent1"/>
+          </a:fillRef>
+          <a:effectRef idx="0">
+            <a:schemeClr val="accent1"/>
+          </a:effectRef>
+          <a:fontRef idx="minor">
+            <a:schemeClr val="tx1"/>
+          </a:fontRef>
+        </p:style>
+      </p:cxnSp>
+      <p:sp>
+        <p:nvSpPr>
+          <p:cNvPr id="32" name="Rectangle 31"/>
+          <p:cNvSpPr/>
+          <p:nvPr/>
+        </p:nvSpPr>
+        <p:spPr>
+          <a:xfrm>
+            <a:off x="6524015" y="4258890"/>
+            <a:ext cx="707635" cy="234637"/>
+          </a:xfrm>
+          <a:prstGeom prst="rect">
+            <a:avLst/>
+          </a:prstGeom>
+          <a:noFill/>
+          <a:ln w="28575">
+            <a:solidFill>
+              <a:srgbClr val="FFFF00"/>
+            </a:solidFill>
+          </a:ln>
+        </p:spPr>
+        <p:style>
+          <a:lnRef idx="2">
+            <a:schemeClr val="accent1">
+              <a:shade val="50000"/>
+            </a:schemeClr>
+          </a:lnRef>
+          <a:fillRef idx="1">
+            <a:schemeClr val="accent1"/>
+          </a:fillRef>
+          <a:effectRef idx="0">
+            <a:schemeClr val="accent1"/>
+          </a:effectRef>
+          <a:fontRef idx="minor">
+            <a:schemeClr val="lt1"/>
+          </a:fontRef>
+        </p:style>
+        <p:txBody>
+          <a:bodyPr rtlCol="0" anchor="ctr"/>
+          <a:lstStyle/>
+          <a:p>
+            <a:pPr algn="ctr"/>
+            <a:endParaRPr lang="en-IN"/>
+          </a:p>
+        </p:txBody>
+      </p:sp>
+      <p:cxnSp>
+        <p:nvCxnSpPr>
+          <p:cNvPr id="33" name="Straight Arrow Connector 32"/>
+          <p:cNvCxnSpPr/>
+          <p:nvPr/>
+        </p:nvCxnSpPr>
+        <p:spPr>
+          <a:xfrm flipV="1">
+            <a:off x="8265003" y="3621263"/>
+            <a:ext cx="0" cy="662491"/>
+          </a:xfrm>
+          <a:prstGeom prst="straightConnector1">
+            <a:avLst/>
+          </a:prstGeom>
+          <a:ln w="28575">
+            <a:solidFill>
+              <a:srgbClr val="FFFF00"/>
+            </a:solidFill>
+            <a:tailEnd type="triangle"/>
+          </a:ln>
+        </p:spPr>
+        <p:style>
+          <a:lnRef idx="1">
+            <a:schemeClr val="accent1"/>
+          </a:lnRef>
+          <a:fillRef idx="0">
+            <a:schemeClr val="accent1"/>
+          </a:fillRef>
+          <a:effectRef idx="0">
+            <a:schemeClr val="accent1"/>
+          </a:effectRef>
+          <a:fontRef idx="minor">
+            <a:schemeClr val="tx1"/>
+          </a:fontRef>
+        </p:style>
+      </p:cxnSp>
+      <p:cxnSp>
+        <p:nvCxnSpPr>
+          <p:cNvPr id="36" name="Straight Arrow Connector 35"/>
+          <p:cNvCxnSpPr/>
+          <p:nvPr/>
+        </p:nvCxnSpPr>
+        <p:spPr>
+          <a:xfrm flipH="1">
+            <a:off x="6524015" y="3621263"/>
+            <a:ext cx="1719032" cy="1782269"/>
+          </a:xfrm>
+          <a:prstGeom prst="straightConnector1">
+            <a:avLst/>
+          </a:prstGeom>
+          <a:ln w="28575">
+            <a:solidFill>
+              <a:srgbClr val="FFFF00"/>
+            </a:solidFill>
+            <a:tailEnd type="triangle"/>
+          </a:ln>
+        </p:spPr>
+        <p:style>
+          <a:lnRef idx="1">
+            <a:schemeClr val="accent1"/>
+          </a:lnRef>
+          <a:fillRef idx="0">
+            <a:schemeClr val="accent1"/>
+          </a:fillRef>
+          <a:effectRef idx="0">
+            <a:schemeClr val="accent1"/>
+          </a:effectRef>
+          <a:fontRef idx="minor">
+            <a:schemeClr val="tx1"/>
+          </a:fontRef>
+        </p:style>
+      </p:cxnSp>
+    </p:spTree>
+    <p:extLst>
+      <p:ext uri="{BB962C8B-B14F-4D97-AF65-F5344CB8AC3E}">
+        <p14:creationId xmlns:p14="http://schemas.microsoft.com/office/powerpoint/2010/main" val="2403077905"/>
       </p:ext>
     </p:extLst>
   </p:cSld>

--- a/Angular Presentation.pptx
+++ b/Angular Presentation.pptx
@@ -5,7 +5,7 @@
     <p:sldMasterId id="2147483723" r:id="rId1"/>
   </p:sldMasterIdLst>
   <p:notesMasterIdLst>
-    <p:notesMasterId r:id="rId68"/>
+    <p:notesMasterId r:id="rId70"/>
   </p:notesMasterIdLst>
   <p:sldIdLst>
     <p:sldId id="256" r:id="rId2"/>
@@ -74,6 +74,8 @@
     <p:sldId id="344" r:id="rId65"/>
     <p:sldId id="345" r:id="rId66"/>
     <p:sldId id="346" r:id="rId67"/>
+    <p:sldId id="347" r:id="rId68"/>
+    <p:sldId id="348" r:id="rId69"/>
   </p:sldIdLst>
   <p:sldSz cx="12192000" cy="6858000"/>
   <p:notesSz cx="6858000" cy="9144000"/>
@@ -37706,15 +37708,22 @@
               <a:rPr lang="en-IN" b="1" dirty="0" smtClean="0"/>
               <a:t>Component Interaction </a:t>
             </a:r>
-            <a:r>
-              <a:rPr lang="en-IN" dirty="0"/>
-              <a:t>@input</a:t>
-            </a:r>
-            <a:r>
-              <a:rPr lang="en-IN" dirty="0" smtClean="0"/>
-              <a:t>()</a:t>
-            </a:r>
-            <a:endParaRPr lang="en-IN" b="1" dirty="0"/>
+            <a:br>
+              <a:rPr lang="en-IN" b="1" dirty="0" smtClean="0"/>
+            </a:br>
+            <a:r>
+              <a:rPr lang="en-IN" sz="2400" dirty="0" smtClean="0"/>
+              <a:t>@</a:t>
+            </a:r>
+            <a:r>
+              <a:rPr lang="en-IN" sz="2400" dirty="0"/>
+              <a:t>input</a:t>
+            </a:r>
+            <a:r>
+              <a:rPr lang="en-IN" sz="2400" dirty="0" smtClean="0"/>
+              <a:t>(), @output()</a:t>
+            </a:r>
+            <a:endParaRPr lang="en-IN" sz="2400" b="1" dirty="0"/>
           </a:p>
         </p:txBody>
       </p:sp>
@@ -37765,7 +37774,7 @@
           <a:p>
             <a:r>
               <a:rPr lang="en-IN" dirty="0" smtClean="0"/>
-              <a:t>For this purpose we will use a tag @input()</a:t>
+              <a:t>For this purpose we will use a tag @input(), @output()</a:t>
             </a:r>
             <a:endParaRPr lang="en-IN" dirty="0"/>
           </a:p>
@@ -37975,7 +37984,7 @@
         <p:spPr>
           <a:xfrm>
             <a:off x="2610048" y="5984184"/>
-            <a:ext cx="1226618" cy="276999"/>
+            <a:ext cx="1348446" cy="276999"/>
           </a:xfrm>
           <a:prstGeom prst="rect">
             <a:avLst/>
@@ -37994,7 +38003,7 @@
                   <a:srgbClr val="00B0F0"/>
                 </a:solidFill>
               </a:rPr>
-              <a:t>Data @input()</a:t>
+              <a:t>Data @output()</a:t>
             </a:r>
             <a:endParaRPr lang="en-IN" sz="1200" dirty="0">
               <a:solidFill>
@@ -38392,94 +38401,9 @@
           <a:chExt cx="0" cy="0"/>
         </a:xfrm>
       </p:grpSpPr>
-      <p:sp>
-        <p:nvSpPr>
-          <p:cNvPr id="4" name="Title 3"/>
-          <p:cNvSpPr>
-            <a:spLocks noGrp="1"/>
-          </p:cNvSpPr>
-          <p:nvPr>
-            <p:ph type="title"/>
-          </p:nvPr>
-        </p:nvSpPr>
-        <p:spPr/>
-        <p:txBody>
-          <a:bodyPr/>
-          <a:lstStyle/>
-          <a:p>
-            <a:r>
-              <a:rPr lang="en-IN" b="1" dirty="0" smtClean="0"/>
-              <a:t>14 </a:t>
-            </a:r>
-            <a:r>
-              <a:rPr lang="en-IN" b="1" dirty="0" smtClean="0"/>
-              <a:t>: </a:t>
-            </a:r>
-            <a:r>
-              <a:rPr lang="en-IN" b="1" dirty="0" smtClean="0"/>
-              <a:t>Component Interaction </a:t>
-            </a:r>
-            <a:r>
-              <a:rPr lang="en-IN" dirty="0"/>
-              <a:t>@input</a:t>
-            </a:r>
-            <a:r>
-              <a:rPr lang="en-IN" dirty="0" smtClean="0"/>
-              <a:t>()</a:t>
-            </a:r>
-            <a:endParaRPr lang="en-IN" b="1" dirty="0"/>
-          </a:p>
-        </p:txBody>
-      </p:sp>
-      <p:sp>
-        <p:nvSpPr>
-          <p:cNvPr id="3" name="Date Placeholder 2"/>
-          <p:cNvSpPr>
-            <a:spLocks noGrp="1"/>
-          </p:cNvSpPr>
-          <p:nvPr>
-            <p:ph type="dt" sz="half" idx="10"/>
-          </p:nvPr>
-        </p:nvSpPr>
-        <p:spPr/>
-        <p:txBody>
-          <a:bodyPr/>
-          <a:lstStyle/>
-          <a:p>
-            <a:r>
-              <a:rPr lang="en-US" dirty="0" smtClean="0"/>
-              <a:t>5/6/2019</a:t>
-            </a:r>
-            <a:endParaRPr lang="en-US" dirty="0"/>
-          </a:p>
-        </p:txBody>
-      </p:sp>
-      <p:sp>
-        <p:nvSpPr>
-          <p:cNvPr id="6" name="Slide Number Placeholder 5"/>
-          <p:cNvSpPr>
-            <a:spLocks noGrp="1"/>
-          </p:cNvSpPr>
-          <p:nvPr>
-            <p:ph type="sldNum" sz="quarter" idx="12"/>
-          </p:nvPr>
-        </p:nvSpPr>
-        <p:spPr/>
-        <p:txBody>
-          <a:bodyPr/>
-          <a:lstStyle/>
-          <a:p>
-            <a:fld id="{6D22F896-40B5-4ADD-8801-0D06FADFA095}" type="slidenum">
-              <a:rPr lang="en-US" smtClean="0"/>
-              <a:t>66</a:t>
-            </a:fld>
-            <a:endParaRPr lang="en-US" dirty="0"/>
-          </a:p>
-        </p:txBody>
-      </p:sp>
       <p:pic>
         <p:nvPicPr>
-          <p:cNvPr id="8" name="Picture 7"/>
+          <p:cNvPr id="46" name="Picture 45"/>
           <p:cNvPicPr>
             <a:picLocks noChangeAspect="1"/>
           </p:cNvPicPr>
@@ -38493,17 +38417,24 @@
         </p:blipFill>
         <p:spPr>
           <a:xfrm>
-            <a:off x="507840" y="2350770"/>
-            <a:ext cx="5181600" cy="3619500"/>
+            <a:off x="5960195" y="4802628"/>
+            <a:ext cx="2657475" cy="1057275"/>
           </a:xfrm>
           <a:prstGeom prst="rect">
             <a:avLst/>
           </a:prstGeom>
+          <a:ln>
+            <a:solidFill>
+              <a:schemeClr val="bg1">
+                <a:lumMod val="50000"/>
+              </a:schemeClr>
+            </a:solidFill>
+          </a:ln>
         </p:spPr>
       </p:pic>
       <p:pic>
         <p:nvPicPr>
-          <p:cNvPr id="15" name="Picture 14"/>
+          <p:cNvPr id="39" name="Picture 38"/>
           <p:cNvPicPr>
             <a:picLocks noChangeAspect="1"/>
           </p:cNvPicPr>
@@ -38517,17 +38448,86 @@
         </p:blipFill>
         <p:spPr>
           <a:xfrm>
-            <a:off x="5711396" y="2350770"/>
-            <a:ext cx="5493411" cy="2356690"/>
+            <a:off x="5736074" y="2353424"/>
+            <a:ext cx="4810125" cy="2305050"/>
           </a:xfrm>
           <a:prstGeom prst="rect">
             <a:avLst/>
           </a:prstGeom>
         </p:spPr>
       </p:pic>
+      <p:sp>
+        <p:nvSpPr>
+          <p:cNvPr id="4" name="Title 3"/>
+          <p:cNvSpPr>
+            <a:spLocks noGrp="1"/>
+          </p:cNvSpPr>
+          <p:nvPr>
+            <p:ph type="title"/>
+          </p:nvPr>
+        </p:nvSpPr>
+        <p:spPr/>
+        <p:txBody>
+          <a:bodyPr/>
+          <a:lstStyle/>
+          <a:p>
+            <a:r>
+              <a:rPr lang="en-IN" b="1" dirty="0" smtClean="0"/>
+              <a:t>14.1 : Parent to Child Data Binding</a:t>
+            </a:r>
+            <a:endParaRPr lang="en-IN" b="1" dirty="0"/>
+          </a:p>
+        </p:txBody>
+      </p:sp>
+      <p:sp>
+        <p:nvSpPr>
+          <p:cNvPr id="3" name="Date Placeholder 2"/>
+          <p:cNvSpPr>
+            <a:spLocks noGrp="1"/>
+          </p:cNvSpPr>
+          <p:nvPr>
+            <p:ph type="dt" sz="half" idx="10"/>
+          </p:nvPr>
+        </p:nvSpPr>
+        <p:spPr/>
+        <p:txBody>
+          <a:bodyPr/>
+          <a:lstStyle/>
+          <a:p>
+            <a:r>
+              <a:rPr lang="en-US" dirty="0" smtClean="0"/>
+              <a:t>5/6/2019</a:t>
+            </a:r>
+            <a:endParaRPr lang="en-US" dirty="0"/>
+          </a:p>
+        </p:txBody>
+      </p:sp>
+      <p:sp>
+        <p:nvSpPr>
+          <p:cNvPr id="6" name="Slide Number Placeholder 5"/>
+          <p:cNvSpPr>
+            <a:spLocks noGrp="1"/>
+          </p:cNvSpPr>
+          <p:nvPr>
+            <p:ph type="sldNum" sz="quarter" idx="12"/>
+          </p:nvPr>
+        </p:nvSpPr>
+        <p:spPr/>
+        <p:txBody>
+          <a:bodyPr/>
+          <a:lstStyle/>
+          <a:p>
+            <a:fld id="{6D22F896-40B5-4ADD-8801-0D06FADFA095}" type="slidenum">
+              <a:rPr lang="en-US" smtClean="0"/>
+              <a:t>66</a:t>
+            </a:fld>
+            <a:endParaRPr lang="en-US" dirty="0"/>
+          </a:p>
+        </p:txBody>
+      </p:sp>
       <p:pic>
         <p:nvPicPr>
-          <p:cNvPr id="16" name="Picture 15"/>
+          <p:cNvPr id="8" name="Picture 7"/>
           <p:cNvPicPr>
             <a:picLocks noChangeAspect="1"/>
           </p:cNvPicPr>
@@ -38541,19 +38541,12 @@
         </p:blipFill>
         <p:spPr>
           <a:xfrm>
-            <a:off x="5846518" y="4836795"/>
-            <a:ext cx="3171825" cy="1133475"/>
+            <a:off x="507840" y="2350770"/>
+            <a:ext cx="5181600" cy="3619500"/>
           </a:xfrm>
           <a:prstGeom prst="rect">
             <a:avLst/>
           </a:prstGeom>
-          <a:ln>
-            <a:solidFill>
-              <a:schemeClr val="bg1">
-                <a:lumMod val="65000"/>
-              </a:schemeClr>
-            </a:solidFill>
-          </a:ln>
         </p:spPr>
       </p:pic>
       <p:sp>
@@ -38692,8 +38685,8 @@
         </p:nvCxnSpPr>
         <p:spPr>
           <a:xfrm>
-            <a:off x="3098640" y="3697941"/>
-            <a:ext cx="5144407" cy="605118"/>
+            <a:off x="3098640" y="3671047"/>
+            <a:ext cx="4740995" cy="560950"/>
           </a:xfrm>
           <a:prstGeom prst="straightConnector1">
             <a:avLst/>
@@ -38720,52 +38713,6 @@
           </a:fontRef>
         </p:style>
       </p:cxnSp>
-      <p:sp>
-        <p:nvSpPr>
-          <p:cNvPr id="32" name="Rectangle 31"/>
-          <p:cNvSpPr/>
-          <p:nvPr/>
-        </p:nvSpPr>
-        <p:spPr>
-          <a:xfrm>
-            <a:off x="6524015" y="4258890"/>
-            <a:ext cx="707635" cy="234637"/>
-          </a:xfrm>
-          <a:prstGeom prst="rect">
-            <a:avLst/>
-          </a:prstGeom>
-          <a:noFill/>
-          <a:ln w="28575">
-            <a:solidFill>
-              <a:srgbClr val="FFFF00"/>
-            </a:solidFill>
-          </a:ln>
-        </p:spPr>
-        <p:style>
-          <a:lnRef idx="2">
-            <a:schemeClr val="accent1">
-              <a:shade val="50000"/>
-            </a:schemeClr>
-          </a:lnRef>
-          <a:fillRef idx="1">
-            <a:schemeClr val="accent1"/>
-          </a:fillRef>
-          <a:effectRef idx="0">
-            <a:schemeClr val="accent1"/>
-          </a:effectRef>
-          <a:fontRef idx="minor">
-            <a:schemeClr val="lt1"/>
-          </a:fontRef>
-        </p:style>
-        <p:txBody>
-          <a:bodyPr rtlCol="0" anchor="ctr"/>
-          <a:lstStyle/>
-          <a:p>
-            <a:pPr algn="ctr"/>
-            <a:endParaRPr lang="en-IN"/>
-          </a:p>
-        </p:txBody>
-      </p:sp>
       <p:cxnSp>
         <p:nvCxnSpPr>
           <p:cNvPr id="33" name="Straight Arrow Connector 32"/>
@@ -38774,8 +38721,8 @@
         </p:nvCxnSpPr>
         <p:spPr>
           <a:xfrm flipV="1">
-            <a:off x="8265003" y="3621263"/>
-            <a:ext cx="0" cy="662491"/>
+            <a:off x="9493626" y="3402106"/>
+            <a:ext cx="26892" cy="856785"/>
           </a:xfrm>
           <a:prstGeom prst="straightConnector1">
             <a:avLst/>
@@ -38810,8 +38757,8 @@
         </p:nvCxnSpPr>
         <p:spPr>
           <a:xfrm flipH="1">
-            <a:off x="6524015" y="3621263"/>
-            <a:ext cx="1719032" cy="1782269"/>
+            <a:off x="7231650" y="3402106"/>
+            <a:ext cx="2261976" cy="1929159"/>
           </a:xfrm>
           <a:prstGeom prst="straightConnector1">
             <a:avLst/>
@@ -38842,6 +38789,772 @@
     <p:extLst>
       <p:ext uri="{BB962C8B-B14F-4D97-AF65-F5344CB8AC3E}">
         <p14:creationId xmlns:p14="http://schemas.microsoft.com/office/powerpoint/2010/main" val="2403077905"/>
+      </p:ext>
+    </p:extLst>
+  </p:cSld>
+  <p:clrMapOvr>
+    <a:masterClrMapping/>
+  </p:clrMapOvr>
+  <p:timing>
+    <p:tnLst>
+      <p:par>
+        <p:cTn id="1" dur="indefinite" restart="never" nodeType="tmRoot"/>
+      </p:par>
+    </p:tnLst>
+  </p:timing>
+</p:sld>
+</file>
+
+<file path=ppt/slides/slide67.xml><?xml version="1.0" encoding="utf-8"?>
+<p:sld xmlns:a="http://schemas.openxmlformats.org/drawingml/2006/main" xmlns:r="http://schemas.openxmlformats.org/officeDocument/2006/relationships" xmlns:p="http://schemas.openxmlformats.org/presentationml/2006/main">
+  <p:cSld>
+    <p:spTree>
+      <p:nvGrpSpPr>
+        <p:cNvPr id="1" name=""/>
+        <p:cNvGrpSpPr/>
+        <p:nvPr/>
+      </p:nvGrpSpPr>
+      <p:grpSpPr>
+        <a:xfrm>
+          <a:off x="0" y="0"/>
+          <a:ext cx="0" cy="0"/>
+          <a:chOff x="0" y="0"/>
+          <a:chExt cx="0" cy="0"/>
+        </a:xfrm>
+      </p:grpSpPr>
+      <p:sp>
+        <p:nvSpPr>
+          <p:cNvPr id="4" name="Title 3"/>
+          <p:cNvSpPr>
+            <a:spLocks noGrp="1"/>
+          </p:cNvSpPr>
+          <p:nvPr>
+            <p:ph type="title"/>
+          </p:nvPr>
+        </p:nvSpPr>
+        <p:spPr/>
+        <p:txBody>
+          <a:bodyPr/>
+          <a:lstStyle/>
+          <a:p>
+            <a:r>
+              <a:rPr lang="en-IN" b="1" dirty="0" smtClean="0"/>
+              <a:t>14.2 </a:t>
+            </a:r>
+            <a:r>
+              <a:rPr lang="en-IN" b="1" dirty="0" smtClean="0"/>
+              <a:t>: </a:t>
+            </a:r>
+            <a:r>
+              <a:rPr lang="en-IN" b="1" dirty="0" smtClean="0"/>
+              <a:t>Child to Parent Data Binding</a:t>
+            </a:r>
+            <a:endParaRPr lang="en-IN" b="1" dirty="0"/>
+          </a:p>
+        </p:txBody>
+      </p:sp>
+      <p:sp>
+        <p:nvSpPr>
+          <p:cNvPr id="2" name="Content Placeholder 1"/>
+          <p:cNvSpPr>
+            <a:spLocks noGrp="1"/>
+          </p:cNvSpPr>
+          <p:nvPr>
+            <p:ph idx="1"/>
+          </p:nvPr>
+        </p:nvSpPr>
+        <p:spPr>
+          <a:xfrm>
+            <a:off x="1154954" y="2603499"/>
+            <a:ext cx="10035785" cy="4012453"/>
+          </a:xfrm>
+        </p:spPr>
+        <p:txBody>
+          <a:bodyPr>
+            <a:normAutofit/>
+          </a:bodyPr>
+          <a:lstStyle/>
+          <a:p>
+            <a:r>
+              <a:rPr lang="en-IN" dirty="0" smtClean="0"/>
+              <a:t>Parent component to child component data binding is easy, because we are having the child component selector in parent component. In that we can easy pass data.</a:t>
+            </a:r>
+          </a:p>
+          <a:p>
+            <a:r>
+              <a:rPr lang="en-IN" dirty="0" smtClean="0"/>
+              <a:t>But in child component we don’t have parent component tag so we cant do like that</a:t>
+            </a:r>
+          </a:p>
+          <a:p>
+            <a:r>
+              <a:rPr lang="en-IN" dirty="0" smtClean="0"/>
+              <a:t>We have to create a </a:t>
+            </a:r>
+            <a:r>
+              <a:rPr lang="en-IN" dirty="0" err="1" smtClean="0"/>
+              <a:t>EventEmitter</a:t>
+            </a:r>
+            <a:r>
+              <a:rPr lang="en-IN" dirty="0" smtClean="0"/>
+              <a:t> and emit it to parent component using the decorator @Output. </a:t>
+            </a:r>
+          </a:p>
+          <a:p>
+            <a:r>
+              <a:rPr lang="en-IN" dirty="0" smtClean="0"/>
+              <a:t>Create a event to trigger the Emitter like button click and then have to get the value in parent component like normal event binding</a:t>
+            </a:r>
+          </a:p>
+          <a:p>
+            <a:pPr marL="0" indent="0" algn="r">
+              <a:buNone/>
+            </a:pPr>
+            <a:endParaRPr lang="en-IN" dirty="0" smtClean="0"/>
+          </a:p>
+          <a:p>
+            <a:pPr marL="0" indent="0" algn="r">
+              <a:buNone/>
+            </a:pPr>
+            <a:endParaRPr lang="en-IN" dirty="0"/>
+          </a:p>
+          <a:p>
+            <a:pPr marL="0" indent="0" algn="r">
+              <a:buNone/>
+            </a:pPr>
+            <a:r>
+              <a:rPr lang="en-IN" dirty="0" smtClean="0"/>
+              <a:t>See example in next slide </a:t>
+            </a:r>
+            <a:r>
+              <a:rPr lang="en-IN" dirty="0" smtClean="0">
+                <a:sym typeface="Wingdings" panose="05000000000000000000" pitchFamily="2" charset="2"/>
+              </a:rPr>
+              <a:t></a:t>
+            </a:r>
+            <a:endParaRPr lang="en-IN" dirty="0"/>
+          </a:p>
+        </p:txBody>
+      </p:sp>
+      <p:sp>
+        <p:nvSpPr>
+          <p:cNvPr id="6" name="Slide Number Placeholder 5"/>
+          <p:cNvSpPr>
+            <a:spLocks noGrp="1"/>
+          </p:cNvSpPr>
+          <p:nvPr>
+            <p:ph type="sldNum" sz="quarter" idx="12"/>
+          </p:nvPr>
+        </p:nvSpPr>
+        <p:spPr/>
+        <p:txBody>
+          <a:bodyPr/>
+          <a:lstStyle/>
+          <a:p>
+            <a:fld id="{6D22F896-40B5-4ADD-8801-0D06FADFA095}" type="slidenum">
+              <a:rPr lang="en-US" smtClean="0"/>
+              <a:t>67</a:t>
+            </a:fld>
+            <a:endParaRPr lang="en-US" dirty="0"/>
+          </a:p>
+        </p:txBody>
+      </p:sp>
+    </p:spTree>
+    <p:extLst>
+      <p:ext uri="{BB962C8B-B14F-4D97-AF65-F5344CB8AC3E}">
+        <p14:creationId xmlns:p14="http://schemas.microsoft.com/office/powerpoint/2010/main" val="3681148937"/>
+      </p:ext>
+    </p:extLst>
+  </p:cSld>
+  <p:clrMapOvr>
+    <a:masterClrMapping/>
+  </p:clrMapOvr>
+  <p:timing>
+    <p:tnLst>
+      <p:par>
+        <p:cTn id="1" dur="indefinite" restart="never" nodeType="tmRoot"/>
+      </p:par>
+    </p:tnLst>
+  </p:timing>
+</p:sld>
+</file>
+
+<file path=ppt/slides/slide68.xml><?xml version="1.0" encoding="utf-8"?>
+<p:sld xmlns:a="http://schemas.openxmlformats.org/drawingml/2006/main" xmlns:r="http://schemas.openxmlformats.org/officeDocument/2006/relationships" xmlns:p="http://schemas.openxmlformats.org/presentationml/2006/main">
+  <p:cSld>
+    <p:spTree>
+      <p:nvGrpSpPr>
+        <p:cNvPr id="1" name=""/>
+        <p:cNvGrpSpPr/>
+        <p:nvPr/>
+      </p:nvGrpSpPr>
+      <p:grpSpPr>
+        <a:xfrm>
+          <a:off x="0" y="0"/>
+          <a:ext cx="0" cy="0"/>
+          <a:chOff x="0" y="0"/>
+          <a:chExt cx="0" cy="0"/>
+        </a:xfrm>
+      </p:grpSpPr>
+      <p:sp>
+        <p:nvSpPr>
+          <p:cNvPr id="6" name="Slide Number Placeholder 5"/>
+          <p:cNvSpPr>
+            <a:spLocks noGrp="1"/>
+          </p:cNvSpPr>
+          <p:nvPr>
+            <p:ph type="sldNum" sz="quarter" idx="12"/>
+          </p:nvPr>
+        </p:nvSpPr>
+        <p:spPr/>
+        <p:txBody>
+          <a:bodyPr/>
+          <a:lstStyle/>
+          <a:p>
+            <a:fld id="{6D22F896-40B5-4ADD-8801-0D06FADFA095}" type="slidenum">
+              <a:rPr lang="en-US" smtClean="0"/>
+              <a:t>68</a:t>
+            </a:fld>
+            <a:endParaRPr lang="en-US" dirty="0"/>
+          </a:p>
+        </p:txBody>
+      </p:sp>
+      <p:pic>
+        <p:nvPicPr>
+          <p:cNvPr id="5" name="Picture 4"/>
+          <p:cNvPicPr>
+            <a:picLocks noChangeAspect="1"/>
+          </p:cNvPicPr>
+          <p:nvPr/>
+        </p:nvPicPr>
+        <p:blipFill>
+          <a:blip r:embed="rId2"/>
+          <a:stretch>
+            <a:fillRect/>
+          </a:stretch>
+        </p:blipFill>
+        <p:spPr>
+          <a:xfrm>
+            <a:off x="0" y="0"/>
+            <a:ext cx="7248525" cy="3362325"/>
+          </a:xfrm>
+          <a:prstGeom prst="rect">
+            <a:avLst/>
+          </a:prstGeom>
+        </p:spPr>
+      </p:pic>
+      <p:sp>
+        <p:nvSpPr>
+          <p:cNvPr id="7" name="Rectangle 6"/>
+          <p:cNvSpPr/>
+          <p:nvPr/>
+        </p:nvSpPr>
+        <p:spPr>
+          <a:xfrm>
+            <a:off x="91717" y="28010"/>
+            <a:ext cx="1050709" cy="281166"/>
+          </a:xfrm>
+          <a:prstGeom prst="rect">
+            <a:avLst/>
+          </a:prstGeom>
+          <a:noFill/>
+          <a:ln w="28575">
+            <a:solidFill>
+              <a:srgbClr val="FFFF00"/>
+            </a:solidFill>
+          </a:ln>
+        </p:spPr>
+        <p:style>
+          <a:lnRef idx="2">
+            <a:schemeClr val="accent1">
+              <a:shade val="50000"/>
+            </a:schemeClr>
+          </a:lnRef>
+          <a:fillRef idx="1">
+            <a:schemeClr val="accent1"/>
+          </a:fillRef>
+          <a:effectRef idx="0">
+            <a:schemeClr val="accent1"/>
+          </a:effectRef>
+          <a:fontRef idx="minor">
+            <a:schemeClr val="lt1"/>
+          </a:fontRef>
+        </p:style>
+        <p:txBody>
+          <a:bodyPr rtlCol="0" anchor="ctr"/>
+          <a:lstStyle/>
+          <a:p>
+            <a:pPr algn="ctr"/>
+            <a:endParaRPr lang="en-IN"/>
+          </a:p>
+        </p:txBody>
+      </p:sp>
+      <p:pic>
+        <p:nvPicPr>
+          <p:cNvPr id="8" name="Picture 7"/>
+          <p:cNvPicPr>
+            <a:picLocks noChangeAspect="1"/>
+          </p:cNvPicPr>
+          <p:nvPr/>
+        </p:nvPicPr>
+        <p:blipFill>
+          <a:blip r:embed="rId3"/>
+          <a:stretch>
+            <a:fillRect/>
+          </a:stretch>
+        </p:blipFill>
+        <p:spPr>
+          <a:xfrm>
+            <a:off x="0" y="3362325"/>
+            <a:ext cx="5848350" cy="3390900"/>
+          </a:xfrm>
+          <a:prstGeom prst="rect">
+            <a:avLst/>
+          </a:prstGeom>
+        </p:spPr>
+      </p:pic>
+      <p:sp>
+        <p:nvSpPr>
+          <p:cNvPr id="9" name="Rectangle 8"/>
+          <p:cNvSpPr/>
+          <p:nvPr/>
+        </p:nvSpPr>
+        <p:spPr>
+          <a:xfrm>
+            <a:off x="51375" y="3390335"/>
+            <a:ext cx="1050709" cy="281166"/>
+          </a:xfrm>
+          <a:prstGeom prst="rect">
+            <a:avLst/>
+          </a:prstGeom>
+          <a:noFill/>
+          <a:ln w="28575">
+            <a:solidFill>
+              <a:srgbClr val="FFFF00"/>
+            </a:solidFill>
+          </a:ln>
+        </p:spPr>
+        <p:style>
+          <a:lnRef idx="2">
+            <a:schemeClr val="accent1">
+              <a:shade val="50000"/>
+            </a:schemeClr>
+          </a:lnRef>
+          <a:fillRef idx="1">
+            <a:schemeClr val="accent1"/>
+          </a:fillRef>
+          <a:effectRef idx="0">
+            <a:schemeClr val="accent1"/>
+          </a:effectRef>
+          <a:fontRef idx="minor">
+            <a:schemeClr val="lt1"/>
+          </a:fontRef>
+        </p:style>
+        <p:txBody>
+          <a:bodyPr rtlCol="0" anchor="ctr"/>
+          <a:lstStyle/>
+          <a:p>
+            <a:pPr algn="ctr"/>
+            <a:endParaRPr lang="en-IN"/>
+          </a:p>
+        </p:txBody>
+      </p:sp>
+      <p:pic>
+        <p:nvPicPr>
+          <p:cNvPr id="10" name="Picture 9"/>
+          <p:cNvPicPr>
+            <a:picLocks noChangeAspect="1"/>
+          </p:cNvPicPr>
+          <p:nvPr/>
+        </p:nvPicPr>
+        <p:blipFill>
+          <a:blip r:embed="rId4"/>
+          <a:stretch>
+            <a:fillRect/>
+          </a:stretch>
+        </p:blipFill>
+        <p:spPr>
+          <a:xfrm>
+            <a:off x="7809364" y="1748397"/>
+            <a:ext cx="2962275" cy="1009650"/>
+          </a:xfrm>
+          <a:prstGeom prst="rect">
+            <a:avLst/>
+          </a:prstGeom>
+          <a:ln>
+            <a:solidFill>
+              <a:schemeClr val="bg1">
+                <a:lumMod val="50000"/>
+              </a:schemeClr>
+            </a:solidFill>
+          </a:ln>
+        </p:spPr>
+      </p:pic>
+      <p:pic>
+        <p:nvPicPr>
+          <p:cNvPr id="11" name="Picture 10"/>
+          <p:cNvPicPr>
+            <a:picLocks noChangeAspect="1"/>
+          </p:cNvPicPr>
+          <p:nvPr/>
+        </p:nvPicPr>
+        <p:blipFill>
+          <a:blip r:embed="rId5"/>
+          <a:stretch>
+            <a:fillRect/>
+          </a:stretch>
+        </p:blipFill>
+        <p:spPr>
+          <a:xfrm>
+            <a:off x="7637913" y="4160357"/>
+            <a:ext cx="3305175" cy="1362075"/>
+          </a:xfrm>
+          <a:prstGeom prst="rect">
+            <a:avLst/>
+          </a:prstGeom>
+          <a:ln>
+            <a:solidFill>
+              <a:schemeClr val="bg1">
+                <a:lumMod val="50000"/>
+              </a:schemeClr>
+            </a:solidFill>
+          </a:ln>
+        </p:spPr>
+      </p:pic>
+      <p:cxnSp>
+        <p:nvCxnSpPr>
+          <p:cNvPr id="15" name="Straight Arrow Connector 14"/>
+          <p:cNvCxnSpPr>
+            <a:stCxn id="10" idx="2"/>
+            <a:endCxn id="11" idx="0"/>
+          </p:cNvCxnSpPr>
+          <p:nvPr/>
+        </p:nvCxnSpPr>
+        <p:spPr>
+          <a:xfrm flipH="1">
+            <a:off x="9290501" y="2758047"/>
+            <a:ext cx="1" cy="1402310"/>
+          </a:xfrm>
+          <a:prstGeom prst="straightConnector1">
+            <a:avLst/>
+          </a:prstGeom>
+          <a:ln>
+            <a:tailEnd type="triangle"/>
+          </a:ln>
+        </p:spPr>
+        <p:style>
+          <a:lnRef idx="1">
+            <a:schemeClr val="accent1"/>
+          </a:lnRef>
+          <a:fillRef idx="0">
+            <a:schemeClr val="accent1"/>
+          </a:fillRef>
+          <a:effectRef idx="0">
+            <a:schemeClr val="accent1"/>
+          </a:effectRef>
+          <a:fontRef idx="minor">
+            <a:schemeClr val="tx1"/>
+          </a:fontRef>
+        </p:style>
+      </p:cxnSp>
+      <p:sp>
+        <p:nvSpPr>
+          <p:cNvPr id="16" name="TextBox 15"/>
+          <p:cNvSpPr txBox="1"/>
+          <p:nvPr/>
+        </p:nvSpPr>
+        <p:spPr>
+          <a:xfrm>
+            <a:off x="8586621" y="3320702"/>
+            <a:ext cx="1407758" cy="276999"/>
+          </a:xfrm>
+          <a:prstGeom prst="rect">
+            <a:avLst/>
+          </a:prstGeom>
+          <a:solidFill>
+            <a:srgbClr val="00B0F0"/>
+          </a:solidFill>
+        </p:spPr>
+        <p:txBody>
+          <a:bodyPr wrap="none" rtlCol="0">
+            <a:spAutoFit/>
+          </a:bodyPr>
+          <a:lstStyle/>
+          <a:p>
+            <a:r>
+              <a:rPr lang="en-IN" sz="1200" b="1" dirty="0" smtClean="0"/>
+              <a:t>After Click Event</a:t>
+            </a:r>
+            <a:endParaRPr lang="en-IN" sz="1200" b="1" dirty="0"/>
+          </a:p>
+        </p:txBody>
+      </p:sp>
+      <p:cxnSp>
+        <p:nvCxnSpPr>
+          <p:cNvPr id="17" name="Straight Arrow Connector 16"/>
+          <p:cNvCxnSpPr/>
+          <p:nvPr/>
+        </p:nvCxnSpPr>
+        <p:spPr>
+          <a:xfrm flipH="1" flipV="1">
+            <a:off x="3213847" y="1425389"/>
+            <a:ext cx="4706471" cy="981635"/>
+          </a:xfrm>
+          <a:prstGeom prst="straightConnector1">
+            <a:avLst/>
+          </a:prstGeom>
+          <a:ln w="28575">
+            <a:solidFill>
+              <a:srgbClr val="FFFF00"/>
+            </a:solidFill>
+            <a:tailEnd type="triangle"/>
+          </a:ln>
+        </p:spPr>
+        <p:style>
+          <a:lnRef idx="1">
+            <a:schemeClr val="accent1"/>
+          </a:lnRef>
+          <a:fillRef idx="0">
+            <a:schemeClr val="accent1"/>
+          </a:fillRef>
+          <a:effectRef idx="0">
+            <a:schemeClr val="accent1"/>
+          </a:effectRef>
+          <a:fontRef idx="minor">
+            <a:schemeClr val="tx1"/>
+          </a:fontRef>
+        </p:style>
+      </p:cxnSp>
+      <p:cxnSp>
+        <p:nvCxnSpPr>
+          <p:cNvPr id="20" name="Straight Arrow Connector 19"/>
+          <p:cNvCxnSpPr/>
+          <p:nvPr/>
+        </p:nvCxnSpPr>
+        <p:spPr>
+          <a:xfrm flipH="1">
+            <a:off x="1586753" y="1425389"/>
+            <a:ext cx="2407023" cy="1089211"/>
+          </a:xfrm>
+          <a:prstGeom prst="straightConnector1">
+            <a:avLst/>
+          </a:prstGeom>
+          <a:ln w="28575">
+            <a:solidFill>
+              <a:srgbClr val="FFFF00"/>
+            </a:solidFill>
+            <a:tailEnd type="triangle"/>
+          </a:ln>
+        </p:spPr>
+        <p:style>
+          <a:lnRef idx="1">
+            <a:schemeClr val="accent1"/>
+          </a:lnRef>
+          <a:fillRef idx="0">
+            <a:schemeClr val="accent1"/>
+          </a:fillRef>
+          <a:effectRef idx="0">
+            <a:schemeClr val="accent1"/>
+          </a:effectRef>
+          <a:fontRef idx="minor">
+            <a:schemeClr val="tx1"/>
+          </a:fontRef>
+        </p:style>
+      </p:cxnSp>
+      <p:sp>
+        <p:nvSpPr>
+          <p:cNvPr id="24" name="Rectangle 23"/>
+          <p:cNvSpPr/>
+          <p:nvPr/>
+        </p:nvSpPr>
+        <p:spPr>
+          <a:xfrm>
+            <a:off x="922378" y="2138639"/>
+            <a:ext cx="955190" cy="255605"/>
+          </a:xfrm>
+          <a:prstGeom prst="rect">
+            <a:avLst/>
+          </a:prstGeom>
+          <a:noFill/>
+          <a:ln w="28575">
+            <a:solidFill>
+              <a:schemeClr val="bg1"/>
+            </a:solidFill>
+          </a:ln>
+        </p:spPr>
+        <p:style>
+          <a:lnRef idx="2">
+            <a:schemeClr val="accent1">
+              <a:shade val="50000"/>
+            </a:schemeClr>
+          </a:lnRef>
+          <a:fillRef idx="1">
+            <a:schemeClr val="accent1"/>
+          </a:fillRef>
+          <a:effectRef idx="0">
+            <a:schemeClr val="accent1"/>
+          </a:effectRef>
+          <a:fontRef idx="minor">
+            <a:schemeClr val="lt1"/>
+          </a:fontRef>
+        </p:style>
+        <p:txBody>
+          <a:bodyPr rtlCol="0" anchor="ctr"/>
+          <a:lstStyle/>
+          <a:p>
+            <a:pPr algn="ctr"/>
+            <a:endParaRPr lang="en-IN"/>
+          </a:p>
+        </p:txBody>
+      </p:sp>
+      <p:cxnSp>
+        <p:nvCxnSpPr>
+          <p:cNvPr id="25" name="Straight Arrow Connector 24"/>
+          <p:cNvCxnSpPr/>
+          <p:nvPr/>
+        </p:nvCxnSpPr>
+        <p:spPr>
+          <a:xfrm>
+            <a:off x="2151529" y="2758047"/>
+            <a:ext cx="309284" cy="2445965"/>
+          </a:xfrm>
+          <a:prstGeom prst="straightConnector1">
+            <a:avLst/>
+          </a:prstGeom>
+          <a:ln w="28575">
+            <a:solidFill>
+              <a:srgbClr val="FFFF00"/>
+            </a:solidFill>
+            <a:tailEnd type="triangle"/>
+          </a:ln>
+        </p:spPr>
+        <p:style>
+          <a:lnRef idx="1">
+            <a:schemeClr val="accent1"/>
+          </a:lnRef>
+          <a:fillRef idx="0">
+            <a:schemeClr val="accent1"/>
+          </a:fillRef>
+          <a:effectRef idx="0">
+            <a:schemeClr val="accent1"/>
+          </a:effectRef>
+          <a:fontRef idx="minor">
+            <a:schemeClr val="tx1"/>
+          </a:fontRef>
+        </p:style>
+      </p:cxnSp>
+      <p:cxnSp>
+        <p:nvCxnSpPr>
+          <p:cNvPr id="28" name="Straight Arrow Connector 27"/>
+          <p:cNvCxnSpPr/>
+          <p:nvPr/>
+        </p:nvCxnSpPr>
+        <p:spPr>
+          <a:xfrm flipH="1" flipV="1">
+            <a:off x="1877569" y="4999862"/>
+            <a:ext cx="139490" cy="1295807"/>
+          </a:xfrm>
+          <a:prstGeom prst="straightConnector1">
+            <a:avLst/>
+          </a:prstGeom>
+          <a:ln w="28575">
+            <a:solidFill>
+              <a:srgbClr val="FFFF00"/>
+            </a:solidFill>
+            <a:tailEnd type="triangle"/>
+          </a:ln>
+        </p:spPr>
+        <p:style>
+          <a:lnRef idx="1">
+            <a:schemeClr val="accent1"/>
+          </a:lnRef>
+          <a:fillRef idx="0">
+            <a:schemeClr val="accent1"/>
+          </a:fillRef>
+          <a:effectRef idx="0">
+            <a:schemeClr val="accent1"/>
+          </a:effectRef>
+          <a:fontRef idx="minor">
+            <a:schemeClr val="tx1"/>
+          </a:fontRef>
+        </p:style>
+      </p:cxnSp>
+      <p:cxnSp>
+        <p:nvCxnSpPr>
+          <p:cNvPr id="31" name="Straight Arrow Connector 30"/>
+          <p:cNvCxnSpPr/>
+          <p:nvPr/>
+        </p:nvCxnSpPr>
+        <p:spPr>
+          <a:xfrm flipH="1">
+            <a:off x="2017059" y="5204012"/>
+            <a:ext cx="1506070" cy="1143000"/>
+          </a:xfrm>
+          <a:prstGeom prst="straightConnector1">
+            <a:avLst/>
+          </a:prstGeom>
+          <a:ln w="28575">
+            <a:solidFill>
+              <a:srgbClr val="FFFF00"/>
+            </a:solidFill>
+            <a:tailEnd type="triangle"/>
+          </a:ln>
+        </p:spPr>
+        <p:style>
+          <a:lnRef idx="1">
+            <a:schemeClr val="accent1"/>
+          </a:lnRef>
+          <a:fillRef idx="0">
+            <a:schemeClr val="accent1"/>
+          </a:fillRef>
+          <a:effectRef idx="0">
+            <a:schemeClr val="accent1"/>
+          </a:effectRef>
+          <a:fontRef idx="minor">
+            <a:schemeClr val="tx1"/>
+          </a:fontRef>
+        </p:style>
+      </p:cxnSp>
+      <p:cxnSp>
+        <p:nvCxnSpPr>
+          <p:cNvPr id="34" name="Straight Arrow Connector 33"/>
+          <p:cNvCxnSpPr/>
+          <p:nvPr/>
+        </p:nvCxnSpPr>
+        <p:spPr>
+          <a:xfrm flipV="1">
+            <a:off x="1877568" y="4881282"/>
+            <a:ext cx="5931796" cy="118580"/>
+          </a:xfrm>
+          <a:prstGeom prst="straightConnector1">
+            <a:avLst/>
+          </a:prstGeom>
+          <a:ln w="28575">
+            <a:solidFill>
+              <a:srgbClr val="FFFF00"/>
+            </a:solidFill>
+            <a:tailEnd type="triangle"/>
+          </a:ln>
+        </p:spPr>
+        <p:style>
+          <a:lnRef idx="1">
+            <a:schemeClr val="accent1"/>
+          </a:lnRef>
+          <a:fillRef idx="0">
+            <a:schemeClr val="accent1"/>
+          </a:fillRef>
+          <a:effectRef idx="0">
+            <a:schemeClr val="accent1"/>
+          </a:effectRef>
+          <a:fontRef idx="minor">
+            <a:schemeClr val="tx1"/>
+          </a:fontRef>
+        </p:style>
+      </p:cxnSp>
+    </p:spTree>
+    <p:extLst>
+      <p:ext uri="{BB962C8B-B14F-4D97-AF65-F5344CB8AC3E}">
+        <p14:creationId xmlns:p14="http://schemas.microsoft.com/office/powerpoint/2010/main" val="586393152"/>
       </p:ext>
     </p:extLst>
   </p:cSld>

--- a/Angular Presentation.pptx
+++ b/Angular Presentation.pptx
@@ -5,7 +5,7 @@
     <p:sldMasterId id="2147483723" r:id="rId1"/>
   </p:sldMasterIdLst>
   <p:notesMasterIdLst>
-    <p:notesMasterId r:id="rId70"/>
+    <p:notesMasterId r:id="rId72"/>
   </p:notesMasterIdLst>
   <p:sldIdLst>
     <p:sldId id="256" r:id="rId2"/>
@@ -76,6 +76,8 @@
     <p:sldId id="346" r:id="rId67"/>
     <p:sldId id="347" r:id="rId68"/>
     <p:sldId id="348" r:id="rId69"/>
+    <p:sldId id="350" r:id="rId70"/>
+    <p:sldId id="351" r:id="rId71"/>
   </p:sldIdLst>
   <p:sldSz cx="12192000" cy="6858000"/>
   <p:notesSz cx="6858000" cy="9144000"/>
@@ -264,7 +266,7 @@
           <a:p>
             <a:fld id="{9EEB2765-BDCF-4C68-BDEE-41431D54A0E1}" type="datetimeFigureOut">
               <a:rPr lang="en-IN" smtClean="0"/>
-              <a:t>06-05-2019</a:t>
+              <a:t>07-05-2019</a:t>
             </a:fld>
             <a:endParaRPr lang="en-IN"/>
           </a:p>
@@ -31732,19 +31734,7 @@
           <a:p>
             <a:r>
               <a:rPr lang="en-IN" b="1" dirty="0" smtClean="0"/>
-              <a:t>Chapter </a:t>
-            </a:r>
-            <a:r>
-              <a:rPr lang="en-IN" b="1" dirty="0" smtClean="0"/>
-              <a:t>10 </a:t>
-            </a:r>
-            <a:r>
-              <a:rPr lang="en-IN" b="1" dirty="0" smtClean="0"/>
-              <a:t>: </a:t>
-            </a:r>
-            <a:r>
-              <a:rPr lang="en-IN" b="1" dirty="0" smtClean="0"/>
-              <a:t>Event Binding()</a:t>
+              <a:t>Chapter 10 : Event Binding()</a:t>
             </a:r>
             <a:endParaRPr lang="en-IN" b="1" dirty="0"/>
           </a:p>
@@ -31780,7 +31770,6 @@
               <a:rPr lang="en-IN" sz="2400" dirty="0" smtClean="0"/>
               <a:t>Data Binding Vs Event Binding</a:t>
             </a:r>
-            <a:endParaRPr lang="en-IN" sz="2400" dirty="0" smtClean="0"/>
           </a:p>
           <a:p>
             <a:pPr marL="342900" indent="-342900">
@@ -31919,11 +31908,7 @@
           <a:p>
             <a:r>
               <a:rPr lang="en-IN" b="1" dirty="0" smtClean="0"/>
-              <a:t>10.1 Data Binding Vs </a:t>
-            </a:r>
-            <a:r>
-              <a:rPr lang="en-IN" b="1" dirty="0" smtClean="0"/>
-              <a:t>Event Binding</a:t>
+              <a:t>10.1 Data Binding Vs Event Binding</a:t>
             </a:r>
             <a:endParaRPr lang="en-IN" sz="2000" dirty="0"/>
           </a:p>
@@ -32353,11 +32338,7 @@
           <a:p>
             <a:r>
               <a:rPr lang="en-IN" b="1" dirty="0" smtClean="0"/>
-              <a:t>10.2 </a:t>
-            </a:r>
-            <a:r>
-              <a:rPr lang="en-IN" b="1" dirty="0" smtClean="0"/>
-              <a:t>Event Binding : Example</a:t>
+              <a:t>10.2 Event Binding : Example</a:t>
             </a:r>
             <a:endParaRPr lang="en-IN" sz="2000" dirty="0"/>
           </a:p>
@@ -32821,11 +32802,7 @@
           <a:p>
             <a:r>
               <a:rPr lang="en-IN" b="1" dirty="0" smtClean="0"/>
-              <a:t>10.3 </a:t>
-            </a:r>
-            <a:r>
-              <a:rPr lang="en-IN" b="1" dirty="0" smtClean="0"/>
-              <a:t>Pass event as a parameter</a:t>
+              <a:t>10.3 Pass event as a parameter</a:t>
             </a:r>
             <a:endParaRPr lang="en-IN" sz="2000" dirty="0"/>
           </a:p>
@@ -33234,11 +33211,7 @@
           <a:p>
             <a:r>
               <a:rPr lang="en-IN" b="1" dirty="0" smtClean="0"/>
-              <a:t>10.4 </a:t>
-            </a:r>
-            <a:r>
-              <a:rPr lang="en-IN" b="1" dirty="0" smtClean="0"/>
-              <a:t>Inline Click Event</a:t>
+              <a:t>10.4 Inline Click Event</a:t>
             </a:r>
             <a:endParaRPr lang="en-IN" sz="2000" dirty="0"/>
           </a:p>
@@ -34155,11 +34128,7 @@
           <a:p>
             <a:r>
               <a:rPr lang="en-IN" b="1" dirty="0" smtClean="0"/>
-              <a:t>11.2 </a:t>
-            </a:r>
-            <a:r>
-              <a:rPr lang="en-IN" b="1" dirty="0" smtClean="0"/>
-              <a:t>Template Reference Variable</a:t>
+              <a:t>11.2 Template Reference Variable</a:t>
             </a:r>
             <a:endParaRPr lang="en-IN" sz="2000" dirty="0"/>
           </a:p>
@@ -34522,15 +34491,7 @@
           <a:p>
             <a:r>
               <a:rPr lang="en-IN" b="1" dirty="0" smtClean="0"/>
-              <a:t>12 </a:t>
-            </a:r>
-            <a:r>
-              <a:rPr lang="en-IN" b="1" dirty="0" smtClean="0"/>
-              <a:t>: </a:t>
-            </a:r>
-            <a:r>
-              <a:rPr lang="en-IN" b="1" dirty="0" smtClean="0"/>
-              <a:t>Two Way Binding</a:t>
+              <a:t>12 : Two Way Binding</a:t>
             </a:r>
             <a:endParaRPr lang="en-IN" b="1" dirty="0"/>
           </a:p>
@@ -35340,15 +35301,7 @@
           <a:p>
             <a:r>
               <a:rPr lang="en-IN" b="1" dirty="0" smtClean="0"/>
-              <a:t>12 </a:t>
-            </a:r>
-            <a:r>
-              <a:rPr lang="en-IN" b="1" dirty="0" smtClean="0"/>
-              <a:t>: </a:t>
-            </a:r>
-            <a:r>
-              <a:rPr lang="en-IN" b="1" dirty="0" smtClean="0"/>
-              <a:t>Two Way Binding</a:t>
+              <a:t>12 : Two Way Binding</a:t>
             </a:r>
             <a:endParaRPr lang="en-IN" b="1" dirty="0"/>
           </a:p>
@@ -35700,15 +35653,7 @@
           <a:p>
             <a:r>
               <a:rPr lang="en-IN" b="1" dirty="0" smtClean="0"/>
-              <a:t>13 </a:t>
-            </a:r>
-            <a:r>
-              <a:rPr lang="en-IN" b="1" dirty="0" smtClean="0"/>
-              <a:t>: </a:t>
-            </a:r>
-            <a:r>
-              <a:rPr lang="en-IN" b="1" dirty="0" smtClean="0"/>
-              <a:t>Structural Directives</a:t>
+              <a:t>13 : Structural Directives</a:t>
             </a:r>
             <a:endParaRPr lang="en-IN" b="1" dirty="0"/>
           </a:p>
@@ -35742,13 +35687,8 @@
             </a:pPr>
             <a:r>
               <a:rPr lang="en-IN" sz="2400" dirty="0" smtClean="0"/>
-              <a:t>Structural </a:t>
-            </a:r>
-            <a:r>
-              <a:rPr lang="en-IN" sz="2400" dirty="0" smtClean="0"/>
-              <a:t>Directives are directives that let us add or remove HTML elements from the DOM</a:t>
-            </a:r>
-            <a:endParaRPr lang="en-IN" sz="2400" dirty="0" smtClean="0"/>
+              <a:t>Structural Directives are directives that let us add or remove HTML elements from the DOM</a:t>
+            </a:r>
           </a:p>
           <a:p>
             <a:pPr marL="342900" indent="-342900">
@@ -35759,7 +35699,6 @@
               <a:rPr lang="en-IN" sz="2400" dirty="0" smtClean="0"/>
               <a:t>Common Built-In Structural Directives</a:t>
             </a:r>
-            <a:endParaRPr lang="en-IN" sz="2400" dirty="0" smtClean="0"/>
           </a:p>
           <a:p>
             <a:pPr marL="800100" lvl="1" indent="-342900">
@@ -35812,11 +35751,6 @@
               </a:rPr>
               <a:t>Element</a:t>
             </a:r>
-            <a:endParaRPr lang="en-IN" sz="2200" dirty="0" smtClean="0">
-              <a:solidFill>
-                <a:srgbClr val="00B0F0"/>
-              </a:solidFill>
-            </a:endParaRPr>
           </a:p>
           <a:p>
             <a:pPr marL="800100" lvl="1" indent="-342900">
@@ -36117,15 +36051,7 @@
           <a:p>
             <a:r>
               <a:rPr lang="en-IN" b="1" dirty="0" smtClean="0"/>
-              <a:t>13.1 </a:t>
-            </a:r>
-            <a:r>
-              <a:rPr lang="en-IN" b="1" dirty="0" smtClean="0"/>
-              <a:t>: </a:t>
-            </a:r>
-            <a:r>
-              <a:rPr lang="en-IN" b="1" dirty="0" smtClean="0"/>
-              <a:t>ng-If (*</a:t>
+              <a:t>13.1 : ng-If (*</a:t>
             </a:r>
             <a:r>
               <a:rPr lang="en-IN" b="1" dirty="0" err="1" smtClean="0"/>
@@ -36536,15 +36462,7 @@
           <a:p>
             <a:r>
               <a:rPr lang="en-IN" b="1" dirty="0" smtClean="0"/>
-              <a:t>13.2 </a:t>
-            </a:r>
-            <a:r>
-              <a:rPr lang="en-IN" b="1" dirty="0" smtClean="0"/>
-              <a:t>: </a:t>
-            </a:r>
-            <a:r>
-              <a:rPr lang="en-IN" b="1" dirty="0" smtClean="0"/>
-              <a:t>ng-If ; else</a:t>
+              <a:t>13.2 : ng-If ; else</a:t>
             </a:r>
             <a:endParaRPr lang="en-IN" b="1" dirty="0"/>
           </a:p>
@@ -36850,15 +36768,7 @@
           <a:p>
             <a:r>
               <a:rPr lang="en-IN" b="1" dirty="0" smtClean="0"/>
-              <a:t>13.3 </a:t>
-            </a:r>
-            <a:r>
-              <a:rPr lang="en-IN" b="1" dirty="0" smtClean="0"/>
-              <a:t>: </a:t>
-            </a:r>
-            <a:r>
-              <a:rPr lang="en-IN" b="1" dirty="0" smtClean="0"/>
-              <a:t>ng-If ; then; else</a:t>
+              <a:t>13.3 : ng-If ; then; else</a:t>
             </a:r>
             <a:endParaRPr lang="en-IN" b="1" dirty="0"/>
           </a:p>
@@ -37195,15 +37105,7 @@
           <a:p>
             <a:r>
               <a:rPr lang="en-IN" b="1" dirty="0" smtClean="0"/>
-              <a:t>13.4 </a:t>
-            </a:r>
-            <a:r>
-              <a:rPr lang="en-IN" b="1" dirty="0" smtClean="0"/>
-              <a:t>: </a:t>
-            </a:r>
-            <a:r>
-              <a:rPr lang="en-IN" b="1" dirty="0" smtClean="0"/>
-              <a:t>ng-switch</a:t>
+              <a:t>13.4 : ng-switch</a:t>
             </a:r>
             <a:endParaRPr lang="en-IN" b="1" dirty="0"/>
           </a:p>
@@ -37442,15 +37344,7 @@
           <a:p>
             <a:r>
               <a:rPr lang="en-IN" b="1" dirty="0" smtClean="0"/>
-              <a:t>13.5 </a:t>
-            </a:r>
-            <a:r>
-              <a:rPr lang="en-IN" b="1" dirty="0" smtClean="0"/>
-              <a:t>: </a:t>
-            </a:r>
-            <a:r>
-              <a:rPr lang="en-IN" b="1" dirty="0" smtClean="0"/>
-              <a:t>ng-for</a:t>
+              <a:t>13.5 : ng-for</a:t>
             </a:r>
             <a:endParaRPr lang="en-IN" b="1" dirty="0"/>
           </a:p>
@@ -37698,15 +37592,7 @@
           <a:p>
             <a:r>
               <a:rPr lang="en-IN" b="1" dirty="0" smtClean="0"/>
-              <a:t>14 </a:t>
-            </a:r>
-            <a:r>
-              <a:rPr lang="en-IN" b="1" dirty="0" smtClean="0"/>
-              <a:t>: </a:t>
-            </a:r>
-            <a:r>
-              <a:rPr lang="en-IN" b="1" dirty="0" smtClean="0"/>
-              <a:t>Component Interaction </a:t>
+              <a:t>14 : Component Interaction </a:t>
             </a:r>
             <a:br>
               <a:rPr lang="en-IN" b="1" dirty="0" smtClean="0"/>
@@ -38839,15 +38725,7 @@
           <a:p>
             <a:r>
               <a:rPr lang="en-IN" b="1" dirty="0" smtClean="0"/>
-              <a:t>14.2 </a:t>
-            </a:r>
-            <a:r>
-              <a:rPr lang="en-IN" b="1" dirty="0" smtClean="0"/>
-              <a:t>: </a:t>
-            </a:r>
-            <a:r>
-              <a:rPr lang="en-IN" b="1" dirty="0" smtClean="0"/>
-              <a:t>Child to Parent Data Binding</a:t>
+              <a:t>14.2 : Child to Parent Data Binding</a:t>
             </a:r>
             <a:endParaRPr lang="en-IN" b="1" dirty="0"/>
           </a:p>
@@ -39571,6 +39449,588 @@
 </p:sld>
 </file>
 
+<file path=ppt/slides/slide69.xml><?xml version="1.0" encoding="utf-8"?>
+<p:sld xmlns:a="http://schemas.openxmlformats.org/drawingml/2006/main" xmlns:r="http://schemas.openxmlformats.org/officeDocument/2006/relationships" xmlns:p="http://schemas.openxmlformats.org/presentationml/2006/main">
+  <p:cSld>
+    <p:spTree>
+      <p:nvGrpSpPr>
+        <p:cNvPr id="1" name=""/>
+        <p:cNvGrpSpPr/>
+        <p:nvPr/>
+      </p:nvGrpSpPr>
+      <p:grpSpPr>
+        <a:xfrm>
+          <a:off x="0" y="0"/>
+          <a:ext cx="0" cy="0"/>
+          <a:chOff x="0" y="0"/>
+          <a:chExt cx="0" cy="0"/>
+        </a:xfrm>
+      </p:grpSpPr>
+      <p:sp>
+        <p:nvSpPr>
+          <p:cNvPr id="2" name="Title 1"/>
+          <p:cNvSpPr>
+            <a:spLocks noGrp="1"/>
+          </p:cNvSpPr>
+          <p:nvPr>
+            <p:ph type="title"/>
+          </p:nvPr>
+        </p:nvSpPr>
+        <p:spPr/>
+        <p:txBody>
+          <a:bodyPr/>
+          <a:lstStyle/>
+          <a:p>
+            <a:r>
+              <a:rPr lang="en-IN" b="1" dirty="0" smtClean="0"/>
+              <a:t>15 Pipes</a:t>
+            </a:r>
+            <a:endParaRPr lang="en-IN" b="1" dirty="0"/>
+          </a:p>
+        </p:txBody>
+      </p:sp>
+      <p:sp>
+        <p:nvSpPr>
+          <p:cNvPr id="4" name="Date Placeholder 3"/>
+          <p:cNvSpPr>
+            <a:spLocks noGrp="1"/>
+          </p:cNvSpPr>
+          <p:nvPr>
+            <p:ph type="dt" sz="half" idx="10"/>
+          </p:nvPr>
+        </p:nvSpPr>
+        <p:spPr/>
+        <p:txBody>
+          <a:bodyPr/>
+          <a:lstStyle/>
+          <a:p>
+            <a:r>
+              <a:rPr lang="en-US" smtClean="0"/>
+              <a:t>5/6/2019</a:t>
+            </a:r>
+            <a:endParaRPr lang="en-US" dirty="0"/>
+          </a:p>
+        </p:txBody>
+      </p:sp>
+      <p:sp>
+        <p:nvSpPr>
+          <p:cNvPr id="5" name="Slide Number Placeholder 4"/>
+          <p:cNvSpPr>
+            <a:spLocks noGrp="1"/>
+          </p:cNvSpPr>
+          <p:nvPr>
+            <p:ph type="sldNum" sz="quarter" idx="12"/>
+          </p:nvPr>
+        </p:nvSpPr>
+        <p:spPr/>
+        <p:txBody>
+          <a:bodyPr/>
+          <a:lstStyle/>
+          <a:p>
+            <a:fld id="{6D22F896-40B5-4ADD-8801-0D06FADFA095}" type="slidenum">
+              <a:rPr lang="en-US" smtClean="0"/>
+              <a:t>69</a:t>
+            </a:fld>
+            <a:endParaRPr lang="en-US" dirty="0"/>
+          </a:p>
+        </p:txBody>
+      </p:sp>
+      <p:pic>
+        <p:nvPicPr>
+          <p:cNvPr id="6" name="Picture 5"/>
+          <p:cNvPicPr>
+            <a:picLocks noChangeAspect="1"/>
+          </p:cNvPicPr>
+          <p:nvPr/>
+        </p:nvPicPr>
+        <p:blipFill>
+          <a:blip r:embed="rId2"/>
+          <a:stretch>
+            <a:fillRect/>
+          </a:stretch>
+        </p:blipFill>
+        <p:spPr>
+          <a:xfrm>
+            <a:off x="1154954" y="2449385"/>
+            <a:ext cx="3567113" cy="4247252"/>
+          </a:xfrm>
+          <a:prstGeom prst="rect">
+            <a:avLst/>
+          </a:prstGeom>
+        </p:spPr>
+      </p:pic>
+      <p:pic>
+        <p:nvPicPr>
+          <p:cNvPr id="7" name="Picture 6"/>
+          <p:cNvPicPr>
+            <a:picLocks noChangeAspect="1"/>
+          </p:cNvPicPr>
+          <p:nvPr/>
+        </p:nvPicPr>
+        <p:blipFill>
+          <a:blip r:embed="rId3"/>
+          <a:stretch>
+            <a:fillRect/>
+          </a:stretch>
+        </p:blipFill>
+        <p:spPr>
+          <a:xfrm>
+            <a:off x="5251077" y="2449385"/>
+            <a:ext cx="3529853" cy="3971085"/>
+          </a:xfrm>
+          <a:prstGeom prst="rect">
+            <a:avLst/>
+          </a:prstGeom>
+          <a:ln>
+            <a:solidFill>
+              <a:schemeClr val="bg1">
+                <a:lumMod val="50000"/>
+              </a:schemeClr>
+            </a:solidFill>
+          </a:ln>
+        </p:spPr>
+      </p:pic>
+      <p:cxnSp>
+        <p:nvCxnSpPr>
+          <p:cNvPr id="8" name="Straight Arrow Connector 7"/>
+          <p:cNvCxnSpPr/>
+          <p:nvPr/>
+        </p:nvCxnSpPr>
+        <p:spPr>
+          <a:xfrm flipV="1">
+            <a:off x="2635624" y="3012142"/>
+            <a:ext cx="2729752" cy="94129"/>
+          </a:xfrm>
+          <a:prstGeom prst="straightConnector1">
+            <a:avLst/>
+          </a:prstGeom>
+          <a:ln w="28575">
+            <a:solidFill>
+              <a:schemeClr val="accent6">
+                <a:lumMod val="75000"/>
+              </a:schemeClr>
+            </a:solidFill>
+            <a:tailEnd type="triangle"/>
+          </a:ln>
+        </p:spPr>
+        <p:style>
+          <a:lnRef idx="1">
+            <a:schemeClr val="accent1"/>
+          </a:lnRef>
+          <a:fillRef idx="0">
+            <a:schemeClr val="accent1"/>
+          </a:fillRef>
+          <a:effectRef idx="0">
+            <a:schemeClr val="accent1"/>
+          </a:effectRef>
+          <a:fontRef idx="minor">
+            <a:schemeClr val="tx1"/>
+          </a:fontRef>
+        </p:style>
+      </p:cxnSp>
+      <p:cxnSp>
+        <p:nvCxnSpPr>
+          <p:cNvPr id="13" name="Straight Arrow Connector 12"/>
+          <p:cNvCxnSpPr/>
+          <p:nvPr/>
+        </p:nvCxnSpPr>
+        <p:spPr>
+          <a:xfrm>
+            <a:off x="3617259" y="3240741"/>
+            <a:ext cx="1748117" cy="80683"/>
+          </a:xfrm>
+          <a:prstGeom prst="straightConnector1">
+            <a:avLst/>
+          </a:prstGeom>
+          <a:ln w="28575">
+            <a:solidFill>
+              <a:schemeClr val="accent6">
+                <a:lumMod val="75000"/>
+              </a:schemeClr>
+            </a:solidFill>
+            <a:tailEnd type="triangle"/>
+          </a:ln>
+        </p:spPr>
+        <p:style>
+          <a:lnRef idx="1">
+            <a:schemeClr val="accent1"/>
+          </a:lnRef>
+          <a:fillRef idx="0">
+            <a:schemeClr val="accent1"/>
+          </a:fillRef>
+          <a:effectRef idx="0">
+            <a:schemeClr val="accent1"/>
+          </a:effectRef>
+          <a:fontRef idx="minor">
+            <a:schemeClr val="tx1"/>
+          </a:fontRef>
+        </p:style>
+      </p:cxnSp>
+      <p:cxnSp>
+        <p:nvCxnSpPr>
+          <p:cNvPr id="16" name="Straight Arrow Connector 15"/>
+          <p:cNvCxnSpPr/>
+          <p:nvPr/>
+        </p:nvCxnSpPr>
+        <p:spPr>
+          <a:xfrm>
+            <a:off x="3617259" y="3442447"/>
+            <a:ext cx="1748117" cy="215153"/>
+          </a:xfrm>
+          <a:prstGeom prst="straightConnector1">
+            <a:avLst/>
+          </a:prstGeom>
+          <a:ln w="28575">
+            <a:solidFill>
+              <a:schemeClr val="accent6">
+                <a:lumMod val="75000"/>
+              </a:schemeClr>
+            </a:solidFill>
+            <a:tailEnd type="triangle"/>
+          </a:ln>
+        </p:spPr>
+        <p:style>
+          <a:lnRef idx="1">
+            <a:schemeClr val="accent1"/>
+          </a:lnRef>
+          <a:fillRef idx="0">
+            <a:schemeClr val="accent1"/>
+          </a:fillRef>
+          <a:effectRef idx="0">
+            <a:schemeClr val="accent1"/>
+          </a:effectRef>
+          <a:fontRef idx="minor">
+            <a:schemeClr val="tx1"/>
+          </a:fontRef>
+        </p:style>
+      </p:cxnSp>
+      <p:cxnSp>
+        <p:nvCxnSpPr>
+          <p:cNvPr id="19" name="Straight Arrow Connector 18"/>
+          <p:cNvCxnSpPr/>
+          <p:nvPr/>
+        </p:nvCxnSpPr>
+        <p:spPr>
+          <a:xfrm>
+            <a:off x="3617259" y="3657600"/>
+            <a:ext cx="1748117" cy="336176"/>
+          </a:xfrm>
+          <a:prstGeom prst="straightConnector1">
+            <a:avLst/>
+          </a:prstGeom>
+          <a:ln w="28575">
+            <a:solidFill>
+              <a:schemeClr val="accent6">
+                <a:lumMod val="75000"/>
+              </a:schemeClr>
+            </a:solidFill>
+            <a:tailEnd type="triangle"/>
+          </a:ln>
+        </p:spPr>
+        <p:style>
+          <a:lnRef idx="1">
+            <a:schemeClr val="accent1"/>
+          </a:lnRef>
+          <a:fillRef idx="0">
+            <a:schemeClr val="accent1"/>
+          </a:fillRef>
+          <a:effectRef idx="0">
+            <a:schemeClr val="accent1"/>
+          </a:effectRef>
+          <a:fontRef idx="minor">
+            <a:schemeClr val="tx1"/>
+          </a:fontRef>
+        </p:style>
+      </p:cxnSp>
+      <p:cxnSp>
+        <p:nvCxnSpPr>
+          <p:cNvPr id="22" name="Straight Arrow Connector 21"/>
+          <p:cNvCxnSpPr/>
+          <p:nvPr/>
+        </p:nvCxnSpPr>
+        <p:spPr>
+          <a:xfrm>
+            <a:off x="3509682" y="3751729"/>
+            <a:ext cx="1855694" cy="564777"/>
+          </a:xfrm>
+          <a:prstGeom prst="straightConnector1">
+            <a:avLst/>
+          </a:prstGeom>
+          <a:ln w="28575">
+            <a:solidFill>
+              <a:schemeClr val="accent6">
+                <a:lumMod val="75000"/>
+              </a:schemeClr>
+            </a:solidFill>
+            <a:tailEnd type="triangle"/>
+          </a:ln>
+        </p:spPr>
+        <p:style>
+          <a:lnRef idx="1">
+            <a:schemeClr val="accent1"/>
+          </a:lnRef>
+          <a:fillRef idx="0">
+            <a:schemeClr val="accent1"/>
+          </a:fillRef>
+          <a:effectRef idx="0">
+            <a:schemeClr val="accent1"/>
+          </a:effectRef>
+          <a:fontRef idx="minor">
+            <a:schemeClr val="tx1"/>
+          </a:fontRef>
+        </p:style>
+      </p:cxnSp>
+      <p:cxnSp>
+        <p:nvCxnSpPr>
+          <p:cNvPr id="25" name="Straight Arrow Connector 24"/>
+          <p:cNvCxnSpPr/>
+          <p:nvPr/>
+        </p:nvCxnSpPr>
+        <p:spPr>
+          <a:xfrm>
+            <a:off x="3617259" y="3993776"/>
+            <a:ext cx="1748117" cy="645459"/>
+          </a:xfrm>
+          <a:prstGeom prst="straightConnector1">
+            <a:avLst/>
+          </a:prstGeom>
+          <a:ln w="28575">
+            <a:solidFill>
+              <a:schemeClr val="accent6">
+                <a:lumMod val="75000"/>
+              </a:schemeClr>
+            </a:solidFill>
+            <a:tailEnd type="triangle"/>
+          </a:ln>
+        </p:spPr>
+        <p:style>
+          <a:lnRef idx="1">
+            <a:schemeClr val="accent1"/>
+          </a:lnRef>
+          <a:fillRef idx="0">
+            <a:schemeClr val="accent1"/>
+          </a:fillRef>
+          <a:effectRef idx="0">
+            <a:schemeClr val="accent1"/>
+          </a:effectRef>
+          <a:fontRef idx="minor">
+            <a:schemeClr val="tx1"/>
+          </a:fontRef>
+        </p:style>
+      </p:cxnSp>
+      <p:cxnSp>
+        <p:nvCxnSpPr>
+          <p:cNvPr id="28" name="Straight Arrow Connector 27"/>
+          <p:cNvCxnSpPr/>
+          <p:nvPr/>
+        </p:nvCxnSpPr>
+        <p:spPr>
+          <a:xfrm>
+            <a:off x="2998694" y="4141694"/>
+            <a:ext cx="2366682" cy="927847"/>
+          </a:xfrm>
+          <a:prstGeom prst="straightConnector1">
+            <a:avLst/>
+          </a:prstGeom>
+          <a:ln w="28575">
+            <a:solidFill>
+              <a:schemeClr val="accent6">
+                <a:lumMod val="75000"/>
+              </a:schemeClr>
+            </a:solidFill>
+            <a:tailEnd type="triangle"/>
+          </a:ln>
+        </p:spPr>
+        <p:style>
+          <a:lnRef idx="1">
+            <a:schemeClr val="accent1"/>
+          </a:lnRef>
+          <a:fillRef idx="0">
+            <a:schemeClr val="accent1"/>
+          </a:fillRef>
+          <a:effectRef idx="0">
+            <a:schemeClr val="accent1"/>
+          </a:effectRef>
+          <a:fontRef idx="minor">
+            <a:schemeClr val="tx1"/>
+          </a:fontRef>
+        </p:style>
+      </p:cxnSp>
+      <p:cxnSp>
+        <p:nvCxnSpPr>
+          <p:cNvPr id="31" name="Straight Arrow Connector 30"/>
+          <p:cNvCxnSpPr/>
+          <p:nvPr/>
+        </p:nvCxnSpPr>
+        <p:spPr>
+          <a:xfrm>
+            <a:off x="3388659" y="4464424"/>
+            <a:ext cx="1976717" cy="1021976"/>
+          </a:xfrm>
+          <a:prstGeom prst="straightConnector1">
+            <a:avLst/>
+          </a:prstGeom>
+          <a:ln w="28575">
+            <a:solidFill>
+              <a:srgbClr val="00B050"/>
+            </a:solidFill>
+            <a:tailEnd type="triangle"/>
+          </a:ln>
+        </p:spPr>
+        <p:style>
+          <a:lnRef idx="1">
+            <a:schemeClr val="accent1"/>
+          </a:lnRef>
+          <a:fillRef idx="0">
+            <a:schemeClr val="accent1"/>
+          </a:fillRef>
+          <a:effectRef idx="0">
+            <a:schemeClr val="accent1"/>
+          </a:effectRef>
+          <a:fontRef idx="minor">
+            <a:schemeClr val="tx1"/>
+          </a:fontRef>
+        </p:style>
+      </p:cxnSp>
+      <p:cxnSp>
+        <p:nvCxnSpPr>
+          <p:cNvPr id="35" name="Straight Arrow Connector 34"/>
+          <p:cNvCxnSpPr/>
+          <p:nvPr/>
+        </p:nvCxnSpPr>
+        <p:spPr>
+          <a:xfrm>
+            <a:off x="3388659" y="4639235"/>
+            <a:ext cx="1976717" cy="1129553"/>
+          </a:xfrm>
+          <a:prstGeom prst="straightConnector1">
+            <a:avLst/>
+          </a:prstGeom>
+          <a:ln w="28575">
+            <a:solidFill>
+              <a:srgbClr val="00B050"/>
+            </a:solidFill>
+            <a:tailEnd type="triangle"/>
+          </a:ln>
+        </p:spPr>
+        <p:style>
+          <a:lnRef idx="1">
+            <a:schemeClr val="accent1"/>
+          </a:lnRef>
+          <a:fillRef idx="0">
+            <a:schemeClr val="accent1"/>
+          </a:fillRef>
+          <a:effectRef idx="0">
+            <a:schemeClr val="accent1"/>
+          </a:effectRef>
+          <a:fontRef idx="minor">
+            <a:schemeClr val="tx1"/>
+          </a:fontRef>
+        </p:style>
+      </p:cxnSp>
+      <p:cxnSp>
+        <p:nvCxnSpPr>
+          <p:cNvPr id="38" name="Straight Arrow Connector 37"/>
+          <p:cNvCxnSpPr/>
+          <p:nvPr/>
+        </p:nvCxnSpPr>
+        <p:spPr>
+          <a:xfrm>
+            <a:off x="3388659" y="4873689"/>
+            <a:ext cx="1976717" cy="1250946"/>
+          </a:xfrm>
+          <a:prstGeom prst="straightConnector1">
+            <a:avLst/>
+          </a:prstGeom>
+          <a:ln w="28575">
+            <a:solidFill>
+              <a:srgbClr val="00B050"/>
+            </a:solidFill>
+            <a:tailEnd type="triangle"/>
+          </a:ln>
+        </p:spPr>
+        <p:style>
+          <a:lnRef idx="1">
+            <a:schemeClr val="accent1"/>
+          </a:lnRef>
+          <a:fillRef idx="0">
+            <a:schemeClr val="accent1"/>
+          </a:fillRef>
+          <a:effectRef idx="0">
+            <a:schemeClr val="accent1"/>
+          </a:effectRef>
+          <a:fontRef idx="minor">
+            <a:schemeClr val="tx1"/>
+          </a:fontRef>
+        </p:style>
+      </p:cxnSp>
+      <p:sp>
+        <p:nvSpPr>
+          <p:cNvPr id="42" name="Content Placeholder 41"/>
+          <p:cNvSpPr>
+            <a:spLocks noGrp="1"/>
+          </p:cNvSpPr>
+          <p:nvPr>
+            <p:ph idx="1"/>
+          </p:nvPr>
+        </p:nvSpPr>
+        <p:spPr>
+          <a:xfrm>
+            <a:off x="8780930" y="2449386"/>
+            <a:ext cx="3012141" cy="3971084"/>
+          </a:xfrm>
+        </p:spPr>
+        <p:txBody>
+          <a:bodyPr>
+            <a:normAutofit/>
+          </a:bodyPr>
+          <a:lstStyle/>
+          <a:p>
+            <a:pPr>
+              <a:lnSpc>
+                <a:spcPct val="110000"/>
+              </a:lnSpc>
+            </a:pPr>
+            <a:r>
+              <a:rPr lang="en-IN" dirty="0"/>
+              <a:t>Pipes allow us to transform data before they display in the </a:t>
+            </a:r>
+            <a:r>
+              <a:rPr lang="en-IN" dirty="0" smtClean="0"/>
+              <a:t>view</a:t>
+            </a:r>
+          </a:p>
+          <a:p>
+            <a:pPr>
+              <a:lnSpc>
+                <a:spcPct val="110000"/>
+              </a:lnSpc>
+            </a:pPr>
+            <a:r>
+              <a:rPr lang="en-IN" dirty="0"/>
+              <a:t>The Pipe operator will change only the format of the property in view which does not update the property value in </a:t>
+            </a:r>
+            <a:r>
+              <a:rPr lang="en-IN" dirty="0" smtClean="0"/>
+              <a:t>class</a:t>
+            </a:r>
+            <a:endParaRPr lang="en-IN" dirty="0"/>
+          </a:p>
+        </p:txBody>
+      </p:sp>
+    </p:spTree>
+    <p:extLst>
+      <p:ext uri="{BB962C8B-B14F-4D97-AF65-F5344CB8AC3E}">
+        <p14:creationId xmlns:p14="http://schemas.microsoft.com/office/powerpoint/2010/main" val="2139083973"/>
+      </p:ext>
+    </p:extLst>
+  </p:cSld>
+  <p:clrMapOvr>
+    <a:masterClrMapping/>
+  </p:clrMapOvr>
+</p:sld>
+</file>
+
 <file path=ppt/slides/slide7.xml><?xml version="1.0" encoding="utf-8"?>
 <p:sld xmlns:a="http://schemas.openxmlformats.org/drawingml/2006/main" xmlns:r="http://schemas.openxmlformats.org/officeDocument/2006/relationships" xmlns:p="http://schemas.openxmlformats.org/presentationml/2006/main">
   <p:cSld>
@@ -39871,6 +40331,456 @@
       </p:par>
     </p:tnLst>
   </p:timing>
+</p:sld>
+</file>
+
+<file path=ppt/slides/slide70.xml><?xml version="1.0" encoding="utf-8"?>
+<p:sld xmlns:a="http://schemas.openxmlformats.org/drawingml/2006/main" xmlns:r="http://schemas.openxmlformats.org/officeDocument/2006/relationships" xmlns:p="http://schemas.openxmlformats.org/presentationml/2006/main">
+  <p:cSld>
+    <p:spTree>
+      <p:nvGrpSpPr>
+        <p:cNvPr id="1" name=""/>
+        <p:cNvGrpSpPr/>
+        <p:nvPr/>
+      </p:nvGrpSpPr>
+      <p:grpSpPr>
+        <a:xfrm>
+          <a:off x="0" y="0"/>
+          <a:ext cx="0" cy="0"/>
+          <a:chOff x="0" y="0"/>
+          <a:chExt cx="0" cy="0"/>
+        </a:xfrm>
+      </p:grpSpPr>
+      <p:pic>
+        <p:nvPicPr>
+          <p:cNvPr id="9" name="Picture 8"/>
+          <p:cNvPicPr>
+            <a:picLocks noChangeAspect="1"/>
+          </p:cNvPicPr>
+          <p:nvPr/>
+        </p:nvPicPr>
+        <p:blipFill>
+          <a:blip r:embed="rId2"/>
+          <a:stretch>
+            <a:fillRect/>
+          </a:stretch>
+        </p:blipFill>
+        <p:spPr>
+          <a:xfrm>
+            <a:off x="5284693" y="2651632"/>
+            <a:ext cx="4857750" cy="3343275"/>
+          </a:xfrm>
+          <a:prstGeom prst="rect">
+            <a:avLst/>
+          </a:prstGeom>
+          <a:ln>
+            <a:solidFill>
+              <a:schemeClr val="bg1">
+                <a:lumMod val="50000"/>
+              </a:schemeClr>
+            </a:solidFill>
+          </a:ln>
+        </p:spPr>
+      </p:pic>
+      <p:pic>
+        <p:nvPicPr>
+          <p:cNvPr id="3" name="Picture 2"/>
+          <p:cNvPicPr>
+            <a:picLocks noChangeAspect="1"/>
+          </p:cNvPicPr>
+          <p:nvPr/>
+        </p:nvPicPr>
+        <p:blipFill>
+          <a:blip r:embed="rId3"/>
+          <a:stretch>
+            <a:fillRect/>
+          </a:stretch>
+        </p:blipFill>
+        <p:spPr>
+          <a:xfrm>
+            <a:off x="739308" y="2295427"/>
+            <a:ext cx="4115079" cy="4055686"/>
+          </a:xfrm>
+          <a:prstGeom prst="rect">
+            <a:avLst/>
+          </a:prstGeom>
+        </p:spPr>
+      </p:pic>
+      <p:sp>
+        <p:nvSpPr>
+          <p:cNvPr id="2" name="Title 1"/>
+          <p:cNvSpPr>
+            <a:spLocks noGrp="1"/>
+          </p:cNvSpPr>
+          <p:nvPr>
+            <p:ph type="title"/>
+          </p:nvPr>
+        </p:nvSpPr>
+        <p:spPr/>
+        <p:txBody>
+          <a:bodyPr/>
+          <a:lstStyle/>
+          <a:p>
+            <a:r>
+              <a:rPr lang="en-IN" b="1" dirty="0" smtClean="0"/>
+              <a:t>15 Pipes</a:t>
+            </a:r>
+            <a:endParaRPr lang="en-IN" b="1" dirty="0"/>
+          </a:p>
+        </p:txBody>
+      </p:sp>
+      <p:sp>
+        <p:nvSpPr>
+          <p:cNvPr id="4" name="Date Placeholder 3"/>
+          <p:cNvSpPr>
+            <a:spLocks noGrp="1"/>
+          </p:cNvSpPr>
+          <p:nvPr>
+            <p:ph type="dt" sz="half" idx="10"/>
+          </p:nvPr>
+        </p:nvSpPr>
+        <p:spPr/>
+        <p:txBody>
+          <a:bodyPr/>
+          <a:lstStyle/>
+          <a:p>
+            <a:r>
+              <a:rPr lang="en-US" smtClean="0"/>
+              <a:t>5/6/2019</a:t>
+            </a:r>
+            <a:endParaRPr lang="en-US" dirty="0"/>
+          </a:p>
+        </p:txBody>
+      </p:sp>
+      <p:sp>
+        <p:nvSpPr>
+          <p:cNvPr id="5" name="Slide Number Placeholder 4"/>
+          <p:cNvSpPr>
+            <a:spLocks noGrp="1"/>
+          </p:cNvSpPr>
+          <p:nvPr>
+            <p:ph type="sldNum" sz="quarter" idx="12"/>
+          </p:nvPr>
+        </p:nvSpPr>
+        <p:spPr/>
+        <p:txBody>
+          <a:bodyPr/>
+          <a:lstStyle/>
+          <a:p>
+            <a:fld id="{6D22F896-40B5-4ADD-8801-0D06FADFA095}" type="slidenum">
+              <a:rPr lang="en-US" smtClean="0"/>
+              <a:t>70</a:t>
+            </a:fld>
+            <a:endParaRPr lang="en-US" dirty="0"/>
+          </a:p>
+        </p:txBody>
+      </p:sp>
+      <p:cxnSp>
+        <p:nvCxnSpPr>
+          <p:cNvPr id="8" name="Straight Arrow Connector 7"/>
+          <p:cNvCxnSpPr/>
+          <p:nvPr/>
+        </p:nvCxnSpPr>
+        <p:spPr>
+          <a:xfrm flipV="1">
+            <a:off x="3173506" y="3012143"/>
+            <a:ext cx="2191870" cy="80680"/>
+          </a:xfrm>
+          <a:prstGeom prst="straightConnector1">
+            <a:avLst/>
+          </a:prstGeom>
+          <a:ln w="28575">
+            <a:solidFill>
+              <a:schemeClr val="accent6">
+                <a:lumMod val="75000"/>
+              </a:schemeClr>
+            </a:solidFill>
+            <a:tailEnd type="triangle"/>
+          </a:ln>
+        </p:spPr>
+        <p:style>
+          <a:lnRef idx="1">
+            <a:schemeClr val="accent1"/>
+          </a:lnRef>
+          <a:fillRef idx="0">
+            <a:schemeClr val="accent1"/>
+          </a:fillRef>
+          <a:effectRef idx="0">
+            <a:schemeClr val="accent1"/>
+          </a:effectRef>
+          <a:fontRef idx="minor">
+            <a:schemeClr val="tx1"/>
+          </a:fontRef>
+        </p:style>
+      </p:cxnSp>
+      <p:cxnSp>
+        <p:nvCxnSpPr>
+          <p:cNvPr id="13" name="Straight Arrow Connector 12"/>
+          <p:cNvCxnSpPr/>
+          <p:nvPr/>
+        </p:nvCxnSpPr>
+        <p:spPr>
+          <a:xfrm flipV="1">
+            <a:off x="3173506" y="3321424"/>
+            <a:ext cx="2191870" cy="203827"/>
+          </a:xfrm>
+          <a:prstGeom prst="straightConnector1">
+            <a:avLst/>
+          </a:prstGeom>
+          <a:ln w="28575">
+            <a:solidFill>
+              <a:schemeClr val="accent6">
+                <a:lumMod val="75000"/>
+              </a:schemeClr>
+            </a:solidFill>
+            <a:tailEnd type="triangle"/>
+          </a:ln>
+        </p:spPr>
+        <p:style>
+          <a:lnRef idx="1">
+            <a:schemeClr val="accent1"/>
+          </a:lnRef>
+          <a:fillRef idx="0">
+            <a:schemeClr val="accent1"/>
+          </a:fillRef>
+          <a:effectRef idx="0">
+            <a:schemeClr val="accent1"/>
+          </a:effectRef>
+          <a:fontRef idx="minor">
+            <a:schemeClr val="tx1"/>
+          </a:fontRef>
+        </p:style>
+      </p:cxnSp>
+      <p:cxnSp>
+        <p:nvCxnSpPr>
+          <p:cNvPr id="16" name="Straight Arrow Connector 15"/>
+          <p:cNvCxnSpPr/>
+          <p:nvPr/>
+        </p:nvCxnSpPr>
+        <p:spPr>
+          <a:xfrm>
+            <a:off x="3294529" y="3707619"/>
+            <a:ext cx="2070847" cy="85991"/>
+          </a:xfrm>
+          <a:prstGeom prst="straightConnector1">
+            <a:avLst/>
+          </a:prstGeom>
+          <a:ln w="28575">
+            <a:solidFill>
+              <a:schemeClr val="accent6">
+                <a:lumMod val="75000"/>
+              </a:schemeClr>
+            </a:solidFill>
+            <a:tailEnd type="triangle"/>
+          </a:ln>
+        </p:spPr>
+        <p:style>
+          <a:lnRef idx="1">
+            <a:schemeClr val="accent1"/>
+          </a:lnRef>
+          <a:fillRef idx="0">
+            <a:schemeClr val="accent1"/>
+          </a:fillRef>
+          <a:effectRef idx="0">
+            <a:schemeClr val="accent1"/>
+          </a:effectRef>
+          <a:fontRef idx="minor">
+            <a:schemeClr val="tx1"/>
+          </a:fontRef>
+        </p:style>
+      </p:cxnSp>
+      <p:cxnSp>
+        <p:nvCxnSpPr>
+          <p:cNvPr id="19" name="Straight Arrow Connector 18"/>
+          <p:cNvCxnSpPr/>
+          <p:nvPr/>
+        </p:nvCxnSpPr>
+        <p:spPr>
+          <a:xfrm>
+            <a:off x="3173506" y="3899647"/>
+            <a:ext cx="2191870" cy="219325"/>
+          </a:xfrm>
+          <a:prstGeom prst="straightConnector1">
+            <a:avLst/>
+          </a:prstGeom>
+          <a:ln w="28575">
+            <a:solidFill>
+              <a:schemeClr val="accent6">
+                <a:lumMod val="75000"/>
+              </a:schemeClr>
+            </a:solidFill>
+            <a:tailEnd type="triangle"/>
+          </a:ln>
+        </p:spPr>
+        <p:style>
+          <a:lnRef idx="1">
+            <a:schemeClr val="accent1"/>
+          </a:lnRef>
+          <a:fillRef idx="0">
+            <a:schemeClr val="accent1"/>
+          </a:fillRef>
+          <a:effectRef idx="0">
+            <a:schemeClr val="accent1"/>
+          </a:effectRef>
+          <a:fontRef idx="minor">
+            <a:schemeClr val="tx1"/>
+          </a:fontRef>
+        </p:style>
+      </p:cxnSp>
+      <p:cxnSp>
+        <p:nvCxnSpPr>
+          <p:cNvPr id="25" name="Straight Arrow Connector 24"/>
+          <p:cNvCxnSpPr/>
+          <p:nvPr/>
+        </p:nvCxnSpPr>
+        <p:spPr>
+          <a:xfrm>
+            <a:off x="2460812" y="4311832"/>
+            <a:ext cx="2904564" cy="184419"/>
+          </a:xfrm>
+          <a:prstGeom prst="straightConnector1">
+            <a:avLst/>
+          </a:prstGeom>
+          <a:ln w="28575">
+            <a:solidFill>
+              <a:srgbClr val="00B050"/>
+            </a:solidFill>
+            <a:tailEnd type="triangle"/>
+          </a:ln>
+        </p:spPr>
+        <p:style>
+          <a:lnRef idx="1">
+            <a:schemeClr val="accent1"/>
+          </a:lnRef>
+          <a:fillRef idx="0">
+            <a:schemeClr val="accent1"/>
+          </a:fillRef>
+          <a:effectRef idx="0">
+            <a:schemeClr val="accent1"/>
+          </a:effectRef>
+          <a:fontRef idx="minor">
+            <a:schemeClr val="tx1"/>
+          </a:fontRef>
+        </p:style>
+      </p:cxnSp>
+      <p:cxnSp>
+        <p:nvCxnSpPr>
+          <p:cNvPr id="31" name="Straight Arrow Connector 30"/>
+          <p:cNvCxnSpPr/>
+          <p:nvPr/>
+        </p:nvCxnSpPr>
+        <p:spPr>
+          <a:xfrm>
+            <a:off x="3671047" y="4525438"/>
+            <a:ext cx="1694329" cy="380115"/>
+          </a:xfrm>
+          <a:prstGeom prst="straightConnector1">
+            <a:avLst/>
+          </a:prstGeom>
+          <a:ln w="28575">
+            <a:solidFill>
+              <a:srgbClr val="00B050"/>
+            </a:solidFill>
+            <a:tailEnd type="triangle"/>
+          </a:ln>
+        </p:spPr>
+        <p:style>
+          <a:lnRef idx="1">
+            <a:schemeClr val="accent1"/>
+          </a:lnRef>
+          <a:fillRef idx="0">
+            <a:schemeClr val="accent1"/>
+          </a:fillRef>
+          <a:effectRef idx="0">
+            <a:schemeClr val="accent1"/>
+          </a:effectRef>
+          <a:fontRef idx="minor">
+            <a:schemeClr val="tx1"/>
+          </a:fontRef>
+        </p:style>
+      </p:cxnSp>
+      <p:cxnSp>
+        <p:nvCxnSpPr>
+          <p:cNvPr id="35" name="Straight Arrow Connector 34"/>
+          <p:cNvCxnSpPr/>
+          <p:nvPr/>
+        </p:nvCxnSpPr>
+        <p:spPr>
+          <a:xfrm>
+            <a:off x="3913094" y="4764610"/>
+            <a:ext cx="1452282" cy="518222"/>
+          </a:xfrm>
+          <a:prstGeom prst="straightConnector1">
+            <a:avLst/>
+          </a:prstGeom>
+          <a:ln w="28575">
+            <a:solidFill>
+              <a:srgbClr val="00B050"/>
+            </a:solidFill>
+            <a:tailEnd type="triangle"/>
+          </a:ln>
+        </p:spPr>
+        <p:style>
+          <a:lnRef idx="1">
+            <a:schemeClr val="accent1"/>
+          </a:lnRef>
+          <a:fillRef idx="0">
+            <a:schemeClr val="accent1"/>
+          </a:fillRef>
+          <a:effectRef idx="0">
+            <a:schemeClr val="accent1"/>
+          </a:effectRef>
+          <a:fontRef idx="minor">
+            <a:schemeClr val="tx1"/>
+          </a:fontRef>
+        </p:style>
+      </p:cxnSp>
+      <p:cxnSp>
+        <p:nvCxnSpPr>
+          <p:cNvPr id="38" name="Straight Arrow Connector 37"/>
+          <p:cNvCxnSpPr/>
+          <p:nvPr/>
+        </p:nvCxnSpPr>
+        <p:spPr>
+          <a:xfrm>
+            <a:off x="3913094" y="5002896"/>
+            <a:ext cx="1452282" cy="712364"/>
+          </a:xfrm>
+          <a:prstGeom prst="straightConnector1">
+            <a:avLst/>
+          </a:prstGeom>
+          <a:ln w="28575">
+            <a:solidFill>
+              <a:srgbClr val="00B050"/>
+            </a:solidFill>
+            <a:tailEnd type="triangle"/>
+          </a:ln>
+        </p:spPr>
+        <p:style>
+          <a:lnRef idx="1">
+            <a:schemeClr val="accent1"/>
+          </a:lnRef>
+          <a:fillRef idx="0">
+            <a:schemeClr val="accent1"/>
+          </a:fillRef>
+          <a:effectRef idx="0">
+            <a:schemeClr val="accent1"/>
+          </a:effectRef>
+          <a:fontRef idx="minor">
+            <a:schemeClr val="tx1"/>
+          </a:fontRef>
+        </p:style>
+      </p:cxnSp>
+    </p:spTree>
+    <p:extLst>
+      <p:ext uri="{BB962C8B-B14F-4D97-AF65-F5344CB8AC3E}">
+        <p14:creationId xmlns:p14="http://schemas.microsoft.com/office/powerpoint/2010/main" val="2578032682"/>
+      </p:ext>
+    </p:extLst>
+  </p:cSld>
+  <p:clrMapOvr>
+    <a:masterClrMapping/>
+  </p:clrMapOvr>
 </p:sld>
 </file>
 

--- a/Angular Presentation.pptx
+++ b/Angular Presentation.pptx
@@ -5,7 +5,7 @@
     <p:sldMasterId id="2147483723" r:id="rId1"/>
   </p:sldMasterIdLst>
   <p:notesMasterIdLst>
-    <p:notesMasterId r:id="rId72"/>
+    <p:notesMasterId r:id="rId79"/>
   </p:notesMasterIdLst>
   <p:sldIdLst>
     <p:sldId id="256" r:id="rId2"/>
@@ -78,6 +78,13 @@
     <p:sldId id="348" r:id="rId69"/>
     <p:sldId id="350" r:id="rId70"/>
     <p:sldId id="351" r:id="rId71"/>
+    <p:sldId id="352" r:id="rId72"/>
+    <p:sldId id="354" r:id="rId73"/>
+    <p:sldId id="353" r:id="rId74"/>
+    <p:sldId id="355" r:id="rId75"/>
+    <p:sldId id="356" r:id="rId76"/>
+    <p:sldId id="357" r:id="rId77"/>
+    <p:sldId id="358" r:id="rId78"/>
   </p:sldIdLst>
   <p:sldSz cx="12192000" cy="6858000"/>
   <p:notesSz cx="6858000" cy="9144000"/>
@@ -39483,7 +39490,7 @@
           <a:p>
             <a:r>
               <a:rPr lang="en-IN" b="1" dirty="0" smtClean="0"/>
-              <a:t>15 Pipes</a:t>
+              <a:t>15 Pipes(1)</a:t>
             </a:r>
             <a:endParaRPr lang="en-IN" b="1" dirty="0"/>
           </a:p>
@@ -40423,7 +40430,7 @@
           <a:p>
             <a:r>
               <a:rPr lang="en-IN" b="1" dirty="0" smtClean="0"/>
-              <a:t>15 Pipes</a:t>
+              <a:t>15 Pipes(2)</a:t>
             </a:r>
             <a:endParaRPr lang="en-IN" b="1" dirty="0"/>
           </a:p>
@@ -40775,6 +40782,1712 @@
     <p:extLst>
       <p:ext uri="{BB962C8B-B14F-4D97-AF65-F5344CB8AC3E}">
         <p14:creationId xmlns:p14="http://schemas.microsoft.com/office/powerpoint/2010/main" val="2578032682"/>
+      </p:ext>
+    </p:extLst>
+  </p:cSld>
+  <p:clrMapOvr>
+    <a:masterClrMapping/>
+  </p:clrMapOvr>
+</p:sld>
+</file>
+
+<file path=ppt/slides/slide71.xml><?xml version="1.0" encoding="utf-8"?>
+<p:sld xmlns:a="http://schemas.openxmlformats.org/drawingml/2006/main" xmlns:r="http://schemas.openxmlformats.org/officeDocument/2006/relationships" xmlns:p="http://schemas.openxmlformats.org/presentationml/2006/main">
+  <p:cSld>
+    <p:spTree>
+      <p:nvGrpSpPr>
+        <p:cNvPr id="1" name=""/>
+        <p:cNvGrpSpPr/>
+        <p:nvPr/>
+      </p:nvGrpSpPr>
+      <p:grpSpPr>
+        <a:xfrm>
+          <a:off x="0" y="0"/>
+          <a:ext cx="0" cy="0"/>
+          <a:chOff x="0" y="0"/>
+          <a:chExt cx="0" cy="0"/>
+        </a:xfrm>
+      </p:grpSpPr>
+      <p:sp>
+        <p:nvSpPr>
+          <p:cNvPr id="2" name="Title 1"/>
+          <p:cNvSpPr>
+            <a:spLocks noGrp="1"/>
+          </p:cNvSpPr>
+          <p:nvPr>
+            <p:ph type="title"/>
+          </p:nvPr>
+        </p:nvSpPr>
+        <p:spPr/>
+        <p:txBody>
+          <a:bodyPr/>
+          <a:lstStyle/>
+          <a:p>
+            <a:r>
+              <a:rPr lang="en-IN" b="1" dirty="0" smtClean="0"/>
+              <a:t>16 Services</a:t>
+            </a:r>
+            <a:endParaRPr lang="en-IN" b="1" dirty="0"/>
+          </a:p>
+        </p:txBody>
+      </p:sp>
+      <p:sp>
+        <p:nvSpPr>
+          <p:cNvPr id="42" name="Content Placeholder 41"/>
+          <p:cNvSpPr>
+            <a:spLocks noGrp="1"/>
+          </p:cNvSpPr>
+          <p:nvPr>
+            <p:ph idx="1"/>
+          </p:nvPr>
+        </p:nvSpPr>
+        <p:spPr/>
+        <p:txBody>
+          <a:bodyPr>
+            <a:normAutofit/>
+          </a:bodyPr>
+          <a:lstStyle/>
+          <a:p>
+            <a:pPr>
+              <a:lnSpc>
+                <a:spcPct val="110000"/>
+              </a:lnSpc>
+            </a:pPr>
+            <a:r>
+              <a:rPr lang="en-IN" dirty="0" smtClean="0"/>
+              <a:t>A class with a specific purpose</a:t>
+            </a:r>
+          </a:p>
+          <a:p>
+            <a:pPr>
+              <a:lnSpc>
+                <a:spcPct val="110000"/>
+              </a:lnSpc>
+            </a:pPr>
+            <a:r>
+              <a:rPr lang="en-IN" dirty="0" smtClean="0"/>
+              <a:t>Share data across multiple components</a:t>
+            </a:r>
+          </a:p>
+          <a:p>
+            <a:pPr>
+              <a:lnSpc>
+                <a:spcPct val="110000"/>
+              </a:lnSpc>
+            </a:pPr>
+            <a:r>
+              <a:rPr lang="en-IN" dirty="0" smtClean="0"/>
+              <a:t>To implement application logic</a:t>
+            </a:r>
+          </a:p>
+          <a:p>
+            <a:pPr>
+              <a:lnSpc>
+                <a:spcPct val="110000"/>
+              </a:lnSpc>
+            </a:pPr>
+            <a:r>
+              <a:rPr lang="en-IN" dirty="0" smtClean="0"/>
+              <a:t>Can be used for External Interaction like DB Connect, Print </a:t>
+            </a:r>
+            <a:r>
+              <a:rPr lang="en-IN" dirty="0" err="1" smtClean="0"/>
+              <a:t>etc</a:t>
+            </a:r>
+            <a:r>
+              <a:rPr lang="en-IN" dirty="0" smtClean="0"/>
+              <a:t>…</a:t>
+            </a:r>
+          </a:p>
+          <a:p>
+            <a:pPr>
+              <a:lnSpc>
+                <a:spcPct val="110000"/>
+              </a:lnSpc>
+            </a:pPr>
+            <a:endParaRPr lang="en-IN" dirty="0"/>
+          </a:p>
+          <a:p>
+            <a:pPr marL="0" indent="0">
+              <a:lnSpc>
+                <a:spcPct val="110000"/>
+              </a:lnSpc>
+              <a:buNone/>
+            </a:pPr>
+            <a:r>
+              <a:rPr lang="en-IN" b="1" dirty="0" smtClean="0"/>
+              <a:t>Naming Convention </a:t>
+            </a:r>
+            <a:r>
+              <a:rPr lang="en-IN" dirty="0" smtClean="0"/>
+              <a:t> .</a:t>
+            </a:r>
+            <a:r>
+              <a:rPr lang="en-IN" dirty="0" err="1" smtClean="0"/>
+              <a:t>service.ts</a:t>
+            </a:r>
+            <a:endParaRPr lang="en-IN" dirty="0"/>
+          </a:p>
+        </p:txBody>
+      </p:sp>
+      <p:sp>
+        <p:nvSpPr>
+          <p:cNvPr id="4" name="Date Placeholder 3"/>
+          <p:cNvSpPr>
+            <a:spLocks noGrp="1"/>
+          </p:cNvSpPr>
+          <p:nvPr>
+            <p:ph type="dt" sz="half" idx="10"/>
+          </p:nvPr>
+        </p:nvSpPr>
+        <p:spPr/>
+        <p:txBody>
+          <a:bodyPr/>
+          <a:lstStyle/>
+          <a:p>
+            <a:r>
+              <a:rPr lang="en-US" smtClean="0"/>
+              <a:t>5/6/2019</a:t>
+            </a:r>
+            <a:endParaRPr lang="en-US" dirty="0"/>
+          </a:p>
+        </p:txBody>
+      </p:sp>
+      <p:sp>
+        <p:nvSpPr>
+          <p:cNvPr id="5" name="Slide Number Placeholder 4"/>
+          <p:cNvSpPr>
+            <a:spLocks noGrp="1"/>
+          </p:cNvSpPr>
+          <p:nvPr>
+            <p:ph type="sldNum" sz="quarter" idx="12"/>
+          </p:nvPr>
+        </p:nvSpPr>
+        <p:spPr/>
+        <p:txBody>
+          <a:bodyPr/>
+          <a:lstStyle/>
+          <a:p>
+            <a:fld id="{6D22F896-40B5-4ADD-8801-0D06FADFA095}" type="slidenum">
+              <a:rPr lang="en-US" smtClean="0"/>
+              <a:t>71</a:t>
+            </a:fld>
+            <a:endParaRPr lang="en-US" dirty="0"/>
+          </a:p>
+        </p:txBody>
+      </p:sp>
+    </p:spTree>
+    <p:extLst>
+      <p:ext uri="{BB962C8B-B14F-4D97-AF65-F5344CB8AC3E}">
+        <p14:creationId xmlns:p14="http://schemas.microsoft.com/office/powerpoint/2010/main" val="336896785"/>
+      </p:ext>
+    </p:extLst>
+  </p:cSld>
+  <p:clrMapOvr>
+    <a:masterClrMapping/>
+  </p:clrMapOvr>
+</p:sld>
+</file>
+
+<file path=ppt/slides/slide72.xml><?xml version="1.0" encoding="utf-8"?>
+<p:sld xmlns:a="http://schemas.openxmlformats.org/drawingml/2006/main" xmlns:r="http://schemas.openxmlformats.org/officeDocument/2006/relationships" xmlns:p="http://schemas.openxmlformats.org/presentationml/2006/main">
+  <p:cSld>
+    <p:spTree>
+      <p:nvGrpSpPr>
+        <p:cNvPr id="1" name=""/>
+        <p:cNvGrpSpPr/>
+        <p:nvPr/>
+      </p:nvGrpSpPr>
+      <p:grpSpPr>
+        <a:xfrm>
+          <a:off x="0" y="0"/>
+          <a:ext cx="0" cy="0"/>
+          <a:chOff x="0" y="0"/>
+          <a:chExt cx="0" cy="0"/>
+        </a:xfrm>
+      </p:grpSpPr>
+      <p:sp>
+        <p:nvSpPr>
+          <p:cNvPr id="4" name="Title 3"/>
+          <p:cNvSpPr>
+            <a:spLocks noGrp="1"/>
+          </p:cNvSpPr>
+          <p:nvPr>
+            <p:ph type="title"/>
+          </p:nvPr>
+        </p:nvSpPr>
+        <p:spPr>
+          <a:xfrm>
+            <a:off x="1024467" y="753035"/>
+            <a:ext cx="10146186" cy="705077"/>
+          </a:xfrm>
+        </p:spPr>
+        <p:txBody>
+          <a:bodyPr/>
+          <a:lstStyle/>
+          <a:p>
+            <a:r>
+              <a:rPr lang="en-IN" b="1" dirty="0" smtClean="0"/>
+              <a:t>17 </a:t>
+            </a:r>
+            <a:r>
+              <a:rPr lang="en-IN" b="1" dirty="0" smtClean="0"/>
+              <a:t>: </a:t>
+            </a:r>
+            <a:r>
+              <a:rPr lang="en-IN" b="1" dirty="0" smtClean="0"/>
+              <a:t>Dependency Injection</a:t>
+            </a:r>
+            <a:endParaRPr lang="en-IN" b="1" dirty="0"/>
+          </a:p>
+        </p:txBody>
+      </p:sp>
+      <p:sp>
+        <p:nvSpPr>
+          <p:cNvPr id="5" name="Text Placeholder 4"/>
+          <p:cNvSpPr>
+            <a:spLocks noGrp="1"/>
+          </p:cNvSpPr>
+          <p:nvPr>
+            <p:ph type="body" idx="1"/>
+          </p:nvPr>
+        </p:nvSpPr>
+        <p:spPr>
+          <a:xfrm>
+            <a:off x="1025999" y="1888418"/>
+            <a:ext cx="10363660" cy="4525829"/>
+          </a:xfrm>
+        </p:spPr>
+        <p:txBody>
+          <a:bodyPr numCol="1">
+            <a:noAutofit/>
+          </a:bodyPr>
+          <a:lstStyle/>
+          <a:p>
+            <a:pPr marL="342900" indent="-342900">
+              <a:buFont typeface="Wingdings 3" charset="2"/>
+              <a:buAutoNum type="arabicPeriod"/>
+            </a:pPr>
+            <a:r>
+              <a:rPr lang="en-IN" sz="2400" dirty="0"/>
+              <a:t>Problem without DI (1</a:t>
+            </a:r>
+            <a:r>
+              <a:rPr lang="en-IN" sz="2400" dirty="0" smtClean="0"/>
+              <a:t>)</a:t>
+            </a:r>
+          </a:p>
+          <a:p>
+            <a:pPr marL="342900" indent="-342900">
+              <a:buFont typeface="Wingdings 3" charset="2"/>
+              <a:buAutoNum type="arabicPeriod"/>
+            </a:pPr>
+            <a:r>
+              <a:rPr lang="en-IN" sz="2400" dirty="0"/>
+              <a:t>DI as a Design </a:t>
+            </a:r>
+            <a:r>
+              <a:rPr lang="en-IN" sz="2400" dirty="0" smtClean="0"/>
+              <a:t>Pattern</a:t>
+            </a:r>
+          </a:p>
+          <a:p>
+            <a:pPr marL="342900" indent="-342900">
+              <a:buFont typeface="Wingdings 3" charset="2"/>
+              <a:buAutoNum type="arabicPeriod"/>
+            </a:pPr>
+            <a:r>
+              <a:rPr lang="en-IN" sz="2400" dirty="0"/>
+              <a:t>DI as a </a:t>
+            </a:r>
+            <a:r>
+              <a:rPr lang="en-IN" sz="2400" dirty="0" smtClean="0"/>
+              <a:t>Framework</a:t>
+            </a:r>
+            <a:endParaRPr lang="en-IN" sz="2400" dirty="0"/>
+          </a:p>
+        </p:txBody>
+      </p:sp>
+      <p:sp>
+        <p:nvSpPr>
+          <p:cNvPr id="14" name="Date Placeholder 13"/>
+          <p:cNvSpPr>
+            <a:spLocks noGrp="1"/>
+          </p:cNvSpPr>
+          <p:nvPr>
+            <p:ph type="dt" sz="half" idx="10"/>
+          </p:nvPr>
+        </p:nvSpPr>
+        <p:spPr/>
+        <p:txBody>
+          <a:bodyPr/>
+          <a:lstStyle/>
+          <a:p>
+            <a:r>
+              <a:rPr lang="en-US" smtClean="0"/>
+              <a:t>5/6/2019</a:t>
+            </a:r>
+            <a:endParaRPr lang="en-US" dirty="0"/>
+          </a:p>
+        </p:txBody>
+      </p:sp>
+      <p:sp>
+        <p:nvSpPr>
+          <p:cNvPr id="15" name="Slide Number Placeholder 14"/>
+          <p:cNvSpPr>
+            <a:spLocks noGrp="1"/>
+          </p:cNvSpPr>
+          <p:nvPr>
+            <p:ph type="sldNum" sz="quarter" idx="12"/>
+          </p:nvPr>
+        </p:nvSpPr>
+        <p:spPr/>
+        <p:txBody>
+          <a:bodyPr/>
+          <a:lstStyle/>
+          <a:p>
+            <a:fld id="{6D22F896-40B5-4ADD-8801-0D06FADFA095}" type="slidenum">
+              <a:rPr lang="en-US" smtClean="0"/>
+              <a:t>72</a:t>
+            </a:fld>
+            <a:endParaRPr lang="en-US" dirty="0"/>
+          </a:p>
+        </p:txBody>
+      </p:sp>
+    </p:spTree>
+    <p:extLst>
+      <p:ext uri="{BB962C8B-B14F-4D97-AF65-F5344CB8AC3E}">
+        <p14:creationId xmlns:p14="http://schemas.microsoft.com/office/powerpoint/2010/main" val="1609143649"/>
+      </p:ext>
+    </p:extLst>
+  </p:cSld>
+  <p:clrMapOvr>
+    <a:masterClrMapping/>
+  </p:clrMapOvr>
+  <p:timing>
+    <p:tnLst>
+      <p:par>
+        <p:cTn id="1" dur="indefinite" restart="never" nodeType="tmRoot"/>
+      </p:par>
+    </p:tnLst>
+  </p:timing>
+</p:sld>
+</file>
+
+<file path=ppt/slides/slide73.xml><?xml version="1.0" encoding="utf-8"?>
+<p:sld xmlns:a="http://schemas.openxmlformats.org/drawingml/2006/main" xmlns:r="http://schemas.openxmlformats.org/officeDocument/2006/relationships" xmlns:p="http://schemas.openxmlformats.org/presentationml/2006/main">
+  <p:cSld>
+    <p:spTree>
+      <p:nvGrpSpPr>
+        <p:cNvPr id="1" name=""/>
+        <p:cNvGrpSpPr/>
+        <p:nvPr/>
+      </p:nvGrpSpPr>
+      <p:grpSpPr>
+        <a:xfrm>
+          <a:off x="0" y="0"/>
+          <a:ext cx="0" cy="0"/>
+          <a:chOff x="0" y="0"/>
+          <a:chExt cx="0" cy="0"/>
+        </a:xfrm>
+      </p:grpSpPr>
+      <p:sp>
+        <p:nvSpPr>
+          <p:cNvPr id="2" name="Title 1"/>
+          <p:cNvSpPr>
+            <a:spLocks noGrp="1"/>
+          </p:cNvSpPr>
+          <p:nvPr>
+            <p:ph type="title"/>
+          </p:nvPr>
+        </p:nvSpPr>
+        <p:spPr/>
+        <p:txBody>
+          <a:bodyPr/>
+          <a:lstStyle/>
+          <a:p>
+            <a:r>
+              <a:rPr lang="en-IN" b="1" dirty="0" smtClean="0"/>
+              <a:t>17.1 Problem without DI (1)</a:t>
+            </a:r>
+            <a:endParaRPr lang="en-IN" b="1" dirty="0"/>
+          </a:p>
+        </p:txBody>
+      </p:sp>
+      <p:sp>
+        <p:nvSpPr>
+          <p:cNvPr id="11" name="Content Placeholder 10"/>
+          <p:cNvSpPr>
+            <a:spLocks noGrp="1"/>
+          </p:cNvSpPr>
+          <p:nvPr>
+            <p:ph idx="1"/>
+          </p:nvPr>
+        </p:nvSpPr>
+        <p:spPr>
+          <a:xfrm>
+            <a:off x="1154955" y="2603500"/>
+            <a:ext cx="6980516" cy="3788338"/>
+          </a:xfrm>
+        </p:spPr>
+        <p:txBody>
+          <a:bodyPr>
+            <a:normAutofit/>
+          </a:bodyPr>
+          <a:lstStyle/>
+          <a:p>
+            <a:r>
+              <a:rPr lang="en-IN" dirty="0" smtClean="0"/>
+              <a:t>Lets take an example of creating a car which is only made up of Engine and tyre.</a:t>
+            </a:r>
+          </a:p>
+          <a:p>
+            <a:r>
+              <a:rPr lang="en-IN" dirty="0" smtClean="0"/>
+              <a:t>So we have 3 classes </a:t>
+            </a:r>
+          </a:p>
+          <a:p>
+            <a:pPr lvl="1"/>
+            <a:r>
+              <a:rPr lang="en-IN" dirty="0" smtClean="0"/>
+              <a:t>1. Car, which has dependency of the following 2 classes</a:t>
+            </a:r>
+          </a:p>
+          <a:p>
+            <a:pPr lvl="1"/>
+            <a:r>
+              <a:rPr lang="en-IN" dirty="0" smtClean="0"/>
+              <a:t>2. Engine </a:t>
+            </a:r>
+          </a:p>
+          <a:p>
+            <a:pPr lvl="1"/>
+            <a:r>
+              <a:rPr lang="en-IN" dirty="0" smtClean="0"/>
+              <a:t>3. Tyre</a:t>
+            </a:r>
+          </a:p>
+          <a:p>
+            <a:r>
+              <a:rPr lang="en-IN" dirty="0" smtClean="0"/>
+              <a:t>Here To get Car object we are creating both Engine and Tyre in Car constructor meaning, if I want to create a car it will automatically create engine and tyre </a:t>
+            </a:r>
+          </a:p>
+          <a:p>
+            <a:r>
+              <a:rPr lang="en-IN" b="1" dirty="0" smtClean="0"/>
+              <a:t>So far no problem with the example…..</a:t>
+            </a:r>
+            <a:endParaRPr lang="en-IN" b="1" dirty="0"/>
+          </a:p>
+          <a:p>
+            <a:pPr lvl="1"/>
+            <a:endParaRPr lang="en-IN" dirty="0"/>
+          </a:p>
+        </p:txBody>
+      </p:sp>
+      <p:sp>
+        <p:nvSpPr>
+          <p:cNvPr id="4" name="Date Placeholder 3"/>
+          <p:cNvSpPr>
+            <a:spLocks noGrp="1"/>
+          </p:cNvSpPr>
+          <p:nvPr>
+            <p:ph type="dt" sz="half" idx="10"/>
+          </p:nvPr>
+        </p:nvSpPr>
+        <p:spPr/>
+        <p:txBody>
+          <a:bodyPr/>
+          <a:lstStyle/>
+          <a:p>
+            <a:r>
+              <a:rPr lang="en-US" smtClean="0"/>
+              <a:t>5/6/2019</a:t>
+            </a:r>
+            <a:endParaRPr lang="en-US" dirty="0"/>
+          </a:p>
+        </p:txBody>
+      </p:sp>
+      <p:sp>
+        <p:nvSpPr>
+          <p:cNvPr id="5" name="Slide Number Placeholder 4"/>
+          <p:cNvSpPr>
+            <a:spLocks noGrp="1"/>
+          </p:cNvSpPr>
+          <p:nvPr>
+            <p:ph type="sldNum" sz="quarter" idx="12"/>
+          </p:nvPr>
+        </p:nvSpPr>
+        <p:spPr/>
+        <p:txBody>
+          <a:bodyPr/>
+          <a:lstStyle/>
+          <a:p>
+            <a:fld id="{6D22F896-40B5-4ADD-8801-0D06FADFA095}" type="slidenum">
+              <a:rPr lang="en-US" smtClean="0"/>
+              <a:t>73</a:t>
+            </a:fld>
+            <a:endParaRPr lang="en-US" dirty="0"/>
+          </a:p>
+        </p:txBody>
+      </p:sp>
+      <p:pic>
+        <p:nvPicPr>
+          <p:cNvPr id="6" name="Picture 5"/>
+          <p:cNvPicPr>
+            <a:picLocks noChangeAspect="1"/>
+          </p:cNvPicPr>
+          <p:nvPr/>
+        </p:nvPicPr>
+        <p:blipFill>
+          <a:blip r:embed="rId2"/>
+          <a:stretch>
+            <a:fillRect/>
+          </a:stretch>
+        </p:blipFill>
+        <p:spPr>
+          <a:xfrm>
+            <a:off x="8937134" y="2788564"/>
+            <a:ext cx="1958466" cy="1409140"/>
+          </a:xfrm>
+          <a:prstGeom prst="rect">
+            <a:avLst/>
+          </a:prstGeom>
+        </p:spPr>
+      </p:pic>
+      <p:pic>
+        <p:nvPicPr>
+          <p:cNvPr id="7" name="Picture 6"/>
+          <p:cNvPicPr>
+            <a:picLocks noChangeAspect="1"/>
+          </p:cNvPicPr>
+          <p:nvPr/>
+        </p:nvPicPr>
+        <p:blipFill>
+          <a:blip r:embed="rId3"/>
+          <a:stretch>
+            <a:fillRect/>
+          </a:stretch>
+        </p:blipFill>
+        <p:spPr>
+          <a:xfrm>
+            <a:off x="8370640" y="4340590"/>
+            <a:ext cx="3273063" cy="1908362"/>
+          </a:xfrm>
+          <a:prstGeom prst="rect">
+            <a:avLst/>
+          </a:prstGeom>
+        </p:spPr>
+      </p:pic>
+      <p:sp>
+        <p:nvSpPr>
+          <p:cNvPr id="13" name="Rectangle 12"/>
+          <p:cNvSpPr/>
+          <p:nvPr/>
+        </p:nvSpPr>
+        <p:spPr>
+          <a:xfrm>
+            <a:off x="8956462" y="5305636"/>
+            <a:ext cx="2527326" cy="516940"/>
+          </a:xfrm>
+          <a:prstGeom prst="rect">
+            <a:avLst/>
+          </a:prstGeom>
+          <a:noFill/>
+          <a:ln w="28575">
+            <a:solidFill>
+              <a:srgbClr val="FFFF00"/>
+            </a:solidFill>
+          </a:ln>
+        </p:spPr>
+        <p:style>
+          <a:lnRef idx="2">
+            <a:schemeClr val="accent1">
+              <a:shade val="50000"/>
+            </a:schemeClr>
+          </a:lnRef>
+          <a:fillRef idx="1">
+            <a:schemeClr val="accent1"/>
+          </a:fillRef>
+          <a:effectRef idx="0">
+            <a:schemeClr val="accent1"/>
+          </a:effectRef>
+          <a:fontRef idx="minor">
+            <a:schemeClr val="lt1"/>
+          </a:fontRef>
+        </p:style>
+        <p:txBody>
+          <a:bodyPr rtlCol="0" anchor="ctr"/>
+          <a:lstStyle/>
+          <a:p>
+            <a:pPr algn="ctr"/>
+            <a:endParaRPr lang="en-IN"/>
+          </a:p>
+        </p:txBody>
+      </p:sp>
+      <p:sp>
+        <p:nvSpPr>
+          <p:cNvPr id="14" name="Rectangle 13"/>
+          <p:cNvSpPr/>
+          <p:nvPr/>
+        </p:nvSpPr>
+        <p:spPr>
+          <a:xfrm>
+            <a:off x="9350671" y="2999071"/>
+            <a:ext cx="1366635" cy="242968"/>
+          </a:xfrm>
+          <a:prstGeom prst="rect">
+            <a:avLst/>
+          </a:prstGeom>
+          <a:noFill/>
+          <a:ln w="28575">
+            <a:solidFill>
+              <a:srgbClr val="FFFF00"/>
+            </a:solidFill>
+          </a:ln>
+        </p:spPr>
+        <p:style>
+          <a:lnRef idx="2">
+            <a:schemeClr val="accent1">
+              <a:shade val="50000"/>
+            </a:schemeClr>
+          </a:lnRef>
+          <a:fillRef idx="1">
+            <a:schemeClr val="accent1"/>
+          </a:fillRef>
+          <a:effectRef idx="0">
+            <a:schemeClr val="accent1"/>
+          </a:effectRef>
+          <a:fontRef idx="minor">
+            <a:schemeClr val="lt1"/>
+          </a:fontRef>
+        </p:style>
+        <p:txBody>
+          <a:bodyPr rtlCol="0" anchor="ctr"/>
+          <a:lstStyle/>
+          <a:p>
+            <a:pPr algn="ctr"/>
+            <a:endParaRPr lang="en-IN"/>
+          </a:p>
+        </p:txBody>
+      </p:sp>
+    </p:spTree>
+    <p:extLst>
+      <p:ext uri="{BB962C8B-B14F-4D97-AF65-F5344CB8AC3E}">
+        <p14:creationId xmlns:p14="http://schemas.microsoft.com/office/powerpoint/2010/main" val="3763015044"/>
+      </p:ext>
+    </p:extLst>
+  </p:cSld>
+  <p:clrMapOvr>
+    <a:masterClrMapping/>
+  </p:clrMapOvr>
+</p:sld>
+</file>
+
+<file path=ppt/slides/slide74.xml><?xml version="1.0" encoding="utf-8"?>
+<p:sld xmlns:a="http://schemas.openxmlformats.org/drawingml/2006/main" xmlns:r="http://schemas.openxmlformats.org/officeDocument/2006/relationships" xmlns:p="http://schemas.openxmlformats.org/presentationml/2006/main">
+  <p:cSld>
+    <p:spTree>
+      <p:nvGrpSpPr>
+        <p:cNvPr id="1" name=""/>
+        <p:cNvGrpSpPr/>
+        <p:nvPr/>
+      </p:nvGrpSpPr>
+      <p:grpSpPr>
+        <a:xfrm>
+          <a:off x="0" y="0"/>
+          <a:ext cx="0" cy="0"/>
+          <a:chOff x="0" y="0"/>
+          <a:chExt cx="0" cy="0"/>
+        </a:xfrm>
+      </p:grpSpPr>
+      <p:sp>
+        <p:nvSpPr>
+          <p:cNvPr id="2" name="Title 1"/>
+          <p:cNvSpPr>
+            <a:spLocks noGrp="1"/>
+          </p:cNvSpPr>
+          <p:nvPr>
+            <p:ph type="title"/>
+          </p:nvPr>
+        </p:nvSpPr>
+        <p:spPr/>
+        <p:txBody>
+          <a:bodyPr/>
+          <a:lstStyle/>
+          <a:p>
+            <a:r>
+              <a:rPr lang="en-IN" b="1" dirty="0" smtClean="0"/>
+              <a:t>17.1 Problem without DI</a:t>
+            </a:r>
+            <a:endParaRPr lang="en-IN" b="1" dirty="0"/>
+          </a:p>
+        </p:txBody>
+      </p:sp>
+      <p:sp>
+        <p:nvSpPr>
+          <p:cNvPr id="3" name="Content Placeholder 2"/>
+          <p:cNvSpPr>
+            <a:spLocks noGrp="1"/>
+          </p:cNvSpPr>
+          <p:nvPr>
+            <p:ph idx="1"/>
+          </p:nvPr>
+        </p:nvSpPr>
+        <p:spPr>
+          <a:xfrm>
+            <a:off x="1154955" y="2603500"/>
+            <a:ext cx="7731260" cy="3689724"/>
+          </a:xfrm>
+        </p:spPr>
+        <p:txBody>
+          <a:bodyPr>
+            <a:normAutofit/>
+          </a:bodyPr>
+          <a:lstStyle/>
+          <a:p>
+            <a:r>
+              <a:rPr lang="en-IN" dirty="0" smtClean="0"/>
+              <a:t>Now the requirement is changing and the engine constructor is getting a parameter</a:t>
+            </a:r>
+          </a:p>
+          <a:p>
+            <a:r>
+              <a:rPr lang="en-IN" dirty="0" smtClean="0"/>
+              <a:t>Now the class code has broken, because no parameter passed for Engine object creation inside car constructor.</a:t>
+            </a:r>
+          </a:p>
+          <a:p>
+            <a:r>
+              <a:rPr lang="en-IN" dirty="0" smtClean="0"/>
+              <a:t>Only possible way to solve this is we have to modify the code</a:t>
+            </a:r>
+          </a:p>
+          <a:p>
+            <a:r>
+              <a:rPr lang="en-IN" dirty="0" smtClean="0"/>
+              <a:t>As it’s a simple application its easy to maintain but what if the car 20 dependency and those have other dependency…</a:t>
+            </a:r>
+          </a:p>
+          <a:p>
+            <a:r>
+              <a:rPr lang="en-IN" dirty="0" smtClean="0"/>
+              <a:t>EOD code will be mess and out of Control</a:t>
+            </a:r>
+          </a:p>
+          <a:p>
+            <a:r>
+              <a:rPr lang="en-IN" b="1" dirty="0" smtClean="0"/>
+              <a:t>Solution for this problem is Dependency Injection</a:t>
+            </a:r>
+            <a:endParaRPr lang="en-IN" b="1" dirty="0"/>
+          </a:p>
+        </p:txBody>
+      </p:sp>
+      <p:sp>
+        <p:nvSpPr>
+          <p:cNvPr id="4" name="Date Placeholder 3"/>
+          <p:cNvSpPr>
+            <a:spLocks noGrp="1"/>
+          </p:cNvSpPr>
+          <p:nvPr>
+            <p:ph type="dt" sz="half" idx="10"/>
+          </p:nvPr>
+        </p:nvSpPr>
+        <p:spPr/>
+        <p:txBody>
+          <a:bodyPr/>
+          <a:lstStyle/>
+          <a:p>
+            <a:r>
+              <a:rPr lang="en-US" smtClean="0"/>
+              <a:t>5/6/2019</a:t>
+            </a:r>
+            <a:endParaRPr lang="en-US" dirty="0"/>
+          </a:p>
+        </p:txBody>
+      </p:sp>
+      <p:sp>
+        <p:nvSpPr>
+          <p:cNvPr id="5" name="Slide Number Placeholder 4"/>
+          <p:cNvSpPr>
+            <a:spLocks noGrp="1"/>
+          </p:cNvSpPr>
+          <p:nvPr>
+            <p:ph type="sldNum" sz="quarter" idx="12"/>
+          </p:nvPr>
+        </p:nvSpPr>
+        <p:spPr/>
+        <p:txBody>
+          <a:bodyPr/>
+          <a:lstStyle/>
+          <a:p>
+            <a:fld id="{6D22F896-40B5-4ADD-8801-0D06FADFA095}" type="slidenum">
+              <a:rPr lang="en-US" smtClean="0"/>
+              <a:t>74</a:t>
+            </a:fld>
+            <a:endParaRPr lang="en-US" dirty="0"/>
+          </a:p>
+        </p:txBody>
+      </p:sp>
+      <p:pic>
+        <p:nvPicPr>
+          <p:cNvPr id="8" name="Picture 7"/>
+          <p:cNvPicPr>
+            <a:picLocks noChangeAspect="1"/>
+          </p:cNvPicPr>
+          <p:nvPr/>
+        </p:nvPicPr>
+        <p:blipFill>
+          <a:blip r:embed="rId2"/>
+          <a:stretch>
+            <a:fillRect/>
+          </a:stretch>
+        </p:blipFill>
+        <p:spPr>
+          <a:xfrm>
+            <a:off x="9005278" y="2767575"/>
+            <a:ext cx="2400300" cy="1209675"/>
+          </a:xfrm>
+          <a:prstGeom prst="rect">
+            <a:avLst/>
+          </a:prstGeom>
+        </p:spPr>
+      </p:pic>
+      <p:pic>
+        <p:nvPicPr>
+          <p:cNvPr id="9" name="Picture 8"/>
+          <p:cNvPicPr>
+            <a:picLocks noChangeAspect="1"/>
+          </p:cNvPicPr>
+          <p:nvPr/>
+        </p:nvPicPr>
+        <p:blipFill>
+          <a:blip r:embed="rId3"/>
+          <a:stretch>
+            <a:fillRect/>
+          </a:stretch>
+        </p:blipFill>
+        <p:spPr>
+          <a:xfrm>
+            <a:off x="8886215" y="4071684"/>
+            <a:ext cx="2638425" cy="1609725"/>
+          </a:xfrm>
+          <a:prstGeom prst="rect">
+            <a:avLst/>
+          </a:prstGeom>
+        </p:spPr>
+      </p:pic>
+      <p:sp>
+        <p:nvSpPr>
+          <p:cNvPr id="10" name="Rectangle 9"/>
+          <p:cNvSpPr/>
+          <p:nvPr/>
+        </p:nvSpPr>
+        <p:spPr>
+          <a:xfrm>
+            <a:off x="9311668" y="2946246"/>
+            <a:ext cx="2040122" cy="242968"/>
+          </a:xfrm>
+          <a:prstGeom prst="rect">
+            <a:avLst/>
+          </a:prstGeom>
+          <a:noFill/>
+          <a:ln w="28575">
+            <a:solidFill>
+              <a:srgbClr val="FFFF00"/>
+            </a:solidFill>
+          </a:ln>
+        </p:spPr>
+        <p:style>
+          <a:lnRef idx="2">
+            <a:schemeClr val="accent1">
+              <a:shade val="50000"/>
+            </a:schemeClr>
+          </a:lnRef>
+          <a:fillRef idx="1">
+            <a:schemeClr val="accent1"/>
+          </a:fillRef>
+          <a:effectRef idx="0">
+            <a:schemeClr val="accent1"/>
+          </a:effectRef>
+          <a:fontRef idx="minor">
+            <a:schemeClr val="lt1"/>
+          </a:fontRef>
+        </p:style>
+        <p:txBody>
+          <a:bodyPr rtlCol="0" anchor="ctr"/>
+          <a:lstStyle/>
+          <a:p>
+            <a:pPr algn="ctr"/>
+            <a:endParaRPr lang="en-IN"/>
+          </a:p>
+        </p:txBody>
+      </p:sp>
+      <p:sp>
+        <p:nvSpPr>
+          <p:cNvPr id="11" name="Rectangle 10"/>
+          <p:cNvSpPr/>
+          <p:nvPr/>
+        </p:nvSpPr>
+        <p:spPr>
+          <a:xfrm>
+            <a:off x="9447210" y="4921624"/>
+            <a:ext cx="2040122" cy="523810"/>
+          </a:xfrm>
+          <a:prstGeom prst="rect">
+            <a:avLst/>
+          </a:prstGeom>
+          <a:noFill/>
+          <a:ln w="28575">
+            <a:solidFill>
+              <a:srgbClr val="FF0000"/>
+            </a:solidFill>
+          </a:ln>
+        </p:spPr>
+        <p:style>
+          <a:lnRef idx="2">
+            <a:schemeClr val="accent1">
+              <a:shade val="50000"/>
+            </a:schemeClr>
+          </a:lnRef>
+          <a:fillRef idx="1">
+            <a:schemeClr val="accent1"/>
+          </a:fillRef>
+          <a:effectRef idx="0">
+            <a:schemeClr val="accent1"/>
+          </a:effectRef>
+          <a:fontRef idx="minor">
+            <a:schemeClr val="lt1"/>
+          </a:fontRef>
+        </p:style>
+        <p:txBody>
+          <a:bodyPr rtlCol="0" anchor="ctr"/>
+          <a:lstStyle/>
+          <a:p>
+            <a:pPr algn="ctr"/>
+            <a:endParaRPr lang="en-IN"/>
+          </a:p>
+        </p:txBody>
+      </p:sp>
+    </p:spTree>
+    <p:extLst>
+      <p:ext uri="{BB962C8B-B14F-4D97-AF65-F5344CB8AC3E}">
+        <p14:creationId xmlns:p14="http://schemas.microsoft.com/office/powerpoint/2010/main" val="4094431131"/>
+      </p:ext>
+    </p:extLst>
+  </p:cSld>
+  <p:clrMapOvr>
+    <a:masterClrMapping/>
+  </p:clrMapOvr>
+</p:sld>
+</file>
+
+<file path=ppt/slides/slide75.xml><?xml version="1.0" encoding="utf-8"?>
+<p:sld xmlns:a="http://schemas.openxmlformats.org/drawingml/2006/main" xmlns:r="http://schemas.openxmlformats.org/officeDocument/2006/relationships" xmlns:p="http://schemas.openxmlformats.org/presentationml/2006/main">
+  <p:cSld>
+    <p:spTree>
+      <p:nvGrpSpPr>
+        <p:cNvPr id="1" name=""/>
+        <p:cNvGrpSpPr/>
+        <p:nvPr/>
+      </p:nvGrpSpPr>
+      <p:grpSpPr>
+        <a:xfrm>
+          <a:off x="0" y="0"/>
+          <a:ext cx="0" cy="0"/>
+          <a:chOff x="0" y="0"/>
+          <a:chExt cx="0" cy="0"/>
+        </a:xfrm>
+      </p:grpSpPr>
+      <p:sp>
+        <p:nvSpPr>
+          <p:cNvPr id="2" name="Title 1"/>
+          <p:cNvSpPr>
+            <a:spLocks noGrp="1"/>
+          </p:cNvSpPr>
+          <p:nvPr>
+            <p:ph type="title"/>
+          </p:nvPr>
+        </p:nvSpPr>
+        <p:spPr/>
+        <p:txBody>
+          <a:bodyPr/>
+          <a:lstStyle/>
+          <a:p>
+            <a:r>
+              <a:rPr lang="en-IN" b="1" dirty="0" smtClean="0"/>
+              <a:t>17.2 DI as a Design Pattern(1)</a:t>
+            </a:r>
+            <a:endParaRPr lang="en-IN" b="1" dirty="0"/>
+          </a:p>
+        </p:txBody>
+      </p:sp>
+      <p:sp>
+        <p:nvSpPr>
+          <p:cNvPr id="4" name="Date Placeholder 3"/>
+          <p:cNvSpPr>
+            <a:spLocks noGrp="1"/>
+          </p:cNvSpPr>
+          <p:nvPr>
+            <p:ph type="dt" sz="half" idx="10"/>
+          </p:nvPr>
+        </p:nvSpPr>
+        <p:spPr/>
+        <p:txBody>
+          <a:bodyPr/>
+          <a:lstStyle/>
+          <a:p>
+            <a:r>
+              <a:rPr lang="en-US" smtClean="0"/>
+              <a:t>5/6/2019</a:t>
+            </a:r>
+            <a:endParaRPr lang="en-US" dirty="0"/>
+          </a:p>
+        </p:txBody>
+      </p:sp>
+      <p:sp>
+        <p:nvSpPr>
+          <p:cNvPr id="5" name="Slide Number Placeholder 4"/>
+          <p:cNvSpPr>
+            <a:spLocks noGrp="1"/>
+          </p:cNvSpPr>
+          <p:nvPr>
+            <p:ph type="sldNum" sz="quarter" idx="12"/>
+          </p:nvPr>
+        </p:nvSpPr>
+        <p:spPr/>
+        <p:txBody>
+          <a:bodyPr/>
+          <a:lstStyle/>
+          <a:p>
+            <a:fld id="{6D22F896-40B5-4ADD-8801-0D06FADFA095}" type="slidenum">
+              <a:rPr lang="en-US" smtClean="0"/>
+              <a:t>75</a:t>
+            </a:fld>
+            <a:endParaRPr lang="en-US" dirty="0"/>
+          </a:p>
+        </p:txBody>
+      </p:sp>
+      <p:sp>
+        <p:nvSpPr>
+          <p:cNvPr id="6" name="Content Placeholder 5"/>
+          <p:cNvSpPr>
+            <a:spLocks noGrp="1"/>
+          </p:cNvSpPr>
+          <p:nvPr>
+            <p:ph idx="1"/>
+          </p:nvPr>
+        </p:nvSpPr>
+        <p:spPr>
+          <a:xfrm>
+            <a:off x="1154954" y="2603500"/>
+            <a:ext cx="10035785" cy="1618876"/>
+          </a:xfrm>
+        </p:spPr>
+        <p:txBody>
+          <a:bodyPr>
+            <a:normAutofit fontScale="92500" lnSpcReduction="10000"/>
+          </a:bodyPr>
+          <a:lstStyle/>
+          <a:p>
+            <a:r>
+              <a:rPr lang="en-IN" dirty="0" smtClean="0"/>
+              <a:t>DI is a coding pattern in which a class receives its dependencies from external sources rather than creating them itself</a:t>
+            </a:r>
+          </a:p>
+          <a:p>
+            <a:r>
+              <a:rPr lang="en-IN" dirty="0" smtClean="0"/>
+              <a:t>In this car class we are passing car object as a parameter rather than creating inside constructor</a:t>
+            </a:r>
+          </a:p>
+          <a:p>
+            <a:r>
+              <a:rPr lang="en-IN" dirty="0" smtClean="0"/>
+              <a:t>So any modification in Engine object creation will not affect car object creation</a:t>
+            </a:r>
+            <a:endParaRPr lang="en-IN" dirty="0"/>
+          </a:p>
+        </p:txBody>
+      </p:sp>
+      <p:pic>
+        <p:nvPicPr>
+          <p:cNvPr id="7" name="Picture 6"/>
+          <p:cNvPicPr>
+            <a:picLocks noChangeAspect="1"/>
+          </p:cNvPicPr>
+          <p:nvPr/>
+        </p:nvPicPr>
+        <p:blipFill>
+          <a:blip r:embed="rId2"/>
+          <a:stretch>
+            <a:fillRect/>
+          </a:stretch>
+        </p:blipFill>
+        <p:spPr>
+          <a:xfrm>
+            <a:off x="2265269" y="4450976"/>
+            <a:ext cx="3431974" cy="2093261"/>
+          </a:xfrm>
+          <a:prstGeom prst="rect">
+            <a:avLst/>
+          </a:prstGeom>
+        </p:spPr>
+      </p:pic>
+      <p:pic>
+        <p:nvPicPr>
+          <p:cNvPr id="12" name="Picture 11"/>
+          <p:cNvPicPr>
+            <a:picLocks noChangeAspect="1"/>
+          </p:cNvPicPr>
+          <p:nvPr/>
+        </p:nvPicPr>
+        <p:blipFill>
+          <a:blip r:embed="rId3"/>
+          <a:stretch>
+            <a:fillRect/>
+          </a:stretch>
+        </p:blipFill>
+        <p:spPr>
+          <a:xfrm>
+            <a:off x="6121213" y="4450976"/>
+            <a:ext cx="2909278" cy="2093261"/>
+          </a:xfrm>
+          <a:prstGeom prst="rect">
+            <a:avLst/>
+          </a:prstGeom>
+        </p:spPr>
+      </p:pic>
+    </p:spTree>
+    <p:extLst>
+      <p:ext uri="{BB962C8B-B14F-4D97-AF65-F5344CB8AC3E}">
+        <p14:creationId xmlns:p14="http://schemas.microsoft.com/office/powerpoint/2010/main" val="2548584208"/>
+      </p:ext>
+    </p:extLst>
+  </p:cSld>
+  <p:clrMapOvr>
+    <a:masterClrMapping/>
+  </p:clrMapOvr>
+</p:sld>
+</file>
+
+<file path=ppt/slides/slide76.xml><?xml version="1.0" encoding="utf-8"?>
+<p:sld xmlns:a="http://schemas.openxmlformats.org/drawingml/2006/main" xmlns:r="http://schemas.openxmlformats.org/officeDocument/2006/relationships" xmlns:p="http://schemas.openxmlformats.org/presentationml/2006/main">
+  <p:cSld>
+    <p:spTree>
+      <p:nvGrpSpPr>
+        <p:cNvPr id="1" name=""/>
+        <p:cNvGrpSpPr/>
+        <p:nvPr/>
+      </p:nvGrpSpPr>
+      <p:grpSpPr>
+        <a:xfrm>
+          <a:off x="0" y="0"/>
+          <a:ext cx="0" cy="0"/>
+          <a:chOff x="0" y="0"/>
+          <a:chExt cx="0" cy="0"/>
+        </a:xfrm>
+      </p:grpSpPr>
+      <p:sp>
+        <p:nvSpPr>
+          <p:cNvPr id="2" name="Title 1"/>
+          <p:cNvSpPr>
+            <a:spLocks noGrp="1"/>
+          </p:cNvSpPr>
+          <p:nvPr>
+            <p:ph type="title"/>
+          </p:nvPr>
+        </p:nvSpPr>
+        <p:spPr/>
+        <p:txBody>
+          <a:bodyPr/>
+          <a:lstStyle/>
+          <a:p>
+            <a:r>
+              <a:rPr lang="en-IN" b="1" dirty="0" smtClean="0"/>
+              <a:t>17.2 DI as a Design Pattern(2)</a:t>
+            </a:r>
+            <a:endParaRPr lang="en-IN" b="1" dirty="0"/>
+          </a:p>
+        </p:txBody>
+      </p:sp>
+      <p:sp>
+        <p:nvSpPr>
+          <p:cNvPr id="4" name="Date Placeholder 3"/>
+          <p:cNvSpPr>
+            <a:spLocks noGrp="1"/>
+          </p:cNvSpPr>
+          <p:nvPr>
+            <p:ph type="dt" sz="half" idx="10"/>
+          </p:nvPr>
+        </p:nvSpPr>
+        <p:spPr/>
+        <p:txBody>
+          <a:bodyPr/>
+          <a:lstStyle/>
+          <a:p>
+            <a:r>
+              <a:rPr lang="en-US" smtClean="0"/>
+              <a:t>5/6/2019</a:t>
+            </a:r>
+            <a:endParaRPr lang="en-US" dirty="0"/>
+          </a:p>
+        </p:txBody>
+      </p:sp>
+      <p:sp>
+        <p:nvSpPr>
+          <p:cNvPr id="5" name="Slide Number Placeholder 4"/>
+          <p:cNvSpPr>
+            <a:spLocks noGrp="1"/>
+          </p:cNvSpPr>
+          <p:nvPr>
+            <p:ph type="sldNum" sz="quarter" idx="12"/>
+          </p:nvPr>
+        </p:nvSpPr>
+        <p:spPr/>
+        <p:txBody>
+          <a:bodyPr/>
+          <a:lstStyle/>
+          <a:p>
+            <a:fld id="{6D22F896-40B5-4ADD-8801-0D06FADFA095}" type="slidenum">
+              <a:rPr lang="en-US" smtClean="0"/>
+              <a:t>76</a:t>
+            </a:fld>
+            <a:endParaRPr lang="en-US" dirty="0"/>
+          </a:p>
+        </p:txBody>
+      </p:sp>
+      <p:sp>
+        <p:nvSpPr>
+          <p:cNvPr id="6" name="Content Placeholder 5"/>
+          <p:cNvSpPr>
+            <a:spLocks noGrp="1"/>
+          </p:cNvSpPr>
+          <p:nvPr>
+            <p:ph idx="1"/>
+          </p:nvPr>
+        </p:nvSpPr>
+        <p:spPr>
+          <a:xfrm>
+            <a:off x="1154954" y="2576605"/>
+            <a:ext cx="10035785" cy="1618876"/>
+          </a:xfrm>
+        </p:spPr>
+        <p:txBody>
+          <a:bodyPr>
+            <a:normAutofit/>
+          </a:bodyPr>
+          <a:lstStyle/>
+          <a:p>
+            <a:r>
+              <a:rPr lang="en-IN" dirty="0" smtClean="0"/>
+              <a:t>Now after DI lets see how the changes in the dependency classes(Engine, Tyre) is not affecting the Car class</a:t>
+            </a:r>
+          </a:p>
+          <a:p>
+            <a:r>
+              <a:rPr lang="en-IN" dirty="0" smtClean="0"/>
+              <a:t>If the parameter is added or not the end result of Engine object is </a:t>
+            </a:r>
+            <a:r>
+              <a:rPr lang="en-IN" b="1" dirty="0" err="1" smtClean="0"/>
+              <a:t>myEngine</a:t>
+            </a:r>
+            <a:r>
+              <a:rPr lang="en-IN" b="1" dirty="0" smtClean="0"/>
+              <a:t>, </a:t>
+            </a:r>
+            <a:r>
+              <a:rPr lang="en-IN" dirty="0" smtClean="0"/>
+              <a:t>by taking that object as parameter the car class will not get affected</a:t>
+            </a:r>
+            <a:endParaRPr lang="en-IN" dirty="0"/>
+          </a:p>
+        </p:txBody>
+      </p:sp>
+      <p:pic>
+        <p:nvPicPr>
+          <p:cNvPr id="3" name="Picture 2"/>
+          <p:cNvPicPr>
+            <a:picLocks noChangeAspect="1"/>
+          </p:cNvPicPr>
+          <p:nvPr/>
+        </p:nvPicPr>
+        <p:blipFill>
+          <a:blip r:embed="rId2"/>
+          <a:stretch>
+            <a:fillRect/>
+          </a:stretch>
+        </p:blipFill>
+        <p:spPr>
+          <a:xfrm>
+            <a:off x="1154954" y="4472329"/>
+            <a:ext cx="4204190" cy="893047"/>
+          </a:xfrm>
+          <a:prstGeom prst="rect">
+            <a:avLst/>
+          </a:prstGeom>
+        </p:spPr>
+      </p:pic>
+      <p:pic>
+        <p:nvPicPr>
+          <p:cNvPr id="8" name="Picture 7"/>
+          <p:cNvPicPr>
+            <a:picLocks noChangeAspect="1"/>
+          </p:cNvPicPr>
+          <p:nvPr/>
+        </p:nvPicPr>
+        <p:blipFill>
+          <a:blip r:embed="rId3"/>
+          <a:stretch>
+            <a:fillRect/>
+          </a:stretch>
+        </p:blipFill>
+        <p:spPr>
+          <a:xfrm>
+            <a:off x="5431017" y="4472329"/>
+            <a:ext cx="4049160" cy="890815"/>
+          </a:xfrm>
+          <a:prstGeom prst="rect">
+            <a:avLst/>
+          </a:prstGeom>
+        </p:spPr>
+      </p:pic>
+      <p:pic>
+        <p:nvPicPr>
+          <p:cNvPr id="9" name="Picture 8"/>
+          <p:cNvPicPr>
+            <a:picLocks noChangeAspect="1"/>
+          </p:cNvPicPr>
+          <p:nvPr/>
+        </p:nvPicPr>
+        <p:blipFill>
+          <a:blip r:embed="rId4"/>
+          <a:stretch>
+            <a:fillRect/>
+          </a:stretch>
+        </p:blipFill>
+        <p:spPr>
+          <a:xfrm>
+            <a:off x="3589244" y="5528141"/>
+            <a:ext cx="4274568" cy="863697"/>
+          </a:xfrm>
+          <a:prstGeom prst="rect">
+            <a:avLst/>
+          </a:prstGeom>
+        </p:spPr>
+      </p:pic>
+      <p:sp>
+        <p:nvSpPr>
+          <p:cNvPr id="11" name="Rectangle 10"/>
+          <p:cNvSpPr/>
+          <p:nvPr/>
+        </p:nvSpPr>
+        <p:spPr>
+          <a:xfrm>
+            <a:off x="1195295" y="5017373"/>
+            <a:ext cx="4102846" cy="240427"/>
+          </a:xfrm>
+          <a:prstGeom prst="rect">
+            <a:avLst/>
+          </a:prstGeom>
+          <a:noFill/>
+          <a:ln w="28575">
+            <a:solidFill>
+              <a:srgbClr val="FFFF00"/>
+            </a:solidFill>
+          </a:ln>
+        </p:spPr>
+        <p:style>
+          <a:lnRef idx="2">
+            <a:schemeClr val="accent1">
+              <a:shade val="50000"/>
+            </a:schemeClr>
+          </a:lnRef>
+          <a:fillRef idx="1">
+            <a:schemeClr val="accent1"/>
+          </a:fillRef>
+          <a:effectRef idx="0">
+            <a:schemeClr val="accent1"/>
+          </a:effectRef>
+          <a:fontRef idx="minor">
+            <a:schemeClr val="lt1"/>
+          </a:fontRef>
+        </p:style>
+        <p:txBody>
+          <a:bodyPr rtlCol="0" anchor="ctr"/>
+          <a:lstStyle/>
+          <a:p>
+            <a:pPr algn="ctr"/>
+            <a:endParaRPr lang="en-IN"/>
+          </a:p>
+        </p:txBody>
+      </p:sp>
+      <p:sp>
+        <p:nvSpPr>
+          <p:cNvPr id="13" name="Rectangle 12"/>
+          <p:cNvSpPr/>
+          <p:nvPr/>
+        </p:nvSpPr>
+        <p:spPr>
+          <a:xfrm>
+            <a:off x="5476098" y="5017372"/>
+            <a:ext cx="3896502" cy="240428"/>
+          </a:xfrm>
+          <a:prstGeom prst="rect">
+            <a:avLst/>
+          </a:prstGeom>
+          <a:noFill/>
+          <a:ln w="28575">
+            <a:solidFill>
+              <a:srgbClr val="FFFF00"/>
+            </a:solidFill>
+          </a:ln>
+        </p:spPr>
+        <p:style>
+          <a:lnRef idx="2">
+            <a:schemeClr val="accent1">
+              <a:shade val="50000"/>
+            </a:schemeClr>
+          </a:lnRef>
+          <a:fillRef idx="1">
+            <a:schemeClr val="accent1"/>
+          </a:fillRef>
+          <a:effectRef idx="0">
+            <a:schemeClr val="accent1"/>
+          </a:effectRef>
+          <a:fontRef idx="minor">
+            <a:schemeClr val="lt1"/>
+          </a:fontRef>
+        </p:style>
+        <p:txBody>
+          <a:bodyPr rtlCol="0" anchor="ctr"/>
+          <a:lstStyle/>
+          <a:p>
+            <a:pPr algn="ctr"/>
+            <a:endParaRPr lang="en-IN"/>
+          </a:p>
+        </p:txBody>
+      </p:sp>
+      <p:sp>
+        <p:nvSpPr>
+          <p:cNvPr id="14" name="Rectangle 13"/>
+          <p:cNvSpPr/>
+          <p:nvPr/>
+        </p:nvSpPr>
+        <p:spPr>
+          <a:xfrm>
+            <a:off x="3589244" y="6091518"/>
+            <a:ext cx="4286152" cy="300320"/>
+          </a:xfrm>
+          <a:prstGeom prst="rect">
+            <a:avLst/>
+          </a:prstGeom>
+          <a:noFill/>
+          <a:ln w="28575">
+            <a:solidFill>
+              <a:srgbClr val="FFFF00"/>
+            </a:solidFill>
+          </a:ln>
+        </p:spPr>
+        <p:style>
+          <a:lnRef idx="2">
+            <a:schemeClr val="accent1">
+              <a:shade val="50000"/>
+            </a:schemeClr>
+          </a:lnRef>
+          <a:fillRef idx="1">
+            <a:schemeClr val="accent1"/>
+          </a:fillRef>
+          <a:effectRef idx="0">
+            <a:schemeClr val="accent1"/>
+          </a:effectRef>
+          <a:fontRef idx="minor">
+            <a:schemeClr val="lt1"/>
+          </a:fontRef>
+        </p:style>
+        <p:txBody>
+          <a:bodyPr rtlCol="0" anchor="ctr"/>
+          <a:lstStyle/>
+          <a:p>
+            <a:pPr algn="ctr"/>
+            <a:endParaRPr lang="en-IN"/>
+          </a:p>
+        </p:txBody>
+      </p:sp>
+    </p:spTree>
+    <p:extLst>
+      <p:ext uri="{BB962C8B-B14F-4D97-AF65-F5344CB8AC3E}">
+        <p14:creationId xmlns:p14="http://schemas.microsoft.com/office/powerpoint/2010/main" val="1465618113"/>
+      </p:ext>
+    </p:extLst>
+  </p:cSld>
+  <p:clrMapOvr>
+    <a:masterClrMapping/>
+  </p:clrMapOvr>
+</p:sld>
+</file>
+
+<file path=ppt/slides/slide77.xml><?xml version="1.0" encoding="utf-8"?>
+<p:sld xmlns:a="http://schemas.openxmlformats.org/drawingml/2006/main" xmlns:r="http://schemas.openxmlformats.org/officeDocument/2006/relationships" xmlns:p="http://schemas.openxmlformats.org/presentationml/2006/main">
+  <p:cSld>
+    <p:spTree>
+      <p:nvGrpSpPr>
+        <p:cNvPr id="1" name=""/>
+        <p:cNvGrpSpPr/>
+        <p:nvPr/>
+      </p:nvGrpSpPr>
+      <p:grpSpPr>
+        <a:xfrm>
+          <a:off x="0" y="0"/>
+          <a:ext cx="0" cy="0"/>
+          <a:chOff x="0" y="0"/>
+          <a:chExt cx="0" cy="0"/>
+        </a:xfrm>
+      </p:grpSpPr>
+      <p:sp>
+        <p:nvSpPr>
+          <p:cNvPr id="2" name="Title 1"/>
+          <p:cNvSpPr>
+            <a:spLocks noGrp="1"/>
+          </p:cNvSpPr>
+          <p:nvPr>
+            <p:ph type="title"/>
+          </p:nvPr>
+        </p:nvSpPr>
+        <p:spPr/>
+        <p:txBody>
+          <a:bodyPr/>
+          <a:lstStyle/>
+          <a:p>
+            <a:r>
+              <a:rPr lang="en-IN" b="1" dirty="0" smtClean="0"/>
+              <a:t>17.2 DI as a Framework</a:t>
+            </a:r>
+            <a:endParaRPr lang="en-IN" b="1" dirty="0"/>
+          </a:p>
+        </p:txBody>
+      </p:sp>
+      <p:sp>
+        <p:nvSpPr>
+          <p:cNvPr id="4" name="Date Placeholder 3"/>
+          <p:cNvSpPr>
+            <a:spLocks noGrp="1"/>
+          </p:cNvSpPr>
+          <p:nvPr>
+            <p:ph type="dt" sz="half" idx="10"/>
+          </p:nvPr>
+        </p:nvSpPr>
+        <p:spPr/>
+        <p:txBody>
+          <a:bodyPr/>
+          <a:lstStyle/>
+          <a:p>
+            <a:r>
+              <a:rPr lang="en-US" smtClean="0"/>
+              <a:t>5/6/2019</a:t>
+            </a:r>
+            <a:endParaRPr lang="en-US" dirty="0"/>
+          </a:p>
+        </p:txBody>
+      </p:sp>
+      <p:sp>
+        <p:nvSpPr>
+          <p:cNvPr id="5" name="Slide Number Placeholder 4"/>
+          <p:cNvSpPr>
+            <a:spLocks noGrp="1"/>
+          </p:cNvSpPr>
+          <p:nvPr>
+            <p:ph type="sldNum" sz="quarter" idx="12"/>
+          </p:nvPr>
+        </p:nvSpPr>
+        <p:spPr/>
+        <p:txBody>
+          <a:bodyPr/>
+          <a:lstStyle/>
+          <a:p>
+            <a:fld id="{6D22F896-40B5-4ADD-8801-0D06FADFA095}" type="slidenum">
+              <a:rPr lang="en-US" smtClean="0"/>
+              <a:t>77</a:t>
+            </a:fld>
+            <a:endParaRPr lang="en-US" dirty="0"/>
+          </a:p>
+        </p:txBody>
+      </p:sp>
+      <p:sp>
+        <p:nvSpPr>
+          <p:cNvPr id="6" name="Content Placeholder 5"/>
+          <p:cNvSpPr>
+            <a:spLocks noGrp="1"/>
+          </p:cNvSpPr>
+          <p:nvPr>
+            <p:ph idx="1"/>
+          </p:nvPr>
+        </p:nvSpPr>
+        <p:spPr>
+          <a:xfrm>
+            <a:off x="1154955" y="2576605"/>
+            <a:ext cx="5555127" cy="3582148"/>
+          </a:xfrm>
+        </p:spPr>
+        <p:txBody>
+          <a:bodyPr>
+            <a:normAutofit/>
+          </a:bodyPr>
+          <a:lstStyle/>
+          <a:p>
+            <a:r>
+              <a:rPr lang="en-IN" dirty="0" smtClean="0"/>
+              <a:t>Angular provides a special way to implement DI framework is Injector.</a:t>
+            </a:r>
+          </a:p>
+          <a:p>
+            <a:r>
+              <a:rPr lang="en-IN" dirty="0" smtClean="0"/>
+              <a:t>This Injector will have all the dependencies required for the car class, whenever we need a particular class the injector will give the dependency object</a:t>
+            </a:r>
+            <a:endParaRPr lang="en-IN" dirty="0"/>
+          </a:p>
+        </p:txBody>
+      </p:sp>
+      <p:pic>
+        <p:nvPicPr>
+          <p:cNvPr id="7" name="Picture 6"/>
+          <p:cNvPicPr>
+            <a:picLocks noChangeAspect="1"/>
+          </p:cNvPicPr>
+          <p:nvPr/>
+        </p:nvPicPr>
+        <p:blipFill>
+          <a:blip r:embed="rId2"/>
+          <a:stretch>
+            <a:fillRect/>
+          </a:stretch>
+        </p:blipFill>
+        <p:spPr>
+          <a:xfrm>
+            <a:off x="6900253" y="2576605"/>
+            <a:ext cx="4743450" cy="2762250"/>
+          </a:xfrm>
+          <a:prstGeom prst="rect">
+            <a:avLst/>
+          </a:prstGeom>
+          <a:ln>
+            <a:solidFill>
+              <a:schemeClr val="bg1">
+                <a:lumMod val="50000"/>
+              </a:schemeClr>
+            </a:solidFill>
+          </a:ln>
+        </p:spPr>
+      </p:pic>
+    </p:spTree>
+    <p:extLst>
+      <p:ext uri="{BB962C8B-B14F-4D97-AF65-F5344CB8AC3E}">
+        <p14:creationId xmlns:p14="http://schemas.microsoft.com/office/powerpoint/2010/main" val="1930906811"/>
       </p:ext>
     </p:extLst>
   </p:cSld>

--- a/Angular Presentation.pptx
+++ b/Angular Presentation.pptx
@@ -5,7 +5,7 @@
     <p:sldMasterId id="2147483723" r:id="rId1"/>
   </p:sldMasterIdLst>
   <p:notesMasterIdLst>
-    <p:notesMasterId r:id="rId79"/>
+    <p:notesMasterId r:id="rId84"/>
   </p:notesMasterIdLst>
   <p:sldIdLst>
     <p:sldId id="256" r:id="rId2"/>
@@ -79,12 +79,17 @@
     <p:sldId id="350" r:id="rId70"/>
     <p:sldId id="351" r:id="rId71"/>
     <p:sldId id="352" r:id="rId72"/>
-    <p:sldId id="354" r:id="rId73"/>
-    <p:sldId id="353" r:id="rId74"/>
-    <p:sldId id="355" r:id="rId75"/>
-    <p:sldId id="356" r:id="rId76"/>
-    <p:sldId id="357" r:id="rId77"/>
-    <p:sldId id="358" r:id="rId78"/>
+    <p:sldId id="359" r:id="rId73"/>
+    <p:sldId id="360" r:id="rId74"/>
+    <p:sldId id="361" r:id="rId75"/>
+    <p:sldId id="354" r:id="rId76"/>
+    <p:sldId id="353" r:id="rId77"/>
+    <p:sldId id="355" r:id="rId78"/>
+    <p:sldId id="356" r:id="rId79"/>
+    <p:sldId id="357" r:id="rId80"/>
+    <p:sldId id="358" r:id="rId81"/>
+    <p:sldId id="362" r:id="rId82"/>
+    <p:sldId id="363" r:id="rId83"/>
   </p:sldIdLst>
   <p:sldSz cx="12192000" cy="6858000"/>
   <p:notesSz cx="6858000" cy="9144000"/>
@@ -273,7 +278,7 @@
           <a:p>
             <a:fld id="{9EEB2765-BDCF-4C68-BDEE-41431D54A0E1}" type="datetimeFigureOut">
               <a:rPr lang="en-IN" smtClean="0"/>
-              <a:t>07-05-2019</a:t>
+              <a:t>08-05-2019</a:t>
             </a:fld>
             <a:endParaRPr lang="en-IN"/>
           </a:p>
@@ -13851,7 +13856,7 @@
           <a:lstStyle/>
           <a:p>
             <a:r>
-              <a:rPr lang="en-US" smtClean="0"/>
+              <a:rPr lang="en-US" dirty="0" smtClean="0"/>
               <a:t>5/6/2019</a:t>
             </a:r>
             <a:endParaRPr lang="en-US" dirty="0"/>
@@ -41008,7 +41013,7 @@
       </p:grpSpPr>
       <p:sp>
         <p:nvSpPr>
-          <p:cNvPr id="4" name="Title 3"/>
+          <p:cNvPr id="2" name="Title 1"/>
           <p:cNvSpPr>
             <a:spLocks noGrp="1"/>
           </p:cNvSpPr>
@@ -41016,27 +41021,14 @@
             <p:ph type="title"/>
           </p:nvPr>
         </p:nvSpPr>
-        <p:spPr>
-          <a:xfrm>
-            <a:off x="1024467" y="753035"/>
-            <a:ext cx="10146186" cy="705077"/>
-          </a:xfrm>
-        </p:spPr>
+        <p:spPr/>
         <p:txBody>
           <a:bodyPr/>
           <a:lstStyle/>
           <a:p>
             <a:r>
               <a:rPr lang="en-IN" b="1" dirty="0" smtClean="0"/>
-              <a:t>17 </a:t>
-            </a:r>
-            <a:r>
-              <a:rPr lang="en-IN" b="1" dirty="0" smtClean="0"/>
-              <a:t>: </a:t>
-            </a:r>
-            <a:r>
-              <a:rPr lang="en-IN" b="1" dirty="0" smtClean="0"/>
-              <a:t>Dependency Injection</a:t>
+              <a:t>16 Need Of Service </a:t>
             </a:r>
             <a:endParaRPr lang="en-IN" b="1" dirty="0"/>
           </a:p>
@@ -41044,73 +41036,7 @@
       </p:sp>
       <p:sp>
         <p:nvSpPr>
-          <p:cNvPr id="5" name="Text Placeholder 4"/>
-          <p:cNvSpPr>
-            <a:spLocks noGrp="1"/>
-          </p:cNvSpPr>
-          <p:nvPr>
-            <p:ph type="body" idx="1"/>
-          </p:nvPr>
-        </p:nvSpPr>
-        <p:spPr>
-          <a:xfrm>
-            <a:off x="1025999" y="1888418"/>
-            <a:ext cx="10363660" cy="4525829"/>
-          </a:xfrm>
-        </p:spPr>
-        <p:txBody>
-          <a:bodyPr numCol="1">
-            <a:noAutofit/>
-          </a:bodyPr>
-          <a:lstStyle/>
-          <a:p>
-            <a:pPr marL="342900" indent="-342900">
-              <a:buFont typeface="Wingdings 3" charset="2"/>
-              <a:buAutoNum type="arabicPeriod"/>
-            </a:pPr>
-            <a:r>
-              <a:rPr lang="en-IN" sz="2400" dirty="0"/>
-              <a:t>Problem without DI (1</a:t>
-            </a:r>
-            <a:r>
-              <a:rPr lang="en-IN" sz="2400" dirty="0" smtClean="0"/>
-              <a:t>)</a:t>
-            </a:r>
-          </a:p>
-          <a:p>
-            <a:pPr marL="342900" indent="-342900">
-              <a:buFont typeface="Wingdings 3" charset="2"/>
-              <a:buAutoNum type="arabicPeriod"/>
-            </a:pPr>
-            <a:r>
-              <a:rPr lang="en-IN" sz="2400" dirty="0"/>
-              <a:t>DI as a Design </a:t>
-            </a:r>
-            <a:r>
-              <a:rPr lang="en-IN" sz="2400" dirty="0" smtClean="0"/>
-              <a:t>Pattern</a:t>
-            </a:r>
-          </a:p>
-          <a:p>
-            <a:pPr marL="342900" indent="-342900">
-              <a:buFont typeface="Wingdings 3" charset="2"/>
-              <a:buAutoNum type="arabicPeriod"/>
-            </a:pPr>
-            <a:r>
-              <a:rPr lang="en-IN" sz="2400" dirty="0"/>
-              <a:t>DI as a </a:t>
-            </a:r>
-            <a:r>
-              <a:rPr lang="en-IN" sz="2400" dirty="0" smtClean="0"/>
-              <a:t>Framework</a:t>
-            </a:r>
-            <a:endParaRPr lang="en-IN" sz="2400" dirty="0"/>
-          </a:p>
-        </p:txBody>
-      </p:sp>
-      <p:sp>
-        <p:nvSpPr>
-          <p:cNvPr id="14" name="Date Placeholder 13"/>
+          <p:cNvPr id="4" name="Date Placeholder 3"/>
           <p:cNvSpPr>
             <a:spLocks noGrp="1"/>
           </p:cNvSpPr>
@@ -41133,7 +41059,7 @@
       </p:sp>
       <p:sp>
         <p:nvSpPr>
-          <p:cNvPr id="15" name="Slide Number Placeholder 14"/>
+          <p:cNvPr id="5" name="Slide Number Placeholder 4"/>
           <p:cNvSpPr>
             <a:spLocks noGrp="1"/>
           </p:cNvSpPr>
@@ -41154,23 +41080,107 @@
           </a:p>
         </p:txBody>
       </p:sp>
+      <p:sp>
+        <p:nvSpPr>
+          <p:cNvPr id="3" name="Content Placeholder 2"/>
+          <p:cNvSpPr>
+            <a:spLocks noGrp="1"/>
+          </p:cNvSpPr>
+          <p:nvPr>
+            <p:ph idx="1"/>
+          </p:nvPr>
+        </p:nvSpPr>
+        <p:spPr>
+          <a:xfrm>
+            <a:off x="1154954" y="2603500"/>
+            <a:ext cx="8825659" cy="812053"/>
+          </a:xfrm>
+        </p:spPr>
+        <p:txBody>
+          <a:bodyPr/>
+          <a:lstStyle/>
+          <a:p>
+            <a:r>
+              <a:rPr lang="en-IN" dirty="0" smtClean="0"/>
+              <a:t>We have a requirement to display employee name from person object  in </a:t>
+            </a:r>
+            <a:r>
+              <a:rPr lang="en-IN" dirty="0" err="1" smtClean="0"/>
+              <a:t>EmployeeList</a:t>
+            </a:r>
+            <a:r>
+              <a:rPr lang="en-IN" dirty="0" smtClean="0"/>
+              <a:t> Component. For that the code will be like below</a:t>
+            </a:r>
+            <a:endParaRPr lang="en-IN" dirty="0"/>
+          </a:p>
+        </p:txBody>
+      </p:sp>
+      <p:pic>
+        <p:nvPicPr>
+          <p:cNvPr id="7" name="Picture 6"/>
+          <p:cNvPicPr>
+            <a:picLocks noChangeAspect="1"/>
+          </p:cNvPicPr>
+          <p:nvPr/>
+        </p:nvPicPr>
+        <p:blipFill>
+          <a:blip r:embed="rId2"/>
+          <a:stretch>
+            <a:fillRect/>
+          </a:stretch>
+        </p:blipFill>
+        <p:spPr>
+          <a:xfrm>
+            <a:off x="5887290" y="3302795"/>
+            <a:ext cx="2676525" cy="2286000"/>
+          </a:xfrm>
+          <a:prstGeom prst="rect">
+            <a:avLst/>
+          </a:prstGeom>
+          <a:ln>
+            <a:solidFill>
+              <a:schemeClr val="bg1">
+                <a:lumMod val="50000"/>
+              </a:schemeClr>
+            </a:solidFill>
+          </a:ln>
+        </p:spPr>
+      </p:pic>
+      <p:pic>
+        <p:nvPicPr>
+          <p:cNvPr id="8" name="Picture 7"/>
+          <p:cNvPicPr>
+            <a:picLocks noChangeAspect="1"/>
+          </p:cNvPicPr>
+          <p:nvPr/>
+        </p:nvPicPr>
+        <p:blipFill>
+          <a:blip r:embed="rId3"/>
+          <a:stretch>
+            <a:fillRect/>
+          </a:stretch>
+        </p:blipFill>
+        <p:spPr>
+          <a:xfrm>
+            <a:off x="1613601" y="3289348"/>
+            <a:ext cx="3922059" cy="3407289"/>
+          </a:xfrm>
+          <a:prstGeom prst="rect">
+            <a:avLst/>
+          </a:prstGeom>
+        </p:spPr>
+      </p:pic>
     </p:spTree>
     <p:extLst>
       <p:ext uri="{BB962C8B-B14F-4D97-AF65-F5344CB8AC3E}">
-        <p14:creationId xmlns:p14="http://schemas.microsoft.com/office/powerpoint/2010/main" val="1609143649"/>
+        <p14:creationId xmlns:p14="http://schemas.microsoft.com/office/powerpoint/2010/main" val="925820076"/>
       </p:ext>
     </p:extLst>
   </p:cSld>
   <p:clrMapOvr>
     <a:masterClrMapping/>
   </p:clrMapOvr>
-  <p:timing>
-    <p:tnLst>
-      <p:par>
-        <p:cTn id="1" dur="indefinite" restart="never" nodeType="tmRoot"/>
-      </p:par>
-    </p:tnLst>
-  </p:timing>
 </p:sld>
 </file>
 
@@ -41208,82 +41218,9 @@
           <a:p>
             <a:r>
               <a:rPr lang="en-IN" b="1" dirty="0" smtClean="0"/>
-              <a:t>17.1 Problem without DI (1)</a:t>
+              <a:t>16 Need Of Service </a:t>
             </a:r>
             <a:endParaRPr lang="en-IN" b="1" dirty="0"/>
-          </a:p>
-        </p:txBody>
-      </p:sp>
-      <p:sp>
-        <p:nvSpPr>
-          <p:cNvPr id="11" name="Content Placeholder 10"/>
-          <p:cNvSpPr>
-            <a:spLocks noGrp="1"/>
-          </p:cNvSpPr>
-          <p:nvPr>
-            <p:ph idx="1"/>
-          </p:nvPr>
-        </p:nvSpPr>
-        <p:spPr>
-          <a:xfrm>
-            <a:off x="1154955" y="2603500"/>
-            <a:ext cx="6980516" cy="3788338"/>
-          </a:xfrm>
-        </p:spPr>
-        <p:txBody>
-          <a:bodyPr>
-            <a:normAutofit/>
-          </a:bodyPr>
-          <a:lstStyle/>
-          <a:p>
-            <a:r>
-              <a:rPr lang="en-IN" dirty="0" smtClean="0"/>
-              <a:t>Lets take an example of creating a car which is only made up of Engine and tyre.</a:t>
-            </a:r>
-          </a:p>
-          <a:p>
-            <a:r>
-              <a:rPr lang="en-IN" dirty="0" smtClean="0"/>
-              <a:t>So we have 3 classes </a:t>
-            </a:r>
-          </a:p>
-          <a:p>
-            <a:pPr lvl="1"/>
-            <a:r>
-              <a:rPr lang="en-IN" dirty="0" smtClean="0"/>
-              <a:t>1. Car, which has dependency of the following 2 classes</a:t>
-            </a:r>
-          </a:p>
-          <a:p>
-            <a:pPr lvl="1"/>
-            <a:r>
-              <a:rPr lang="en-IN" dirty="0" smtClean="0"/>
-              <a:t>2. Engine </a:t>
-            </a:r>
-          </a:p>
-          <a:p>
-            <a:pPr lvl="1"/>
-            <a:r>
-              <a:rPr lang="en-IN" dirty="0" smtClean="0"/>
-              <a:t>3. Tyre</a:t>
-            </a:r>
-          </a:p>
-          <a:p>
-            <a:r>
-              <a:rPr lang="en-IN" dirty="0" smtClean="0"/>
-              <a:t>Here To get Car object we are creating both Engine and Tyre in Car constructor meaning, if I want to create a car it will automatically create engine and tyre </a:t>
-            </a:r>
-          </a:p>
-          <a:p>
-            <a:r>
-              <a:rPr lang="en-IN" b="1" dirty="0" smtClean="0"/>
-              <a:t>So far no problem with the example…..</a:t>
-            </a:r>
-            <a:endParaRPr lang="en-IN" b="1" dirty="0"/>
-          </a:p>
-          <a:p>
-            <a:pPr lvl="1"/>
-            <a:endParaRPr lang="en-IN" dirty="0"/>
           </a:p>
         </p:txBody>
       </p:sp>
@@ -41333,9 +41270,45 @@
           </a:p>
         </p:txBody>
       </p:sp>
+      <p:sp>
+        <p:nvSpPr>
+          <p:cNvPr id="3" name="Content Placeholder 2"/>
+          <p:cNvSpPr>
+            <a:spLocks noGrp="1"/>
+          </p:cNvSpPr>
+          <p:nvPr>
+            <p:ph idx="1"/>
+          </p:nvPr>
+        </p:nvSpPr>
+        <p:spPr>
+          <a:xfrm>
+            <a:off x="1154954" y="2603500"/>
+            <a:ext cx="8825659" cy="1067547"/>
+          </a:xfrm>
+        </p:spPr>
+        <p:txBody>
+          <a:bodyPr>
+            <a:normAutofit fontScale="92500"/>
+          </a:bodyPr>
+          <a:lstStyle/>
+          <a:p>
+            <a:r>
+              <a:rPr lang="en-IN" dirty="0" smtClean="0"/>
+              <a:t>Now we have another requirement to display complete person details in employee-detail page. So for that how can we code….</a:t>
+            </a:r>
+          </a:p>
+          <a:p>
+            <a:r>
+              <a:rPr lang="en-IN" dirty="0" smtClean="0"/>
+              <a:t>Copy paste person object in Employee Detail Component and display details</a:t>
+            </a:r>
+            <a:endParaRPr lang="en-IN" dirty="0"/>
+          </a:p>
+        </p:txBody>
+      </p:sp>
       <p:pic>
         <p:nvPicPr>
-          <p:cNvPr id="6" name="Picture 5"/>
+          <p:cNvPr id="10" name="Picture 9"/>
           <p:cNvPicPr>
             <a:picLocks noChangeAspect="1"/>
           </p:cNvPicPr>
@@ -41349,8 +41322,8 @@
         </p:blipFill>
         <p:spPr>
           <a:xfrm>
-            <a:off x="8937134" y="2788564"/>
-            <a:ext cx="1958466" cy="1409140"/>
+            <a:off x="1622611" y="3671047"/>
+            <a:ext cx="4038601" cy="3022129"/>
           </a:xfrm>
           <a:prstGeom prst="rect">
             <a:avLst/>
@@ -41359,7 +41332,7 @@
       </p:pic>
       <p:pic>
         <p:nvPicPr>
-          <p:cNvPr id="7" name="Picture 6"/>
+          <p:cNvPr id="11" name="Picture 10"/>
           <p:cNvPicPr>
             <a:picLocks noChangeAspect="1"/>
           </p:cNvPicPr>
@@ -41373,110 +41346,25 @@
         </p:blipFill>
         <p:spPr>
           <a:xfrm>
-            <a:off x="8370640" y="4340590"/>
-            <a:ext cx="3273063" cy="1908362"/>
+            <a:off x="6128869" y="3674752"/>
+            <a:ext cx="1819275" cy="1838325"/>
           </a:xfrm>
           <a:prstGeom prst="rect">
             <a:avLst/>
           </a:prstGeom>
-        </p:spPr>
-      </p:pic>
-      <p:sp>
-        <p:nvSpPr>
-          <p:cNvPr id="13" name="Rectangle 12"/>
-          <p:cNvSpPr/>
-          <p:nvPr/>
-        </p:nvSpPr>
-        <p:spPr>
-          <a:xfrm>
-            <a:off x="8956462" y="5305636"/>
-            <a:ext cx="2527326" cy="516940"/>
-          </a:xfrm>
-          <a:prstGeom prst="rect">
-            <a:avLst/>
-          </a:prstGeom>
-          <a:noFill/>
-          <a:ln w="28575">
+          <a:ln>
             <a:solidFill>
-              <a:srgbClr val="FFFF00"/>
+              <a:schemeClr val="bg1">
+                <a:lumMod val="50000"/>
+              </a:schemeClr>
             </a:solidFill>
           </a:ln>
         </p:spPr>
-        <p:style>
-          <a:lnRef idx="2">
-            <a:schemeClr val="accent1">
-              <a:shade val="50000"/>
-            </a:schemeClr>
-          </a:lnRef>
-          <a:fillRef idx="1">
-            <a:schemeClr val="accent1"/>
-          </a:fillRef>
-          <a:effectRef idx="0">
-            <a:schemeClr val="accent1"/>
-          </a:effectRef>
-          <a:fontRef idx="minor">
-            <a:schemeClr val="lt1"/>
-          </a:fontRef>
-        </p:style>
-        <p:txBody>
-          <a:bodyPr rtlCol="0" anchor="ctr"/>
-          <a:lstStyle/>
-          <a:p>
-            <a:pPr algn="ctr"/>
-            <a:endParaRPr lang="en-IN"/>
-          </a:p>
-        </p:txBody>
-      </p:sp>
-      <p:sp>
-        <p:nvSpPr>
-          <p:cNvPr id="14" name="Rectangle 13"/>
-          <p:cNvSpPr/>
-          <p:nvPr/>
-        </p:nvSpPr>
-        <p:spPr>
-          <a:xfrm>
-            <a:off x="9350671" y="2999071"/>
-            <a:ext cx="1366635" cy="242968"/>
-          </a:xfrm>
-          <a:prstGeom prst="rect">
-            <a:avLst/>
-          </a:prstGeom>
-          <a:noFill/>
-          <a:ln w="28575">
-            <a:solidFill>
-              <a:srgbClr val="FFFF00"/>
-            </a:solidFill>
-          </a:ln>
-        </p:spPr>
-        <p:style>
-          <a:lnRef idx="2">
-            <a:schemeClr val="accent1">
-              <a:shade val="50000"/>
-            </a:schemeClr>
-          </a:lnRef>
-          <a:fillRef idx="1">
-            <a:schemeClr val="accent1"/>
-          </a:fillRef>
-          <a:effectRef idx="0">
-            <a:schemeClr val="accent1"/>
-          </a:effectRef>
-          <a:fontRef idx="minor">
-            <a:schemeClr val="lt1"/>
-          </a:fontRef>
-        </p:style>
-        <p:txBody>
-          <a:bodyPr rtlCol="0" anchor="ctr"/>
-          <a:lstStyle/>
-          <a:p>
-            <a:pPr algn="ctr"/>
-            <a:endParaRPr lang="en-IN"/>
-          </a:p>
-        </p:txBody>
-      </p:sp>
+      </p:pic>
     </p:spTree>
     <p:extLst>
       <p:ext uri="{BB962C8B-B14F-4D97-AF65-F5344CB8AC3E}">
-        <p14:creationId xmlns:p14="http://schemas.microsoft.com/office/powerpoint/2010/main" val="3763015044"/>
+        <p14:creationId xmlns:p14="http://schemas.microsoft.com/office/powerpoint/2010/main" val="2071468171"/>
       </p:ext>
     </p:extLst>
   </p:cSld>
@@ -41520,9 +41408,55 @@
           <a:p>
             <a:r>
               <a:rPr lang="en-IN" b="1" dirty="0" smtClean="0"/>
-              <a:t>17.1 Problem without DI</a:t>
+              <a:t>16 Is it right way of doing……?</a:t>
             </a:r>
             <a:endParaRPr lang="en-IN" b="1" dirty="0"/>
+          </a:p>
+        </p:txBody>
+      </p:sp>
+      <p:sp>
+        <p:nvSpPr>
+          <p:cNvPr id="4" name="Date Placeholder 3"/>
+          <p:cNvSpPr>
+            <a:spLocks noGrp="1"/>
+          </p:cNvSpPr>
+          <p:nvPr>
+            <p:ph type="dt" sz="half" idx="10"/>
+          </p:nvPr>
+        </p:nvSpPr>
+        <p:spPr/>
+        <p:txBody>
+          <a:bodyPr/>
+          <a:lstStyle/>
+          <a:p>
+            <a:r>
+              <a:rPr lang="en-US" smtClean="0"/>
+              <a:t>5/6/2019</a:t>
+            </a:r>
+            <a:endParaRPr lang="en-US" dirty="0"/>
+          </a:p>
+        </p:txBody>
+      </p:sp>
+      <p:sp>
+        <p:nvSpPr>
+          <p:cNvPr id="5" name="Slide Number Placeholder 4"/>
+          <p:cNvSpPr>
+            <a:spLocks noGrp="1"/>
+          </p:cNvSpPr>
+          <p:nvPr>
+            <p:ph type="sldNum" sz="quarter" idx="12"/>
+          </p:nvPr>
+        </p:nvSpPr>
+        <p:spPr/>
+        <p:txBody>
+          <a:bodyPr/>
+          <a:lstStyle/>
+          <a:p>
+            <a:fld id="{6D22F896-40B5-4ADD-8801-0D06FADFA095}" type="slidenum">
+              <a:rPr lang="en-US" smtClean="0"/>
+              <a:t>74</a:t>
+            </a:fld>
+            <a:endParaRPr lang="en-US" dirty="0"/>
           </a:p>
         </p:txBody>
       </p:sp>
@@ -41538,244 +41472,74 @@
         </p:nvSpPr>
         <p:spPr>
           <a:xfrm>
-            <a:off x="1154955" y="2603500"/>
-            <a:ext cx="7731260" cy="3689724"/>
+            <a:off x="1154954" y="2603500"/>
+            <a:ext cx="8825659" cy="3380441"/>
           </a:xfrm>
         </p:spPr>
         <p:txBody>
           <a:bodyPr>
-            <a:normAutofit/>
+            <a:normAutofit fontScale="92500" lnSpcReduction="10000"/>
           </a:bodyPr>
           <a:lstStyle/>
           <a:p>
             <a:r>
               <a:rPr lang="en-IN" dirty="0" smtClean="0"/>
-              <a:t>Now the requirement is changing and the engine constructor is getting a parameter</a:t>
-            </a:r>
-          </a:p>
-          <a:p>
+              <a:t>Do Not repeat yourself (DRY)</a:t>
+            </a:r>
+          </a:p>
+          <a:p>
+            <a:pPr lvl="1">
+              <a:buFont typeface="Wingdings" panose="05000000000000000000" pitchFamily="2" charset="2"/>
+              <a:buChar char="§"/>
+            </a:pPr>
             <a:r>
               <a:rPr lang="en-IN" dirty="0" smtClean="0"/>
-              <a:t>Now the class code has broken, because no parameter passed for Engine object creation inside car constructor.</a:t>
+              <a:t>Here the same person object code is repeating in two components (Employee-list and Employee Details)</a:t>
             </a:r>
           </a:p>
           <a:p>
             <a:r>
               <a:rPr lang="en-IN" dirty="0" smtClean="0"/>
-              <a:t>Only possible way to solve this is we have to modify the code</a:t>
-            </a:r>
-          </a:p>
-          <a:p>
+              <a:t>Single Responsibility Principle</a:t>
+            </a:r>
+          </a:p>
+          <a:p>
+            <a:pPr lvl="1">
+              <a:buFont typeface="Wingdings" panose="05000000000000000000" pitchFamily="2" charset="2"/>
+              <a:buChar char="§"/>
+            </a:pPr>
             <a:r>
               <a:rPr lang="en-IN" dirty="0" smtClean="0"/>
-              <a:t>As it’s a simple application its easy to maintain but what if the car 20 dependency and those have other dependency…</a:t>
-            </a:r>
-          </a:p>
-          <a:p>
+              <a:t>Here the two components not only focusing on data depends on the view but also creating person job. This should be like this way.</a:t>
+            </a:r>
+          </a:p>
+          <a:p>
+            <a:pPr lvl="1"/>
+            <a:endParaRPr lang="en-IN" dirty="0"/>
+          </a:p>
+          <a:p>
+            <a:r>
+              <a:rPr lang="en-IN" b="1" dirty="0" smtClean="0"/>
+              <a:t>Solution:</a:t>
+            </a:r>
+          </a:p>
+          <a:p>
+            <a:pPr lvl="1">
+              <a:buFont typeface="Wingdings" panose="05000000000000000000" pitchFamily="2" charset="2"/>
+              <a:buChar char="§"/>
+            </a:pPr>
             <a:r>
               <a:rPr lang="en-IN" dirty="0" smtClean="0"/>
-              <a:t>EOD code will be mess and out of Control</a:t>
-            </a:r>
-          </a:p>
-          <a:p>
-            <a:r>
-              <a:rPr lang="en-IN" b="1" dirty="0" smtClean="0"/>
-              <a:t>Solution for this problem is Dependency Injection</a:t>
-            </a:r>
-            <a:endParaRPr lang="en-IN" b="1" dirty="0"/>
-          </a:p>
-        </p:txBody>
-      </p:sp>
-      <p:sp>
-        <p:nvSpPr>
-          <p:cNvPr id="4" name="Date Placeholder 3"/>
-          <p:cNvSpPr>
-            <a:spLocks noGrp="1"/>
-          </p:cNvSpPr>
-          <p:nvPr>
-            <p:ph type="dt" sz="half" idx="10"/>
-          </p:nvPr>
-        </p:nvSpPr>
-        <p:spPr/>
-        <p:txBody>
-          <a:bodyPr/>
-          <a:lstStyle/>
-          <a:p>
-            <a:r>
-              <a:rPr lang="en-US" smtClean="0"/>
-              <a:t>5/6/2019</a:t>
-            </a:r>
-            <a:endParaRPr lang="en-US" dirty="0"/>
-          </a:p>
-        </p:txBody>
-      </p:sp>
-      <p:sp>
-        <p:nvSpPr>
-          <p:cNvPr id="5" name="Slide Number Placeholder 4"/>
-          <p:cNvSpPr>
-            <a:spLocks noGrp="1"/>
-          </p:cNvSpPr>
-          <p:nvPr>
-            <p:ph type="sldNum" sz="quarter" idx="12"/>
-          </p:nvPr>
-        </p:nvSpPr>
-        <p:spPr/>
-        <p:txBody>
-          <a:bodyPr/>
-          <a:lstStyle/>
-          <a:p>
-            <a:fld id="{6D22F896-40B5-4ADD-8801-0D06FADFA095}" type="slidenum">
-              <a:rPr lang="en-US" smtClean="0"/>
-              <a:t>74</a:t>
-            </a:fld>
-            <a:endParaRPr lang="en-US" dirty="0"/>
-          </a:p>
-        </p:txBody>
-      </p:sp>
-      <p:pic>
-        <p:nvPicPr>
-          <p:cNvPr id="8" name="Picture 7"/>
-          <p:cNvPicPr>
-            <a:picLocks noChangeAspect="1"/>
-          </p:cNvPicPr>
-          <p:nvPr/>
-        </p:nvPicPr>
-        <p:blipFill>
-          <a:blip r:embed="rId2"/>
-          <a:stretch>
-            <a:fillRect/>
-          </a:stretch>
-        </p:blipFill>
-        <p:spPr>
-          <a:xfrm>
-            <a:off x="9005278" y="2767575"/>
-            <a:ext cx="2400300" cy="1209675"/>
-          </a:xfrm>
-          <a:prstGeom prst="rect">
-            <a:avLst/>
-          </a:prstGeom>
-        </p:spPr>
-      </p:pic>
-      <p:pic>
-        <p:nvPicPr>
-          <p:cNvPr id="9" name="Picture 8"/>
-          <p:cNvPicPr>
-            <a:picLocks noChangeAspect="1"/>
-          </p:cNvPicPr>
-          <p:nvPr/>
-        </p:nvPicPr>
-        <p:blipFill>
-          <a:blip r:embed="rId3"/>
-          <a:stretch>
-            <a:fillRect/>
-          </a:stretch>
-        </p:blipFill>
-        <p:spPr>
-          <a:xfrm>
-            <a:off x="8886215" y="4071684"/>
-            <a:ext cx="2638425" cy="1609725"/>
-          </a:xfrm>
-          <a:prstGeom prst="rect">
-            <a:avLst/>
-          </a:prstGeom>
-        </p:spPr>
-      </p:pic>
-      <p:sp>
-        <p:nvSpPr>
-          <p:cNvPr id="10" name="Rectangle 9"/>
-          <p:cNvSpPr/>
-          <p:nvPr/>
-        </p:nvSpPr>
-        <p:spPr>
-          <a:xfrm>
-            <a:off x="9311668" y="2946246"/>
-            <a:ext cx="2040122" cy="242968"/>
-          </a:xfrm>
-          <a:prstGeom prst="rect">
-            <a:avLst/>
-          </a:prstGeom>
-          <a:noFill/>
-          <a:ln w="28575">
-            <a:solidFill>
-              <a:srgbClr val="FFFF00"/>
-            </a:solidFill>
-          </a:ln>
-        </p:spPr>
-        <p:style>
-          <a:lnRef idx="2">
-            <a:schemeClr val="accent1">
-              <a:shade val="50000"/>
-            </a:schemeClr>
-          </a:lnRef>
-          <a:fillRef idx="1">
-            <a:schemeClr val="accent1"/>
-          </a:fillRef>
-          <a:effectRef idx="0">
-            <a:schemeClr val="accent1"/>
-          </a:effectRef>
-          <a:fontRef idx="minor">
-            <a:schemeClr val="lt1"/>
-          </a:fontRef>
-        </p:style>
-        <p:txBody>
-          <a:bodyPr rtlCol="0" anchor="ctr"/>
-          <a:lstStyle/>
-          <a:p>
-            <a:pPr algn="ctr"/>
-            <a:endParaRPr lang="en-IN"/>
-          </a:p>
-        </p:txBody>
-      </p:sp>
-      <p:sp>
-        <p:nvSpPr>
-          <p:cNvPr id="11" name="Rectangle 10"/>
-          <p:cNvSpPr/>
-          <p:nvPr/>
-        </p:nvSpPr>
-        <p:spPr>
-          <a:xfrm>
-            <a:off x="9447210" y="4921624"/>
-            <a:ext cx="2040122" cy="523810"/>
-          </a:xfrm>
-          <a:prstGeom prst="rect">
-            <a:avLst/>
-          </a:prstGeom>
-          <a:noFill/>
-          <a:ln w="28575">
-            <a:solidFill>
-              <a:srgbClr val="FF0000"/>
-            </a:solidFill>
-          </a:ln>
-        </p:spPr>
-        <p:style>
-          <a:lnRef idx="2">
-            <a:schemeClr val="accent1">
-              <a:shade val="50000"/>
-            </a:schemeClr>
-          </a:lnRef>
-          <a:fillRef idx="1">
-            <a:schemeClr val="accent1"/>
-          </a:fillRef>
-          <a:effectRef idx="0">
-            <a:schemeClr val="accent1"/>
-          </a:effectRef>
-          <a:fontRef idx="minor">
-            <a:schemeClr val="lt1"/>
-          </a:fontRef>
-        </p:style>
-        <p:txBody>
-          <a:bodyPr rtlCol="0" anchor="ctr"/>
-          <a:lstStyle/>
-          <a:p>
-            <a:pPr algn="ctr"/>
-            <a:endParaRPr lang="en-IN"/>
+              <a:t>We have to create a service common to both component and place the person object creation code there and then the components will access that code and produce the output</a:t>
+            </a:r>
+            <a:endParaRPr lang="en-IN" dirty="0"/>
           </a:p>
         </p:txBody>
       </p:sp>
     </p:spTree>
     <p:extLst>
       <p:ext uri="{BB962C8B-B14F-4D97-AF65-F5344CB8AC3E}">
-        <p14:creationId xmlns:p14="http://schemas.microsoft.com/office/powerpoint/2010/main" val="4094431131"/>
+        <p14:creationId xmlns:p14="http://schemas.microsoft.com/office/powerpoint/2010/main" val="4050179701"/>
       </p:ext>
     </p:extLst>
   </p:cSld>
@@ -41804,7 +41568,7 @@
       </p:grpSpPr>
       <p:sp>
         <p:nvSpPr>
-          <p:cNvPr id="2" name="Title 1"/>
+          <p:cNvPr id="4" name="Title 3"/>
           <p:cNvSpPr>
             <a:spLocks noGrp="1"/>
           </p:cNvSpPr>
@@ -41812,14 +41576,19 @@
             <p:ph type="title"/>
           </p:nvPr>
         </p:nvSpPr>
-        <p:spPr/>
+        <p:spPr>
+          <a:xfrm>
+            <a:off x="1024467" y="753035"/>
+            <a:ext cx="10146186" cy="705077"/>
+          </a:xfrm>
+        </p:spPr>
         <p:txBody>
           <a:bodyPr/>
           <a:lstStyle/>
           <a:p>
             <a:r>
               <a:rPr lang="en-IN" b="1" dirty="0" smtClean="0"/>
-              <a:t>17.2 DI as a Design Pattern(1)</a:t>
+              <a:t>17 : Dependency Injection</a:t>
             </a:r>
             <a:endParaRPr lang="en-IN" b="1" dirty="0"/>
           </a:p>
@@ -41827,7 +41596,70 @@
       </p:sp>
       <p:sp>
         <p:nvSpPr>
-          <p:cNvPr id="4" name="Date Placeholder 3"/>
+          <p:cNvPr id="5" name="Text Placeholder 4"/>
+          <p:cNvSpPr>
+            <a:spLocks noGrp="1"/>
+          </p:cNvSpPr>
+          <p:nvPr>
+            <p:ph type="body" idx="1"/>
+          </p:nvPr>
+        </p:nvSpPr>
+        <p:spPr>
+          <a:xfrm>
+            <a:off x="1025999" y="1888418"/>
+            <a:ext cx="10363660" cy="4525829"/>
+          </a:xfrm>
+        </p:spPr>
+        <p:txBody>
+          <a:bodyPr numCol="1">
+            <a:noAutofit/>
+          </a:bodyPr>
+          <a:lstStyle/>
+          <a:p>
+            <a:pPr marL="342900" indent="-342900">
+              <a:buFont typeface="Wingdings 3" charset="2"/>
+              <a:buAutoNum type="arabicPeriod"/>
+            </a:pPr>
+            <a:r>
+              <a:rPr lang="en-IN" sz="2400" dirty="0"/>
+              <a:t>Problem without DI </a:t>
+            </a:r>
+            <a:endParaRPr lang="en-IN" sz="2400" dirty="0" smtClean="0"/>
+          </a:p>
+          <a:p>
+            <a:pPr marL="342900" indent="-342900">
+              <a:buFont typeface="Wingdings 3" charset="2"/>
+              <a:buAutoNum type="arabicPeriod"/>
+            </a:pPr>
+            <a:r>
+              <a:rPr lang="en-IN" sz="2400" dirty="0"/>
+              <a:t>DI as a Design </a:t>
+            </a:r>
+            <a:r>
+              <a:rPr lang="en-IN" sz="2400" dirty="0" smtClean="0"/>
+              <a:t>Pattern</a:t>
+            </a:r>
+          </a:p>
+          <a:p>
+            <a:pPr marL="342900" indent="-342900">
+              <a:buFont typeface="Wingdings 3" charset="2"/>
+              <a:buAutoNum type="arabicPeriod"/>
+            </a:pPr>
+            <a:r>
+              <a:rPr lang="en-IN" sz="2400" dirty="0"/>
+              <a:t>DI as a </a:t>
+            </a:r>
+            <a:r>
+              <a:rPr lang="en-IN" sz="2400" dirty="0" smtClean="0"/>
+              <a:t>Framework</a:t>
+            </a:r>
+            <a:endParaRPr lang="en-IN" sz="2400" dirty="0"/>
+          </a:p>
+        </p:txBody>
+      </p:sp>
+      <p:sp>
+        <p:nvSpPr>
+          <p:cNvPr id="14" name="Date Placeholder 13"/>
           <p:cNvSpPr>
             <a:spLocks noGrp="1"/>
           </p:cNvSpPr>
@@ -41850,7 +41682,7 @@
       </p:sp>
       <p:sp>
         <p:nvSpPr>
-          <p:cNvPr id="5" name="Slide Number Placeholder 4"/>
+          <p:cNvPr id="15" name="Slide Number Placeholder 14"/>
           <p:cNvSpPr>
             <a:spLocks noGrp="1"/>
           </p:cNvSpPr>
@@ -41871,106 +41703,23 @@
           </a:p>
         </p:txBody>
       </p:sp>
-      <p:sp>
-        <p:nvSpPr>
-          <p:cNvPr id="6" name="Content Placeholder 5"/>
-          <p:cNvSpPr>
-            <a:spLocks noGrp="1"/>
-          </p:cNvSpPr>
-          <p:nvPr>
-            <p:ph idx="1"/>
-          </p:nvPr>
-        </p:nvSpPr>
-        <p:spPr>
-          <a:xfrm>
-            <a:off x="1154954" y="2603500"/>
-            <a:ext cx="10035785" cy="1618876"/>
-          </a:xfrm>
-        </p:spPr>
-        <p:txBody>
-          <a:bodyPr>
-            <a:normAutofit fontScale="92500" lnSpcReduction="10000"/>
-          </a:bodyPr>
-          <a:lstStyle/>
-          <a:p>
-            <a:r>
-              <a:rPr lang="en-IN" dirty="0" smtClean="0"/>
-              <a:t>DI is a coding pattern in which a class receives its dependencies from external sources rather than creating them itself</a:t>
-            </a:r>
-          </a:p>
-          <a:p>
-            <a:r>
-              <a:rPr lang="en-IN" dirty="0" smtClean="0"/>
-              <a:t>In this car class we are passing car object as a parameter rather than creating inside constructor</a:t>
-            </a:r>
-          </a:p>
-          <a:p>
-            <a:r>
-              <a:rPr lang="en-IN" dirty="0" smtClean="0"/>
-              <a:t>So any modification in Engine object creation will not affect car object creation</a:t>
-            </a:r>
-            <a:endParaRPr lang="en-IN" dirty="0"/>
-          </a:p>
-        </p:txBody>
-      </p:sp>
-      <p:pic>
-        <p:nvPicPr>
-          <p:cNvPr id="7" name="Picture 6"/>
-          <p:cNvPicPr>
-            <a:picLocks noChangeAspect="1"/>
-          </p:cNvPicPr>
-          <p:nvPr/>
-        </p:nvPicPr>
-        <p:blipFill>
-          <a:blip r:embed="rId2"/>
-          <a:stretch>
-            <a:fillRect/>
-          </a:stretch>
-        </p:blipFill>
-        <p:spPr>
-          <a:xfrm>
-            <a:off x="2265269" y="4450976"/>
-            <a:ext cx="3431974" cy="2093261"/>
-          </a:xfrm>
-          <a:prstGeom prst="rect">
-            <a:avLst/>
-          </a:prstGeom>
-        </p:spPr>
-      </p:pic>
-      <p:pic>
-        <p:nvPicPr>
-          <p:cNvPr id="12" name="Picture 11"/>
-          <p:cNvPicPr>
-            <a:picLocks noChangeAspect="1"/>
-          </p:cNvPicPr>
-          <p:nvPr/>
-        </p:nvPicPr>
-        <p:blipFill>
-          <a:blip r:embed="rId3"/>
-          <a:stretch>
-            <a:fillRect/>
-          </a:stretch>
-        </p:blipFill>
-        <p:spPr>
-          <a:xfrm>
-            <a:off x="6121213" y="4450976"/>
-            <a:ext cx="2909278" cy="2093261"/>
-          </a:xfrm>
-          <a:prstGeom prst="rect">
-            <a:avLst/>
-          </a:prstGeom>
-        </p:spPr>
-      </p:pic>
     </p:spTree>
     <p:extLst>
       <p:ext uri="{BB962C8B-B14F-4D97-AF65-F5344CB8AC3E}">
-        <p14:creationId xmlns:p14="http://schemas.microsoft.com/office/powerpoint/2010/main" val="2548584208"/>
+        <p14:creationId xmlns:p14="http://schemas.microsoft.com/office/powerpoint/2010/main" val="1609143649"/>
       </p:ext>
     </p:extLst>
   </p:cSld>
   <p:clrMapOvr>
     <a:masterClrMapping/>
   </p:clrMapOvr>
+  <p:timing>
+    <p:tnLst>
+      <p:par>
+        <p:cTn id="1" dur="indefinite" restart="never" nodeType="tmRoot"/>
+      </p:par>
+    </p:tnLst>
+  </p:timing>
 </p:sld>
 </file>
 
@@ -42008,9 +41757,82 @@
           <a:p>
             <a:r>
               <a:rPr lang="en-IN" b="1" dirty="0" smtClean="0"/>
-              <a:t>17.2 DI as a Design Pattern(2)</a:t>
+              <a:t>17.1 Problem without DI (1)</a:t>
             </a:r>
             <a:endParaRPr lang="en-IN" b="1" dirty="0"/>
+          </a:p>
+        </p:txBody>
+      </p:sp>
+      <p:sp>
+        <p:nvSpPr>
+          <p:cNvPr id="11" name="Content Placeholder 10"/>
+          <p:cNvSpPr>
+            <a:spLocks noGrp="1"/>
+          </p:cNvSpPr>
+          <p:nvPr>
+            <p:ph idx="1"/>
+          </p:nvPr>
+        </p:nvSpPr>
+        <p:spPr>
+          <a:xfrm>
+            <a:off x="1154955" y="2603500"/>
+            <a:ext cx="6980516" cy="3788338"/>
+          </a:xfrm>
+        </p:spPr>
+        <p:txBody>
+          <a:bodyPr>
+            <a:normAutofit/>
+          </a:bodyPr>
+          <a:lstStyle/>
+          <a:p>
+            <a:r>
+              <a:rPr lang="en-IN" dirty="0" smtClean="0"/>
+              <a:t>Lets take an example of creating a car which is only made up of Engine and tyre.</a:t>
+            </a:r>
+          </a:p>
+          <a:p>
+            <a:r>
+              <a:rPr lang="en-IN" dirty="0" smtClean="0"/>
+              <a:t>So we have 3 classes </a:t>
+            </a:r>
+          </a:p>
+          <a:p>
+            <a:pPr lvl="1"/>
+            <a:r>
+              <a:rPr lang="en-IN" dirty="0" smtClean="0"/>
+              <a:t>1. Car, which has dependency of the following 2 classes</a:t>
+            </a:r>
+          </a:p>
+          <a:p>
+            <a:pPr lvl="1"/>
+            <a:r>
+              <a:rPr lang="en-IN" dirty="0" smtClean="0"/>
+              <a:t>2. Engine </a:t>
+            </a:r>
+          </a:p>
+          <a:p>
+            <a:pPr lvl="1"/>
+            <a:r>
+              <a:rPr lang="en-IN" dirty="0" smtClean="0"/>
+              <a:t>3. Tyre</a:t>
+            </a:r>
+          </a:p>
+          <a:p>
+            <a:r>
+              <a:rPr lang="en-IN" dirty="0" smtClean="0"/>
+              <a:t>Here To get Car object we are creating both Engine and Tyre in Car constructor meaning, if I want to create a car it will automatically create engine and tyre </a:t>
+            </a:r>
+          </a:p>
+          <a:p>
+            <a:r>
+              <a:rPr lang="en-IN" b="1" dirty="0" smtClean="0"/>
+              <a:t>So far no problem with the example…..</a:t>
+            </a:r>
+            <a:endParaRPr lang="en-IN" b="1" dirty="0"/>
+          </a:p>
+          <a:p>
+            <a:pPr lvl="1"/>
+            <a:endParaRPr lang="en-IN" dirty="0"/>
           </a:p>
         </p:txBody>
       </p:sp>
@@ -42060,57 +41882,9 @@
           </a:p>
         </p:txBody>
       </p:sp>
-      <p:sp>
-        <p:nvSpPr>
-          <p:cNvPr id="6" name="Content Placeholder 5"/>
-          <p:cNvSpPr>
-            <a:spLocks noGrp="1"/>
-          </p:cNvSpPr>
-          <p:nvPr>
-            <p:ph idx="1"/>
-          </p:nvPr>
-        </p:nvSpPr>
-        <p:spPr>
-          <a:xfrm>
-            <a:off x="1154954" y="2576605"/>
-            <a:ext cx="10035785" cy="1618876"/>
-          </a:xfrm>
-        </p:spPr>
-        <p:txBody>
-          <a:bodyPr>
-            <a:normAutofit/>
-          </a:bodyPr>
-          <a:lstStyle/>
-          <a:p>
-            <a:r>
-              <a:rPr lang="en-IN" dirty="0" smtClean="0"/>
-              <a:t>Now after DI lets see how the changes in the dependency classes(Engine, Tyre) is not affecting the Car class</a:t>
-            </a:r>
-          </a:p>
-          <a:p>
-            <a:r>
-              <a:rPr lang="en-IN" dirty="0" smtClean="0"/>
-              <a:t>If the parameter is added or not the end result of Engine object is </a:t>
-            </a:r>
-            <a:r>
-              <a:rPr lang="en-IN" b="1" dirty="0" err="1" smtClean="0"/>
-              <a:t>myEngine</a:t>
-            </a:r>
-            <a:r>
-              <a:rPr lang="en-IN" b="1" dirty="0" smtClean="0"/>
-              <a:t>, </a:t>
-            </a:r>
-            <a:r>
-              <a:rPr lang="en-IN" dirty="0" smtClean="0"/>
-              <a:t>by taking that object as parameter the car class will not get affected</a:t>
-            </a:r>
-            <a:endParaRPr lang="en-IN" dirty="0"/>
-          </a:p>
-        </p:txBody>
-      </p:sp>
       <p:pic>
         <p:nvPicPr>
-          <p:cNvPr id="3" name="Picture 2"/>
+          <p:cNvPr id="6" name="Picture 5"/>
           <p:cNvPicPr>
             <a:picLocks noChangeAspect="1"/>
           </p:cNvPicPr>
@@ -42124,8 +41898,8 @@
         </p:blipFill>
         <p:spPr>
           <a:xfrm>
-            <a:off x="1154954" y="4472329"/>
-            <a:ext cx="4204190" cy="893047"/>
+            <a:off x="8937134" y="2788564"/>
+            <a:ext cx="1958466" cy="1409140"/>
           </a:xfrm>
           <a:prstGeom prst="rect">
             <a:avLst/>
@@ -42134,7 +41908,7 @@
       </p:pic>
       <p:pic>
         <p:nvPicPr>
-          <p:cNvPr id="8" name="Picture 7"/>
+          <p:cNvPr id="7" name="Picture 6"/>
           <p:cNvPicPr>
             <a:picLocks noChangeAspect="1"/>
           </p:cNvPicPr>
@@ -42148,48 +41922,24 @@
         </p:blipFill>
         <p:spPr>
           <a:xfrm>
-            <a:off x="5431017" y="4472329"/>
-            <a:ext cx="4049160" cy="890815"/>
+            <a:off x="8370640" y="4340590"/>
+            <a:ext cx="3273063" cy="1908362"/>
           </a:xfrm>
           <a:prstGeom prst="rect">
             <a:avLst/>
           </a:prstGeom>
         </p:spPr>
       </p:pic>
-      <p:pic>
-        <p:nvPicPr>
-          <p:cNvPr id="9" name="Picture 8"/>
-          <p:cNvPicPr>
-            <a:picLocks noChangeAspect="1"/>
-          </p:cNvPicPr>
-          <p:nvPr/>
-        </p:nvPicPr>
-        <p:blipFill>
-          <a:blip r:embed="rId4"/>
-          <a:stretch>
-            <a:fillRect/>
-          </a:stretch>
-        </p:blipFill>
-        <p:spPr>
-          <a:xfrm>
-            <a:off x="3589244" y="5528141"/>
-            <a:ext cx="4274568" cy="863697"/>
-          </a:xfrm>
-          <a:prstGeom prst="rect">
-            <a:avLst/>
-          </a:prstGeom>
-        </p:spPr>
-      </p:pic>
-      <p:sp>
-        <p:nvSpPr>
-          <p:cNvPr id="11" name="Rectangle 10"/>
+      <p:sp>
+        <p:nvSpPr>
+          <p:cNvPr id="13" name="Rectangle 12"/>
           <p:cNvSpPr/>
           <p:nvPr/>
         </p:nvSpPr>
         <p:spPr>
           <a:xfrm>
-            <a:off x="1195295" y="5017373"/>
-            <a:ext cx="4102846" cy="240427"/>
+            <a:off x="8956462" y="5305636"/>
+            <a:ext cx="2527326" cy="516940"/>
           </a:xfrm>
           <a:prstGeom prst="rect">
             <a:avLst/>
@@ -42228,14 +41978,14 @@
       </p:sp>
       <p:sp>
         <p:nvSpPr>
-          <p:cNvPr id="13" name="Rectangle 12"/>
+          <p:cNvPr id="14" name="Rectangle 13"/>
           <p:cNvSpPr/>
           <p:nvPr/>
         </p:nvSpPr>
         <p:spPr>
           <a:xfrm>
-            <a:off x="5476098" y="5017372"/>
-            <a:ext cx="3896502" cy="240428"/>
+            <a:off x="9350671" y="2999071"/>
+            <a:ext cx="1366635" cy="242968"/>
           </a:xfrm>
           <a:prstGeom prst="rect">
             <a:avLst/>
@@ -42272,56 +42022,10 @@
           </a:p>
         </p:txBody>
       </p:sp>
-      <p:sp>
-        <p:nvSpPr>
-          <p:cNvPr id="14" name="Rectangle 13"/>
-          <p:cNvSpPr/>
-          <p:nvPr/>
-        </p:nvSpPr>
-        <p:spPr>
-          <a:xfrm>
-            <a:off x="3589244" y="6091518"/>
-            <a:ext cx="4286152" cy="300320"/>
-          </a:xfrm>
-          <a:prstGeom prst="rect">
-            <a:avLst/>
-          </a:prstGeom>
-          <a:noFill/>
-          <a:ln w="28575">
-            <a:solidFill>
-              <a:srgbClr val="FFFF00"/>
-            </a:solidFill>
-          </a:ln>
-        </p:spPr>
-        <p:style>
-          <a:lnRef idx="2">
-            <a:schemeClr val="accent1">
-              <a:shade val="50000"/>
-            </a:schemeClr>
-          </a:lnRef>
-          <a:fillRef idx="1">
-            <a:schemeClr val="accent1"/>
-          </a:fillRef>
-          <a:effectRef idx="0">
-            <a:schemeClr val="accent1"/>
-          </a:effectRef>
-          <a:fontRef idx="minor">
-            <a:schemeClr val="lt1"/>
-          </a:fontRef>
-        </p:style>
-        <p:txBody>
-          <a:bodyPr rtlCol="0" anchor="ctr"/>
-          <a:lstStyle/>
-          <a:p>
-            <a:pPr algn="ctr"/>
-            <a:endParaRPr lang="en-IN"/>
-          </a:p>
-        </p:txBody>
-      </p:sp>
     </p:spTree>
     <p:extLst>
       <p:ext uri="{BB962C8B-B14F-4D97-AF65-F5344CB8AC3E}">
-        <p14:creationId xmlns:p14="http://schemas.microsoft.com/office/powerpoint/2010/main" val="1465618113"/>
+        <p14:creationId xmlns:p14="http://schemas.microsoft.com/office/powerpoint/2010/main" val="3763015044"/>
       </p:ext>
     </p:extLst>
   </p:cSld>
@@ -42365,7 +42069,71 @@
           <a:p>
             <a:r>
               <a:rPr lang="en-IN" b="1" dirty="0" smtClean="0"/>
-              <a:t>17.2 DI as a Framework</a:t>
+              <a:t>17.1 Problem without </a:t>
+            </a:r>
+            <a:r>
+              <a:rPr lang="en-IN" b="1" dirty="0" smtClean="0"/>
+              <a:t>DI (2)</a:t>
+            </a:r>
+            <a:endParaRPr lang="en-IN" b="1" dirty="0"/>
+          </a:p>
+        </p:txBody>
+      </p:sp>
+      <p:sp>
+        <p:nvSpPr>
+          <p:cNvPr id="3" name="Content Placeholder 2"/>
+          <p:cNvSpPr>
+            <a:spLocks noGrp="1"/>
+          </p:cNvSpPr>
+          <p:nvPr>
+            <p:ph idx="1"/>
+          </p:nvPr>
+        </p:nvSpPr>
+        <p:spPr>
+          <a:xfrm>
+            <a:off x="1154955" y="2603500"/>
+            <a:ext cx="7731260" cy="3689724"/>
+          </a:xfrm>
+        </p:spPr>
+        <p:txBody>
+          <a:bodyPr>
+            <a:normAutofit/>
+          </a:bodyPr>
+          <a:lstStyle/>
+          <a:p>
+            <a:r>
+              <a:rPr lang="en-IN" dirty="0" smtClean="0"/>
+              <a:t>Now the requirement is changing and the engine constructor is getting a parameter</a:t>
+            </a:r>
+          </a:p>
+          <a:p>
+            <a:r>
+              <a:rPr lang="en-IN" dirty="0" smtClean="0"/>
+              <a:t>Now the class code has broken, because no parameter passed for Engine object creation inside car constructor.</a:t>
+            </a:r>
+          </a:p>
+          <a:p>
+            <a:r>
+              <a:rPr lang="en-IN" dirty="0" smtClean="0"/>
+              <a:t>Only possible way to solve this is we have to modify the code</a:t>
+            </a:r>
+          </a:p>
+          <a:p>
+            <a:r>
+              <a:rPr lang="en-IN" dirty="0" smtClean="0"/>
+              <a:t>As it’s a simple application its easy to maintain but what if the car 20 dependency and those have other dependency…</a:t>
+            </a:r>
+          </a:p>
+          <a:p>
+            <a:r>
+              <a:rPr lang="en-IN" dirty="0" smtClean="0"/>
+              <a:t>EOD code will be mess and out of Control</a:t>
+            </a:r>
+          </a:p>
+          <a:p>
+            <a:r>
+              <a:rPr lang="en-IN" b="1" dirty="0" smtClean="0"/>
+              <a:t>Solution for this problem is Dependency Injection</a:t>
             </a:r>
             <a:endParaRPr lang="en-IN" b="1" dirty="0"/>
           </a:p>
@@ -42417,6 +42185,245 @@
           </a:p>
         </p:txBody>
       </p:sp>
+      <p:pic>
+        <p:nvPicPr>
+          <p:cNvPr id="8" name="Picture 7"/>
+          <p:cNvPicPr>
+            <a:picLocks noChangeAspect="1"/>
+          </p:cNvPicPr>
+          <p:nvPr/>
+        </p:nvPicPr>
+        <p:blipFill>
+          <a:blip r:embed="rId2"/>
+          <a:stretch>
+            <a:fillRect/>
+          </a:stretch>
+        </p:blipFill>
+        <p:spPr>
+          <a:xfrm>
+            <a:off x="9005278" y="2767575"/>
+            <a:ext cx="2400300" cy="1209675"/>
+          </a:xfrm>
+          <a:prstGeom prst="rect">
+            <a:avLst/>
+          </a:prstGeom>
+        </p:spPr>
+      </p:pic>
+      <p:pic>
+        <p:nvPicPr>
+          <p:cNvPr id="9" name="Picture 8"/>
+          <p:cNvPicPr>
+            <a:picLocks noChangeAspect="1"/>
+          </p:cNvPicPr>
+          <p:nvPr/>
+        </p:nvPicPr>
+        <p:blipFill>
+          <a:blip r:embed="rId3"/>
+          <a:stretch>
+            <a:fillRect/>
+          </a:stretch>
+        </p:blipFill>
+        <p:spPr>
+          <a:xfrm>
+            <a:off x="8886215" y="4071684"/>
+            <a:ext cx="2638425" cy="1609725"/>
+          </a:xfrm>
+          <a:prstGeom prst="rect">
+            <a:avLst/>
+          </a:prstGeom>
+        </p:spPr>
+      </p:pic>
+      <p:sp>
+        <p:nvSpPr>
+          <p:cNvPr id="10" name="Rectangle 9"/>
+          <p:cNvSpPr/>
+          <p:nvPr/>
+        </p:nvSpPr>
+        <p:spPr>
+          <a:xfrm>
+            <a:off x="9311668" y="2946246"/>
+            <a:ext cx="2040122" cy="242968"/>
+          </a:xfrm>
+          <a:prstGeom prst="rect">
+            <a:avLst/>
+          </a:prstGeom>
+          <a:noFill/>
+          <a:ln w="28575">
+            <a:solidFill>
+              <a:srgbClr val="FFFF00"/>
+            </a:solidFill>
+          </a:ln>
+        </p:spPr>
+        <p:style>
+          <a:lnRef idx="2">
+            <a:schemeClr val="accent1">
+              <a:shade val="50000"/>
+            </a:schemeClr>
+          </a:lnRef>
+          <a:fillRef idx="1">
+            <a:schemeClr val="accent1"/>
+          </a:fillRef>
+          <a:effectRef idx="0">
+            <a:schemeClr val="accent1"/>
+          </a:effectRef>
+          <a:fontRef idx="minor">
+            <a:schemeClr val="lt1"/>
+          </a:fontRef>
+        </p:style>
+        <p:txBody>
+          <a:bodyPr rtlCol="0" anchor="ctr"/>
+          <a:lstStyle/>
+          <a:p>
+            <a:pPr algn="ctr"/>
+            <a:endParaRPr lang="en-IN"/>
+          </a:p>
+        </p:txBody>
+      </p:sp>
+      <p:sp>
+        <p:nvSpPr>
+          <p:cNvPr id="11" name="Rectangle 10"/>
+          <p:cNvSpPr/>
+          <p:nvPr/>
+        </p:nvSpPr>
+        <p:spPr>
+          <a:xfrm>
+            <a:off x="9447210" y="4921624"/>
+            <a:ext cx="2040122" cy="523810"/>
+          </a:xfrm>
+          <a:prstGeom prst="rect">
+            <a:avLst/>
+          </a:prstGeom>
+          <a:noFill/>
+          <a:ln w="28575">
+            <a:solidFill>
+              <a:srgbClr val="FF0000"/>
+            </a:solidFill>
+          </a:ln>
+        </p:spPr>
+        <p:style>
+          <a:lnRef idx="2">
+            <a:schemeClr val="accent1">
+              <a:shade val="50000"/>
+            </a:schemeClr>
+          </a:lnRef>
+          <a:fillRef idx="1">
+            <a:schemeClr val="accent1"/>
+          </a:fillRef>
+          <a:effectRef idx="0">
+            <a:schemeClr val="accent1"/>
+          </a:effectRef>
+          <a:fontRef idx="minor">
+            <a:schemeClr val="lt1"/>
+          </a:fontRef>
+        </p:style>
+        <p:txBody>
+          <a:bodyPr rtlCol="0" anchor="ctr"/>
+          <a:lstStyle/>
+          <a:p>
+            <a:pPr algn="ctr"/>
+            <a:endParaRPr lang="en-IN"/>
+          </a:p>
+        </p:txBody>
+      </p:sp>
+    </p:spTree>
+    <p:extLst>
+      <p:ext uri="{BB962C8B-B14F-4D97-AF65-F5344CB8AC3E}">
+        <p14:creationId xmlns:p14="http://schemas.microsoft.com/office/powerpoint/2010/main" val="4094431131"/>
+      </p:ext>
+    </p:extLst>
+  </p:cSld>
+  <p:clrMapOvr>
+    <a:masterClrMapping/>
+  </p:clrMapOvr>
+</p:sld>
+</file>
+
+<file path=ppt/slides/slide78.xml><?xml version="1.0" encoding="utf-8"?>
+<p:sld xmlns:a="http://schemas.openxmlformats.org/drawingml/2006/main" xmlns:r="http://schemas.openxmlformats.org/officeDocument/2006/relationships" xmlns:p="http://schemas.openxmlformats.org/presentationml/2006/main">
+  <p:cSld>
+    <p:spTree>
+      <p:nvGrpSpPr>
+        <p:cNvPr id="1" name=""/>
+        <p:cNvGrpSpPr/>
+        <p:nvPr/>
+      </p:nvGrpSpPr>
+      <p:grpSpPr>
+        <a:xfrm>
+          <a:off x="0" y="0"/>
+          <a:ext cx="0" cy="0"/>
+          <a:chOff x="0" y="0"/>
+          <a:chExt cx="0" cy="0"/>
+        </a:xfrm>
+      </p:grpSpPr>
+      <p:sp>
+        <p:nvSpPr>
+          <p:cNvPr id="2" name="Title 1"/>
+          <p:cNvSpPr>
+            <a:spLocks noGrp="1"/>
+          </p:cNvSpPr>
+          <p:nvPr>
+            <p:ph type="title"/>
+          </p:nvPr>
+        </p:nvSpPr>
+        <p:spPr/>
+        <p:txBody>
+          <a:bodyPr/>
+          <a:lstStyle/>
+          <a:p>
+            <a:r>
+              <a:rPr lang="en-IN" b="1" dirty="0" smtClean="0"/>
+              <a:t>17.2 DI as a Design Pattern(1)</a:t>
+            </a:r>
+            <a:endParaRPr lang="en-IN" b="1" dirty="0"/>
+          </a:p>
+        </p:txBody>
+      </p:sp>
+      <p:sp>
+        <p:nvSpPr>
+          <p:cNvPr id="4" name="Date Placeholder 3"/>
+          <p:cNvSpPr>
+            <a:spLocks noGrp="1"/>
+          </p:cNvSpPr>
+          <p:nvPr>
+            <p:ph type="dt" sz="half" idx="10"/>
+          </p:nvPr>
+        </p:nvSpPr>
+        <p:spPr/>
+        <p:txBody>
+          <a:bodyPr/>
+          <a:lstStyle/>
+          <a:p>
+            <a:r>
+              <a:rPr lang="en-US" smtClean="0"/>
+              <a:t>5/6/2019</a:t>
+            </a:r>
+            <a:endParaRPr lang="en-US" dirty="0"/>
+          </a:p>
+        </p:txBody>
+      </p:sp>
+      <p:sp>
+        <p:nvSpPr>
+          <p:cNvPr id="5" name="Slide Number Placeholder 4"/>
+          <p:cNvSpPr>
+            <a:spLocks noGrp="1"/>
+          </p:cNvSpPr>
+          <p:nvPr>
+            <p:ph type="sldNum" sz="quarter" idx="12"/>
+          </p:nvPr>
+        </p:nvSpPr>
+        <p:spPr/>
+        <p:txBody>
+          <a:bodyPr/>
+          <a:lstStyle/>
+          <a:p>
+            <a:fld id="{6D22F896-40B5-4ADD-8801-0D06FADFA095}" type="slidenum">
+              <a:rPr lang="en-US" smtClean="0"/>
+              <a:t>78</a:t>
+            </a:fld>
+            <a:endParaRPr lang="en-US" dirty="0"/>
+          </a:p>
+        </p:txBody>
+      </p:sp>
       <p:sp>
         <p:nvSpPr>
           <p:cNvPr id="6" name="Content Placeholder 5"/>
@@ -42429,25 +42436,31 @@
         </p:nvSpPr>
         <p:spPr>
           <a:xfrm>
-            <a:off x="1154955" y="2576605"/>
-            <a:ext cx="5555127" cy="3582148"/>
+            <a:off x="1154954" y="2603500"/>
+            <a:ext cx="10035785" cy="1618876"/>
           </a:xfrm>
         </p:spPr>
         <p:txBody>
           <a:bodyPr>
-            <a:normAutofit/>
+            <a:normAutofit fontScale="92500" lnSpcReduction="10000"/>
           </a:bodyPr>
           <a:lstStyle/>
           <a:p>
             <a:r>
               <a:rPr lang="en-IN" dirty="0" smtClean="0"/>
-              <a:t>Angular provides a special way to implement DI framework is Injector.</a:t>
+              <a:t>DI is a coding pattern in which a class receives its dependencies from external sources rather than creating them itself</a:t>
             </a:r>
           </a:p>
           <a:p>
             <a:r>
               <a:rPr lang="en-IN" dirty="0" smtClean="0"/>
-              <a:t>This Injector will have all the dependencies required for the car class, whenever we need a particular class the injector will give the dependency object</a:t>
+              <a:t>In this car class we are passing car object as a parameter rather than creating inside constructor</a:t>
+            </a:r>
+          </a:p>
+          <a:p>
+            <a:r>
+              <a:rPr lang="en-IN" dirty="0" smtClean="0"/>
+              <a:t>So any modification in Engine object creation will not affect car object creation</a:t>
             </a:r>
             <a:endParaRPr lang="en-IN" dirty="0"/>
           </a:p>
@@ -42469,25 +42482,399 @@
         </p:blipFill>
         <p:spPr>
           <a:xfrm>
-            <a:off x="6900253" y="2576605"/>
-            <a:ext cx="4743450" cy="2762250"/>
+            <a:off x="2265269" y="4450976"/>
+            <a:ext cx="3431974" cy="2093261"/>
           </a:xfrm>
           <a:prstGeom prst="rect">
             <a:avLst/>
           </a:prstGeom>
-          <a:ln>
-            <a:solidFill>
-              <a:schemeClr val="bg1">
-                <a:lumMod val="50000"/>
-              </a:schemeClr>
-            </a:solidFill>
-          </a:ln>
+        </p:spPr>
+      </p:pic>
+      <p:pic>
+        <p:nvPicPr>
+          <p:cNvPr id="12" name="Picture 11"/>
+          <p:cNvPicPr>
+            <a:picLocks noChangeAspect="1"/>
+          </p:cNvPicPr>
+          <p:nvPr/>
+        </p:nvPicPr>
+        <p:blipFill>
+          <a:blip r:embed="rId3"/>
+          <a:stretch>
+            <a:fillRect/>
+          </a:stretch>
+        </p:blipFill>
+        <p:spPr>
+          <a:xfrm>
+            <a:off x="6121213" y="4450976"/>
+            <a:ext cx="2909278" cy="2093261"/>
+          </a:xfrm>
+          <a:prstGeom prst="rect">
+            <a:avLst/>
+          </a:prstGeom>
         </p:spPr>
       </p:pic>
     </p:spTree>
     <p:extLst>
       <p:ext uri="{BB962C8B-B14F-4D97-AF65-F5344CB8AC3E}">
-        <p14:creationId xmlns:p14="http://schemas.microsoft.com/office/powerpoint/2010/main" val="1930906811"/>
+        <p14:creationId xmlns:p14="http://schemas.microsoft.com/office/powerpoint/2010/main" val="2548584208"/>
+      </p:ext>
+    </p:extLst>
+  </p:cSld>
+  <p:clrMapOvr>
+    <a:masterClrMapping/>
+  </p:clrMapOvr>
+</p:sld>
+</file>
+
+<file path=ppt/slides/slide79.xml><?xml version="1.0" encoding="utf-8"?>
+<p:sld xmlns:a="http://schemas.openxmlformats.org/drawingml/2006/main" xmlns:r="http://schemas.openxmlformats.org/officeDocument/2006/relationships" xmlns:p="http://schemas.openxmlformats.org/presentationml/2006/main">
+  <p:cSld>
+    <p:spTree>
+      <p:nvGrpSpPr>
+        <p:cNvPr id="1" name=""/>
+        <p:cNvGrpSpPr/>
+        <p:nvPr/>
+      </p:nvGrpSpPr>
+      <p:grpSpPr>
+        <a:xfrm>
+          <a:off x="0" y="0"/>
+          <a:ext cx="0" cy="0"/>
+          <a:chOff x="0" y="0"/>
+          <a:chExt cx="0" cy="0"/>
+        </a:xfrm>
+      </p:grpSpPr>
+      <p:sp>
+        <p:nvSpPr>
+          <p:cNvPr id="2" name="Title 1"/>
+          <p:cNvSpPr>
+            <a:spLocks noGrp="1"/>
+          </p:cNvSpPr>
+          <p:nvPr>
+            <p:ph type="title"/>
+          </p:nvPr>
+        </p:nvSpPr>
+        <p:spPr/>
+        <p:txBody>
+          <a:bodyPr/>
+          <a:lstStyle/>
+          <a:p>
+            <a:r>
+              <a:rPr lang="en-IN" b="1" dirty="0" smtClean="0"/>
+              <a:t>17.2 DI as a Design Pattern(2)</a:t>
+            </a:r>
+            <a:endParaRPr lang="en-IN" b="1" dirty="0"/>
+          </a:p>
+        </p:txBody>
+      </p:sp>
+      <p:sp>
+        <p:nvSpPr>
+          <p:cNvPr id="4" name="Date Placeholder 3"/>
+          <p:cNvSpPr>
+            <a:spLocks noGrp="1"/>
+          </p:cNvSpPr>
+          <p:nvPr>
+            <p:ph type="dt" sz="half" idx="10"/>
+          </p:nvPr>
+        </p:nvSpPr>
+        <p:spPr/>
+        <p:txBody>
+          <a:bodyPr/>
+          <a:lstStyle/>
+          <a:p>
+            <a:r>
+              <a:rPr lang="en-US" smtClean="0"/>
+              <a:t>5/6/2019</a:t>
+            </a:r>
+            <a:endParaRPr lang="en-US" dirty="0"/>
+          </a:p>
+        </p:txBody>
+      </p:sp>
+      <p:sp>
+        <p:nvSpPr>
+          <p:cNvPr id="5" name="Slide Number Placeholder 4"/>
+          <p:cNvSpPr>
+            <a:spLocks noGrp="1"/>
+          </p:cNvSpPr>
+          <p:nvPr>
+            <p:ph type="sldNum" sz="quarter" idx="12"/>
+          </p:nvPr>
+        </p:nvSpPr>
+        <p:spPr/>
+        <p:txBody>
+          <a:bodyPr/>
+          <a:lstStyle/>
+          <a:p>
+            <a:fld id="{6D22F896-40B5-4ADD-8801-0D06FADFA095}" type="slidenum">
+              <a:rPr lang="en-US" smtClean="0"/>
+              <a:t>79</a:t>
+            </a:fld>
+            <a:endParaRPr lang="en-US" dirty="0"/>
+          </a:p>
+        </p:txBody>
+      </p:sp>
+      <p:sp>
+        <p:nvSpPr>
+          <p:cNvPr id="6" name="Content Placeholder 5"/>
+          <p:cNvSpPr>
+            <a:spLocks noGrp="1"/>
+          </p:cNvSpPr>
+          <p:nvPr>
+            <p:ph idx="1"/>
+          </p:nvPr>
+        </p:nvSpPr>
+        <p:spPr>
+          <a:xfrm>
+            <a:off x="1154954" y="2576605"/>
+            <a:ext cx="10035785" cy="1618876"/>
+          </a:xfrm>
+        </p:spPr>
+        <p:txBody>
+          <a:bodyPr>
+            <a:normAutofit/>
+          </a:bodyPr>
+          <a:lstStyle/>
+          <a:p>
+            <a:r>
+              <a:rPr lang="en-IN" dirty="0" smtClean="0"/>
+              <a:t>Now after DI lets see how the changes in the dependency classes(Engine, Tyre) is not affecting the Car class</a:t>
+            </a:r>
+          </a:p>
+          <a:p>
+            <a:r>
+              <a:rPr lang="en-IN" dirty="0" smtClean="0"/>
+              <a:t>If the parameter is added or not the end result of Engine object is </a:t>
+            </a:r>
+            <a:r>
+              <a:rPr lang="en-IN" b="1" dirty="0" err="1" smtClean="0"/>
+              <a:t>myEngine</a:t>
+            </a:r>
+            <a:r>
+              <a:rPr lang="en-IN" b="1" dirty="0" smtClean="0"/>
+              <a:t>, </a:t>
+            </a:r>
+            <a:r>
+              <a:rPr lang="en-IN" dirty="0" smtClean="0"/>
+              <a:t>by taking that object as parameter the car class will not get affected</a:t>
+            </a:r>
+            <a:endParaRPr lang="en-IN" dirty="0"/>
+          </a:p>
+        </p:txBody>
+      </p:sp>
+      <p:pic>
+        <p:nvPicPr>
+          <p:cNvPr id="3" name="Picture 2"/>
+          <p:cNvPicPr>
+            <a:picLocks noChangeAspect="1"/>
+          </p:cNvPicPr>
+          <p:nvPr/>
+        </p:nvPicPr>
+        <p:blipFill>
+          <a:blip r:embed="rId2"/>
+          <a:stretch>
+            <a:fillRect/>
+          </a:stretch>
+        </p:blipFill>
+        <p:spPr>
+          <a:xfrm>
+            <a:off x="1154954" y="4472329"/>
+            <a:ext cx="4204190" cy="893047"/>
+          </a:xfrm>
+          <a:prstGeom prst="rect">
+            <a:avLst/>
+          </a:prstGeom>
+        </p:spPr>
+      </p:pic>
+      <p:pic>
+        <p:nvPicPr>
+          <p:cNvPr id="8" name="Picture 7"/>
+          <p:cNvPicPr>
+            <a:picLocks noChangeAspect="1"/>
+          </p:cNvPicPr>
+          <p:nvPr/>
+        </p:nvPicPr>
+        <p:blipFill>
+          <a:blip r:embed="rId3"/>
+          <a:stretch>
+            <a:fillRect/>
+          </a:stretch>
+        </p:blipFill>
+        <p:spPr>
+          <a:xfrm>
+            <a:off x="5431017" y="4472329"/>
+            <a:ext cx="4049160" cy="890815"/>
+          </a:xfrm>
+          <a:prstGeom prst="rect">
+            <a:avLst/>
+          </a:prstGeom>
+        </p:spPr>
+      </p:pic>
+      <p:pic>
+        <p:nvPicPr>
+          <p:cNvPr id="9" name="Picture 8"/>
+          <p:cNvPicPr>
+            <a:picLocks noChangeAspect="1"/>
+          </p:cNvPicPr>
+          <p:nvPr/>
+        </p:nvPicPr>
+        <p:blipFill>
+          <a:blip r:embed="rId4"/>
+          <a:stretch>
+            <a:fillRect/>
+          </a:stretch>
+        </p:blipFill>
+        <p:spPr>
+          <a:xfrm>
+            <a:off x="3589244" y="5528141"/>
+            <a:ext cx="4274568" cy="863697"/>
+          </a:xfrm>
+          <a:prstGeom prst="rect">
+            <a:avLst/>
+          </a:prstGeom>
+        </p:spPr>
+      </p:pic>
+      <p:sp>
+        <p:nvSpPr>
+          <p:cNvPr id="11" name="Rectangle 10"/>
+          <p:cNvSpPr/>
+          <p:nvPr/>
+        </p:nvSpPr>
+        <p:spPr>
+          <a:xfrm>
+            <a:off x="1195295" y="5017373"/>
+            <a:ext cx="4102846" cy="240427"/>
+          </a:xfrm>
+          <a:prstGeom prst="rect">
+            <a:avLst/>
+          </a:prstGeom>
+          <a:noFill/>
+          <a:ln w="28575">
+            <a:solidFill>
+              <a:srgbClr val="FFFF00"/>
+            </a:solidFill>
+          </a:ln>
+        </p:spPr>
+        <p:style>
+          <a:lnRef idx="2">
+            <a:schemeClr val="accent1">
+              <a:shade val="50000"/>
+            </a:schemeClr>
+          </a:lnRef>
+          <a:fillRef idx="1">
+            <a:schemeClr val="accent1"/>
+          </a:fillRef>
+          <a:effectRef idx="0">
+            <a:schemeClr val="accent1"/>
+          </a:effectRef>
+          <a:fontRef idx="minor">
+            <a:schemeClr val="lt1"/>
+          </a:fontRef>
+        </p:style>
+        <p:txBody>
+          <a:bodyPr rtlCol="0" anchor="ctr"/>
+          <a:lstStyle/>
+          <a:p>
+            <a:pPr algn="ctr"/>
+            <a:endParaRPr lang="en-IN"/>
+          </a:p>
+        </p:txBody>
+      </p:sp>
+      <p:sp>
+        <p:nvSpPr>
+          <p:cNvPr id="13" name="Rectangle 12"/>
+          <p:cNvSpPr/>
+          <p:nvPr/>
+        </p:nvSpPr>
+        <p:spPr>
+          <a:xfrm>
+            <a:off x="5476098" y="5017372"/>
+            <a:ext cx="3896502" cy="240428"/>
+          </a:xfrm>
+          <a:prstGeom prst="rect">
+            <a:avLst/>
+          </a:prstGeom>
+          <a:noFill/>
+          <a:ln w="28575">
+            <a:solidFill>
+              <a:srgbClr val="FFFF00"/>
+            </a:solidFill>
+          </a:ln>
+        </p:spPr>
+        <p:style>
+          <a:lnRef idx="2">
+            <a:schemeClr val="accent1">
+              <a:shade val="50000"/>
+            </a:schemeClr>
+          </a:lnRef>
+          <a:fillRef idx="1">
+            <a:schemeClr val="accent1"/>
+          </a:fillRef>
+          <a:effectRef idx="0">
+            <a:schemeClr val="accent1"/>
+          </a:effectRef>
+          <a:fontRef idx="minor">
+            <a:schemeClr val="lt1"/>
+          </a:fontRef>
+        </p:style>
+        <p:txBody>
+          <a:bodyPr rtlCol="0" anchor="ctr"/>
+          <a:lstStyle/>
+          <a:p>
+            <a:pPr algn="ctr"/>
+            <a:endParaRPr lang="en-IN"/>
+          </a:p>
+        </p:txBody>
+      </p:sp>
+      <p:sp>
+        <p:nvSpPr>
+          <p:cNvPr id="14" name="Rectangle 13"/>
+          <p:cNvSpPr/>
+          <p:nvPr/>
+        </p:nvSpPr>
+        <p:spPr>
+          <a:xfrm>
+            <a:off x="3589244" y="6091518"/>
+            <a:ext cx="4286152" cy="300320"/>
+          </a:xfrm>
+          <a:prstGeom prst="rect">
+            <a:avLst/>
+          </a:prstGeom>
+          <a:noFill/>
+          <a:ln w="28575">
+            <a:solidFill>
+              <a:srgbClr val="FFFF00"/>
+            </a:solidFill>
+          </a:ln>
+        </p:spPr>
+        <p:style>
+          <a:lnRef idx="2">
+            <a:schemeClr val="accent1">
+              <a:shade val="50000"/>
+            </a:schemeClr>
+          </a:lnRef>
+          <a:fillRef idx="1">
+            <a:schemeClr val="accent1"/>
+          </a:fillRef>
+          <a:effectRef idx="0">
+            <a:schemeClr val="accent1"/>
+          </a:effectRef>
+          <a:fontRef idx="minor">
+            <a:schemeClr val="lt1"/>
+          </a:fontRef>
+        </p:style>
+        <p:txBody>
+          <a:bodyPr rtlCol="0" anchor="ctr"/>
+          <a:lstStyle/>
+          <a:p>
+            <a:pPr algn="ctr"/>
+            <a:endParaRPr lang="en-IN"/>
+          </a:p>
+        </p:txBody>
+      </p:sp>
+    </p:spTree>
+    <p:extLst>
+      <p:ext uri="{BB962C8B-B14F-4D97-AF65-F5344CB8AC3E}">
+        <p14:creationId xmlns:p14="http://schemas.microsoft.com/office/powerpoint/2010/main" val="1465618113"/>
       </p:ext>
     </p:extLst>
   </p:cSld>
@@ -42743,6 +43130,883 @@
       </p:par>
     </p:tnLst>
   </p:timing>
+</p:sld>
+</file>
+
+<file path=ppt/slides/slide80.xml><?xml version="1.0" encoding="utf-8"?>
+<p:sld xmlns:a="http://schemas.openxmlformats.org/drawingml/2006/main" xmlns:r="http://schemas.openxmlformats.org/officeDocument/2006/relationships" xmlns:p="http://schemas.openxmlformats.org/presentationml/2006/main">
+  <p:cSld>
+    <p:spTree>
+      <p:nvGrpSpPr>
+        <p:cNvPr id="1" name=""/>
+        <p:cNvGrpSpPr/>
+        <p:nvPr/>
+      </p:nvGrpSpPr>
+      <p:grpSpPr>
+        <a:xfrm>
+          <a:off x="0" y="0"/>
+          <a:ext cx="0" cy="0"/>
+          <a:chOff x="0" y="0"/>
+          <a:chExt cx="0" cy="0"/>
+        </a:xfrm>
+      </p:grpSpPr>
+      <p:sp>
+        <p:nvSpPr>
+          <p:cNvPr id="2" name="Title 1"/>
+          <p:cNvSpPr>
+            <a:spLocks noGrp="1"/>
+          </p:cNvSpPr>
+          <p:nvPr>
+            <p:ph type="title"/>
+          </p:nvPr>
+        </p:nvSpPr>
+        <p:spPr/>
+        <p:txBody>
+          <a:bodyPr/>
+          <a:lstStyle/>
+          <a:p>
+            <a:r>
+              <a:rPr lang="en-IN" b="1" dirty="0" smtClean="0"/>
+              <a:t>17.2 DI as a Framework</a:t>
+            </a:r>
+            <a:endParaRPr lang="en-IN" b="1" dirty="0"/>
+          </a:p>
+        </p:txBody>
+      </p:sp>
+      <p:sp>
+        <p:nvSpPr>
+          <p:cNvPr id="4" name="Date Placeholder 3"/>
+          <p:cNvSpPr>
+            <a:spLocks noGrp="1"/>
+          </p:cNvSpPr>
+          <p:nvPr>
+            <p:ph type="dt" sz="half" idx="10"/>
+          </p:nvPr>
+        </p:nvSpPr>
+        <p:spPr/>
+        <p:txBody>
+          <a:bodyPr/>
+          <a:lstStyle/>
+          <a:p>
+            <a:r>
+              <a:rPr lang="en-US" smtClean="0"/>
+              <a:t>5/6/2019</a:t>
+            </a:r>
+            <a:endParaRPr lang="en-US" dirty="0"/>
+          </a:p>
+        </p:txBody>
+      </p:sp>
+      <p:sp>
+        <p:nvSpPr>
+          <p:cNvPr id="5" name="Slide Number Placeholder 4"/>
+          <p:cNvSpPr>
+            <a:spLocks noGrp="1"/>
+          </p:cNvSpPr>
+          <p:nvPr>
+            <p:ph type="sldNum" sz="quarter" idx="12"/>
+          </p:nvPr>
+        </p:nvSpPr>
+        <p:spPr/>
+        <p:txBody>
+          <a:bodyPr/>
+          <a:lstStyle/>
+          <a:p>
+            <a:fld id="{6D22F896-40B5-4ADD-8801-0D06FADFA095}" type="slidenum">
+              <a:rPr lang="en-US" smtClean="0"/>
+              <a:t>80</a:t>
+            </a:fld>
+            <a:endParaRPr lang="en-US" dirty="0"/>
+          </a:p>
+        </p:txBody>
+      </p:sp>
+      <p:sp>
+        <p:nvSpPr>
+          <p:cNvPr id="6" name="Content Placeholder 5"/>
+          <p:cNvSpPr>
+            <a:spLocks noGrp="1"/>
+          </p:cNvSpPr>
+          <p:nvPr>
+            <p:ph idx="1"/>
+          </p:nvPr>
+        </p:nvSpPr>
+        <p:spPr>
+          <a:xfrm>
+            <a:off x="1154955" y="2576605"/>
+            <a:ext cx="5555127" cy="3582148"/>
+          </a:xfrm>
+        </p:spPr>
+        <p:txBody>
+          <a:bodyPr>
+            <a:normAutofit/>
+          </a:bodyPr>
+          <a:lstStyle/>
+          <a:p>
+            <a:r>
+              <a:rPr lang="en-IN" dirty="0" smtClean="0"/>
+              <a:t>Angular provides a special way to implement DI framework is Injector.</a:t>
+            </a:r>
+          </a:p>
+          <a:p>
+            <a:r>
+              <a:rPr lang="en-IN" dirty="0" smtClean="0"/>
+              <a:t>This Injector will have all the dependencies required for the car class, whenever we need a particular class the injector will give the dependency object</a:t>
+            </a:r>
+            <a:endParaRPr lang="en-IN" dirty="0"/>
+          </a:p>
+        </p:txBody>
+      </p:sp>
+      <p:pic>
+        <p:nvPicPr>
+          <p:cNvPr id="7" name="Picture 6"/>
+          <p:cNvPicPr>
+            <a:picLocks noChangeAspect="1"/>
+          </p:cNvPicPr>
+          <p:nvPr/>
+        </p:nvPicPr>
+        <p:blipFill>
+          <a:blip r:embed="rId2"/>
+          <a:stretch>
+            <a:fillRect/>
+          </a:stretch>
+        </p:blipFill>
+        <p:spPr>
+          <a:xfrm>
+            <a:off x="6900253" y="2576605"/>
+            <a:ext cx="4743450" cy="2762250"/>
+          </a:xfrm>
+          <a:prstGeom prst="rect">
+            <a:avLst/>
+          </a:prstGeom>
+          <a:ln>
+            <a:solidFill>
+              <a:schemeClr val="bg1">
+                <a:lumMod val="50000"/>
+              </a:schemeClr>
+            </a:solidFill>
+          </a:ln>
+        </p:spPr>
+      </p:pic>
+    </p:spTree>
+    <p:extLst>
+      <p:ext uri="{BB962C8B-B14F-4D97-AF65-F5344CB8AC3E}">
+        <p14:creationId xmlns:p14="http://schemas.microsoft.com/office/powerpoint/2010/main" val="1930906811"/>
+      </p:ext>
+    </p:extLst>
+  </p:cSld>
+  <p:clrMapOvr>
+    <a:masterClrMapping/>
+  </p:clrMapOvr>
+</p:sld>
+</file>
+
+<file path=ppt/slides/slide81.xml><?xml version="1.0" encoding="utf-8"?>
+<p:sld xmlns:a="http://schemas.openxmlformats.org/drawingml/2006/main" xmlns:r="http://schemas.openxmlformats.org/officeDocument/2006/relationships" xmlns:p="http://schemas.openxmlformats.org/presentationml/2006/main">
+  <p:cSld>
+    <p:spTree>
+      <p:nvGrpSpPr>
+        <p:cNvPr id="1" name=""/>
+        <p:cNvGrpSpPr/>
+        <p:nvPr/>
+      </p:nvGrpSpPr>
+      <p:grpSpPr>
+        <a:xfrm>
+          <a:off x="0" y="0"/>
+          <a:ext cx="0" cy="0"/>
+          <a:chOff x="0" y="0"/>
+          <a:chExt cx="0" cy="0"/>
+        </a:xfrm>
+      </p:grpSpPr>
+      <p:sp>
+        <p:nvSpPr>
+          <p:cNvPr id="2" name="Title 1"/>
+          <p:cNvSpPr>
+            <a:spLocks noGrp="1"/>
+          </p:cNvSpPr>
+          <p:nvPr>
+            <p:ph type="title"/>
+          </p:nvPr>
+        </p:nvSpPr>
+        <p:spPr/>
+        <p:txBody>
+          <a:bodyPr/>
+          <a:lstStyle/>
+          <a:p>
+            <a:r>
+              <a:rPr lang="en-IN" b="1" dirty="0" smtClean="0"/>
+              <a:t>18. DI </a:t>
+            </a:r>
+            <a:r>
+              <a:rPr lang="en-IN" b="1" dirty="0"/>
+              <a:t>using a </a:t>
+            </a:r>
+            <a:r>
+              <a:rPr lang="en-IN" b="1" dirty="0" smtClean="0"/>
+              <a:t>service (1)</a:t>
+            </a:r>
+            <a:endParaRPr lang="en-IN" b="1" dirty="0"/>
+          </a:p>
+        </p:txBody>
+      </p:sp>
+      <p:sp>
+        <p:nvSpPr>
+          <p:cNvPr id="4" name="Date Placeholder 3"/>
+          <p:cNvSpPr>
+            <a:spLocks noGrp="1"/>
+          </p:cNvSpPr>
+          <p:nvPr>
+            <p:ph type="dt" sz="half" idx="10"/>
+          </p:nvPr>
+        </p:nvSpPr>
+        <p:spPr/>
+        <p:txBody>
+          <a:bodyPr/>
+          <a:lstStyle/>
+          <a:p>
+            <a:r>
+              <a:rPr lang="en-US" smtClean="0"/>
+              <a:t>5/6/2019</a:t>
+            </a:r>
+            <a:endParaRPr lang="en-US" dirty="0"/>
+          </a:p>
+        </p:txBody>
+      </p:sp>
+      <p:sp>
+        <p:nvSpPr>
+          <p:cNvPr id="5" name="Slide Number Placeholder 4"/>
+          <p:cNvSpPr>
+            <a:spLocks noGrp="1"/>
+          </p:cNvSpPr>
+          <p:nvPr>
+            <p:ph type="sldNum" sz="quarter" idx="12"/>
+          </p:nvPr>
+        </p:nvSpPr>
+        <p:spPr/>
+        <p:txBody>
+          <a:bodyPr/>
+          <a:lstStyle/>
+          <a:p>
+            <a:fld id="{6D22F896-40B5-4ADD-8801-0D06FADFA095}" type="slidenum">
+              <a:rPr lang="en-US" smtClean="0"/>
+              <a:t>81</a:t>
+            </a:fld>
+            <a:endParaRPr lang="en-US" dirty="0"/>
+          </a:p>
+        </p:txBody>
+      </p:sp>
+      <p:sp>
+        <p:nvSpPr>
+          <p:cNvPr id="6" name="Content Placeholder 5"/>
+          <p:cNvSpPr>
+            <a:spLocks noGrp="1"/>
+          </p:cNvSpPr>
+          <p:nvPr>
+            <p:ph idx="1"/>
+          </p:nvPr>
+        </p:nvSpPr>
+        <p:spPr>
+          <a:xfrm>
+            <a:off x="1154955" y="2576606"/>
+            <a:ext cx="8863104" cy="1269254"/>
+          </a:xfrm>
+        </p:spPr>
+        <p:txBody>
+          <a:bodyPr>
+            <a:normAutofit/>
+          </a:bodyPr>
+          <a:lstStyle/>
+          <a:p>
+            <a:r>
+              <a:rPr lang="en-IN" dirty="0" smtClean="0"/>
+              <a:t>Define the </a:t>
+            </a:r>
+            <a:r>
+              <a:rPr lang="en-IN" dirty="0" err="1" smtClean="0"/>
+              <a:t>EmployeeService</a:t>
+            </a:r>
+            <a:r>
+              <a:rPr lang="en-IN" dirty="0" smtClean="0"/>
+              <a:t> class</a:t>
+            </a:r>
+          </a:p>
+          <a:p>
+            <a:r>
+              <a:rPr lang="en-IN" dirty="0" smtClean="0"/>
+              <a:t>Register with injector</a:t>
+            </a:r>
+          </a:p>
+          <a:p>
+            <a:r>
+              <a:rPr lang="en-IN" dirty="0" smtClean="0"/>
+              <a:t>Declare with dependency in </a:t>
+            </a:r>
+            <a:r>
+              <a:rPr lang="en-IN" dirty="0" err="1" smtClean="0"/>
+              <a:t>EmpList</a:t>
+            </a:r>
+            <a:r>
+              <a:rPr lang="en-IN" dirty="0" smtClean="0"/>
+              <a:t> and </a:t>
+            </a:r>
+            <a:r>
+              <a:rPr lang="en-IN" dirty="0" err="1" smtClean="0"/>
+              <a:t>EmpDetails</a:t>
+            </a:r>
+            <a:endParaRPr lang="en-IN" dirty="0"/>
+          </a:p>
+        </p:txBody>
+      </p:sp>
+      <p:sp>
+        <p:nvSpPr>
+          <p:cNvPr id="3" name="Rounded Rectangle 2"/>
+          <p:cNvSpPr/>
+          <p:nvPr/>
+        </p:nvSpPr>
+        <p:spPr>
+          <a:xfrm>
+            <a:off x="4007223" y="4203951"/>
+            <a:ext cx="3523129" cy="618565"/>
+          </a:xfrm>
+          <a:prstGeom prst="roundRect">
+            <a:avLst/>
+          </a:prstGeom>
+          <a:ln>
+            <a:noFill/>
+          </a:ln>
+        </p:spPr>
+        <p:style>
+          <a:lnRef idx="2">
+            <a:schemeClr val="accent1">
+              <a:shade val="50000"/>
+            </a:schemeClr>
+          </a:lnRef>
+          <a:fillRef idx="1">
+            <a:schemeClr val="accent1"/>
+          </a:fillRef>
+          <a:effectRef idx="0">
+            <a:schemeClr val="accent1"/>
+          </a:effectRef>
+          <a:fontRef idx="minor">
+            <a:schemeClr val="lt1"/>
+          </a:fontRef>
+        </p:style>
+        <p:txBody>
+          <a:bodyPr rtlCol="0" anchor="ctr"/>
+          <a:lstStyle/>
+          <a:p>
+            <a:pPr algn="ctr"/>
+            <a:r>
+              <a:rPr lang="en-IN" dirty="0" smtClean="0"/>
+              <a:t>Employee Service</a:t>
+            </a:r>
+            <a:endParaRPr lang="en-IN" dirty="0"/>
+          </a:p>
+        </p:txBody>
+      </p:sp>
+      <p:sp>
+        <p:nvSpPr>
+          <p:cNvPr id="8" name="Rounded Rectangle 7"/>
+          <p:cNvSpPr/>
+          <p:nvPr/>
+        </p:nvSpPr>
+        <p:spPr>
+          <a:xfrm>
+            <a:off x="3133165" y="5298141"/>
+            <a:ext cx="1963270" cy="1093697"/>
+          </a:xfrm>
+          <a:prstGeom prst="roundRect">
+            <a:avLst/>
+          </a:prstGeom>
+          <a:solidFill>
+            <a:srgbClr val="00B0F0"/>
+          </a:solidFill>
+          <a:ln>
+            <a:noFill/>
+          </a:ln>
+        </p:spPr>
+        <p:style>
+          <a:lnRef idx="2">
+            <a:schemeClr val="accent1">
+              <a:shade val="50000"/>
+            </a:schemeClr>
+          </a:lnRef>
+          <a:fillRef idx="1">
+            <a:schemeClr val="accent1"/>
+          </a:fillRef>
+          <a:effectRef idx="0">
+            <a:schemeClr val="accent1"/>
+          </a:effectRef>
+          <a:fontRef idx="minor">
+            <a:schemeClr val="lt1"/>
+          </a:fontRef>
+        </p:style>
+        <p:txBody>
+          <a:bodyPr rtlCol="0" anchor="ctr"/>
+          <a:lstStyle/>
+          <a:p>
+            <a:pPr algn="ctr"/>
+            <a:r>
+              <a:rPr lang="en-IN" dirty="0" smtClean="0"/>
+              <a:t>Employee List</a:t>
+            </a:r>
+            <a:endParaRPr lang="en-IN" dirty="0"/>
+          </a:p>
+        </p:txBody>
+      </p:sp>
+      <p:sp>
+        <p:nvSpPr>
+          <p:cNvPr id="9" name="Rounded Rectangle 8"/>
+          <p:cNvSpPr/>
+          <p:nvPr/>
+        </p:nvSpPr>
+        <p:spPr>
+          <a:xfrm>
+            <a:off x="6418729" y="5298141"/>
+            <a:ext cx="2026023" cy="1093697"/>
+          </a:xfrm>
+          <a:prstGeom prst="roundRect">
+            <a:avLst/>
+          </a:prstGeom>
+          <a:solidFill>
+            <a:srgbClr val="00B050"/>
+          </a:solidFill>
+          <a:ln>
+            <a:noFill/>
+          </a:ln>
+        </p:spPr>
+        <p:style>
+          <a:lnRef idx="2">
+            <a:schemeClr val="accent1">
+              <a:shade val="50000"/>
+            </a:schemeClr>
+          </a:lnRef>
+          <a:fillRef idx="1">
+            <a:schemeClr val="accent1"/>
+          </a:fillRef>
+          <a:effectRef idx="0">
+            <a:schemeClr val="accent1"/>
+          </a:effectRef>
+          <a:fontRef idx="minor">
+            <a:schemeClr val="lt1"/>
+          </a:fontRef>
+        </p:style>
+        <p:txBody>
+          <a:bodyPr rtlCol="0" anchor="ctr"/>
+          <a:lstStyle/>
+          <a:p>
+            <a:pPr algn="ctr"/>
+            <a:r>
+              <a:rPr lang="en-IN" dirty="0" smtClean="0"/>
+              <a:t>Employee Data</a:t>
+            </a:r>
+            <a:endParaRPr lang="en-IN" dirty="0"/>
+          </a:p>
+        </p:txBody>
+      </p:sp>
+      <p:cxnSp>
+        <p:nvCxnSpPr>
+          <p:cNvPr id="11" name="Straight Arrow Connector 10"/>
+          <p:cNvCxnSpPr>
+            <a:stCxn id="3" idx="2"/>
+            <a:endCxn id="8" idx="0"/>
+          </p:cNvCxnSpPr>
+          <p:nvPr/>
+        </p:nvCxnSpPr>
+        <p:spPr>
+          <a:xfrm flipH="1">
+            <a:off x="4114800" y="4822516"/>
+            <a:ext cx="1653988" cy="475625"/>
+          </a:xfrm>
+          <a:prstGeom prst="straightConnector1">
+            <a:avLst/>
+          </a:prstGeom>
+          <a:ln>
+            <a:tailEnd type="triangle"/>
+          </a:ln>
+        </p:spPr>
+        <p:style>
+          <a:lnRef idx="1">
+            <a:schemeClr val="accent1"/>
+          </a:lnRef>
+          <a:fillRef idx="0">
+            <a:schemeClr val="accent1"/>
+          </a:fillRef>
+          <a:effectRef idx="0">
+            <a:schemeClr val="accent1"/>
+          </a:effectRef>
+          <a:fontRef idx="minor">
+            <a:schemeClr val="tx1"/>
+          </a:fontRef>
+        </p:style>
+      </p:cxnSp>
+      <p:cxnSp>
+        <p:nvCxnSpPr>
+          <p:cNvPr id="12" name="Straight Arrow Connector 11"/>
+          <p:cNvCxnSpPr>
+            <a:stCxn id="3" idx="2"/>
+            <a:endCxn id="9" idx="0"/>
+          </p:cNvCxnSpPr>
+          <p:nvPr/>
+        </p:nvCxnSpPr>
+        <p:spPr>
+          <a:xfrm>
+            <a:off x="5768788" y="4822516"/>
+            <a:ext cx="1662953" cy="475625"/>
+          </a:xfrm>
+          <a:prstGeom prst="straightConnector1">
+            <a:avLst/>
+          </a:prstGeom>
+          <a:ln>
+            <a:tailEnd type="triangle"/>
+          </a:ln>
+        </p:spPr>
+        <p:style>
+          <a:lnRef idx="1">
+            <a:schemeClr val="accent1"/>
+          </a:lnRef>
+          <a:fillRef idx="0">
+            <a:schemeClr val="accent1"/>
+          </a:fillRef>
+          <a:effectRef idx="0">
+            <a:schemeClr val="accent1"/>
+          </a:effectRef>
+          <a:fontRef idx="minor">
+            <a:schemeClr val="tx1"/>
+          </a:fontRef>
+        </p:style>
+      </p:cxnSp>
+      <p:sp>
+        <p:nvSpPr>
+          <p:cNvPr id="18" name="TextBox 17"/>
+          <p:cNvSpPr txBox="1"/>
+          <p:nvPr/>
+        </p:nvSpPr>
+        <p:spPr>
+          <a:xfrm>
+            <a:off x="7557245" y="4328567"/>
+            <a:ext cx="1023037" cy="369332"/>
+          </a:xfrm>
+          <a:prstGeom prst="rect">
+            <a:avLst/>
+          </a:prstGeom>
+          <a:noFill/>
+        </p:spPr>
+        <p:txBody>
+          <a:bodyPr wrap="none" rtlCol="0">
+            <a:spAutoFit/>
+          </a:bodyPr>
+          <a:lstStyle/>
+          <a:p>
+            <a:r>
+              <a:rPr lang="en-IN" b="1" dirty="0" smtClean="0"/>
+              <a:t>Injector</a:t>
+            </a:r>
+            <a:endParaRPr lang="en-IN" b="1" dirty="0"/>
+          </a:p>
+        </p:txBody>
+      </p:sp>
+    </p:spTree>
+    <p:extLst>
+      <p:ext uri="{BB962C8B-B14F-4D97-AF65-F5344CB8AC3E}">
+        <p14:creationId xmlns:p14="http://schemas.microsoft.com/office/powerpoint/2010/main" val="3924206099"/>
+      </p:ext>
+    </p:extLst>
+  </p:cSld>
+  <p:clrMapOvr>
+    <a:masterClrMapping/>
+  </p:clrMapOvr>
+</p:sld>
+</file>
+
+<file path=ppt/slides/slide82.xml><?xml version="1.0" encoding="utf-8"?>
+<p:sld xmlns:a="http://schemas.openxmlformats.org/drawingml/2006/main" xmlns:r="http://schemas.openxmlformats.org/officeDocument/2006/relationships" xmlns:p="http://schemas.openxmlformats.org/presentationml/2006/main">
+  <p:cSld>
+    <p:spTree>
+      <p:nvGrpSpPr>
+        <p:cNvPr id="1" name=""/>
+        <p:cNvGrpSpPr/>
+        <p:nvPr/>
+      </p:nvGrpSpPr>
+      <p:grpSpPr>
+        <a:xfrm>
+          <a:off x="0" y="0"/>
+          <a:ext cx="0" cy="0"/>
+          <a:chOff x="0" y="0"/>
+          <a:chExt cx="0" cy="0"/>
+        </a:xfrm>
+      </p:grpSpPr>
+      <p:sp>
+        <p:nvSpPr>
+          <p:cNvPr id="2" name="Title 1"/>
+          <p:cNvSpPr>
+            <a:spLocks noGrp="1"/>
+          </p:cNvSpPr>
+          <p:nvPr>
+            <p:ph type="title"/>
+          </p:nvPr>
+        </p:nvSpPr>
+        <p:spPr/>
+        <p:txBody>
+          <a:bodyPr/>
+          <a:lstStyle/>
+          <a:p>
+            <a:r>
+              <a:rPr lang="en-IN" b="1" dirty="0" smtClean="0"/>
+              <a:t>18. </a:t>
+            </a:r>
+            <a:r>
+              <a:rPr lang="en-IN" b="1" dirty="0" smtClean="0"/>
+              <a:t>DI </a:t>
+            </a:r>
+            <a:r>
+              <a:rPr lang="en-IN" b="1" dirty="0" smtClean="0"/>
+              <a:t>using a service(2)</a:t>
+            </a:r>
+            <a:endParaRPr lang="en-IN" b="1" dirty="0"/>
+          </a:p>
+        </p:txBody>
+      </p:sp>
+      <p:sp>
+        <p:nvSpPr>
+          <p:cNvPr id="7" name="Text Placeholder 6"/>
+          <p:cNvSpPr>
+            <a:spLocks noGrp="1"/>
+          </p:cNvSpPr>
+          <p:nvPr>
+            <p:ph type="body" idx="1"/>
+          </p:nvPr>
+        </p:nvSpPr>
+        <p:spPr>
+          <a:xfrm>
+            <a:off x="1154953" y="2083919"/>
+            <a:ext cx="5501340" cy="576262"/>
+          </a:xfrm>
+        </p:spPr>
+        <p:txBody>
+          <a:bodyPr/>
+          <a:lstStyle/>
+          <a:p>
+            <a:r>
+              <a:rPr lang="en-IN" dirty="0"/>
+              <a:t>Define the </a:t>
+            </a:r>
+            <a:r>
+              <a:rPr lang="en-IN" dirty="0" err="1"/>
+              <a:t>EmployeeService</a:t>
+            </a:r>
+            <a:r>
+              <a:rPr lang="en-IN" dirty="0"/>
+              <a:t> </a:t>
+            </a:r>
+            <a:r>
+              <a:rPr lang="en-IN" dirty="0" smtClean="0"/>
+              <a:t>class</a:t>
+            </a:r>
+            <a:endParaRPr lang="en-IN" dirty="0"/>
+          </a:p>
+        </p:txBody>
+      </p:sp>
+      <p:sp>
+        <p:nvSpPr>
+          <p:cNvPr id="6" name="Content Placeholder 5"/>
+          <p:cNvSpPr>
+            <a:spLocks noGrp="1"/>
+          </p:cNvSpPr>
+          <p:nvPr>
+            <p:ph sz="half" idx="2"/>
+          </p:nvPr>
+        </p:nvSpPr>
+        <p:spPr>
+          <a:xfrm>
+            <a:off x="1154953" y="2629390"/>
+            <a:ext cx="9878917" cy="922868"/>
+          </a:xfrm>
+        </p:spPr>
+        <p:txBody>
+          <a:bodyPr>
+            <a:normAutofit/>
+          </a:bodyPr>
+          <a:lstStyle/>
+          <a:p>
+            <a:r>
+              <a:rPr lang="en-IN" dirty="0" smtClean="0"/>
+              <a:t>Service creation syntax: ng g s em</a:t>
+            </a:r>
+            <a:r>
+              <a:rPr lang="en-IN" dirty="0" smtClean="0"/>
+              <a:t>ployee</a:t>
+            </a:r>
+          </a:p>
+          <a:p>
+            <a:r>
+              <a:rPr lang="en-IN" dirty="0" smtClean="0"/>
+              <a:t>You will have </a:t>
+            </a:r>
+            <a:r>
+              <a:rPr lang="en-IN" dirty="0" err="1" smtClean="0"/>
+              <a:t>Employee.service.ts</a:t>
+            </a:r>
+            <a:r>
+              <a:rPr lang="en-IN" dirty="0" smtClean="0"/>
+              <a:t> inside app folder</a:t>
+            </a:r>
+          </a:p>
+        </p:txBody>
+      </p:sp>
+      <p:sp>
+        <p:nvSpPr>
+          <p:cNvPr id="10" name="Text Placeholder 9"/>
+          <p:cNvSpPr>
+            <a:spLocks noGrp="1"/>
+          </p:cNvSpPr>
+          <p:nvPr>
+            <p:ph type="body" sz="quarter" idx="3"/>
+          </p:nvPr>
+        </p:nvSpPr>
+        <p:spPr>
+          <a:xfrm>
+            <a:off x="1154953" y="3379031"/>
+            <a:ext cx="4825159" cy="576262"/>
+          </a:xfrm>
+        </p:spPr>
+        <p:txBody>
+          <a:bodyPr/>
+          <a:lstStyle/>
+          <a:p>
+            <a:r>
+              <a:rPr lang="en-IN" dirty="0"/>
+              <a:t>Register with </a:t>
+            </a:r>
+            <a:r>
+              <a:rPr lang="en-IN" dirty="0" smtClean="0"/>
+              <a:t>injector</a:t>
+            </a:r>
+            <a:endParaRPr lang="en-IN" dirty="0"/>
+          </a:p>
+        </p:txBody>
+      </p:sp>
+      <p:sp>
+        <p:nvSpPr>
+          <p:cNvPr id="4" name="Date Placeholder 3"/>
+          <p:cNvSpPr>
+            <a:spLocks noGrp="1"/>
+          </p:cNvSpPr>
+          <p:nvPr>
+            <p:ph type="dt" sz="half" idx="10"/>
+          </p:nvPr>
+        </p:nvSpPr>
+        <p:spPr/>
+        <p:txBody>
+          <a:bodyPr/>
+          <a:lstStyle/>
+          <a:p>
+            <a:r>
+              <a:rPr lang="en-US" smtClean="0"/>
+              <a:t>5/6/2019</a:t>
+            </a:r>
+            <a:endParaRPr lang="en-US" dirty="0"/>
+          </a:p>
+        </p:txBody>
+      </p:sp>
+      <p:sp>
+        <p:nvSpPr>
+          <p:cNvPr id="5" name="Slide Number Placeholder 4"/>
+          <p:cNvSpPr>
+            <a:spLocks noGrp="1"/>
+          </p:cNvSpPr>
+          <p:nvPr>
+            <p:ph type="sldNum" sz="quarter" idx="12"/>
+          </p:nvPr>
+        </p:nvSpPr>
+        <p:spPr/>
+        <p:txBody>
+          <a:bodyPr/>
+          <a:lstStyle/>
+          <a:p>
+            <a:fld id="{6D22F896-40B5-4ADD-8801-0D06FADFA095}" type="slidenum">
+              <a:rPr lang="en-US" smtClean="0"/>
+              <a:t>82</a:t>
+            </a:fld>
+            <a:endParaRPr lang="en-US" dirty="0"/>
+          </a:p>
+        </p:txBody>
+      </p:sp>
+      <p:sp>
+        <p:nvSpPr>
+          <p:cNvPr id="22" name="Content Placeholder 5"/>
+          <p:cNvSpPr>
+            <a:spLocks noGrp="1"/>
+          </p:cNvSpPr>
+          <p:nvPr>
+            <p:ph sz="half" idx="2"/>
+          </p:nvPr>
+        </p:nvSpPr>
+        <p:spPr>
+          <a:xfrm>
+            <a:off x="1154953" y="3930931"/>
+            <a:ext cx="9878917" cy="675977"/>
+          </a:xfrm>
+        </p:spPr>
+        <p:txBody>
+          <a:bodyPr>
+            <a:normAutofit/>
+          </a:bodyPr>
+          <a:lstStyle/>
+          <a:p>
+            <a:r>
+              <a:rPr lang="en-IN" dirty="0"/>
+              <a:t>Inject the employee service in </a:t>
+            </a:r>
+            <a:r>
+              <a:rPr lang="en-IN" dirty="0" err="1"/>
+              <a:t>app.module.ts</a:t>
+            </a:r>
+            <a:r>
+              <a:rPr lang="en-IN" dirty="0"/>
+              <a:t>. So that throughout the application this service can be used</a:t>
+            </a:r>
+          </a:p>
+          <a:p>
+            <a:pPr marL="0" indent="0">
+              <a:buNone/>
+            </a:pPr>
+            <a:endParaRPr lang="en-IN" dirty="0"/>
+          </a:p>
+        </p:txBody>
+      </p:sp>
+      <p:pic>
+        <p:nvPicPr>
+          <p:cNvPr id="23" name="Picture 22"/>
+          <p:cNvPicPr>
+            <a:picLocks noChangeAspect="1"/>
+          </p:cNvPicPr>
+          <p:nvPr/>
+        </p:nvPicPr>
+        <p:blipFill>
+          <a:blip r:embed="rId2"/>
+          <a:stretch>
+            <a:fillRect/>
+          </a:stretch>
+        </p:blipFill>
+        <p:spPr>
+          <a:xfrm>
+            <a:off x="1585304" y="4570642"/>
+            <a:ext cx="4721367" cy="2120949"/>
+          </a:xfrm>
+          <a:prstGeom prst="rect">
+            <a:avLst/>
+          </a:prstGeom>
+        </p:spPr>
+      </p:pic>
+    </p:spTree>
+    <p:extLst>
+      <p:ext uri="{BB962C8B-B14F-4D97-AF65-F5344CB8AC3E}">
+        <p14:creationId xmlns:p14="http://schemas.microsoft.com/office/powerpoint/2010/main" val="1551057200"/>
+      </p:ext>
+    </p:extLst>
+  </p:cSld>
+  <p:clrMapOvr>
+    <a:masterClrMapping/>
+  </p:clrMapOvr>
 </p:sld>
 </file>
 

--- a/Angular Presentation.pptx
+++ b/Angular Presentation.pptx
@@ -5,7 +5,7 @@
     <p:sldMasterId id="2147483723" r:id="rId1"/>
   </p:sldMasterIdLst>
   <p:notesMasterIdLst>
-    <p:notesMasterId r:id="rId84"/>
+    <p:notesMasterId r:id="rId86"/>
   </p:notesMasterIdLst>
   <p:sldIdLst>
     <p:sldId id="256" r:id="rId2"/>
@@ -90,6 +90,8 @@
     <p:sldId id="358" r:id="rId81"/>
     <p:sldId id="362" r:id="rId82"/>
     <p:sldId id="363" r:id="rId83"/>
+    <p:sldId id="364" r:id="rId84"/>
+    <p:sldId id="365" r:id="rId85"/>
   </p:sldIdLst>
   <p:sldSz cx="12192000" cy="6858000"/>
   <p:notesSz cx="6858000" cy="9144000"/>
@@ -44007,6 +44009,961 @@
   <p:clrMapOvr>
     <a:masterClrMapping/>
   </p:clrMapOvr>
+</p:sld>
+</file>
+
+<file path=ppt/slides/slide83.xml><?xml version="1.0" encoding="utf-8"?>
+<p:sld xmlns:a="http://schemas.openxmlformats.org/drawingml/2006/main" xmlns:r="http://schemas.openxmlformats.org/officeDocument/2006/relationships" xmlns:p="http://schemas.openxmlformats.org/presentationml/2006/main">
+  <p:cSld>
+    <p:spTree>
+      <p:nvGrpSpPr>
+        <p:cNvPr id="1" name=""/>
+        <p:cNvGrpSpPr/>
+        <p:nvPr/>
+      </p:nvGrpSpPr>
+      <p:grpSpPr>
+        <a:xfrm>
+          <a:off x="0" y="0"/>
+          <a:ext cx="0" cy="0"/>
+          <a:chOff x="0" y="0"/>
+          <a:chExt cx="0" cy="0"/>
+        </a:xfrm>
+      </p:grpSpPr>
+      <p:sp>
+        <p:nvSpPr>
+          <p:cNvPr id="2" name="Title 1"/>
+          <p:cNvSpPr>
+            <a:spLocks noGrp="1"/>
+          </p:cNvSpPr>
+          <p:nvPr>
+            <p:ph type="title"/>
+          </p:nvPr>
+        </p:nvSpPr>
+        <p:spPr/>
+        <p:txBody>
+          <a:bodyPr/>
+          <a:lstStyle/>
+          <a:p>
+            <a:r>
+              <a:rPr lang="en-IN" b="1" dirty="0" smtClean="0"/>
+              <a:t>18. </a:t>
+            </a:r>
+            <a:r>
+              <a:rPr lang="en-IN" b="1" dirty="0" smtClean="0"/>
+              <a:t>DI </a:t>
+            </a:r>
+            <a:r>
+              <a:rPr lang="en-IN" b="1" dirty="0" smtClean="0"/>
+              <a:t>using a service(3)</a:t>
+            </a:r>
+            <a:endParaRPr lang="en-IN" b="1" dirty="0"/>
+          </a:p>
+        </p:txBody>
+      </p:sp>
+      <p:sp>
+        <p:nvSpPr>
+          <p:cNvPr id="7" name="Text Placeholder 6"/>
+          <p:cNvSpPr>
+            <a:spLocks noGrp="1"/>
+          </p:cNvSpPr>
+          <p:nvPr>
+            <p:ph type="body" idx="1"/>
+          </p:nvPr>
+        </p:nvSpPr>
+        <p:spPr>
+          <a:xfrm>
+            <a:off x="1154952" y="2083919"/>
+            <a:ext cx="9197587" cy="576262"/>
+          </a:xfrm>
+        </p:spPr>
+        <p:txBody>
+          <a:bodyPr/>
+          <a:lstStyle/>
+          <a:p>
+            <a:r>
+              <a:rPr lang="en-IN" dirty="0" smtClean="0"/>
+              <a:t>Add logic in </a:t>
+            </a:r>
+            <a:r>
+              <a:rPr lang="en-IN" dirty="0" err="1" smtClean="0"/>
+              <a:t>EmployeeService</a:t>
+            </a:r>
+            <a:r>
+              <a:rPr lang="en-IN" dirty="0" smtClean="0"/>
+              <a:t> class</a:t>
+            </a:r>
+            <a:endParaRPr lang="en-IN" dirty="0"/>
+          </a:p>
+        </p:txBody>
+      </p:sp>
+      <p:sp>
+        <p:nvSpPr>
+          <p:cNvPr id="6" name="Content Placeholder 5"/>
+          <p:cNvSpPr>
+            <a:spLocks noGrp="1"/>
+          </p:cNvSpPr>
+          <p:nvPr>
+            <p:ph sz="half" idx="2"/>
+          </p:nvPr>
+        </p:nvSpPr>
+        <p:spPr>
+          <a:xfrm>
+            <a:off x="1154953" y="2629389"/>
+            <a:ext cx="9878917" cy="662341"/>
+          </a:xfrm>
+        </p:spPr>
+        <p:txBody>
+          <a:bodyPr>
+            <a:normAutofit/>
+          </a:bodyPr>
+          <a:lstStyle/>
+          <a:p>
+            <a:r>
+              <a:rPr lang="en-IN" dirty="0" smtClean="0"/>
+              <a:t>Create a method </a:t>
+            </a:r>
+            <a:r>
+              <a:rPr lang="en-IN" dirty="0"/>
+              <a:t>in Employee Service </a:t>
+            </a:r>
+            <a:r>
+              <a:rPr lang="en-IN" dirty="0" smtClean="0"/>
+              <a:t>class and m</a:t>
+            </a:r>
+            <a:r>
+              <a:rPr lang="en-IN" dirty="0" smtClean="0"/>
+              <a:t>ove the person object creation code </a:t>
+            </a:r>
+          </a:p>
+        </p:txBody>
+      </p:sp>
+      <p:sp>
+        <p:nvSpPr>
+          <p:cNvPr id="4" name="Date Placeholder 3"/>
+          <p:cNvSpPr>
+            <a:spLocks noGrp="1"/>
+          </p:cNvSpPr>
+          <p:nvPr>
+            <p:ph type="dt" sz="half" idx="10"/>
+          </p:nvPr>
+        </p:nvSpPr>
+        <p:spPr/>
+        <p:txBody>
+          <a:bodyPr/>
+          <a:lstStyle/>
+          <a:p>
+            <a:r>
+              <a:rPr lang="en-US" smtClean="0"/>
+              <a:t>5/6/2019</a:t>
+            </a:r>
+            <a:endParaRPr lang="en-US" dirty="0"/>
+          </a:p>
+        </p:txBody>
+      </p:sp>
+      <p:sp>
+        <p:nvSpPr>
+          <p:cNvPr id="5" name="Slide Number Placeholder 4"/>
+          <p:cNvSpPr>
+            <a:spLocks noGrp="1"/>
+          </p:cNvSpPr>
+          <p:nvPr>
+            <p:ph type="sldNum" sz="quarter" idx="12"/>
+          </p:nvPr>
+        </p:nvSpPr>
+        <p:spPr/>
+        <p:txBody>
+          <a:bodyPr/>
+          <a:lstStyle/>
+          <a:p>
+            <a:fld id="{6D22F896-40B5-4ADD-8801-0D06FADFA095}" type="slidenum">
+              <a:rPr lang="en-US" smtClean="0"/>
+              <a:t>83</a:t>
+            </a:fld>
+            <a:endParaRPr lang="en-US" dirty="0"/>
+          </a:p>
+        </p:txBody>
+      </p:sp>
+      <p:sp>
+        <p:nvSpPr>
+          <p:cNvPr id="12" name="Content Placeholder 5"/>
+          <p:cNvSpPr>
+            <a:spLocks noGrp="1"/>
+          </p:cNvSpPr>
+          <p:nvPr>
+            <p:ph sz="half" idx="2"/>
+          </p:nvPr>
+        </p:nvSpPr>
+        <p:spPr>
+          <a:xfrm>
+            <a:off x="1154953" y="4226155"/>
+            <a:ext cx="9878917" cy="1340928"/>
+          </a:xfrm>
+        </p:spPr>
+        <p:txBody>
+          <a:bodyPr>
+            <a:normAutofit/>
+          </a:bodyPr>
+          <a:lstStyle/>
+          <a:p>
+            <a:r>
+              <a:rPr lang="en-IN" dirty="0" smtClean="0"/>
+              <a:t>Inject employee service in Employee List Component Constructor</a:t>
+            </a:r>
+          </a:p>
+          <a:p>
+            <a:r>
+              <a:rPr lang="en-IN" dirty="0" smtClean="0"/>
+              <a:t>Make Employee list person object as null</a:t>
+            </a:r>
+          </a:p>
+          <a:p>
+            <a:r>
+              <a:rPr lang="en-IN" dirty="0" smtClean="0"/>
+              <a:t>Call employee service </a:t>
+            </a:r>
+            <a:r>
+              <a:rPr lang="en-IN" dirty="0" err="1" smtClean="0"/>
+              <a:t>getEmployee</a:t>
+            </a:r>
+            <a:r>
+              <a:rPr lang="en-IN" dirty="0" smtClean="0"/>
+              <a:t> method to assign value for person array</a:t>
+            </a:r>
+          </a:p>
+        </p:txBody>
+      </p:sp>
+      <p:sp>
+        <p:nvSpPr>
+          <p:cNvPr id="13" name="Text Placeholder 6"/>
+          <p:cNvSpPr>
+            <a:spLocks noGrp="1"/>
+          </p:cNvSpPr>
+          <p:nvPr>
+            <p:ph type="body" idx="1"/>
+          </p:nvPr>
+        </p:nvSpPr>
+        <p:spPr>
+          <a:xfrm>
+            <a:off x="1154951" y="3549069"/>
+            <a:ext cx="9197587" cy="576262"/>
+          </a:xfrm>
+        </p:spPr>
+        <p:txBody>
+          <a:bodyPr/>
+          <a:lstStyle/>
+          <a:p>
+            <a:r>
+              <a:rPr lang="en-IN" dirty="0" smtClean="0"/>
+              <a:t>Inject Service in Component</a:t>
+            </a:r>
+            <a:endParaRPr lang="en-IN" dirty="0"/>
+          </a:p>
+        </p:txBody>
+      </p:sp>
+    </p:spTree>
+    <p:extLst>
+      <p:ext uri="{BB962C8B-B14F-4D97-AF65-F5344CB8AC3E}">
+        <p14:creationId xmlns:p14="http://schemas.microsoft.com/office/powerpoint/2010/main" val="629766165"/>
+      </p:ext>
+    </p:extLst>
+  </p:cSld>
+  <p:clrMapOvr>
+    <a:masterClrMapping/>
+  </p:clrMapOvr>
+  <p:timing>
+    <p:tnLst>
+      <p:par>
+        <p:cTn id="1" dur="indefinite" restart="never" nodeType="tmRoot"/>
+      </p:par>
+    </p:tnLst>
+  </p:timing>
+</p:sld>
+</file>
+
+<file path=ppt/slides/slide84.xml><?xml version="1.0" encoding="utf-8"?>
+<p:sld xmlns:a="http://schemas.openxmlformats.org/drawingml/2006/main" xmlns:r="http://schemas.openxmlformats.org/officeDocument/2006/relationships" xmlns:p="http://schemas.openxmlformats.org/presentationml/2006/main">
+  <p:cSld>
+    <p:spTree>
+      <p:nvGrpSpPr>
+        <p:cNvPr id="1" name=""/>
+        <p:cNvGrpSpPr/>
+        <p:nvPr/>
+      </p:nvGrpSpPr>
+      <p:grpSpPr>
+        <a:xfrm>
+          <a:off x="0" y="0"/>
+          <a:ext cx="0" cy="0"/>
+          <a:chOff x="0" y="0"/>
+          <a:chExt cx="0" cy="0"/>
+        </a:xfrm>
+      </p:grpSpPr>
+      <p:sp>
+        <p:nvSpPr>
+          <p:cNvPr id="7" name="Date Placeholder 6"/>
+          <p:cNvSpPr>
+            <a:spLocks noGrp="1"/>
+          </p:cNvSpPr>
+          <p:nvPr>
+            <p:ph type="dt" sz="half" idx="10"/>
+          </p:nvPr>
+        </p:nvSpPr>
+        <p:spPr/>
+        <p:txBody>
+          <a:bodyPr/>
+          <a:lstStyle/>
+          <a:p>
+            <a:r>
+              <a:rPr lang="en-US" smtClean="0"/>
+              <a:t>5/6/2019</a:t>
+            </a:r>
+            <a:endParaRPr lang="en-US" dirty="0"/>
+          </a:p>
+        </p:txBody>
+      </p:sp>
+      <p:sp>
+        <p:nvSpPr>
+          <p:cNvPr id="8" name="Slide Number Placeholder 7"/>
+          <p:cNvSpPr>
+            <a:spLocks noGrp="1"/>
+          </p:cNvSpPr>
+          <p:nvPr>
+            <p:ph type="sldNum" sz="quarter" idx="12"/>
+          </p:nvPr>
+        </p:nvSpPr>
+        <p:spPr/>
+        <p:txBody>
+          <a:bodyPr/>
+          <a:lstStyle/>
+          <a:p>
+            <a:fld id="{6D22F896-40B5-4ADD-8801-0D06FADFA095}" type="slidenum">
+              <a:rPr lang="en-US" smtClean="0"/>
+              <a:t>84</a:t>
+            </a:fld>
+            <a:endParaRPr lang="en-US" dirty="0"/>
+          </a:p>
+        </p:txBody>
+      </p:sp>
+      <p:pic>
+        <p:nvPicPr>
+          <p:cNvPr id="11" name="Picture 10"/>
+          <p:cNvPicPr>
+            <a:picLocks noChangeAspect="1"/>
+          </p:cNvPicPr>
+          <p:nvPr/>
+        </p:nvPicPr>
+        <p:blipFill>
+          <a:blip r:embed="rId2"/>
+          <a:stretch>
+            <a:fillRect/>
+          </a:stretch>
+        </p:blipFill>
+        <p:spPr>
+          <a:xfrm>
+            <a:off x="0" y="-21011"/>
+            <a:ext cx="4558553" cy="3879186"/>
+          </a:xfrm>
+          <a:prstGeom prst="rect">
+            <a:avLst/>
+          </a:prstGeom>
+        </p:spPr>
+      </p:pic>
+      <p:sp>
+        <p:nvSpPr>
+          <p:cNvPr id="12" name="Rectangle 11"/>
+          <p:cNvSpPr/>
+          <p:nvPr/>
+        </p:nvSpPr>
+        <p:spPr>
+          <a:xfrm>
+            <a:off x="1" y="-21013"/>
+            <a:ext cx="1089212" cy="300299"/>
+          </a:xfrm>
+          <a:prstGeom prst="rect">
+            <a:avLst/>
+          </a:prstGeom>
+          <a:noFill/>
+          <a:ln w="28575">
+            <a:solidFill>
+              <a:srgbClr val="FFFF00"/>
+            </a:solidFill>
+          </a:ln>
+        </p:spPr>
+        <p:style>
+          <a:lnRef idx="2">
+            <a:schemeClr val="accent1">
+              <a:shade val="50000"/>
+            </a:schemeClr>
+          </a:lnRef>
+          <a:fillRef idx="1">
+            <a:schemeClr val="accent1"/>
+          </a:fillRef>
+          <a:effectRef idx="0">
+            <a:schemeClr val="accent1"/>
+          </a:effectRef>
+          <a:fontRef idx="minor">
+            <a:schemeClr val="lt1"/>
+          </a:fontRef>
+        </p:style>
+        <p:txBody>
+          <a:bodyPr rtlCol="0" anchor="ctr"/>
+          <a:lstStyle/>
+          <a:p>
+            <a:pPr algn="ctr"/>
+            <a:endParaRPr lang="en-IN"/>
+          </a:p>
+        </p:txBody>
+      </p:sp>
+      <p:pic>
+        <p:nvPicPr>
+          <p:cNvPr id="14" name="Picture 13"/>
+          <p:cNvPicPr>
+            <a:picLocks noChangeAspect="1"/>
+          </p:cNvPicPr>
+          <p:nvPr/>
+        </p:nvPicPr>
+        <p:blipFill>
+          <a:blip r:embed="rId3"/>
+          <a:stretch>
+            <a:fillRect/>
+          </a:stretch>
+        </p:blipFill>
+        <p:spPr>
+          <a:xfrm>
+            <a:off x="4666130" y="0"/>
+            <a:ext cx="4588213" cy="3879188"/>
+          </a:xfrm>
+          <a:prstGeom prst="rect">
+            <a:avLst/>
+          </a:prstGeom>
+        </p:spPr>
+      </p:pic>
+      <p:pic>
+        <p:nvPicPr>
+          <p:cNvPr id="9" name="Picture 8"/>
+          <p:cNvPicPr>
+            <a:picLocks noChangeAspect="1"/>
+          </p:cNvPicPr>
+          <p:nvPr/>
+        </p:nvPicPr>
+        <p:blipFill>
+          <a:blip r:embed="rId4"/>
+          <a:stretch>
+            <a:fillRect/>
+          </a:stretch>
+        </p:blipFill>
+        <p:spPr>
+          <a:xfrm>
+            <a:off x="0" y="3879189"/>
+            <a:ext cx="3846811" cy="2978812"/>
+          </a:xfrm>
+          <a:prstGeom prst="rect">
+            <a:avLst/>
+          </a:prstGeom>
+        </p:spPr>
+      </p:pic>
+      <p:sp>
+        <p:nvSpPr>
+          <p:cNvPr id="13" name="Rectangle 12"/>
+          <p:cNvSpPr/>
+          <p:nvPr/>
+        </p:nvSpPr>
+        <p:spPr>
+          <a:xfrm>
+            <a:off x="10787" y="3906082"/>
+            <a:ext cx="946006" cy="228134"/>
+          </a:xfrm>
+          <a:prstGeom prst="rect">
+            <a:avLst/>
+          </a:prstGeom>
+          <a:noFill/>
+          <a:ln w="28575">
+            <a:solidFill>
+              <a:srgbClr val="FFFF00"/>
+            </a:solidFill>
+          </a:ln>
+        </p:spPr>
+        <p:style>
+          <a:lnRef idx="2">
+            <a:schemeClr val="accent1">
+              <a:shade val="50000"/>
+            </a:schemeClr>
+          </a:lnRef>
+          <a:fillRef idx="1">
+            <a:schemeClr val="accent1"/>
+          </a:fillRef>
+          <a:effectRef idx="0">
+            <a:schemeClr val="accent1"/>
+          </a:effectRef>
+          <a:fontRef idx="minor">
+            <a:schemeClr val="lt1"/>
+          </a:fontRef>
+        </p:style>
+        <p:txBody>
+          <a:bodyPr rtlCol="0" anchor="ctr"/>
+          <a:lstStyle/>
+          <a:p>
+            <a:pPr algn="ctr"/>
+            <a:endParaRPr lang="en-IN"/>
+          </a:p>
+        </p:txBody>
+      </p:sp>
+      <p:sp>
+        <p:nvSpPr>
+          <p:cNvPr id="15" name="Rectangle 14"/>
+          <p:cNvSpPr/>
+          <p:nvPr/>
+        </p:nvSpPr>
+        <p:spPr>
+          <a:xfrm>
+            <a:off x="4600025" y="4306"/>
+            <a:ext cx="1316681" cy="251561"/>
+          </a:xfrm>
+          <a:prstGeom prst="rect">
+            <a:avLst/>
+          </a:prstGeom>
+          <a:noFill/>
+          <a:ln w="28575">
+            <a:solidFill>
+              <a:srgbClr val="FFFF00"/>
+            </a:solidFill>
+          </a:ln>
+        </p:spPr>
+        <p:style>
+          <a:lnRef idx="2">
+            <a:schemeClr val="accent1">
+              <a:shade val="50000"/>
+            </a:schemeClr>
+          </a:lnRef>
+          <a:fillRef idx="1">
+            <a:schemeClr val="accent1"/>
+          </a:fillRef>
+          <a:effectRef idx="0">
+            <a:schemeClr val="accent1"/>
+          </a:effectRef>
+          <a:fontRef idx="minor">
+            <a:schemeClr val="lt1"/>
+          </a:fontRef>
+        </p:style>
+        <p:txBody>
+          <a:bodyPr rtlCol="0" anchor="ctr"/>
+          <a:lstStyle/>
+          <a:p>
+            <a:pPr algn="ctr"/>
+            <a:endParaRPr lang="en-IN"/>
+          </a:p>
+        </p:txBody>
+      </p:sp>
+      <p:pic>
+        <p:nvPicPr>
+          <p:cNvPr id="16" name="Picture 15"/>
+          <p:cNvPicPr>
+            <a:picLocks noChangeAspect="1"/>
+          </p:cNvPicPr>
+          <p:nvPr/>
+        </p:nvPicPr>
+        <p:blipFill>
+          <a:blip r:embed="rId5"/>
+          <a:stretch>
+            <a:fillRect/>
+          </a:stretch>
+        </p:blipFill>
+        <p:spPr>
+          <a:xfrm>
+            <a:off x="9385751" y="2496112"/>
+            <a:ext cx="2771775" cy="4200525"/>
+          </a:xfrm>
+          <a:prstGeom prst="rect">
+            <a:avLst/>
+          </a:prstGeom>
+          <a:solidFill>
+            <a:srgbClr val="00B050"/>
+          </a:solidFill>
+          <a:ln>
+            <a:solidFill>
+              <a:schemeClr val="bg1">
+                <a:lumMod val="50000"/>
+              </a:schemeClr>
+            </a:solidFill>
+          </a:ln>
+        </p:spPr>
+      </p:pic>
+      <p:cxnSp>
+        <p:nvCxnSpPr>
+          <p:cNvPr id="19" name="Straight Arrow Connector 18"/>
+          <p:cNvCxnSpPr/>
+          <p:nvPr/>
+        </p:nvCxnSpPr>
+        <p:spPr>
+          <a:xfrm flipH="1">
+            <a:off x="1645024" y="3415553"/>
+            <a:ext cx="2039470" cy="1797424"/>
+          </a:xfrm>
+          <a:prstGeom prst="straightConnector1">
+            <a:avLst/>
+          </a:prstGeom>
+          <a:ln w="28575">
+            <a:solidFill>
+              <a:srgbClr val="FFFF00"/>
+            </a:solidFill>
+            <a:tailEnd type="triangle"/>
+          </a:ln>
+        </p:spPr>
+        <p:style>
+          <a:lnRef idx="1">
+            <a:schemeClr val="accent1"/>
+          </a:lnRef>
+          <a:fillRef idx="0">
+            <a:schemeClr val="accent1"/>
+          </a:fillRef>
+          <a:effectRef idx="0">
+            <a:schemeClr val="accent1"/>
+          </a:effectRef>
+          <a:fontRef idx="minor">
+            <a:schemeClr val="tx1"/>
+          </a:fontRef>
+        </p:style>
+      </p:cxnSp>
+      <p:cxnSp>
+        <p:nvCxnSpPr>
+          <p:cNvPr id="20" name="Straight Arrow Connector 19"/>
+          <p:cNvCxnSpPr/>
+          <p:nvPr/>
+        </p:nvCxnSpPr>
+        <p:spPr>
+          <a:xfrm flipH="1">
+            <a:off x="1645024" y="3415553"/>
+            <a:ext cx="6579088" cy="1967753"/>
+          </a:xfrm>
+          <a:prstGeom prst="straightConnector1">
+            <a:avLst/>
+          </a:prstGeom>
+          <a:ln w="28575">
+            <a:solidFill>
+              <a:srgbClr val="00B050"/>
+            </a:solidFill>
+            <a:tailEnd type="triangle"/>
+          </a:ln>
+        </p:spPr>
+        <p:style>
+          <a:lnRef idx="1">
+            <a:schemeClr val="accent1"/>
+          </a:lnRef>
+          <a:fillRef idx="0">
+            <a:schemeClr val="accent1"/>
+          </a:fillRef>
+          <a:effectRef idx="0">
+            <a:schemeClr val="accent1"/>
+          </a:effectRef>
+          <a:fontRef idx="minor">
+            <a:schemeClr val="tx1"/>
+          </a:fontRef>
+        </p:style>
+      </p:cxnSp>
+      <p:cxnSp>
+        <p:nvCxnSpPr>
+          <p:cNvPr id="23" name="Straight Arrow Connector 22"/>
+          <p:cNvCxnSpPr/>
+          <p:nvPr/>
+        </p:nvCxnSpPr>
+        <p:spPr>
+          <a:xfrm flipH="1">
+            <a:off x="1482707" y="2756647"/>
+            <a:ext cx="1" cy="658906"/>
+          </a:xfrm>
+          <a:prstGeom prst="straightConnector1">
+            <a:avLst/>
+          </a:prstGeom>
+          <a:ln w="28575">
+            <a:solidFill>
+              <a:srgbClr val="FFFF00"/>
+            </a:solidFill>
+            <a:tailEnd type="triangle"/>
+          </a:ln>
+        </p:spPr>
+        <p:style>
+          <a:lnRef idx="1">
+            <a:schemeClr val="accent1"/>
+          </a:lnRef>
+          <a:fillRef idx="0">
+            <a:schemeClr val="accent1"/>
+          </a:fillRef>
+          <a:effectRef idx="0">
+            <a:schemeClr val="accent1"/>
+          </a:effectRef>
+          <a:fontRef idx="minor">
+            <a:schemeClr val="tx1"/>
+          </a:fontRef>
+        </p:style>
+      </p:cxnSp>
+      <p:cxnSp>
+        <p:nvCxnSpPr>
+          <p:cNvPr id="27" name="Straight Arrow Connector 26"/>
+          <p:cNvCxnSpPr/>
+          <p:nvPr/>
+        </p:nvCxnSpPr>
+        <p:spPr>
+          <a:xfrm flipH="1">
+            <a:off x="6081352" y="2827272"/>
+            <a:ext cx="1" cy="544550"/>
+          </a:xfrm>
+          <a:prstGeom prst="straightConnector1">
+            <a:avLst/>
+          </a:prstGeom>
+          <a:ln w="28575">
+            <a:solidFill>
+              <a:srgbClr val="00B050"/>
+            </a:solidFill>
+            <a:tailEnd type="triangle"/>
+          </a:ln>
+        </p:spPr>
+        <p:style>
+          <a:lnRef idx="1">
+            <a:schemeClr val="accent1"/>
+          </a:lnRef>
+          <a:fillRef idx="0">
+            <a:schemeClr val="accent1"/>
+          </a:fillRef>
+          <a:effectRef idx="0">
+            <a:schemeClr val="accent1"/>
+          </a:effectRef>
+          <a:fontRef idx="minor">
+            <a:schemeClr val="tx1"/>
+          </a:fontRef>
+        </p:style>
+      </p:cxnSp>
+      <p:cxnSp>
+        <p:nvCxnSpPr>
+          <p:cNvPr id="28" name="Straight Arrow Connector 27"/>
+          <p:cNvCxnSpPr/>
+          <p:nvPr/>
+        </p:nvCxnSpPr>
+        <p:spPr>
+          <a:xfrm flipH="1">
+            <a:off x="1450867" y="1485167"/>
+            <a:ext cx="1346122" cy="1342105"/>
+          </a:xfrm>
+          <a:prstGeom prst="straightConnector1">
+            <a:avLst/>
+          </a:prstGeom>
+          <a:ln w="28575">
+            <a:solidFill>
+              <a:srgbClr val="FFFF00"/>
+            </a:solidFill>
+            <a:tailEnd type="triangle"/>
+          </a:ln>
+        </p:spPr>
+        <p:style>
+          <a:lnRef idx="1">
+            <a:schemeClr val="accent1"/>
+          </a:lnRef>
+          <a:fillRef idx="0">
+            <a:schemeClr val="accent1"/>
+          </a:fillRef>
+          <a:effectRef idx="0">
+            <a:schemeClr val="accent1"/>
+          </a:effectRef>
+          <a:fontRef idx="minor">
+            <a:schemeClr val="tx1"/>
+          </a:fontRef>
+        </p:style>
+      </p:cxnSp>
+      <p:cxnSp>
+        <p:nvCxnSpPr>
+          <p:cNvPr id="32" name="Straight Arrow Connector 31"/>
+          <p:cNvCxnSpPr/>
+          <p:nvPr/>
+        </p:nvCxnSpPr>
+        <p:spPr>
+          <a:xfrm flipH="1">
+            <a:off x="6081352" y="1485167"/>
+            <a:ext cx="1306030" cy="1271480"/>
+          </a:xfrm>
+          <a:prstGeom prst="straightConnector1">
+            <a:avLst/>
+          </a:prstGeom>
+          <a:ln w="28575">
+            <a:solidFill>
+              <a:srgbClr val="00B050"/>
+            </a:solidFill>
+            <a:tailEnd type="triangle"/>
+          </a:ln>
+        </p:spPr>
+        <p:style>
+          <a:lnRef idx="1">
+            <a:schemeClr val="accent1"/>
+          </a:lnRef>
+          <a:fillRef idx="0">
+            <a:schemeClr val="accent1"/>
+          </a:fillRef>
+          <a:effectRef idx="0">
+            <a:schemeClr val="accent1"/>
+          </a:effectRef>
+          <a:fontRef idx="minor">
+            <a:schemeClr val="tx1"/>
+          </a:fontRef>
+        </p:style>
+      </p:cxnSp>
+      <p:cxnSp>
+        <p:nvCxnSpPr>
+          <p:cNvPr id="34" name="Straight Arrow Connector 33"/>
+          <p:cNvCxnSpPr/>
+          <p:nvPr/>
+        </p:nvCxnSpPr>
+        <p:spPr>
+          <a:xfrm flipV="1">
+            <a:off x="1482707" y="2929218"/>
+            <a:ext cx="2125587" cy="2122395"/>
+          </a:xfrm>
+          <a:prstGeom prst="straightConnector1">
+            <a:avLst/>
+          </a:prstGeom>
+          <a:ln w="28575">
+            <a:solidFill>
+              <a:srgbClr val="FFFF00"/>
+            </a:solidFill>
+            <a:tailEnd type="triangle"/>
+          </a:ln>
+        </p:spPr>
+        <p:style>
+          <a:lnRef idx="1">
+            <a:schemeClr val="accent1"/>
+          </a:lnRef>
+          <a:fillRef idx="0">
+            <a:schemeClr val="accent1"/>
+          </a:fillRef>
+          <a:effectRef idx="0">
+            <a:schemeClr val="accent1"/>
+          </a:effectRef>
+          <a:fontRef idx="minor">
+            <a:schemeClr val="tx1"/>
+          </a:fontRef>
+        </p:style>
+      </p:cxnSp>
+      <p:cxnSp>
+        <p:nvCxnSpPr>
+          <p:cNvPr id="37" name="Straight Arrow Connector 36"/>
+          <p:cNvCxnSpPr/>
+          <p:nvPr/>
+        </p:nvCxnSpPr>
+        <p:spPr>
+          <a:xfrm flipV="1">
+            <a:off x="1482706" y="2962824"/>
+            <a:ext cx="6903722" cy="2109803"/>
+          </a:xfrm>
+          <a:prstGeom prst="straightConnector1">
+            <a:avLst/>
+          </a:prstGeom>
+          <a:ln w="28575">
+            <a:solidFill>
+              <a:srgbClr val="00B050"/>
+            </a:solidFill>
+            <a:tailEnd type="triangle"/>
+          </a:ln>
+        </p:spPr>
+        <p:style>
+          <a:lnRef idx="1">
+            <a:schemeClr val="accent1"/>
+          </a:lnRef>
+          <a:fillRef idx="0">
+            <a:schemeClr val="accent1"/>
+          </a:fillRef>
+          <a:effectRef idx="0">
+            <a:schemeClr val="accent1"/>
+          </a:effectRef>
+          <a:fontRef idx="minor">
+            <a:schemeClr val="tx1"/>
+          </a:fontRef>
+        </p:style>
+      </p:cxnSp>
+      <p:cxnSp>
+        <p:nvCxnSpPr>
+          <p:cNvPr id="40" name="Straight Arrow Connector 39"/>
+          <p:cNvCxnSpPr/>
+          <p:nvPr/>
+        </p:nvCxnSpPr>
+        <p:spPr>
+          <a:xfrm>
+            <a:off x="2828829" y="1485167"/>
+            <a:ext cx="6965270" cy="2253672"/>
+          </a:xfrm>
+          <a:prstGeom prst="straightConnector1">
+            <a:avLst/>
+          </a:prstGeom>
+          <a:ln w="28575">
+            <a:solidFill>
+              <a:srgbClr val="FFFF00"/>
+            </a:solidFill>
+            <a:tailEnd type="triangle"/>
+          </a:ln>
+        </p:spPr>
+        <p:style>
+          <a:lnRef idx="1">
+            <a:schemeClr val="accent1"/>
+          </a:lnRef>
+          <a:fillRef idx="0">
+            <a:schemeClr val="accent1"/>
+          </a:fillRef>
+          <a:effectRef idx="0">
+            <a:schemeClr val="accent1"/>
+          </a:effectRef>
+          <a:fontRef idx="minor">
+            <a:schemeClr val="tx1"/>
+          </a:fontRef>
+        </p:style>
+      </p:cxnSp>
+      <p:cxnSp>
+        <p:nvCxnSpPr>
+          <p:cNvPr id="43" name="Straight Arrow Connector 42"/>
+          <p:cNvCxnSpPr/>
+          <p:nvPr/>
+        </p:nvCxnSpPr>
+        <p:spPr>
+          <a:xfrm>
+            <a:off x="7387382" y="1485167"/>
+            <a:ext cx="2438557" cy="4040189"/>
+          </a:xfrm>
+          <a:prstGeom prst="straightConnector1">
+            <a:avLst/>
+          </a:prstGeom>
+          <a:ln w="28575">
+            <a:solidFill>
+              <a:srgbClr val="00B050"/>
+            </a:solidFill>
+            <a:tailEnd type="triangle"/>
+          </a:ln>
+        </p:spPr>
+        <p:style>
+          <a:lnRef idx="1">
+            <a:schemeClr val="accent1"/>
+          </a:lnRef>
+          <a:fillRef idx="0">
+            <a:schemeClr val="accent1"/>
+          </a:fillRef>
+          <a:effectRef idx="0">
+            <a:schemeClr val="accent1"/>
+          </a:effectRef>
+          <a:fontRef idx="minor">
+            <a:schemeClr val="tx1"/>
+          </a:fontRef>
+        </p:style>
+      </p:cxnSp>
+    </p:spTree>
+    <p:extLst>
+      <p:ext uri="{BB962C8B-B14F-4D97-AF65-F5344CB8AC3E}">
+        <p14:creationId xmlns:p14="http://schemas.microsoft.com/office/powerpoint/2010/main" val="4019971486"/>
+      </p:ext>
+    </p:extLst>
+  </p:cSld>
+  <p:clrMapOvr>
+    <a:masterClrMapping/>
+  </p:clrMapOvr>
+  <p:timing>
+    <p:tnLst>
+      <p:par>
+        <p:cTn id="1" dur="indefinite" restart="never" nodeType="tmRoot"/>
+      </p:par>
+    </p:tnLst>
+  </p:timing>
 </p:sld>
 </file>
 

--- a/Angular Presentation.pptx
+++ b/Angular Presentation.pptx
@@ -5,7 +5,7 @@
     <p:sldMasterId id="2147483723" r:id="rId1"/>
   </p:sldMasterIdLst>
   <p:notesMasterIdLst>
-    <p:notesMasterId r:id="rId86"/>
+    <p:notesMasterId r:id="rId92"/>
   </p:notesMasterIdLst>
   <p:sldIdLst>
     <p:sldId id="256" r:id="rId2"/>
@@ -92,6 +92,12 @@
     <p:sldId id="363" r:id="rId83"/>
     <p:sldId id="364" r:id="rId84"/>
     <p:sldId id="365" r:id="rId85"/>
+    <p:sldId id="366" r:id="rId86"/>
+    <p:sldId id="367" r:id="rId87"/>
+    <p:sldId id="368" r:id="rId88"/>
+    <p:sldId id="369" r:id="rId89"/>
+    <p:sldId id="370" r:id="rId90"/>
+    <p:sldId id="371" r:id="rId91"/>
   </p:sldIdLst>
   <p:sldSz cx="12192000" cy="6858000"/>
   <p:notesSz cx="6858000" cy="9144000"/>
@@ -44967,6 +44973,1712 @@
 </p:sld>
 </file>
 
+<file path=ppt/slides/slide85.xml><?xml version="1.0" encoding="utf-8"?>
+<p:sld xmlns:a="http://schemas.openxmlformats.org/drawingml/2006/main" xmlns:r="http://schemas.openxmlformats.org/officeDocument/2006/relationships" xmlns:p="http://schemas.openxmlformats.org/presentationml/2006/main">
+  <p:cSld>
+    <p:spTree>
+      <p:nvGrpSpPr>
+        <p:cNvPr id="1" name=""/>
+        <p:cNvGrpSpPr/>
+        <p:nvPr/>
+      </p:nvGrpSpPr>
+      <p:grpSpPr>
+        <a:xfrm>
+          <a:off x="0" y="0"/>
+          <a:ext cx="0" cy="0"/>
+          <a:chOff x="0" y="0"/>
+          <a:chExt cx="0" cy="0"/>
+        </a:xfrm>
+      </p:grpSpPr>
+      <p:sp>
+        <p:nvSpPr>
+          <p:cNvPr id="4" name="Title 3"/>
+          <p:cNvSpPr>
+            <a:spLocks noGrp="1"/>
+          </p:cNvSpPr>
+          <p:nvPr>
+            <p:ph type="title"/>
+          </p:nvPr>
+        </p:nvSpPr>
+        <p:spPr/>
+        <p:txBody>
+          <a:bodyPr/>
+          <a:lstStyle/>
+          <a:p>
+            <a:r>
+              <a:rPr lang="en-IN" b="1" dirty="0" smtClean="0"/>
+              <a:t>19 </a:t>
+            </a:r>
+            <a:r>
+              <a:rPr lang="en-IN" b="1" dirty="0" smtClean="0"/>
+              <a:t>: </a:t>
+            </a:r>
+            <a:r>
+              <a:rPr lang="en-IN" b="1" dirty="0" smtClean="0"/>
+              <a:t>HTTP and Observables</a:t>
+            </a:r>
+            <a:endParaRPr lang="en-IN" b="1" dirty="0"/>
+          </a:p>
+        </p:txBody>
+      </p:sp>
+      <p:sp>
+        <p:nvSpPr>
+          <p:cNvPr id="2" name="Content Placeholder 1"/>
+          <p:cNvSpPr>
+            <a:spLocks noGrp="1"/>
+          </p:cNvSpPr>
+          <p:nvPr>
+            <p:ph idx="1"/>
+          </p:nvPr>
+        </p:nvSpPr>
+        <p:spPr/>
+        <p:txBody>
+          <a:bodyPr/>
+          <a:lstStyle/>
+          <a:p>
+            <a:r>
+              <a:rPr lang="en-IN" dirty="0" smtClean="0"/>
+              <a:t>So far we have hardcoded values to display. But in real time scenarios we need to get those values from some server</a:t>
+            </a:r>
+          </a:p>
+          <a:p>
+            <a:r>
+              <a:rPr lang="en-IN" dirty="0" smtClean="0"/>
+              <a:t>For that we need to use HTTP and Observables this is returned by the HTTP call. </a:t>
+            </a:r>
+          </a:p>
+          <a:p>
+            <a:r>
+              <a:rPr lang="en-IN" dirty="0" smtClean="0"/>
+              <a:t>Usually the server have a database which contains all data and send back the desired output based on our requirement.</a:t>
+            </a:r>
+          </a:p>
+          <a:p>
+            <a:r>
+              <a:rPr lang="en-IN" dirty="0" smtClean="0"/>
+              <a:t>Lets see HTTP Mechanism…</a:t>
+            </a:r>
+            <a:endParaRPr lang="en-IN" dirty="0"/>
+          </a:p>
+        </p:txBody>
+      </p:sp>
+      <p:sp>
+        <p:nvSpPr>
+          <p:cNvPr id="14" name="Date Placeholder 13"/>
+          <p:cNvSpPr>
+            <a:spLocks noGrp="1"/>
+          </p:cNvSpPr>
+          <p:nvPr>
+            <p:ph type="dt" sz="half" idx="10"/>
+          </p:nvPr>
+        </p:nvSpPr>
+        <p:spPr/>
+        <p:txBody>
+          <a:bodyPr/>
+          <a:lstStyle/>
+          <a:p>
+            <a:r>
+              <a:rPr lang="en-US" smtClean="0"/>
+              <a:t>5/6/2019</a:t>
+            </a:r>
+            <a:endParaRPr lang="en-US" dirty="0"/>
+          </a:p>
+        </p:txBody>
+      </p:sp>
+      <p:sp>
+        <p:nvSpPr>
+          <p:cNvPr id="15" name="Slide Number Placeholder 14"/>
+          <p:cNvSpPr>
+            <a:spLocks noGrp="1"/>
+          </p:cNvSpPr>
+          <p:nvPr>
+            <p:ph type="sldNum" sz="quarter" idx="12"/>
+          </p:nvPr>
+        </p:nvSpPr>
+        <p:spPr/>
+        <p:txBody>
+          <a:bodyPr/>
+          <a:lstStyle/>
+          <a:p>
+            <a:fld id="{6D22F896-40B5-4ADD-8801-0D06FADFA095}" type="slidenum">
+              <a:rPr lang="en-US" smtClean="0"/>
+              <a:t>85</a:t>
+            </a:fld>
+            <a:endParaRPr lang="en-US" dirty="0"/>
+          </a:p>
+        </p:txBody>
+      </p:sp>
+    </p:spTree>
+    <p:extLst>
+      <p:ext uri="{BB962C8B-B14F-4D97-AF65-F5344CB8AC3E}">
+        <p14:creationId xmlns:p14="http://schemas.microsoft.com/office/powerpoint/2010/main" val="38168644"/>
+      </p:ext>
+    </p:extLst>
+  </p:cSld>
+  <p:clrMapOvr>
+    <a:masterClrMapping/>
+  </p:clrMapOvr>
+  <p:timing>
+    <p:tnLst>
+      <p:par>
+        <p:cTn id="1" dur="indefinite" restart="never" nodeType="tmRoot"/>
+      </p:par>
+    </p:tnLst>
+  </p:timing>
+</p:sld>
+</file>
+
+<file path=ppt/slides/slide86.xml><?xml version="1.0" encoding="utf-8"?>
+<p:sld xmlns:a="http://schemas.openxmlformats.org/drawingml/2006/main" xmlns:r="http://schemas.openxmlformats.org/officeDocument/2006/relationships" xmlns:p="http://schemas.openxmlformats.org/presentationml/2006/main">
+  <p:cSld>
+    <p:spTree>
+      <p:nvGrpSpPr>
+        <p:cNvPr id="1" name=""/>
+        <p:cNvGrpSpPr/>
+        <p:nvPr/>
+      </p:nvGrpSpPr>
+      <p:grpSpPr>
+        <a:xfrm>
+          <a:off x="0" y="0"/>
+          <a:ext cx="0" cy="0"/>
+          <a:chOff x="0" y="0"/>
+          <a:chExt cx="0" cy="0"/>
+        </a:xfrm>
+      </p:grpSpPr>
+      <p:sp>
+        <p:nvSpPr>
+          <p:cNvPr id="4" name="Title 3"/>
+          <p:cNvSpPr>
+            <a:spLocks noGrp="1"/>
+          </p:cNvSpPr>
+          <p:nvPr>
+            <p:ph type="title"/>
+          </p:nvPr>
+        </p:nvSpPr>
+        <p:spPr/>
+        <p:txBody>
+          <a:bodyPr/>
+          <a:lstStyle/>
+          <a:p>
+            <a:r>
+              <a:rPr lang="en-IN" b="1" dirty="0" smtClean="0"/>
+              <a:t>19.1 </a:t>
+            </a:r>
+            <a:r>
+              <a:rPr lang="en-IN" b="1" dirty="0" smtClean="0"/>
+              <a:t>: </a:t>
+            </a:r>
+            <a:r>
+              <a:rPr lang="en-IN" b="1" dirty="0" smtClean="0"/>
+              <a:t>HTTP Mechanism</a:t>
+            </a:r>
+            <a:endParaRPr lang="en-IN" b="1" dirty="0"/>
+          </a:p>
+        </p:txBody>
+      </p:sp>
+      <p:sp>
+        <p:nvSpPr>
+          <p:cNvPr id="14" name="Date Placeholder 13"/>
+          <p:cNvSpPr>
+            <a:spLocks noGrp="1"/>
+          </p:cNvSpPr>
+          <p:nvPr>
+            <p:ph type="dt" sz="half" idx="10"/>
+          </p:nvPr>
+        </p:nvSpPr>
+        <p:spPr/>
+        <p:txBody>
+          <a:bodyPr/>
+          <a:lstStyle/>
+          <a:p>
+            <a:r>
+              <a:rPr lang="en-US" smtClean="0"/>
+              <a:t>5/6/2019</a:t>
+            </a:r>
+            <a:endParaRPr lang="en-US" dirty="0"/>
+          </a:p>
+        </p:txBody>
+      </p:sp>
+      <p:sp>
+        <p:nvSpPr>
+          <p:cNvPr id="15" name="Slide Number Placeholder 14"/>
+          <p:cNvSpPr>
+            <a:spLocks noGrp="1"/>
+          </p:cNvSpPr>
+          <p:nvPr>
+            <p:ph type="sldNum" sz="quarter" idx="12"/>
+          </p:nvPr>
+        </p:nvSpPr>
+        <p:spPr/>
+        <p:txBody>
+          <a:bodyPr/>
+          <a:lstStyle/>
+          <a:p>
+            <a:fld id="{6D22F896-40B5-4ADD-8801-0D06FADFA095}" type="slidenum">
+              <a:rPr lang="en-US" smtClean="0"/>
+              <a:t>86</a:t>
+            </a:fld>
+            <a:endParaRPr lang="en-US" dirty="0"/>
+          </a:p>
+        </p:txBody>
+      </p:sp>
+      <p:sp>
+        <p:nvSpPr>
+          <p:cNvPr id="5" name="Rectangle 4"/>
+          <p:cNvSpPr/>
+          <p:nvPr/>
+        </p:nvSpPr>
+        <p:spPr>
+          <a:xfrm>
+            <a:off x="1304365" y="2675965"/>
+            <a:ext cx="7503459" cy="3715873"/>
+          </a:xfrm>
+          <a:prstGeom prst="rect">
+            <a:avLst/>
+          </a:prstGeom>
+          <a:solidFill>
+            <a:schemeClr val="accent2">
+              <a:lumMod val="20000"/>
+              <a:lumOff val="80000"/>
+            </a:schemeClr>
+          </a:solidFill>
+        </p:spPr>
+        <p:style>
+          <a:lnRef idx="2">
+            <a:schemeClr val="accent1">
+              <a:shade val="50000"/>
+            </a:schemeClr>
+          </a:lnRef>
+          <a:fillRef idx="1">
+            <a:schemeClr val="accent1"/>
+          </a:fillRef>
+          <a:effectRef idx="0">
+            <a:schemeClr val="accent1"/>
+          </a:effectRef>
+          <a:fontRef idx="minor">
+            <a:schemeClr val="lt1"/>
+          </a:fontRef>
+        </p:style>
+        <p:txBody>
+          <a:bodyPr rtlCol="0" anchor="ctr"/>
+          <a:lstStyle/>
+          <a:p>
+            <a:pPr algn="ctr"/>
+            <a:r>
+              <a:rPr lang="en-IN" dirty="0" smtClean="0"/>
+              <a:t>Get</a:t>
+            </a:r>
+            <a:endParaRPr lang="en-IN" dirty="0"/>
+          </a:p>
+        </p:txBody>
+      </p:sp>
+      <p:sp>
+        <p:nvSpPr>
+          <p:cNvPr id="6" name="TextBox 5"/>
+          <p:cNvSpPr txBox="1"/>
+          <p:nvPr/>
+        </p:nvSpPr>
+        <p:spPr>
+          <a:xfrm>
+            <a:off x="4329953" y="2895349"/>
+            <a:ext cx="1089211" cy="369332"/>
+          </a:xfrm>
+          <a:prstGeom prst="rect">
+            <a:avLst/>
+          </a:prstGeom>
+          <a:solidFill>
+            <a:schemeClr val="bg1"/>
+          </a:solidFill>
+        </p:spPr>
+        <p:txBody>
+          <a:bodyPr wrap="square" rtlCol="0">
+            <a:spAutoFit/>
+          </a:bodyPr>
+          <a:lstStyle/>
+          <a:p>
+            <a:pPr algn="ctr"/>
+            <a:r>
+              <a:rPr lang="en-IN" b="1" dirty="0" smtClean="0">
+                <a:solidFill>
+                  <a:schemeClr val="accent2">
+                    <a:lumMod val="50000"/>
+                  </a:schemeClr>
+                </a:solidFill>
+              </a:rPr>
+              <a:t>Browser</a:t>
+            </a:r>
+            <a:endParaRPr lang="en-IN" b="1" dirty="0">
+              <a:solidFill>
+                <a:schemeClr val="accent2">
+                  <a:lumMod val="50000"/>
+                </a:schemeClr>
+              </a:solidFill>
+            </a:endParaRPr>
+          </a:p>
+        </p:txBody>
+      </p:sp>
+      <p:sp>
+        <p:nvSpPr>
+          <p:cNvPr id="7" name="Rectangle 6"/>
+          <p:cNvSpPr/>
+          <p:nvPr/>
+        </p:nvSpPr>
+        <p:spPr>
+          <a:xfrm>
+            <a:off x="1532963" y="3290899"/>
+            <a:ext cx="1761565" cy="854350"/>
+          </a:xfrm>
+          <a:prstGeom prst="rect">
+            <a:avLst/>
+          </a:prstGeom>
+        </p:spPr>
+        <p:style>
+          <a:lnRef idx="2">
+            <a:schemeClr val="accent1">
+              <a:shade val="50000"/>
+            </a:schemeClr>
+          </a:lnRef>
+          <a:fillRef idx="1">
+            <a:schemeClr val="accent1"/>
+          </a:fillRef>
+          <a:effectRef idx="0">
+            <a:schemeClr val="accent1"/>
+          </a:effectRef>
+          <a:fontRef idx="minor">
+            <a:schemeClr val="lt1"/>
+          </a:fontRef>
+        </p:style>
+        <p:txBody>
+          <a:bodyPr rtlCol="0" anchor="ctr"/>
+          <a:lstStyle/>
+          <a:p>
+            <a:pPr algn="ctr"/>
+            <a:r>
+              <a:rPr lang="en-IN" dirty="0" err="1" smtClean="0"/>
+              <a:t>EmpList</a:t>
+            </a:r>
+            <a:endParaRPr lang="en-IN" dirty="0"/>
+          </a:p>
+        </p:txBody>
+      </p:sp>
+      <p:sp>
+        <p:nvSpPr>
+          <p:cNvPr id="10" name="Rectangle 9"/>
+          <p:cNvSpPr/>
+          <p:nvPr/>
+        </p:nvSpPr>
+        <p:spPr>
+          <a:xfrm>
+            <a:off x="1532963" y="5320980"/>
+            <a:ext cx="1761565" cy="854350"/>
+          </a:xfrm>
+          <a:prstGeom prst="rect">
+            <a:avLst/>
+          </a:prstGeom>
+        </p:spPr>
+        <p:style>
+          <a:lnRef idx="2">
+            <a:schemeClr val="accent1">
+              <a:shade val="50000"/>
+            </a:schemeClr>
+          </a:lnRef>
+          <a:fillRef idx="1">
+            <a:schemeClr val="accent1"/>
+          </a:fillRef>
+          <a:effectRef idx="0">
+            <a:schemeClr val="accent1"/>
+          </a:effectRef>
+          <a:fontRef idx="minor">
+            <a:schemeClr val="lt1"/>
+          </a:fontRef>
+        </p:style>
+        <p:txBody>
+          <a:bodyPr rtlCol="0" anchor="ctr"/>
+          <a:lstStyle/>
+          <a:p>
+            <a:pPr algn="ctr"/>
+            <a:r>
+              <a:rPr lang="en-IN" dirty="0" err="1" smtClean="0"/>
+              <a:t>EmpDetail</a:t>
+            </a:r>
+            <a:endParaRPr lang="en-IN" dirty="0"/>
+          </a:p>
+        </p:txBody>
+      </p:sp>
+      <p:sp>
+        <p:nvSpPr>
+          <p:cNvPr id="11" name="Rectangle 10"/>
+          <p:cNvSpPr/>
+          <p:nvPr/>
+        </p:nvSpPr>
+        <p:spPr>
+          <a:xfrm>
+            <a:off x="3657599" y="4260014"/>
+            <a:ext cx="1761565" cy="854350"/>
+          </a:xfrm>
+          <a:prstGeom prst="rect">
+            <a:avLst/>
+          </a:prstGeom>
+          <a:solidFill>
+            <a:schemeClr val="accent5">
+              <a:lumMod val="75000"/>
+            </a:schemeClr>
+          </a:solidFill>
+          <a:ln>
+            <a:solidFill>
+              <a:schemeClr val="accent5">
+                <a:lumMod val="50000"/>
+              </a:schemeClr>
+            </a:solidFill>
+          </a:ln>
+        </p:spPr>
+        <p:style>
+          <a:lnRef idx="2">
+            <a:schemeClr val="accent1">
+              <a:shade val="50000"/>
+            </a:schemeClr>
+          </a:lnRef>
+          <a:fillRef idx="1">
+            <a:schemeClr val="accent1"/>
+          </a:fillRef>
+          <a:effectRef idx="0">
+            <a:schemeClr val="accent1"/>
+          </a:effectRef>
+          <a:fontRef idx="minor">
+            <a:schemeClr val="lt1"/>
+          </a:fontRef>
+        </p:style>
+        <p:txBody>
+          <a:bodyPr rtlCol="0" anchor="ctr"/>
+          <a:lstStyle/>
+          <a:p>
+            <a:pPr algn="ctr"/>
+            <a:r>
+              <a:rPr lang="en-IN" dirty="0" err="1" smtClean="0"/>
+              <a:t>EmpService</a:t>
+            </a:r>
+            <a:endParaRPr lang="en-IN" dirty="0"/>
+          </a:p>
+        </p:txBody>
+      </p:sp>
+      <p:sp>
+        <p:nvSpPr>
+          <p:cNvPr id="8" name="Rectangle 7"/>
+          <p:cNvSpPr/>
+          <p:nvPr/>
+        </p:nvSpPr>
+        <p:spPr>
+          <a:xfrm>
+            <a:off x="9345706" y="2675965"/>
+            <a:ext cx="2297997" cy="3715873"/>
+          </a:xfrm>
+          <a:prstGeom prst="rect">
+            <a:avLst/>
+          </a:prstGeom>
+          <a:solidFill>
+            <a:schemeClr val="accent5">
+              <a:lumMod val="20000"/>
+              <a:lumOff val="80000"/>
+            </a:schemeClr>
+          </a:solidFill>
+          <a:ln>
+            <a:solidFill>
+              <a:schemeClr val="accent5">
+                <a:lumMod val="50000"/>
+              </a:schemeClr>
+            </a:solidFill>
+          </a:ln>
+        </p:spPr>
+        <p:style>
+          <a:lnRef idx="2">
+            <a:schemeClr val="accent1">
+              <a:shade val="50000"/>
+            </a:schemeClr>
+          </a:lnRef>
+          <a:fillRef idx="1">
+            <a:schemeClr val="accent1"/>
+          </a:fillRef>
+          <a:effectRef idx="0">
+            <a:schemeClr val="accent1"/>
+          </a:effectRef>
+          <a:fontRef idx="minor">
+            <a:schemeClr val="lt1"/>
+          </a:fontRef>
+        </p:style>
+        <p:txBody>
+          <a:bodyPr rtlCol="0" anchor="ctr"/>
+          <a:lstStyle/>
+          <a:p>
+            <a:pPr algn="ctr"/>
+            <a:endParaRPr lang="en-IN"/>
+          </a:p>
+        </p:txBody>
+      </p:sp>
+      <p:sp>
+        <p:nvSpPr>
+          <p:cNvPr id="9" name="Can 8"/>
+          <p:cNvSpPr/>
+          <p:nvPr/>
+        </p:nvSpPr>
+        <p:spPr>
+          <a:xfrm>
+            <a:off x="9688607" y="3783781"/>
+            <a:ext cx="1553974" cy="1537199"/>
+          </a:xfrm>
+          <a:prstGeom prst="can">
+            <a:avLst/>
+          </a:prstGeom>
+        </p:spPr>
+        <p:style>
+          <a:lnRef idx="2">
+            <a:schemeClr val="accent1">
+              <a:shade val="50000"/>
+            </a:schemeClr>
+          </a:lnRef>
+          <a:fillRef idx="1">
+            <a:schemeClr val="accent1"/>
+          </a:fillRef>
+          <a:effectRef idx="0">
+            <a:schemeClr val="accent1"/>
+          </a:effectRef>
+          <a:fontRef idx="minor">
+            <a:schemeClr val="lt1"/>
+          </a:fontRef>
+        </p:style>
+        <p:txBody>
+          <a:bodyPr rtlCol="0" anchor="ctr"/>
+          <a:lstStyle/>
+          <a:p>
+            <a:pPr algn="ctr"/>
+            <a:r>
+              <a:rPr lang="en-IN" b="1" dirty="0" smtClean="0"/>
+              <a:t>DB</a:t>
+            </a:r>
+            <a:endParaRPr lang="en-IN" b="1" dirty="0"/>
+          </a:p>
+        </p:txBody>
+      </p:sp>
+      <p:cxnSp>
+        <p:nvCxnSpPr>
+          <p:cNvPr id="16" name="Straight Connector 15"/>
+          <p:cNvCxnSpPr>
+            <a:stCxn id="7" idx="2"/>
+            <a:endCxn id="10" idx="0"/>
+          </p:cNvCxnSpPr>
+          <p:nvPr/>
+        </p:nvCxnSpPr>
+        <p:spPr>
+          <a:xfrm>
+            <a:off x="2413746" y="4145249"/>
+            <a:ext cx="0" cy="1175731"/>
+          </a:xfrm>
+          <a:prstGeom prst="line">
+            <a:avLst/>
+          </a:prstGeom>
+          <a:ln w="28575"/>
+        </p:spPr>
+        <p:style>
+          <a:lnRef idx="1">
+            <a:schemeClr val="accent1"/>
+          </a:lnRef>
+          <a:fillRef idx="0">
+            <a:schemeClr val="accent1"/>
+          </a:fillRef>
+          <a:effectRef idx="0">
+            <a:schemeClr val="accent1"/>
+          </a:effectRef>
+          <a:fontRef idx="minor">
+            <a:schemeClr val="tx1"/>
+          </a:fontRef>
+        </p:style>
+      </p:cxnSp>
+      <p:cxnSp>
+        <p:nvCxnSpPr>
+          <p:cNvPr id="18" name="Straight Arrow Connector 17"/>
+          <p:cNvCxnSpPr/>
+          <p:nvPr/>
+        </p:nvCxnSpPr>
+        <p:spPr>
+          <a:xfrm>
+            <a:off x="2413745" y="4687189"/>
+            <a:ext cx="1243854" cy="0"/>
+          </a:xfrm>
+          <a:prstGeom prst="straightConnector1">
+            <a:avLst/>
+          </a:prstGeom>
+          <a:ln w="28575">
+            <a:tailEnd type="triangle"/>
+          </a:ln>
+        </p:spPr>
+        <p:style>
+          <a:lnRef idx="1">
+            <a:schemeClr val="accent1"/>
+          </a:lnRef>
+          <a:fillRef idx="0">
+            <a:schemeClr val="accent1"/>
+          </a:fillRef>
+          <a:effectRef idx="0">
+            <a:schemeClr val="accent1"/>
+          </a:effectRef>
+          <a:fontRef idx="minor">
+            <a:schemeClr val="tx1"/>
+          </a:fontRef>
+        </p:style>
+      </p:cxnSp>
+      <p:cxnSp>
+        <p:nvCxnSpPr>
+          <p:cNvPr id="19" name="Straight Arrow Connector 18"/>
+          <p:cNvCxnSpPr/>
+          <p:nvPr/>
+        </p:nvCxnSpPr>
+        <p:spPr>
+          <a:xfrm>
+            <a:off x="5426321" y="4533901"/>
+            <a:ext cx="1243855" cy="0"/>
+          </a:xfrm>
+          <a:prstGeom prst="straightConnector1">
+            <a:avLst/>
+          </a:prstGeom>
+          <a:ln w="28575">
+            <a:tailEnd type="triangle"/>
+          </a:ln>
+        </p:spPr>
+        <p:style>
+          <a:lnRef idx="1">
+            <a:schemeClr val="accent1"/>
+          </a:lnRef>
+          <a:fillRef idx="0">
+            <a:schemeClr val="accent1"/>
+          </a:fillRef>
+          <a:effectRef idx="0">
+            <a:schemeClr val="accent1"/>
+          </a:effectRef>
+          <a:fontRef idx="minor">
+            <a:schemeClr val="tx1"/>
+          </a:fontRef>
+        </p:style>
+      </p:cxnSp>
+      <p:cxnSp>
+        <p:nvCxnSpPr>
+          <p:cNvPr id="21" name="Straight Arrow Connector 20"/>
+          <p:cNvCxnSpPr/>
+          <p:nvPr/>
+        </p:nvCxnSpPr>
+        <p:spPr>
+          <a:xfrm>
+            <a:off x="8454836" y="4507007"/>
+            <a:ext cx="1243854" cy="0"/>
+          </a:xfrm>
+          <a:prstGeom prst="straightConnector1">
+            <a:avLst/>
+          </a:prstGeom>
+          <a:ln w="28575">
+            <a:tailEnd type="triangle"/>
+          </a:ln>
+        </p:spPr>
+        <p:style>
+          <a:lnRef idx="1">
+            <a:schemeClr val="accent1"/>
+          </a:lnRef>
+          <a:fillRef idx="0">
+            <a:schemeClr val="accent1"/>
+          </a:fillRef>
+          <a:effectRef idx="0">
+            <a:schemeClr val="accent1"/>
+          </a:effectRef>
+          <a:fontRef idx="minor">
+            <a:schemeClr val="tx1"/>
+          </a:fontRef>
+        </p:style>
+      </p:cxnSp>
+      <p:cxnSp>
+        <p:nvCxnSpPr>
+          <p:cNvPr id="22" name="Straight Arrow Connector 21"/>
+          <p:cNvCxnSpPr/>
+          <p:nvPr/>
+        </p:nvCxnSpPr>
+        <p:spPr>
+          <a:xfrm flipH="1">
+            <a:off x="8415732" y="4834218"/>
+            <a:ext cx="1254330" cy="0"/>
+          </a:xfrm>
+          <a:prstGeom prst="straightConnector1">
+            <a:avLst/>
+          </a:prstGeom>
+          <a:ln w="28575">
+            <a:solidFill>
+              <a:srgbClr val="00B0F0"/>
+            </a:solidFill>
+            <a:tailEnd type="triangle"/>
+          </a:ln>
+        </p:spPr>
+        <p:style>
+          <a:lnRef idx="1">
+            <a:schemeClr val="accent1"/>
+          </a:lnRef>
+          <a:fillRef idx="0">
+            <a:schemeClr val="accent1"/>
+          </a:fillRef>
+          <a:effectRef idx="0">
+            <a:schemeClr val="accent1"/>
+          </a:effectRef>
+          <a:fontRef idx="minor">
+            <a:schemeClr val="tx1"/>
+          </a:fontRef>
+        </p:style>
+      </p:cxnSp>
+      <p:sp>
+        <p:nvSpPr>
+          <p:cNvPr id="29" name="TextBox 28"/>
+          <p:cNvSpPr txBox="1"/>
+          <p:nvPr/>
+        </p:nvSpPr>
+        <p:spPr>
+          <a:xfrm>
+            <a:off x="9950098" y="2895349"/>
+            <a:ext cx="1089211" cy="369332"/>
+          </a:xfrm>
+          <a:prstGeom prst="rect">
+            <a:avLst/>
+          </a:prstGeom>
+          <a:solidFill>
+            <a:schemeClr val="bg1"/>
+          </a:solidFill>
+        </p:spPr>
+        <p:txBody>
+          <a:bodyPr wrap="square" rtlCol="0">
+            <a:spAutoFit/>
+          </a:bodyPr>
+          <a:lstStyle/>
+          <a:p>
+            <a:pPr algn="ctr"/>
+            <a:r>
+              <a:rPr lang="en-IN" b="1" dirty="0" smtClean="0">
+                <a:solidFill>
+                  <a:schemeClr val="accent2">
+                    <a:lumMod val="50000"/>
+                  </a:schemeClr>
+                </a:solidFill>
+              </a:rPr>
+              <a:t>Server</a:t>
+            </a:r>
+            <a:endParaRPr lang="en-IN" b="1" dirty="0">
+              <a:solidFill>
+                <a:schemeClr val="accent2">
+                  <a:lumMod val="50000"/>
+                </a:schemeClr>
+              </a:solidFill>
+            </a:endParaRPr>
+          </a:p>
+        </p:txBody>
+      </p:sp>
+      <p:sp>
+        <p:nvSpPr>
+          <p:cNvPr id="12" name="Rectangle 11"/>
+          <p:cNvSpPr/>
+          <p:nvPr/>
+        </p:nvSpPr>
+        <p:spPr>
+          <a:xfrm>
+            <a:off x="6663015" y="4260014"/>
+            <a:ext cx="1761565" cy="854350"/>
+          </a:xfrm>
+          <a:prstGeom prst="rect">
+            <a:avLst/>
+          </a:prstGeom>
+          <a:solidFill>
+            <a:schemeClr val="accent4">
+              <a:lumMod val="75000"/>
+            </a:schemeClr>
+          </a:solidFill>
+          <a:ln>
+            <a:solidFill>
+              <a:schemeClr val="accent4">
+                <a:lumMod val="50000"/>
+              </a:schemeClr>
+            </a:solidFill>
+          </a:ln>
+        </p:spPr>
+        <p:style>
+          <a:lnRef idx="2">
+            <a:schemeClr val="accent1">
+              <a:shade val="50000"/>
+            </a:schemeClr>
+          </a:lnRef>
+          <a:fillRef idx="1">
+            <a:schemeClr val="accent1"/>
+          </a:fillRef>
+          <a:effectRef idx="0">
+            <a:schemeClr val="accent1"/>
+          </a:effectRef>
+          <a:fontRef idx="minor">
+            <a:schemeClr val="lt1"/>
+          </a:fontRef>
+        </p:style>
+        <p:txBody>
+          <a:bodyPr rtlCol="0" anchor="ctr"/>
+          <a:lstStyle/>
+          <a:p>
+            <a:pPr algn="ctr"/>
+            <a:r>
+              <a:rPr lang="en-IN" b="1" dirty="0" smtClean="0"/>
+              <a:t>HTTP</a:t>
+            </a:r>
+            <a:endParaRPr lang="en-IN" b="1" dirty="0"/>
+          </a:p>
+        </p:txBody>
+      </p:sp>
+      <p:sp>
+        <p:nvSpPr>
+          <p:cNvPr id="30" name="TextBox 29"/>
+          <p:cNvSpPr txBox="1"/>
+          <p:nvPr/>
+        </p:nvSpPr>
+        <p:spPr>
+          <a:xfrm>
+            <a:off x="5623122" y="4222395"/>
+            <a:ext cx="505267" cy="307777"/>
+          </a:xfrm>
+          <a:prstGeom prst="rect">
+            <a:avLst/>
+          </a:prstGeom>
+          <a:noFill/>
+        </p:spPr>
+        <p:txBody>
+          <a:bodyPr wrap="none" rtlCol="0">
+            <a:spAutoFit/>
+          </a:bodyPr>
+          <a:lstStyle/>
+          <a:p>
+            <a:r>
+              <a:rPr lang="en-IN" sz="1400" b="1" dirty="0" smtClean="0"/>
+              <a:t>Get</a:t>
+            </a:r>
+            <a:endParaRPr lang="en-IN" b="1" dirty="0"/>
+          </a:p>
+        </p:txBody>
+      </p:sp>
+      <p:sp>
+        <p:nvSpPr>
+          <p:cNvPr id="31" name="TextBox 30"/>
+          <p:cNvSpPr txBox="1"/>
+          <p:nvPr/>
+        </p:nvSpPr>
+        <p:spPr>
+          <a:xfrm>
+            <a:off x="5419164" y="4861131"/>
+            <a:ext cx="1202573" cy="307777"/>
+          </a:xfrm>
+          <a:prstGeom prst="rect">
+            <a:avLst/>
+          </a:prstGeom>
+          <a:noFill/>
+        </p:spPr>
+        <p:txBody>
+          <a:bodyPr wrap="none" rtlCol="0">
+            <a:spAutoFit/>
+          </a:bodyPr>
+          <a:lstStyle/>
+          <a:p>
+            <a:r>
+              <a:rPr lang="en-IN" sz="1400" b="1" dirty="0" smtClean="0"/>
+              <a:t>Observable</a:t>
+            </a:r>
+            <a:endParaRPr lang="en-IN" b="1" dirty="0"/>
+          </a:p>
+        </p:txBody>
+      </p:sp>
+      <p:cxnSp>
+        <p:nvCxnSpPr>
+          <p:cNvPr id="25" name="Straight Arrow Connector 24"/>
+          <p:cNvCxnSpPr/>
+          <p:nvPr/>
+        </p:nvCxnSpPr>
+        <p:spPr>
+          <a:xfrm flipH="1">
+            <a:off x="5452315" y="4834218"/>
+            <a:ext cx="1173066" cy="0"/>
+          </a:xfrm>
+          <a:prstGeom prst="straightConnector1">
+            <a:avLst/>
+          </a:prstGeom>
+          <a:ln w="28575">
+            <a:solidFill>
+              <a:srgbClr val="00B0F0"/>
+            </a:solidFill>
+            <a:tailEnd type="triangle"/>
+          </a:ln>
+        </p:spPr>
+        <p:style>
+          <a:lnRef idx="1">
+            <a:schemeClr val="accent1"/>
+          </a:lnRef>
+          <a:fillRef idx="0">
+            <a:schemeClr val="accent1"/>
+          </a:fillRef>
+          <a:effectRef idx="0">
+            <a:schemeClr val="accent1"/>
+          </a:effectRef>
+          <a:fontRef idx="minor">
+            <a:schemeClr val="tx1"/>
+          </a:fontRef>
+        </p:style>
+      </p:cxnSp>
+      <p:sp>
+        <p:nvSpPr>
+          <p:cNvPr id="32" name="TextBox 31"/>
+          <p:cNvSpPr txBox="1"/>
+          <p:nvPr/>
+        </p:nvSpPr>
+        <p:spPr>
+          <a:xfrm>
+            <a:off x="8603513" y="4179797"/>
+            <a:ext cx="878767" cy="307777"/>
+          </a:xfrm>
+          <a:prstGeom prst="rect">
+            <a:avLst/>
+          </a:prstGeom>
+          <a:noFill/>
+        </p:spPr>
+        <p:txBody>
+          <a:bodyPr wrap="none" rtlCol="0">
+            <a:spAutoFit/>
+          </a:bodyPr>
+          <a:lstStyle/>
+          <a:p>
+            <a:r>
+              <a:rPr lang="en-IN" sz="1400" b="1" dirty="0" smtClean="0"/>
+              <a:t>Request</a:t>
+            </a:r>
+            <a:endParaRPr lang="en-IN" b="1" dirty="0"/>
+          </a:p>
+        </p:txBody>
+      </p:sp>
+      <p:sp>
+        <p:nvSpPr>
+          <p:cNvPr id="33" name="TextBox 32"/>
+          <p:cNvSpPr txBox="1"/>
+          <p:nvPr/>
+        </p:nvSpPr>
+        <p:spPr>
+          <a:xfrm>
+            <a:off x="8603869" y="4834218"/>
+            <a:ext cx="1018227" cy="307777"/>
+          </a:xfrm>
+          <a:prstGeom prst="rect">
+            <a:avLst/>
+          </a:prstGeom>
+          <a:noFill/>
+        </p:spPr>
+        <p:txBody>
+          <a:bodyPr wrap="none" rtlCol="0">
+            <a:spAutoFit/>
+          </a:bodyPr>
+          <a:lstStyle/>
+          <a:p>
+            <a:r>
+              <a:rPr lang="en-IN" sz="1400" b="1" dirty="0" smtClean="0"/>
+              <a:t>Response</a:t>
+            </a:r>
+            <a:endParaRPr lang="en-IN" b="1" dirty="0"/>
+          </a:p>
+        </p:txBody>
+      </p:sp>
+    </p:spTree>
+    <p:extLst>
+      <p:ext uri="{BB962C8B-B14F-4D97-AF65-F5344CB8AC3E}">
+        <p14:creationId xmlns:p14="http://schemas.microsoft.com/office/powerpoint/2010/main" val="1110134989"/>
+      </p:ext>
+    </p:extLst>
+  </p:cSld>
+  <p:clrMapOvr>
+    <a:masterClrMapping/>
+  </p:clrMapOvr>
+  <p:timing>
+    <p:tnLst>
+      <p:par>
+        <p:cTn id="1" dur="indefinite" restart="never" nodeType="tmRoot"/>
+      </p:par>
+    </p:tnLst>
+  </p:timing>
+</p:sld>
+</file>
+
+<file path=ppt/slides/slide87.xml><?xml version="1.0" encoding="utf-8"?>
+<p:sld xmlns:a="http://schemas.openxmlformats.org/drawingml/2006/main" xmlns:r="http://schemas.openxmlformats.org/officeDocument/2006/relationships" xmlns:p="http://schemas.openxmlformats.org/presentationml/2006/main">
+  <p:cSld>
+    <p:spTree>
+      <p:nvGrpSpPr>
+        <p:cNvPr id="1" name=""/>
+        <p:cNvGrpSpPr/>
+        <p:nvPr/>
+      </p:nvGrpSpPr>
+      <p:grpSpPr>
+        <a:xfrm>
+          <a:off x="0" y="0"/>
+          <a:ext cx="0" cy="0"/>
+          <a:chOff x="0" y="0"/>
+          <a:chExt cx="0" cy="0"/>
+        </a:xfrm>
+      </p:grpSpPr>
+      <p:sp>
+        <p:nvSpPr>
+          <p:cNvPr id="4" name="Title 3"/>
+          <p:cNvSpPr>
+            <a:spLocks noGrp="1"/>
+          </p:cNvSpPr>
+          <p:nvPr>
+            <p:ph type="title"/>
+          </p:nvPr>
+        </p:nvSpPr>
+        <p:spPr/>
+        <p:txBody>
+          <a:bodyPr/>
+          <a:lstStyle/>
+          <a:p>
+            <a:r>
+              <a:rPr lang="en-IN" b="1" dirty="0" smtClean="0"/>
+              <a:t>19.2 </a:t>
+            </a:r>
+            <a:r>
+              <a:rPr lang="en-IN" b="1" dirty="0" smtClean="0"/>
+              <a:t>: </a:t>
+            </a:r>
+            <a:r>
+              <a:rPr lang="en-IN" b="1" dirty="0" smtClean="0"/>
+              <a:t>Observables</a:t>
+            </a:r>
+            <a:endParaRPr lang="en-IN" b="1" dirty="0"/>
+          </a:p>
+        </p:txBody>
+      </p:sp>
+      <p:sp>
+        <p:nvSpPr>
+          <p:cNvPr id="15" name="Slide Number Placeholder 14"/>
+          <p:cNvSpPr>
+            <a:spLocks noGrp="1"/>
+          </p:cNvSpPr>
+          <p:nvPr>
+            <p:ph type="sldNum" sz="quarter" idx="12"/>
+          </p:nvPr>
+        </p:nvSpPr>
+        <p:spPr/>
+        <p:txBody>
+          <a:bodyPr/>
+          <a:lstStyle/>
+          <a:p>
+            <a:fld id="{6D22F896-40B5-4ADD-8801-0D06FADFA095}" type="slidenum">
+              <a:rPr lang="en-US" smtClean="0"/>
+              <a:t>87</a:t>
+            </a:fld>
+            <a:endParaRPr lang="en-US" dirty="0"/>
+          </a:p>
+        </p:txBody>
+      </p:sp>
+      <p:pic>
+        <p:nvPicPr>
+          <p:cNvPr id="2" name="Picture 1"/>
+          <p:cNvPicPr>
+            <a:picLocks noChangeAspect="1"/>
+          </p:cNvPicPr>
+          <p:nvPr/>
+        </p:nvPicPr>
+        <p:blipFill rotWithShape="1">
+          <a:blip r:embed="rId2"/>
+          <a:srcRect l="7279" t="26459" r="4816" b="9196"/>
+          <a:stretch/>
+        </p:blipFill>
+        <p:spPr>
+          <a:xfrm>
+            <a:off x="887506" y="2366680"/>
+            <a:ext cx="10717306" cy="4410635"/>
+          </a:xfrm>
+          <a:prstGeom prst="rect">
+            <a:avLst/>
+          </a:prstGeom>
+        </p:spPr>
+      </p:pic>
+    </p:spTree>
+    <p:extLst>
+      <p:ext uri="{BB962C8B-B14F-4D97-AF65-F5344CB8AC3E}">
+        <p14:creationId xmlns:p14="http://schemas.microsoft.com/office/powerpoint/2010/main" val="837786773"/>
+      </p:ext>
+    </p:extLst>
+  </p:cSld>
+  <p:clrMapOvr>
+    <a:masterClrMapping/>
+  </p:clrMapOvr>
+  <p:timing>
+    <p:tnLst>
+      <p:par>
+        <p:cTn id="1" dur="indefinite" restart="never" nodeType="tmRoot"/>
+      </p:par>
+    </p:tnLst>
+  </p:timing>
+</p:sld>
+</file>
+
+<file path=ppt/slides/slide88.xml><?xml version="1.0" encoding="utf-8"?>
+<p:sld xmlns:a="http://schemas.openxmlformats.org/drawingml/2006/main" xmlns:r="http://schemas.openxmlformats.org/officeDocument/2006/relationships" xmlns:p="http://schemas.openxmlformats.org/presentationml/2006/main">
+  <p:cSld>
+    <p:spTree>
+      <p:nvGrpSpPr>
+        <p:cNvPr id="1" name=""/>
+        <p:cNvGrpSpPr/>
+        <p:nvPr/>
+      </p:nvGrpSpPr>
+      <p:grpSpPr>
+        <a:xfrm>
+          <a:off x="0" y="0"/>
+          <a:ext cx="0" cy="0"/>
+          <a:chOff x="0" y="0"/>
+          <a:chExt cx="0" cy="0"/>
+        </a:xfrm>
+      </p:grpSpPr>
+      <p:sp>
+        <p:nvSpPr>
+          <p:cNvPr id="4" name="Title 3"/>
+          <p:cNvSpPr>
+            <a:spLocks noGrp="1"/>
+          </p:cNvSpPr>
+          <p:nvPr>
+            <p:ph type="title"/>
+          </p:nvPr>
+        </p:nvSpPr>
+        <p:spPr/>
+        <p:txBody>
+          <a:bodyPr/>
+          <a:lstStyle/>
+          <a:p>
+            <a:r>
+              <a:rPr lang="en-IN" b="1" dirty="0" smtClean="0"/>
+              <a:t>19.2 </a:t>
+            </a:r>
+            <a:r>
+              <a:rPr lang="en-IN" b="1" dirty="0" smtClean="0"/>
+              <a:t>: </a:t>
+            </a:r>
+            <a:r>
+              <a:rPr lang="en-IN" b="1" dirty="0" smtClean="0"/>
+              <a:t>Observables Explanation</a:t>
+            </a:r>
+            <a:endParaRPr lang="en-IN" b="1" dirty="0"/>
+          </a:p>
+        </p:txBody>
+      </p:sp>
+      <p:sp>
+        <p:nvSpPr>
+          <p:cNvPr id="3" name="Text Placeholder 2"/>
+          <p:cNvSpPr>
+            <a:spLocks noGrp="1"/>
+          </p:cNvSpPr>
+          <p:nvPr>
+            <p:ph type="body" idx="1"/>
+          </p:nvPr>
+        </p:nvSpPr>
+        <p:spPr>
+          <a:xfrm>
+            <a:off x="648312" y="2321113"/>
+            <a:ext cx="5838440" cy="576262"/>
+          </a:xfrm>
+        </p:spPr>
+        <p:txBody>
+          <a:bodyPr/>
+          <a:lstStyle/>
+          <a:p>
+            <a:r>
+              <a:rPr lang="en-IN" dirty="0" smtClean="0"/>
+              <a:t>Newspaper </a:t>
+            </a:r>
+            <a:r>
+              <a:rPr lang="en-IN" dirty="0" err="1" smtClean="0"/>
+              <a:t>Eg</a:t>
+            </a:r>
+            <a:r>
+              <a:rPr lang="en-IN" dirty="0" smtClean="0"/>
+              <a:t>:</a:t>
+            </a:r>
+            <a:endParaRPr lang="en-IN" dirty="0"/>
+          </a:p>
+        </p:txBody>
+      </p:sp>
+      <p:sp>
+        <p:nvSpPr>
+          <p:cNvPr id="5" name="Content Placeholder 4"/>
+          <p:cNvSpPr>
+            <a:spLocks noGrp="1"/>
+          </p:cNvSpPr>
+          <p:nvPr>
+            <p:ph sz="half" idx="2"/>
+          </p:nvPr>
+        </p:nvSpPr>
+        <p:spPr>
+          <a:xfrm>
+            <a:off x="543542" y="2937716"/>
+            <a:ext cx="5559133" cy="3570660"/>
+          </a:xfrm>
+        </p:spPr>
+        <p:txBody>
+          <a:bodyPr/>
+          <a:lstStyle/>
+          <a:p>
+            <a:r>
+              <a:rPr lang="en-IN" dirty="0" smtClean="0"/>
+              <a:t>There is a source for all news which is a story</a:t>
+            </a:r>
+          </a:p>
+          <a:p>
+            <a:r>
+              <a:rPr lang="en-IN" dirty="0" smtClean="0"/>
+              <a:t>Newspaper company get that source and convert that in a format for viewers to read </a:t>
+            </a:r>
+          </a:p>
+          <a:p>
+            <a:r>
+              <a:rPr lang="en-IN" dirty="0" smtClean="0"/>
+              <a:t>They wont issue newspaper to all but only to those who subscribed for that newspaper</a:t>
+            </a:r>
+          </a:p>
+          <a:p>
+            <a:r>
+              <a:rPr lang="en-IN" dirty="0" smtClean="0"/>
+              <a:t>Once they issued the paper their responsibility got over and they don’t mind how the users using their paper</a:t>
+            </a:r>
+          </a:p>
+          <a:p>
+            <a:r>
+              <a:rPr lang="en-IN" dirty="0" smtClean="0"/>
+              <a:t>Its their own wish to use the newspaper either to read and to make kite</a:t>
+            </a:r>
+            <a:endParaRPr lang="en-IN" dirty="0"/>
+          </a:p>
+        </p:txBody>
+      </p:sp>
+      <p:sp>
+        <p:nvSpPr>
+          <p:cNvPr id="6" name="Text Placeholder 5"/>
+          <p:cNvSpPr>
+            <a:spLocks noGrp="1"/>
+          </p:cNvSpPr>
+          <p:nvPr>
+            <p:ph type="body" sz="quarter" idx="3"/>
+          </p:nvPr>
+        </p:nvSpPr>
+        <p:spPr>
+          <a:xfrm>
+            <a:off x="6102675" y="2321113"/>
+            <a:ext cx="5488669" cy="576262"/>
+          </a:xfrm>
+        </p:spPr>
+        <p:txBody>
+          <a:bodyPr/>
+          <a:lstStyle/>
+          <a:p>
+            <a:r>
+              <a:rPr lang="en-IN" dirty="0" smtClean="0"/>
+              <a:t>Angular </a:t>
+            </a:r>
+            <a:r>
+              <a:rPr lang="en-IN" dirty="0" err="1" smtClean="0"/>
+              <a:t>Eg</a:t>
+            </a:r>
+            <a:r>
+              <a:rPr lang="en-IN" smtClean="0"/>
+              <a:t>:</a:t>
+            </a:r>
+            <a:endParaRPr lang="en-IN" dirty="0"/>
+          </a:p>
+        </p:txBody>
+      </p:sp>
+      <p:sp>
+        <p:nvSpPr>
+          <p:cNvPr id="7" name="Content Placeholder 6"/>
+          <p:cNvSpPr>
+            <a:spLocks noGrp="1"/>
+          </p:cNvSpPr>
+          <p:nvPr>
+            <p:ph sz="quarter" idx="4"/>
+          </p:nvPr>
+        </p:nvSpPr>
+        <p:spPr>
+          <a:xfrm>
+            <a:off x="6102675" y="2937716"/>
+            <a:ext cx="5488669" cy="3691684"/>
+          </a:xfrm>
+        </p:spPr>
+        <p:txBody>
+          <a:bodyPr>
+            <a:normAutofit/>
+          </a:bodyPr>
+          <a:lstStyle/>
+          <a:p>
+            <a:r>
+              <a:rPr lang="en-IN" dirty="0" smtClean="0"/>
+              <a:t>DB have data and that will be send to service through observables. It’s a single line </a:t>
+            </a:r>
+            <a:r>
+              <a:rPr lang="en-IN" dirty="0" err="1" smtClean="0"/>
+              <a:t>async</a:t>
+            </a:r>
+            <a:r>
+              <a:rPr lang="en-IN" dirty="0" smtClean="0"/>
+              <a:t> data</a:t>
+            </a:r>
+          </a:p>
+          <a:p>
+            <a:r>
+              <a:rPr lang="en-IN" dirty="0" smtClean="0"/>
+              <a:t>Service will format the data how the user want</a:t>
+            </a:r>
+          </a:p>
+          <a:p>
+            <a:r>
+              <a:rPr lang="en-IN" dirty="0" smtClean="0"/>
+              <a:t>Service will send the data o the component who are all subscribed to that request</a:t>
+            </a:r>
+          </a:p>
+          <a:p>
+            <a:r>
+              <a:rPr lang="en-IN" dirty="0" smtClean="0"/>
+              <a:t>Once the component got their data they can use how they want. Employee list use only name and employee detail use all data no issues in that</a:t>
+            </a:r>
+          </a:p>
+          <a:p>
+            <a:endParaRPr lang="en-IN" dirty="0"/>
+          </a:p>
+        </p:txBody>
+      </p:sp>
+      <p:sp>
+        <p:nvSpPr>
+          <p:cNvPr id="15" name="Slide Number Placeholder 14"/>
+          <p:cNvSpPr>
+            <a:spLocks noGrp="1"/>
+          </p:cNvSpPr>
+          <p:nvPr>
+            <p:ph type="sldNum" sz="quarter" idx="12"/>
+          </p:nvPr>
+        </p:nvSpPr>
+        <p:spPr/>
+        <p:txBody>
+          <a:bodyPr/>
+          <a:lstStyle/>
+          <a:p>
+            <a:fld id="{6D22F896-40B5-4ADD-8801-0D06FADFA095}" type="slidenum">
+              <a:rPr lang="en-US" smtClean="0"/>
+              <a:t>88</a:t>
+            </a:fld>
+            <a:endParaRPr lang="en-US" dirty="0"/>
+          </a:p>
+        </p:txBody>
+      </p:sp>
+    </p:spTree>
+    <p:extLst>
+      <p:ext uri="{BB962C8B-B14F-4D97-AF65-F5344CB8AC3E}">
+        <p14:creationId xmlns:p14="http://schemas.microsoft.com/office/powerpoint/2010/main" val="1718682123"/>
+      </p:ext>
+    </p:extLst>
+  </p:cSld>
+  <p:clrMapOvr>
+    <a:masterClrMapping/>
+  </p:clrMapOvr>
+  <p:timing>
+    <p:tnLst>
+      <p:par>
+        <p:cTn id="1" dur="indefinite" restart="never" nodeType="tmRoot"/>
+      </p:par>
+    </p:tnLst>
+  </p:timing>
+</p:sld>
+</file>
+
+<file path=ppt/slides/slide89.xml><?xml version="1.0" encoding="utf-8"?>
+<p:sld xmlns:a="http://schemas.openxmlformats.org/drawingml/2006/main" xmlns:r="http://schemas.openxmlformats.org/officeDocument/2006/relationships" xmlns:p="http://schemas.openxmlformats.org/presentationml/2006/main">
+  <p:cSld>
+    <p:spTree>
+      <p:nvGrpSpPr>
+        <p:cNvPr id="1" name=""/>
+        <p:cNvGrpSpPr/>
+        <p:nvPr/>
+      </p:nvGrpSpPr>
+      <p:grpSpPr>
+        <a:xfrm>
+          <a:off x="0" y="0"/>
+          <a:ext cx="0" cy="0"/>
+          <a:chOff x="0" y="0"/>
+          <a:chExt cx="0" cy="0"/>
+        </a:xfrm>
+      </p:grpSpPr>
+      <p:sp>
+        <p:nvSpPr>
+          <p:cNvPr id="4" name="Title 3"/>
+          <p:cNvSpPr>
+            <a:spLocks noGrp="1"/>
+          </p:cNvSpPr>
+          <p:nvPr>
+            <p:ph type="title"/>
+          </p:nvPr>
+        </p:nvSpPr>
+        <p:spPr/>
+        <p:txBody>
+          <a:bodyPr/>
+          <a:lstStyle/>
+          <a:p>
+            <a:r>
+              <a:rPr lang="en-IN" b="1" dirty="0" smtClean="0"/>
+              <a:t>19.3 </a:t>
+            </a:r>
+            <a:r>
+              <a:rPr lang="en-IN" b="1" dirty="0" smtClean="0"/>
+              <a:t>: </a:t>
+            </a:r>
+            <a:r>
+              <a:rPr lang="en-IN" b="1" dirty="0" smtClean="0"/>
+              <a:t>HTTP, Observables and </a:t>
+            </a:r>
+            <a:r>
+              <a:rPr lang="en-IN" b="1" dirty="0" err="1" smtClean="0"/>
+              <a:t>RxJS</a:t>
+            </a:r>
+            <a:endParaRPr lang="en-IN" b="1" dirty="0"/>
+          </a:p>
+        </p:txBody>
+      </p:sp>
+      <p:sp>
+        <p:nvSpPr>
+          <p:cNvPr id="5" name="Content Placeholder 4"/>
+          <p:cNvSpPr>
+            <a:spLocks noGrp="1"/>
+          </p:cNvSpPr>
+          <p:nvPr>
+            <p:ph idx="1"/>
+          </p:nvPr>
+        </p:nvSpPr>
+        <p:spPr>
+          <a:xfrm>
+            <a:off x="1154954" y="2603500"/>
+            <a:ext cx="8825659" cy="3582148"/>
+          </a:xfrm>
+        </p:spPr>
+        <p:txBody>
+          <a:bodyPr>
+            <a:normAutofit/>
+          </a:bodyPr>
+          <a:lstStyle/>
+          <a:p>
+            <a:r>
+              <a:rPr lang="en-IN" dirty="0" smtClean="0"/>
+              <a:t>HTTP get request from </a:t>
+            </a:r>
+            <a:r>
+              <a:rPr lang="en-IN" dirty="0" err="1" smtClean="0"/>
+              <a:t>EmpService</a:t>
+            </a:r>
+            <a:endParaRPr lang="en-IN" dirty="0" smtClean="0"/>
+          </a:p>
+          <a:p>
+            <a:r>
+              <a:rPr lang="en-IN" dirty="0" smtClean="0"/>
+              <a:t>Receive the observable and cast it to an employee array</a:t>
+            </a:r>
+          </a:p>
+          <a:p>
+            <a:r>
+              <a:rPr lang="en-IN" dirty="0" smtClean="0"/>
+              <a:t>Subscribe to the observable from </a:t>
+            </a:r>
+            <a:r>
+              <a:rPr lang="en-IN" dirty="0" err="1" smtClean="0"/>
+              <a:t>EmpList</a:t>
+            </a:r>
+            <a:r>
+              <a:rPr lang="en-IN" dirty="0" smtClean="0"/>
+              <a:t> and </a:t>
+            </a:r>
+            <a:r>
+              <a:rPr lang="en-IN" dirty="0" err="1" smtClean="0"/>
+              <a:t>EmpDetail</a:t>
+            </a:r>
+            <a:endParaRPr lang="en-IN" dirty="0" smtClean="0"/>
+          </a:p>
+          <a:p>
+            <a:r>
+              <a:rPr lang="en-IN" dirty="0" smtClean="0"/>
+              <a:t>Assign the employee array to the local variable</a:t>
+            </a:r>
+          </a:p>
+          <a:p>
+            <a:endParaRPr lang="en-IN" dirty="0"/>
+          </a:p>
+          <a:p>
+            <a:pPr marL="0" indent="0">
+              <a:buNone/>
+            </a:pPr>
+            <a:r>
+              <a:rPr lang="en-IN" dirty="0" err="1" smtClean="0"/>
+              <a:t>RxJS</a:t>
+            </a:r>
+            <a:endParaRPr lang="en-IN" dirty="0" smtClean="0"/>
+          </a:p>
+          <a:p>
+            <a:pPr>
+              <a:buFontTx/>
+              <a:buChar char="-"/>
+            </a:pPr>
+            <a:r>
+              <a:rPr lang="en-IN" dirty="0" smtClean="0"/>
+              <a:t>Reactive extension of </a:t>
+            </a:r>
+            <a:r>
+              <a:rPr lang="en-IN" dirty="0" err="1" smtClean="0"/>
+              <a:t>Javascript</a:t>
+            </a:r>
+            <a:endParaRPr lang="en-IN" dirty="0" smtClean="0"/>
+          </a:p>
+          <a:p>
+            <a:pPr>
+              <a:buFontTx/>
+              <a:buChar char="-"/>
+            </a:pPr>
+            <a:r>
+              <a:rPr lang="en-IN" dirty="0" smtClean="0"/>
+              <a:t>External library to work with Observable</a:t>
+            </a:r>
+          </a:p>
+          <a:p>
+            <a:pPr marL="0" indent="0" defTabSz="363538">
+              <a:buNone/>
+            </a:pPr>
+            <a:r>
+              <a:rPr lang="en-IN" dirty="0" smtClean="0"/>
+              <a:t>	</a:t>
+            </a:r>
+            <a:r>
+              <a:rPr lang="en-IN" b="1" dirty="0" err="1" smtClean="0">
+                <a:solidFill>
+                  <a:schemeClr val="accent1">
+                    <a:lumMod val="75000"/>
+                  </a:schemeClr>
+                </a:solidFill>
+              </a:rPr>
+              <a:t>npm</a:t>
+            </a:r>
+            <a:r>
+              <a:rPr lang="en-IN" b="1" dirty="0" smtClean="0">
+                <a:solidFill>
+                  <a:schemeClr val="accent1">
+                    <a:lumMod val="75000"/>
+                  </a:schemeClr>
+                </a:solidFill>
+              </a:rPr>
+              <a:t> </a:t>
+            </a:r>
+            <a:r>
+              <a:rPr lang="en-IN" b="1" dirty="0">
+                <a:solidFill>
+                  <a:schemeClr val="accent1">
+                    <a:lumMod val="75000"/>
+                  </a:schemeClr>
+                </a:solidFill>
+              </a:rPr>
+              <a:t>install --save </a:t>
+            </a:r>
+            <a:r>
+              <a:rPr lang="en-IN" b="1" dirty="0" err="1" smtClean="0">
+                <a:solidFill>
+                  <a:schemeClr val="accent1">
+                    <a:lumMod val="75000"/>
+                  </a:schemeClr>
+                </a:solidFill>
+              </a:rPr>
+              <a:t>rxjs-compat</a:t>
+            </a:r>
+            <a:endParaRPr lang="en-IN" b="1" dirty="0" smtClean="0">
+              <a:solidFill>
+                <a:schemeClr val="accent1">
+                  <a:lumMod val="75000"/>
+                </a:schemeClr>
+              </a:solidFill>
+            </a:endParaRPr>
+          </a:p>
+        </p:txBody>
+      </p:sp>
+      <p:sp>
+        <p:nvSpPr>
+          <p:cNvPr id="15" name="Slide Number Placeholder 14"/>
+          <p:cNvSpPr>
+            <a:spLocks noGrp="1"/>
+          </p:cNvSpPr>
+          <p:nvPr>
+            <p:ph type="sldNum" sz="quarter" idx="12"/>
+          </p:nvPr>
+        </p:nvSpPr>
+        <p:spPr/>
+        <p:txBody>
+          <a:bodyPr/>
+          <a:lstStyle/>
+          <a:p>
+            <a:fld id="{6D22F896-40B5-4ADD-8801-0D06FADFA095}" type="slidenum">
+              <a:rPr lang="en-US" smtClean="0"/>
+              <a:t>89</a:t>
+            </a:fld>
+            <a:endParaRPr lang="en-US" dirty="0"/>
+          </a:p>
+        </p:txBody>
+      </p:sp>
+      <p:sp>
+        <p:nvSpPr>
+          <p:cNvPr id="10" name="TextBox 9"/>
+          <p:cNvSpPr txBox="1"/>
+          <p:nvPr/>
+        </p:nvSpPr>
+        <p:spPr>
+          <a:xfrm>
+            <a:off x="8214619" y="6360460"/>
+            <a:ext cx="3403496" cy="369332"/>
+          </a:xfrm>
+          <a:prstGeom prst="rect">
+            <a:avLst/>
+          </a:prstGeom>
+          <a:noFill/>
+        </p:spPr>
+        <p:txBody>
+          <a:bodyPr wrap="none" rtlCol="0">
+            <a:spAutoFit/>
+          </a:bodyPr>
+          <a:lstStyle/>
+          <a:p>
+            <a:r>
+              <a:rPr lang="en-IN" dirty="0"/>
+              <a:t>See Example </a:t>
+            </a:r>
+            <a:r>
+              <a:rPr lang="en-IN" dirty="0" smtClean="0"/>
+              <a:t>in next page….</a:t>
+            </a:r>
+            <a:endParaRPr lang="en-IN" dirty="0"/>
+          </a:p>
+        </p:txBody>
+      </p:sp>
+    </p:spTree>
+    <p:extLst>
+      <p:ext uri="{BB962C8B-B14F-4D97-AF65-F5344CB8AC3E}">
+        <p14:creationId xmlns:p14="http://schemas.microsoft.com/office/powerpoint/2010/main" val="971350199"/>
+      </p:ext>
+    </p:extLst>
+  </p:cSld>
+  <p:clrMapOvr>
+    <a:masterClrMapping/>
+  </p:clrMapOvr>
+  <p:timing>
+    <p:tnLst>
+      <p:par>
+        <p:cTn id="1" dur="indefinite" restart="never" nodeType="tmRoot"/>
+      </p:par>
+    </p:tnLst>
+  </p:timing>
+</p:sld>
+</file>
+
 <file path=ppt/slides/slide9.xml><?xml version="1.0" encoding="utf-8"?>
 <p:sld xmlns:a="http://schemas.openxmlformats.org/drawingml/2006/main" xmlns:r="http://schemas.openxmlformats.org/officeDocument/2006/relationships" xmlns:p="http://schemas.openxmlformats.org/presentationml/2006/main">
   <p:cSld>
@@ -45080,6 +46792,558 @@
     <p:extLst>
       <p:ext uri="{BB962C8B-B14F-4D97-AF65-F5344CB8AC3E}">
         <p14:creationId xmlns:p14="http://schemas.microsoft.com/office/powerpoint/2010/main" val="4028900169"/>
+      </p:ext>
+    </p:extLst>
+  </p:cSld>
+  <p:clrMapOvr>
+    <a:masterClrMapping/>
+  </p:clrMapOvr>
+  <p:timing>
+    <p:tnLst>
+      <p:par>
+        <p:cTn id="1" dur="indefinite" restart="never" nodeType="tmRoot"/>
+      </p:par>
+    </p:tnLst>
+  </p:timing>
+</p:sld>
+</file>
+
+<file path=ppt/slides/slide90.xml><?xml version="1.0" encoding="utf-8"?>
+<p:sld xmlns:a="http://schemas.openxmlformats.org/drawingml/2006/main" xmlns:r="http://schemas.openxmlformats.org/officeDocument/2006/relationships" xmlns:p="http://schemas.openxmlformats.org/presentationml/2006/main">
+  <p:cSld>
+    <p:spTree>
+      <p:nvGrpSpPr>
+        <p:cNvPr id="1" name=""/>
+        <p:cNvGrpSpPr/>
+        <p:nvPr/>
+      </p:nvGrpSpPr>
+      <p:grpSpPr>
+        <a:xfrm>
+          <a:off x="0" y="0"/>
+          <a:ext cx="0" cy="0"/>
+          <a:chOff x="0" y="0"/>
+          <a:chExt cx="0" cy="0"/>
+        </a:xfrm>
+      </p:grpSpPr>
+      <p:sp>
+        <p:nvSpPr>
+          <p:cNvPr id="4" name="Date Placeholder 3"/>
+          <p:cNvSpPr>
+            <a:spLocks noGrp="1"/>
+          </p:cNvSpPr>
+          <p:nvPr>
+            <p:ph type="dt" sz="half" idx="10"/>
+          </p:nvPr>
+        </p:nvSpPr>
+        <p:spPr/>
+        <p:txBody>
+          <a:bodyPr/>
+          <a:lstStyle/>
+          <a:p>
+            <a:r>
+              <a:rPr lang="en-US" smtClean="0"/>
+              <a:t>5/6/2019</a:t>
+            </a:r>
+            <a:endParaRPr lang="en-US" dirty="0"/>
+          </a:p>
+        </p:txBody>
+      </p:sp>
+      <p:sp>
+        <p:nvSpPr>
+          <p:cNvPr id="5" name="Slide Number Placeholder 4"/>
+          <p:cNvSpPr>
+            <a:spLocks noGrp="1"/>
+          </p:cNvSpPr>
+          <p:nvPr>
+            <p:ph type="sldNum" sz="quarter" idx="12"/>
+          </p:nvPr>
+        </p:nvSpPr>
+        <p:spPr/>
+        <p:txBody>
+          <a:bodyPr/>
+          <a:lstStyle/>
+          <a:p>
+            <a:fld id="{6D22F896-40B5-4ADD-8801-0D06FADFA095}" type="slidenum">
+              <a:rPr lang="en-US" smtClean="0"/>
+              <a:t>90</a:t>
+            </a:fld>
+            <a:endParaRPr lang="en-US" dirty="0"/>
+          </a:p>
+        </p:txBody>
+      </p:sp>
+      <p:pic>
+        <p:nvPicPr>
+          <p:cNvPr id="6" name="Picture 5"/>
+          <p:cNvPicPr>
+            <a:picLocks noChangeAspect="1"/>
+          </p:cNvPicPr>
+          <p:nvPr/>
+        </p:nvPicPr>
+        <p:blipFill>
+          <a:blip r:embed="rId2"/>
+          <a:stretch>
+            <a:fillRect/>
+          </a:stretch>
+        </p:blipFill>
+        <p:spPr>
+          <a:xfrm>
+            <a:off x="0" y="1"/>
+            <a:ext cx="6817659" cy="3292714"/>
+          </a:xfrm>
+          <a:prstGeom prst="rect">
+            <a:avLst/>
+          </a:prstGeom>
+          <a:ln>
+            <a:solidFill>
+              <a:schemeClr val="bg1"/>
+            </a:solidFill>
+          </a:ln>
+        </p:spPr>
+      </p:pic>
+      <p:pic>
+        <p:nvPicPr>
+          <p:cNvPr id="7" name="Picture 6"/>
+          <p:cNvPicPr>
+            <a:picLocks noChangeAspect="1"/>
+          </p:cNvPicPr>
+          <p:nvPr/>
+        </p:nvPicPr>
+        <p:blipFill>
+          <a:blip r:embed="rId3"/>
+          <a:stretch>
+            <a:fillRect/>
+          </a:stretch>
+        </p:blipFill>
+        <p:spPr>
+          <a:xfrm>
+            <a:off x="6817660" y="1"/>
+            <a:ext cx="4545106" cy="3282982"/>
+          </a:xfrm>
+          <a:prstGeom prst="rect">
+            <a:avLst/>
+          </a:prstGeom>
+          <a:ln>
+            <a:solidFill>
+              <a:schemeClr val="bg1"/>
+            </a:solidFill>
+          </a:ln>
+        </p:spPr>
+      </p:pic>
+      <p:pic>
+        <p:nvPicPr>
+          <p:cNvPr id="8" name="Picture 7"/>
+          <p:cNvPicPr>
+            <a:picLocks noChangeAspect="1"/>
+          </p:cNvPicPr>
+          <p:nvPr/>
+        </p:nvPicPr>
+        <p:blipFill>
+          <a:blip r:embed="rId4"/>
+          <a:stretch>
+            <a:fillRect/>
+          </a:stretch>
+        </p:blipFill>
+        <p:spPr>
+          <a:xfrm>
+            <a:off x="-1" y="3292715"/>
+            <a:ext cx="4410635" cy="3609304"/>
+          </a:xfrm>
+          <a:prstGeom prst="rect">
+            <a:avLst/>
+          </a:prstGeom>
+          <a:ln>
+            <a:solidFill>
+              <a:schemeClr val="bg1"/>
+            </a:solidFill>
+          </a:ln>
+        </p:spPr>
+      </p:pic>
+      <p:pic>
+        <p:nvPicPr>
+          <p:cNvPr id="9" name="Picture 8"/>
+          <p:cNvPicPr>
+            <a:picLocks noChangeAspect="1"/>
+          </p:cNvPicPr>
+          <p:nvPr/>
+        </p:nvPicPr>
+        <p:blipFill>
+          <a:blip r:embed="rId5"/>
+          <a:stretch>
+            <a:fillRect/>
+          </a:stretch>
+        </p:blipFill>
+        <p:spPr>
+          <a:xfrm>
+            <a:off x="4410634" y="3292715"/>
+            <a:ext cx="4262719" cy="3597659"/>
+          </a:xfrm>
+          <a:prstGeom prst="rect">
+            <a:avLst/>
+          </a:prstGeom>
+          <a:ln>
+            <a:solidFill>
+              <a:schemeClr val="bg1"/>
+            </a:solidFill>
+          </a:ln>
+        </p:spPr>
+      </p:pic>
+      <p:pic>
+        <p:nvPicPr>
+          <p:cNvPr id="10" name="Picture 9"/>
+          <p:cNvPicPr>
+            <a:picLocks noChangeAspect="1"/>
+          </p:cNvPicPr>
+          <p:nvPr/>
+        </p:nvPicPr>
+        <p:blipFill>
+          <a:blip r:embed="rId6"/>
+          <a:stretch>
+            <a:fillRect/>
+          </a:stretch>
+        </p:blipFill>
+        <p:spPr>
+          <a:xfrm>
+            <a:off x="8727139" y="3323312"/>
+            <a:ext cx="2066541" cy="3373325"/>
+          </a:xfrm>
+          <a:prstGeom prst="rect">
+            <a:avLst/>
+          </a:prstGeom>
+          <a:ln>
+            <a:solidFill>
+              <a:schemeClr val="bg1">
+                <a:lumMod val="50000"/>
+              </a:schemeClr>
+            </a:solidFill>
+          </a:ln>
+        </p:spPr>
+      </p:pic>
+      <p:sp>
+        <p:nvSpPr>
+          <p:cNvPr id="11" name="Rectangle 10"/>
+          <p:cNvSpPr/>
+          <p:nvPr/>
+        </p:nvSpPr>
+        <p:spPr>
+          <a:xfrm>
+            <a:off x="2355" y="17274"/>
+            <a:ext cx="989242" cy="251561"/>
+          </a:xfrm>
+          <a:prstGeom prst="rect">
+            <a:avLst/>
+          </a:prstGeom>
+          <a:noFill/>
+          <a:ln w="28575">
+            <a:solidFill>
+              <a:srgbClr val="FFFF00"/>
+            </a:solidFill>
+          </a:ln>
+        </p:spPr>
+        <p:style>
+          <a:lnRef idx="2">
+            <a:schemeClr val="accent1">
+              <a:shade val="50000"/>
+            </a:schemeClr>
+          </a:lnRef>
+          <a:fillRef idx="1">
+            <a:schemeClr val="accent1"/>
+          </a:fillRef>
+          <a:effectRef idx="0">
+            <a:schemeClr val="accent1"/>
+          </a:effectRef>
+          <a:fontRef idx="minor">
+            <a:schemeClr val="lt1"/>
+          </a:fontRef>
+        </p:style>
+        <p:txBody>
+          <a:bodyPr rtlCol="0" anchor="ctr"/>
+          <a:lstStyle/>
+          <a:p>
+            <a:pPr algn="ctr"/>
+            <a:endParaRPr lang="en-IN"/>
+          </a:p>
+        </p:txBody>
+      </p:sp>
+      <p:sp>
+        <p:nvSpPr>
+          <p:cNvPr id="12" name="Rectangle 11"/>
+          <p:cNvSpPr/>
+          <p:nvPr/>
+        </p:nvSpPr>
+        <p:spPr>
+          <a:xfrm>
+            <a:off x="6860355" y="30615"/>
+            <a:ext cx="989242" cy="251561"/>
+          </a:xfrm>
+          <a:prstGeom prst="rect">
+            <a:avLst/>
+          </a:prstGeom>
+          <a:noFill/>
+          <a:ln w="28575">
+            <a:solidFill>
+              <a:srgbClr val="FFFF00"/>
+            </a:solidFill>
+          </a:ln>
+        </p:spPr>
+        <p:style>
+          <a:lnRef idx="2">
+            <a:schemeClr val="accent1">
+              <a:shade val="50000"/>
+            </a:schemeClr>
+          </a:lnRef>
+          <a:fillRef idx="1">
+            <a:schemeClr val="accent1"/>
+          </a:fillRef>
+          <a:effectRef idx="0">
+            <a:schemeClr val="accent1"/>
+          </a:effectRef>
+          <a:fontRef idx="minor">
+            <a:schemeClr val="lt1"/>
+          </a:fontRef>
+        </p:style>
+        <p:txBody>
+          <a:bodyPr rtlCol="0" anchor="ctr"/>
+          <a:lstStyle/>
+          <a:p>
+            <a:pPr algn="ctr"/>
+            <a:endParaRPr lang="en-IN"/>
+          </a:p>
+        </p:txBody>
+      </p:sp>
+      <p:sp>
+        <p:nvSpPr>
+          <p:cNvPr id="13" name="Rectangle 12"/>
+          <p:cNvSpPr/>
+          <p:nvPr/>
+        </p:nvSpPr>
+        <p:spPr>
+          <a:xfrm>
+            <a:off x="42696" y="3292715"/>
+            <a:ext cx="989242" cy="251561"/>
+          </a:xfrm>
+          <a:prstGeom prst="rect">
+            <a:avLst/>
+          </a:prstGeom>
+          <a:noFill/>
+          <a:ln w="28575">
+            <a:solidFill>
+              <a:srgbClr val="FFFF00"/>
+            </a:solidFill>
+          </a:ln>
+        </p:spPr>
+        <p:style>
+          <a:lnRef idx="2">
+            <a:schemeClr val="accent1">
+              <a:shade val="50000"/>
+            </a:schemeClr>
+          </a:lnRef>
+          <a:fillRef idx="1">
+            <a:schemeClr val="accent1"/>
+          </a:fillRef>
+          <a:effectRef idx="0">
+            <a:schemeClr val="accent1"/>
+          </a:effectRef>
+          <a:fontRef idx="minor">
+            <a:schemeClr val="lt1"/>
+          </a:fontRef>
+        </p:style>
+        <p:txBody>
+          <a:bodyPr rtlCol="0" anchor="ctr"/>
+          <a:lstStyle/>
+          <a:p>
+            <a:pPr algn="ctr"/>
+            <a:endParaRPr lang="en-IN"/>
+          </a:p>
+        </p:txBody>
+      </p:sp>
+      <p:sp>
+        <p:nvSpPr>
+          <p:cNvPr id="14" name="Rectangle 13"/>
+          <p:cNvSpPr/>
+          <p:nvPr/>
+        </p:nvSpPr>
+        <p:spPr>
+          <a:xfrm>
+            <a:off x="7218352" y="3321210"/>
+            <a:ext cx="1088166" cy="228692"/>
+          </a:xfrm>
+          <a:prstGeom prst="rect">
+            <a:avLst/>
+          </a:prstGeom>
+          <a:noFill/>
+          <a:ln w="28575">
+            <a:solidFill>
+              <a:srgbClr val="FFFF00"/>
+            </a:solidFill>
+          </a:ln>
+        </p:spPr>
+        <p:style>
+          <a:lnRef idx="2">
+            <a:schemeClr val="accent1">
+              <a:shade val="50000"/>
+            </a:schemeClr>
+          </a:lnRef>
+          <a:fillRef idx="1">
+            <a:schemeClr val="accent1"/>
+          </a:fillRef>
+          <a:effectRef idx="0">
+            <a:schemeClr val="accent1"/>
+          </a:effectRef>
+          <a:fontRef idx="minor">
+            <a:schemeClr val="lt1"/>
+          </a:fontRef>
+        </p:style>
+        <p:txBody>
+          <a:bodyPr rtlCol="0" anchor="ctr"/>
+          <a:lstStyle/>
+          <a:p>
+            <a:pPr algn="ctr"/>
+            <a:endParaRPr lang="en-IN"/>
+          </a:p>
+        </p:txBody>
+      </p:sp>
+      <p:sp>
+        <p:nvSpPr>
+          <p:cNvPr id="15" name="Rectangle 14"/>
+          <p:cNvSpPr/>
+          <p:nvPr/>
+        </p:nvSpPr>
+        <p:spPr>
+          <a:xfrm>
+            <a:off x="529807" y="450880"/>
+            <a:ext cx="4822122" cy="234920"/>
+          </a:xfrm>
+          <a:prstGeom prst="rect">
+            <a:avLst/>
+          </a:prstGeom>
+          <a:noFill/>
+          <a:ln w="28575">
+            <a:solidFill>
+              <a:schemeClr val="bg1"/>
+            </a:solidFill>
+          </a:ln>
+        </p:spPr>
+        <p:style>
+          <a:lnRef idx="2">
+            <a:schemeClr val="accent1">
+              <a:shade val="50000"/>
+            </a:schemeClr>
+          </a:lnRef>
+          <a:fillRef idx="1">
+            <a:schemeClr val="accent1"/>
+          </a:fillRef>
+          <a:effectRef idx="0">
+            <a:schemeClr val="accent1"/>
+          </a:effectRef>
+          <a:fontRef idx="minor">
+            <a:schemeClr val="lt1"/>
+          </a:fontRef>
+        </p:style>
+        <p:txBody>
+          <a:bodyPr rtlCol="0" anchor="ctr"/>
+          <a:lstStyle/>
+          <a:p>
+            <a:pPr algn="ctr"/>
+            <a:endParaRPr lang="en-IN"/>
+          </a:p>
+        </p:txBody>
+      </p:sp>
+      <p:sp>
+        <p:nvSpPr>
+          <p:cNvPr id="16" name="Rectangle 15"/>
+          <p:cNvSpPr/>
+          <p:nvPr/>
+        </p:nvSpPr>
+        <p:spPr>
+          <a:xfrm>
+            <a:off x="7347466" y="444651"/>
+            <a:ext cx="3843273" cy="375619"/>
+          </a:xfrm>
+          <a:prstGeom prst="rect">
+            <a:avLst/>
+          </a:prstGeom>
+          <a:noFill/>
+          <a:ln w="28575">
+            <a:solidFill>
+              <a:schemeClr val="bg1"/>
+            </a:solidFill>
+          </a:ln>
+        </p:spPr>
+        <p:style>
+          <a:lnRef idx="2">
+            <a:schemeClr val="accent1">
+              <a:shade val="50000"/>
+            </a:schemeClr>
+          </a:lnRef>
+          <a:fillRef idx="1">
+            <a:schemeClr val="accent1"/>
+          </a:fillRef>
+          <a:effectRef idx="0">
+            <a:schemeClr val="accent1"/>
+          </a:effectRef>
+          <a:fontRef idx="minor">
+            <a:schemeClr val="lt1"/>
+          </a:fontRef>
+        </p:style>
+        <p:txBody>
+          <a:bodyPr rtlCol="0" anchor="ctr"/>
+          <a:lstStyle/>
+          <a:p>
+            <a:pPr algn="ctr"/>
+            <a:endParaRPr lang="en-IN"/>
+          </a:p>
+        </p:txBody>
+      </p:sp>
+      <p:sp>
+        <p:nvSpPr>
+          <p:cNvPr id="17" name="Rectangle 16"/>
+          <p:cNvSpPr/>
+          <p:nvPr/>
+        </p:nvSpPr>
+        <p:spPr>
+          <a:xfrm>
+            <a:off x="886194" y="2039185"/>
+            <a:ext cx="1536477" cy="234920"/>
+          </a:xfrm>
+          <a:prstGeom prst="rect">
+            <a:avLst/>
+          </a:prstGeom>
+          <a:noFill/>
+          <a:ln w="28575">
+            <a:solidFill>
+              <a:schemeClr val="bg1"/>
+            </a:solidFill>
+          </a:ln>
+        </p:spPr>
+        <p:style>
+          <a:lnRef idx="2">
+            <a:schemeClr val="accent1">
+              <a:shade val="50000"/>
+            </a:schemeClr>
+          </a:lnRef>
+          <a:fillRef idx="1">
+            <a:schemeClr val="accent1"/>
+          </a:fillRef>
+          <a:effectRef idx="0">
+            <a:schemeClr val="accent1"/>
+          </a:effectRef>
+          <a:fontRef idx="minor">
+            <a:schemeClr val="lt1"/>
+          </a:fontRef>
+        </p:style>
+        <p:txBody>
+          <a:bodyPr rtlCol="0" anchor="ctr"/>
+          <a:lstStyle/>
+          <a:p>
+            <a:pPr algn="ctr"/>
+            <a:endParaRPr lang="en-IN"/>
+          </a:p>
+        </p:txBody>
+      </p:sp>
+    </p:spTree>
+    <p:extLst>
+      <p:ext uri="{BB962C8B-B14F-4D97-AF65-F5344CB8AC3E}">
+        <p14:creationId xmlns:p14="http://schemas.microsoft.com/office/powerpoint/2010/main" val="2425502039"/>
       </p:ext>
     </p:extLst>
   </p:cSld>

--- a/Angular Presentation.pptx
+++ b/Angular Presentation.pptx
@@ -5,7 +5,7 @@
     <p:sldMasterId id="2147483723" r:id="rId1"/>
   </p:sldMasterIdLst>
   <p:notesMasterIdLst>
-    <p:notesMasterId r:id="rId92"/>
+    <p:notesMasterId r:id="rId96"/>
   </p:notesMasterIdLst>
   <p:sldIdLst>
     <p:sldId id="256" r:id="rId2"/>
@@ -98,6 +98,10 @@
     <p:sldId id="369" r:id="rId89"/>
     <p:sldId id="370" r:id="rId90"/>
     <p:sldId id="371" r:id="rId91"/>
+    <p:sldId id="373" r:id="rId92"/>
+    <p:sldId id="372" r:id="rId93"/>
+    <p:sldId id="374" r:id="rId94"/>
+    <p:sldId id="375" r:id="rId95"/>
   </p:sldIdLst>
   <p:sldSz cx="12192000" cy="6858000"/>
   <p:notesSz cx="6858000" cy="9144000"/>
@@ -46283,7 +46287,7 @@
               <a:t>Eg</a:t>
             </a:r>
             <a:r>
-              <a:rPr lang="en-IN" smtClean="0"/>
+              <a:rPr lang="en-IN" dirty="0" smtClean="0"/>
               <a:t>:</a:t>
             </a:r>
             <a:endParaRPr lang="en-IN" dirty="0"/>
@@ -46425,7 +46429,7 @@
           <a:p>
             <a:r>
               <a:rPr lang="en-IN" b="1" dirty="0" smtClean="0"/>
-              <a:t>19.3 </a:t>
+              <a:t>20 </a:t>
             </a:r>
             <a:r>
               <a:rPr lang="en-IN" b="1" dirty="0" smtClean="0"/>
@@ -46433,11 +46437,7 @@
             </a:r>
             <a:r>
               <a:rPr lang="en-IN" b="1" dirty="0" smtClean="0"/>
-              <a:t>HTTP, Observables and </a:t>
-            </a:r>
-            <a:r>
-              <a:rPr lang="en-IN" b="1" dirty="0" err="1" smtClean="0"/>
-              <a:t>RxJS</a:t>
+              <a:t>Fetch data using HTTP</a:t>
             </a:r>
             <a:endParaRPr lang="en-IN" b="1" dirty="0"/>
           </a:p>
@@ -46835,7 +46835,12 @@
             <p:ph type="dt" sz="half" idx="10"/>
           </p:nvPr>
         </p:nvSpPr>
-        <p:spPr/>
+        <p:spPr>
+          <a:xfrm>
+            <a:off x="10653104" y="6364944"/>
+            <a:ext cx="990599" cy="304799"/>
+          </a:xfrm>
+        </p:spPr>
         <p:txBody>
           <a:bodyPr/>
           <a:lstStyle/>
@@ -46887,8 +46892,8 @@
         </p:blipFill>
         <p:spPr>
           <a:xfrm>
-            <a:off x="0" y="1"/>
-            <a:ext cx="6817659" cy="3292714"/>
+            <a:off x="0" y="0"/>
+            <a:ext cx="9828409" cy="4746811"/>
           </a:xfrm>
           <a:prstGeom prst="rect">
             <a:avLst/>
@@ -46916,8 +46921,756 @@
         </p:blipFill>
         <p:spPr>
           <a:xfrm>
-            <a:off x="6817660" y="1"/>
-            <a:ext cx="4545106" cy="3282982"/>
+            <a:off x="5747266" y="2274105"/>
+            <a:ext cx="6292445" cy="4545105"/>
+          </a:xfrm>
+          <a:prstGeom prst="rect">
+            <a:avLst/>
+          </a:prstGeom>
+          <a:ln>
+            <a:solidFill>
+              <a:schemeClr val="bg1"/>
+            </a:solidFill>
+          </a:ln>
+        </p:spPr>
+      </p:pic>
+      <p:sp>
+        <p:nvSpPr>
+          <p:cNvPr id="11" name="Rectangle 10"/>
+          <p:cNvSpPr/>
+          <p:nvPr/>
+        </p:nvSpPr>
+        <p:spPr>
+          <a:xfrm>
+            <a:off x="136825" y="57509"/>
+            <a:ext cx="989242" cy="251561"/>
+          </a:xfrm>
+          <a:prstGeom prst="rect">
+            <a:avLst/>
+          </a:prstGeom>
+          <a:noFill/>
+          <a:ln w="28575">
+            <a:solidFill>
+              <a:srgbClr val="FFFF00"/>
+            </a:solidFill>
+          </a:ln>
+        </p:spPr>
+        <p:style>
+          <a:lnRef idx="2">
+            <a:schemeClr val="accent1">
+              <a:shade val="50000"/>
+            </a:schemeClr>
+          </a:lnRef>
+          <a:fillRef idx="1">
+            <a:schemeClr val="accent1"/>
+          </a:fillRef>
+          <a:effectRef idx="0">
+            <a:schemeClr val="accent1"/>
+          </a:effectRef>
+          <a:fontRef idx="minor">
+            <a:schemeClr val="lt1"/>
+          </a:fontRef>
+        </p:style>
+        <p:txBody>
+          <a:bodyPr rtlCol="0" anchor="ctr"/>
+          <a:lstStyle/>
+          <a:p>
+            <a:pPr algn="ctr"/>
+            <a:endParaRPr lang="en-IN"/>
+          </a:p>
+        </p:txBody>
+      </p:sp>
+      <p:sp>
+        <p:nvSpPr>
+          <p:cNvPr id="12" name="Rectangle 11"/>
+          <p:cNvSpPr/>
+          <p:nvPr/>
+        </p:nvSpPr>
+        <p:spPr>
+          <a:xfrm>
+            <a:off x="5747265" y="2335427"/>
+            <a:ext cx="1433463" cy="273303"/>
+          </a:xfrm>
+          <a:prstGeom prst="rect">
+            <a:avLst/>
+          </a:prstGeom>
+          <a:noFill/>
+          <a:ln w="28575">
+            <a:solidFill>
+              <a:srgbClr val="FFFF00"/>
+            </a:solidFill>
+          </a:ln>
+        </p:spPr>
+        <p:style>
+          <a:lnRef idx="2">
+            <a:schemeClr val="accent1">
+              <a:shade val="50000"/>
+            </a:schemeClr>
+          </a:lnRef>
+          <a:fillRef idx="1">
+            <a:schemeClr val="accent1"/>
+          </a:fillRef>
+          <a:effectRef idx="0">
+            <a:schemeClr val="accent1"/>
+          </a:effectRef>
+          <a:fontRef idx="minor">
+            <a:schemeClr val="lt1"/>
+          </a:fontRef>
+        </p:style>
+        <p:txBody>
+          <a:bodyPr rtlCol="0" anchor="ctr"/>
+          <a:lstStyle/>
+          <a:p>
+            <a:pPr algn="ctr"/>
+            <a:endParaRPr lang="en-IN"/>
+          </a:p>
+        </p:txBody>
+      </p:sp>
+      <p:sp>
+        <p:nvSpPr>
+          <p:cNvPr id="15" name="Rectangle 14"/>
+          <p:cNvSpPr/>
+          <p:nvPr/>
+        </p:nvSpPr>
+        <p:spPr>
+          <a:xfrm>
+            <a:off x="798748" y="640691"/>
+            <a:ext cx="6852628" cy="382384"/>
+          </a:xfrm>
+          <a:prstGeom prst="rect">
+            <a:avLst/>
+          </a:prstGeom>
+          <a:noFill/>
+          <a:ln w="28575">
+            <a:solidFill>
+              <a:schemeClr val="bg1"/>
+            </a:solidFill>
+          </a:ln>
+        </p:spPr>
+        <p:style>
+          <a:lnRef idx="2">
+            <a:schemeClr val="accent1">
+              <a:shade val="50000"/>
+            </a:schemeClr>
+          </a:lnRef>
+          <a:fillRef idx="1">
+            <a:schemeClr val="accent1"/>
+          </a:fillRef>
+          <a:effectRef idx="0">
+            <a:schemeClr val="accent1"/>
+          </a:effectRef>
+          <a:fontRef idx="minor">
+            <a:schemeClr val="lt1"/>
+          </a:fontRef>
+        </p:style>
+        <p:txBody>
+          <a:bodyPr rtlCol="0" anchor="ctr"/>
+          <a:lstStyle/>
+          <a:p>
+            <a:pPr algn="ctr"/>
+            <a:endParaRPr lang="en-IN"/>
+          </a:p>
+        </p:txBody>
+      </p:sp>
+      <p:sp>
+        <p:nvSpPr>
+          <p:cNvPr id="16" name="Rectangle 15"/>
+          <p:cNvSpPr/>
+          <p:nvPr/>
+        </p:nvSpPr>
+        <p:spPr>
+          <a:xfrm>
+            <a:off x="6509267" y="2838228"/>
+            <a:ext cx="5134436" cy="560615"/>
+          </a:xfrm>
+          <a:prstGeom prst="rect">
+            <a:avLst/>
+          </a:prstGeom>
+          <a:noFill/>
+          <a:ln w="28575">
+            <a:solidFill>
+              <a:schemeClr val="bg1"/>
+            </a:solidFill>
+          </a:ln>
+        </p:spPr>
+        <p:style>
+          <a:lnRef idx="2">
+            <a:schemeClr val="accent1">
+              <a:shade val="50000"/>
+            </a:schemeClr>
+          </a:lnRef>
+          <a:fillRef idx="1">
+            <a:schemeClr val="accent1"/>
+          </a:fillRef>
+          <a:effectRef idx="0">
+            <a:schemeClr val="accent1"/>
+          </a:effectRef>
+          <a:fontRef idx="minor">
+            <a:schemeClr val="lt1"/>
+          </a:fontRef>
+        </p:style>
+        <p:txBody>
+          <a:bodyPr rtlCol="0" anchor="ctr"/>
+          <a:lstStyle/>
+          <a:p>
+            <a:pPr algn="ctr"/>
+            <a:endParaRPr lang="en-IN"/>
+          </a:p>
+        </p:txBody>
+      </p:sp>
+      <p:sp>
+        <p:nvSpPr>
+          <p:cNvPr id="17" name="Rectangle 16"/>
+          <p:cNvSpPr/>
+          <p:nvPr/>
+        </p:nvSpPr>
+        <p:spPr>
+          <a:xfrm>
+            <a:off x="1351809" y="3003303"/>
+            <a:ext cx="2045052" cy="284253"/>
+          </a:xfrm>
+          <a:prstGeom prst="rect">
+            <a:avLst/>
+          </a:prstGeom>
+          <a:noFill/>
+          <a:ln w="28575">
+            <a:solidFill>
+              <a:schemeClr val="bg1"/>
+            </a:solidFill>
+          </a:ln>
+        </p:spPr>
+        <p:style>
+          <a:lnRef idx="2">
+            <a:schemeClr val="accent1">
+              <a:shade val="50000"/>
+            </a:schemeClr>
+          </a:lnRef>
+          <a:fillRef idx="1">
+            <a:schemeClr val="accent1"/>
+          </a:fillRef>
+          <a:effectRef idx="0">
+            <a:schemeClr val="accent1"/>
+          </a:effectRef>
+          <a:fontRef idx="minor">
+            <a:schemeClr val="lt1"/>
+          </a:fontRef>
+        </p:style>
+        <p:txBody>
+          <a:bodyPr rtlCol="0" anchor="ctr"/>
+          <a:lstStyle/>
+          <a:p>
+            <a:pPr algn="ctr"/>
+            <a:endParaRPr lang="en-IN"/>
+          </a:p>
+        </p:txBody>
+      </p:sp>
+    </p:spTree>
+    <p:extLst>
+      <p:ext uri="{BB962C8B-B14F-4D97-AF65-F5344CB8AC3E}">
+        <p14:creationId xmlns:p14="http://schemas.microsoft.com/office/powerpoint/2010/main" val="2425502039"/>
+      </p:ext>
+    </p:extLst>
+  </p:cSld>
+  <p:clrMapOvr>
+    <a:masterClrMapping/>
+  </p:clrMapOvr>
+  <p:timing>
+    <p:tnLst>
+      <p:par>
+        <p:cTn id="1" dur="indefinite" restart="never" nodeType="tmRoot"/>
+      </p:par>
+    </p:tnLst>
+  </p:timing>
+</p:sld>
+</file>
+
+<file path=ppt/slides/slide91.xml><?xml version="1.0" encoding="utf-8"?>
+<p:sld xmlns:a="http://schemas.openxmlformats.org/drawingml/2006/main" xmlns:r="http://schemas.openxmlformats.org/officeDocument/2006/relationships" xmlns:p="http://schemas.openxmlformats.org/presentationml/2006/main">
+  <p:cSld>
+    <p:spTree>
+      <p:nvGrpSpPr>
+        <p:cNvPr id="1" name=""/>
+        <p:cNvGrpSpPr/>
+        <p:nvPr/>
+      </p:nvGrpSpPr>
+      <p:grpSpPr>
+        <a:xfrm>
+          <a:off x="0" y="0"/>
+          <a:ext cx="0" cy="0"/>
+          <a:chOff x="0" y="0"/>
+          <a:chExt cx="0" cy="0"/>
+        </a:xfrm>
+      </p:grpSpPr>
+      <p:sp>
+        <p:nvSpPr>
+          <p:cNvPr id="4" name="Date Placeholder 3"/>
+          <p:cNvSpPr>
+            <a:spLocks noGrp="1"/>
+          </p:cNvSpPr>
+          <p:nvPr>
+            <p:ph type="dt" sz="half" idx="10"/>
+          </p:nvPr>
+        </p:nvSpPr>
+        <p:spPr/>
+        <p:txBody>
+          <a:bodyPr/>
+          <a:lstStyle/>
+          <a:p>
+            <a:r>
+              <a:rPr lang="en-US" smtClean="0"/>
+              <a:t>5/6/2019</a:t>
+            </a:r>
+            <a:endParaRPr lang="en-US" dirty="0"/>
+          </a:p>
+        </p:txBody>
+      </p:sp>
+      <p:sp>
+        <p:nvSpPr>
+          <p:cNvPr id="5" name="Slide Number Placeholder 4"/>
+          <p:cNvSpPr>
+            <a:spLocks noGrp="1"/>
+          </p:cNvSpPr>
+          <p:nvPr>
+            <p:ph type="sldNum" sz="quarter" idx="12"/>
+          </p:nvPr>
+        </p:nvSpPr>
+        <p:spPr/>
+        <p:txBody>
+          <a:bodyPr/>
+          <a:lstStyle/>
+          <a:p>
+            <a:fld id="{6D22F896-40B5-4ADD-8801-0D06FADFA095}" type="slidenum">
+              <a:rPr lang="en-US" smtClean="0"/>
+              <a:t>91</a:t>
+            </a:fld>
+            <a:endParaRPr lang="en-US" dirty="0"/>
+          </a:p>
+        </p:txBody>
+      </p:sp>
+      <p:pic>
+        <p:nvPicPr>
+          <p:cNvPr id="8" name="Picture 7"/>
+          <p:cNvPicPr>
+            <a:picLocks noChangeAspect="1"/>
+          </p:cNvPicPr>
+          <p:nvPr/>
+        </p:nvPicPr>
+        <p:blipFill>
+          <a:blip r:embed="rId2"/>
+          <a:stretch>
+            <a:fillRect/>
+          </a:stretch>
+        </p:blipFill>
+        <p:spPr>
+          <a:xfrm>
+            <a:off x="-1" y="0"/>
+            <a:ext cx="6195070" cy="5069540"/>
+          </a:xfrm>
+          <a:prstGeom prst="rect">
+            <a:avLst/>
+          </a:prstGeom>
+          <a:ln>
+            <a:solidFill>
+              <a:schemeClr val="bg1"/>
+            </a:solidFill>
+          </a:ln>
+        </p:spPr>
+      </p:pic>
+      <p:pic>
+        <p:nvPicPr>
+          <p:cNvPr id="9" name="Picture 8"/>
+          <p:cNvPicPr>
+            <a:picLocks noChangeAspect="1"/>
+          </p:cNvPicPr>
+          <p:nvPr/>
+        </p:nvPicPr>
+        <p:blipFill>
+          <a:blip r:embed="rId3"/>
+          <a:stretch>
+            <a:fillRect/>
+          </a:stretch>
+        </p:blipFill>
+        <p:spPr>
+          <a:xfrm>
+            <a:off x="6185308" y="-1"/>
+            <a:ext cx="6006692" cy="5069541"/>
+          </a:xfrm>
+          <a:prstGeom prst="rect">
+            <a:avLst/>
+          </a:prstGeom>
+          <a:ln>
+            <a:solidFill>
+              <a:schemeClr val="bg1"/>
+            </a:solidFill>
+          </a:ln>
+        </p:spPr>
+      </p:pic>
+      <p:sp>
+        <p:nvSpPr>
+          <p:cNvPr id="13" name="Rectangle 12"/>
+          <p:cNvSpPr/>
+          <p:nvPr/>
+        </p:nvSpPr>
+        <p:spPr>
+          <a:xfrm>
+            <a:off x="0" y="70956"/>
+            <a:ext cx="1448349" cy="224773"/>
+          </a:xfrm>
+          <a:prstGeom prst="rect">
+            <a:avLst/>
+          </a:prstGeom>
+          <a:noFill/>
+          <a:ln w="28575">
+            <a:solidFill>
+              <a:srgbClr val="FFFF00"/>
+            </a:solidFill>
+          </a:ln>
+        </p:spPr>
+        <p:style>
+          <a:lnRef idx="2">
+            <a:schemeClr val="accent1">
+              <a:shade val="50000"/>
+            </a:schemeClr>
+          </a:lnRef>
+          <a:fillRef idx="1">
+            <a:schemeClr val="accent1"/>
+          </a:fillRef>
+          <a:effectRef idx="0">
+            <a:schemeClr val="accent1"/>
+          </a:effectRef>
+          <a:fontRef idx="minor">
+            <a:schemeClr val="lt1"/>
+          </a:fontRef>
+        </p:style>
+        <p:txBody>
+          <a:bodyPr rtlCol="0" anchor="ctr"/>
+          <a:lstStyle/>
+          <a:p>
+            <a:pPr algn="ctr"/>
+            <a:endParaRPr lang="en-IN"/>
+          </a:p>
+        </p:txBody>
+      </p:sp>
+      <p:sp>
+        <p:nvSpPr>
+          <p:cNvPr id="14" name="Rectangle 13"/>
+          <p:cNvSpPr/>
+          <p:nvPr/>
+        </p:nvSpPr>
+        <p:spPr>
+          <a:xfrm>
+            <a:off x="6232026" y="57509"/>
+            <a:ext cx="1448349" cy="251561"/>
+          </a:xfrm>
+          <a:prstGeom prst="rect">
+            <a:avLst/>
+          </a:prstGeom>
+          <a:noFill/>
+          <a:ln w="28575">
+            <a:solidFill>
+              <a:srgbClr val="FFFF00"/>
+            </a:solidFill>
+          </a:ln>
+        </p:spPr>
+        <p:style>
+          <a:lnRef idx="2">
+            <a:schemeClr val="accent1">
+              <a:shade val="50000"/>
+            </a:schemeClr>
+          </a:lnRef>
+          <a:fillRef idx="1">
+            <a:schemeClr val="accent1"/>
+          </a:fillRef>
+          <a:effectRef idx="0">
+            <a:schemeClr val="accent1"/>
+          </a:effectRef>
+          <a:fontRef idx="minor">
+            <a:schemeClr val="lt1"/>
+          </a:fontRef>
+        </p:style>
+        <p:txBody>
+          <a:bodyPr rtlCol="0" anchor="ctr"/>
+          <a:lstStyle/>
+          <a:p>
+            <a:pPr algn="ctr"/>
+            <a:endParaRPr lang="en-IN"/>
+          </a:p>
+        </p:txBody>
+      </p:sp>
+      <p:sp>
+        <p:nvSpPr>
+          <p:cNvPr id="2" name="TextBox 1"/>
+          <p:cNvSpPr txBox="1"/>
+          <p:nvPr/>
+        </p:nvSpPr>
+        <p:spPr>
+          <a:xfrm>
+            <a:off x="4539396" y="5570679"/>
+            <a:ext cx="3081293" cy="369332"/>
+          </a:xfrm>
+          <a:prstGeom prst="rect">
+            <a:avLst/>
+          </a:prstGeom>
+          <a:noFill/>
+        </p:spPr>
+        <p:txBody>
+          <a:bodyPr wrap="none" rtlCol="0">
+            <a:spAutoFit/>
+          </a:bodyPr>
+          <a:lstStyle/>
+          <a:p>
+            <a:r>
+              <a:rPr lang="en-IN" b="1" dirty="0" smtClean="0"/>
+              <a:t>Check output by yours…..</a:t>
+            </a:r>
+            <a:endParaRPr lang="en-IN" b="1" dirty="0"/>
+          </a:p>
+        </p:txBody>
+      </p:sp>
+    </p:spTree>
+    <p:extLst>
+      <p:ext uri="{BB962C8B-B14F-4D97-AF65-F5344CB8AC3E}">
+        <p14:creationId xmlns:p14="http://schemas.microsoft.com/office/powerpoint/2010/main" val="993243628"/>
+      </p:ext>
+    </p:extLst>
+  </p:cSld>
+  <p:clrMapOvr>
+    <a:masterClrMapping/>
+  </p:clrMapOvr>
+  <p:timing>
+    <p:tnLst>
+      <p:par>
+        <p:cTn id="1" dur="indefinite" restart="never" nodeType="tmRoot"/>
+      </p:par>
+    </p:tnLst>
+  </p:timing>
+</p:sld>
+</file>
+
+<file path=ppt/slides/slide92.xml><?xml version="1.0" encoding="utf-8"?>
+<p:sld xmlns:a="http://schemas.openxmlformats.org/drawingml/2006/main" xmlns:r="http://schemas.openxmlformats.org/officeDocument/2006/relationships" xmlns:p="http://schemas.openxmlformats.org/presentationml/2006/main">
+  <p:cSld>
+    <p:spTree>
+      <p:nvGrpSpPr>
+        <p:cNvPr id="1" name=""/>
+        <p:cNvGrpSpPr/>
+        <p:nvPr/>
+      </p:nvGrpSpPr>
+      <p:grpSpPr>
+        <a:xfrm>
+          <a:off x="0" y="0"/>
+          <a:ext cx="0" cy="0"/>
+          <a:chOff x="0" y="0"/>
+          <a:chExt cx="0" cy="0"/>
+        </a:xfrm>
+      </p:grpSpPr>
+      <p:sp>
+        <p:nvSpPr>
+          <p:cNvPr id="4" name="Title 3"/>
+          <p:cNvSpPr>
+            <a:spLocks noGrp="1"/>
+          </p:cNvSpPr>
+          <p:nvPr>
+            <p:ph type="title"/>
+          </p:nvPr>
+        </p:nvSpPr>
+        <p:spPr/>
+        <p:txBody>
+          <a:bodyPr/>
+          <a:lstStyle/>
+          <a:p>
+            <a:r>
+              <a:rPr lang="en-IN" b="1" dirty="0" smtClean="0"/>
+              <a:t>21 </a:t>
+            </a:r>
+            <a:r>
+              <a:rPr lang="en-IN" b="1" dirty="0" smtClean="0"/>
+              <a:t>: </a:t>
+            </a:r>
+            <a:r>
+              <a:rPr lang="en-IN" b="1" dirty="0" smtClean="0"/>
+              <a:t>HTTP Error Handling</a:t>
+            </a:r>
+            <a:endParaRPr lang="en-IN" b="1" dirty="0"/>
+          </a:p>
+        </p:txBody>
+      </p:sp>
+      <p:sp>
+        <p:nvSpPr>
+          <p:cNvPr id="15" name="Slide Number Placeholder 14"/>
+          <p:cNvSpPr>
+            <a:spLocks noGrp="1"/>
+          </p:cNvSpPr>
+          <p:nvPr>
+            <p:ph type="sldNum" sz="quarter" idx="12"/>
+          </p:nvPr>
+        </p:nvSpPr>
+        <p:spPr/>
+        <p:txBody>
+          <a:bodyPr/>
+          <a:lstStyle/>
+          <a:p>
+            <a:fld id="{6D22F896-40B5-4ADD-8801-0D06FADFA095}" type="slidenum">
+              <a:rPr lang="en-US" smtClean="0"/>
+              <a:t>92</a:t>
+            </a:fld>
+            <a:endParaRPr lang="en-US" dirty="0"/>
+          </a:p>
+        </p:txBody>
+      </p:sp>
+      <p:sp>
+        <p:nvSpPr>
+          <p:cNvPr id="3" name="Text Placeholder 2"/>
+          <p:cNvSpPr>
+            <a:spLocks noGrp="1"/>
+          </p:cNvSpPr>
+          <p:nvPr>
+            <p:ph type="body" idx="1"/>
+          </p:nvPr>
+        </p:nvSpPr>
+        <p:spPr/>
+        <p:txBody>
+          <a:bodyPr/>
+          <a:lstStyle/>
+          <a:p>
+            <a:r>
+              <a:rPr lang="en-IN" dirty="0" smtClean="0"/>
+              <a:t>To inform the user if any error get occurs</a:t>
+            </a:r>
+            <a:endParaRPr lang="en-IN" dirty="0"/>
+          </a:p>
+        </p:txBody>
+      </p:sp>
+    </p:spTree>
+    <p:extLst>
+      <p:ext uri="{BB962C8B-B14F-4D97-AF65-F5344CB8AC3E}">
+        <p14:creationId xmlns:p14="http://schemas.microsoft.com/office/powerpoint/2010/main" val="2478738215"/>
+      </p:ext>
+    </p:extLst>
+  </p:cSld>
+  <p:clrMapOvr>
+    <a:masterClrMapping/>
+  </p:clrMapOvr>
+  <p:timing>
+    <p:tnLst>
+      <p:par>
+        <p:cTn id="1" dur="indefinite" restart="never" nodeType="tmRoot"/>
+      </p:par>
+    </p:tnLst>
+  </p:timing>
+</p:sld>
+</file>
+
+<file path=ppt/slides/slide93.xml><?xml version="1.0" encoding="utf-8"?>
+<p:sld xmlns:a="http://schemas.openxmlformats.org/drawingml/2006/main" xmlns:r="http://schemas.openxmlformats.org/officeDocument/2006/relationships" xmlns:p="http://schemas.openxmlformats.org/presentationml/2006/main">
+  <p:cSld>
+    <p:spTree>
+      <p:nvGrpSpPr>
+        <p:cNvPr id="1" name=""/>
+        <p:cNvGrpSpPr/>
+        <p:nvPr/>
+      </p:nvGrpSpPr>
+      <p:grpSpPr>
+        <a:xfrm>
+          <a:off x="0" y="0"/>
+          <a:ext cx="0" cy="0"/>
+          <a:chOff x="0" y="0"/>
+          <a:chExt cx="0" cy="0"/>
+        </a:xfrm>
+      </p:grpSpPr>
+      <p:sp>
+        <p:nvSpPr>
+          <p:cNvPr id="4" name="Date Placeholder 3"/>
+          <p:cNvSpPr>
+            <a:spLocks noGrp="1"/>
+          </p:cNvSpPr>
+          <p:nvPr>
+            <p:ph type="dt" sz="half" idx="10"/>
+          </p:nvPr>
+        </p:nvSpPr>
+        <p:spPr/>
+        <p:txBody>
+          <a:bodyPr/>
+          <a:lstStyle/>
+          <a:p>
+            <a:r>
+              <a:rPr lang="en-US" smtClean="0"/>
+              <a:t>5/6/2019</a:t>
+            </a:r>
+            <a:endParaRPr lang="en-US" dirty="0"/>
+          </a:p>
+        </p:txBody>
+      </p:sp>
+      <p:sp>
+        <p:nvSpPr>
+          <p:cNvPr id="5" name="Slide Number Placeholder 4"/>
+          <p:cNvSpPr>
+            <a:spLocks noGrp="1"/>
+          </p:cNvSpPr>
+          <p:nvPr>
+            <p:ph type="sldNum" sz="quarter" idx="12"/>
+          </p:nvPr>
+        </p:nvSpPr>
+        <p:spPr/>
+        <p:txBody>
+          <a:bodyPr/>
+          <a:lstStyle/>
+          <a:p>
+            <a:fld id="{6D22F896-40B5-4ADD-8801-0D06FADFA095}" type="slidenum">
+              <a:rPr lang="en-US" smtClean="0"/>
+              <a:t>93</a:t>
+            </a:fld>
+            <a:endParaRPr lang="en-US" dirty="0"/>
+          </a:p>
+        </p:txBody>
+      </p:sp>
+      <p:pic>
+        <p:nvPicPr>
+          <p:cNvPr id="6" name="Picture 5"/>
+          <p:cNvPicPr>
+            <a:picLocks noChangeAspect="1"/>
+          </p:cNvPicPr>
+          <p:nvPr/>
+        </p:nvPicPr>
+        <p:blipFill>
+          <a:blip r:embed="rId2"/>
+          <a:stretch>
+            <a:fillRect/>
+          </a:stretch>
+        </p:blipFill>
+        <p:spPr>
+          <a:xfrm>
+            <a:off x="5838454" y="0"/>
+            <a:ext cx="6353546" cy="5150223"/>
+          </a:xfrm>
+          <a:prstGeom prst="rect">
+            <a:avLst/>
+          </a:prstGeom>
+          <a:ln>
+            <a:solidFill>
+              <a:schemeClr val="bg1"/>
+            </a:solidFill>
+          </a:ln>
+        </p:spPr>
+      </p:pic>
+      <p:pic>
+        <p:nvPicPr>
+          <p:cNvPr id="7" name="Picture 6"/>
+          <p:cNvPicPr>
+            <a:picLocks noChangeAspect="1"/>
+          </p:cNvPicPr>
+          <p:nvPr/>
+        </p:nvPicPr>
+        <p:blipFill>
+          <a:blip r:embed="rId3"/>
+          <a:stretch>
+            <a:fillRect/>
+          </a:stretch>
+        </p:blipFill>
+        <p:spPr>
+          <a:xfrm>
+            <a:off x="0" y="0"/>
+            <a:ext cx="5849471" cy="5477389"/>
           </a:xfrm>
           <a:prstGeom prst="rect">
             <a:avLst/>
@@ -46945,66 +47698,8 @@
         </p:blipFill>
         <p:spPr>
           <a:xfrm>
-            <a:off x="-1" y="3292715"/>
-            <a:ext cx="4410635" cy="3609304"/>
-          </a:xfrm>
-          <a:prstGeom prst="rect">
-            <a:avLst/>
-          </a:prstGeom>
-          <a:ln>
-            <a:solidFill>
-              <a:schemeClr val="bg1"/>
-            </a:solidFill>
-          </a:ln>
-        </p:spPr>
-      </p:pic>
-      <p:pic>
-        <p:nvPicPr>
-          <p:cNvPr id="9" name="Picture 8"/>
-          <p:cNvPicPr>
-            <a:picLocks noChangeAspect="1"/>
-          </p:cNvPicPr>
-          <p:nvPr/>
-        </p:nvPicPr>
-        <p:blipFill>
-          <a:blip r:embed="rId5"/>
-          <a:stretch>
-            <a:fillRect/>
-          </a:stretch>
-        </p:blipFill>
-        <p:spPr>
-          <a:xfrm>
-            <a:off x="4410634" y="3292715"/>
-            <a:ext cx="4262719" cy="3597659"/>
-          </a:xfrm>
-          <a:prstGeom prst="rect">
-            <a:avLst/>
-          </a:prstGeom>
-          <a:ln>
-            <a:solidFill>
-              <a:schemeClr val="bg1"/>
-            </a:solidFill>
-          </a:ln>
-        </p:spPr>
-      </p:pic>
-      <p:pic>
-        <p:nvPicPr>
-          <p:cNvPr id="10" name="Picture 9"/>
-          <p:cNvPicPr>
-            <a:picLocks noChangeAspect="1"/>
-          </p:cNvPicPr>
-          <p:nvPr/>
-        </p:nvPicPr>
-        <p:blipFill>
-          <a:blip r:embed="rId6"/>
-          <a:stretch>
-            <a:fillRect/>
-          </a:stretch>
-        </p:blipFill>
-        <p:spPr>
-          <a:xfrm>
-            <a:off x="8727139" y="3323312"/>
-            <a:ext cx="2066541" cy="3373325"/>
+            <a:off x="4070257" y="4954605"/>
+            <a:ext cx="4791354" cy="1822714"/>
           </a:xfrm>
           <a:prstGeom prst="rect">
             <a:avLst/>
@@ -47018,332 +47713,93 @@
           </a:ln>
         </p:spPr>
       </p:pic>
-      <p:sp>
-        <p:nvSpPr>
-          <p:cNvPr id="11" name="Rectangle 10"/>
-          <p:cNvSpPr/>
-          <p:nvPr/>
-        </p:nvSpPr>
-        <p:spPr>
-          <a:xfrm>
-            <a:off x="2355" y="17274"/>
-            <a:ext cx="989242" cy="251561"/>
-          </a:xfrm>
-          <a:prstGeom prst="rect">
-            <a:avLst/>
-          </a:prstGeom>
-          <a:noFill/>
-          <a:ln w="28575">
-            <a:solidFill>
-              <a:srgbClr val="FFFF00"/>
-            </a:solidFill>
-          </a:ln>
-        </p:spPr>
-        <p:style>
-          <a:lnRef idx="2">
-            <a:schemeClr val="accent1">
-              <a:shade val="50000"/>
-            </a:schemeClr>
-          </a:lnRef>
-          <a:fillRef idx="1">
-            <a:schemeClr val="accent1"/>
-          </a:fillRef>
-          <a:effectRef idx="0">
-            <a:schemeClr val="accent1"/>
-          </a:effectRef>
-          <a:fontRef idx="minor">
-            <a:schemeClr val="lt1"/>
-          </a:fontRef>
-        </p:style>
-        <p:txBody>
-          <a:bodyPr rtlCol="0" anchor="ctr"/>
-          <a:lstStyle/>
-          <a:p>
-            <a:pPr algn="ctr"/>
-            <a:endParaRPr lang="en-IN"/>
-          </a:p>
-        </p:txBody>
-      </p:sp>
-      <p:sp>
-        <p:nvSpPr>
-          <p:cNvPr id="12" name="Rectangle 11"/>
-          <p:cNvSpPr/>
-          <p:nvPr/>
-        </p:nvSpPr>
-        <p:spPr>
-          <a:xfrm>
-            <a:off x="6860355" y="30615"/>
-            <a:ext cx="989242" cy="251561"/>
-          </a:xfrm>
-          <a:prstGeom prst="rect">
-            <a:avLst/>
-          </a:prstGeom>
-          <a:noFill/>
-          <a:ln w="28575">
-            <a:solidFill>
-              <a:srgbClr val="FFFF00"/>
-            </a:solidFill>
-          </a:ln>
-        </p:spPr>
-        <p:style>
-          <a:lnRef idx="2">
-            <a:schemeClr val="accent1">
-              <a:shade val="50000"/>
-            </a:schemeClr>
-          </a:lnRef>
-          <a:fillRef idx="1">
-            <a:schemeClr val="accent1"/>
-          </a:fillRef>
-          <a:effectRef idx="0">
-            <a:schemeClr val="accent1"/>
-          </a:effectRef>
-          <a:fontRef idx="minor">
-            <a:schemeClr val="lt1"/>
-          </a:fontRef>
-        </p:style>
-        <p:txBody>
-          <a:bodyPr rtlCol="0" anchor="ctr"/>
-          <a:lstStyle/>
-          <a:p>
-            <a:pPr algn="ctr"/>
-            <a:endParaRPr lang="en-IN"/>
-          </a:p>
-        </p:txBody>
-      </p:sp>
-      <p:sp>
-        <p:nvSpPr>
-          <p:cNvPr id="13" name="Rectangle 12"/>
-          <p:cNvSpPr/>
-          <p:nvPr/>
-        </p:nvSpPr>
-        <p:spPr>
-          <a:xfrm>
-            <a:off x="42696" y="3292715"/>
-            <a:ext cx="989242" cy="251561"/>
-          </a:xfrm>
-          <a:prstGeom prst="rect">
-            <a:avLst/>
-          </a:prstGeom>
-          <a:noFill/>
-          <a:ln w="28575">
-            <a:solidFill>
-              <a:srgbClr val="FFFF00"/>
-            </a:solidFill>
-          </a:ln>
-        </p:spPr>
-        <p:style>
-          <a:lnRef idx="2">
-            <a:schemeClr val="accent1">
-              <a:shade val="50000"/>
-            </a:schemeClr>
-          </a:lnRef>
-          <a:fillRef idx="1">
-            <a:schemeClr val="accent1"/>
-          </a:fillRef>
-          <a:effectRef idx="0">
-            <a:schemeClr val="accent1"/>
-          </a:effectRef>
-          <a:fontRef idx="minor">
-            <a:schemeClr val="lt1"/>
-          </a:fontRef>
-        </p:style>
-        <p:txBody>
-          <a:bodyPr rtlCol="0" anchor="ctr"/>
-          <a:lstStyle/>
-          <a:p>
-            <a:pPr algn="ctr"/>
-            <a:endParaRPr lang="en-IN"/>
-          </a:p>
-        </p:txBody>
-      </p:sp>
-      <p:sp>
-        <p:nvSpPr>
-          <p:cNvPr id="14" name="Rectangle 13"/>
-          <p:cNvSpPr/>
-          <p:nvPr/>
-        </p:nvSpPr>
-        <p:spPr>
-          <a:xfrm>
-            <a:off x="7218352" y="3321210"/>
-            <a:ext cx="1088166" cy="228692"/>
-          </a:xfrm>
-          <a:prstGeom prst="rect">
-            <a:avLst/>
-          </a:prstGeom>
-          <a:noFill/>
-          <a:ln w="28575">
-            <a:solidFill>
-              <a:srgbClr val="FFFF00"/>
-            </a:solidFill>
-          </a:ln>
-        </p:spPr>
-        <p:style>
-          <a:lnRef idx="2">
-            <a:schemeClr val="accent1">
-              <a:shade val="50000"/>
-            </a:schemeClr>
-          </a:lnRef>
-          <a:fillRef idx="1">
-            <a:schemeClr val="accent1"/>
-          </a:fillRef>
-          <a:effectRef idx="0">
-            <a:schemeClr val="accent1"/>
-          </a:effectRef>
-          <a:fontRef idx="minor">
-            <a:schemeClr val="lt1"/>
-          </a:fontRef>
-        </p:style>
-        <p:txBody>
-          <a:bodyPr rtlCol="0" anchor="ctr"/>
-          <a:lstStyle/>
-          <a:p>
-            <a:pPr algn="ctr"/>
-            <a:endParaRPr lang="en-IN"/>
-          </a:p>
-        </p:txBody>
-      </p:sp>
-      <p:sp>
-        <p:nvSpPr>
-          <p:cNvPr id="15" name="Rectangle 14"/>
-          <p:cNvSpPr/>
-          <p:nvPr/>
-        </p:nvSpPr>
-        <p:spPr>
-          <a:xfrm>
-            <a:off x="529807" y="450880"/>
-            <a:ext cx="4822122" cy="234920"/>
-          </a:xfrm>
-          <a:prstGeom prst="rect">
-            <a:avLst/>
-          </a:prstGeom>
-          <a:noFill/>
-          <a:ln w="28575">
-            <a:solidFill>
-              <a:schemeClr val="bg1"/>
-            </a:solidFill>
-          </a:ln>
-        </p:spPr>
-        <p:style>
-          <a:lnRef idx="2">
-            <a:schemeClr val="accent1">
-              <a:shade val="50000"/>
-            </a:schemeClr>
-          </a:lnRef>
-          <a:fillRef idx="1">
-            <a:schemeClr val="accent1"/>
-          </a:fillRef>
-          <a:effectRef idx="0">
-            <a:schemeClr val="accent1"/>
-          </a:effectRef>
-          <a:fontRef idx="minor">
-            <a:schemeClr val="lt1"/>
-          </a:fontRef>
-        </p:style>
-        <p:txBody>
-          <a:bodyPr rtlCol="0" anchor="ctr"/>
-          <a:lstStyle/>
-          <a:p>
-            <a:pPr algn="ctr"/>
-            <a:endParaRPr lang="en-IN"/>
-          </a:p>
-        </p:txBody>
-      </p:sp>
-      <p:sp>
-        <p:nvSpPr>
-          <p:cNvPr id="16" name="Rectangle 15"/>
-          <p:cNvSpPr/>
-          <p:nvPr/>
-        </p:nvSpPr>
-        <p:spPr>
-          <a:xfrm>
-            <a:off x="7347466" y="444651"/>
-            <a:ext cx="3843273" cy="375619"/>
-          </a:xfrm>
-          <a:prstGeom prst="rect">
-            <a:avLst/>
-          </a:prstGeom>
-          <a:noFill/>
-          <a:ln w="28575">
-            <a:solidFill>
-              <a:schemeClr val="bg1"/>
-            </a:solidFill>
-          </a:ln>
-        </p:spPr>
-        <p:style>
-          <a:lnRef idx="2">
-            <a:schemeClr val="accent1">
-              <a:shade val="50000"/>
-            </a:schemeClr>
-          </a:lnRef>
-          <a:fillRef idx="1">
-            <a:schemeClr val="accent1"/>
-          </a:fillRef>
-          <a:effectRef idx="0">
-            <a:schemeClr val="accent1"/>
-          </a:effectRef>
-          <a:fontRef idx="minor">
-            <a:schemeClr val="lt1"/>
-          </a:fontRef>
-        </p:style>
-        <p:txBody>
-          <a:bodyPr rtlCol="0" anchor="ctr"/>
-          <a:lstStyle/>
-          <a:p>
-            <a:pPr algn="ctr"/>
-            <a:endParaRPr lang="en-IN"/>
-          </a:p>
-        </p:txBody>
-      </p:sp>
-      <p:sp>
-        <p:nvSpPr>
-          <p:cNvPr id="17" name="Rectangle 16"/>
-          <p:cNvSpPr/>
-          <p:nvPr/>
-        </p:nvSpPr>
-        <p:spPr>
-          <a:xfrm>
-            <a:off x="886194" y="2039185"/>
-            <a:ext cx="1536477" cy="234920"/>
-          </a:xfrm>
-          <a:prstGeom prst="rect">
-            <a:avLst/>
-          </a:prstGeom>
-          <a:noFill/>
-          <a:ln w="28575">
-            <a:solidFill>
-              <a:schemeClr val="bg1"/>
-            </a:solidFill>
-          </a:ln>
-        </p:spPr>
-        <p:style>
-          <a:lnRef idx="2">
-            <a:schemeClr val="accent1">
-              <a:shade val="50000"/>
-            </a:schemeClr>
-          </a:lnRef>
-          <a:fillRef idx="1">
-            <a:schemeClr val="accent1"/>
-          </a:fillRef>
-          <a:effectRef idx="0">
-            <a:schemeClr val="accent1"/>
-          </a:effectRef>
-          <a:fontRef idx="minor">
-            <a:schemeClr val="lt1"/>
-          </a:fontRef>
-        </p:style>
-        <p:txBody>
-          <a:bodyPr rtlCol="0" anchor="ctr"/>
-          <a:lstStyle/>
-          <a:p>
-            <a:pPr algn="ctr"/>
-            <a:endParaRPr lang="en-IN"/>
-          </a:p>
-        </p:txBody>
-      </p:sp>
     </p:spTree>
     <p:extLst>
       <p:ext uri="{BB962C8B-B14F-4D97-AF65-F5344CB8AC3E}">
-        <p14:creationId xmlns:p14="http://schemas.microsoft.com/office/powerpoint/2010/main" val="2425502039"/>
+        <p14:creationId xmlns:p14="http://schemas.microsoft.com/office/powerpoint/2010/main" val="3961482246"/>
+      </p:ext>
+    </p:extLst>
+  </p:cSld>
+  <p:clrMapOvr>
+    <a:masterClrMapping/>
+  </p:clrMapOvr>
+  <p:timing>
+    <p:tnLst>
+      <p:par>
+        <p:cTn id="1" dur="indefinite" restart="never" nodeType="tmRoot"/>
+      </p:par>
+    </p:tnLst>
+  </p:timing>
+</p:sld>
+</file>
+
+<file path=ppt/slides/slide94.xml><?xml version="1.0" encoding="utf-8"?>
+<p:sld xmlns:a="http://schemas.openxmlformats.org/drawingml/2006/main" xmlns:r="http://schemas.openxmlformats.org/officeDocument/2006/relationships" xmlns:p="http://schemas.openxmlformats.org/presentationml/2006/main">
+  <p:cSld>
+    <p:spTree>
+      <p:nvGrpSpPr>
+        <p:cNvPr id="1" name=""/>
+        <p:cNvGrpSpPr/>
+        <p:nvPr/>
+      </p:nvGrpSpPr>
+      <p:grpSpPr>
+        <a:xfrm>
+          <a:off x="0" y="0"/>
+          <a:ext cx="0" cy="0"/>
+          <a:chOff x="0" y="0"/>
+          <a:chExt cx="0" cy="0"/>
+        </a:xfrm>
+      </p:grpSpPr>
+      <p:sp>
+        <p:nvSpPr>
+          <p:cNvPr id="4" name="Date Placeholder 3"/>
+          <p:cNvSpPr>
+            <a:spLocks noGrp="1"/>
+          </p:cNvSpPr>
+          <p:nvPr>
+            <p:ph type="dt" sz="half" idx="10"/>
+          </p:nvPr>
+        </p:nvSpPr>
+        <p:spPr/>
+        <p:txBody>
+          <a:bodyPr/>
+          <a:lstStyle/>
+          <a:p>
+            <a:r>
+              <a:rPr lang="en-US" smtClean="0"/>
+              <a:t>5/6/2019</a:t>
+            </a:r>
+            <a:endParaRPr lang="en-US" dirty="0"/>
+          </a:p>
+        </p:txBody>
+      </p:sp>
+      <p:sp>
+        <p:nvSpPr>
+          <p:cNvPr id="5" name="Slide Number Placeholder 4"/>
+          <p:cNvSpPr>
+            <a:spLocks noGrp="1"/>
+          </p:cNvSpPr>
+          <p:nvPr>
+            <p:ph type="sldNum" sz="quarter" idx="12"/>
+          </p:nvPr>
+        </p:nvSpPr>
+        <p:spPr/>
+        <p:txBody>
+          <a:bodyPr/>
+          <a:lstStyle/>
+          <a:p>
+            <a:fld id="{6D22F896-40B5-4ADD-8801-0D06FADFA095}" type="slidenum">
+              <a:rPr lang="en-US" smtClean="0"/>
+              <a:t>94</a:t>
+            </a:fld>
+            <a:endParaRPr lang="en-US" dirty="0"/>
+          </a:p>
+        </p:txBody>
+      </p:sp>
+    </p:spTree>
+    <p:extLst>
+      <p:ext uri="{BB962C8B-B14F-4D97-AF65-F5344CB8AC3E}">
+        <p14:creationId xmlns:p14="http://schemas.microsoft.com/office/powerpoint/2010/main" val="1922325626"/>
       </p:ext>
     </p:extLst>
   </p:cSld>

--- a/Angular Presentation.pptx
+++ b/Angular Presentation.pptx
@@ -47750,6 +47750,48 @@
           <a:chExt cx="0" cy="0"/>
         </a:xfrm>
       </p:grpSpPr>
+      <p:sp>
+        <p:nvSpPr>
+          <p:cNvPr id="3" name="Title 2"/>
+          <p:cNvSpPr>
+            <a:spLocks noGrp="1"/>
+          </p:cNvSpPr>
+          <p:nvPr>
+            <p:ph type="title"/>
+          </p:nvPr>
+        </p:nvSpPr>
+        <p:spPr/>
+        <p:txBody>
+          <a:bodyPr/>
+          <a:lstStyle/>
+          <a:p>
+            <a:r>
+              <a:rPr lang="en-IN" b="1" dirty="0" smtClean="0"/>
+              <a:t>22. Routing &amp; Navigation</a:t>
+            </a:r>
+            <a:endParaRPr lang="en-IN" b="1" dirty="0"/>
+          </a:p>
+        </p:txBody>
+      </p:sp>
+      <p:sp>
+        <p:nvSpPr>
+          <p:cNvPr id="7" name="Text Placeholder 6"/>
+          <p:cNvSpPr>
+            <a:spLocks noGrp="1"/>
+          </p:cNvSpPr>
+          <p:nvPr>
+            <p:ph type="body" idx="1"/>
+          </p:nvPr>
+        </p:nvSpPr>
+        <p:spPr/>
+        <p:txBody>
+          <a:bodyPr/>
+          <a:lstStyle/>
+          <a:p>
+            <a:endParaRPr lang="en-IN"/>
+          </a:p>
+        </p:txBody>
+      </p:sp>
       <p:sp>
         <p:nvSpPr>
           <p:cNvPr id="4" name="Date Placeholder 3"/>

--- a/Angular Presentation.pptx
+++ b/Angular Presentation.pptx
@@ -5,7 +5,7 @@
     <p:sldMasterId id="2147483723" r:id="rId1"/>
   </p:sldMasterIdLst>
   <p:notesMasterIdLst>
-    <p:notesMasterId r:id="rId96"/>
+    <p:notesMasterId r:id="rId97"/>
   </p:notesMasterIdLst>
   <p:sldIdLst>
     <p:sldId id="256" r:id="rId2"/>
@@ -102,6 +102,7 @@
     <p:sldId id="372" r:id="rId93"/>
     <p:sldId id="374" r:id="rId94"/>
     <p:sldId id="375" r:id="rId95"/>
+    <p:sldId id="376" r:id="rId96"/>
   </p:sldIdLst>
   <p:sldSz cx="12192000" cy="6858000"/>
   <p:notesSz cx="6858000" cy="9144000"/>
@@ -47855,6 +47856,215 @@
       </p:par>
     </p:tnLst>
   </p:timing>
+</p:sld>
+</file>
+
+<file path=ppt/slides/slide95.xml><?xml version="1.0" encoding="utf-8"?>
+<p:sld xmlns:a="http://schemas.openxmlformats.org/drawingml/2006/main" xmlns:r="http://schemas.openxmlformats.org/officeDocument/2006/relationships" xmlns:p="http://schemas.openxmlformats.org/presentationml/2006/main">
+  <p:cSld>
+    <p:spTree>
+      <p:nvGrpSpPr>
+        <p:cNvPr id="1" name=""/>
+        <p:cNvGrpSpPr/>
+        <p:nvPr/>
+      </p:nvGrpSpPr>
+      <p:grpSpPr>
+        <a:xfrm>
+          <a:off x="0" y="0"/>
+          <a:ext cx="0" cy="0"/>
+          <a:chOff x="0" y="0"/>
+          <a:chExt cx="0" cy="0"/>
+        </a:xfrm>
+      </p:grpSpPr>
+      <p:sp>
+        <p:nvSpPr>
+          <p:cNvPr id="6" name="Title 5"/>
+          <p:cNvSpPr>
+            <a:spLocks noGrp="1"/>
+          </p:cNvSpPr>
+          <p:nvPr>
+            <p:ph type="title"/>
+          </p:nvPr>
+        </p:nvSpPr>
+        <p:spPr/>
+        <p:txBody>
+          <a:bodyPr/>
+          <a:lstStyle/>
+          <a:p>
+            <a:r>
+              <a:rPr lang="en-IN" b="1" dirty="0" smtClean="0"/>
+              <a:t>22.1 Routing</a:t>
+            </a:r>
+            <a:endParaRPr lang="en-IN" b="1" dirty="0"/>
+          </a:p>
+        </p:txBody>
+      </p:sp>
+      <p:sp>
+        <p:nvSpPr>
+          <p:cNvPr id="7" name="Content Placeholder 6"/>
+          <p:cNvSpPr>
+            <a:spLocks noGrp="1"/>
+          </p:cNvSpPr>
+          <p:nvPr>
+            <p:ph idx="1"/>
+          </p:nvPr>
+        </p:nvSpPr>
+        <p:spPr/>
+        <p:txBody>
+          <a:bodyPr/>
+          <a:lstStyle/>
+          <a:p>
+            <a:r>
+              <a:rPr lang="en-IN" dirty="0" smtClean="0"/>
+              <a:t>A way to navigate between views when the user performs a operation</a:t>
+            </a:r>
+          </a:p>
+          <a:p>
+            <a:r>
+              <a:rPr lang="en-IN" dirty="0" smtClean="0"/>
+              <a:t>Generate a project with routing option</a:t>
+            </a:r>
+          </a:p>
+          <a:p>
+            <a:r>
+              <a:rPr lang="en-IN" dirty="0" smtClean="0"/>
+              <a:t>Generate Department List and Employee List Component</a:t>
+            </a:r>
+          </a:p>
+          <a:p>
+            <a:r>
+              <a:rPr lang="en-IN" dirty="0" smtClean="0"/>
+              <a:t>Configure the routes</a:t>
+            </a:r>
+          </a:p>
+          <a:p>
+            <a:r>
+              <a:rPr lang="en-IN" dirty="0" smtClean="0"/>
+              <a:t>Add Buttons and use directives to navigate</a:t>
+            </a:r>
+          </a:p>
+          <a:p>
+            <a:endParaRPr lang="en-IN" dirty="0"/>
+          </a:p>
+          <a:p>
+            <a:pPr marL="0" indent="0">
+              <a:buNone/>
+            </a:pPr>
+            <a:r>
+              <a:rPr lang="en-IN" dirty="0" smtClean="0"/>
+              <a:t>Create a component with inline template and inline style</a:t>
+            </a:r>
+          </a:p>
+          <a:p>
+            <a:pPr marL="0" indent="0">
+              <a:buNone/>
+            </a:pPr>
+            <a:r>
+              <a:rPr lang="en-IN" b="1" dirty="0">
+                <a:solidFill>
+                  <a:schemeClr val="accent1">
+                    <a:lumMod val="75000"/>
+                  </a:schemeClr>
+                </a:solidFill>
+              </a:rPr>
+              <a:t>n</a:t>
+            </a:r>
+            <a:r>
+              <a:rPr lang="en-IN" b="1" dirty="0" smtClean="0">
+                <a:solidFill>
+                  <a:schemeClr val="accent1">
+                    <a:lumMod val="75000"/>
+                  </a:schemeClr>
+                </a:solidFill>
+              </a:rPr>
+              <a:t>g g c </a:t>
+            </a:r>
+            <a:r>
+              <a:rPr lang="en-IN" b="1" dirty="0" err="1" smtClean="0">
+                <a:solidFill>
+                  <a:schemeClr val="accent1">
+                    <a:lumMod val="75000"/>
+                  </a:schemeClr>
+                </a:solidFill>
+              </a:rPr>
+              <a:t>emp</a:t>
+            </a:r>
+            <a:r>
+              <a:rPr lang="en-IN" b="1" dirty="0" smtClean="0">
+                <a:solidFill>
+                  <a:schemeClr val="accent1">
+                    <a:lumMod val="75000"/>
+                  </a:schemeClr>
+                </a:solidFill>
+              </a:rPr>
+              <a:t>-list –it -is</a:t>
+            </a:r>
+            <a:endParaRPr lang="en-IN" b="1" dirty="0">
+              <a:solidFill>
+                <a:schemeClr val="accent1">
+                  <a:lumMod val="75000"/>
+                </a:schemeClr>
+              </a:solidFill>
+            </a:endParaRPr>
+          </a:p>
+        </p:txBody>
+      </p:sp>
+      <p:sp>
+        <p:nvSpPr>
+          <p:cNvPr id="4" name="Date Placeholder 3"/>
+          <p:cNvSpPr>
+            <a:spLocks noGrp="1"/>
+          </p:cNvSpPr>
+          <p:nvPr>
+            <p:ph type="dt" sz="half" idx="10"/>
+          </p:nvPr>
+        </p:nvSpPr>
+        <p:spPr/>
+        <p:txBody>
+          <a:bodyPr/>
+          <a:lstStyle/>
+          <a:p>
+            <a:r>
+              <a:rPr lang="en-US" smtClean="0"/>
+              <a:t>5/6/2019</a:t>
+            </a:r>
+            <a:endParaRPr lang="en-US" dirty="0"/>
+          </a:p>
+        </p:txBody>
+      </p:sp>
+      <p:sp>
+        <p:nvSpPr>
+          <p:cNvPr id="5" name="Slide Number Placeholder 4"/>
+          <p:cNvSpPr>
+            <a:spLocks noGrp="1"/>
+          </p:cNvSpPr>
+          <p:nvPr>
+            <p:ph type="sldNum" sz="quarter" idx="12"/>
+          </p:nvPr>
+        </p:nvSpPr>
+        <p:spPr/>
+        <p:txBody>
+          <a:bodyPr/>
+          <a:lstStyle/>
+          <a:p>
+            <a:fld id="{6D22F896-40B5-4ADD-8801-0D06FADFA095}" type="slidenum">
+              <a:rPr lang="en-US" smtClean="0"/>
+              <a:t>95</a:t>
+            </a:fld>
+            <a:endParaRPr lang="en-US" dirty="0"/>
+          </a:p>
+        </p:txBody>
+      </p:sp>
+    </p:spTree>
+    <p:extLst>
+      <p:ext uri="{BB962C8B-B14F-4D97-AF65-F5344CB8AC3E}">
+        <p14:creationId xmlns:p14="http://schemas.microsoft.com/office/powerpoint/2010/main" val="4097238813"/>
+      </p:ext>
+    </p:extLst>
+  </p:cSld>
+  <p:clrMapOvr>
+    <a:masterClrMapping/>
+  </p:clrMapOvr>
 </p:sld>
 </file>
 

--- a/Angular Presentation.pptx
+++ b/Angular Presentation.pptx
@@ -5,7 +5,7 @@
     <p:sldMasterId id="2147483723" r:id="rId1"/>
   </p:sldMasterIdLst>
   <p:notesMasterIdLst>
-    <p:notesMasterId r:id="rId97"/>
+    <p:notesMasterId r:id="rId98"/>
   </p:notesMasterIdLst>
   <p:sldIdLst>
     <p:sldId id="256" r:id="rId2"/>
@@ -101,8 +101,9 @@
     <p:sldId id="373" r:id="rId92"/>
     <p:sldId id="372" r:id="rId93"/>
     <p:sldId id="374" r:id="rId94"/>
-    <p:sldId id="375" r:id="rId95"/>
-    <p:sldId id="376" r:id="rId96"/>
+    <p:sldId id="376" r:id="rId95"/>
+    <p:sldId id="377" r:id="rId96"/>
+    <p:sldId id="378" r:id="rId97"/>
   </p:sldIdLst>
   <p:sldSz cx="12192000" cy="6858000"/>
   <p:notesSz cx="6858000" cy="9144000"/>
@@ -47753,7 +47754,7 @@
       </p:grpSpPr>
       <p:sp>
         <p:nvSpPr>
-          <p:cNvPr id="3" name="Title 2"/>
+          <p:cNvPr id="6" name="Title 5"/>
           <p:cNvSpPr>
             <a:spLocks noGrp="1"/>
           </p:cNvSpPr>
@@ -47767,8 +47768,12 @@
           <a:lstStyle/>
           <a:p>
             <a:r>
+              <a:rPr lang="en-IN" b="1" smtClean="0"/>
+              <a:t>22. </a:t>
+            </a:r>
+            <a:r>
               <a:rPr lang="en-IN" b="1" dirty="0" smtClean="0"/>
-              <a:t>22. Routing &amp; Navigation</a:t>
+              <a:t>Routing &amp; Navigation</a:t>
             </a:r>
             <a:endParaRPr lang="en-IN" b="1" dirty="0"/>
           </a:p>
@@ -47776,12 +47781,12 @@
       </p:sp>
       <p:sp>
         <p:nvSpPr>
-          <p:cNvPr id="7" name="Text Placeholder 6"/>
+          <p:cNvPr id="7" name="Content Placeholder 6"/>
           <p:cNvSpPr>
             <a:spLocks noGrp="1"/>
           </p:cNvSpPr>
           <p:nvPr>
-            <p:ph type="body" idx="1"/>
+            <p:ph idx="1"/>
           </p:nvPr>
         </p:nvSpPr>
         <p:spPr/>
@@ -47789,7 +47794,98 @@
           <a:bodyPr/>
           <a:lstStyle/>
           <a:p>
-            <a:endParaRPr lang="en-IN"/>
+            <a:r>
+              <a:rPr lang="en-IN" dirty="0" smtClean="0"/>
+              <a:t>A way to navigate between views when the user performs a operation</a:t>
+            </a:r>
+          </a:p>
+          <a:p>
+            <a:r>
+              <a:rPr lang="en-IN" dirty="0" smtClean="0"/>
+              <a:t>Generate a project with routing option</a:t>
+            </a:r>
+          </a:p>
+          <a:p>
+            <a:r>
+              <a:rPr lang="en-IN" dirty="0" smtClean="0"/>
+              <a:t>Generate Department List and Employee List Component</a:t>
+            </a:r>
+          </a:p>
+          <a:p>
+            <a:r>
+              <a:rPr lang="en-IN" dirty="0" smtClean="0"/>
+              <a:t>Configure the routes</a:t>
+            </a:r>
+          </a:p>
+          <a:p>
+            <a:r>
+              <a:rPr lang="en-IN" dirty="0" smtClean="0"/>
+              <a:t>Add Buttons and use directives to navigate</a:t>
+            </a:r>
+          </a:p>
+          <a:p>
+            <a:endParaRPr lang="en-IN" dirty="0"/>
+          </a:p>
+          <a:p>
+            <a:pPr marL="0" indent="0">
+              <a:buNone/>
+            </a:pPr>
+            <a:r>
+              <a:rPr lang="en-IN" dirty="0" smtClean="0"/>
+              <a:t>Create a component with inline template and inline style</a:t>
+            </a:r>
+          </a:p>
+          <a:p>
+            <a:pPr marL="0" indent="0">
+              <a:buNone/>
+            </a:pPr>
+            <a:r>
+              <a:rPr lang="en-IN" b="1" dirty="0">
+                <a:solidFill>
+                  <a:schemeClr val="accent1">
+                    <a:lumMod val="75000"/>
+                  </a:schemeClr>
+                </a:solidFill>
+              </a:rPr>
+              <a:t>n</a:t>
+            </a:r>
+            <a:r>
+              <a:rPr lang="en-IN" b="1" dirty="0" smtClean="0">
+                <a:solidFill>
+                  <a:schemeClr val="accent1">
+                    <a:lumMod val="75000"/>
+                  </a:schemeClr>
+                </a:solidFill>
+              </a:rPr>
+              <a:t>g g c </a:t>
+            </a:r>
+            <a:r>
+              <a:rPr lang="en-IN" b="1" dirty="0" err="1" smtClean="0">
+                <a:solidFill>
+                  <a:schemeClr val="accent1">
+                    <a:lumMod val="75000"/>
+                  </a:schemeClr>
+                </a:solidFill>
+              </a:rPr>
+              <a:t>emp</a:t>
+            </a:r>
+            <a:r>
+              <a:rPr lang="en-IN" b="1" dirty="0" smtClean="0">
+                <a:solidFill>
+                  <a:schemeClr val="accent1">
+                    <a:lumMod val="75000"/>
+                  </a:schemeClr>
+                </a:solidFill>
+              </a:rPr>
+              <a:t>-list –it -is</a:t>
+            </a:r>
+            <a:endParaRPr lang="en-IN" b="1" dirty="0">
+              <a:solidFill>
+                <a:schemeClr val="accent1">
+                  <a:lumMod val="75000"/>
+                </a:schemeClr>
+              </a:solidFill>
+            </a:endParaRPr>
           </a:p>
         </p:txBody>
       </p:sp>
@@ -47839,23 +47935,50 @@
           </a:p>
         </p:txBody>
       </p:sp>
+      <p:sp>
+        <p:nvSpPr>
+          <p:cNvPr id="8" name="TextBox 7"/>
+          <p:cNvSpPr txBox="1"/>
+          <p:nvPr/>
+        </p:nvSpPr>
+        <p:spPr>
+          <a:xfrm>
+            <a:off x="8240207" y="6019800"/>
+            <a:ext cx="3403496" cy="369332"/>
+          </a:xfrm>
+          <a:prstGeom prst="rect">
+            <a:avLst/>
+          </a:prstGeom>
+          <a:noFill/>
+        </p:spPr>
+        <p:txBody>
+          <a:bodyPr wrap="none" rtlCol="0">
+            <a:spAutoFit/>
+          </a:bodyPr>
+          <a:lstStyle/>
+          <a:p>
+            <a:r>
+              <a:rPr lang="en-IN" dirty="0"/>
+              <a:t>See Example </a:t>
+            </a:r>
+            <a:r>
+              <a:rPr lang="en-IN" dirty="0" smtClean="0"/>
+              <a:t>in next page….</a:t>
+            </a:r>
+            <a:endParaRPr lang="en-IN" dirty="0"/>
+          </a:p>
+        </p:txBody>
+      </p:sp>
     </p:spTree>
     <p:extLst>
       <p:ext uri="{BB962C8B-B14F-4D97-AF65-F5344CB8AC3E}">
-        <p14:creationId xmlns:p14="http://schemas.microsoft.com/office/powerpoint/2010/main" val="1922325626"/>
+        <p14:creationId xmlns:p14="http://schemas.microsoft.com/office/powerpoint/2010/main" val="4097238813"/>
       </p:ext>
     </p:extLst>
   </p:cSld>
   <p:clrMapOvr>
     <a:masterClrMapping/>
   </p:clrMapOvr>
-  <p:timing>
-    <p:tnLst>
-      <p:par>
-        <p:cTn id="1" dur="indefinite" restart="never" nodeType="tmRoot"/>
-      </p:par>
-    </p:tnLst>
-  </p:timing>
 </p:sld>
 </file>
 
@@ -47878,6 +48001,200 @@
       </p:grpSpPr>
       <p:sp>
         <p:nvSpPr>
+          <p:cNvPr id="4" name="Date Placeholder 3"/>
+          <p:cNvSpPr>
+            <a:spLocks noGrp="1"/>
+          </p:cNvSpPr>
+          <p:nvPr>
+            <p:ph type="dt" sz="half" idx="10"/>
+          </p:nvPr>
+        </p:nvSpPr>
+        <p:spPr/>
+        <p:txBody>
+          <a:bodyPr/>
+          <a:lstStyle/>
+          <a:p>
+            <a:r>
+              <a:rPr lang="en-US" smtClean="0"/>
+              <a:t>5/6/2019</a:t>
+            </a:r>
+            <a:endParaRPr lang="en-US" dirty="0"/>
+          </a:p>
+        </p:txBody>
+      </p:sp>
+      <p:sp>
+        <p:nvSpPr>
+          <p:cNvPr id="5" name="Slide Number Placeholder 4"/>
+          <p:cNvSpPr>
+            <a:spLocks noGrp="1"/>
+          </p:cNvSpPr>
+          <p:nvPr>
+            <p:ph type="sldNum" sz="quarter" idx="12"/>
+          </p:nvPr>
+        </p:nvSpPr>
+        <p:spPr/>
+        <p:txBody>
+          <a:bodyPr/>
+          <a:lstStyle/>
+          <a:p>
+            <a:fld id="{6D22F896-40B5-4ADD-8801-0D06FADFA095}" type="slidenum">
+              <a:rPr lang="en-US" smtClean="0"/>
+              <a:t>95</a:t>
+            </a:fld>
+            <a:endParaRPr lang="en-US" dirty="0"/>
+          </a:p>
+        </p:txBody>
+      </p:sp>
+      <p:pic>
+        <p:nvPicPr>
+          <p:cNvPr id="2" name="Picture 1"/>
+          <p:cNvPicPr>
+            <a:picLocks noChangeAspect="1"/>
+          </p:cNvPicPr>
+          <p:nvPr/>
+        </p:nvPicPr>
+        <p:blipFill>
+          <a:blip r:embed="rId2"/>
+          <a:stretch>
+            <a:fillRect/>
+          </a:stretch>
+        </p:blipFill>
+        <p:spPr>
+          <a:xfrm>
+            <a:off x="0" y="0"/>
+            <a:ext cx="6831106" cy="4518212"/>
+          </a:xfrm>
+          <a:prstGeom prst="rect">
+            <a:avLst/>
+          </a:prstGeom>
+          <a:ln>
+            <a:solidFill>
+              <a:schemeClr val="bg1"/>
+            </a:solidFill>
+          </a:ln>
+        </p:spPr>
+      </p:pic>
+      <p:pic>
+        <p:nvPicPr>
+          <p:cNvPr id="3" name="Picture 2"/>
+          <p:cNvPicPr>
+            <a:picLocks noChangeAspect="1"/>
+          </p:cNvPicPr>
+          <p:nvPr/>
+        </p:nvPicPr>
+        <p:blipFill>
+          <a:blip r:embed="rId3"/>
+          <a:stretch>
+            <a:fillRect/>
+          </a:stretch>
+        </p:blipFill>
+        <p:spPr>
+          <a:xfrm>
+            <a:off x="6802357" y="0"/>
+            <a:ext cx="5389643" cy="4510454"/>
+          </a:xfrm>
+          <a:prstGeom prst="rect">
+            <a:avLst/>
+          </a:prstGeom>
+          <a:ln>
+            <a:solidFill>
+              <a:schemeClr val="bg1"/>
+            </a:solidFill>
+          </a:ln>
+        </p:spPr>
+      </p:pic>
+      <p:pic>
+        <p:nvPicPr>
+          <p:cNvPr id="8" name="Picture 7"/>
+          <p:cNvPicPr>
+            <a:picLocks noChangeAspect="1"/>
+          </p:cNvPicPr>
+          <p:nvPr/>
+        </p:nvPicPr>
+        <p:blipFill>
+          <a:blip r:embed="rId4"/>
+          <a:stretch>
+            <a:fillRect/>
+          </a:stretch>
+        </p:blipFill>
+        <p:spPr>
+          <a:xfrm>
+            <a:off x="0" y="4510454"/>
+            <a:ext cx="8377518" cy="2347546"/>
+          </a:xfrm>
+          <a:prstGeom prst="rect">
+            <a:avLst/>
+          </a:prstGeom>
+          <a:ln>
+            <a:solidFill>
+              <a:schemeClr val="bg1"/>
+            </a:solidFill>
+          </a:ln>
+        </p:spPr>
+      </p:pic>
+      <p:pic>
+        <p:nvPicPr>
+          <p:cNvPr id="9" name="Picture 8"/>
+          <p:cNvPicPr>
+            <a:picLocks noChangeAspect="1"/>
+          </p:cNvPicPr>
+          <p:nvPr/>
+        </p:nvPicPr>
+        <p:blipFill>
+          <a:blip r:embed="rId5"/>
+          <a:stretch>
+            <a:fillRect/>
+          </a:stretch>
+        </p:blipFill>
+        <p:spPr>
+          <a:xfrm>
+            <a:off x="8588468" y="4615144"/>
+            <a:ext cx="3419475" cy="2009775"/>
+          </a:xfrm>
+          <a:prstGeom prst="rect">
+            <a:avLst/>
+          </a:prstGeom>
+          <a:ln>
+            <a:solidFill>
+              <a:schemeClr val="bg1">
+                <a:lumMod val="50000"/>
+              </a:schemeClr>
+            </a:solidFill>
+          </a:ln>
+        </p:spPr>
+      </p:pic>
+    </p:spTree>
+    <p:extLst>
+      <p:ext uri="{BB962C8B-B14F-4D97-AF65-F5344CB8AC3E}">
+        <p14:creationId xmlns:p14="http://schemas.microsoft.com/office/powerpoint/2010/main" val="2436196214"/>
+      </p:ext>
+    </p:extLst>
+  </p:cSld>
+  <p:clrMapOvr>
+    <a:masterClrMapping/>
+  </p:clrMapOvr>
+</p:sld>
+</file>
+
+<file path=ppt/slides/slide96.xml><?xml version="1.0" encoding="utf-8"?>
+<p:sld xmlns:a="http://schemas.openxmlformats.org/drawingml/2006/main" xmlns:r="http://schemas.openxmlformats.org/officeDocument/2006/relationships" xmlns:p="http://schemas.openxmlformats.org/presentationml/2006/main">
+  <p:cSld>
+    <p:spTree>
+      <p:nvGrpSpPr>
+        <p:cNvPr id="1" name=""/>
+        <p:cNvGrpSpPr/>
+        <p:nvPr/>
+      </p:nvGrpSpPr>
+      <p:grpSpPr>
+        <a:xfrm>
+          <a:off x="0" y="0"/>
+          <a:ext cx="0" cy="0"/>
+          <a:chOff x="0" y="0"/>
+          <a:chExt cx="0" cy="0"/>
+        </a:xfrm>
+      </p:grpSpPr>
+      <p:sp>
+        <p:nvSpPr>
           <p:cNvPr id="6" name="Title 5"/>
           <p:cNvSpPr>
             <a:spLocks noGrp="1"/>
@@ -47886,14 +48203,27 @@
             <p:ph type="title"/>
           </p:nvPr>
         </p:nvSpPr>
-        <p:spPr/>
+        <p:spPr>
+          <a:xfrm>
+            <a:off x="1154954" y="973668"/>
+            <a:ext cx="10140575" cy="706964"/>
+          </a:xfrm>
+        </p:spPr>
         <p:txBody>
           <a:bodyPr/>
           <a:lstStyle/>
           <a:p>
             <a:r>
               <a:rPr lang="en-IN" b="1" dirty="0" smtClean="0"/>
-              <a:t>22.1 Routing</a:t>
+              <a:t>23. </a:t>
+            </a:r>
+            <a:r>
+              <a:rPr lang="en-IN" b="1" dirty="0"/>
+              <a:t>Wildcard Route and Redirecting </a:t>
+            </a:r>
+            <a:r>
+              <a:rPr lang="en-IN" b="1" dirty="0" smtClean="0"/>
+              <a:t>Routes</a:t>
             </a:r>
             <a:endParaRPr lang="en-IN" b="1" dirty="0"/>
           </a:p>
@@ -48049,16 +48379,50 @@
           <a:p>
             <a:fld id="{6D22F896-40B5-4ADD-8801-0D06FADFA095}" type="slidenum">
               <a:rPr lang="en-US" smtClean="0"/>
-              <a:t>95</a:t>
+              <a:t>96</a:t>
             </a:fld>
             <a:endParaRPr lang="en-US" dirty="0"/>
+          </a:p>
+        </p:txBody>
+      </p:sp>
+      <p:sp>
+        <p:nvSpPr>
+          <p:cNvPr id="8" name="TextBox 7"/>
+          <p:cNvSpPr txBox="1"/>
+          <p:nvPr/>
+        </p:nvSpPr>
+        <p:spPr>
+          <a:xfrm>
+            <a:off x="8240207" y="6019800"/>
+            <a:ext cx="3403496" cy="369332"/>
+          </a:xfrm>
+          <a:prstGeom prst="rect">
+            <a:avLst/>
+          </a:prstGeom>
+          <a:noFill/>
+        </p:spPr>
+        <p:txBody>
+          <a:bodyPr wrap="none" rtlCol="0">
+            <a:spAutoFit/>
+          </a:bodyPr>
+          <a:lstStyle/>
+          <a:p>
+            <a:r>
+              <a:rPr lang="en-IN" dirty="0"/>
+              <a:t>See Example </a:t>
+            </a:r>
+            <a:r>
+              <a:rPr lang="en-IN" dirty="0" smtClean="0"/>
+              <a:t>in next page….</a:t>
+            </a:r>
+            <a:endParaRPr lang="en-IN" dirty="0"/>
           </a:p>
         </p:txBody>
       </p:sp>
     </p:spTree>
     <p:extLst>
       <p:ext uri="{BB962C8B-B14F-4D97-AF65-F5344CB8AC3E}">
-        <p14:creationId xmlns:p14="http://schemas.microsoft.com/office/powerpoint/2010/main" val="4097238813"/>
+        <p14:creationId xmlns:p14="http://schemas.microsoft.com/office/powerpoint/2010/main" val="3964286397"/>
       </p:ext>
     </p:extLst>
   </p:cSld>

--- a/Angular Presentation.pptx
+++ b/Angular Presentation.pptx
@@ -5,7 +5,7 @@
     <p:sldMasterId id="2147483723" r:id="rId1"/>
   </p:sldMasterIdLst>
   <p:notesMasterIdLst>
-    <p:notesMasterId r:id="rId98"/>
+    <p:notesMasterId r:id="rId101"/>
   </p:notesMasterIdLst>
   <p:sldIdLst>
     <p:sldId id="256" r:id="rId2"/>
@@ -104,6 +104,9 @@
     <p:sldId id="376" r:id="rId95"/>
     <p:sldId id="377" r:id="rId96"/>
     <p:sldId id="378" r:id="rId97"/>
+    <p:sldId id="379" r:id="rId98"/>
+    <p:sldId id="380" r:id="rId99"/>
+    <p:sldId id="381" r:id="rId100"/>
   </p:sldIdLst>
   <p:sldSz cx="12192000" cy="6858000"/>
   <p:notesSz cx="6858000" cy="9144000"/>
@@ -47768,12 +47771,8 @@
           <a:lstStyle/>
           <a:p>
             <a:r>
-              <a:rPr lang="en-IN" b="1" smtClean="0"/>
-              <a:t>22. </a:t>
-            </a:r>
-            <a:r>
               <a:rPr lang="en-IN" b="1" dirty="0" smtClean="0"/>
-              <a:t>Routing &amp; Navigation</a:t>
+              <a:t>22. Routing &amp; Navigation</a:t>
             </a:r>
             <a:endParaRPr lang="en-IN" b="1" dirty="0"/>
           </a:p>
@@ -48163,6 +48162,144 @@
           </a:ln>
         </p:spPr>
       </p:pic>
+      <p:sp>
+        <p:nvSpPr>
+          <p:cNvPr id="10" name="Rectangle 9"/>
+          <p:cNvSpPr/>
+          <p:nvPr/>
+        </p:nvSpPr>
+        <p:spPr>
+          <a:xfrm>
+            <a:off x="0" y="70956"/>
+            <a:ext cx="1448349" cy="224773"/>
+          </a:xfrm>
+          <a:prstGeom prst="rect">
+            <a:avLst/>
+          </a:prstGeom>
+          <a:noFill/>
+          <a:ln w="28575">
+            <a:solidFill>
+              <a:srgbClr val="FFFF00"/>
+            </a:solidFill>
+          </a:ln>
+        </p:spPr>
+        <p:style>
+          <a:lnRef idx="2">
+            <a:schemeClr val="accent1">
+              <a:shade val="50000"/>
+            </a:schemeClr>
+          </a:lnRef>
+          <a:fillRef idx="1">
+            <a:schemeClr val="accent1"/>
+          </a:fillRef>
+          <a:effectRef idx="0">
+            <a:schemeClr val="accent1"/>
+          </a:effectRef>
+          <a:fontRef idx="minor">
+            <a:schemeClr val="lt1"/>
+          </a:fontRef>
+        </p:style>
+        <p:txBody>
+          <a:bodyPr rtlCol="0" anchor="ctr"/>
+          <a:lstStyle/>
+          <a:p>
+            <a:pPr algn="ctr"/>
+            <a:endParaRPr lang="en-IN"/>
+          </a:p>
+        </p:txBody>
+      </p:sp>
+      <p:sp>
+        <p:nvSpPr>
+          <p:cNvPr id="11" name="Rectangle 10"/>
+          <p:cNvSpPr/>
+          <p:nvPr/>
+        </p:nvSpPr>
+        <p:spPr>
+          <a:xfrm>
+            <a:off x="45000" y="4581410"/>
+            <a:ext cx="1196983" cy="224773"/>
+          </a:xfrm>
+          <a:prstGeom prst="rect">
+            <a:avLst/>
+          </a:prstGeom>
+          <a:noFill/>
+          <a:ln w="28575">
+            <a:solidFill>
+              <a:srgbClr val="FFFF00"/>
+            </a:solidFill>
+          </a:ln>
+        </p:spPr>
+        <p:style>
+          <a:lnRef idx="2">
+            <a:schemeClr val="accent1">
+              <a:shade val="50000"/>
+            </a:schemeClr>
+          </a:lnRef>
+          <a:fillRef idx="1">
+            <a:schemeClr val="accent1"/>
+          </a:fillRef>
+          <a:effectRef idx="0">
+            <a:schemeClr val="accent1"/>
+          </a:effectRef>
+          <a:fontRef idx="minor">
+            <a:schemeClr val="lt1"/>
+          </a:fontRef>
+        </p:style>
+        <p:txBody>
+          <a:bodyPr rtlCol="0" anchor="ctr"/>
+          <a:lstStyle/>
+          <a:p>
+            <a:pPr algn="ctr"/>
+            <a:endParaRPr lang="en-IN"/>
+          </a:p>
+        </p:txBody>
+      </p:sp>
+      <p:sp>
+        <p:nvSpPr>
+          <p:cNvPr id="12" name="Rectangle 11"/>
+          <p:cNvSpPr/>
+          <p:nvPr/>
+        </p:nvSpPr>
+        <p:spPr>
+          <a:xfrm>
+            <a:off x="6841167" y="70955"/>
+            <a:ext cx="899311" cy="224773"/>
+          </a:xfrm>
+          <a:prstGeom prst="rect">
+            <a:avLst/>
+          </a:prstGeom>
+          <a:noFill/>
+          <a:ln w="28575">
+            <a:solidFill>
+              <a:srgbClr val="FFFF00"/>
+            </a:solidFill>
+          </a:ln>
+        </p:spPr>
+        <p:style>
+          <a:lnRef idx="2">
+            <a:schemeClr val="accent1">
+              <a:shade val="50000"/>
+            </a:schemeClr>
+          </a:lnRef>
+          <a:fillRef idx="1">
+            <a:schemeClr val="accent1"/>
+          </a:fillRef>
+          <a:effectRef idx="0">
+            <a:schemeClr val="accent1"/>
+          </a:effectRef>
+          <a:fontRef idx="minor">
+            <a:schemeClr val="lt1"/>
+          </a:fontRef>
+        </p:style>
+        <p:txBody>
+          <a:bodyPr rtlCol="0" anchor="ctr"/>
+          <a:lstStyle/>
+          <a:p>
+            <a:pPr algn="ctr"/>
+            <a:endParaRPr lang="en-IN"/>
+          </a:p>
+        </p:txBody>
+      </p:sp>
     </p:spTree>
     <p:extLst>
       <p:ext uri="{BB962C8B-B14F-4D97-AF65-F5344CB8AC3E}">
@@ -48219,11 +48356,11 @@
             </a:r>
             <a:r>
               <a:rPr lang="en-IN" b="1" dirty="0"/>
-              <a:t>Wildcard Route and Redirecting </a:t>
+              <a:t>Wildcard </a:t>
             </a:r>
             <a:r>
               <a:rPr lang="en-IN" b="1" dirty="0" smtClean="0"/>
-              <a:t>Routes</a:t>
+              <a:t>Route</a:t>
             </a:r>
             <a:endParaRPr lang="en-IN" b="1" dirty="0"/>
           </a:p>
@@ -48246,94 +48383,67 @@
           <a:p>
             <a:r>
               <a:rPr lang="en-IN" dirty="0" smtClean="0"/>
-              <a:t>A way to navigate between views when the user performs a operation</a:t>
-            </a:r>
-          </a:p>
-          <a:p>
-            <a:r>
-              <a:rPr lang="en-IN" dirty="0" smtClean="0"/>
-              <a:t>Generate a project with routing option</a:t>
-            </a:r>
-          </a:p>
-          <a:p>
-            <a:r>
-              <a:rPr lang="en-IN" dirty="0" smtClean="0"/>
-              <a:t>Generate Department List and Employee List Component</a:t>
-            </a:r>
-          </a:p>
-          <a:p>
-            <a:r>
-              <a:rPr lang="en-IN" dirty="0" smtClean="0"/>
-              <a:t>Configure the routes</a:t>
-            </a:r>
-          </a:p>
-          <a:p>
-            <a:r>
-              <a:rPr lang="en-IN" dirty="0" smtClean="0"/>
-              <a:t>Add Buttons and use directives to navigate</a:t>
-            </a:r>
-          </a:p>
-          <a:p>
-            <a:endParaRPr lang="en-IN" dirty="0"/>
-          </a:p>
-          <a:p>
-            <a:pPr marL="0" indent="0">
-              <a:buNone/>
-            </a:pPr>
-            <a:r>
-              <a:rPr lang="en-IN" dirty="0" smtClean="0"/>
-              <a:t>Create a component with inline template and inline style</a:t>
-            </a:r>
-          </a:p>
-          <a:p>
-            <a:pPr marL="0" indent="0">
-              <a:buNone/>
-            </a:pPr>
-            <a:r>
-              <a:rPr lang="en-IN" b="1" dirty="0">
+              <a:t>We have configured two routes to access two components. What if the user typed a route which is not present. </a:t>
+            </a:r>
+            <a:r>
+              <a:rPr lang="en-IN" dirty="0" smtClean="0">
                 <a:solidFill>
-                  <a:schemeClr val="accent1">
-                    <a:lumMod val="75000"/>
-                  </a:schemeClr>
+                  <a:schemeClr val="tx1"/>
                 </a:solidFill>
               </a:rPr>
-              <a:t>n</a:t>
-            </a:r>
-            <a:r>
-              <a:rPr lang="en-IN" b="1" dirty="0" smtClean="0">
+              <a:t>It will through an error. </a:t>
+            </a:r>
+          </a:p>
+          <a:p>
+            <a:r>
+              <a:rPr lang="en-IN" dirty="0" smtClean="0">
                 <a:solidFill>
-                  <a:schemeClr val="accent1">
-                    <a:lumMod val="75000"/>
-                  </a:schemeClr>
+                  <a:schemeClr val="tx1"/>
                 </a:solidFill>
               </a:rPr>
-              <a:t>g g c </a:t>
-            </a:r>
-            <a:r>
-              <a:rPr lang="en-IN" b="1" dirty="0" err="1" smtClean="0">
+              <a:t>For that we have to configure a page not found for this scenario</a:t>
+            </a:r>
+          </a:p>
+          <a:p>
+            <a:r>
+              <a:rPr lang="en-IN" dirty="0" smtClean="0">
                 <a:solidFill>
-                  <a:schemeClr val="accent1">
-                    <a:lumMod val="75000"/>
-                  </a:schemeClr>
+                  <a:schemeClr val="tx1"/>
                 </a:solidFill>
               </a:rPr>
-              <a:t>emp</a:t>
-            </a:r>
-            <a:r>
-              <a:rPr lang="en-IN" b="1" dirty="0" smtClean="0">
+              <a:t>Generate a component as page-not-found</a:t>
+            </a:r>
+          </a:p>
+          <a:p>
+            <a:r>
+              <a:rPr lang="en-IN" dirty="0" smtClean="0">
                 <a:solidFill>
-                  <a:schemeClr val="accent1">
-                    <a:lumMod val="75000"/>
-                  </a:schemeClr>
+                  <a:schemeClr val="tx1"/>
                 </a:solidFill>
               </a:rPr>
-              <a:t>-list –it -is</a:t>
-            </a:r>
-            <a:endParaRPr lang="en-IN" b="1" dirty="0">
+              <a:t>Add a new path in route array saying ** to Page not found component</a:t>
+            </a:r>
+          </a:p>
+          <a:p>
+            <a:r>
+              <a:rPr lang="en-IN" dirty="0" smtClean="0">
+                <a:solidFill>
+                  <a:schemeClr val="tx1"/>
+                </a:solidFill>
+              </a:rPr>
+              <a:t>We have to only modify the </a:t>
+            </a:r>
+            <a:r>
+              <a:rPr lang="en-IN" dirty="0" err="1" smtClean="0">
+                <a:solidFill>
+                  <a:schemeClr val="tx1"/>
+                </a:solidFill>
+              </a:rPr>
+              <a:t>app.routing.ts</a:t>
+            </a:r>
+            <a:endParaRPr lang="en-IN" dirty="0">
               <a:solidFill>
-                <a:schemeClr val="accent1">
-                  <a:lumMod val="75000"/>
-                </a:schemeClr>
+                <a:schemeClr val="tx1"/>
               </a:solidFill>
             </a:endParaRPr>
           </a:p>
@@ -48423,6 +48533,977 @@
     <p:extLst>
       <p:ext uri="{BB962C8B-B14F-4D97-AF65-F5344CB8AC3E}">
         <p14:creationId xmlns:p14="http://schemas.microsoft.com/office/powerpoint/2010/main" val="3964286397"/>
+      </p:ext>
+    </p:extLst>
+  </p:cSld>
+  <p:clrMapOvr>
+    <a:masterClrMapping/>
+  </p:clrMapOvr>
+</p:sld>
+</file>
+
+<file path=ppt/slides/slide97.xml><?xml version="1.0" encoding="utf-8"?>
+<p:sld xmlns:a="http://schemas.openxmlformats.org/drawingml/2006/main" xmlns:r="http://schemas.openxmlformats.org/officeDocument/2006/relationships" xmlns:p="http://schemas.openxmlformats.org/presentationml/2006/main">
+  <p:cSld>
+    <p:spTree>
+      <p:nvGrpSpPr>
+        <p:cNvPr id="1" name=""/>
+        <p:cNvGrpSpPr/>
+        <p:nvPr/>
+      </p:nvGrpSpPr>
+      <p:grpSpPr>
+        <a:xfrm>
+          <a:off x="0" y="0"/>
+          <a:ext cx="0" cy="0"/>
+          <a:chOff x="0" y="0"/>
+          <a:chExt cx="0" cy="0"/>
+        </a:xfrm>
+      </p:grpSpPr>
+      <p:sp>
+        <p:nvSpPr>
+          <p:cNvPr id="4" name="Date Placeholder 3"/>
+          <p:cNvSpPr>
+            <a:spLocks noGrp="1"/>
+          </p:cNvSpPr>
+          <p:nvPr>
+            <p:ph type="dt" sz="half" idx="10"/>
+          </p:nvPr>
+        </p:nvSpPr>
+        <p:spPr/>
+        <p:txBody>
+          <a:bodyPr/>
+          <a:lstStyle/>
+          <a:p>
+            <a:r>
+              <a:rPr lang="en-US" smtClean="0"/>
+              <a:t>5/6/2019</a:t>
+            </a:r>
+            <a:endParaRPr lang="en-US" dirty="0"/>
+          </a:p>
+        </p:txBody>
+      </p:sp>
+      <p:sp>
+        <p:nvSpPr>
+          <p:cNvPr id="5" name="Slide Number Placeholder 4"/>
+          <p:cNvSpPr>
+            <a:spLocks noGrp="1"/>
+          </p:cNvSpPr>
+          <p:nvPr>
+            <p:ph type="sldNum" sz="quarter" idx="12"/>
+          </p:nvPr>
+        </p:nvSpPr>
+        <p:spPr/>
+        <p:txBody>
+          <a:bodyPr/>
+          <a:lstStyle/>
+          <a:p>
+            <a:fld id="{6D22F896-40B5-4ADD-8801-0D06FADFA095}" type="slidenum">
+              <a:rPr lang="en-US" smtClean="0"/>
+              <a:t>97</a:t>
+            </a:fld>
+            <a:endParaRPr lang="en-US" dirty="0"/>
+          </a:p>
+        </p:txBody>
+      </p:sp>
+      <p:pic>
+        <p:nvPicPr>
+          <p:cNvPr id="6" name="Picture 5"/>
+          <p:cNvPicPr>
+            <a:picLocks noChangeAspect="1"/>
+          </p:cNvPicPr>
+          <p:nvPr/>
+        </p:nvPicPr>
+        <p:blipFill>
+          <a:blip r:embed="rId2"/>
+          <a:stretch>
+            <a:fillRect/>
+          </a:stretch>
+        </p:blipFill>
+        <p:spPr>
+          <a:xfrm>
+            <a:off x="0" y="0"/>
+            <a:ext cx="8705850" cy="4972050"/>
+          </a:xfrm>
+          <a:prstGeom prst="rect">
+            <a:avLst/>
+          </a:prstGeom>
+        </p:spPr>
+      </p:pic>
+      <p:pic>
+        <p:nvPicPr>
+          <p:cNvPr id="7" name="Picture 6"/>
+          <p:cNvPicPr>
+            <a:picLocks noChangeAspect="1"/>
+          </p:cNvPicPr>
+          <p:nvPr/>
+        </p:nvPicPr>
+        <p:blipFill>
+          <a:blip r:embed="rId3"/>
+          <a:stretch>
+            <a:fillRect/>
+          </a:stretch>
+        </p:blipFill>
+        <p:spPr>
+          <a:xfrm>
+            <a:off x="7321363" y="2200275"/>
+            <a:ext cx="3600450" cy="2000250"/>
+          </a:xfrm>
+          <a:prstGeom prst="rect">
+            <a:avLst/>
+          </a:prstGeom>
+          <a:ln w="12700">
+            <a:solidFill>
+              <a:srgbClr val="FF0000"/>
+            </a:solidFill>
+          </a:ln>
+        </p:spPr>
+      </p:pic>
+      <p:sp>
+        <p:nvSpPr>
+          <p:cNvPr id="8" name="Rectangle 7"/>
+          <p:cNvSpPr/>
+          <p:nvPr/>
+        </p:nvSpPr>
+        <p:spPr>
+          <a:xfrm>
+            <a:off x="0" y="70956"/>
+            <a:ext cx="1448349" cy="224773"/>
+          </a:xfrm>
+          <a:prstGeom prst="rect">
+            <a:avLst/>
+          </a:prstGeom>
+          <a:noFill/>
+          <a:ln w="28575">
+            <a:solidFill>
+              <a:srgbClr val="FFFF00"/>
+            </a:solidFill>
+          </a:ln>
+        </p:spPr>
+        <p:style>
+          <a:lnRef idx="2">
+            <a:schemeClr val="accent1">
+              <a:shade val="50000"/>
+            </a:schemeClr>
+          </a:lnRef>
+          <a:fillRef idx="1">
+            <a:schemeClr val="accent1"/>
+          </a:fillRef>
+          <a:effectRef idx="0">
+            <a:schemeClr val="accent1"/>
+          </a:effectRef>
+          <a:fontRef idx="minor">
+            <a:schemeClr val="lt1"/>
+          </a:fontRef>
+        </p:style>
+        <p:txBody>
+          <a:bodyPr rtlCol="0" anchor="ctr"/>
+          <a:lstStyle/>
+          <a:p>
+            <a:pPr algn="ctr"/>
+            <a:endParaRPr lang="en-IN"/>
+          </a:p>
+        </p:txBody>
+      </p:sp>
+      <p:sp>
+        <p:nvSpPr>
+          <p:cNvPr id="9" name="Rectangle 8"/>
+          <p:cNvSpPr/>
+          <p:nvPr/>
+        </p:nvSpPr>
+        <p:spPr>
+          <a:xfrm>
+            <a:off x="724174" y="1246899"/>
+            <a:ext cx="7787814" cy="271053"/>
+          </a:xfrm>
+          <a:prstGeom prst="rect">
+            <a:avLst/>
+          </a:prstGeom>
+          <a:noFill/>
+          <a:ln w="28575">
+            <a:solidFill>
+              <a:schemeClr val="bg1"/>
+            </a:solidFill>
+          </a:ln>
+        </p:spPr>
+        <p:style>
+          <a:lnRef idx="2">
+            <a:schemeClr val="accent1">
+              <a:shade val="50000"/>
+            </a:schemeClr>
+          </a:lnRef>
+          <a:fillRef idx="1">
+            <a:schemeClr val="accent1"/>
+          </a:fillRef>
+          <a:effectRef idx="0">
+            <a:schemeClr val="accent1"/>
+          </a:effectRef>
+          <a:fontRef idx="minor">
+            <a:schemeClr val="lt1"/>
+          </a:fontRef>
+        </p:style>
+        <p:txBody>
+          <a:bodyPr rtlCol="0" anchor="ctr"/>
+          <a:lstStyle/>
+          <a:p>
+            <a:pPr algn="ctr"/>
+            <a:endParaRPr lang="en-IN"/>
+          </a:p>
+        </p:txBody>
+      </p:sp>
+      <p:sp>
+        <p:nvSpPr>
+          <p:cNvPr id="10" name="Rectangle 9"/>
+          <p:cNvSpPr/>
+          <p:nvPr/>
+        </p:nvSpPr>
+        <p:spPr>
+          <a:xfrm>
+            <a:off x="918036" y="2393616"/>
+            <a:ext cx="4756637" cy="255455"/>
+          </a:xfrm>
+          <a:prstGeom prst="rect">
+            <a:avLst/>
+          </a:prstGeom>
+          <a:noFill/>
+          <a:ln w="28575">
+            <a:solidFill>
+              <a:schemeClr val="bg1"/>
+            </a:solidFill>
+          </a:ln>
+        </p:spPr>
+        <p:style>
+          <a:lnRef idx="2">
+            <a:schemeClr val="accent1">
+              <a:shade val="50000"/>
+            </a:schemeClr>
+          </a:lnRef>
+          <a:fillRef idx="1">
+            <a:schemeClr val="accent1"/>
+          </a:fillRef>
+          <a:effectRef idx="0">
+            <a:schemeClr val="accent1"/>
+          </a:effectRef>
+          <a:fontRef idx="minor">
+            <a:schemeClr val="lt1"/>
+          </a:fontRef>
+        </p:style>
+        <p:txBody>
+          <a:bodyPr rtlCol="0" anchor="ctr"/>
+          <a:lstStyle/>
+          <a:p>
+            <a:pPr algn="ctr"/>
+            <a:endParaRPr lang="en-IN"/>
+          </a:p>
+        </p:txBody>
+      </p:sp>
+      <p:sp>
+        <p:nvSpPr>
+          <p:cNvPr id="11" name="Rectangle 10"/>
+          <p:cNvSpPr/>
+          <p:nvPr/>
+        </p:nvSpPr>
+        <p:spPr>
+          <a:xfrm>
+            <a:off x="4548923" y="4455499"/>
+            <a:ext cx="2165459" cy="250972"/>
+          </a:xfrm>
+          <a:prstGeom prst="rect">
+            <a:avLst/>
+          </a:prstGeom>
+          <a:noFill/>
+          <a:ln w="28575">
+            <a:solidFill>
+              <a:schemeClr val="bg1"/>
+            </a:solidFill>
+          </a:ln>
+        </p:spPr>
+        <p:style>
+          <a:lnRef idx="2">
+            <a:schemeClr val="accent1">
+              <a:shade val="50000"/>
+            </a:schemeClr>
+          </a:lnRef>
+          <a:fillRef idx="1">
+            <a:schemeClr val="accent1"/>
+          </a:fillRef>
+          <a:effectRef idx="0">
+            <a:schemeClr val="accent1"/>
+          </a:effectRef>
+          <a:fontRef idx="minor">
+            <a:schemeClr val="lt1"/>
+          </a:fontRef>
+        </p:style>
+        <p:txBody>
+          <a:bodyPr rtlCol="0" anchor="ctr"/>
+          <a:lstStyle/>
+          <a:p>
+            <a:pPr algn="ctr"/>
+            <a:endParaRPr lang="en-IN"/>
+          </a:p>
+        </p:txBody>
+      </p:sp>
+      <p:sp>
+        <p:nvSpPr>
+          <p:cNvPr id="12" name="Rectangle 11"/>
+          <p:cNvSpPr/>
+          <p:nvPr/>
+        </p:nvSpPr>
+        <p:spPr>
+          <a:xfrm>
+            <a:off x="9834750" y="2266750"/>
+            <a:ext cx="324581" cy="210434"/>
+          </a:xfrm>
+          <a:prstGeom prst="rect">
+            <a:avLst/>
+          </a:prstGeom>
+          <a:noFill/>
+          <a:ln w="28575">
+            <a:solidFill>
+              <a:schemeClr val="accent1">
+                <a:lumMod val="50000"/>
+              </a:schemeClr>
+            </a:solidFill>
+          </a:ln>
+        </p:spPr>
+        <p:style>
+          <a:lnRef idx="2">
+            <a:schemeClr val="accent1">
+              <a:shade val="50000"/>
+            </a:schemeClr>
+          </a:lnRef>
+          <a:fillRef idx="1">
+            <a:schemeClr val="accent1"/>
+          </a:fillRef>
+          <a:effectRef idx="0">
+            <a:schemeClr val="accent1"/>
+          </a:effectRef>
+          <a:fontRef idx="minor">
+            <a:schemeClr val="lt1"/>
+          </a:fontRef>
+        </p:style>
+        <p:txBody>
+          <a:bodyPr rtlCol="0" anchor="ctr"/>
+          <a:lstStyle/>
+          <a:p>
+            <a:pPr algn="ctr"/>
+            <a:endParaRPr lang="en-IN"/>
+          </a:p>
+        </p:txBody>
+      </p:sp>
+      <p:sp>
+        <p:nvSpPr>
+          <p:cNvPr id="13" name="Rectangle 12"/>
+          <p:cNvSpPr/>
+          <p:nvPr/>
+        </p:nvSpPr>
+        <p:spPr>
+          <a:xfrm>
+            <a:off x="7341612" y="3798910"/>
+            <a:ext cx="1466212" cy="208314"/>
+          </a:xfrm>
+          <a:prstGeom prst="rect">
+            <a:avLst/>
+          </a:prstGeom>
+          <a:noFill/>
+          <a:ln w="28575">
+            <a:solidFill>
+              <a:schemeClr val="accent1">
+                <a:lumMod val="50000"/>
+              </a:schemeClr>
+            </a:solidFill>
+          </a:ln>
+        </p:spPr>
+        <p:style>
+          <a:lnRef idx="2">
+            <a:schemeClr val="accent1">
+              <a:shade val="50000"/>
+            </a:schemeClr>
+          </a:lnRef>
+          <a:fillRef idx="1">
+            <a:schemeClr val="accent1"/>
+          </a:fillRef>
+          <a:effectRef idx="0">
+            <a:schemeClr val="accent1"/>
+          </a:effectRef>
+          <a:fontRef idx="minor">
+            <a:schemeClr val="lt1"/>
+          </a:fontRef>
+        </p:style>
+        <p:txBody>
+          <a:bodyPr rtlCol="0" anchor="ctr"/>
+          <a:lstStyle/>
+          <a:p>
+            <a:pPr algn="ctr"/>
+            <a:endParaRPr lang="en-IN"/>
+          </a:p>
+        </p:txBody>
+      </p:sp>
+    </p:spTree>
+    <p:extLst>
+      <p:ext uri="{BB962C8B-B14F-4D97-AF65-F5344CB8AC3E}">
+        <p14:creationId xmlns:p14="http://schemas.microsoft.com/office/powerpoint/2010/main" val="2076367754"/>
+      </p:ext>
+    </p:extLst>
+  </p:cSld>
+  <p:clrMapOvr>
+    <a:masterClrMapping/>
+  </p:clrMapOvr>
+</p:sld>
+</file>
+
+<file path=ppt/slides/slide98.xml><?xml version="1.0" encoding="utf-8"?>
+<p:sld xmlns:a="http://schemas.openxmlformats.org/drawingml/2006/main" xmlns:r="http://schemas.openxmlformats.org/officeDocument/2006/relationships" xmlns:p="http://schemas.openxmlformats.org/presentationml/2006/main">
+  <p:cSld>
+    <p:spTree>
+      <p:nvGrpSpPr>
+        <p:cNvPr id="1" name=""/>
+        <p:cNvGrpSpPr/>
+        <p:nvPr/>
+      </p:nvGrpSpPr>
+      <p:grpSpPr>
+        <a:xfrm>
+          <a:off x="0" y="0"/>
+          <a:ext cx="0" cy="0"/>
+          <a:chOff x="0" y="0"/>
+          <a:chExt cx="0" cy="0"/>
+        </a:xfrm>
+      </p:grpSpPr>
+      <p:sp>
+        <p:nvSpPr>
+          <p:cNvPr id="6" name="Title 5"/>
+          <p:cNvSpPr>
+            <a:spLocks noGrp="1"/>
+          </p:cNvSpPr>
+          <p:nvPr>
+            <p:ph type="title"/>
+          </p:nvPr>
+        </p:nvSpPr>
+        <p:spPr>
+          <a:xfrm>
+            <a:off x="1154954" y="973668"/>
+            <a:ext cx="10140575" cy="706964"/>
+          </a:xfrm>
+        </p:spPr>
+        <p:txBody>
+          <a:bodyPr/>
+          <a:lstStyle/>
+          <a:p>
+            <a:r>
+              <a:rPr lang="en-IN" b="1" dirty="0" smtClean="0"/>
+              <a:t>24. Redirect Route</a:t>
+            </a:r>
+            <a:endParaRPr lang="en-IN" b="1" dirty="0"/>
+          </a:p>
+        </p:txBody>
+      </p:sp>
+      <p:sp>
+        <p:nvSpPr>
+          <p:cNvPr id="7" name="Content Placeholder 6"/>
+          <p:cNvSpPr>
+            <a:spLocks noGrp="1"/>
+          </p:cNvSpPr>
+          <p:nvPr>
+            <p:ph idx="1"/>
+          </p:nvPr>
+        </p:nvSpPr>
+        <p:spPr>
+          <a:xfrm>
+            <a:off x="1154954" y="2603500"/>
+            <a:ext cx="8825659" cy="2183653"/>
+          </a:xfrm>
+        </p:spPr>
+        <p:txBody>
+          <a:bodyPr>
+            <a:normAutofit/>
+          </a:bodyPr>
+          <a:lstStyle/>
+          <a:p>
+            <a:r>
+              <a:rPr lang="en-IN" sz="2000" dirty="0" smtClean="0">
+                <a:solidFill>
+                  <a:schemeClr val="tx1"/>
+                </a:solidFill>
+              </a:rPr>
+              <a:t>This will be used to when a URL need to redirect to another URL</a:t>
+            </a:r>
+          </a:p>
+          <a:p>
+            <a:r>
+              <a:rPr lang="en-IN" sz="2000" dirty="0" smtClean="0">
+                <a:solidFill>
+                  <a:schemeClr val="tx1"/>
+                </a:solidFill>
+              </a:rPr>
+              <a:t>This contain a attribute called </a:t>
+            </a:r>
+            <a:r>
+              <a:rPr lang="en-IN" sz="2000" b="1" dirty="0" err="1" smtClean="0">
+                <a:solidFill>
+                  <a:schemeClr val="tx1"/>
+                </a:solidFill>
+              </a:rPr>
+              <a:t>pathMatch</a:t>
+            </a:r>
+            <a:r>
+              <a:rPr lang="en-IN" sz="2000" dirty="0" smtClean="0">
+                <a:solidFill>
+                  <a:schemeClr val="tx1"/>
+                </a:solidFill>
+              </a:rPr>
+              <a:t>. This holds value like</a:t>
+            </a:r>
+          </a:p>
+          <a:p>
+            <a:pPr lvl="1"/>
+            <a:r>
+              <a:rPr lang="en-IN" sz="1800" dirty="0" smtClean="0">
+                <a:solidFill>
+                  <a:schemeClr val="tx1"/>
+                </a:solidFill>
+              </a:rPr>
+              <a:t>Prefix: This will redirect all the URL except defined to the redirected one. No ** path will work.  That also will get redirect to given one</a:t>
+            </a:r>
+          </a:p>
+          <a:p>
+            <a:pPr lvl="1"/>
+            <a:r>
+              <a:rPr lang="en-IN" sz="1800" dirty="0" smtClean="0">
+                <a:solidFill>
+                  <a:schemeClr val="tx1"/>
+                </a:solidFill>
+              </a:rPr>
+              <a:t>Full: This will redirect only the particular </a:t>
+            </a:r>
+            <a:r>
+              <a:rPr lang="en-IN" sz="1800" dirty="0" err="1" smtClean="0">
+                <a:solidFill>
+                  <a:schemeClr val="tx1"/>
+                </a:solidFill>
+              </a:rPr>
+              <a:t>url</a:t>
+            </a:r>
+            <a:r>
+              <a:rPr lang="en-IN" sz="1800" dirty="0" smtClean="0">
+                <a:solidFill>
+                  <a:schemeClr val="tx1"/>
+                </a:solidFill>
+              </a:rPr>
+              <a:t> to the redirected one.</a:t>
+            </a:r>
+            <a:endParaRPr lang="en-IN" sz="1800" dirty="0">
+              <a:solidFill>
+                <a:schemeClr val="tx1"/>
+              </a:solidFill>
+            </a:endParaRPr>
+          </a:p>
+        </p:txBody>
+      </p:sp>
+      <p:sp>
+        <p:nvSpPr>
+          <p:cNvPr id="4" name="Date Placeholder 3"/>
+          <p:cNvSpPr>
+            <a:spLocks noGrp="1"/>
+          </p:cNvSpPr>
+          <p:nvPr>
+            <p:ph type="dt" sz="half" idx="10"/>
+          </p:nvPr>
+        </p:nvSpPr>
+        <p:spPr/>
+        <p:txBody>
+          <a:bodyPr/>
+          <a:lstStyle/>
+          <a:p>
+            <a:r>
+              <a:rPr lang="en-US" smtClean="0"/>
+              <a:t>5/6/2019</a:t>
+            </a:r>
+            <a:endParaRPr lang="en-US" dirty="0"/>
+          </a:p>
+        </p:txBody>
+      </p:sp>
+      <p:sp>
+        <p:nvSpPr>
+          <p:cNvPr id="5" name="Slide Number Placeholder 4"/>
+          <p:cNvSpPr>
+            <a:spLocks noGrp="1"/>
+          </p:cNvSpPr>
+          <p:nvPr>
+            <p:ph type="sldNum" sz="quarter" idx="12"/>
+          </p:nvPr>
+        </p:nvSpPr>
+        <p:spPr/>
+        <p:txBody>
+          <a:bodyPr/>
+          <a:lstStyle/>
+          <a:p>
+            <a:fld id="{6D22F896-40B5-4ADD-8801-0D06FADFA095}" type="slidenum">
+              <a:rPr lang="en-US" smtClean="0"/>
+              <a:t>98</a:t>
+            </a:fld>
+            <a:endParaRPr lang="en-US" dirty="0"/>
+          </a:p>
+        </p:txBody>
+      </p:sp>
+      <p:sp>
+        <p:nvSpPr>
+          <p:cNvPr id="8" name="TextBox 7"/>
+          <p:cNvSpPr txBox="1"/>
+          <p:nvPr/>
+        </p:nvSpPr>
+        <p:spPr>
+          <a:xfrm>
+            <a:off x="8240207" y="6019800"/>
+            <a:ext cx="3403496" cy="369332"/>
+          </a:xfrm>
+          <a:prstGeom prst="rect">
+            <a:avLst/>
+          </a:prstGeom>
+          <a:noFill/>
+        </p:spPr>
+        <p:txBody>
+          <a:bodyPr wrap="none" rtlCol="0">
+            <a:spAutoFit/>
+          </a:bodyPr>
+          <a:lstStyle/>
+          <a:p>
+            <a:r>
+              <a:rPr lang="en-IN" dirty="0"/>
+              <a:t>See Example </a:t>
+            </a:r>
+            <a:r>
+              <a:rPr lang="en-IN" dirty="0" smtClean="0"/>
+              <a:t>in next page….</a:t>
+            </a:r>
+            <a:endParaRPr lang="en-IN" dirty="0"/>
+          </a:p>
+        </p:txBody>
+      </p:sp>
+    </p:spTree>
+    <p:extLst>
+      <p:ext uri="{BB962C8B-B14F-4D97-AF65-F5344CB8AC3E}">
+        <p14:creationId xmlns:p14="http://schemas.microsoft.com/office/powerpoint/2010/main" val="4124312514"/>
+      </p:ext>
+    </p:extLst>
+  </p:cSld>
+  <p:clrMapOvr>
+    <a:masterClrMapping/>
+  </p:clrMapOvr>
+</p:sld>
+</file>
+
+<file path=ppt/slides/slide99.xml><?xml version="1.0" encoding="utf-8"?>
+<p:sld xmlns:a="http://schemas.openxmlformats.org/drawingml/2006/main" xmlns:r="http://schemas.openxmlformats.org/officeDocument/2006/relationships" xmlns:p="http://schemas.openxmlformats.org/presentationml/2006/main">
+  <p:cSld>
+    <p:spTree>
+      <p:nvGrpSpPr>
+        <p:cNvPr id="1" name=""/>
+        <p:cNvGrpSpPr/>
+        <p:nvPr/>
+      </p:nvGrpSpPr>
+      <p:grpSpPr>
+        <a:xfrm>
+          <a:off x="0" y="0"/>
+          <a:ext cx="0" cy="0"/>
+          <a:chOff x="0" y="0"/>
+          <a:chExt cx="0" cy="0"/>
+        </a:xfrm>
+      </p:grpSpPr>
+      <p:sp>
+        <p:nvSpPr>
+          <p:cNvPr id="4" name="Date Placeholder 3"/>
+          <p:cNvSpPr>
+            <a:spLocks noGrp="1"/>
+          </p:cNvSpPr>
+          <p:nvPr>
+            <p:ph type="dt" sz="half" idx="10"/>
+          </p:nvPr>
+        </p:nvSpPr>
+        <p:spPr/>
+        <p:txBody>
+          <a:bodyPr/>
+          <a:lstStyle/>
+          <a:p>
+            <a:r>
+              <a:rPr lang="en-US" smtClean="0"/>
+              <a:t>5/6/2019</a:t>
+            </a:r>
+            <a:endParaRPr lang="en-US" dirty="0"/>
+          </a:p>
+        </p:txBody>
+      </p:sp>
+      <p:sp>
+        <p:nvSpPr>
+          <p:cNvPr id="5" name="Slide Number Placeholder 4"/>
+          <p:cNvSpPr>
+            <a:spLocks noGrp="1"/>
+          </p:cNvSpPr>
+          <p:nvPr>
+            <p:ph type="sldNum" sz="quarter" idx="12"/>
+          </p:nvPr>
+        </p:nvSpPr>
+        <p:spPr/>
+        <p:txBody>
+          <a:bodyPr/>
+          <a:lstStyle/>
+          <a:p>
+            <a:fld id="{6D22F896-40B5-4ADD-8801-0D06FADFA095}" type="slidenum">
+              <a:rPr lang="en-US" smtClean="0"/>
+              <a:t>99</a:t>
+            </a:fld>
+            <a:endParaRPr lang="en-US" dirty="0"/>
+          </a:p>
+        </p:txBody>
+      </p:sp>
+      <p:pic>
+        <p:nvPicPr>
+          <p:cNvPr id="6" name="Picture 5"/>
+          <p:cNvPicPr>
+            <a:picLocks noChangeAspect="1"/>
+          </p:cNvPicPr>
+          <p:nvPr/>
+        </p:nvPicPr>
+        <p:blipFill>
+          <a:blip r:embed="rId2"/>
+          <a:stretch>
+            <a:fillRect/>
+          </a:stretch>
+        </p:blipFill>
+        <p:spPr>
+          <a:xfrm>
+            <a:off x="13447" y="0"/>
+            <a:ext cx="8629650" cy="5419725"/>
+          </a:xfrm>
+          <a:prstGeom prst="rect">
+            <a:avLst/>
+          </a:prstGeom>
+        </p:spPr>
+      </p:pic>
+      <p:sp>
+        <p:nvSpPr>
+          <p:cNvPr id="7" name="Rectangle 6"/>
+          <p:cNvSpPr/>
+          <p:nvPr/>
+        </p:nvSpPr>
+        <p:spPr>
+          <a:xfrm>
+            <a:off x="0" y="70956"/>
+            <a:ext cx="1448349" cy="224773"/>
+          </a:xfrm>
+          <a:prstGeom prst="rect">
+            <a:avLst/>
+          </a:prstGeom>
+          <a:noFill/>
+          <a:ln w="28575">
+            <a:solidFill>
+              <a:srgbClr val="FFFF00"/>
+            </a:solidFill>
+          </a:ln>
+        </p:spPr>
+        <p:style>
+          <a:lnRef idx="2">
+            <a:schemeClr val="accent1">
+              <a:shade val="50000"/>
+            </a:schemeClr>
+          </a:lnRef>
+          <a:fillRef idx="1">
+            <a:schemeClr val="accent1"/>
+          </a:fillRef>
+          <a:effectRef idx="0">
+            <a:schemeClr val="accent1"/>
+          </a:effectRef>
+          <a:fontRef idx="minor">
+            <a:schemeClr val="lt1"/>
+          </a:fontRef>
+        </p:style>
+        <p:txBody>
+          <a:bodyPr rtlCol="0" anchor="ctr"/>
+          <a:lstStyle/>
+          <a:p>
+            <a:pPr algn="ctr"/>
+            <a:endParaRPr lang="en-IN"/>
+          </a:p>
+        </p:txBody>
+      </p:sp>
+      <p:sp>
+        <p:nvSpPr>
+          <p:cNvPr id="8" name="Rectangle 7"/>
+          <p:cNvSpPr/>
+          <p:nvPr/>
+        </p:nvSpPr>
+        <p:spPr>
+          <a:xfrm>
+            <a:off x="904589" y="1936416"/>
+            <a:ext cx="5549999" cy="268902"/>
+          </a:xfrm>
+          <a:prstGeom prst="rect">
+            <a:avLst/>
+          </a:prstGeom>
+          <a:noFill/>
+          <a:ln w="28575">
+            <a:solidFill>
+              <a:schemeClr val="bg1"/>
+            </a:solidFill>
+          </a:ln>
+        </p:spPr>
+        <p:style>
+          <a:lnRef idx="2">
+            <a:schemeClr val="accent1">
+              <a:shade val="50000"/>
+            </a:schemeClr>
+          </a:lnRef>
+          <a:fillRef idx="1">
+            <a:schemeClr val="accent1"/>
+          </a:fillRef>
+          <a:effectRef idx="0">
+            <a:schemeClr val="accent1"/>
+          </a:effectRef>
+          <a:fontRef idx="minor">
+            <a:schemeClr val="lt1"/>
+          </a:fontRef>
+        </p:style>
+        <p:txBody>
+          <a:bodyPr rtlCol="0" anchor="ctr"/>
+          <a:lstStyle/>
+          <a:p>
+            <a:pPr algn="ctr"/>
+            <a:endParaRPr lang="en-IN"/>
+          </a:p>
+        </p:txBody>
+      </p:sp>
+      <p:pic>
+        <p:nvPicPr>
+          <p:cNvPr id="9" name="Picture 8"/>
+          <p:cNvPicPr>
+            <a:picLocks noChangeAspect="1"/>
+          </p:cNvPicPr>
+          <p:nvPr/>
+        </p:nvPicPr>
+        <p:blipFill>
+          <a:blip r:embed="rId3"/>
+          <a:stretch>
+            <a:fillRect/>
+          </a:stretch>
+        </p:blipFill>
+        <p:spPr>
+          <a:xfrm>
+            <a:off x="8657090" y="1252818"/>
+            <a:ext cx="3390900" cy="1905000"/>
+          </a:xfrm>
+          <a:prstGeom prst="rect">
+            <a:avLst/>
+          </a:prstGeom>
+          <a:ln>
+            <a:solidFill>
+              <a:schemeClr val="accent1">
+                <a:lumMod val="50000"/>
+              </a:schemeClr>
+            </a:solidFill>
+          </a:ln>
+        </p:spPr>
+      </p:pic>
+      <p:sp>
+        <p:nvSpPr>
+          <p:cNvPr id="10" name="TextBox 9"/>
+          <p:cNvSpPr txBox="1"/>
+          <p:nvPr/>
+        </p:nvSpPr>
+        <p:spPr>
+          <a:xfrm>
+            <a:off x="8944943" y="3117477"/>
+            <a:ext cx="2815194" cy="276999"/>
+          </a:xfrm>
+          <a:prstGeom prst="rect">
+            <a:avLst/>
+          </a:prstGeom>
+          <a:noFill/>
+        </p:spPr>
+        <p:txBody>
+          <a:bodyPr wrap="none" rtlCol="0">
+            <a:spAutoFit/>
+          </a:bodyPr>
+          <a:lstStyle/>
+          <a:p>
+            <a:r>
+              <a:rPr lang="en-IN" sz="1200" b="1" dirty="0" smtClean="0"/>
+              <a:t>Home page redirected to /</a:t>
+            </a:r>
+            <a:r>
+              <a:rPr lang="en-IN" sz="1200" b="1" dirty="0" err="1" smtClean="0"/>
+              <a:t>dept</a:t>
+            </a:r>
+            <a:r>
+              <a:rPr lang="en-IN" sz="1200" b="1" dirty="0" smtClean="0"/>
+              <a:t>-list</a:t>
+            </a:r>
+            <a:endParaRPr lang="en-IN" sz="1200" b="1" dirty="0"/>
+          </a:p>
+        </p:txBody>
+      </p:sp>
+      <p:pic>
+        <p:nvPicPr>
+          <p:cNvPr id="11" name="Picture 10"/>
+          <p:cNvPicPr>
+            <a:picLocks noChangeAspect="1"/>
+          </p:cNvPicPr>
+          <p:nvPr/>
+        </p:nvPicPr>
+        <p:blipFill>
+          <a:blip r:embed="rId4"/>
+          <a:stretch>
+            <a:fillRect/>
+          </a:stretch>
+        </p:blipFill>
+        <p:spPr>
+          <a:xfrm>
+            <a:off x="8656544" y="4101265"/>
+            <a:ext cx="3295650" cy="1885950"/>
+          </a:xfrm>
+          <a:prstGeom prst="rect">
+            <a:avLst/>
+          </a:prstGeom>
+          <a:ln>
+            <a:solidFill>
+              <a:schemeClr val="accent1">
+                <a:lumMod val="50000"/>
+              </a:schemeClr>
+            </a:solidFill>
+          </a:ln>
+        </p:spPr>
+      </p:pic>
+      <p:sp>
+        <p:nvSpPr>
+          <p:cNvPr id="12" name="TextBox 11"/>
+          <p:cNvSpPr txBox="1"/>
+          <p:nvPr/>
+        </p:nvSpPr>
+        <p:spPr>
+          <a:xfrm>
+            <a:off x="8566337" y="5996209"/>
+            <a:ext cx="3558988" cy="276999"/>
+          </a:xfrm>
+          <a:prstGeom prst="rect">
+            <a:avLst/>
+          </a:prstGeom>
+          <a:noFill/>
+        </p:spPr>
+        <p:txBody>
+          <a:bodyPr wrap="none" rtlCol="0">
+            <a:spAutoFit/>
+          </a:bodyPr>
+          <a:lstStyle/>
+          <a:p>
+            <a:r>
+              <a:rPr lang="en-IN" sz="1200" b="1" dirty="0" smtClean="0"/>
+              <a:t>Undefined URL redirected to /page-not-found</a:t>
+            </a:r>
+            <a:endParaRPr lang="en-IN" sz="1200" b="1" dirty="0"/>
+          </a:p>
+        </p:txBody>
+      </p:sp>
+    </p:spTree>
+    <p:extLst>
+      <p:ext uri="{BB962C8B-B14F-4D97-AF65-F5344CB8AC3E}">
+        <p14:creationId xmlns:p14="http://schemas.microsoft.com/office/powerpoint/2010/main" val="593954457"/>
       </p:ext>
     </p:extLst>
   </p:cSld>

--- a/Angular Presentation.pptx
+++ b/Angular Presentation.pptx
@@ -5,7 +5,7 @@
     <p:sldMasterId id="2147483723" r:id="rId1"/>
   </p:sldMasterIdLst>
   <p:notesMasterIdLst>
-    <p:notesMasterId r:id="rId101"/>
+    <p:notesMasterId r:id="rId102"/>
   </p:notesMasterIdLst>
   <p:sldIdLst>
     <p:sldId id="256" r:id="rId2"/>
@@ -107,6 +107,7 @@
     <p:sldId id="379" r:id="rId98"/>
     <p:sldId id="380" r:id="rId99"/>
     <p:sldId id="381" r:id="rId100"/>
+    <p:sldId id="382" r:id="rId101"/>
   </p:sldIdLst>
   <p:sldSz cx="12192000" cy="6858000"/>
   <p:notesSz cx="6858000" cy="9144000"/>
@@ -295,7 +296,7 @@
           <a:p>
             <a:fld id="{9EEB2765-BDCF-4C68-BDEE-41431D54A0E1}" type="datetimeFigureOut">
               <a:rPr lang="en-IN" smtClean="0"/>
-              <a:t>08-05-2019</a:t>
+              <a:t>10-05-2019</a:t>
             </a:fld>
             <a:endParaRPr lang="en-IN"/>
           </a:p>
@@ -14171,6 +14172,397 @@
 </p:sld>
 </file>
 
+<file path=ppt/slides/slide100.xml><?xml version="1.0" encoding="utf-8"?>
+<p:sld xmlns:a="http://schemas.openxmlformats.org/drawingml/2006/main" xmlns:r="http://schemas.openxmlformats.org/officeDocument/2006/relationships" xmlns:p="http://schemas.openxmlformats.org/presentationml/2006/main">
+  <p:cSld>
+    <p:spTree>
+      <p:nvGrpSpPr>
+        <p:cNvPr id="1" name=""/>
+        <p:cNvGrpSpPr/>
+        <p:nvPr/>
+      </p:nvGrpSpPr>
+      <p:grpSpPr>
+        <a:xfrm>
+          <a:off x="0" y="0"/>
+          <a:ext cx="0" cy="0"/>
+          <a:chOff x="0" y="0"/>
+          <a:chExt cx="0" cy="0"/>
+        </a:xfrm>
+      </p:grpSpPr>
+      <p:sp>
+        <p:nvSpPr>
+          <p:cNvPr id="6" name="Title 5"/>
+          <p:cNvSpPr>
+            <a:spLocks noGrp="1"/>
+          </p:cNvSpPr>
+          <p:nvPr>
+            <p:ph type="title"/>
+          </p:nvPr>
+        </p:nvSpPr>
+        <p:spPr/>
+        <p:txBody>
+          <a:bodyPr/>
+          <a:lstStyle/>
+          <a:p>
+            <a:r>
+              <a:rPr lang="en-IN" b="1" dirty="0" smtClean="0"/>
+              <a:t>25. Route Parameters</a:t>
+            </a:r>
+            <a:endParaRPr lang="en-IN" b="1" dirty="0"/>
+          </a:p>
+        </p:txBody>
+      </p:sp>
+      <p:sp>
+        <p:nvSpPr>
+          <p:cNvPr id="3" name="Text Placeholder 2"/>
+          <p:cNvSpPr>
+            <a:spLocks noGrp="1"/>
+          </p:cNvSpPr>
+          <p:nvPr>
+            <p:ph type="body" idx="1"/>
+          </p:nvPr>
+        </p:nvSpPr>
+        <p:spPr/>
+        <p:txBody>
+          <a:bodyPr/>
+          <a:lstStyle/>
+          <a:p>
+            <a:r>
+              <a:rPr lang="en-IN" dirty="0" smtClean="0"/>
+              <a:t>Department List</a:t>
+            </a:r>
+            <a:endParaRPr lang="en-IN" dirty="0"/>
+          </a:p>
+        </p:txBody>
+      </p:sp>
+      <p:sp>
+        <p:nvSpPr>
+          <p:cNvPr id="9" name="Content Placeholder 8"/>
+          <p:cNvSpPr>
+            <a:spLocks noGrp="1"/>
+          </p:cNvSpPr>
+          <p:nvPr>
+            <p:ph sz="half" idx="2"/>
+          </p:nvPr>
+        </p:nvSpPr>
+        <p:spPr>
+          <a:xfrm>
+            <a:off x="1154954" y="3179762"/>
+            <a:ext cx="3336364" cy="2840039"/>
+          </a:xfrm>
+          <a:ln>
+            <a:solidFill>
+              <a:schemeClr val="accent1"/>
+            </a:solidFill>
+          </a:ln>
+        </p:spPr>
+        <p:txBody>
+          <a:bodyPr/>
+          <a:lstStyle/>
+          <a:p>
+            <a:r>
+              <a:rPr lang="en-IN" dirty="0" smtClean="0"/>
+              <a:t>Angular</a:t>
+            </a:r>
+          </a:p>
+          <a:p>
+            <a:r>
+              <a:rPr lang="en-IN" dirty="0" smtClean="0"/>
+              <a:t>Node</a:t>
+            </a:r>
+          </a:p>
+          <a:p>
+            <a:r>
+              <a:rPr lang="en-IN" dirty="0" smtClean="0"/>
+              <a:t>MongoDB</a:t>
+            </a:r>
+          </a:p>
+          <a:p>
+            <a:r>
+              <a:rPr lang="en-IN" dirty="0" smtClean="0"/>
+              <a:t>Ruby</a:t>
+            </a:r>
+          </a:p>
+          <a:p>
+            <a:r>
+              <a:rPr lang="en-IN" dirty="0" smtClean="0"/>
+              <a:t>Bootstrap</a:t>
+            </a:r>
+            <a:endParaRPr lang="en-IN" dirty="0"/>
+          </a:p>
+        </p:txBody>
+      </p:sp>
+      <p:sp>
+        <p:nvSpPr>
+          <p:cNvPr id="10" name="Text Placeholder 9"/>
+          <p:cNvSpPr>
+            <a:spLocks noGrp="1"/>
+          </p:cNvSpPr>
+          <p:nvPr>
+            <p:ph type="body" sz="quarter" idx="3"/>
+          </p:nvPr>
+        </p:nvSpPr>
+        <p:spPr>
+          <a:xfrm>
+            <a:off x="6644885" y="2600793"/>
+            <a:ext cx="3707655" cy="576262"/>
+          </a:xfrm>
+        </p:spPr>
+        <p:txBody>
+          <a:bodyPr/>
+          <a:lstStyle/>
+          <a:p>
+            <a:r>
+              <a:rPr lang="en-IN" dirty="0" smtClean="0"/>
+              <a:t>Department Detail</a:t>
+            </a:r>
+            <a:endParaRPr lang="en-IN" dirty="0"/>
+          </a:p>
+        </p:txBody>
+      </p:sp>
+      <p:sp>
+        <p:nvSpPr>
+          <p:cNvPr id="11" name="Content Placeholder 10"/>
+          <p:cNvSpPr>
+            <a:spLocks noGrp="1"/>
+          </p:cNvSpPr>
+          <p:nvPr>
+            <p:ph sz="quarter" idx="4"/>
+          </p:nvPr>
+        </p:nvSpPr>
+        <p:spPr>
+          <a:xfrm>
+            <a:off x="6644885" y="3177055"/>
+            <a:ext cx="3707655" cy="2840039"/>
+          </a:xfrm>
+          <a:ln>
+            <a:solidFill>
+              <a:schemeClr val="accent1"/>
+            </a:solidFill>
+          </a:ln>
+        </p:spPr>
+        <p:txBody>
+          <a:bodyPr/>
+          <a:lstStyle/>
+          <a:p>
+            <a:r>
+              <a:rPr lang="en-IN" dirty="0" smtClean="0">
+                <a:solidFill>
+                  <a:srgbClr val="00B0F0"/>
+                </a:solidFill>
+              </a:rPr>
+              <a:t>You have selected Department with Id=2</a:t>
+            </a:r>
+          </a:p>
+          <a:p>
+            <a:pPr marL="0" indent="0">
+              <a:buNone/>
+            </a:pPr>
+            <a:endParaRPr lang="en-IN" dirty="0" smtClean="0"/>
+          </a:p>
+          <a:p>
+            <a:r>
+              <a:rPr lang="en-IN" dirty="0">
+                <a:solidFill>
+                  <a:srgbClr val="00B050"/>
+                </a:solidFill>
+              </a:rPr>
+              <a:t>You have selected Department with </a:t>
+            </a:r>
+            <a:r>
+              <a:rPr lang="en-IN" dirty="0" smtClean="0">
+                <a:solidFill>
+                  <a:srgbClr val="00B050"/>
+                </a:solidFill>
+              </a:rPr>
+              <a:t>Id=4</a:t>
+            </a:r>
+            <a:endParaRPr lang="en-IN" dirty="0">
+              <a:solidFill>
+                <a:srgbClr val="00B050"/>
+              </a:solidFill>
+            </a:endParaRPr>
+          </a:p>
+          <a:p>
+            <a:pPr marL="0" indent="0">
+              <a:buNone/>
+            </a:pPr>
+            <a:endParaRPr lang="en-IN" dirty="0"/>
+          </a:p>
+        </p:txBody>
+      </p:sp>
+      <p:sp>
+        <p:nvSpPr>
+          <p:cNvPr id="4" name="Date Placeholder 3"/>
+          <p:cNvSpPr>
+            <a:spLocks noGrp="1"/>
+          </p:cNvSpPr>
+          <p:nvPr>
+            <p:ph type="dt" sz="half" idx="10"/>
+          </p:nvPr>
+        </p:nvSpPr>
+        <p:spPr/>
+        <p:txBody>
+          <a:bodyPr/>
+          <a:lstStyle/>
+          <a:p>
+            <a:r>
+              <a:rPr lang="en-US" smtClean="0"/>
+              <a:t>5/6/2019</a:t>
+            </a:r>
+            <a:endParaRPr lang="en-US" dirty="0"/>
+          </a:p>
+        </p:txBody>
+      </p:sp>
+      <p:sp>
+        <p:nvSpPr>
+          <p:cNvPr id="5" name="Slide Number Placeholder 4"/>
+          <p:cNvSpPr>
+            <a:spLocks noGrp="1"/>
+          </p:cNvSpPr>
+          <p:nvPr>
+            <p:ph type="sldNum" sz="quarter" idx="12"/>
+          </p:nvPr>
+        </p:nvSpPr>
+        <p:spPr/>
+        <p:txBody>
+          <a:bodyPr/>
+          <a:lstStyle/>
+          <a:p>
+            <a:fld id="{6D22F896-40B5-4ADD-8801-0D06FADFA095}" type="slidenum">
+              <a:rPr lang="en-US" smtClean="0"/>
+              <a:t>100</a:t>
+            </a:fld>
+            <a:endParaRPr lang="en-US" dirty="0"/>
+          </a:p>
+        </p:txBody>
+      </p:sp>
+      <p:sp>
+        <p:nvSpPr>
+          <p:cNvPr id="8" name="TextBox 7"/>
+          <p:cNvSpPr txBox="1"/>
+          <p:nvPr/>
+        </p:nvSpPr>
+        <p:spPr>
+          <a:xfrm>
+            <a:off x="8240207" y="6019800"/>
+            <a:ext cx="3403496" cy="369332"/>
+          </a:xfrm>
+          <a:prstGeom prst="rect">
+            <a:avLst/>
+          </a:prstGeom>
+          <a:noFill/>
+        </p:spPr>
+        <p:txBody>
+          <a:bodyPr wrap="none" rtlCol="0">
+            <a:spAutoFit/>
+          </a:bodyPr>
+          <a:lstStyle/>
+          <a:p>
+            <a:r>
+              <a:rPr lang="en-IN" dirty="0"/>
+              <a:t>See Example </a:t>
+            </a:r>
+            <a:r>
+              <a:rPr lang="en-IN" dirty="0" smtClean="0"/>
+              <a:t>in next page….</a:t>
+            </a:r>
+            <a:endParaRPr lang="en-IN" dirty="0"/>
+          </a:p>
+        </p:txBody>
+      </p:sp>
+      <p:cxnSp>
+        <p:nvCxnSpPr>
+          <p:cNvPr id="13" name="Straight Arrow Connector 12"/>
+          <p:cNvCxnSpPr/>
+          <p:nvPr/>
+        </p:nvCxnSpPr>
+        <p:spPr>
+          <a:xfrm flipV="1">
+            <a:off x="2259106" y="3388659"/>
+            <a:ext cx="4385779" cy="403412"/>
+          </a:xfrm>
+          <a:prstGeom prst="straightConnector1">
+            <a:avLst/>
+          </a:prstGeom>
+          <a:ln w="28575">
+            <a:solidFill>
+              <a:srgbClr val="00B0F0"/>
+            </a:solidFill>
+            <a:tailEnd type="triangle"/>
+          </a:ln>
+        </p:spPr>
+        <p:style>
+          <a:lnRef idx="1">
+            <a:schemeClr val="accent1"/>
+          </a:lnRef>
+          <a:fillRef idx="0">
+            <a:schemeClr val="accent1"/>
+          </a:fillRef>
+          <a:effectRef idx="0">
+            <a:schemeClr val="accent1"/>
+          </a:effectRef>
+          <a:fontRef idx="minor">
+            <a:schemeClr val="tx1"/>
+          </a:fontRef>
+        </p:style>
+      </p:cxnSp>
+      <p:cxnSp>
+        <p:nvCxnSpPr>
+          <p:cNvPr id="15" name="Straight Arrow Connector 14"/>
+          <p:cNvCxnSpPr/>
+          <p:nvPr/>
+        </p:nvCxnSpPr>
+        <p:spPr>
+          <a:xfrm flipV="1">
+            <a:off x="2259106" y="4464424"/>
+            <a:ext cx="4385779" cy="134471"/>
+          </a:xfrm>
+          <a:prstGeom prst="straightConnector1">
+            <a:avLst/>
+          </a:prstGeom>
+          <a:ln w="28575">
+            <a:solidFill>
+              <a:srgbClr val="00B050"/>
+            </a:solidFill>
+            <a:tailEnd type="triangle"/>
+          </a:ln>
+        </p:spPr>
+        <p:style>
+          <a:lnRef idx="1">
+            <a:schemeClr val="accent1"/>
+          </a:lnRef>
+          <a:fillRef idx="0">
+            <a:schemeClr val="accent1"/>
+          </a:fillRef>
+          <a:effectRef idx="0">
+            <a:schemeClr val="accent1"/>
+          </a:effectRef>
+          <a:fontRef idx="minor">
+            <a:schemeClr val="tx1"/>
+          </a:fontRef>
+        </p:style>
+      </p:cxnSp>
+    </p:spTree>
+    <p:extLst>
+      <p:ext uri="{BB962C8B-B14F-4D97-AF65-F5344CB8AC3E}">
+        <p14:creationId xmlns:p14="http://schemas.microsoft.com/office/powerpoint/2010/main" val="112101935"/>
+      </p:ext>
+    </p:extLst>
+  </p:cSld>
+  <p:clrMapOvr>
+    <a:masterClrMapping/>
+  </p:clrMapOvr>
+  <p:timing>
+    <p:tnLst>
+      <p:par>
+        <p:cTn id="1" dur="indefinite" restart="never" nodeType="tmRoot"/>
+      </p:par>
+    </p:tnLst>
+  </p:timing>
+</p:sld>
+</file>
+
 <file path=ppt/slides/slide11.xml><?xml version="1.0" encoding="utf-8"?>
 <p:sld xmlns:a="http://schemas.openxmlformats.org/drawingml/2006/main" xmlns:r="http://schemas.openxmlformats.org/officeDocument/2006/relationships" xmlns:p="http://schemas.openxmlformats.org/presentationml/2006/main">
   <p:cSld>
@@ -42086,11 +42478,7 @@
           <a:p>
             <a:r>
               <a:rPr lang="en-IN" b="1" dirty="0" smtClean="0"/>
-              <a:t>17.1 Problem without </a:t>
-            </a:r>
-            <a:r>
-              <a:rPr lang="en-IN" b="1" dirty="0" smtClean="0"/>
-              <a:t>DI (2)</a:t>
+              <a:t>17.1 Problem without DI (2)</a:t>
             </a:r>
             <a:endParaRPr lang="en-IN" b="1" dirty="0"/>
           </a:p>
@@ -43768,15 +44156,7 @@
           <a:p>
             <a:r>
               <a:rPr lang="en-IN" b="1" dirty="0" smtClean="0"/>
-              <a:t>18. </a:t>
-            </a:r>
-            <a:r>
-              <a:rPr lang="en-IN" b="1" dirty="0" smtClean="0"/>
-              <a:t>DI </a:t>
-            </a:r>
-            <a:r>
-              <a:rPr lang="en-IN" b="1" dirty="0" smtClean="0"/>
-              <a:t>using a service(2)</a:t>
+              <a:t>18. DI using a service(2)</a:t>
             </a:r>
             <a:endParaRPr lang="en-IN" b="1" dirty="0"/>
           </a:p>
@@ -43846,11 +44226,7 @@
           <a:p>
             <a:r>
               <a:rPr lang="en-IN" dirty="0" smtClean="0"/>
-              <a:t>Service creation syntax: ng g s em</a:t>
-            </a:r>
-            <a:r>
-              <a:rPr lang="en-IN" dirty="0" smtClean="0"/>
-              <a:t>ployee</a:t>
+              <a:t>Service creation syntax: ng g s employee</a:t>
             </a:r>
           </a:p>
           <a:p>
@@ -44061,15 +44437,7 @@
           <a:p>
             <a:r>
               <a:rPr lang="en-IN" b="1" dirty="0" smtClean="0"/>
-              <a:t>18. </a:t>
-            </a:r>
-            <a:r>
-              <a:rPr lang="en-IN" b="1" dirty="0" smtClean="0"/>
-              <a:t>DI </a:t>
-            </a:r>
-            <a:r>
-              <a:rPr lang="en-IN" b="1" dirty="0" smtClean="0"/>
-              <a:t>using a service(3)</a:t>
+              <a:t>18. DI using a service(3)</a:t>
             </a:r>
             <a:endParaRPr lang="en-IN" b="1" dirty="0"/>
           </a:p>
@@ -44143,11 +44511,7 @@
             </a:r>
             <a:r>
               <a:rPr lang="en-IN" dirty="0" smtClean="0"/>
-              <a:t>class and m</a:t>
-            </a:r>
-            <a:r>
-              <a:rPr lang="en-IN" dirty="0" smtClean="0"/>
-              <a:t>ove the person object creation code </a:t>
+              <a:t>class and move the person object creation code </a:t>
             </a:r>
           </a:p>
         </p:txBody>
@@ -45016,15 +45380,7 @@
           <a:p>
             <a:r>
               <a:rPr lang="en-IN" b="1" dirty="0" smtClean="0"/>
-              <a:t>19 </a:t>
-            </a:r>
-            <a:r>
-              <a:rPr lang="en-IN" b="1" dirty="0" smtClean="0"/>
-              <a:t>: </a:t>
-            </a:r>
-            <a:r>
-              <a:rPr lang="en-IN" b="1" dirty="0" smtClean="0"/>
-              <a:t>HTTP and Observables</a:t>
+              <a:t>19 : HTTP and Observables</a:t>
             </a:r>
             <a:endParaRPr lang="en-IN" b="1" dirty="0"/>
           </a:p>
@@ -45171,15 +45527,7 @@
           <a:p>
             <a:r>
               <a:rPr lang="en-IN" b="1" dirty="0" smtClean="0"/>
-              <a:t>19.1 </a:t>
-            </a:r>
-            <a:r>
-              <a:rPr lang="en-IN" b="1" dirty="0" smtClean="0"/>
-              <a:t>: </a:t>
-            </a:r>
-            <a:r>
-              <a:rPr lang="en-IN" b="1" dirty="0" smtClean="0"/>
-              <a:t>HTTP Mechanism</a:t>
+              <a:t>19.1 : HTTP Mechanism</a:t>
             </a:r>
             <a:endParaRPr lang="en-IN" b="1" dirty="0"/>
           </a:p>
@@ -46047,15 +46395,7 @@
           <a:p>
             <a:r>
               <a:rPr lang="en-IN" b="1" dirty="0" smtClean="0"/>
-              <a:t>19.2 </a:t>
-            </a:r>
-            <a:r>
-              <a:rPr lang="en-IN" b="1" dirty="0" smtClean="0"/>
-              <a:t>: </a:t>
-            </a:r>
-            <a:r>
-              <a:rPr lang="en-IN" b="1" dirty="0" smtClean="0"/>
-              <a:t>Observables</a:t>
+              <a:t>19.2 : Observables</a:t>
             </a:r>
             <a:endParaRPr lang="en-IN" b="1" dirty="0"/>
           </a:p>
@@ -46161,15 +46501,7 @@
           <a:p>
             <a:r>
               <a:rPr lang="en-IN" b="1" dirty="0" smtClean="0"/>
-              <a:t>19.2 </a:t>
-            </a:r>
-            <a:r>
-              <a:rPr lang="en-IN" b="1" dirty="0" smtClean="0"/>
-              <a:t>: </a:t>
-            </a:r>
-            <a:r>
-              <a:rPr lang="en-IN" b="1" dirty="0" smtClean="0"/>
-              <a:t>Observables Explanation</a:t>
+              <a:t>19.2 : Observables Explanation</a:t>
             </a:r>
             <a:endParaRPr lang="en-IN" b="1" dirty="0"/>
           </a:p>
@@ -46434,15 +46766,7 @@
           <a:p>
             <a:r>
               <a:rPr lang="en-IN" b="1" dirty="0" smtClean="0"/>
-              <a:t>20 </a:t>
-            </a:r>
-            <a:r>
-              <a:rPr lang="en-IN" b="1" dirty="0" smtClean="0"/>
-              <a:t>: </a:t>
-            </a:r>
-            <a:r>
-              <a:rPr lang="en-IN" b="1" dirty="0" smtClean="0"/>
-              <a:t>Fetch data using HTTP</a:t>
+              <a:t>20 : Fetch data using HTTP</a:t>
             </a:r>
             <a:endParaRPr lang="en-IN" b="1" dirty="0"/>
           </a:p>
@@ -47486,15 +47810,7 @@
           <a:p>
             <a:r>
               <a:rPr lang="en-IN" b="1" dirty="0" smtClean="0"/>
-              <a:t>21 </a:t>
-            </a:r>
-            <a:r>
-              <a:rPr lang="en-IN" b="1" dirty="0" smtClean="0"/>
-              <a:t>: </a:t>
-            </a:r>
-            <a:r>
-              <a:rPr lang="en-IN" b="1" dirty="0" smtClean="0"/>
-              <a:t>HTTP Error Handling</a:t>
+              <a:t>21 : HTTP Error Handling</a:t>
             </a:r>
             <a:endParaRPr lang="en-IN" b="1" dirty="0"/>
           </a:p>
@@ -49386,7 +49702,7 @@
         </p:blipFill>
         <p:spPr>
           <a:xfrm>
-            <a:off x="8657090" y="1252818"/>
+            <a:off x="8683984" y="1252818"/>
             <a:ext cx="3390900" cy="1905000"/>
           </a:xfrm>
           <a:prstGeom prst="rect">
@@ -49455,7 +49771,7 @@
         </p:blipFill>
         <p:spPr>
           <a:xfrm>
-            <a:off x="8656544" y="4101265"/>
+            <a:off x="8683438" y="4101265"/>
             <a:ext cx="3295650" cy="1885950"/>
           </a:xfrm>
           <a:prstGeom prst="rect">
@@ -49510,6 +49826,13 @@
   <p:clrMapOvr>
     <a:masterClrMapping/>
   </p:clrMapOvr>
+  <p:timing>
+    <p:tnLst>
+      <p:par>
+        <p:cTn id="1" dur="indefinite" restart="never" nodeType="tmRoot"/>
+      </p:par>
+    </p:tnLst>
+  </p:timing>
 </p:sld>
 </file>
 
